--- a/스토리보드수행과제/스토리보드수행과제.pptx
+++ b/스토리보드수행과제/스토리보드수행과제.pptx
@@ -15,7 +15,7 @@
     <p:sldId id="258" r:id="rId6"/>
     <p:sldId id="264" r:id="rId7"/>
     <p:sldId id="259" r:id="rId8"/>
-    <p:sldId id="260" r:id="rId9"/>
+    <p:sldId id="265" r:id="rId9"/>
     <p:sldId id="261" r:id="rId10"/>
     <p:sldId id="262" r:id="rId11"/>
     <p:sldId id="263" r:id="rId12"/>
@@ -253,7 +253,7 @@
   </p:defaultTextStyle>
   <p:extLst>
     <p:ext uri="{EFAFB233-063F-42B5-8137-9DF3F51BA10A}">
-      <p15:sldGuideLst xmlns:p15="http://schemas.microsoft.com/office/powerpoint/2012/main">
+      <p15:sldGuideLst xmlns:p15="http://schemas.microsoft.com/office/powerpoint/2012/main" xmlns="">
         <p15:guide id="1" orient="horz" pos="1620">
           <p15:clr>
             <a:srgbClr val="000000"/>
@@ -1229,6 +1229,11 @@
         </p:txBody>
       </p:sp>
     </p:spTree>
+    <p:extLst>
+      <p:ext uri="{BB962C8B-B14F-4D97-AF65-F5344CB8AC3E}">
+        <p14:creationId xmlns:p14="http://schemas.microsoft.com/office/powerpoint/2010/main" val="3545024804"/>
+      </p:ext>
+    </p:extLst>
   </p:cSld>
   <p:clrMap bg1="lt1" tx1="dk1" bg2="dk2" tx2="lt2" accent1="accent1" accent2="accent2" accent3="accent3" accent4="accent4" accent5="accent5" accent6="accent6" hlink="hlink" folHlink="folHlink"/>
   <p:notesStyle>
@@ -3115,28 +3120,28 @@
                 <a:gridCol w="2052625">
                   <a:extLst>
                     <a:ext uri="{9D8B030D-6E8A-4147-A177-3AD203B41FA5}">
-                      <a16:colId xmlns:a16="http://schemas.microsoft.com/office/drawing/2014/main" val="20000"/>
+                      <a16:colId xmlns:a16="http://schemas.microsoft.com/office/drawing/2014/main" xmlns="" val="20000"/>
                     </a:ext>
                   </a:extLst>
                 </a:gridCol>
                 <a:gridCol w="2052625">
                   <a:extLst>
                     <a:ext uri="{9D8B030D-6E8A-4147-A177-3AD203B41FA5}">
-                      <a16:colId xmlns:a16="http://schemas.microsoft.com/office/drawing/2014/main" val="20001"/>
+                      <a16:colId xmlns:a16="http://schemas.microsoft.com/office/drawing/2014/main" xmlns="" val="20001"/>
                     </a:ext>
                   </a:extLst>
                 </a:gridCol>
                 <a:gridCol w="2052625">
                   <a:extLst>
                     <a:ext uri="{9D8B030D-6E8A-4147-A177-3AD203B41FA5}">
-                      <a16:colId xmlns:a16="http://schemas.microsoft.com/office/drawing/2014/main" val="20002"/>
+                      <a16:colId xmlns:a16="http://schemas.microsoft.com/office/drawing/2014/main" xmlns="" val="20002"/>
                     </a:ext>
                   </a:extLst>
                 </a:gridCol>
                 <a:gridCol w="2052625">
                   <a:extLst>
                     <a:ext uri="{9D8B030D-6E8A-4147-A177-3AD203B41FA5}">
-                      <a16:colId xmlns:a16="http://schemas.microsoft.com/office/drawing/2014/main" val="20003"/>
+                      <a16:colId xmlns:a16="http://schemas.microsoft.com/office/drawing/2014/main" xmlns="" val="20003"/>
                     </a:ext>
                   </a:extLst>
                 </a:gridCol>
@@ -3430,7 +3435,7 @@
                 </a:tc>
                 <a:extLst>
                   <a:ext uri="{0D108BD9-81ED-4DB2-BD59-A6C34878D82A}">
-                    <a16:rowId xmlns:a16="http://schemas.microsoft.com/office/drawing/2014/main" val="10000"/>
+                    <a16:rowId xmlns:a16="http://schemas.microsoft.com/office/drawing/2014/main" xmlns="" val="10000"/>
                   </a:ext>
                 </a:extLst>
               </a:tr>
@@ -3707,7 +3712,7 @@
                 </a:tc>
                 <a:extLst>
                   <a:ext uri="{0D108BD9-81ED-4DB2-BD59-A6C34878D82A}">
-                    <a16:rowId xmlns:a16="http://schemas.microsoft.com/office/drawing/2014/main" val="10001"/>
+                    <a16:rowId xmlns:a16="http://schemas.microsoft.com/office/drawing/2014/main" xmlns="" val="10001"/>
                   </a:ext>
                 </a:extLst>
               </a:tr>
@@ -10112,28 +10117,28 @@
                 <a:gridCol w="663725">
                   <a:extLst>
                     <a:ext uri="{9D8B030D-6E8A-4147-A177-3AD203B41FA5}">
-                      <a16:colId xmlns:a16="http://schemas.microsoft.com/office/drawing/2014/main" val="20000"/>
+                      <a16:colId xmlns:a16="http://schemas.microsoft.com/office/drawing/2014/main" xmlns="" val="20000"/>
                     </a:ext>
                   </a:extLst>
                 </a:gridCol>
                 <a:gridCol w="995575">
                   <a:extLst>
                     <a:ext uri="{9D8B030D-6E8A-4147-A177-3AD203B41FA5}">
-                      <a16:colId xmlns:a16="http://schemas.microsoft.com/office/drawing/2014/main" val="20001"/>
+                      <a16:colId xmlns:a16="http://schemas.microsoft.com/office/drawing/2014/main" xmlns="" val="20001"/>
                     </a:ext>
                   </a:extLst>
                 </a:gridCol>
                 <a:gridCol w="1626700">
                   <a:extLst>
                     <a:ext uri="{9D8B030D-6E8A-4147-A177-3AD203B41FA5}">
-                      <a16:colId xmlns:a16="http://schemas.microsoft.com/office/drawing/2014/main" val="20002"/>
+                      <a16:colId xmlns:a16="http://schemas.microsoft.com/office/drawing/2014/main" xmlns="" val="20002"/>
                     </a:ext>
                   </a:extLst>
                 </a:gridCol>
                 <a:gridCol w="5426100">
                   <a:extLst>
                     <a:ext uri="{9D8B030D-6E8A-4147-A177-3AD203B41FA5}">
-                      <a16:colId xmlns:a16="http://schemas.microsoft.com/office/drawing/2014/main" val="20003"/>
+                      <a16:colId xmlns:a16="http://schemas.microsoft.com/office/drawing/2014/main" xmlns="" val="20003"/>
                     </a:ext>
                   </a:extLst>
                 </a:gridCol>
@@ -10459,7 +10464,7 @@
                 </a:tc>
                 <a:extLst>
                   <a:ext uri="{0D108BD9-81ED-4DB2-BD59-A6C34878D82A}">
-                    <a16:rowId xmlns:a16="http://schemas.microsoft.com/office/drawing/2014/main" val="10000"/>
+                    <a16:rowId xmlns:a16="http://schemas.microsoft.com/office/drawing/2014/main" xmlns="" val="10000"/>
                   </a:ext>
                 </a:extLst>
               </a:tr>
@@ -10859,7 +10864,7 @@
                 </a:tc>
                 <a:extLst>
                   <a:ext uri="{0D108BD9-81ED-4DB2-BD59-A6C34878D82A}">
-                    <a16:rowId xmlns:a16="http://schemas.microsoft.com/office/drawing/2014/main" val="10001"/>
+                    <a16:rowId xmlns:a16="http://schemas.microsoft.com/office/drawing/2014/main" xmlns="" val="10001"/>
                   </a:ext>
                 </a:extLst>
               </a:tr>
@@ -11160,7 +11165,7 @@
                 </a:tc>
                 <a:extLst>
                   <a:ext uri="{0D108BD9-81ED-4DB2-BD59-A6C34878D82A}">
-                    <a16:rowId xmlns:a16="http://schemas.microsoft.com/office/drawing/2014/main" val="10002"/>
+                    <a16:rowId xmlns:a16="http://schemas.microsoft.com/office/drawing/2014/main" xmlns="" val="10002"/>
                   </a:ext>
                 </a:extLst>
               </a:tr>
@@ -11461,7 +11466,7 @@
                 </a:tc>
                 <a:extLst>
                   <a:ext uri="{0D108BD9-81ED-4DB2-BD59-A6C34878D82A}">
-                    <a16:rowId xmlns:a16="http://schemas.microsoft.com/office/drawing/2014/main" val="10003"/>
+                    <a16:rowId xmlns:a16="http://schemas.microsoft.com/office/drawing/2014/main" xmlns="" val="10003"/>
                   </a:ext>
                 </a:extLst>
               </a:tr>
@@ -11762,7 +11767,7 @@
                 </a:tc>
                 <a:extLst>
                   <a:ext uri="{0D108BD9-81ED-4DB2-BD59-A6C34878D82A}">
-                    <a16:rowId xmlns:a16="http://schemas.microsoft.com/office/drawing/2014/main" val="10004"/>
+                    <a16:rowId xmlns:a16="http://schemas.microsoft.com/office/drawing/2014/main" xmlns="" val="10004"/>
                   </a:ext>
                 </a:extLst>
               </a:tr>
@@ -12063,7 +12068,7 @@
                 </a:tc>
                 <a:extLst>
                   <a:ext uri="{0D108BD9-81ED-4DB2-BD59-A6C34878D82A}">
-                    <a16:rowId xmlns:a16="http://schemas.microsoft.com/office/drawing/2014/main" val="10005"/>
+                    <a16:rowId xmlns:a16="http://schemas.microsoft.com/office/drawing/2014/main" xmlns="" val="10005"/>
                   </a:ext>
                 </a:extLst>
               </a:tr>
@@ -12364,7 +12369,7 @@
                 </a:tc>
                 <a:extLst>
                   <a:ext uri="{0D108BD9-81ED-4DB2-BD59-A6C34878D82A}">
-                    <a16:rowId xmlns:a16="http://schemas.microsoft.com/office/drawing/2014/main" val="10006"/>
+                    <a16:rowId xmlns:a16="http://schemas.microsoft.com/office/drawing/2014/main" xmlns="" val="10006"/>
                   </a:ext>
                 </a:extLst>
               </a:tr>
@@ -12665,7 +12670,7 @@
                 </a:tc>
                 <a:extLst>
                   <a:ext uri="{0D108BD9-81ED-4DB2-BD59-A6C34878D82A}">
-                    <a16:rowId xmlns:a16="http://schemas.microsoft.com/office/drawing/2014/main" val="10007"/>
+                    <a16:rowId xmlns:a16="http://schemas.microsoft.com/office/drawing/2014/main" xmlns="" val="10007"/>
                   </a:ext>
                 </a:extLst>
               </a:tr>
@@ -12966,7 +12971,7 @@
                 </a:tc>
                 <a:extLst>
                   <a:ext uri="{0D108BD9-81ED-4DB2-BD59-A6C34878D82A}">
-                    <a16:rowId xmlns:a16="http://schemas.microsoft.com/office/drawing/2014/main" val="10008"/>
+                    <a16:rowId xmlns:a16="http://schemas.microsoft.com/office/drawing/2014/main" xmlns="" val="10008"/>
                   </a:ext>
                 </a:extLst>
               </a:tr>
@@ -13267,7 +13272,7 @@
                 </a:tc>
                 <a:extLst>
                   <a:ext uri="{0D108BD9-81ED-4DB2-BD59-A6C34878D82A}">
-                    <a16:rowId xmlns:a16="http://schemas.microsoft.com/office/drawing/2014/main" val="10009"/>
+                    <a16:rowId xmlns:a16="http://schemas.microsoft.com/office/drawing/2014/main" xmlns="" val="10009"/>
                   </a:ext>
                 </a:extLst>
               </a:tr>
@@ -13568,7 +13573,7 @@
                 </a:tc>
                 <a:extLst>
                   <a:ext uri="{0D108BD9-81ED-4DB2-BD59-A6C34878D82A}">
-                    <a16:rowId xmlns:a16="http://schemas.microsoft.com/office/drawing/2014/main" val="10010"/>
+                    <a16:rowId xmlns:a16="http://schemas.microsoft.com/office/drawing/2014/main" xmlns="" val="10010"/>
                   </a:ext>
                 </a:extLst>
               </a:tr>
@@ -13869,7 +13874,7 @@
                 </a:tc>
                 <a:extLst>
                   <a:ext uri="{0D108BD9-81ED-4DB2-BD59-A6C34878D82A}">
-                    <a16:rowId xmlns:a16="http://schemas.microsoft.com/office/drawing/2014/main" val="10011"/>
+                    <a16:rowId xmlns:a16="http://schemas.microsoft.com/office/drawing/2014/main" xmlns="" val="10011"/>
                   </a:ext>
                 </a:extLst>
               </a:tr>
@@ -14170,7 +14175,7 @@
                 </a:tc>
                 <a:extLst>
                   <a:ext uri="{0D108BD9-81ED-4DB2-BD59-A6C34878D82A}">
-                    <a16:rowId xmlns:a16="http://schemas.microsoft.com/office/drawing/2014/main" val="10012"/>
+                    <a16:rowId xmlns:a16="http://schemas.microsoft.com/office/drawing/2014/main" xmlns="" val="10012"/>
                   </a:ext>
                 </a:extLst>
               </a:tr>
@@ -15135,7 +15140,7 @@
         </p:blipFill>
         <p:spPr bwMode="auto">
           <a:xfrm>
-            <a:off x="2884987" y="699952"/>
+            <a:off x="1396724" y="695354"/>
             <a:ext cx="4088195" cy="1635278"/>
           </a:xfrm>
           <a:prstGeom prst="rect">
@@ -15176,7 +15181,7 @@
         </p:blipFill>
         <p:spPr bwMode="auto">
           <a:xfrm>
-            <a:off x="7135088" y="699952"/>
+            <a:off x="5646825" y="695354"/>
             <a:ext cx="1630680" cy="1630680"/>
           </a:xfrm>
           <a:prstGeom prst="rect">
@@ -15202,7 +15207,7 @@
         </p:nvSpPr>
         <p:spPr>
           <a:xfrm>
-            <a:off x="2884987" y="2726767"/>
+            <a:off x="1396724" y="2722169"/>
             <a:ext cx="1147792" cy="276999"/>
           </a:xfrm>
           <a:prstGeom prst="rect">
@@ -15246,7 +15251,7 @@
         </p:nvSpPr>
         <p:spPr>
           <a:xfrm>
-            <a:off x="2973611" y="3233866"/>
+            <a:off x="1485348" y="3229268"/>
             <a:ext cx="613525" cy="613525"/>
           </a:xfrm>
           <a:prstGeom prst="roundRect">
@@ -15292,7 +15297,7 @@
         </p:nvSpPr>
         <p:spPr>
           <a:xfrm>
-            <a:off x="3704837" y="3233865"/>
+            <a:off x="2216574" y="3229267"/>
             <a:ext cx="613525" cy="613525"/>
           </a:xfrm>
           <a:prstGeom prst="roundRect">
@@ -15338,7 +15343,7 @@
         </p:nvSpPr>
         <p:spPr>
           <a:xfrm>
-            <a:off x="4436063" y="3233865"/>
+            <a:off x="2947800" y="3229267"/>
             <a:ext cx="613525" cy="613525"/>
           </a:xfrm>
           <a:prstGeom prst="roundRect">
@@ -15384,7 +15389,7 @@
         </p:nvSpPr>
         <p:spPr>
           <a:xfrm>
-            <a:off x="5247187" y="2728559"/>
+            <a:off x="3758924" y="2723961"/>
             <a:ext cx="1340188" cy="276999"/>
           </a:xfrm>
           <a:prstGeom prst="rect">
@@ -15436,7 +15441,7 @@
         </p:blipFill>
         <p:spPr>
           <a:xfrm>
-            <a:off x="5515080" y="3278450"/>
+            <a:off x="4026817" y="3273852"/>
             <a:ext cx="1768370" cy="317818"/>
           </a:xfrm>
           <a:prstGeom prst="rect">
@@ -15460,7 +15465,7 @@
         </p:blipFill>
         <p:spPr>
           <a:xfrm>
-            <a:off x="7461901" y="3257924"/>
+            <a:off x="5973638" y="3253326"/>
             <a:ext cx="1303867" cy="325967"/>
           </a:xfrm>
           <a:prstGeom prst="rect">
@@ -15484,7 +15489,7 @@
         </p:blipFill>
         <p:spPr>
           <a:xfrm>
-            <a:off x="5614847" y="3829278"/>
+            <a:off x="4126584" y="3824680"/>
             <a:ext cx="1621685" cy="325967"/>
           </a:xfrm>
           <a:prstGeom prst="rect">
@@ -15508,7 +15513,7 @@
         </p:blipFill>
         <p:spPr>
           <a:xfrm>
-            <a:off x="5561877" y="4129216"/>
+            <a:off x="4073614" y="4124618"/>
             <a:ext cx="1674655" cy="379167"/>
           </a:xfrm>
           <a:prstGeom prst="rect">
@@ -15532,7 +15537,7 @@
         </p:blipFill>
         <p:spPr>
           <a:xfrm>
-            <a:off x="7646580" y="4159026"/>
+            <a:off x="6158317" y="4154428"/>
             <a:ext cx="1081088" cy="304306"/>
           </a:xfrm>
           <a:prstGeom prst="rect">
@@ -15556,7 +15561,7 @@
         </p:blipFill>
         <p:spPr>
           <a:xfrm>
-            <a:off x="7623914" y="3839240"/>
+            <a:off x="6135651" y="3834642"/>
             <a:ext cx="1083840" cy="334116"/>
           </a:xfrm>
           <a:prstGeom prst="rect">
@@ -15564,52 +15569,6 @@
           </a:prstGeom>
         </p:spPr>
       </p:pic>
-      <p:sp>
-        <p:nvSpPr>
-          <p:cNvPr id="28" name="Rectangle 27"/>
-          <p:cNvSpPr/>
-          <p:nvPr/>
-        </p:nvSpPr>
-        <p:spPr>
-          <a:xfrm>
-            <a:off x="0" y="300100"/>
-            <a:ext cx="2621280" cy="4843400"/>
-          </a:xfrm>
-          <a:prstGeom prst="rect">
-            <a:avLst/>
-          </a:prstGeom>
-          <a:solidFill>
-            <a:srgbClr val="FFF4EE"/>
-          </a:solidFill>
-          <a:ln>
-            <a:noFill/>
-          </a:ln>
-        </p:spPr>
-        <p:style>
-          <a:lnRef idx="2">
-            <a:schemeClr val="accent1">
-              <a:shade val="50000"/>
-            </a:schemeClr>
-          </a:lnRef>
-          <a:fillRef idx="1">
-            <a:schemeClr val="accent1"/>
-          </a:fillRef>
-          <a:effectRef idx="0">
-            <a:schemeClr val="accent1"/>
-          </a:effectRef>
-          <a:fontRef idx="minor">
-            <a:schemeClr val="lt1"/>
-          </a:fontRef>
-        </p:style>
-        <p:txBody>
-          <a:bodyPr rtlCol="0" anchor="ctr"/>
-          <a:lstStyle/>
-          <a:p>
-            <a:pPr algn="ctr"/>
-            <a:endParaRPr lang="ko-KR" altLang="en-US"/>
-          </a:p>
-        </p:txBody>
-      </p:sp>
       <p:cxnSp>
         <p:nvCxnSpPr>
           <p:cNvPr id="30" name="Straight Connector 29"/>
@@ -15618,7 +15577,7 @@
         </p:nvCxnSpPr>
         <p:spPr>
           <a:xfrm>
-            <a:off x="3451860" y="2926080"/>
+            <a:off x="1963597" y="2921482"/>
             <a:ext cx="1546860" cy="0"/>
           </a:xfrm>
           <a:prstGeom prst="line">
@@ -15656,7 +15615,7 @@
         </p:nvCxnSpPr>
         <p:spPr>
           <a:xfrm>
-            <a:off x="6298882" y="2926080"/>
+            <a:off x="4810619" y="2921482"/>
             <a:ext cx="2527935" cy="0"/>
           </a:xfrm>
           <a:prstGeom prst="line">
@@ -15694,7 +15653,7 @@
         </p:nvSpPr>
         <p:spPr>
           <a:xfrm>
-            <a:off x="2951813" y="3846680"/>
+            <a:off x="1463550" y="3842082"/>
             <a:ext cx="728280" cy="215444"/>
           </a:xfrm>
           <a:prstGeom prst="rect">
@@ -15738,7 +15697,7 @@
         </p:nvSpPr>
         <p:spPr>
           <a:xfrm>
-            <a:off x="3707547" y="3846680"/>
+            <a:off x="2219284" y="3842082"/>
             <a:ext cx="728280" cy="215444"/>
           </a:xfrm>
           <a:prstGeom prst="rect">
@@ -15782,7 +15741,7 @@
         </p:nvSpPr>
         <p:spPr>
           <a:xfrm>
-            <a:off x="4438537" y="3846680"/>
+            <a:off x="2950274" y="3842082"/>
             <a:ext cx="728280" cy="215444"/>
           </a:xfrm>
           <a:prstGeom prst="rect">
@@ -15826,7 +15785,7 @@
         </p:nvSpPr>
         <p:spPr>
           <a:xfrm>
-            <a:off x="2951813" y="4173356"/>
+            <a:off x="1463550" y="4168758"/>
             <a:ext cx="728280" cy="215444"/>
           </a:xfrm>
           <a:prstGeom prst="rect">
@@ -15870,7 +15829,7 @@
         </p:nvSpPr>
         <p:spPr>
           <a:xfrm>
-            <a:off x="3717999" y="4173356"/>
+            <a:off x="2229736" y="4168758"/>
             <a:ext cx="728280" cy="215444"/>
           </a:xfrm>
           <a:prstGeom prst="rect">
@@ -15914,7 +15873,7 @@
         </p:nvSpPr>
         <p:spPr>
           <a:xfrm>
-            <a:off x="4446409" y="4173356"/>
+            <a:off x="2958146" y="4168758"/>
             <a:ext cx="728280" cy="215444"/>
           </a:xfrm>
           <a:prstGeom prst="rect">
@@ -15961,170 +15920,6 @@
           </a:p>
         </p:txBody>
       </p:sp>
-      <p:sp>
-        <p:nvSpPr>
-          <p:cNvPr id="45" name="TextBox 44"/>
-          <p:cNvSpPr txBox="1"/>
-          <p:nvPr/>
-        </p:nvSpPr>
-        <p:spPr>
-          <a:xfrm>
-            <a:off x="255765" y="2721800"/>
-            <a:ext cx="1414813" cy="276999"/>
-          </a:xfrm>
-          <a:prstGeom prst="rect">
-            <a:avLst/>
-          </a:prstGeom>
-          <a:noFill/>
-        </p:spPr>
-        <p:txBody>
-          <a:bodyPr wrap="square" rtlCol="0">
-            <a:spAutoFit/>
-          </a:bodyPr>
-          <a:lstStyle/>
-          <a:p>
-            <a:r>
-              <a:rPr lang="en-US" altLang="ko-KR" sz="1200" smtClean="0">
-                <a:solidFill>
-                  <a:schemeClr val="tx1">
-                    <a:lumMod val="75000"/>
-                    <a:lumOff val="25000"/>
-                  </a:schemeClr>
-                </a:solidFill>
-              </a:rPr>
-              <a:t>Design Concept</a:t>
-            </a:r>
-            <a:endParaRPr lang="ko-KR" altLang="en-US" sz="1200">
-              <a:solidFill>
-                <a:schemeClr val="tx1">
-                  <a:lumMod val="75000"/>
-                  <a:lumOff val="25000"/>
-                </a:schemeClr>
-              </a:solidFill>
-            </a:endParaRPr>
-          </a:p>
-        </p:txBody>
-      </p:sp>
-      <p:cxnSp>
-        <p:nvCxnSpPr>
-          <p:cNvPr id="46" name="Straight Connector 45"/>
-          <p:cNvCxnSpPr/>
-          <p:nvPr/>
-        </p:nvCxnSpPr>
-        <p:spPr>
-          <a:xfrm>
-            <a:off x="1531620" y="2910840"/>
-            <a:ext cx="784860" cy="0"/>
-          </a:xfrm>
-          <a:prstGeom prst="line">
-            <a:avLst/>
-          </a:prstGeom>
-          <a:ln>
-            <a:solidFill>
-              <a:schemeClr val="tx1">
-                <a:lumMod val="85000"/>
-                <a:lumOff val="15000"/>
-              </a:schemeClr>
-            </a:solidFill>
-          </a:ln>
-        </p:spPr>
-        <p:style>
-          <a:lnRef idx="1">
-            <a:schemeClr val="accent1"/>
-          </a:lnRef>
-          <a:fillRef idx="0">
-            <a:schemeClr val="accent1"/>
-          </a:fillRef>
-          <a:effectRef idx="0">
-            <a:schemeClr val="accent1"/>
-          </a:effectRef>
-          <a:fontRef idx="minor">
-            <a:schemeClr val="tx1"/>
-          </a:fontRef>
-        </p:style>
-      </p:cxnSp>
-      <p:sp>
-        <p:nvSpPr>
-          <p:cNvPr id="48" name="TextBox 47"/>
-          <p:cNvSpPr txBox="1"/>
-          <p:nvPr/>
-        </p:nvSpPr>
-        <p:spPr>
-          <a:xfrm>
-            <a:off x="255765" y="630400"/>
-            <a:ext cx="1414813" cy="276999"/>
-          </a:xfrm>
-          <a:prstGeom prst="rect">
-            <a:avLst/>
-          </a:prstGeom>
-          <a:noFill/>
-        </p:spPr>
-        <p:txBody>
-          <a:bodyPr wrap="square" rtlCol="0">
-            <a:spAutoFit/>
-          </a:bodyPr>
-          <a:lstStyle/>
-          <a:p>
-            <a:r>
-              <a:rPr lang="en-US" altLang="ko-KR" sz="1200" smtClean="0">
-                <a:solidFill>
-                  <a:schemeClr val="tx1">
-                    <a:lumMod val="75000"/>
-                    <a:lumOff val="25000"/>
-                  </a:schemeClr>
-                </a:solidFill>
-              </a:rPr>
-              <a:t>Strategy</a:t>
-            </a:r>
-            <a:endParaRPr lang="ko-KR" altLang="en-US" sz="1200">
-              <a:solidFill>
-                <a:schemeClr val="tx1">
-                  <a:lumMod val="75000"/>
-                  <a:lumOff val="25000"/>
-                </a:schemeClr>
-              </a:solidFill>
-            </a:endParaRPr>
-          </a:p>
-        </p:txBody>
-      </p:sp>
-      <p:cxnSp>
-        <p:nvCxnSpPr>
-          <p:cNvPr id="49" name="Straight Connector 48"/>
-          <p:cNvCxnSpPr/>
-          <p:nvPr/>
-        </p:nvCxnSpPr>
-        <p:spPr>
-          <a:xfrm>
-            <a:off x="1028700" y="819440"/>
-            <a:ext cx="1287780" cy="0"/>
-          </a:xfrm>
-          <a:prstGeom prst="line">
-            <a:avLst/>
-          </a:prstGeom>
-          <a:ln>
-            <a:solidFill>
-              <a:schemeClr val="tx1">
-                <a:lumMod val="85000"/>
-                <a:lumOff val="15000"/>
-              </a:schemeClr>
-            </a:solidFill>
-          </a:ln>
-        </p:spPr>
-        <p:style>
-          <a:lnRef idx="1">
-            <a:schemeClr val="accent1"/>
-          </a:lnRef>
-          <a:fillRef idx="0">
-            <a:schemeClr val="accent1"/>
-          </a:fillRef>
-          <a:effectRef idx="0">
-            <a:schemeClr val="accent1"/>
-          </a:effectRef>
-          <a:fontRef idx="minor">
-            <a:schemeClr val="tx1"/>
-          </a:fontRef>
-        </p:style>
-      </p:cxnSp>
     </p:spTree>
     <p:extLst>
       <p:ext uri="{BB962C8B-B14F-4D97-AF65-F5344CB8AC3E}">
@@ -16411,7 +16206,7 @@
                 <a:gridCol w="1357325">
                   <a:extLst>
                     <a:ext uri="{9D8B030D-6E8A-4147-A177-3AD203B41FA5}">
-                      <a16:colId xmlns:a16="http://schemas.microsoft.com/office/drawing/2014/main" val="20000"/>
+                      <a16:colId xmlns:a16="http://schemas.microsoft.com/office/drawing/2014/main" xmlns="" val="20000"/>
                     </a:ext>
                   </a:extLst>
                 </a:gridCol>
@@ -16504,7 +16299,7 @@
                 </a:tc>
                 <a:extLst>
                   <a:ext uri="{0D108BD9-81ED-4DB2-BD59-A6C34878D82A}">
-                    <a16:rowId xmlns:a16="http://schemas.microsoft.com/office/drawing/2014/main" val="10000"/>
+                    <a16:rowId xmlns:a16="http://schemas.microsoft.com/office/drawing/2014/main" xmlns="" val="10000"/>
                   </a:ext>
                 </a:extLst>
               </a:tr>
@@ -16539,7 +16334,7 @@
                 <a:gridCol w="1000125">
                   <a:extLst>
                     <a:ext uri="{9D8B030D-6E8A-4147-A177-3AD203B41FA5}">
-                      <a16:colId xmlns:a16="http://schemas.microsoft.com/office/drawing/2014/main" val="20000"/>
+                      <a16:colId xmlns:a16="http://schemas.microsoft.com/office/drawing/2014/main" xmlns="" val="20000"/>
                     </a:ext>
                   </a:extLst>
                 </a:gridCol>
@@ -16560,7 +16355,7 @@
                         <a:buNone/>
                       </a:pPr>
                       <a:r>
-                        <a:rPr lang="en-US" sz="600" b="1" smtClean="0">
+                        <a:rPr lang="en-US" sz="600" b="1" dirty="0" smtClean="0">
                           <a:solidFill>
                             <a:srgbClr val="FF0000"/>
                           </a:solidFill>
@@ -16572,7 +16367,7 @@
                         <a:t>1</a:t>
                       </a:r>
                       <a:r>
-                        <a:rPr lang="en-US" sz="600" b="1" u="none" strike="noStrike" cap="none" smtClean="0">
+                        <a:rPr lang="en-US" sz="600" b="1" u="none" strike="noStrike" cap="none" dirty="0" smtClean="0">
                           <a:solidFill>
                             <a:schemeClr val="dk1"/>
                           </a:solidFill>
@@ -16584,7 +16379,7 @@
                         <a:t>.Beautiful</a:t>
                       </a:r>
                       <a:r>
-                        <a:rPr lang="en-US" sz="600" b="1" u="none" strike="noStrike" cap="none" baseline="0" smtClean="0">
+                        <a:rPr lang="en-US" sz="600" b="1" u="none" strike="noStrike" cap="none" baseline="0" dirty="0" smtClean="0">
                           <a:solidFill>
                             <a:schemeClr val="dk1"/>
                           </a:solidFill>
@@ -16596,7 +16391,7 @@
                         <a:t> Mint Life</a:t>
                       </a:r>
                       <a:br>
-                        <a:rPr lang="en-US" sz="600" b="1" u="none" strike="noStrike" cap="none" baseline="0" smtClean="0">
+                        <a:rPr lang="en-US" sz="600" b="1" u="none" strike="noStrike" cap="none" baseline="0" dirty="0" smtClean="0">
                           <a:solidFill>
                             <a:schemeClr val="dk1"/>
                           </a:solidFill>
@@ -16607,7 +16402,7 @@
                         </a:rPr>
                       </a:br>
                       <a:r>
-                        <a:rPr lang="en-US" sz="600" b="1" u="none" strike="noStrike" cap="none" baseline="0" smtClean="0">
+                        <a:rPr lang="en-US" sz="600" b="1" u="none" strike="noStrike" cap="none" baseline="0" dirty="0" smtClean="0">
                           <a:solidFill>
                             <a:schemeClr val="dk1"/>
                           </a:solidFill>
@@ -16618,7 +16413,7 @@
                         </a:rPr>
                         <a:t>2020</a:t>
                       </a:r>
-                      <a:endParaRPr sz="600" b="1" u="none" strike="noStrike" cap="none">
+                      <a:endParaRPr sz="600" b="1" u="none" strike="noStrike" cap="none" dirty="0">
                         <a:solidFill>
                           <a:schemeClr val="dk1"/>
                         </a:solidFill>
@@ -16673,7 +16468,7 @@
                 </a:tc>
                 <a:extLst>
                   <a:ext uri="{0D108BD9-81ED-4DB2-BD59-A6C34878D82A}">
-                    <a16:rowId xmlns:a16="http://schemas.microsoft.com/office/drawing/2014/main" val="10000"/>
+                    <a16:rowId xmlns:a16="http://schemas.microsoft.com/office/drawing/2014/main" xmlns="" val="10000"/>
                   </a:ext>
                 </a:extLst>
               </a:tr>
@@ -16708,7 +16503,7 @@
                 <a:gridCol w="1000125">
                   <a:extLst>
                     <a:ext uri="{9D8B030D-6E8A-4147-A177-3AD203B41FA5}">
-                      <a16:colId xmlns:a16="http://schemas.microsoft.com/office/drawing/2014/main" val="20000"/>
+                      <a16:colId xmlns:a16="http://schemas.microsoft.com/office/drawing/2014/main" xmlns="" val="20000"/>
                     </a:ext>
                   </a:extLst>
                 </a:gridCol>
@@ -16804,7 +16599,7 @@
                 </a:tc>
                 <a:extLst>
                   <a:ext uri="{0D108BD9-81ED-4DB2-BD59-A6C34878D82A}">
-                    <a16:rowId xmlns:a16="http://schemas.microsoft.com/office/drawing/2014/main" val="10000"/>
+                    <a16:rowId xmlns:a16="http://schemas.microsoft.com/office/drawing/2014/main" xmlns="" val="10000"/>
                   </a:ext>
                 </a:extLst>
               </a:tr>
@@ -16839,7 +16634,7 @@
                 <a:gridCol w="1000125">
                   <a:extLst>
                     <a:ext uri="{9D8B030D-6E8A-4147-A177-3AD203B41FA5}">
-                      <a16:colId xmlns:a16="http://schemas.microsoft.com/office/drawing/2014/main" val="20000"/>
+                      <a16:colId xmlns:a16="http://schemas.microsoft.com/office/drawing/2014/main" xmlns="" val="20000"/>
                     </a:ext>
                   </a:extLst>
                 </a:gridCol>
@@ -16938,7 +16733,7 @@
                 </a:tc>
                 <a:extLst>
                   <a:ext uri="{0D108BD9-81ED-4DB2-BD59-A6C34878D82A}">
-                    <a16:rowId xmlns:a16="http://schemas.microsoft.com/office/drawing/2014/main" val="10000"/>
+                    <a16:rowId xmlns:a16="http://schemas.microsoft.com/office/drawing/2014/main" xmlns="" val="10000"/>
                   </a:ext>
                 </a:extLst>
               </a:tr>
@@ -16973,7 +16768,7 @@
                 <a:gridCol w="1000125">
                   <a:extLst>
                     <a:ext uri="{9D8B030D-6E8A-4147-A177-3AD203B41FA5}">
-                      <a16:colId xmlns:a16="http://schemas.microsoft.com/office/drawing/2014/main" val="20000"/>
+                      <a16:colId xmlns:a16="http://schemas.microsoft.com/office/drawing/2014/main" xmlns="" val="20000"/>
                     </a:ext>
                   </a:extLst>
                 </a:gridCol>
@@ -17081,7 +16876,7 @@
                 </a:tc>
                 <a:extLst>
                   <a:ext uri="{0D108BD9-81ED-4DB2-BD59-A6C34878D82A}">
-                    <a16:rowId xmlns:a16="http://schemas.microsoft.com/office/drawing/2014/main" val="10000"/>
+                    <a16:rowId xmlns:a16="http://schemas.microsoft.com/office/drawing/2014/main" xmlns="" val="10000"/>
                   </a:ext>
                 </a:extLst>
               </a:tr>
@@ -17381,7 +17176,7 @@
                 <a:gridCol w="1000125">
                   <a:extLst>
                     <a:ext uri="{9D8B030D-6E8A-4147-A177-3AD203B41FA5}">
-                      <a16:colId xmlns:a16="http://schemas.microsoft.com/office/drawing/2014/main" val="20000"/>
+                      <a16:colId xmlns:a16="http://schemas.microsoft.com/office/drawing/2014/main" xmlns="" val="20000"/>
                     </a:ext>
                   </a:extLst>
                 </a:gridCol>
@@ -17402,7 +17197,7 @@
                         <a:buNone/>
                       </a:pPr>
                       <a:r>
-                        <a:rPr lang="en-US" sz="800">
+                        <a:rPr lang="en-US" sz="800" dirty="0">
                           <a:solidFill>
                             <a:srgbClr val="FF0000"/>
                           </a:solidFill>
@@ -17414,7 +17209,7 @@
                         <a:t>1</a:t>
                       </a:r>
                       <a:r>
-                        <a:rPr lang="en-US" sz="800" b="0" u="none" strike="noStrike" cap="none">
+                        <a:rPr lang="en-US" sz="800" b="0" u="none" strike="noStrike" cap="none" dirty="0">
                           <a:solidFill>
                             <a:srgbClr val="FF0000"/>
                           </a:solidFill>
@@ -17426,7 +17221,7 @@
                         <a:t>_1</a:t>
                       </a:r>
                       <a:r>
-                        <a:rPr lang="en-US" sz="800" b="0" u="none" strike="noStrike" cap="none" smtClean="0">
+                        <a:rPr lang="en-US" sz="800" b="0" u="none" strike="noStrike" cap="none" dirty="0" smtClean="0">
                           <a:solidFill>
                             <a:srgbClr val="7F7F7F"/>
                           </a:solidFill>
@@ -17435,21 +17230,9 @@
                           <a:cs typeface="Arial"/>
                           <a:sym typeface="Arial"/>
                         </a:rPr>
-                        <a:t>. </a:t>
+                        <a:t>. About</a:t>
                       </a:r>
-                      <a:r>
-                        <a:rPr lang="en-US" sz="800" b="0" u="none" strike="noStrike" cap="none" smtClean="0">
-                          <a:solidFill>
-                            <a:srgbClr val="7F7F7F"/>
-                          </a:solidFill>
-                          <a:latin typeface="Arial"/>
-                          <a:ea typeface="Arial"/>
-                          <a:cs typeface="Arial"/>
-                          <a:sym typeface="Arial"/>
-                        </a:rPr>
-                        <a:t>About</a:t>
-                      </a:r>
-                      <a:endParaRPr sz="800" b="0" u="none" strike="noStrike" cap="none">
+                      <a:endParaRPr sz="800" b="0" u="none" strike="noStrike" cap="none" dirty="0">
                         <a:solidFill>
                           <a:srgbClr val="7F7F7F"/>
                         </a:solidFill>
@@ -17504,7 +17287,7 @@
                 </a:tc>
                 <a:extLst>
                   <a:ext uri="{0D108BD9-81ED-4DB2-BD59-A6C34878D82A}">
-                    <a16:rowId xmlns:a16="http://schemas.microsoft.com/office/drawing/2014/main" val="10000"/>
+                    <a16:rowId xmlns:a16="http://schemas.microsoft.com/office/drawing/2014/main" xmlns="" val="10000"/>
                   </a:ext>
                 </a:extLst>
               </a:tr>
@@ -17539,7 +17322,7 @@
                 <a:gridCol w="1000125">
                   <a:extLst>
                     <a:ext uri="{9D8B030D-6E8A-4147-A177-3AD203B41FA5}">
-                      <a16:colId xmlns:a16="http://schemas.microsoft.com/office/drawing/2014/main" val="20000"/>
+                      <a16:colId xmlns:a16="http://schemas.microsoft.com/office/drawing/2014/main" xmlns="" val="20000"/>
                     </a:ext>
                   </a:extLst>
                 </a:gridCol>
@@ -17560,7 +17343,7 @@
                         <a:buNone/>
                       </a:pPr>
                       <a:r>
-                        <a:rPr lang="en-US" sz="800" smtClean="0">
+                        <a:rPr lang="en-US" sz="800" dirty="0" smtClean="0">
                           <a:solidFill>
                             <a:srgbClr val="FF0000"/>
                           </a:solidFill>
@@ -17572,7 +17355,7 @@
                         <a:t>2</a:t>
                       </a:r>
                       <a:r>
-                        <a:rPr lang="en-US" sz="800" b="0" u="none" strike="noStrike" cap="none" smtClean="0">
+                        <a:rPr lang="en-US" sz="800" b="0" u="none" strike="noStrike" cap="none" dirty="0" smtClean="0">
                           <a:solidFill>
                             <a:srgbClr val="FF0000"/>
                           </a:solidFill>
@@ -17584,7 +17367,7 @@
                         <a:t>_1</a:t>
                       </a:r>
                       <a:r>
-                        <a:rPr lang="en-US" sz="800" b="0" u="none" strike="noStrike" cap="none" smtClean="0">
+                        <a:rPr lang="en-US" sz="800" b="0" u="none" strike="noStrike" cap="none" dirty="0" smtClean="0">
                           <a:solidFill>
                             <a:srgbClr val="7F7F7F"/>
                           </a:solidFill>
@@ -17595,7 +17378,7 @@
                         </a:rPr>
                         <a:t>. Artist</a:t>
                       </a:r>
-                      <a:endParaRPr sz="800" b="0" u="none" strike="noStrike" cap="none">
+                      <a:endParaRPr sz="800" b="0" u="none" strike="noStrike" cap="none" dirty="0">
                         <a:solidFill>
                           <a:srgbClr val="7F7F7F"/>
                         </a:solidFill>
@@ -17650,7 +17433,7 @@
                 </a:tc>
                 <a:extLst>
                   <a:ext uri="{0D108BD9-81ED-4DB2-BD59-A6C34878D82A}">
-                    <a16:rowId xmlns:a16="http://schemas.microsoft.com/office/drawing/2014/main" val="10000"/>
+                    <a16:rowId xmlns:a16="http://schemas.microsoft.com/office/drawing/2014/main" xmlns="" val="10000"/>
                   </a:ext>
                 </a:extLst>
               </a:tr>
@@ -17685,7 +17468,7 @@
                 <a:gridCol w="1000125">
                   <a:extLst>
                     <a:ext uri="{9D8B030D-6E8A-4147-A177-3AD203B41FA5}">
-                      <a16:colId xmlns:a16="http://schemas.microsoft.com/office/drawing/2014/main" val="20000"/>
+                      <a16:colId xmlns:a16="http://schemas.microsoft.com/office/drawing/2014/main" xmlns="" val="20000"/>
                     </a:ext>
                   </a:extLst>
                 </a:gridCol>
@@ -17706,7 +17489,7 @@
                         <a:buNone/>
                       </a:pPr>
                       <a:r>
-                        <a:rPr lang="en-US" sz="800" smtClean="0">
+                        <a:rPr lang="en-US" sz="800" dirty="0" smtClean="0">
                           <a:solidFill>
                             <a:srgbClr val="FF0000"/>
                           </a:solidFill>
@@ -17718,7 +17501,7 @@
                         <a:t>5</a:t>
                       </a:r>
                       <a:r>
-                        <a:rPr lang="en-US" sz="800" b="0" u="none" strike="noStrike" cap="none" smtClean="0">
+                        <a:rPr lang="en-US" sz="800" b="0" u="none" strike="noStrike" cap="none" dirty="0" smtClean="0">
                           <a:solidFill>
                             <a:srgbClr val="FF0000"/>
                           </a:solidFill>
@@ -17730,7 +17513,7 @@
                         <a:t>_1</a:t>
                       </a:r>
                       <a:r>
-                        <a:rPr lang="en-US" sz="800" b="0" u="none" strike="noStrike" cap="none" smtClean="0">
+                        <a:rPr lang="en-US" sz="800" b="0" u="none" strike="noStrike" cap="none" dirty="0" smtClean="0">
                           <a:solidFill>
                             <a:srgbClr val="7F7F7F"/>
                           </a:solidFill>
@@ -17742,7 +17525,7 @@
                         <a:t>.</a:t>
                       </a:r>
                       <a:r>
-                        <a:rPr lang="en-US" sz="800" smtClean="0">
+                        <a:rPr lang="en-US" sz="800" dirty="0" smtClean="0">
                           <a:solidFill>
                             <a:srgbClr val="7F7F7F"/>
                           </a:solidFill>
@@ -17753,7 +17536,7 @@
                         </a:rPr>
                         <a:t>Photo</a:t>
                       </a:r>
-                      <a:endParaRPr sz="800" b="0" u="none" strike="noStrike" cap="none">
+                      <a:endParaRPr sz="800" b="0" u="none" strike="noStrike" cap="none" dirty="0">
                         <a:solidFill>
                           <a:srgbClr val="7F7F7F"/>
                         </a:solidFill>
@@ -17808,7 +17591,7 @@
                 </a:tc>
                 <a:extLst>
                   <a:ext uri="{0D108BD9-81ED-4DB2-BD59-A6C34878D82A}">
-                    <a16:rowId xmlns:a16="http://schemas.microsoft.com/office/drawing/2014/main" val="10000"/>
+                    <a16:rowId xmlns:a16="http://schemas.microsoft.com/office/drawing/2014/main" xmlns="" val="10000"/>
                   </a:ext>
                 </a:extLst>
               </a:tr>
@@ -17843,7 +17626,7 @@
                 <a:gridCol w="1000125">
                   <a:extLst>
                     <a:ext uri="{9D8B030D-6E8A-4147-A177-3AD203B41FA5}">
-                      <a16:colId xmlns:a16="http://schemas.microsoft.com/office/drawing/2014/main" val="20000"/>
+                      <a16:colId xmlns:a16="http://schemas.microsoft.com/office/drawing/2014/main" xmlns="" val="20000"/>
                     </a:ext>
                   </a:extLst>
                 </a:gridCol>
@@ -17966,7 +17749,7 @@
                 </a:tc>
                 <a:extLst>
                   <a:ext uri="{0D108BD9-81ED-4DB2-BD59-A6C34878D82A}">
-                    <a16:rowId xmlns:a16="http://schemas.microsoft.com/office/drawing/2014/main" val="10000"/>
+                    <a16:rowId xmlns:a16="http://schemas.microsoft.com/office/drawing/2014/main" xmlns="" val="10000"/>
                   </a:ext>
                 </a:extLst>
               </a:tr>
@@ -18001,7 +17784,7 @@
                 <a:gridCol w="1000125">
                   <a:extLst>
                     <a:ext uri="{9D8B030D-6E8A-4147-A177-3AD203B41FA5}">
-                      <a16:colId xmlns:a16="http://schemas.microsoft.com/office/drawing/2014/main" val="20000"/>
+                      <a16:colId xmlns:a16="http://schemas.microsoft.com/office/drawing/2014/main" xmlns="" val="20000"/>
                     </a:ext>
                   </a:extLst>
                 </a:gridCol>
@@ -18109,7 +17892,7 @@
                 </a:tc>
                 <a:extLst>
                   <a:ext uri="{0D108BD9-81ED-4DB2-BD59-A6C34878D82A}">
-                    <a16:rowId xmlns:a16="http://schemas.microsoft.com/office/drawing/2014/main" val="10000"/>
+                    <a16:rowId xmlns:a16="http://schemas.microsoft.com/office/drawing/2014/main" xmlns="" val="10000"/>
                   </a:ext>
                 </a:extLst>
               </a:tr>
@@ -18144,7 +17927,7 @@
                 <a:gridCol w="1000125">
                   <a:extLst>
                     <a:ext uri="{9D8B030D-6E8A-4147-A177-3AD203B41FA5}">
-                      <a16:colId xmlns:a16="http://schemas.microsoft.com/office/drawing/2014/main" val="20000"/>
+                      <a16:colId xmlns:a16="http://schemas.microsoft.com/office/drawing/2014/main" xmlns="" val="20000"/>
                     </a:ext>
                   </a:extLst>
                 </a:gridCol>
@@ -18175,7 +17958,7 @@
                         <a:defRPr/>
                       </a:pPr>
                       <a:r>
-                        <a:rPr lang="en-US" sz="800" smtClean="0">
+                        <a:rPr lang="en-US" sz="800" dirty="0" smtClean="0">
                           <a:solidFill>
                             <a:srgbClr val="FF0000"/>
                           </a:solidFill>
@@ -18187,7 +17970,7 @@
                         <a:t>3</a:t>
                       </a:r>
                       <a:r>
-                        <a:rPr lang="en-US" sz="800" b="0" u="none" strike="noStrike" cap="none" smtClean="0">
+                        <a:rPr lang="en-US" sz="800" b="0" u="none" strike="noStrike" cap="none" dirty="0" smtClean="0">
                           <a:solidFill>
                             <a:srgbClr val="FF0000"/>
                           </a:solidFill>
@@ -18199,7 +17982,7 @@
                         <a:t>_1</a:t>
                       </a:r>
                       <a:r>
-                        <a:rPr lang="en-US" sz="800" b="0" u="none" strike="noStrike" cap="none" smtClean="0">
+                        <a:rPr lang="en-US" sz="800" b="0" u="none" strike="noStrike" cap="none" dirty="0" smtClean="0">
                           <a:solidFill>
                             <a:srgbClr val="7F7F7F"/>
                           </a:solidFill>
@@ -18211,7 +17994,7 @@
                         <a:t>.</a:t>
                       </a:r>
                       <a:r>
-                        <a:rPr lang="ko-KR" altLang="en-US" sz="800" smtClean="0">
+                        <a:rPr lang="ko-KR" altLang="en-US" sz="800" dirty="0" smtClean="0">
                           <a:solidFill>
                             <a:srgbClr val="7F7F7F"/>
                           </a:solidFill>
@@ -18222,7 +18005,7 @@
                         </a:rPr>
                         <a:t> 예매하기</a:t>
                       </a:r>
-                      <a:endParaRPr sz="800" b="0" u="none" strike="noStrike" cap="none">
+                      <a:endParaRPr sz="800" b="0" u="none" strike="noStrike" cap="none" dirty="0">
                         <a:solidFill>
                           <a:srgbClr val="7F7F7F"/>
                         </a:solidFill>
@@ -18277,7 +18060,7 @@
                 </a:tc>
                 <a:extLst>
                   <a:ext uri="{0D108BD9-81ED-4DB2-BD59-A6C34878D82A}">
-                    <a16:rowId xmlns:a16="http://schemas.microsoft.com/office/drawing/2014/main" val="10000"/>
+                    <a16:rowId xmlns:a16="http://schemas.microsoft.com/office/drawing/2014/main" xmlns="" val="10000"/>
                   </a:ext>
                 </a:extLst>
               </a:tr>
@@ -18338,7 +18121,7 @@
                 <a:gridCol w="1000125">
                   <a:extLst>
                     <a:ext uri="{9D8B030D-6E8A-4147-A177-3AD203B41FA5}">
-                      <a16:colId xmlns:a16="http://schemas.microsoft.com/office/drawing/2014/main" val="20000"/>
+                      <a16:colId xmlns:a16="http://schemas.microsoft.com/office/drawing/2014/main" xmlns="" val="20000"/>
                     </a:ext>
                   </a:extLst>
                 </a:gridCol>
@@ -18404,19 +18187,7 @@
                           <a:cs typeface="Arial"/>
                           <a:sym typeface="Arial"/>
                         </a:rPr>
-                        <a:t>Time </a:t>
-                      </a:r>
-                      <a:r>
-                        <a:rPr lang="en-US" altLang="ko-KR" sz="800" smtClean="0">
-                          <a:solidFill>
-                            <a:srgbClr val="7F7F7F"/>
-                          </a:solidFill>
-                          <a:latin typeface="Arial"/>
-                          <a:ea typeface="Arial"/>
-                          <a:cs typeface="Arial"/>
-                          <a:sym typeface="Arial"/>
-                        </a:rPr>
-                        <a:t>table</a:t>
+                        <a:t>Time table</a:t>
                       </a:r>
                       <a:endParaRPr sz="800" b="0" u="none" strike="noStrike" cap="none">
                         <a:solidFill>
@@ -18473,7 +18244,7 @@
                 </a:tc>
                 <a:extLst>
                   <a:ext uri="{0D108BD9-81ED-4DB2-BD59-A6C34878D82A}">
-                    <a16:rowId xmlns:a16="http://schemas.microsoft.com/office/drawing/2014/main" val="10000"/>
+                    <a16:rowId xmlns:a16="http://schemas.microsoft.com/office/drawing/2014/main" xmlns="" val="10000"/>
                   </a:ext>
                 </a:extLst>
               </a:tr>
@@ -18508,7 +18279,7 @@
                 <a:gridCol w="1000125">
                   <a:extLst>
                     <a:ext uri="{9D8B030D-6E8A-4147-A177-3AD203B41FA5}">
-                      <a16:colId xmlns:a16="http://schemas.microsoft.com/office/drawing/2014/main" val="20000"/>
+                      <a16:colId xmlns:a16="http://schemas.microsoft.com/office/drawing/2014/main" xmlns="" val="20000"/>
                     </a:ext>
                   </a:extLst>
                 </a:gridCol>
@@ -18653,7 +18424,7 @@
                 </a:tc>
                 <a:extLst>
                   <a:ext uri="{0D108BD9-81ED-4DB2-BD59-A6C34878D82A}">
-                    <a16:rowId xmlns:a16="http://schemas.microsoft.com/office/drawing/2014/main" val="10000"/>
+                    <a16:rowId xmlns:a16="http://schemas.microsoft.com/office/drawing/2014/main" xmlns="" val="10000"/>
                   </a:ext>
                 </a:extLst>
               </a:tr>
@@ -18688,7 +18459,7 @@
                 <a:gridCol w="1000125">
                   <a:extLst>
                     <a:ext uri="{9D8B030D-6E8A-4147-A177-3AD203B41FA5}">
-                      <a16:colId xmlns:a16="http://schemas.microsoft.com/office/drawing/2014/main" val="20000"/>
+                      <a16:colId xmlns:a16="http://schemas.microsoft.com/office/drawing/2014/main" xmlns="" val="20000"/>
                     </a:ext>
                   </a:extLst>
                 </a:gridCol>
@@ -18811,7 +18582,7 @@
                 </a:tc>
                 <a:extLst>
                   <a:ext uri="{0D108BD9-81ED-4DB2-BD59-A6C34878D82A}">
-                    <a16:rowId xmlns:a16="http://schemas.microsoft.com/office/drawing/2014/main" val="10000"/>
+                    <a16:rowId xmlns:a16="http://schemas.microsoft.com/office/drawing/2014/main" xmlns="" val="10000"/>
                   </a:ext>
                 </a:extLst>
               </a:tr>
@@ -18846,7 +18617,7 @@
                 <a:gridCol w="1000125">
                   <a:extLst>
                     <a:ext uri="{9D8B030D-6E8A-4147-A177-3AD203B41FA5}">
-                      <a16:colId xmlns:a16="http://schemas.microsoft.com/office/drawing/2014/main" val="20000"/>
+                      <a16:colId xmlns:a16="http://schemas.microsoft.com/office/drawing/2014/main" xmlns="" val="20000"/>
                     </a:ext>
                   </a:extLst>
                 </a:gridCol>
@@ -18867,7 +18638,7 @@
                         <a:buNone/>
                       </a:pPr>
                       <a:r>
-                        <a:rPr lang="en-US" sz="800" smtClean="0">
+                        <a:rPr lang="en-US" sz="800" dirty="0" smtClean="0">
                           <a:solidFill>
                             <a:srgbClr val="FF0000"/>
                           </a:solidFill>
@@ -18879,7 +18650,7 @@
                         <a:t>4</a:t>
                       </a:r>
                       <a:r>
-                        <a:rPr lang="en-US" sz="800" b="0" u="none" strike="noStrike" cap="none" smtClean="0">
+                        <a:rPr lang="en-US" sz="800" b="0" u="none" strike="noStrike" cap="none" dirty="0" smtClean="0">
                           <a:solidFill>
                             <a:srgbClr val="FF0000"/>
                           </a:solidFill>
@@ -18891,7 +18662,7 @@
                         <a:t>_1</a:t>
                       </a:r>
                       <a:r>
-                        <a:rPr lang="en-US" sz="800" b="0" u="none" strike="noStrike" cap="none" smtClean="0">
+                        <a:rPr lang="en-US" sz="800" b="0" u="none" strike="noStrike" cap="none" dirty="0" smtClean="0">
                           <a:solidFill>
                             <a:srgbClr val="7F7F7F"/>
                           </a:solidFill>
@@ -18903,7 +18674,7 @@
                         <a:t>. </a:t>
                       </a:r>
                       <a:r>
-                        <a:rPr lang="ko-KR" altLang="en-US" sz="800" b="0" u="none" strike="noStrike" cap="none" smtClean="0">
+                        <a:rPr lang="ko-KR" altLang="en-US" sz="800" b="0" u="none" strike="noStrike" cap="none" dirty="0" smtClean="0">
                           <a:solidFill>
                             <a:srgbClr val="7F7F7F"/>
                           </a:solidFill>
@@ -18914,7 +18685,7 @@
                         </a:rPr>
                         <a:t>공지사항</a:t>
                       </a:r>
-                      <a:endParaRPr sz="800" b="0" u="none" strike="noStrike" cap="none">
+                      <a:endParaRPr sz="800" b="0" u="none" strike="noStrike" cap="none" dirty="0">
                         <a:solidFill>
                           <a:srgbClr val="7F7F7F"/>
                         </a:solidFill>
@@ -18969,7 +18740,7 @@
                 </a:tc>
                 <a:extLst>
                   <a:ext uri="{0D108BD9-81ED-4DB2-BD59-A6C34878D82A}">
-                    <a16:rowId xmlns:a16="http://schemas.microsoft.com/office/drawing/2014/main" val="10000"/>
+                    <a16:rowId xmlns:a16="http://schemas.microsoft.com/office/drawing/2014/main" xmlns="" val="10000"/>
                   </a:ext>
                 </a:extLst>
               </a:tr>
@@ -19004,7 +18775,7 @@
                 <a:gridCol w="1000125">
                   <a:extLst>
                     <a:ext uri="{9D8B030D-6E8A-4147-A177-3AD203B41FA5}">
-                      <a16:colId xmlns:a16="http://schemas.microsoft.com/office/drawing/2014/main" val="20000"/>
+                      <a16:colId xmlns:a16="http://schemas.microsoft.com/office/drawing/2014/main" xmlns="" val="20000"/>
                     </a:ext>
                   </a:extLst>
                 </a:gridCol>
@@ -19025,7 +18796,7 @@
                         <a:buNone/>
                       </a:pPr>
                       <a:r>
-                        <a:rPr lang="en-US" sz="800" smtClean="0">
+                        <a:rPr lang="en-US" sz="800" dirty="0" smtClean="0">
                           <a:solidFill>
                             <a:srgbClr val="FF0000"/>
                           </a:solidFill>
@@ -19037,7 +18808,7 @@
                         <a:t>4</a:t>
                       </a:r>
                       <a:r>
-                        <a:rPr lang="en-US" sz="800" b="0" u="none" strike="noStrike" cap="none" smtClean="0">
+                        <a:rPr lang="en-US" sz="800" b="0" u="none" strike="noStrike" cap="none" dirty="0" smtClean="0">
                           <a:solidFill>
                             <a:srgbClr val="FF0000"/>
                           </a:solidFill>
@@ -19049,7 +18820,7 @@
                         <a:t>_2</a:t>
                       </a:r>
                       <a:r>
-                        <a:rPr lang="en-US" sz="800" b="0" u="none" strike="noStrike" cap="none" smtClean="0">
+                        <a:rPr lang="en-US" sz="800" b="0" u="none" strike="noStrike" cap="none" dirty="0" smtClean="0">
                           <a:solidFill>
                             <a:srgbClr val="7F7F7F"/>
                           </a:solidFill>
@@ -19061,7 +18832,7 @@
                         <a:t>. </a:t>
                       </a:r>
                       <a:r>
-                        <a:rPr lang="ko-KR" altLang="en-US" sz="800" b="0" u="none" strike="noStrike" cap="none" smtClean="0">
+                        <a:rPr lang="ko-KR" altLang="en-US" sz="800" b="0" u="none" strike="noStrike" cap="none" dirty="0" smtClean="0">
                           <a:solidFill>
                             <a:srgbClr val="7F7F7F"/>
                           </a:solidFill>
@@ -19072,7 +18843,7 @@
                         </a:rPr>
                         <a:t>관람안내</a:t>
                       </a:r>
-                      <a:endParaRPr sz="800" b="0" u="none" strike="noStrike" cap="none">
+                      <a:endParaRPr sz="800" b="0" u="none" strike="noStrike" cap="none" dirty="0">
                         <a:solidFill>
                           <a:srgbClr val="7F7F7F"/>
                         </a:solidFill>
@@ -19127,7 +18898,7 @@
                 </a:tc>
                 <a:extLst>
                   <a:ext uri="{0D108BD9-81ED-4DB2-BD59-A6C34878D82A}">
-                    <a16:rowId xmlns:a16="http://schemas.microsoft.com/office/drawing/2014/main" val="10000"/>
+                    <a16:rowId xmlns:a16="http://schemas.microsoft.com/office/drawing/2014/main" xmlns="" val="10000"/>
                   </a:ext>
                 </a:extLst>
               </a:tr>
@@ -19162,7 +18933,7 @@
                 <a:gridCol w="1000125">
                   <a:extLst>
                     <a:ext uri="{9D8B030D-6E8A-4147-A177-3AD203B41FA5}">
-                      <a16:colId xmlns:a16="http://schemas.microsoft.com/office/drawing/2014/main" val="20000"/>
+                      <a16:colId xmlns:a16="http://schemas.microsoft.com/office/drawing/2014/main" xmlns="" val="20000"/>
                     </a:ext>
                   </a:extLst>
                 </a:gridCol>
@@ -19183,7 +18954,7 @@
                         <a:buNone/>
                       </a:pPr>
                       <a:r>
-                        <a:rPr lang="en-US" sz="800" smtClean="0">
+                        <a:rPr lang="en-US" sz="800" dirty="0" smtClean="0">
                           <a:solidFill>
                             <a:srgbClr val="FF0000"/>
                           </a:solidFill>
@@ -19195,7 +18966,7 @@
                         <a:t>4</a:t>
                       </a:r>
                       <a:r>
-                        <a:rPr lang="en-US" sz="800" b="0" u="none" strike="noStrike" cap="none" smtClean="0">
+                        <a:rPr lang="en-US" sz="800" b="0" u="none" strike="noStrike" cap="none" dirty="0" smtClean="0">
                           <a:solidFill>
                             <a:srgbClr val="FF0000"/>
                           </a:solidFill>
@@ -19207,7 +18978,7 @@
                         <a:t>_3</a:t>
                       </a:r>
                       <a:r>
-                        <a:rPr lang="en-US" sz="800" b="0" u="none" strike="noStrike" cap="none" smtClean="0">
+                        <a:rPr lang="en-US" sz="800" b="0" u="none" strike="noStrike" cap="none" dirty="0" smtClean="0">
                           <a:solidFill>
                             <a:srgbClr val="7F7F7F"/>
                           </a:solidFill>
@@ -19219,7 +18990,7 @@
                         <a:t>. </a:t>
                       </a:r>
                       <a:r>
-                        <a:rPr lang="ko-KR" altLang="en-US" sz="800" b="0" u="none" strike="noStrike" cap="none" smtClean="0">
+                        <a:rPr lang="ko-KR" altLang="en-US" sz="800" b="0" u="none" strike="noStrike" cap="none" dirty="0" err="1" smtClean="0">
                           <a:solidFill>
                             <a:srgbClr val="7F7F7F"/>
                           </a:solidFill>
@@ -19230,7 +19001,7 @@
                         </a:rPr>
                         <a:t>오시는길</a:t>
                       </a:r>
-                      <a:endParaRPr sz="800" b="0" u="none" strike="noStrike" cap="none">
+                      <a:endParaRPr sz="800" b="0" u="none" strike="noStrike" cap="none" dirty="0">
                         <a:solidFill>
                           <a:srgbClr val="7F7F7F"/>
                         </a:solidFill>
@@ -19285,7 +19056,7 @@
                 </a:tc>
                 <a:extLst>
                   <a:ext uri="{0D108BD9-81ED-4DB2-BD59-A6C34878D82A}">
-                    <a16:rowId xmlns:a16="http://schemas.microsoft.com/office/drawing/2014/main" val="10000"/>
+                    <a16:rowId xmlns:a16="http://schemas.microsoft.com/office/drawing/2014/main" xmlns="" val="10000"/>
                   </a:ext>
                 </a:extLst>
               </a:tr>
@@ -19336,10 +19107,6 @@
           </p:nvPr>
         </p:nvSpPr>
         <p:spPr>
-          <a:xfrm>
-            <a:off x="1403648" y="16215"/>
-            <a:ext cx="4954200" cy="292200"/>
-          </a:xfrm>
           <a:prstGeom prst="rect">
             <a:avLst/>
           </a:prstGeom>
@@ -19403,10 +19170,6 @@
           </p:nvPr>
         </p:nvSpPr>
         <p:spPr>
-          <a:xfrm>
-            <a:off x="395858" y="12700"/>
-            <a:ext cx="1007700" cy="287400"/>
-          </a:xfrm>
           <a:prstGeom prst="rect">
             <a:avLst/>
           </a:prstGeom>
@@ -19459,310 +19222,1691 @@
           </a:p>
         </p:txBody>
       </p:sp>
-      <p:sp>
-        <p:nvSpPr>
-          <p:cNvPr id="2" name="Rectangle 1"/>
-          <p:cNvSpPr/>
+      <p:grpSp>
+        <p:nvGrpSpPr>
+          <p:cNvPr id="37" name="그룹 36"/>
+          <p:cNvGrpSpPr/>
           <p:nvPr/>
-        </p:nvSpPr>
-        <p:spPr>
+        </p:nvGrpSpPr>
+        <p:grpSpPr>
           <a:xfrm>
-            <a:off x="876587" y="550445"/>
-            <a:ext cx="7390827" cy="4042611"/>
+            <a:off x="3333785" y="1922866"/>
+            <a:ext cx="491131" cy="467728"/>
+            <a:chOff x="2179463" y="1379220"/>
+            <a:chExt cx="4785073" cy="2710916"/>
           </a:xfrm>
-          <a:prstGeom prst="rect">
-            <a:avLst/>
-          </a:prstGeom>
-          <a:solidFill>
-            <a:schemeClr val="bg1"/>
-          </a:solidFill>
-          <a:ln w="12700">
+        </p:grpSpPr>
+        <p:sp>
+          <p:nvSpPr>
+            <p:cNvPr id="38" name="Rectangle 1"/>
+            <p:cNvSpPr/>
+            <p:nvPr/>
+          </p:nvSpPr>
+          <p:spPr>
+            <a:xfrm>
+              <a:off x="2179463" y="1379220"/>
+              <a:ext cx="4785073" cy="2710916"/>
+            </a:xfrm>
+            <a:prstGeom prst="rect">
+              <a:avLst/>
+            </a:prstGeom>
+            <a:noFill/>
+            <a:ln w="12700">
+              <a:solidFill>
+                <a:schemeClr val="accent6">
+                  <a:lumMod val="40000"/>
+                  <a:lumOff val="60000"/>
+                </a:schemeClr>
+              </a:solidFill>
+            </a:ln>
+          </p:spPr>
+          <p:style>
+            <a:lnRef idx="2">
+              <a:schemeClr val="accent1">
+                <a:shade val="50000"/>
+              </a:schemeClr>
+            </a:lnRef>
+            <a:fillRef idx="1">
+              <a:schemeClr val="accent1"/>
+            </a:fillRef>
+            <a:effectRef idx="0">
+              <a:schemeClr val="accent1"/>
+            </a:effectRef>
+            <a:fontRef idx="minor">
+              <a:schemeClr val="lt1"/>
+            </a:fontRef>
+          </p:style>
+          <p:txBody>
+            <a:bodyPr rtlCol="0" anchor="ctr"/>
+            <a:lstStyle/>
+            <a:p>
+              <a:pPr algn="ctr"/>
+              <a:endParaRPr lang="ko-KR" altLang="en-US"/>
+            </a:p>
+          </p:txBody>
+        </p:sp>
+        <p:cxnSp>
+          <p:nvCxnSpPr>
+            <p:cNvPr id="39" name="직선 연결선 38"/>
+            <p:cNvCxnSpPr/>
+            <p:nvPr/>
+          </p:nvCxnSpPr>
+          <p:spPr>
+            <a:xfrm>
+              <a:off x="2179463" y="1379220"/>
+              <a:ext cx="4785073" cy="2710916"/>
+            </a:xfrm>
+            <a:prstGeom prst="line">
+              <a:avLst/>
+            </a:prstGeom>
+            <a:ln>
+              <a:solidFill>
+                <a:schemeClr val="accent6">
+                  <a:lumMod val="60000"/>
+                  <a:lumOff val="40000"/>
+                </a:schemeClr>
+              </a:solidFill>
+            </a:ln>
+          </p:spPr>
+          <p:style>
+            <a:lnRef idx="1">
+              <a:schemeClr val="accent1"/>
+            </a:lnRef>
+            <a:fillRef idx="0">
+              <a:schemeClr val="accent1"/>
+            </a:fillRef>
+            <a:effectRef idx="0">
+              <a:schemeClr val="accent1"/>
+            </a:effectRef>
+            <a:fontRef idx="minor">
+              <a:schemeClr val="tx1"/>
+            </a:fontRef>
+          </p:style>
+        </p:cxnSp>
+      </p:grpSp>
+      <p:grpSp>
+        <p:nvGrpSpPr>
+          <p:cNvPr id="4" name="그룹 3"/>
+          <p:cNvGrpSpPr/>
+          <p:nvPr/>
+        </p:nvGrpSpPr>
+        <p:grpSpPr>
+          <a:xfrm>
+            <a:off x="2545456" y="550444"/>
+            <a:ext cx="2372585" cy="4042612"/>
+            <a:chOff x="876587" y="550444"/>
+            <a:chExt cx="2372585" cy="4042612"/>
+          </a:xfrm>
+        </p:grpSpPr>
+        <p:sp>
+          <p:nvSpPr>
+            <p:cNvPr id="2" name="Rectangle 1"/>
+            <p:cNvSpPr/>
+            <p:nvPr/>
+          </p:nvSpPr>
+          <p:spPr>
+            <a:xfrm>
+              <a:off x="876587" y="550445"/>
+              <a:ext cx="2163793" cy="4042611"/>
+            </a:xfrm>
+            <a:prstGeom prst="rect">
+              <a:avLst/>
+            </a:prstGeom>
+            <a:solidFill>
+              <a:schemeClr val="bg1"/>
+            </a:solidFill>
+            <a:ln w="12700">
+              <a:solidFill>
+                <a:schemeClr val="accent6">
+                  <a:lumMod val="40000"/>
+                  <a:lumOff val="60000"/>
+                </a:schemeClr>
+              </a:solidFill>
+            </a:ln>
+          </p:spPr>
+          <p:style>
+            <a:lnRef idx="2">
+              <a:schemeClr val="accent1">
+                <a:shade val="50000"/>
+              </a:schemeClr>
+            </a:lnRef>
+            <a:fillRef idx="1">
+              <a:schemeClr val="accent1"/>
+            </a:fillRef>
+            <a:effectRef idx="0">
+              <a:schemeClr val="accent1"/>
+            </a:effectRef>
+            <a:fontRef idx="minor">
+              <a:schemeClr val="lt1"/>
+            </a:fontRef>
+          </p:style>
+          <p:txBody>
+            <a:bodyPr rtlCol="0" anchor="ctr"/>
+            <a:lstStyle/>
+            <a:p>
+              <a:pPr algn="ctr"/>
+              <a:endParaRPr lang="ko-KR" altLang="en-US"/>
+            </a:p>
+          </p:txBody>
+        </p:sp>
+        <p:grpSp>
+          <p:nvGrpSpPr>
+            <p:cNvPr id="10" name="그룹 9"/>
+            <p:cNvGrpSpPr/>
+            <p:nvPr/>
+          </p:nvGrpSpPr>
+          <p:grpSpPr>
+            <a:xfrm>
+              <a:off x="876587" y="550444"/>
+              <a:ext cx="2163793" cy="935456"/>
+              <a:chOff x="2179463" y="1379220"/>
+              <a:chExt cx="4785073" cy="2710916"/>
+            </a:xfrm>
+          </p:grpSpPr>
+          <p:sp>
+            <p:nvSpPr>
+              <p:cNvPr id="12" name="Rectangle 1"/>
+              <p:cNvSpPr/>
+              <p:nvPr/>
+            </p:nvSpPr>
+            <p:spPr>
+              <a:xfrm>
+                <a:off x="2179463" y="1379220"/>
+                <a:ext cx="4785073" cy="2710916"/>
+              </a:xfrm>
+              <a:prstGeom prst="rect">
+                <a:avLst/>
+              </a:prstGeom>
+              <a:noFill/>
+              <a:ln w="12700">
+                <a:solidFill>
+                  <a:schemeClr val="accent6">
+                    <a:lumMod val="40000"/>
+                    <a:lumOff val="60000"/>
+                  </a:schemeClr>
+                </a:solidFill>
+              </a:ln>
+            </p:spPr>
+            <p:style>
+              <a:lnRef idx="2">
+                <a:schemeClr val="accent1">
+                  <a:shade val="50000"/>
+                </a:schemeClr>
+              </a:lnRef>
+              <a:fillRef idx="1">
+                <a:schemeClr val="accent1"/>
+              </a:fillRef>
+              <a:effectRef idx="0">
+                <a:schemeClr val="accent1"/>
+              </a:effectRef>
+              <a:fontRef idx="minor">
+                <a:schemeClr val="lt1"/>
+              </a:fontRef>
+            </p:style>
+            <p:txBody>
+              <a:bodyPr rtlCol="0" anchor="ctr"/>
+              <a:lstStyle/>
+              <a:p>
+                <a:pPr algn="ctr"/>
+                <a:endParaRPr lang="ko-KR" altLang="en-US"/>
+              </a:p>
+            </p:txBody>
+          </p:sp>
+          <p:cxnSp>
+            <p:nvCxnSpPr>
+              <p:cNvPr id="6" name="직선 연결선 5"/>
+              <p:cNvCxnSpPr/>
+              <p:nvPr/>
+            </p:nvCxnSpPr>
+            <p:spPr>
+              <a:xfrm>
+                <a:off x="2179463" y="1379220"/>
+                <a:ext cx="4785073" cy="2710916"/>
+              </a:xfrm>
+              <a:prstGeom prst="line">
+                <a:avLst/>
+              </a:prstGeom>
+              <a:ln>
+                <a:solidFill>
+                  <a:schemeClr val="accent6">
+                    <a:lumMod val="60000"/>
+                    <a:lumOff val="40000"/>
+                  </a:schemeClr>
+                </a:solidFill>
+              </a:ln>
+            </p:spPr>
+            <p:style>
+              <a:lnRef idx="1">
+                <a:schemeClr val="accent1"/>
+              </a:lnRef>
+              <a:fillRef idx="0">
+                <a:schemeClr val="accent1"/>
+              </a:fillRef>
+              <a:effectRef idx="0">
+                <a:schemeClr val="accent1"/>
+              </a:effectRef>
+              <a:fontRef idx="minor">
+                <a:schemeClr val="tx1"/>
+              </a:fontRef>
+            </p:style>
+          </p:cxnSp>
+        </p:grpSp>
+        <p:sp>
+          <p:nvSpPr>
+            <p:cNvPr id="5" name="Rectangle 4"/>
+            <p:cNvSpPr/>
+            <p:nvPr/>
+          </p:nvSpPr>
+          <p:spPr>
+            <a:xfrm>
+              <a:off x="979761" y="587490"/>
+              <a:ext cx="355217" cy="98902"/>
+            </a:xfrm>
+            <a:prstGeom prst="rect">
+              <a:avLst/>
+            </a:prstGeom>
+            <a:solidFill>
+              <a:schemeClr val="bg2"/>
+            </a:solidFill>
+            <a:ln w="12700">
+              <a:noFill/>
+            </a:ln>
+          </p:spPr>
+          <p:style>
+            <a:lnRef idx="2">
+              <a:schemeClr val="accent1">
+                <a:shade val="50000"/>
+              </a:schemeClr>
+            </a:lnRef>
+            <a:fillRef idx="1">
+              <a:schemeClr val="accent1"/>
+            </a:fillRef>
+            <a:effectRef idx="0">
+              <a:schemeClr val="accent1"/>
+            </a:effectRef>
+            <a:fontRef idx="minor">
+              <a:schemeClr val="lt1"/>
+            </a:fontRef>
+          </p:style>
+          <p:txBody>
+            <a:bodyPr rtlCol="0" anchor="ctr"/>
+            <a:lstStyle/>
+            <a:p>
+              <a:pPr algn="ctr"/>
+              <a:r>
+                <a:rPr lang="en-US" altLang="ko-KR" sz="500" dirty="0" smtClean="0">
+                  <a:solidFill>
+                    <a:schemeClr val="bg1"/>
+                  </a:solidFill>
+                </a:rPr>
+                <a:t>Logo</a:t>
+              </a:r>
+              <a:endParaRPr lang="ko-KR" altLang="en-US" sz="500" dirty="0">
+                <a:solidFill>
+                  <a:schemeClr val="bg1"/>
+                </a:solidFill>
+              </a:endParaRPr>
+            </a:p>
+          </p:txBody>
+        </p:sp>
+        <p:sp>
+          <p:nvSpPr>
+            <p:cNvPr id="15" name="Rectangle 4"/>
+            <p:cNvSpPr/>
+            <p:nvPr/>
+          </p:nvSpPr>
+          <p:spPr>
+            <a:xfrm>
+              <a:off x="1411723" y="587490"/>
+              <a:ext cx="1541148" cy="98902"/>
+            </a:xfrm>
+            <a:prstGeom prst="rect">
+              <a:avLst/>
+            </a:prstGeom>
             <a:solidFill>
               <a:schemeClr val="accent6">
-                <a:lumMod val="40000"/>
-                <a:lumOff val="60000"/>
+                <a:lumMod val="75000"/>
               </a:schemeClr>
             </a:solidFill>
-          </a:ln>
-        </p:spPr>
-        <p:style>
-          <a:lnRef idx="2">
-            <a:schemeClr val="accent1">
-              <a:shade val="50000"/>
-            </a:schemeClr>
-          </a:lnRef>
-          <a:fillRef idx="1">
-            <a:schemeClr val="accent1"/>
-          </a:fillRef>
-          <a:effectRef idx="0">
-            <a:schemeClr val="accent1"/>
-          </a:effectRef>
-          <a:fontRef idx="minor">
-            <a:schemeClr val="lt1"/>
-          </a:fontRef>
-        </p:style>
-        <p:txBody>
-          <a:bodyPr rtlCol="0" anchor="ctr"/>
-          <a:lstStyle/>
-          <a:p>
-            <a:pPr algn="ctr"/>
-            <a:endParaRPr lang="ko-KR" altLang="en-US"/>
-          </a:p>
-        </p:txBody>
-      </p:sp>
-      <p:sp>
-        <p:nvSpPr>
-          <p:cNvPr id="5" name="Rectangle 4"/>
-          <p:cNvSpPr/>
-          <p:nvPr/>
-        </p:nvSpPr>
-        <p:spPr>
-          <a:xfrm>
-            <a:off x="1048341" y="675345"/>
-            <a:ext cx="710434" cy="197804"/>
-          </a:xfrm>
-          <a:prstGeom prst="rect">
-            <a:avLst/>
-          </a:prstGeom>
-          <a:solidFill>
-            <a:schemeClr val="accent6">
-              <a:lumMod val="60000"/>
-              <a:lumOff val="40000"/>
-            </a:schemeClr>
-          </a:solidFill>
-          <a:ln w="12700">
+            <a:ln w="12700">
+              <a:noFill/>
+            </a:ln>
+          </p:spPr>
+          <p:style>
+            <a:lnRef idx="2">
+              <a:schemeClr val="accent1">
+                <a:shade val="50000"/>
+              </a:schemeClr>
+            </a:lnRef>
+            <a:fillRef idx="1">
+              <a:schemeClr val="accent1"/>
+            </a:fillRef>
+            <a:effectRef idx="0">
+              <a:schemeClr val="accent1"/>
+            </a:effectRef>
+            <a:fontRef idx="minor">
+              <a:schemeClr val="lt1"/>
+            </a:fontRef>
+          </p:style>
+          <p:txBody>
+            <a:bodyPr rtlCol="0" anchor="ctr"/>
+            <a:lstStyle/>
+            <a:p>
+              <a:pPr algn="ctr"/>
+              <a:r>
+                <a:rPr lang="en-US" altLang="ko-KR" sz="500" dirty="0" err="1" smtClean="0">
+                  <a:solidFill>
+                    <a:schemeClr val="bg1"/>
+                  </a:solidFill>
+                </a:rPr>
+                <a:t>nav</a:t>
+              </a:r>
+              <a:endParaRPr lang="ko-KR" altLang="en-US" sz="500" dirty="0">
+                <a:solidFill>
+                  <a:schemeClr val="bg1"/>
+                </a:solidFill>
+              </a:endParaRPr>
+            </a:p>
+          </p:txBody>
+        </p:sp>
+        <p:sp>
+          <p:nvSpPr>
+            <p:cNvPr id="16" name="Rectangle 4"/>
+            <p:cNvSpPr/>
+            <p:nvPr/>
+          </p:nvSpPr>
+          <p:spPr>
+            <a:xfrm>
+              <a:off x="1708660" y="1645608"/>
+              <a:ext cx="499646" cy="98902"/>
+            </a:xfrm>
+            <a:prstGeom prst="rect">
+              <a:avLst/>
+            </a:prstGeom>
             <a:solidFill>
               <a:schemeClr val="accent6">
-                <a:lumMod val="40000"/>
-                <a:lumOff val="60000"/>
+                <a:lumMod val="60000"/>
+                <a:lumOff val="40000"/>
               </a:schemeClr>
             </a:solidFill>
-          </a:ln>
-        </p:spPr>
-        <p:style>
-          <a:lnRef idx="2">
-            <a:schemeClr val="accent1">
-              <a:shade val="50000"/>
-            </a:schemeClr>
-          </a:lnRef>
-          <a:fillRef idx="1">
-            <a:schemeClr val="accent1"/>
-          </a:fillRef>
-          <a:effectRef idx="0">
-            <a:schemeClr val="accent1"/>
-          </a:effectRef>
-          <a:fontRef idx="minor">
-            <a:schemeClr val="lt1"/>
-          </a:fontRef>
-        </p:style>
-        <p:txBody>
-          <a:bodyPr rtlCol="0" anchor="ctr"/>
-          <a:lstStyle/>
-          <a:p>
-            <a:pPr algn="ctr"/>
-            <a:r>
-              <a:rPr lang="en-US" altLang="ko-KR" sz="1050" smtClean="0">
+            <a:ln w="12700">
+              <a:noFill/>
+            </a:ln>
+          </p:spPr>
+          <p:style>
+            <a:lnRef idx="2">
+              <a:schemeClr val="accent1">
+                <a:shade val="50000"/>
+              </a:schemeClr>
+            </a:lnRef>
+            <a:fillRef idx="1">
+              <a:schemeClr val="accent1"/>
+            </a:fillRef>
+            <a:effectRef idx="0">
+              <a:schemeClr val="accent1"/>
+            </a:effectRef>
+            <a:fontRef idx="minor">
+              <a:schemeClr val="lt1"/>
+            </a:fontRef>
+          </p:style>
+          <p:txBody>
+            <a:bodyPr rtlCol="0" anchor="ctr"/>
+            <a:lstStyle/>
+            <a:p>
+              <a:pPr algn="ctr"/>
+              <a:r>
+                <a:rPr lang="en-US" altLang="ko-KR" sz="500" dirty="0" err="1" smtClean="0">
+                  <a:solidFill>
+                    <a:sysClr val="windowText" lastClr="000000"/>
+                  </a:solidFill>
+                </a:rPr>
+                <a:t>btn</a:t>
+              </a:r>
+              <a:endParaRPr lang="ko-KR" altLang="en-US" sz="500" dirty="0">
                 <a:solidFill>
                   <a:sysClr val="windowText" lastClr="000000"/>
                 </a:solidFill>
-              </a:rPr>
-              <a:t>Logo</a:t>
-            </a:r>
-            <a:endParaRPr lang="ko-KR" altLang="en-US" sz="1050">
+              </a:endParaRPr>
+            </a:p>
+          </p:txBody>
+        </p:sp>
+        <p:grpSp>
+          <p:nvGrpSpPr>
+            <p:cNvPr id="21" name="그룹 20"/>
+            <p:cNvGrpSpPr/>
+            <p:nvPr/>
+          </p:nvGrpSpPr>
+          <p:grpSpPr>
+            <a:xfrm>
+              <a:off x="1028986" y="1922866"/>
+              <a:ext cx="491131" cy="467728"/>
+              <a:chOff x="2179463" y="1379220"/>
+              <a:chExt cx="4785073" cy="2710916"/>
+            </a:xfrm>
+          </p:grpSpPr>
+          <p:sp>
+            <p:nvSpPr>
+              <p:cNvPr id="22" name="Rectangle 1"/>
+              <p:cNvSpPr/>
+              <p:nvPr/>
+            </p:nvSpPr>
+            <p:spPr>
+              <a:xfrm>
+                <a:off x="2179463" y="1379220"/>
+                <a:ext cx="4785073" cy="2710916"/>
+              </a:xfrm>
+              <a:prstGeom prst="rect">
+                <a:avLst/>
+              </a:prstGeom>
+              <a:noFill/>
+              <a:ln w="12700">
+                <a:solidFill>
+                  <a:schemeClr val="accent6">
+                    <a:lumMod val="40000"/>
+                    <a:lumOff val="60000"/>
+                  </a:schemeClr>
+                </a:solidFill>
+              </a:ln>
+            </p:spPr>
+            <p:style>
+              <a:lnRef idx="2">
+                <a:schemeClr val="accent1">
+                  <a:shade val="50000"/>
+                </a:schemeClr>
+              </a:lnRef>
+              <a:fillRef idx="1">
+                <a:schemeClr val="accent1"/>
+              </a:fillRef>
+              <a:effectRef idx="0">
+                <a:schemeClr val="accent1"/>
+              </a:effectRef>
+              <a:fontRef idx="minor">
+                <a:schemeClr val="lt1"/>
+              </a:fontRef>
+            </p:style>
+            <p:txBody>
+              <a:bodyPr rtlCol="0" anchor="ctr"/>
+              <a:lstStyle/>
+              <a:p>
+                <a:pPr algn="ctr"/>
+                <a:endParaRPr lang="ko-KR" altLang="en-US"/>
+              </a:p>
+            </p:txBody>
+          </p:sp>
+          <p:cxnSp>
+            <p:nvCxnSpPr>
+              <p:cNvPr id="23" name="직선 연결선 22"/>
+              <p:cNvCxnSpPr/>
+              <p:nvPr/>
+            </p:nvCxnSpPr>
+            <p:spPr>
+              <a:xfrm>
+                <a:off x="2179463" y="1379220"/>
+                <a:ext cx="4785073" cy="2710916"/>
+              </a:xfrm>
+              <a:prstGeom prst="line">
+                <a:avLst/>
+              </a:prstGeom>
+              <a:ln>
+                <a:solidFill>
+                  <a:schemeClr val="accent6">
+                    <a:lumMod val="60000"/>
+                    <a:lumOff val="40000"/>
+                  </a:schemeClr>
+                </a:solidFill>
+              </a:ln>
+            </p:spPr>
+            <p:style>
+              <a:lnRef idx="1">
+                <a:schemeClr val="accent1"/>
+              </a:lnRef>
+              <a:fillRef idx="0">
+                <a:schemeClr val="accent1"/>
+              </a:fillRef>
+              <a:effectRef idx="0">
+                <a:schemeClr val="accent1"/>
+              </a:effectRef>
+              <a:fontRef idx="minor">
+                <a:schemeClr val="tx1"/>
+              </a:fontRef>
+            </p:style>
+          </p:cxnSp>
+        </p:grpSp>
+        <p:sp>
+          <p:nvSpPr>
+            <p:cNvPr id="27" name="Rectangle 1"/>
+            <p:cNvSpPr/>
+            <p:nvPr/>
+          </p:nvSpPr>
+          <p:spPr>
+            <a:xfrm>
+              <a:off x="876587" y="1814315"/>
+              <a:ext cx="2163793" cy="757435"/>
+            </a:xfrm>
+            <a:prstGeom prst="rect">
+              <a:avLst/>
+            </a:prstGeom>
+            <a:noFill/>
+            <a:ln w="12700">
               <a:solidFill>
-                <a:sysClr val="windowText" lastClr="000000"/>
+                <a:schemeClr val="accent6">
+                  <a:lumMod val="40000"/>
+                  <a:lumOff val="60000"/>
+                </a:schemeClr>
               </a:solidFill>
-            </a:endParaRPr>
-          </a:p>
-        </p:txBody>
-      </p:sp>
-      <p:sp>
-        <p:nvSpPr>
-          <p:cNvPr id="3" name="TextBox 2"/>
-          <p:cNvSpPr txBox="1"/>
-          <p:nvPr/>
-        </p:nvSpPr>
-        <p:spPr>
-          <a:xfrm>
-            <a:off x="3348218" y="765427"/>
-            <a:ext cx="1402538" cy="215444"/>
-          </a:xfrm>
-          <a:prstGeom prst="rect">
-            <a:avLst/>
-          </a:prstGeom>
-          <a:noFill/>
-        </p:spPr>
-        <p:txBody>
-          <a:bodyPr wrap="square" rtlCol="0">
-            <a:spAutoFit/>
-          </a:bodyPr>
-          <a:lstStyle/>
-          <a:p>
-            <a:r>
-              <a:rPr lang="en-US" altLang="ko-KR" sz="800" b="1" smtClean="0">
-                <a:solidFill>
-                  <a:schemeClr val="dk1"/>
-                </a:solidFill>
-              </a:rPr>
-              <a:t>Beautiful </a:t>
-            </a:r>
-            <a:r>
-              <a:rPr lang="en-US" altLang="ko-KR" sz="800" b="1">
-                <a:solidFill>
-                  <a:schemeClr val="dk1"/>
-                </a:solidFill>
-              </a:rPr>
-              <a:t>Mint </a:t>
-            </a:r>
-            <a:r>
-              <a:rPr lang="en-US" altLang="ko-KR" sz="800" b="1" smtClean="0">
-                <a:solidFill>
-                  <a:schemeClr val="dk1"/>
-                </a:solidFill>
-              </a:rPr>
-              <a:t>Life 2020</a:t>
-            </a:r>
-            <a:endParaRPr lang="ko-KR" altLang="en-US"/>
-          </a:p>
-        </p:txBody>
-      </p:sp>
-      <p:sp>
-        <p:nvSpPr>
-          <p:cNvPr id="7" name="TextBox 6"/>
-          <p:cNvSpPr txBox="1"/>
-          <p:nvPr/>
-        </p:nvSpPr>
-        <p:spPr>
-          <a:xfrm>
-            <a:off x="4750756" y="765427"/>
-            <a:ext cx="625641" cy="215444"/>
-          </a:xfrm>
-          <a:prstGeom prst="rect">
-            <a:avLst/>
-          </a:prstGeom>
-          <a:noFill/>
-        </p:spPr>
-        <p:txBody>
-          <a:bodyPr wrap="square" rtlCol="0">
-            <a:spAutoFit/>
-          </a:bodyPr>
-          <a:lstStyle/>
-          <a:p>
-            <a:r>
-              <a:rPr lang="en-US" altLang="ko-KR" sz="800" b="1" smtClean="0">
-                <a:solidFill>
-                  <a:schemeClr val="dk1"/>
-                </a:solidFill>
-              </a:rPr>
-              <a:t>Program</a:t>
-            </a:r>
-            <a:endParaRPr lang="ko-KR" altLang="en-US"/>
-          </a:p>
-        </p:txBody>
-      </p:sp>
-      <p:sp>
-        <p:nvSpPr>
-          <p:cNvPr id="11" name="TextBox 10"/>
-          <p:cNvSpPr txBox="1"/>
-          <p:nvPr/>
-        </p:nvSpPr>
-        <p:spPr>
-          <a:xfrm>
-            <a:off x="5376391" y="765427"/>
-            <a:ext cx="625641" cy="215444"/>
-          </a:xfrm>
-          <a:prstGeom prst="rect">
-            <a:avLst/>
-          </a:prstGeom>
-          <a:noFill/>
-        </p:spPr>
-        <p:txBody>
-          <a:bodyPr wrap="square" rtlCol="0">
-            <a:spAutoFit/>
-          </a:bodyPr>
-          <a:lstStyle/>
-          <a:p>
-            <a:r>
-              <a:rPr lang="en-US" altLang="ko-KR" sz="800" b="1" smtClean="0">
-                <a:solidFill>
-                  <a:schemeClr val="dk1"/>
-                </a:solidFill>
-              </a:rPr>
-              <a:t>Ticket</a:t>
-            </a:r>
-            <a:endParaRPr lang="ko-KR" altLang="en-US"/>
-          </a:p>
-        </p:txBody>
-      </p:sp>
-      <p:sp>
-        <p:nvSpPr>
-          <p:cNvPr id="13" name="TextBox 12"/>
-          <p:cNvSpPr txBox="1"/>
-          <p:nvPr/>
-        </p:nvSpPr>
-        <p:spPr>
-          <a:xfrm>
-            <a:off x="6002038" y="765427"/>
-            <a:ext cx="776897" cy="215444"/>
-          </a:xfrm>
-          <a:prstGeom prst="rect">
-            <a:avLst/>
-          </a:prstGeom>
-          <a:noFill/>
-        </p:spPr>
-        <p:txBody>
-          <a:bodyPr wrap="square" rtlCol="0">
-            <a:spAutoFit/>
-          </a:bodyPr>
-          <a:lstStyle/>
-          <a:p>
-            <a:r>
-              <a:rPr lang="en-US" altLang="ko-KR" sz="800" b="1" smtClean="0">
-                <a:solidFill>
-                  <a:schemeClr val="dk1"/>
-                </a:solidFill>
-              </a:rPr>
-              <a:t>Information</a:t>
-            </a:r>
-            <a:endParaRPr lang="ko-KR" altLang="en-US"/>
-          </a:p>
-        </p:txBody>
-      </p:sp>
-      <p:sp>
-        <p:nvSpPr>
-          <p:cNvPr id="14" name="TextBox 13"/>
-          <p:cNvSpPr txBox="1"/>
-          <p:nvPr/>
-        </p:nvSpPr>
-        <p:spPr>
-          <a:xfrm>
-            <a:off x="6778935" y="765427"/>
-            <a:ext cx="625641" cy="215444"/>
-          </a:xfrm>
-          <a:prstGeom prst="rect">
-            <a:avLst/>
-          </a:prstGeom>
-          <a:noFill/>
-        </p:spPr>
-        <p:txBody>
-          <a:bodyPr wrap="square" rtlCol="0">
-            <a:spAutoFit/>
-          </a:bodyPr>
-          <a:lstStyle/>
-          <a:p>
-            <a:r>
-              <a:rPr lang="en-US" altLang="ko-KR" sz="800" b="1" smtClean="0">
-                <a:solidFill>
-                  <a:schemeClr val="dk1"/>
-                </a:solidFill>
-              </a:rPr>
-              <a:t>Gallery</a:t>
-            </a:r>
-            <a:endParaRPr lang="ko-KR" altLang="en-US"/>
-          </a:p>
-        </p:txBody>
-      </p:sp>
+            </a:ln>
+          </p:spPr>
+          <p:style>
+            <a:lnRef idx="2">
+              <a:schemeClr val="accent1">
+                <a:shade val="50000"/>
+              </a:schemeClr>
+            </a:lnRef>
+            <a:fillRef idx="1">
+              <a:schemeClr val="accent1"/>
+            </a:fillRef>
+            <a:effectRef idx="0">
+              <a:schemeClr val="accent1"/>
+            </a:effectRef>
+            <a:fontRef idx="minor">
+              <a:schemeClr val="lt1"/>
+            </a:fontRef>
+          </p:style>
+          <p:txBody>
+            <a:bodyPr rtlCol="0" anchor="ctr"/>
+            <a:lstStyle/>
+            <a:p>
+              <a:pPr algn="ctr"/>
+              <a:endParaRPr lang="ko-KR" altLang="en-US"/>
+            </a:p>
+          </p:txBody>
+        </p:sp>
+        <p:grpSp>
+          <p:nvGrpSpPr>
+            <p:cNvPr id="28" name="그룹 27"/>
+            <p:cNvGrpSpPr/>
+            <p:nvPr/>
+          </p:nvGrpSpPr>
+          <p:grpSpPr>
+            <a:xfrm>
+              <a:off x="1606553" y="1922866"/>
+              <a:ext cx="491131" cy="467728"/>
+              <a:chOff x="2179463" y="1379220"/>
+              <a:chExt cx="4785073" cy="2710916"/>
+            </a:xfrm>
+          </p:grpSpPr>
+          <p:sp>
+            <p:nvSpPr>
+              <p:cNvPr id="29" name="Rectangle 1"/>
+              <p:cNvSpPr/>
+              <p:nvPr/>
+            </p:nvSpPr>
+            <p:spPr>
+              <a:xfrm>
+                <a:off x="2179463" y="1379220"/>
+                <a:ext cx="4785073" cy="2710916"/>
+              </a:xfrm>
+              <a:prstGeom prst="rect">
+                <a:avLst/>
+              </a:prstGeom>
+              <a:noFill/>
+              <a:ln w="12700">
+                <a:solidFill>
+                  <a:schemeClr val="accent6">
+                    <a:lumMod val="40000"/>
+                    <a:lumOff val="60000"/>
+                  </a:schemeClr>
+                </a:solidFill>
+              </a:ln>
+            </p:spPr>
+            <p:style>
+              <a:lnRef idx="2">
+                <a:schemeClr val="accent1">
+                  <a:shade val="50000"/>
+                </a:schemeClr>
+              </a:lnRef>
+              <a:fillRef idx="1">
+                <a:schemeClr val="accent1"/>
+              </a:fillRef>
+              <a:effectRef idx="0">
+                <a:schemeClr val="accent1"/>
+              </a:effectRef>
+              <a:fontRef idx="minor">
+                <a:schemeClr val="lt1"/>
+              </a:fontRef>
+            </p:style>
+            <p:txBody>
+              <a:bodyPr rtlCol="0" anchor="ctr"/>
+              <a:lstStyle/>
+              <a:p>
+                <a:pPr algn="ctr"/>
+                <a:endParaRPr lang="ko-KR" altLang="en-US"/>
+              </a:p>
+            </p:txBody>
+          </p:sp>
+          <p:cxnSp>
+            <p:nvCxnSpPr>
+              <p:cNvPr id="30" name="직선 연결선 29"/>
+              <p:cNvCxnSpPr/>
+              <p:nvPr/>
+            </p:nvCxnSpPr>
+            <p:spPr>
+              <a:xfrm>
+                <a:off x="2179463" y="1379220"/>
+                <a:ext cx="4785073" cy="2710916"/>
+              </a:xfrm>
+              <a:prstGeom prst="line">
+                <a:avLst/>
+              </a:prstGeom>
+              <a:ln>
+                <a:solidFill>
+                  <a:schemeClr val="accent6">
+                    <a:lumMod val="60000"/>
+                    <a:lumOff val="40000"/>
+                  </a:schemeClr>
+                </a:solidFill>
+              </a:ln>
+            </p:spPr>
+            <p:style>
+              <a:lnRef idx="1">
+                <a:schemeClr val="accent1"/>
+              </a:lnRef>
+              <a:fillRef idx="0">
+                <a:schemeClr val="accent1"/>
+              </a:fillRef>
+              <a:effectRef idx="0">
+                <a:schemeClr val="accent1"/>
+              </a:effectRef>
+              <a:fontRef idx="minor">
+                <a:schemeClr val="tx1"/>
+              </a:fontRef>
+            </p:style>
+          </p:cxnSp>
+        </p:grpSp>
+        <p:grpSp>
+          <p:nvGrpSpPr>
+            <p:cNvPr id="31" name="그룹 30"/>
+            <p:cNvGrpSpPr/>
+            <p:nvPr/>
+          </p:nvGrpSpPr>
+          <p:grpSpPr>
+            <a:xfrm>
+              <a:off x="2182297" y="1922866"/>
+              <a:ext cx="491131" cy="467728"/>
+              <a:chOff x="2179463" y="1379220"/>
+              <a:chExt cx="4785073" cy="2710916"/>
+            </a:xfrm>
+          </p:grpSpPr>
+          <p:sp>
+            <p:nvSpPr>
+              <p:cNvPr id="32" name="Rectangle 1"/>
+              <p:cNvSpPr/>
+              <p:nvPr/>
+            </p:nvSpPr>
+            <p:spPr>
+              <a:xfrm>
+                <a:off x="2179463" y="1379220"/>
+                <a:ext cx="4785073" cy="2710916"/>
+              </a:xfrm>
+              <a:prstGeom prst="rect">
+                <a:avLst/>
+              </a:prstGeom>
+              <a:noFill/>
+              <a:ln w="12700">
+                <a:solidFill>
+                  <a:schemeClr val="accent6">
+                    <a:lumMod val="40000"/>
+                    <a:lumOff val="60000"/>
+                  </a:schemeClr>
+                </a:solidFill>
+              </a:ln>
+            </p:spPr>
+            <p:style>
+              <a:lnRef idx="2">
+                <a:schemeClr val="accent1">
+                  <a:shade val="50000"/>
+                </a:schemeClr>
+              </a:lnRef>
+              <a:fillRef idx="1">
+                <a:schemeClr val="accent1"/>
+              </a:fillRef>
+              <a:effectRef idx="0">
+                <a:schemeClr val="accent1"/>
+              </a:effectRef>
+              <a:fontRef idx="minor">
+                <a:schemeClr val="lt1"/>
+              </a:fontRef>
+            </p:style>
+            <p:txBody>
+              <a:bodyPr rtlCol="0" anchor="ctr"/>
+              <a:lstStyle/>
+              <a:p>
+                <a:pPr algn="ctr"/>
+                <a:endParaRPr lang="ko-KR" altLang="en-US"/>
+              </a:p>
+            </p:txBody>
+          </p:sp>
+          <p:cxnSp>
+            <p:nvCxnSpPr>
+              <p:cNvPr id="33" name="직선 연결선 32"/>
+              <p:cNvCxnSpPr/>
+              <p:nvPr/>
+            </p:nvCxnSpPr>
+            <p:spPr>
+              <a:xfrm>
+                <a:off x="2179463" y="1379220"/>
+                <a:ext cx="4785073" cy="2710916"/>
+              </a:xfrm>
+              <a:prstGeom prst="line">
+                <a:avLst/>
+              </a:prstGeom>
+              <a:ln>
+                <a:solidFill>
+                  <a:schemeClr val="accent6">
+                    <a:lumMod val="60000"/>
+                    <a:lumOff val="40000"/>
+                  </a:schemeClr>
+                </a:solidFill>
+              </a:ln>
+            </p:spPr>
+            <p:style>
+              <a:lnRef idx="1">
+                <a:schemeClr val="accent1"/>
+              </a:lnRef>
+              <a:fillRef idx="0">
+                <a:schemeClr val="accent1"/>
+              </a:fillRef>
+              <a:effectRef idx="0">
+                <a:schemeClr val="accent1"/>
+              </a:effectRef>
+              <a:fontRef idx="minor">
+                <a:schemeClr val="tx1"/>
+              </a:fontRef>
+            </p:style>
+          </p:cxnSp>
+        </p:grpSp>
+        <p:grpSp>
+          <p:nvGrpSpPr>
+            <p:cNvPr id="34" name="그룹 33"/>
+            <p:cNvGrpSpPr/>
+            <p:nvPr/>
+          </p:nvGrpSpPr>
+          <p:grpSpPr>
+            <a:xfrm>
+              <a:off x="2758041" y="1922866"/>
+              <a:ext cx="491131" cy="467728"/>
+              <a:chOff x="2179463" y="1379220"/>
+              <a:chExt cx="4785073" cy="2710916"/>
+            </a:xfrm>
+          </p:grpSpPr>
+          <p:sp>
+            <p:nvSpPr>
+              <p:cNvPr id="35" name="Rectangle 1"/>
+              <p:cNvSpPr/>
+              <p:nvPr/>
+            </p:nvSpPr>
+            <p:spPr>
+              <a:xfrm>
+                <a:off x="2179463" y="1379220"/>
+                <a:ext cx="4785073" cy="2710916"/>
+              </a:xfrm>
+              <a:prstGeom prst="rect">
+                <a:avLst/>
+              </a:prstGeom>
+              <a:noFill/>
+              <a:ln w="12700">
+                <a:solidFill>
+                  <a:schemeClr val="accent6">
+                    <a:lumMod val="40000"/>
+                    <a:lumOff val="60000"/>
+                  </a:schemeClr>
+                </a:solidFill>
+              </a:ln>
+            </p:spPr>
+            <p:style>
+              <a:lnRef idx="2">
+                <a:schemeClr val="accent1">
+                  <a:shade val="50000"/>
+                </a:schemeClr>
+              </a:lnRef>
+              <a:fillRef idx="1">
+                <a:schemeClr val="accent1"/>
+              </a:fillRef>
+              <a:effectRef idx="0">
+                <a:schemeClr val="accent1"/>
+              </a:effectRef>
+              <a:fontRef idx="minor">
+                <a:schemeClr val="lt1"/>
+              </a:fontRef>
+            </p:style>
+            <p:txBody>
+              <a:bodyPr rtlCol="0" anchor="ctr"/>
+              <a:lstStyle/>
+              <a:p>
+                <a:pPr algn="ctr"/>
+                <a:endParaRPr lang="ko-KR" altLang="en-US"/>
+              </a:p>
+            </p:txBody>
+          </p:sp>
+          <p:cxnSp>
+            <p:nvCxnSpPr>
+              <p:cNvPr id="36" name="직선 연결선 35"/>
+              <p:cNvCxnSpPr/>
+              <p:nvPr/>
+            </p:nvCxnSpPr>
+            <p:spPr>
+              <a:xfrm>
+                <a:off x="2179463" y="1379220"/>
+                <a:ext cx="4785073" cy="2710916"/>
+              </a:xfrm>
+              <a:prstGeom prst="line">
+                <a:avLst/>
+              </a:prstGeom>
+              <a:ln>
+                <a:solidFill>
+                  <a:schemeClr val="accent6">
+                    <a:lumMod val="60000"/>
+                    <a:lumOff val="40000"/>
+                  </a:schemeClr>
+                </a:solidFill>
+              </a:ln>
+            </p:spPr>
+            <p:style>
+              <a:lnRef idx="1">
+                <a:schemeClr val="accent1"/>
+              </a:lnRef>
+              <a:fillRef idx="0">
+                <a:schemeClr val="accent1"/>
+              </a:fillRef>
+              <a:effectRef idx="0">
+                <a:schemeClr val="accent1"/>
+              </a:effectRef>
+              <a:fontRef idx="minor">
+                <a:schemeClr val="tx1"/>
+              </a:fontRef>
+            </p:style>
+          </p:cxnSp>
+        </p:grpSp>
+        <p:sp>
+          <p:nvSpPr>
+            <p:cNvPr id="40" name="Rectangle 1"/>
+            <p:cNvSpPr/>
+            <p:nvPr/>
+          </p:nvSpPr>
+          <p:spPr>
+            <a:xfrm>
+              <a:off x="876587" y="2642611"/>
+              <a:ext cx="2163793" cy="757435"/>
+            </a:xfrm>
+            <a:prstGeom prst="rect">
+              <a:avLst/>
+            </a:prstGeom>
+            <a:noFill/>
+            <a:ln w="12700">
+              <a:solidFill>
+                <a:schemeClr val="accent6">
+                  <a:lumMod val="40000"/>
+                  <a:lumOff val="60000"/>
+                </a:schemeClr>
+              </a:solidFill>
+            </a:ln>
+          </p:spPr>
+          <p:style>
+            <a:lnRef idx="2">
+              <a:schemeClr val="accent1">
+                <a:shade val="50000"/>
+              </a:schemeClr>
+            </a:lnRef>
+            <a:fillRef idx="1">
+              <a:schemeClr val="accent1"/>
+            </a:fillRef>
+            <a:effectRef idx="0">
+              <a:schemeClr val="accent1"/>
+            </a:effectRef>
+            <a:fontRef idx="minor">
+              <a:schemeClr val="lt1"/>
+            </a:fontRef>
+          </p:style>
+          <p:txBody>
+            <a:bodyPr rtlCol="0" anchor="ctr"/>
+            <a:lstStyle/>
+            <a:p>
+              <a:pPr algn="ctr"/>
+              <a:r>
+                <a:rPr lang="en-US" altLang="ko-KR" sz="900" dirty="0" smtClean="0">
+                  <a:solidFill>
+                    <a:schemeClr val="tx1"/>
+                  </a:solidFill>
+                </a:rPr>
+                <a:t>map</a:t>
+              </a:r>
+              <a:endParaRPr lang="ko-KR" altLang="en-US" dirty="0">
+                <a:solidFill>
+                  <a:schemeClr val="tx1"/>
+                </a:solidFill>
+              </a:endParaRPr>
+            </a:p>
+          </p:txBody>
+        </p:sp>
+        <p:sp>
+          <p:nvSpPr>
+            <p:cNvPr id="41" name="Rectangle 1"/>
+            <p:cNvSpPr/>
+            <p:nvPr/>
+          </p:nvSpPr>
+          <p:spPr>
+            <a:xfrm>
+              <a:off x="876587" y="4274966"/>
+              <a:ext cx="2163793" cy="318089"/>
+            </a:xfrm>
+            <a:prstGeom prst="rect">
+              <a:avLst/>
+            </a:prstGeom>
+            <a:solidFill>
+              <a:schemeClr val="bg1"/>
+            </a:solidFill>
+            <a:ln w="12700">
+              <a:solidFill>
+                <a:schemeClr val="accent6">
+                  <a:lumMod val="40000"/>
+                  <a:lumOff val="60000"/>
+                </a:schemeClr>
+              </a:solidFill>
+            </a:ln>
+          </p:spPr>
+          <p:style>
+            <a:lnRef idx="2">
+              <a:schemeClr val="accent1">
+                <a:shade val="50000"/>
+              </a:schemeClr>
+            </a:lnRef>
+            <a:fillRef idx="1">
+              <a:schemeClr val="accent1"/>
+            </a:fillRef>
+            <a:effectRef idx="0">
+              <a:schemeClr val="accent1"/>
+            </a:effectRef>
+            <a:fontRef idx="minor">
+              <a:schemeClr val="lt1"/>
+            </a:fontRef>
+          </p:style>
+          <p:txBody>
+            <a:bodyPr rtlCol="0" anchor="ctr"/>
+            <a:lstStyle/>
+            <a:p>
+              <a:pPr algn="ctr"/>
+              <a:endParaRPr lang="ko-KR" altLang="en-US"/>
+            </a:p>
+          </p:txBody>
+        </p:sp>
+        <p:sp>
+          <p:nvSpPr>
+            <p:cNvPr id="42" name="Rectangle 1"/>
+            <p:cNvSpPr/>
+            <p:nvPr/>
+          </p:nvSpPr>
+          <p:spPr>
+            <a:xfrm>
+              <a:off x="876587" y="3446641"/>
+              <a:ext cx="2163793" cy="757435"/>
+            </a:xfrm>
+            <a:prstGeom prst="rect">
+              <a:avLst/>
+            </a:prstGeom>
+            <a:noFill/>
+            <a:ln w="12700">
+              <a:solidFill>
+                <a:schemeClr val="accent6">
+                  <a:lumMod val="40000"/>
+                  <a:lumOff val="60000"/>
+                </a:schemeClr>
+              </a:solidFill>
+            </a:ln>
+          </p:spPr>
+          <p:style>
+            <a:lnRef idx="2">
+              <a:schemeClr val="accent1">
+                <a:shade val="50000"/>
+              </a:schemeClr>
+            </a:lnRef>
+            <a:fillRef idx="1">
+              <a:schemeClr val="accent1"/>
+            </a:fillRef>
+            <a:effectRef idx="0">
+              <a:schemeClr val="accent1"/>
+            </a:effectRef>
+            <a:fontRef idx="minor">
+              <a:schemeClr val="lt1"/>
+            </a:fontRef>
+          </p:style>
+          <p:txBody>
+            <a:bodyPr rtlCol="0" anchor="ctr"/>
+            <a:lstStyle/>
+            <a:p>
+              <a:pPr algn="ctr"/>
+              <a:endParaRPr lang="ko-KR" altLang="en-US"/>
+            </a:p>
+          </p:txBody>
+        </p:sp>
+        <p:grpSp>
+          <p:nvGrpSpPr>
+            <p:cNvPr id="43" name="그룹 42"/>
+            <p:cNvGrpSpPr/>
+            <p:nvPr/>
+          </p:nvGrpSpPr>
+          <p:grpSpPr>
+            <a:xfrm>
+              <a:off x="920593" y="3502196"/>
+              <a:ext cx="414386" cy="609692"/>
+              <a:chOff x="2179463" y="1379220"/>
+              <a:chExt cx="4785073" cy="2710916"/>
+            </a:xfrm>
+          </p:grpSpPr>
+          <p:sp>
+            <p:nvSpPr>
+              <p:cNvPr id="44" name="Rectangle 1"/>
+              <p:cNvSpPr/>
+              <p:nvPr/>
+            </p:nvSpPr>
+            <p:spPr>
+              <a:xfrm>
+                <a:off x="2179463" y="1379220"/>
+                <a:ext cx="4785073" cy="2710916"/>
+              </a:xfrm>
+              <a:prstGeom prst="rect">
+                <a:avLst/>
+              </a:prstGeom>
+              <a:noFill/>
+              <a:ln w="12700">
+                <a:solidFill>
+                  <a:schemeClr val="accent6">
+                    <a:lumMod val="40000"/>
+                    <a:lumOff val="60000"/>
+                  </a:schemeClr>
+                </a:solidFill>
+              </a:ln>
+            </p:spPr>
+            <p:style>
+              <a:lnRef idx="2">
+                <a:schemeClr val="accent1">
+                  <a:shade val="50000"/>
+                </a:schemeClr>
+              </a:lnRef>
+              <a:fillRef idx="1">
+                <a:schemeClr val="accent1"/>
+              </a:fillRef>
+              <a:effectRef idx="0">
+                <a:schemeClr val="accent1"/>
+              </a:effectRef>
+              <a:fontRef idx="minor">
+                <a:schemeClr val="lt1"/>
+              </a:fontRef>
+            </p:style>
+            <p:txBody>
+              <a:bodyPr rtlCol="0" anchor="ctr"/>
+              <a:lstStyle/>
+              <a:p>
+                <a:pPr algn="ctr"/>
+                <a:endParaRPr lang="ko-KR" altLang="en-US"/>
+              </a:p>
+            </p:txBody>
+          </p:sp>
+          <p:cxnSp>
+            <p:nvCxnSpPr>
+              <p:cNvPr id="45" name="직선 연결선 44"/>
+              <p:cNvCxnSpPr/>
+              <p:nvPr/>
+            </p:nvCxnSpPr>
+            <p:spPr>
+              <a:xfrm>
+                <a:off x="2179463" y="1379220"/>
+                <a:ext cx="4785073" cy="2710916"/>
+              </a:xfrm>
+              <a:prstGeom prst="line">
+                <a:avLst/>
+              </a:prstGeom>
+              <a:ln>
+                <a:solidFill>
+                  <a:schemeClr val="accent6">
+                    <a:lumMod val="60000"/>
+                    <a:lumOff val="40000"/>
+                  </a:schemeClr>
+                </a:solidFill>
+              </a:ln>
+            </p:spPr>
+            <p:style>
+              <a:lnRef idx="1">
+                <a:schemeClr val="accent1"/>
+              </a:lnRef>
+              <a:fillRef idx="0">
+                <a:schemeClr val="accent1"/>
+              </a:fillRef>
+              <a:effectRef idx="0">
+                <a:schemeClr val="accent1"/>
+              </a:effectRef>
+              <a:fontRef idx="minor">
+                <a:schemeClr val="tx1"/>
+              </a:fontRef>
+            </p:style>
+          </p:cxnSp>
+        </p:grpSp>
+        <p:grpSp>
+          <p:nvGrpSpPr>
+            <p:cNvPr id="46" name="그룹 45"/>
+            <p:cNvGrpSpPr/>
+            <p:nvPr/>
+          </p:nvGrpSpPr>
+          <p:grpSpPr>
+            <a:xfrm>
+              <a:off x="1341928" y="3502196"/>
+              <a:ext cx="616555" cy="323162"/>
+              <a:chOff x="2179463" y="1379220"/>
+              <a:chExt cx="4785073" cy="2710916"/>
+            </a:xfrm>
+          </p:grpSpPr>
+          <p:sp>
+            <p:nvSpPr>
+              <p:cNvPr id="47" name="Rectangle 1"/>
+              <p:cNvSpPr/>
+              <p:nvPr/>
+            </p:nvSpPr>
+            <p:spPr>
+              <a:xfrm>
+                <a:off x="2179463" y="1379220"/>
+                <a:ext cx="4785073" cy="2710916"/>
+              </a:xfrm>
+              <a:prstGeom prst="rect">
+                <a:avLst/>
+              </a:prstGeom>
+              <a:noFill/>
+              <a:ln w="12700">
+                <a:solidFill>
+                  <a:schemeClr val="accent6">
+                    <a:lumMod val="40000"/>
+                    <a:lumOff val="60000"/>
+                  </a:schemeClr>
+                </a:solidFill>
+              </a:ln>
+            </p:spPr>
+            <p:style>
+              <a:lnRef idx="2">
+                <a:schemeClr val="accent1">
+                  <a:shade val="50000"/>
+                </a:schemeClr>
+              </a:lnRef>
+              <a:fillRef idx="1">
+                <a:schemeClr val="accent1"/>
+              </a:fillRef>
+              <a:effectRef idx="0">
+                <a:schemeClr val="accent1"/>
+              </a:effectRef>
+              <a:fontRef idx="minor">
+                <a:schemeClr val="lt1"/>
+              </a:fontRef>
+            </p:style>
+            <p:txBody>
+              <a:bodyPr rtlCol="0" anchor="ctr"/>
+              <a:lstStyle/>
+              <a:p>
+                <a:pPr algn="ctr"/>
+                <a:endParaRPr lang="ko-KR" altLang="en-US"/>
+              </a:p>
+            </p:txBody>
+          </p:sp>
+          <p:cxnSp>
+            <p:nvCxnSpPr>
+              <p:cNvPr id="48" name="직선 연결선 47"/>
+              <p:cNvCxnSpPr/>
+              <p:nvPr/>
+            </p:nvCxnSpPr>
+            <p:spPr>
+              <a:xfrm>
+                <a:off x="2179463" y="1379220"/>
+                <a:ext cx="4785073" cy="2710916"/>
+              </a:xfrm>
+              <a:prstGeom prst="line">
+                <a:avLst/>
+              </a:prstGeom>
+              <a:ln>
+                <a:solidFill>
+                  <a:schemeClr val="accent6">
+                    <a:lumMod val="60000"/>
+                    <a:lumOff val="40000"/>
+                  </a:schemeClr>
+                </a:solidFill>
+              </a:ln>
+            </p:spPr>
+            <p:style>
+              <a:lnRef idx="1">
+                <a:schemeClr val="accent1"/>
+              </a:lnRef>
+              <a:fillRef idx="0">
+                <a:schemeClr val="accent1"/>
+              </a:fillRef>
+              <a:effectRef idx="0">
+                <a:schemeClr val="accent1"/>
+              </a:effectRef>
+              <a:fontRef idx="minor">
+                <a:schemeClr val="tx1"/>
+              </a:fontRef>
+            </p:style>
+          </p:cxnSp>
+        </p:grpSp>
+        <p:grpSp>
+          <p:nvGrpSpPr>
+            <p:cNvPr id="49" name="그룹 48"/>
+            <p:cNvGrpSpPr/>
+            <p:nvPr/>
+          </p:nvGrpSpPr>
+          <p:grpSpPr>
+            <a:xfrm>
+              <a:off x="1958483" y="3502196"/>
+              <a:ext cx="616555" cy="609692"/>
+              <a:chOff x="2179463" y="1379220"/>
+              <a:chExt cx="4785073" cy="2710916"/>
+            </a:xfrm>
+          </p:grpSpPr>
+          <p:sp>
+            <p:nvSpPr>
+              <p:cNvPr id="50" name="Rectangle 1"/>
+              <p:cNvSpPr/>
+              <p:nvPr/>
+            </p:nvSpPr>
+            <p:spPr>
+              <a:xfrm>
+                <a:off x="2179463" y="1379220"/>
+                <a:ext cx="4785073" cy="2710916"/>
+              </a:xfrm>
+              <a:prstGeom prst="rect">
+                <a:avLst/>
+              </a:prstGeom>
+              <a:noFill/>
+              <a:ln w="12700">
+                <a:solidFill>
+                  <a:schemeClr val="accent6">
+                    <a:lumMod val="40000"/>
+                    <a:lumOff val="60000"/>
+                  </a:schemeClr>
+                </a:solidFill>
+              </a:ln>
+            </p:spPr>
+            <p:style>
+              <a:lnRef idx="2">
+                <a:schemeClr val="accent1">
+                  <a:shade val="50000"/>
+                </a:schemeClr>
+              </a:lnRef>
+              <a:fillRef idx="1">
+                <a:schemeClr val="accent1"/>
+              </a:fillRef>
+              <a:effectRef idx="0">
+                <a:schemeClr val="accent1"/>
+              </a:effectRef>
+              <a:fontRef idx="minor">
+                <a:schemeClr val="lt1"/>
+              </a:fontRef>
+            </p:style>
+            <p:txBody>
+              <a:bodyPr rtlCol="0" anchor="ctr"/>
+              <a:lstStyle/>
+              <a:p>
+                <a:pPr algn="ctr"/>
+                <a:endParaRPr lang="ko-KR" altLang="en-US"/>
+              </a:p>
+            </p:txBody>
+          </p:sp>
+          <p:cxnSp>
+            <p:nvCxnSpPr>
+              <p:cNvPr id="51" name="직선 연결선 50"/>
+              <p:cNvCxnSpPr/>
+              <p:nvPr/>
+            </p:nvCxnSpPr>
+            <p:spPr>
+              <a:xfrm>
+                <a:off x="2179463" y="1379220"/>
+                <a:ext cx="4785073" cy="2710916"/>
+              </a:xfrm>
+              <a:prstGeom prst="line">
+                <a:avLst/>
+              </a:prstGeom>
+              <a:ln>
+                <a:solidFill>
+                  <a:schemeClr val="accent6">
+                    <a:lumMod val="60000"/>
+                    <a:lumOff val="40000"/>
+                  </a:schemeClr>
+                </a:solidFill>
+              </a:ln>
+            </p:spPr>
+            <p:style>
+              <a:lnRef idx="1">
+                <a:schemeClr val="accent1"/>
+              </a:lnRef>
+              <a:fillRef idx="0">
+                <a:schemeClr val="accent1"/>
+              </a:fillRef>
+              <a:effectRef idx="0">
+                <a:schemeClr val="accent1"/>
+              </a:effectRef>
+              <a:fontRef idx="minor">
+                <a:schemeClr val="tx1"/>
+              </a:fontRef>
+            </p:style>
+          </p:cxnSp>
+        </p:grpSp>
+        <p:grpSp>
+          <p:nvGrpSpPr>
+            <p:cNvPr id="52" name="그룹 51"/>
+            <p:cNvGrpSpPr/>
+            <p:nvPr/>
+          </p:nvGrpSpPr>
+          <p:grpSpPr>
+            <a:xfrm>
+              <a:off x="1341928" y="3825358"/>
+              <a:ext cx="308277" cy="286530"/>
+              <a:chOff x="2179463" y="1379220"/>
+              <a:chExt cx="4785073" cy="2710916"/>
+            </a:xfrm>
+          </p:grpSpPr>
+          <p:sp>
+            <p:nvSpPr>
+              <p:cNvPr id="53" name="Rectangle 1"/>
+              <p:cNvSpPr/>
+              <p:nvPr/>
+            </p:nvSpPr>
+            <p:spPr>
+              <a:xfrm>
+                <a:off x="2179463" y="1379220"/>
+                <a:ext cx="4785073" cy="2710916"/>
+              </a:xfrm>
+              <a:prstGeom prst="rect">
+                <a:avLst/>
+              </a:prstGeom>
+              <a:noFill/>
+              <a:ln w="12700">
+                <a:solidFill>
+                  <a:schemeClr val="accent6">
+                    <a:lumMod val="40000"/>
+                    <a:lumOff val="60000"/>
+                  </a:schemeClr>
+                </a:solidFill>
+              </a:ln>
+            </p:spPr>
+            <p:style>
+              <a:lnRef idx="2">
+                <a:schemeClr val="accent1">
+                  <a:shade val="50000"/>
+                </a:schemeClr>
+              </a:lnRef>
+              <a:fillRef idx="1">
+                <a:schemeClr val="accent1"/>
+              </a:fillRef>
+              <a:effectRef idx="0">
+                <a:schemeClr val="accent1"/>
+              </a:effectRef>
+              <a:fontRef idx="minor">
+                <a:schemeClr val="lt1"/>
+              </a:fontRef>
+            </p:style>
+            <p:txBody>
+              <a:bodyPr rtlCol="0" anchor="ctr"/>
+              <a:lstStyle/>
+              <a:p>
+                <a:pPr algn="ctr"/>
+                <a:endParaRPr lang="ko-KR" altLang="en-US"/>
+              </a:p>
+            </p:txBody>
+          </p:sp>
+          <p:cxnSp>
+            <p:nvCxnSpPr>
+              <p:cNvPr id="54" name="직선 연결선 53"/>
+              <p:cNvCxnSpPr/>
+              <p:nvPr/>
+            </p:nvCxnSpPr>
+            <p:spPr>
+              <a:xfrm>
+                <a:off x="2179463" y="1379220"/>
+                <a:ext cx="4785073" cy="2710916"/>
+              </a:xfrm>
+              <a:prstGeom prst="line">
+                <a:avLst/>
+              </a:prstGeom>
+              <a:ln>
+                <a:solidFill>
+                  <a:schemeClr val="accent6">
+                    <a:lumMod val="60000"/>
+                    <a:lumOff val="40000"/>
+                  </a:schemeClr>
+                </a:solidFill>
+              </a:ln>
+            </p:spPr>
+            <p:style>
+              <a:lnRef idx="1">
+                <a:schemeClr val="accent1"/>
+              </a:lnRef>
+              <a:fillRef idx="0">
+                <a:schemeClr val="accent1"/>
+              </a:fillRef>
+              <a:effectRef idx="0">
+                <a:schemeClr val="accent1"/>
+              </a:effectRef>
+              <a:fontRef idx="minor">
+                <a:schemeClr val="tx1"/>
+              </a:fontRef>
+            </p:style>
+          </p:cxnSp>
+        </p:grpSp>
+        <p:grpSp>
+          <p:nvGrpSpPr>
+            <p:cNvPr id="55" name="그룹 54"/>
+            <p:cNvGrpSpPr/>
+            <p:nvPr/>
+          </p:nvGrpSpPr>
+          <p:grpSpPr>
+            <a:xfrm>
+              <a:off x="1648466" y="3825358"/>
+              <a:ext cx="308277" cy="286530"/>
+              <a:chOff x="2179463" y="1379220"/>
+              <a:chExt cx="4785073" cy="2710916"/>
+            </a:xfrm>
+          </p:grpSpPr>
+          <p:sp>
+            <p:nvSpPr>
+              <p:cNvPr id="56" name="Rectangle 1"/>
+              <p:cNvSpPr/>
+              <p:nvPr/>
+            </p:nvSpPr>
+            <p:spPr>
+              <a:xfrm>
+                <a:off x="2179463" y="1379220"/>
+                <a:ext cx="4785073" cy="2710916"/>
+              </a:xfrm>
+              <a:prstGeom prst="rect">
+                <a:avLst/>
+              </a:prstGeom>
+              <a:noFill/>
+              <a:ln w="12700">
+                <a:solidFill>
+                  <a:schemeClr val="accent6">
+                    <a:lumMod val="40000"/>
+                    <a:lumOff val="60000"/>
+                  </a:schemeClr>
+                </a:solidFill>
+              </a:ln>
+            </p:spPr>
+            <p:style>
+              <a:lnRef idx="2">
+                <a:schemeClr val="accent1">
+                  <a:shade val="50000"/>
+                </a:schemeClr>
+              </a:lnRef>
+              <a:fillRef idx="1">
+                <a:schemeClr val="accent1"/>
+              </a:fillRef>
+              <a:effectRef idx="0">
+                <a:schemeClr val="accent1"/>
+              </a:effectRef>
+              <a:fontRef idx="minor">
+                <a:schemeClr val="lt1"/>
+              </a:fontRef>
+            </p:style>
+            <p:txBody>
+              <a:bodyPr rtlCol="0" anchor="ctr"/>
+              <a:lstStyle/>
+              <a:p>
+                <a:pPr algn="ctr"/>
+                <a:endParaRPr lang="ko-KR" altLang="en-US"/>
+              </a:p>
+            </p:txBody>
+          </p:sp>
+          <p:cxnSp>
+            <p:nvCxnSpPr>
+              <p:cNvPr id="57" name="직선 연결선 56"/>
+              <p:cNvCxnSpPr/>
+              <p:nvPr/>
+            </p:nvCxnSpPr>
+            <p:spPr>
+              <a:xfrm>
+                <a:off x="2179463" y="1379220"/>
+                <a:ext cx="4785073" cy="2710916"/>
+              </a:xfrm>
+              <a:prstGeom prst="line">
+                <a:avLst/>
+              </a:prstGeom>
+              <a:ln>
+                <a:solidFill>
+                  <a:schemeClr val="accent6">
+                    <a:lumMod val="60000"/>
+                    <a:lumOff val="40000"/>
+                  </a:schemeClr>
+                </a:solidFill>
+              </a:ln>
+            </p:spPr>
+            <p:style>
+              <a:lnRef idx="1">
+                <a:schemeClr val="accent1"/>
+              </a:lnRef>
+              <a:fillRef idx="0">
+                <a:schemeClr val="accent1"/>
+              </a:fillRef>
+              <a:effectRef idx="0">
+                <a:schemeClr val="accent1"/>
+              </a:effectRef>
+              <a:fontRef idx="minor">
+                <a:schemeClr val="tx1"/>
+              </a:fontRef>
+            </p:style>
+          </p:cxnSp>
+        </p:grpSp>
+        <p:grpSp>
+          <p:nvGrpSpPr>
+            <p:cNvPr id="58" name="그룹 57"/>
+            <p:cNvGrpSpPr/>
+            <p:nvPr/>
+          </p:nvGrpSpPr>
+          <p:grpSpPr>
+            <a:xfrm>
+              <a:off x="2575038" y="3502196"/>
+              <a:ext cx="377833" cy="609692"/>
+              <a:chOff x="2179463" y="1379220"/>
+              <a:chExt cx="4785073" cy="2710916"/>
+            </a:xfrm>
+          </p:grpSpPr>
+          <p:sp>
+            <p:nvSpPr>
+              <p:cNvPr id="59" name="Rectangle 1"/>
+              <p:cNvSpPr/>
+              <p:nvPr/>
+            </p:nvSpPr>
+            <p:spPr>
+              <a:xfrm>
+                <a:off x="2179463" y="1379220"/>
+                <a:ext cx="4785073" cy="2710916"/>
+              </a:xfrm>
+              <a:prstGeom prst="rect">
+                <a:avLst/>
+              </a:prstGeom>
+              <a:noFill/>
+              <a:ln w="12700">
+                <a:solidFill>
+                  <a:schemeClr val="accent6">
+                    <a:lumMod val="40000"/>
+                    <a:lumOff val="60000"/>
+                  </a:schemeClr>
+                </a:solidFill>
+              </a:ln>
+            </p:spPr>
+            <p:style>
+              <a:lnRef idx="2">
+                <a:schemeClr val="accent1">
+                  <a:shade val="50000"/>
+                </a:schemeClr>
+              </a:lnRef>
+              <a:fillRef idx="1">
+                <a:schemeClr val="accent1"/>
+              </a:fillRef>
+              <a:effectRef idx="0">
+                <a:schemeClr val="accent1"/>
+              </a:effectRef>
+              <a:fontRef idx="minor">
+                <a:schemeClr val="lt1"/>
+              </a:fontRef>
+            </p:style>
+            <p:txBody>
+              <a:bodyPr rtlCol="0" anchor="ctr"/>
+              <a:lstStyle/>
+              <a:p>
+                <a:pPr algn="ctr"/>
+                <a:endParaRPr lang="ko-KR" altLang="en-US"/>
+              </a:p>
+            </p:txBody>
+          </p:sp>
+          <p:cxnSp>
+            <p:nvCxnSpPr>
+              <p:cNvPr id="60" name="직선 연결선 59"/>
+              <p:cNvCxnSpPr/>
+              <p:nvPr/>
+            </p:nvCxnSpPr>
+            <p:spPr>
+              <a:xfrm>
+                <a:off x="2179463" y="1379220"/>
+                <a:ext cx="4785073" cy="2710916"/>
+              </a:xfrm>
+              <a:prstGeom prst="line">
+                <a:avLst/>
+              </a:prstGeom>
+              <a:ln>
+                <a:solidFill>
+                  <a:schemeClr val="accent6">
+                    <a:lumMod val="60000"/>
+                    <a:lumOff val="40000"/>
+                  </a:schemeClr>
+                </a:solidFill>
+              </a:ln>
+            </p:spPr>
+            <p:style>
+              <a:lnRef idx="1">
+                <a:schemeClr val="accent1"/>
+              </a:lnRef>
+              <a:fillRef idx="0">
+                <a:schemeClr val="accent1"/>
+              </a:fillRef>
+              <a:effectRef idx="0">
+                <a:schemeClr val="accent1"/>
+              </a:effectRef>
+              <a:fontRef idx="minor">
+                <a:schemeClr val="tx1"/>
+              </a:fontRef>
+            </p:style>
+          </p:cxnSp>
+        </p:grpSp>
+      </p:grpSp>
     </p:spTree>
+    <p:extLst>
+      <p:ext uri="{BB962C8B-B14F-4D97-AF65-F5344CB8AC3E}">
+        <p14:creationId xmlns:p14="http://schemas.microsoft.com/office/powerpoint/2010/main" val="1371029605"/>
+      </p:ext>
+    </p:extLst>
   </p:cSld>
   <p:clrMapOvr>
     <a:masterClrMapping/>
@@ -19991,14 +21135,22 @@
               <a:buChar char="●"/>
             </a:pPr>
             <a:r>
-              <a:rPr lang="en-US" sz="1000">
+              <a:rPr lang="en-US" sz="1000" dirty="0" err="1">
                 <a:solidFill>
                   <a:schemeClr val="dk1"/>
                 </a:solidFill>
               </a:rPr>
-              <a:t>상단메뉴 2depth설정</a:t>
+              <a:t>상단메뉴</a:t>
             </a:r>
-            <a:endParaRPr sz="1000">
+            <a:r>
+              <a:rPr lang="en-US" sz="1000" dirty="0">
+                <a:solidFill>
+                  <a:schemeClr val="dk1"/>
+                </a:solidFill>
+              </a:rPr>
+              <a:t> 2depth설정</a:t>
+            </a:r>
+            <a:endParaRPr sz="1000" dirty="0">
               <a:solidFill>
                 <a:schemeClr val="dk1"/>
               </a:solidFill>
@@ -20019,14 +21171,54 @@
               <a:buChar char="●"/>
             </a:pPr>
             <a:r>
-              <a:rPr lang="en-US" sz="1000">
+              <a:rPr lang="en-US" sz="1000" dirty="0" err="1">
                 <a:solidFill>
                   <a:schemeClr val="dk1"/>
                 </a:solidFill>
               </a:rPr>
-              <a:t>주요 이미지 롤링 (Max. 3개)</a:t>
+              <a:t>주요</a:t>
             </a:r>
-            <a:endParaRPr sz="1000">
+            <a:r>
+              <a:rPr lang="en-US" sz="1000" dirty="0">
+                <a:solidFill>
+                  <a:schemeClr val="dk1"/>
+                </a:solidFill>
+              </a:rPr>
+              <a:t> </a:t>
+            </a:r>
+            <a:r>
+              <a:rPr lang="en-US" sz="1000" dirty="0" err="1">
+                <a:solidFill>
+                  <a:schemeClr val="dk1"/>
+                </a:solidFill>
+              </a:rPr>
+              <a:t>이미지</a:t>
+            </a:r>
+            <a:r>
+              <a:rPr lang="en-US" sz="1000" dirty="0">
+                <a:solidFill>
+                  <a:schemeClr val="dk1"/>
+                </a:solidFill>
+              </a:rPr>
+              <a:t> </a:t>
+            </a:r>
+            <a:r>
+              <a:rPr lang="en-US" sz="1000" dirty="0" err="1">
+                <a:solidFill>
+                  <a:schemeClr val="dk1"/>
+                </a:solidFill>
+              </a:rPr>
+              <a:t>롤링</a:t>
+            </a:r>
+            <a:r>
+              <a:rPr lang="en-US" sz="1000" dirty="0">
+                <a:solidFill>
+                  <a:schemeClr val="dk1"/>
+                </a:solidFill>
+              </a:rPr>
+              <a:t> (Max. 3개)</a:t>
+            </a:r>
+            <a:endParaRPr sz="1000" dirty="0">
               <a:solidFill>
                 <a:schemeClr val="dk1"/>
               </a:solidFill>
@@ -20047,29 +21239,85 @@
               <a:buChar char="●"/>
             </a:pPr>
             <a:r>
-              <a:rPr lang="en-US" sz="1000">
+              <a:rPr lang="en-US" sz="1000" dirty="0" err="1">
                 <a:solidFill>
                   <a:schemeClr val="dk1"/>
                 </a:solidFill>
               </a:rPr>
-              <a:t>공지사항(알림마당)</a:t>
+              <a:t>공지사항</a:t>
+            </a:r>
+            <a:r>
+              <a:rPr lang="en-US" sz="1000" dirty="0">
+                <a:solidFill>
+                  <a:schemeClr val="dk1"/>
+                </a:solidFill>
+              </a:rPr>
+              <a:t>(</a:t>
+            </a:r>
+            <a:r>
+              <a:rPr lang="en-US" sz="1000" dirty="0" err="1">
+                <a:solidFill>
+                  <a:schemeClr val="dk1"/>
+                </a:solidFill>
+              </a:rPr>
+              <a:t>알림마당</a:t>
+            </a:r>
+            <a:r>
+              <a:rPr lang="en-US" sz="1000" dirty="0">
+                <a:solidFill>
+                  <a:schemeClr val="dk1"/>
+                </a:solidFill>
+              </a:rPr>
+              <a:t>)</a:t>
             </a:r>
             <a:br>
-              <a:rPr lang="en-US" sz="1000">
+              <a:rPr lang="en-US" sz="1000" dirty="0">
                 <a:solidFill>
                   <a:schemeClr val="dk1"/>
                 </a:solidFill>
               </a:rPr>
             </a:br>
             <a:r>
-              <a:rPr lang="en-US" sz="1000">
+              <a:rPr lang="en-US" sz="1000" dirty="0" err="1">
                 <a:solidFill>
                   <a:schemeClr val="dk1"/>
                 </a:solidFill>
               </a:rPr>
-              <a:t>가운데에 게시판형식으로 배치</a:t>
+              <a:t>가운데에</a:t>
             </a:r>
-            <a:endParaRPr sz="1000">
+            <a:r>
+              <a:rPr lang="en-US" sz="1000" dirty="0">
+                <a:solidFill>
+                  <a:schemeClr val="dk1"/>
+                </a:solidFill>
+              </a:rPr>
+              <a:t> </a:t>
+            </a:r>
+            <a:r>
+              <a:rPr lang="en-US" sz="1000" dirty="0" err="1">
+                <a:solidFill>
+                  <a:schemeClr val="dk1"/>
+                </a:solidFill>
+              </a:rPr>
+              <a:t>게시판형식으로</a:t>
+            </a:r>
+            <a:r>
+              <a:rPr lang="en-US" sz="1000" dirty="0">
+                <a:solidFill>
+                  <a:schemeClr val="dk1"/>
+                </a:solidFill>
+              </a:rPr>
+              <a:t> </a:t>
+            </a:r>
+            <a:r>
+              <a:rPr lang="en-US" sz="1000" dirty="0" err="1">
+                <a:solidFill>
+                  <a:schemeClr val="dk1"/>
+                </a:solidFill>
+              </a:rPr>
+              <a:t>배치</a:t>
+            </a:r>
+            <a:endParaRPr sz="1000" dirty="0">
               <a:solidFill>
                 <a:schemeClr val="dk1"/>
               </a:solidFill>
@@ -20090,29 +21338,229 @@
               <a:buChar char="●"/>
             </a:pPr>
             <a:r>
-              <a:rPr lang="en-US" sz="1000">
+              <a:rPr lang="en-US" sz="1000" dirty="0" err="1">
                 <a:solidFill>
                   <a:schemeClr val="dk1"/>
                 </a:solidFill>
               </a:rPr>
-              <a:t>주요 게시판 바로가기 Icon</a:t>
+              <a:t>주요</a:t>
+            </a:r>
+            <a:r>
+              <a:rPr lang="en-US" sz="1000" dirty="0">
+                <a:solidFill>
+                  <a:schemeClr val="dk1"/>
+                </a:solidFill>
+              </a:rPr>
+              <a:t> </a:t>
+            </a:r>
+            <a:r>
+              <a:rPr lang="en-US" sz="1000" dirty="0" err="1">
+                <a:solidFill>
+                  <a:schemeClr val="dk1"/>
+                </a:solidFill>
+              </a:rPr>
+              <a:t>게시판</a:t>
+            </a:r>
+            <a:r>
+              <a:rPr lang="en-US" sz="1000" dirty="0">
+                <a:solidFill>
+                  <a:schemeClr val="dk1"/>
+                </a:solidFill>
+              </a:rPr>
+              <a:t> </a:t>
+            </a:r>
+            <a:r>
+              <a:rPr lang="en-US" sz="1000" dirty="0" err="1">
+                <a:solidFill>
+                  <a:schemeClr val="dk1"/>
+                </a:solidFill>
+              </a:rPr>
+              <a:t>바로가기</a:t>
+            </a:r>
+            <a:r>
+              <a:rPr lang="en-US" sz="1000" dirty="0">
+                <a:solidFill>
+                  <a:schemeClr val="dk1"/>
+                </a:solidFill>
+              </a:rPr>
+              <a:t> Icon</a:t>
             </a:r>
             <a:br>
-              <a:rPr lang="en-US" sz="1000">
+              <a:rPr lang="en-US" sz="1000" dirty="0">
                 <a:solidFill>
                   <a:schemeClr val="dk1"/>
                 </a:solidFill>
               </a:rPr>
             </a:br>
             <a:r>
-              <a:rPr lang="en-US" sz="1000">
+              <a:rPr lang="en-US" sz="1000" dirty="0" err="1">
                 <a:solidFill>
                   <a:schemeClr val="dk1"/>
                 </a:solidFill>
               </a:rPr>
-              <a:t>클릭시, 해당 게시판으로 바로가기 link 및 마우스 hover시 해당 바로가기 버튼 색상 변경</a:t>
+              <a:t>클릭시</a:t>
             </a:r>
-            <a:endParaRPr sz="1000">
+            <a:r>
+              <a:rPr lang="en-US" sz="1000" dirty="0">
+                <a:solidFill>
+                  <a:schemeClr val="dk1"/>
+                </a:solidFill>
+              </a:rPr>
+              <a:t>, </a:t>
+            </a:r>
+            <a:r>
+              <a:rPr lang="en-US" sz="1000" dirty="0" err="1">
+                <a:solidFill>
+                  <a:schemeClr val="dk1"/>
+                </a:solidFill>
+              </a:rPr>
+              <a:t>해당</a:t>
+            </a:r>
+            <a:r>
+              <a:rPr lang="en-US" sz="1000" dirty="0">
+                <a:solidFill>
+                  <a:schemeClr val="dk1"/>
+                </a:solidFill>
+              </a:rPr>
+              <a:t> </a:t>
+            </a:r>
+            <a:r>
+              <a:rPr lang="en-US" sz="1000" dirty="0" err="1">
+                <a:solidFill>
+                  <a:schemeClr val="dk1"/>
+                </a:solidFill>
+              </a:rPr>
+              <a:t>게시판으로</a:t>
+            </a:r>
+            <a:r>
+              <a:rPr lang="en-US" sz="1000" dirty="0">
+                <a:solidFill>
+                  <a:schemeClr val="dk1"/>
+                </a:solidFill>
+              </a:rPr>
+              <a:t> </a:t>
+            </a:r>
+            <a:r>
+              <a:rPr lang="en-US" sz="1000" dirty="0" err="1">
+                <a:solidFill>
+                  <a:schemeClr val="dk1"/>
+                </a:solidFill>
+              </a:rPr>
+              <a:t>바로가기</a:t>
+            </a:r>
+            <a:r>
+              <a:rPr lang="en-US" sz="1000" dirty="0">
+                <a:solidFill>
+                  <a:schemeClr val="dk1"/>
+                </a:solidFill>
+              </a:rPr>
+              <a:t> link 및 </a:t>
+            </a:r>
+            <a:r>
+              <a:rPr lang="en-US" sz="1000" dirty="0" err="1">
+                <a:solidFill>
+                  <a:schemeClr val="dk1"/>
+                </a:solidFill>
+              </a:rPr>
+              <a:t>마우스</a:t>
+            </a:r>
+            <a:r>
+              <a:rPr lang="en-US" sz="1000" dirty="0">
+                <a:solidFill>
+                  <a:schemeClr val="dk1"/>
+                </a:solidFill>
+              </a:rPr>
+              <a:t> </a:t>
+            </a:r>
+            <a:r>
+              <a:rPr lang="en-US" sz="1000" dirty="0" err="1">
+                <a:solidFill>
+                  <a:schemeClr val="dk1"/>
+                </a:solidFill>
+              </a:rPr>
+              <a:t>hover시</a:t>
+            </a:r>
+            <a:r>
+              <a:rPr lang="en-US" sz="1000" dirty="0">
+                <a:solidFill>
+                  <a:schemeClr val="dk1"/>
+                </a:solidFill>
+              </a:rPr>
+              <a:t> </a:t>
+            </a:r>
+            <a:r>
+              <a:rPr lang="en-US" sz="1000" dirty="0" err="1">
+                <a:solidFill>
+                  <a:schemeClr val="dk1"/>
+                </a:solidFill>
+              </a:rPr>
+              <a:t>해당</a:t>
+            </a:r>
+            <a:r>
+              <a:rPr lang="en-US" sz="1000" dirty="0">
+                <a:solidFill>
+                  <a:schemeClr val="dk1"/>
+                </a:solidFill>
+              </a:rPr>
+              <a:t> </a:t>
+            </a:r>
+            <a:r>
+              <a:rPr lang="en-US" sz="1000" dirty="0" err="1">
+                <a:solidFill>
+                  <a:schemeClr val="dk1"/>
+                </a:solidFill>
+              </a:rPr>
+              <a:t>바로가기</a:t>
+            </a:r>
+            <a:r>
+              <a:rPr lang="en-US" sz="1000" dirty="0">
+                <a:solidFill>
+                  <a:schemeClr val="dk1"/>
+                </a:solidFill>
+              </a:rPr>
+              <a:t> </a:t>
+            </a:r>
+            <a:r>
+              <a:rPr lang="en-US" sz="1000" dirty="0" err="1">
+                <a:solidFill>
+                  <a:schemeClr val="dk1"/>
+                </a:solidFill>
+              </a:rPr>
+              <a:t>버튼</a:t>
+            </a:r>
+            <a:r>
+              <a:rPr lang="en-US" sz="1000" dirty="0">
+                <a:solidFill>
+                  <a:schemeClr val="dk1"/>
+                </a:solidFill>
+              </a:rPr>
+              <a:t> </a:t>
+            </a:r>
+            <a:r>
+              <a:rPr lang="en-US" sz="1000" dirty="0" err="1">
+                <a:solidFill>
+                  <a:schemeClr val="dk1"/>
+                </a:solidFill>
+              </a:rPr>
+              <a:t>색상</a:t>
+            </a:r>
+            <a:r>
+              <a:rPr lang="en-US" sz="1000" dirty="0">
+                <a:solidFill>
+                  <a:schemeClr val="dk1"/>
+                </a:solidFill>
+              </a:rPr>
+              <a:t> </a:t>
+            </a:r>
+            <a:r>
+              <a:rPr lang="en-US" sz="1000" dirty="0" err="1">
+                <a:solidFill>
+                  <a:schemeClr val="dk1"/>
+                </a:solidFill>
+              </a:rPr>
+              <a:t>변경</a:t>
+            </a:r>
+            <a:endParaRPr sz="1000" dirty="0">
               <a:solidFill>
                 <a:schemeClr val="dk1"/>
               </a:solidFill>

--- a/스토리보드수행과제/스토리보드수행과제.pptx
+++ b/스토리보드수행과제/스토리보드수행과제.pptx
@@ -16,8 +16,8 @@
     <p:sldId id="264" r:id="rId7"/>
     <p:sldId id="259" r:id="rId8"/>
     <p:sldId id="265" r:id="rId9"/>
-    <p:sldId id="261" r:id="rId10"/>
-    <p:sldId id="262" r:id="rId11"/>
+    <p:sldId id="266" r:id="rId10"/>
+    <p:sldId id="267" r:id="rId11"/>
     <p:sldId id="263" r:id="rId12"/>
   </p:sldIdLst>
   <p:sldSz cx="9144000" cy="5143500" type="screen16x9"/>
@@ -253,7 +253,7 @@
   </p:defaultTextStyle>
   <p:extLst>
     <p:ext uri="{EFAFB233-063F-42B5-8137-9DF3F51BA10A}">
-      <p15:sldGuideLst xmlns:p15="http://schemas.microsoft.com/office/powerpoint/2012/main" xmlns="">
+      <p15:sldGuideLst xmlns="" xmlns:p15="http://schemas.microsoft.com/office/powerpoint/2012/main">
         <p15:guide id="1" orient="horz" pos="1620">
           <p15:clr>
             <a:srgbClr val="000000"/>
@@ -2408,7 +2408,7 @@
   <p:cSld>
     <p:spTree>
       <p:nvGrpSpPr>
-        <p:cNvPr id="1" name="Shape 130"/>
+        <p:cNvPr id="1" name="Shape 123"/>
         <p:cNvGrpSpPr/>
         <p:nvPr/>
       </p:nvGrpSpPr>
@@ -2422,7 +2422,7 @@
       </p:grpSpPr>
       <p:sp>
         <p:nvSpPr>
-          <p:cNvPr id="131" name="Google Shape;131;g7d6ede7d35_0_0:notes"/>
+          <p:cNvPr id="124" name="Google Shape;124;g7d6ede7d35_0_14:notes"/>
           <p:cNvSpPr>
             <a:spLocks noGrp="1" noRot="1" noChangeAspect="1"/>
           </p:cNvSpPr>
@@ -2459,11 +2459,21 @@
               </a:path>
             </a:pathLst>
           </a:custGeom>
+          <a:noFill/>
+          <a:ln w="12700" cap="flat" cmpd="sng">
+            <a:solidFill>
+              <a:srgbClr val="000000"/>
+            </a:solidFill>
+            <a:prstDash val="solid"/>
+            <a:round/>
+            <a:headEnd type="none" w="sm" len="sm"/>
+            <a:tailEnd type="none" w="sm" len="sm"/>
+          </a:ln>
         </p:spPr>
       </p:sp>
       <p:sp>
         <p:nvSpPr>
-          <p:cNvPr id="132" name="Google Shape;132;g7d6ede7d35_0_0:notes"/>
+          <p:cNvPr id="125" name="Google Shape;125;g7d6ede7d35_0_14:notes"/>
           <p:cNvSpPr txBox="1">
             <a:spLocks noGrp="1"/>
           </p:cNvSpPr>
@@ -2479,14 +2489,18 @@
           <a:prstGeom prst="rect">
             <a:avLst/>
           </a:prstGeom>
+          <a:noFill/>
+          <a:ln>
+            <a:noFill/>
+          </a:ln>
         </p:spPr>
         <p:txBody>
-          <a:bodyPr spcFirstLastPara="1" wrap="square" lIns="91425" tIns="91425" rIns="91425" bIns="91425" anchor="t" anchorCtr="0">
+          <a:bodyPr spcFirstLastPara="1" wrap="square" lIns="91425" tIns="45700" rIns="91425" bIns="45700" anchor="t" anchorCtr="0">
             <a:noAutofit/>
           </a:bodyPr>
           <a:lstStyle/>
           <a:p>
-            <a:pPr marL="0" lvl="0" indent="0" algn="l" rtl="0">
+            <a:pPr marL="0" marR="0" lvl="0" indent="0" algn="l" rtl="0">
               <a:spcBef>
                 <a:spcPts val="0"/>
               </a:spcBef>
@@ -2495,13 +2509,21 @@
               </a:spcAft>
               <a:buNone/>
             </a:pPr>
-            <a:endParaRPr/>
+            <a:endParaRPr sz="1200" b="0" i="0" u="none" strike="noStrike" cap="none">
+              <a:solidFill>
+                <a:schemeClr val="dk1"/>
+              </a:solidFill>
+              <a:latin typeface="Arial"/>
+              <a:ea typeface="Arial"/>
+              <a:cs typeface="Arial"/>
+              <a:sym typeface="Arial"/>
+            </a:endParaRPr>
           </a:p>
         </p:txBody>
       </p:sp>
       <p:sp>
         <p:nvSpPr>
-          <p:cNvPr id="133" name="Google Shape;133;g7d6ede7d35_0_0:notes"/>
+          <p:cNvPr id="126" name="Google Shape;126;g7d6ede7d35_0_14:notes"/>
           <p:cNvSpPr txBox="1">
             <a:spLocks noGrp="1"/>
           </p:cNvSpPr>
@@ -2517,6 +2539,10 @@
           <a:prstGeom prst="rect">
             <a:avLst/>
           </a:prstGeom>
+          <a:noFill/>
+          <a:ln>
+            <a:noFill/>
+          </a:ln>
         </p:spPr>
         <p:txBody>
           <a:bodyPr spcFirstLastPara="1" wrap="square" lIns="91425" tIns="45700" rIns="91425" bIns="45700" anchor="b" anchorCtr="0">
@@ -2524,24 +2550,36 @@
           </a:bodyPr>
           <a:lstStyle/>
           <a:p>
-            <a:pPr marL="0" lvl="0" indent="0" algn="r" rtl="0">
-              <a:spcBef>
-                <a:spcPts val="0"/>
-              </a:spcBef>
-              <a:spcAft>
-                <a:spcPts val="0"/>
-              </a:spcAft>
-              <a:buClr>
-                <a:srgbClr val="000000"/>
-              </a:buClr>
-              <a:buFont typeface="Arial"/>
+            <a:pPr marL="0" marR="0" lvl="0" indent="0" algn="r" rtl="0">
+              <a:spcBef>
+                <a:spcPts val="0"/>
+              </a:spcBef>
+              <a:spcAft>
+                <a:spcPts val="0"/>
+              </a:spcAft>
               <a:buNone/>
             </a:pPr>
             <a:fld id="{00000000-1234-1234-1234-123412341234}" type="slidenum">
-              <a:rPr lang="en-US"/>
+              <a:rPr lang="en-US" sz="1200">
+                <a:solidFill>
+                  <a:schemeClr val="dk1"/>
+                </a:solidFill>
+                <a:latin typeface="Arial"/>
+                <a:ea typeface="Arial"/>
+                <a:cs typeface="Arial"/>
+                <a:sym typeface="Arial"/>
+              </a:rPr>
               <a:t>7</a:t>
             </a:fld>
-            <a:endParaRPr/>
+            <a:endParaRPr sz="1200">
+              <a:solidFill>
+                <a:schemeClr val="dk1"/>
+              </a:solidFill>
+              <a:latin typeface="Arial"/>
+              <a:ea typeface="Arial"/>
+              <a:cs typeface="Arial"/>
+              <a:sym typeface="Arial"/>
+            </a:endParaRPr>
           </a:p>
         </p:txBody>
       </p:sp>
@@ -2558,7 +2596,7 @@
   <p:cSld>
     <p:spTree>
       <p:nvGrpSpPr>
-        <p:cNvPr id="1" name="Shape 144"/>
+        <p:cNvPr id="1" name="Shape 123"/>
         <p:cNvGrpSpPr/>
         <p:nvPr/>
       </p:nvGrpSpPr>
@@ -2572,7 +2610,7 @@
       </p:grpSpPr>
       <p:sp>
         <p:nvSpPr>
-          <p:cNvPr id="145" name="Google Shape;145;g6e51bc5efe_0_0:notes"/>
+          <p:cNvPr id="124" name="Google Shape;124;g7d6ede7d35_0_14:notes"/>
           <p:cNvSpPr>
             <a:spLocks noGrp="1" noRot="1" noChangeAspect="1"/>
           </p:cNvSpPr>
@@ -2609,11 +2647,21 @@
               </a:path>
             </a:pathLst>
           </a:custGeom>
+          <a:noFill/>
+          <a:ln w="12700" cap="flat" cmpd="sng">
+            <a:solidFill>
+              <a:srgbClr val="000000"/>
+            </a:solidFill>
+            <a:prstDash val="solid"/>
+            <a:round/>
+            <a:headEnd type="none" w="sm" len="sm"/>
+            <a:tailEnd type="none" w="sm" len="sm"/>
+          </a:ln>
         </p:spPr>
       </p:sp>
       <p:sp>
         <p:nvSpPr>
-          <p:cNvPr id="146" name="Google Shape;146;g6e51bc5efe_0_0:notes"/>
+          <p:cNvPr id="125" name="Google Shape;125;g7d6ede7d35_0_14:notes"/>
           <p:cNvSpPr txBox="1">
             <a:spLocks noGrp="1"/>
           </p:cNvSpPr>
@@ -2629,14 +2677,18 @@
           <a:prstGeom prst="rect">
             <a:avLst/>
           </a:prstGeom>
+          <a:noFill/>
+          <a:ln>
+            <a:noFill/>
+          </a:ln>
         </p:spPr>
         <p:txBody>
-          <a:bodyPr spcFirstLastPara="1" wrap="square" lIns="91425" tIns="91425" rIns="91425" bIns="91425" anchor="t" anchorCtr="0">
+          <a:bodyPr spcFirstLastPara="1" wrap="square" lIns="91425" tIns="45700" rIns="91425" bIns="45700" anchor="t" anchorCtr="0">
             <a:noAutofit/>
           </a:bodyPr>
           <a:lstStyle/>
           <a:p>
-            <a:pPr marL="0" lvl="0" indent="0" algn="l" rtl="0">
+            <a:pPr marL="0" marR="0" lvl="0" indent="0" algn="l" rtl="0">
               <a:spcBef>
                 <a:spcPts val="0"/>
               </a:spcBef>
@@ -2645,13 +2697,21 @@
               </a:spcAft>
               <a:buNone/>
             </a:pPr>
-            <a:endParaRPr/>
+            <a:endParaRPr sz="1200" b="0" i="0" u="none" strike="noStrike" cap="none">
+              <a:solidFill>
+                <a:schemeClr val="dk1"/>
+              </a:solidFill>
+              <a:latin typeface="Arial"/>
+              <a:ea typeface="Arial"/>
+              <a:cs typeface="Arial"/>
+              <a:sym typeface="Arial"/>
+            </a:endParaRPr>
           </a:p>
         </p:txBody>
       </p:sp>
       <p:sp>
         <p:nvSpPr>
-          <p:cNvPr id="147" name="Google Shape;147;g6e51bc5efe_0_0:notes"/>
+          <p:cNvPr id="126" name="Google Shape;126;g7d6ede7d35_0_14:notes"/>
           <p:cNvSpPr txBox="1">
             <a:spLocks noGrp="1"/>
           </p:cNvSpPr>
@@ -2667,6 +2727,10 @@
           <a:prstGeom prst="rect">
             <a:avLst/>
           </a:prstGeom>
+          <a:noFill/>
+          <a:ln>
+            <a:noFill/>
+          </a:ln>
         </p:spPr>
         <p:txBody>
           <a:bodyPr spcFirstLastPara="1" wrap="square" lIns="91425" tIns="45700" rIns="91425" bIns="45700" anchor="b" anchorCtr="0">
@@ -2674,24 +2738,36 @@
           </a:bodyPr>
           <a:lstStyle/>
           <a:p>
-            <a:pPr marL="0" lvl="0" indent="0" algn="r" rtl="0">
-              <a:spcBef>
-                <a:spcPts val="0"/>
-              </a:spcBef>
-              <a:spcAft>
-                <a:spcPts val="0"/>
-              </a:spcAft>
-              <a:buClr>
-                <a:srgbClr val="000000"/>
-              </a:buClr>
-              <a:buFont typeface="Arial"/>
+            <a:pPr marL="0" marR="0" lvl="0" indent="0" algn="r" rtl="0">
+              <a:spcBef>
+                <a:spcPts val="0"/>
+              </a:spcBef>
+              <a:spcAft>
+                <a:spcPts val="0"/>
+              </a:spcAft>
               <a:buNone/>
             </a:pPr>
             <a:fld id="{00000000-1234-1234-1234-123412341234}" type="slidenum">
-              <a:rPr lang="en-US"/>
+              <a:rPr lang="en-US" sz="1200">
+                <a:solidFill>
+                  <a:schemeClr val="dk1"/>
+                </a:solidFill>
+                <a:latin typeface="Arial"/>
+                <a:ea typeface="Arial"/>
+                <a:cs typeface="Arial"/>
+                <a:sym typeface="Arial"/>
+              </a:rPr>
               <a:t>8</a:t>
             </a:fld>
-            <a:endParaRPr/>
+            <a:endParaRPr sz="1200">
+              <a:solidFill>
+                <a:schemeClr val="dk1"/>
+              </a:solidFill>
+              <a:latin typeface="Arial"/>
+              <a:ea typeface="Arial"/>
+              <a:cs typeface="Arial"/>
+              <a:sym typeface="Arial"/>
+            </a:endParaRPr>
           </a:p>
         </p:txBody>
       </p:sp>
@@ -3120,28 +3196,28 @@
                 <a:gridCol w="2052625">
                   <a:extLst>
                     <a:ext uri="{9D8B030D-6E8A-4147-A177-3AD203B41FA5}">
-                      <a16:colId xmlns:a16="http://schemas.microsoft.com/office/drawing/2014/main" xmlns="" val="20000"/>
+                      <a16:colId xmlns="" xmlns:a16="http://schemas.microsoft.com/office/drawing/2014/main" val="20000"/>
                     </a:ext>
                   </a:extLst>
                 </a:gridCol>
                 <a:gridCol w="2052625">
                   <a:extLst>
                     <a:ext uri="{9D8B030D-6E8A-4147-A177-3AD203B41FA5}">
-                      <a16:colId xmlns:a16="http://schemas.microsoft.com/office/drawing/2014/main" xmlns="" val="20001"/>
+                      <a16:colId xmlns="" xmlns:a16="http://schemas.microsoft.com/office/drawing/2014/main" val="20001"/>
                     </a:ext>
                   </a:extLst>
                 </a:gridCol>
                 <a:gridCol w="2052625">
                   <a:extLst>
                     <a:ext uri="{9D8B030D-6E8A-4147-A177-3AD203B41FA5}">
-                      <a16:colId xmlns:a16="http://schemas.microsoft.com/office/drawing/2014/main" xmlns="" val="20002"/>
+                      <a16:colId xmlns="" xmlns:a16="http://schemas.microsoft.com/office/drawing/2014/main" val="20002"/>
                     </a:ext>
                   </a:extLst>
                 </a:gridCol>
                 <a:gridCol w="2052625">
                   <a:extLst>
                     <a:ext uri="{9D8B030D-6E8A-4147-A177-3AD203B41FA5}">
-                      <a16:colId xmlns:a16="http://schemas.microsoft.com/office/drawing/2014/main" xmlns="" val="20003"/>
+                      <a16:colId xmlns="" xmlns:a16="http://schemas.microsoft.com/office/drawing/2014/main" val="20003"/>
                     </a:ext>
                   </a:extLst>
                 </a:gridCol>
@@ -3435,7 +3511,7 @@
                 </a:tc>
                 <a:extLst>
                   <a:ext uri="{0D108BD9-81ED-4DB2-BD59-A6C34878D82A}">
-                    <a16:rowId xmlns:a16="http://schemas.microsoft.com/office/drawing/2014/main" xmlns="" val="10000"/>
+                    <a16:rowId xmlns="" xmlns:a16="http://schemas.microsoft.com/office/drawing/2014/main" val="10000"/>
                   </a:ext>
                 </a:extLst>
               </a:tr>
@@ -3712,7 +3788,7 @@
                 </a:tc>
                 <a:extLst>
                   <a:ext uri="{0D108BD9-81ED-4DB2-BD59-A6C34878D82A}">
-                    <a16:rowId xmlns:a16="http://schemas.microsoft.com/office/drawing/2014/main" xmlns="" val="10001"/>
+                    <a16:rowId xmlns="" xmlns:a16="http://schemas.microsoft.com/office/drawing/2014/main" val="10001"/>
                   </a:ext>
                 </a:extLst>
               </a:tr>
@@ -10117,28 +10193,28 @@
                 <a:gridCol w="663725">
                   <a:extLst>
                     <a:ext uri="{9D8B030D-6E8A-4147-A177-3AD203B41FA5}">
-                      <a16:colId xmlns:a16="http://schemas.microsoft.com/office/drawing/2014/main" xmlns="" val="20000"/>
+                      <a16:colId xmlns="" xmlns:a16="http://schemas.microsoft.com/office/drawing/2014/main" val="20000"/>
                     </a:ext>
                   </a:extLst>
                 </a:gridCol>
                 <a:gridCol w="995575">
                   <a:extLst>
                     <a:ext uri="{9D8B030D-6E8A-4147-A177-3AD203B41FA5}">
-                      <a16:colId xmlns:a16="http://schemas.microsoft.com/office/drawing/2014/main" xmlns="" val="20001"/>
+                      <a16:colId xmlns="" xmlns:a16="http://schemas.microsoft.com/office/drawing/2014/main" val="20001"/>
                     </a:ext>
                   </a:extLst>
                 </a:gridCol>
                 <a:gridCol w="1626700">
                   <a:extLst>
                     <a:ext uri="{9D8B030D-6E8A-4147-A177-3AD203B41FA5}">
-                      <a16:colId xmlns:a16="http://schemas.microsoft.com/office/drawing/2014/main" xmlns="" val="20002"/>
+                      <a16:colId xmlns="" xmlns:a16="http://schemas.microsoft.com/office/drawing/2014/main" val="20002"/>
                     </a:ext>
                   </a:extLst>
                 </a:gridCol>
                 <a:gridCol w="5426100">
                   <a:extLst>
                     <a:ext uri="{9D8B030D-6E8A-4147-A177-3AD203B41FA5}">
-                      <a16:colId xmlns:a16="http://schemas.microsoft.com/office/drawing/2014/main" xmlns="" val="20003"/>
+                      <a16:colId xmlns="" xmlns:a16="http://schemas.microsoft.com/office/drawing/2014/main" val="20003"/>
                     </a:ext>
                   </a:extLst>
                 </a:gridCol>
@@ -10464,7 +10540,7 @@
                 </a:tc>
                 <a:extLst>
                   <a:ext uri="{0D108BD9-81ED-4DB2-BD59-A6C34878D82A}">
-                    <a16:rowId xmlns:a16="http://schemas.microsoft.com/office/drawing/2014/main" xmlns="" val="10000"/>
+                    <a16:rowId xmlns="" xmlns:a16="http://schemas.microsoft.com/office/drawing/2014/main" val="10000"/>
                   </a:ext>
                 </a:extLst>
               </a:tr>
@@ -10864,7 +10940,7 @@
                 </a:tc>
                 <a:extLst>
                   <a:ext uri="{0D108BD9-81ED-4DB2-BD59-A6C34878D82A}">
-                    <a16:rowId xmlns:a16="http://schemas.microsoft.com/office/drawing/2014/main" xmlns="" val="10001"/>
+                    <a16:rowId xmlns="" xmlns:a16="http://schemas.microsoft.com/office/drawing/2014/main" val="10001"/>
                   </a:ext>
                 </a:extLst>
               </a:tr>
@@ -11165,7 +11241,7 @@
                 </a:tc>
                 <a:extLst>
                   <a:ext uri="{0D108BD9-81ED-4DB2-BD59-A6C34878D82A}">
-                    <a16:rowId xmlns:a16="http://schemas.microsoft.com/office/drawing/2014/main" xmlns="" val="10002"/>
+                    <a16:rowId xmlns="" xmlns:a16="http://schemas.microsoft.com/office/drawing/2014/main" val="10002"/>
                   </a:ext>
                 </a:extLst>
               </a:tr>
@@ -11466,7 +11542,7 @@
                 </a:tc>
                 <a:extLst>
                   <a:ext uri="{0D108BD9-81ED-4DB2-BD59-A6C34878D82A}">
-                    <a16:rowId xmlns:a16="http://schemas.microsoft.com/office/drawing/2014/main" xmlns="" val="10003"/>
+                    <a16:rowId xmlns="" xmlns:a16="http://schemas.microsoft.com/office/drawing/2014/main" val="10003"/>
                   </a:ext>
                 </a:extLst>
               </a:tr>
@@ -11767,7 +11843,7 @@
                 </a:tc>
                 <a:extLst>
                   <a:ext uri="{0D108BD9-81ED-4DB2-BD59-A6C34878D82A}">
-                    <a16:rowId xmlns:a16="http://schemas.microsoft.com/office/drawing/2014/main" xmlns="" val="10004"/>
+                    <a16:rowId xmlns="" xmlns:a16="http://schemas.microsoft.com/office/drawing/2014/main" val="10004"/>
                   </a:ext>
                 </a:extLst>
               </a:tr>
@@ -12068,7 +12144,7 @@
                 </a:tc>
                 <a:extLst>
                   <a:ext uri="{0D108BD9-81ED-4DB2-BD59-A6C34878D82A}">
-                    <a16:rowId xmlns:a16="http://schemas.microsoft.com/office/drawing/2014/main" xmlns="" val="10005"/>
+                    <a16:rowId xmlns="" xmlns:a16="http://schemas.microsoft.com/office/drawing/2014/main" val="10005"/>
                   </a:ext>
                 </a:extLst>
               </a:tr>
@@ -12369,7 +12445,7 @@
                 </a:tc>
                 <a:extLst>
                   <a:ext uri="{0D108BD9-81ED-4DB2-BD59-A6C34878D82A}">
-                    <a16:rowId xmlns:a16="http://schemas.microsoft.com/office/drawing/2014/main" xmlns="" val="10006"/>
+                    <a16:rowId xmlns="" xmlns:a16="http://schemas.microsoft.com/office/drawing/2014/main" val="10006"/>
                   </a:ext>
                 </a:extLst>
               </a:tr>
@@ -12670,7 +12746,7 @@
                 </a:tc>
                 <a:extLst>
                   <a:ext uri="{0D108BD9-81ED-4DB2-BD59-A6C34878D82A}">
-                    <a16:rowId xmlns:a16="http://schemas.microsoft.com/office/drawing/2014/main" xmlns="" val="10007"/>
+                    <a16:rowId xmlns="" xmlns:a16="http://schemas.microsoft.com/office/drawing/2014/main" val="10007"/>
                   </a:ext>
                 </a:extLst>
               </a:tr>
@@ -12971,7 +13047,7 @@
                 </a:tc>
                 <a:extLst>
                   <a:ext uri="{0D108BD9-81ED-4DB2-BD59-A6C34878D82A}">
-                    <a16:rowId xmlns:a16="http://schemas.microsoft.com/office/drawing/2014/main" xmlns="" val="10008"/>
+                    <a16:rowId xmlns="" xmlns:a16="http://schemas.microsoft.com/office/drawing/2014/main" val="10008"/>
                   </a:ext>
                 </a:extLst>
               </a:tr>
@@ -13272,7 +13348,7 @@
                 </a:tc>
                 <a:extLst>
                   <a:ext uri="{0D108BD9-81ED-4DB2-BD59-A6C34878D82A}">
-                    <a16:rowId xmlns:a16="http://schemas.microsoft.com/office/drawing/2014/main" xmlns="" val="10009"/>
+                    <a16:rowId xmlns="" xmlns:a16="http://schemas.microsoft.com/office/drawing/2014/main" val="10009"/>
                   </a:ext>
                 </a:extLst>
               </a:tr>
@@ -13573,7 +13649,7 @@
                 </a:tc>
                 <a:extLst>
                   <a:ext uri="{0D108BD9-81ED-4DB2-BD59-A6C34878D82A}">
-                    <a16:rowId xmlns:a16="http://schemas.microsoft.com/office/drawing/2014/main" xmlns="" val="10010"/>
+                    <a16:rowId xmlns="" xmlns:a16="http://schemas.microsoft.com/office/drawing/2014/main" val="10010"/>
                   </a:ext>
                 </a:extLst>
               </a:tr>
@@ -13874,7 +13950,7 @@
                 </a:tc>
                 <a:extLst>
                   <a:ext uri="{0D108BD9-81ED-4DB2-BD59-A6C34878D82A}">
-                    <a16:rowId xmlns:a16="http://schemas.microsoft.com/office/drawing/2014/main" xmlns="" val="10011"/>
+                    <a16:rowId xmlns="" xmlns:a16="http://schemas.microsoft.com/office/drawing/2014/main" val="10011"/>
                   </a:ext>
                 </a:extLst>
               </a:tr>
@@ -14175,7 +14251,7 @@
                 </a:tc>
                 <a:extLst>
                   <a:ext uri="{0D108BD9-81ED-4DB2-BD59-A6C34878D82A}">
-                    <a16:rowId xmlns:a16="http://schemas.microsoft.com/office/drawing/2014/main" xmlns="" val="10012"/>
+                    <a16:rowId xmlns="" xmlns:a16="http://schemas.microsoft.com/office/drawing/2014/main" val="10012"/>
                   </a:ext>
                 </a:extLst>
               </a:tr>
@@ -16206,7 +16282,7 @@
                 <a:gridCol w="1357325">
                   <a:extLst>
                     <a:ext uri="{9D8B030D-6E8A-4147-A177-3AD203B41FA5}">
-                      <a16:colId xmlns:a16="http://schemas.microsoft.com/office/drawing/2014/main" xmlns="" val="20000"/>
+                      <a16:colId xmlns="" xmlns:a16="http://schemas.microsoft.com/office/drawing/2014/main" val="20000"/>
                     </a:ext>
                   </a:extLst>
                 </a:gridCol>
@@ -16299,7 +16375,7 @@
                 </a:tc>
                 <a:extLst>
                   <a:ext uri="{0D108BD9-81ED-4DB2-BD59-A6C34878D82A}">
-                    <a16:rowId xmlns:a16="http://schemas.microsoft.com/office/drawing/2014/main" xmlns="" val="10000"/>
+                    <a16:rowId xmlns="" xmlns:a16="http://schemas.microsoft.com/office/drawing/2014/main" val="10000"/>
                   </a:ext>
                 </a:extLst>
               </a:tr>
@@ -16334,7 +16410,7 @@
                 <a:gridCol w="1000125">
                   <a:extLst>
                     <a:ext uri="{9D8B030D-6E8A-4147-A177-3AD203B41FA5}">
-                      <a16:colId xmlns:a16="http://schemas.microsoft.com/office/drawing/2014/main" xmlns="" val="20000"/>
+                      <a16:colId xmlns="" xmlns:a16="http://schemas.microsoft.com/office/drawing/2014/main" val="20000"/>
                     </a:ext>
                   </a:extLst>
                 </a:gridCol>
@@ -16468,7 +16544,7 @@
                 </a:tc>
                 <a:extLst>
                   <a:ext uri="{0D108BD9-81ED-4DB2-BD59-A6C34878D82A}">
-                    <a16:rowId xmlns:a16="http://schemas.microsoft.com/office/drawing/2014/main" xmlns="" val="10000"/>
+                    <a16:rowId xmlns="" xmlns:a16="http://schemas.microsoft.com/office/drawing/2014/main" val="10000"/>
                   </a:ext>
                 </a:extLst>
               </a:tr>
@@ -16503,7 +16579,7 @@
                 <a:gridCol w="1000125">
                   <a:extLst>
                     <a:ext uri="{9D8B030D-6E8A-4147-A177-3AD203B41FA5}">
-                      <a16:colId xmlns:a16="http://schemas.microsoft.com/office/drawing/2014/main" xmlns="" val="20000"/>
+                      <a16:colId xmlns="" xmlns:a16="http://schemas.microsoft.com/office/drawing/2014/main" val="20000"/>
                     </a:ext>
                   </a:extLst>
                 </a:gridCol>
@@ -16599,7 +16675,7 @@
                 </a:tc>
                 <a:extLst>
                   <a:ext uri="{0D108BD9-81ED-4DB2-BD59-A6C34878D82A}">
-                    <a16:rowId xmlns:a16="http://schemas.microsoft.com/office/drawing/2014/main" xmlns="" val="10000"/>
+                    <a16:rowId xmlns="" xmlns:a16="http://schemas.microsoft.com/office/drawing/2014/main" val="10000"/>
                   </a:ext>
                 </a:extLst>
               </a:tr>
@@ -16634,7 +16710,7 @@
                 <a:gridCol w="1000125">
                   <a:extLst>
                     <a:ext uri="{9D8B030D-6E8A-4147-A177-3AD203B41FA5}">
-                      <a16:colId xmlns:a16="http://schemas.microsoft.com/office/drawing/2014/main" xmlns="" val="20000"/>
+                      <a16:colId xmlns="" xmlns:a16="http://schemas.microsoft.com/office/drawing/2014/main" val="20000"/>
                     </a:ext>
                   </a:extLst>
                 </a:gridCol>
@@ -16733,7 +16809,7 @@
                 </a:tc>
                 <a:extLst>
                   <a:ext uri="{0D108BD9-81ED-4DB2-BD59-A6C34878D82A}">
-                    <a16:rowId xmlns:a16="http://schemas.microsoft.com/office/drawing/2014/main" xmlns="" val="10000"/>
+                    <a16:rowId xmlns="" xmlns:a16="http://schemas.microsoft.com/office/drawing/2014/main" val="10000"/>
                   </a:ext>
                 </a:extLst>
               </a:tr>
@@ -16768,7 +16844,7 @@
                 <a:gridCol w="1000125">
                   <a:extLst>
                     <a:ext uri="{9D8B030D-6E8A-4147-A177-3AD203B41FA5}">
-                      <a16:colId xmlns:a16="http://schemas.microsoft.com/office/drawing/2014/main" xmlns="" val="20000"/>
+                      <a16:colId xmlns="" xmlns:a16="http://schemas.microsoft.com/office/drawing/2014/main" val="20000"/>
                     </a:ext>
                   </a:extLst>
                 </a:gridCol>
@@ -16876,7 +16952,7 @@
                 </a:tc>
                 <a:extLst>
                   <a:ext uri="{0D108BD9-81ED-4DB2-BD59-A6C34878D82A}">
-                    <a16:rowId xmlns:a16="http://schemas.microsoft.com/office/drawing/2014/main" xmlns="" val="10000"/>
+                    <a16:rowId xmlns="" xmlns:a16="http://schemas.microsoft.com/office/drawing/2014/main" val="10000"/>
                   </a:ext>
                 </a:extLst>
               </a:tr>
@@ -17156,7 +17232,7 @@
           <p:nvPr>
             <p:extLst>
               <p:ext uri="{D42A27DB-BD31-4B8C-83A1-F6EECF244321}">
-                <p14:modId xmlns:p14="http://schemas.microsoft.com/office/powerpoint/2010/main" val="2386593956"/>
+                <p14:modId xmlns:p14="http://schemas.microsoft.com/office/powerpoint/2010/main" val="601608080"/>
               </p:ext>
             </p:extLst>
           </p:nvPr>
@@ -17176,7 +17252,7 @@
                 <a:gridCol w="1000125">
                   <a:extLst>
                     <a:ext uri="{9D8B030D-6E8A-4147-A177-3AD203B41FA5}">
-                      <a16:colId xmlns:a16="http://schemas.microsoft.com/office/drawing/2014/main" xmlns="" val="20000"/>
+                      <a16:colId xmlns="" xmlns:a16="http://schemas.microsoft.com/office/drawing/2014/main" val="20000"/>
                     </a:ext>
                   </a:extLst>
                 </a:gridCol>
@@ -17230,7 +17306,19 @@
                           <a:cs typeface="Arial"/>
                           <a:sym typeface="Arial"/>
                         </a:rPr>
-                        <a:t>. About</a:t>
+                        <a:t>. </a:t>
+                      </a:r>
+                      <a:r>
+                        <a:rPr lang="en-US" sz="800" b="0" u="none" strike="noStrike" cap="none" dirty="0" smtClean="0">
+                          <a:solidFill>
+                            <a:srgbClr val="7F7F7F"/>
+                          </a:solidFill>
+                          <a:latin typeface="Arial"/>
+                          <a:ea typeface="Arial"/>
+                          <a:cs typeface="Arial"/>
+                          <a:sym typeface="Arial"/>
+                        </a:rPr>
+                        <a:t>About</a:t>
                       </a:r>
                       <a:endParaRPr sz="800" b="0" u="none" strike="noStrike" cap="none" dirty="0">
                         <a:solidFill>
@@ -17287,7 +17375,7 @@
                 </a:tc>
                 <a:extLst>
                   <a:ext uri="{0D108BD9-81ED-4DB2-BD59-A6C34878D82A}">
-                    <a16:rowId xmlns:a16="http://schemas.microsoft.com/office/drawing/2014/main" xmlns="" val="10000"/>
+                    <a16:rowId xmlns="" xmlns:a16="http://schemas.microsoft.com/office/drawing/2014/main" val="10000"/>
                   </a:ext>
                 </a:extLst>
               </a:tr>
@@ -17322,7 +17410,7 @@
                 <a:gridCol w="1000125">
                   <a:extLst>
                     <a:ext uri="{9D8B030D-6E8A-4147-A177-3AD203B41FA5}">
-                      <a16:colId xmlns:a16="http://schemas.microsoft.com/office/drawing/2014/main" xmlns="" val="20000"/>
+                      <a16:colId xmlns="" xmlns:a16="http://schemas.microsoft.com/office/drawing/2014/main" val="20000"/>
                     </a:ext>
                   </a:extLst>
                 </a:gridCol>
@@ -17433,7 +17521,7 @@
                 </a:tc>
                 <a:extLst>
                   <a:ext uri="{0D108BD9-81ED-4DB2-BD59-A6C34878D82A}">
-                    <a16:rowId xmlns:a16="http://schemas.microsoft.com/office/drawing/2014/main" xmlns="" val="10000"/>
+                    <a16:rowId xmlns="" xmlns:a16="http://schemas.microsoft.com/office/drawing/2014/main" val="10000"/>
                   </a:ext>
                 </a:extLst>
               </a:tr>
@@ -17468,7 +17556,7 @@
                 <a:gridCol w="1000125">
                   <a:extLst>
                     <a:ext uri="{9D8B030D-6E8A-4147-A177-3AD203B41FA5}">
-                      <a16:colId xmlns:a16="http://schemas.microsoft.com/office/drawing/2014/main" xmlns="" val="20000"/>
+                      <a16:colId xmlns="" xmlns:a16="http://schemas.microsoft.com/office/drawing/2014/main" val="20000"/>
                     </a:ext>
                   </a:extLst>
                 </a:gridCol>
@@ -17591,165 +17679,7 @@
                 </a:tc>
                 <a:extLst>
                   <a:ext uri="{0D108BD9-81ED-4DB2-BD59-A6C34878D82A}">
-                    <a16:rowId xmlns:a16="http://schemas.microsoft.com/office/drawing/2014/main" xmlns="" val="10000"/>
-                  </a:ext>
-                </a:extLst>
-              </a:tr>
-            </a:tbl>
-          </a:graphicData>
-        </a:graphic>
-      </p:graphicFrame>
-      <p:graphicFrame>
-        <p:nvGraphicFramePr>
-          <p:cNvPr id="109" name="Google Shape;109;p13"/>
-          <p:cNvGraphicFramePr/>
-          <p:nvPr>
-            <p:extLst>
-              <p:ext uri="{D42A27DB-BD31-4B8C-83A1-F6EECF244321}">
-                <p14:modId xmlns:p14="http://schemas.microsoft.com/office/powerpoint/2010/main" val="2662990350"/>
-              </p:ext>
-            </p:extLst>
-          </p:nvPr>
-        </p:nvGraphicFramePr>
-        <p:xfrm>
-          <a:off x="1893077" y="2970737"/>
-          <a:ext cx="1000125" cy="213370"/>
-        </p:xfrm>
-        <a:graphic>
-          <a:graphicData uri="http://schemas.openxmlformats.org/drawingml/2006/table">
-            <a:tbl>
-              <a:tblPr>
-                <a:noFill/>
-                <a:tableStyleId>{FFB717E0-6628-4542-B867-4B3110B6A951}</a:tableStyleId>
-              </a:tblPr>
-              <a:tblGrid>
-                <a:gridCol w="1000125">
-                  <a:extLst>
-                    <a:ext uri="{9D8B030D-6E8A-4147-A177-3AD203B41FA5}">
-                      <a16:colId xmlns:a16="http://schemas.microsoft.com/office/drawing/2014/main" xmlns="" val="20000"/>
-                    </a:ext>
-                  </a:extLst>
-                </a:gridCol>
-              </a:tblGrid>
-              <a:tr h="125550">
-                <a:tc>
-                  <a:txBody>
-                    <a:bodyPr/>
-                    <a:lstStyle/>
-                    <a:p>
-                      <a:pPr marL="0" marR="0" lvl="0" indent="0" algn="ctr" rtl="0">
-                        <a:spcBef>
-                          <a:spcPts val="0"/>
-                        </a:spcBef>
-                        <a:spcAft>
-                          <a:spcPts val="0"/>
-                        </a:spcAft>
-                        <a:buNone/>
-                      </a:pPr>
-                      <a:r>
-                        <a:rPr lang="en-US" sz="800">
-                          <a:solidFill>
-                            <a:srgbClr val="FF0000"/>
-                          </a:solidFill>
-                          <a:latin typeface="Arial"/>
-                          <a:ea typeface="Arial"/>
-                          <a:cs typeface="Arial"/>
-                          <a:sym typeface="Arial"/>
-                        </a:rPr>
-                        <a:t>1</a:t>
-                      </a:r>
-                      <a:r>
-                        <a:rPr lang="en-US" sz="800" b="0" u="none" strike="noStrike" cap="none">
-                          <a:solidFill>
-                            <a:srgbClr val="FF0000"/>
-                          </a:solidFill>
-                          <a:latin typeface="Arial"/>
-                          <a:ea typeface="Arial"/>
-                          <a:cs typeface="Arial"/>
-                          <a:sym typeface="Arial"/>
-                        </a:rPr>
-                        <a:t>_2</a:t>
-                      </a:r>
-                      <a:r>
-                        <a:rPr lang="en-US" sz="800" b="0" u="none" strike="noStrike" cap="none" smtClean="0">
-                          <a:solidFill>
-                            <a:srgbClr val="7F7F7F"/>
-                          </a:solidFill>
-                          <a:latin typeface="Arial"/>
-                          <a:ea typeface="Arial"/>
-                          <a:cs typeface="Arial"/>
-                          <a:sym typeface="Arial"/>
-                        </a:rPr>
-                        <a:t>.</a:t>
-                      </a:r>
-                      <a:r>
-                        <a:rPr lang="en-US" altLang="ko-KR" sz="800" b="0" u="none" strike="noStrike" cap="none" smtClean="0">
-                          <a:solidFill>
-                            <a:srgbClr val="7F7F7F"/>
-                          </a:solidFill>
-                          <a:latin typeface="Arial"/>
-                          <a:ea typeface="Arial"/>
-                          <a:cs typeface="Arial"/>
-                          <a:sym typeface="Arial"/>
-                        </a:rPr>
-                        <a:t> History</a:t>
-                      </a:r>
-                      <a:endParaRPr lang="en-US" altLang="ko-KR" sz="800" b="0" u="none" strike="noStrike" cap="none">
-                        <a:solidFill>
-                          <a:srgbClr val="7F7F7F"/>
-                        </a:solidFill>
-                        <a:latin typeface="Arial"/>
-                        <a:ea typeface="Arial"/>
-                        <a:cs typeface="Arial"/>
-                        <a:sym typeface="Arial"/>
-                      </a:endParaRPr>
-                    </a:p>
-                  </a:txBody>
-                  <a:tcPr marL="91450" marR="91450" marT="45725" marB="45725">
-                    <a:lnL w="12700" cap="flat" cmpd="sng">
-                      <a:solidFill>
-                        <a:srgbClr val="D8D8D8"/>
-                      </a:solidFill>
-                      <a:prstDash val="solid"/>
-                      <a:round/>
-                      <a:headEnd type="none" w="sm" len="sm"/>
-                      <a:tailEnd type="none" w="sm" len="sm"/>
-                    </a:lnL>
-                    <a:lnR w="12700" cap="flat" cmpd="sng">
-                      <a:solidFill>
-                        <a:srgbClr val="D8D8D8"/>
-                      </a:solidFill>
-                      <a:prstDash val="solid"/>
-                      <a:round/>
-                      <a:headEnd type="none" w="sm" len="sm"/>
-                      <a:tailEnd type="none" w="sm" len="sm"/>
-                    </a:lnR>
-                    <a:lnT w="12700" cap="flat" cmpd="sng">
-                      <a:solidFill>
-                        <a:srgbClr val="D8D8D8"/>
-                      </a:solidFill>
-                      <a:prstDash val="solid"/>
-                      <a:round/>
-                      <a:headEnd type="none" w="sm" len="sm"/>
-                      <a:tailEnd type="none" w="sm" len="sm"/>
-                    </a:lnT>
-                    <a:lnB w="12700" cap="flat" cmpd="sng">
-                      <a:solidFill>
-                        <a:srgbClr val="D8D8D8"/>
-                      </a:solidFill>
-                      <a:prstDash val="solid"/>
-                      <a:round/>
-                      <a:headEnd type="none" w="sm" len="sm"/>
-                      <a:tailEnd type="none" w="sm" len="sm"/>
-                    </a:lnB>
-                    <a:solidFill>
-                      <a:schemeClr val="lt1"/>
-                    </a:solidFill>
-                  </a:tcPr>
-                </a:tc>
-                <a:extLst>
-                  <a:ext uri="{0D108BD9-81ED-4DB2-BD59-A6C34878D82A}">
-                    <a16:rowId xmlns:a16="http://schemas.microsoft.com/office/drawing/2014/main" xmlns="" val="10000"/>
+                    <a16:rowId xmlns="" xmlns:a16="http://schemas.microsoft.com/office/drawing/2014/main" val="10000"/>
                   </a:ext>
                 </a:extLst>
               </a:tr>
@@ -17784,7 +17714,7 @@
                 <a:gridCol w="1000125">
                   <a:extLst>
                     <a:ext uri="{9D8B030D-6E8A-4147-A177-3AD203B41FA5}">
-                      <a16:colId xmlns:a16="http://schemas.microsoft.com/office/drawing/2014/main" xmlns="" val="20000"/>
+                      <a16:colId xmlns="" xmlns:a16="http://schemas.microsoft.com/office/drawing/2014/main" val="20000"/>
                     </a:ext>
                   </a:extLst>
                 </a:gridCol>
@@ -17892,7 +17822,7 @@
                 </a:tc>
                 <a:extLst>
                   <a:ext uri="{0D108BD9-81ED-4DB2-BD59-A6C34878D82A}">
-                    <a16:rowId xmlns:a16="http://schemas.microsoft.com/office/drawing/2014/main" xmlns="" val="10000"/>
+                    <a16:rowId xmlns="" xmlns:a16="http://schemas.microsoft.com/office/drawing/2014/main" val="10000"/>
                   </a:ext>
                 </a:extLst>
               </a:tr>
@@ -17927,7 +17857,7 @@
                 <a:gridCol w="1000125">
                   <a:extLst>
                     <a:ext uri="{9D8B030D-6E8A-4147-A177-3AD203B41FA5}">
-                      <a16:colId xmlns:a16="http://schemas.microsoft.com/office/drawing/2014/main" xmlns="" val="20000"/>
+                      <a16:colId xmlns="" xmlns:a16="http://schemas.microsoft.com/office/drawing/2014/main" val="20000"/>
                     </a:ext>
                   </a:extLst>
                 </a:gridCol>
@@ -18060,7 +17990,7 @@
                 </a:tc>
                 <a:extLst>
                   <a:ext uri="{0D108BD9-81ED-4DB2-BD59-A6C34878D82A}">
-                    <a16:rowId xmlns:a16="http://schemas.microsoft.com/office/drawing/2014/main" xmlns="" val="10000"/>
+                    <a16:rowId xmlns="" xmlns:a16="http://schemas.microsoft.com/office/drawing/2014/main" val="10000"/>
                   </a:ext>
                 </a:extLst>
               </a:tr>
@@ -18121,7 +18051,7 @@
                 <a:gridCol w="1000125">
                   <a:extLst>
                     <a:ext uri="{9D8B030D-6E8A-4147-A177-3AD203B41FA5}">
-                      <a16:colId xmlns:a16="http://schemas.microsoft.com/office/drawing/2014/main" xmlns="" val="20000"/>
+                      <a16:colId xmlns="" xmlns:a16="http://schemas.microsoft.com/office/drawing/2014/main" val="20000"/>
                     </a:ext>
                   </a:extLst>
                 </a:gridCol>
@@ -18244,7 +18174,7 @@
                 </a:tc>
                 <a:extLst>
                   <a:ext uri="{0D108BD9-81ED-4DB2-BD59-A6C34878D82A}">
-                    <a16:rowId xmlns:a16="http://schemas.microsoft.com/office/drawing/2014/main" xmlns="" val="10000"/>
+                    <a16:rowId xmlns="" xmlns:a16="http://schemas.microsoft.com/office/drawing/2014/main" val="10000"/>
                   </a:ext>
                 </a:extLst>
               </a:tr>
@@ -18279,7 +18209,7 @@
                 <a:gridCol w="1000125">
                   <a:extLst>
                     <a:ext uri="{9D8B030D-6E8A-4147-A177-3AD203B41FA5}">
-                      <a16:colId xmlns:a16="http://schemas.microsoft.com/office/drawing/2014/main" xmlns="" val="20000"/>
+                      <a16:colId xmlns="" xmlns:a16="http://schemas.microsoft.com/office/drawing/2014/main" val="20000"/>
                     </a:ext>
                   </a:extLst>
                 </a:gridCol>
@@ -18424,165 +18354,7 @@
                 </a:tc>
                 <a:extLst>
                   <a:ext uri="{0D108BD9-81ED-4DB2-BD59-A6C34878D82A}">
-                    <a16:rowId xmlns:a16="http://schemas.microsoft.com/office/drawing/2014/main" xmlns="" val="10000"/>
-                  </a:ext>
-                </a:extLst>
-              </a:tr>
-            </a:tbl>
-          </a:graphicData>
-        </a:graphic>
-      </p:graphicFrame>
-      <p:graphicFrame>
-        <p:nvGraphicFramePr>
-          <p:cNvPr id="51" name="Google Shape;108;p13"/>
-          <p:cNvGraphicFramePr/>
-          <p:nvPr>
-            <p:extLst>
-              <p:ext uri="{D42A27DB-BD31-4B8C-83A1-F6EECF244321}">
-                <p14:modId xmlns:p14="http://schemas.microsoft.com/office/powerpoint/2010/main" val="812531561"/>
-              </p:ext>
-            </p:extLst>
-          </p:nvPr>
-        </p:nvGraphicFramePr>
-        <p:xfrm>
-          <a:off x="6240589" y="2970737"/>
-          <a:ext cx="1000125" cy="213370"/>
-        </p:xfrm>
-        <a:graphic>
-          <a:graphicData uri="http://schemas.openxmlformats.org/drawingml/2006/table">
-            <a:tbl>
-              <a:tblPr>
-                <a:noFill/>
-                <a:tableStyleId>{FFB717E0-6628-4542-B867-4B3110B6A951}</a:tableStyleId>
-              </a:tblPr>
-              <a:tblGrid>
-                <a:gridCol w="1000125">
-                  <a:extLst>
-                    <a:ext uri="{9D8B030D-6E8A-4147-A177-3AD203B41FA5}">
-                      <a16:colId xmlns:a16="http://schemas.microsoft.com/office/drawing/2014/main" xmlns="" val="20000"/>
-                    </a:ext>
-                  </a:extLst>
-                </a:gridCol>
-              </a:tblGrid>
-              <a:tr h="125550">
-                <a:tc>
-                  <a:txBody>
-                    <a:bodyPr/>
-                    <a:lstStyle/>
-                    <a:p>
-                      <a:pPr marL="0" marR="0" lvl="0" indent="0" algn="ctr" rtl="0">
-                        <a:spcBef>
-                          <a:spcPts val="0"/>
-                        </a:spcBef>
-                        <a:spcAft>
-                          <a:spcPts val="0"/>
-                        </a:spcAft>
-                        <a:buNone/>
-                      </a:pPr>
-                      <a:r>
-                        <a:rPr lang="en-US" sz="800" smtClean="0">
-                          <a:solidFill>
-                            <a:srgbClr val="FF0000"/>
-                          </a:solidFill>
-                          <a:latin typeface="Arial"/>
-                          <a:ea typeface="Arial"/>
-                          <a:cs typeface="Arial"/>
-                          <a:sym typeface="Arial"/>
-                        </a:rPr>
-                        <a:t>5</a:t>
-                      </a:r>
-                      <a:r>
-                        <a:rPr lang="en-US" sz="800" b="0" u="none" strike="noStrike" cap="none" smtClean="0">
-                          <a:solidFill>
-                            <a:srgbClr val="FF0000"/>
-                          </a:solidFill>
-                          <a:latin typeface="Arial"/>
-                          <a:ea typeface="Arial"/>
-                          <a:cs typeface="Arial"/>
-                          <a:sym typeface="Arial"/>
-                        </a:rPr>
-                        <a:t>_2</a:t>
-                      </a:r>
-                      <a:r>
-                        <a:rPr lang="en-US" sz="800" b="0" u="none" strike="noStrike" cap="none" smtClean="0">
-                          <a:solidFill>
-                            <a:srgbClr val="7F7F7F"/>
-                          </a:solidFill>
-                          <a:latin typeface="Arial"/>
-                          <a:ea typeface="Arial"/>
-                          <a:cs typeface="Arial"/>
-                          <a:sym typeface="Arial"/>
-                        </a:rPr>
-                        <a:t>.Vide</a:t>
-                      </a:r>
-                      <a:r>
-                        <a:rPr lang="en-US" sz="800" smtClean="0">
-                          <a:solidFill>
-                            <a:srgbClr val="7F7F7F"/>
-                          </a:solidFill>
-                          <a:latin typeface="Arial"/>
-                          <a:ea typeface="Arial"/>
-                          <a:cs typeface="Arial"/>
-                          <a:sym typeface="Arial"/>
-                        </a:rPr>
-                        <a:t>o</a:t>
-                      </a:r>
-                      <a:endParaRPr sz="800" b="0" u="none" strike="noStrike" cap="none">
-                        <a:solidFill>
-                          <a:srgbClr val="7F7F7F"/>
-                        </a:solidFill>
-                        <a:latin typeface="Arial"/>
-                        <a:ea typeface="Arial"/>
-                        <a:cs typeface="Arial"/>
-                        <a:sym typeface="Arial"/>
-                      </a:endParaRPr>
-                    </a:p>
-                  </a:txBody>
-                  <a:tcPr marL="91450" marR="91450" marT="45725" marB="45725">
-                    <a:lnL w="12700" cap="flat" cmpd="sng">
-                      <a:solidFill>
-                        <a:srgbClr val="D8D8D8"/>
-                      </a:solidFill>
-                      <a:prstDash val="solid"/>
-                      <a:round/>
-                      <a:headEnd type="none" w="sm" len="sm"/>
-                      <a:tailEnd type="none" w="sm" len="sm"/>
-                    </a:lnL>
-                    <a:lnR w="12700" cap="flat" cmpd="sng">
-                      <a:solidFill>
-                        <a:srgbClr val="D8D8D8"/>
-                      </a:solidFill>
-                      <a:prstDash val="solid"/>
-                      <a:round/>
-                      <a:headEnd type="none" w="sm" len="sm"/>
-                      <a:tailEnd type="none" w="sm" len="sm"/>
-                    </a:lnR>
-                    <a:lnT w="12700" cap="flat" cmpd="sng">
-                      <a:solidFill>
-                        <a:srgbClr val="D8D8D8"/>
-                      </a:solidFill>
-                      <a:prstDash val="solid"/>
-                      <a:round/>
-                      <a:headEnd type="none" w="sm" len="sm"/>
-                      <a:tailEnd type="none" w="sm" len="sm"/>
-                    </a:lnT>
-                    <a:lnB w="12700" cap="flat" cmpd="sng">
-                      <a:solidFill>
-                        <a:srgbClr val="D8D8D8"/>
-                      </a:solidFill>
-                      <a:prstDash val="solid"/>
-                      <a:round/>
-                      <a:headEnd type="none" w="sm" len="sm"/>
-                      <a:tailEnd type="none" w="sm" len="sm"/>
-                    </a:lnB>
-                    <a:solidFill>
-                      <a:schemeClr val="lt1"/>
-                    </a:solidFill>
-                  </a:tcPr>
-                </a:tc>
-                <a:extLst>
-                  <a:ext uri="{0D108BD9-81ED-4DB2-BD59-A6C34878D82A}">
-                    <a16:rowId xmlns:a16="http://schemas.microsoft.com/office/drawing/2014/main" xmlns="" val="10000"/>
+                    <a16:rowId xmlns="" xmlns:a16="http://schemas.microsoft.com/office/drawing/2014/main" val="10000"/>
                   </a:ext>
                 </a:extLst>
               </a:tr>
@@ -18617,7 +18389,7 @@
                 <a:gridCol w="1000125">
                   <a:extLst>
                     <a:ext uri="{9D8B030D-6E8A-4147-A177-3AD203B41FA5}">
-                      <a16:colId xmlns:a16="http://schemas.microsoft.com/office/drawing/2014/main" xmlns="" val="20000"/>
+                      <a16:colId xmlns="" xmlns:a16="http://schemas.microsoft.com/office/drawing/2014/main" val="20000"/>
                     </a:ext>
                   </a:extLst>
                 </a:gridCol>
@@ -18740,7 +18512,7 @@
                 </a:tc>
                 <a:extLst>
                   <a:ext uri="{0D108BD9-81ED-4DB2-BD59-A6C34878D82A}">
-                    <a16:rowId xmlns:a16="http://schemas.microsoft.com/office/drawing/2014/main" xmlns="" val="10000"/>
+                    <a16:rowId xmlns="" xmlns:a16="http://schemas.microsoft.com/office/drawing/2014/main" val="10000"/>
                   </a:ext>
                 </a:extLst>
               </a:tr>
@@ -18755,14 +18527,14 @@
           <p:nvPr>
             <p:extLst>
               <p:ext uri="{D42A27DB-BD31-4B8C-83A1-F6EECF244321}">
-                <p14:modId xmlns:p14="http://schemas.microsoft.com/office/powerpoint/2010/main" val="2491189529"/>
+                <p14:modId xmlns:p14="http://schemas.microsoft.com/office/powerpoint/2010/main" val="3348526592"/>
               </p:ext>
             </p:extLst>
           </p:nvPr>
         </p:nvGraphicFramePr>
         <p:xfrm>
           <a:off x="5153711" y="2970737"/>
-          <a:ext cx="1000125" cy="213370"/>
+          <a:ext cx="1000125" cy="457210"/>
         </p:xfrm>
         <a:graphic>
           <a:graphicData uri="http://schemas.openxmlformats.org/drawingml/2006/table">
@@ -18775,7 +18547,7 @@
                 <a:gridCol w="1000125">
                   <a:extLst>
                     <a:ext uri="{9D8B030D-6E8A-4147-A177-3AD203B41FA5}">
-                      <a16:colId xmlns:a16="http://schemas.microsoft.com/office/drawing/2014/main" xmlns="" val="20000"/>
+                      <a16:colId xmlns="" xmlns:a16="http://schemas.microsoft.com/office/drawing/2014/main" val="20000"/>
                     </a:ext>
                   </a:extLst>
                 </a:gridCol>
@@ -18843,142 +18615,8 @@
                         </a:rPr>
                         <a:t>관람안내</a:t>
                       </a:r>
-                      <a:endParaRPr sz="800" b="0" u="none" strike="noStrike" cap="none" dirty="0">
-                        <a:solidFill>
-                          <a:srgbClr val="7F7F7F"/>
-                        </a:solidFill>
-                        <a:latin typeface="Arial"/>
-                        <a:ea typeface="Arial"/>
-                        <a:cs typeface="Arial"/>
-                        <a:sym typeface="Arial"/>
-                      </a:endParaRPr>
-                    </a:p>
-                  </a:txBody>
-                  <a:tcPr marL="91450" marR="91450" marT="45725" marB="45725">
-                    <a:lnL w="12700" cap="flat" cmpd="sng">
-                      <a:solidFill>
-                        <a:srgbClr val="D8D8D8"/>
-                      </a:solidFill>
-                      <a:prstDash val="solid"/>
-                      <a:round/>
-                      <a:headEnd type="none" w="sm" len="sm"/>
-                      <a:tailEnd type="none" w="sm" len="sm"/>
-                    </a:lnL>
-                    <a:lnR w="12700" cap="flat" cmpd="sng">
-                      <a:solidFill>
-                        <a:srgbClr val="D8D8D8"/>
-                      </a:solidFill>
-                      <a:prstDash val="solid"/>
-                      <a:round/>
-                      <a:headEnd type="none" w="sm" len="sm"/>
-                      <a:tailEnd type="none" w="sm" len="sm"/>
-                    </a:lnR>
-                    <a:lnT w="12700" cap="flat" cmpd="sng">
-                      <a:solidFill>
-                        <a:srgbClr val="D8D8D8"/>
-                      </a:solidFill>
-                      <a:prstDash val="solid"/>
-                      <a:round/>
-                      <a:headEnd type="none" w="sm" len="sm"/>
-                      <a:tailEnd type="none" w="sm" len="sm"/>
-                    </a:lnT>
-                    <a:lnB w="12700" cap="flat" cmpd="sng">
-                      <a:solidFill>
-                        <a:srgbClr val="D8D8D8"/>
-                      </a:solidFill>
-                      <a:prstDash val="solid"/>
-                      <a:round/>
-                      <a:headEnd type="none" w="sm" len="sm"/>
-                      <a:tailEnd type="none" w="sm" len="sm"/>
-                    </a:lnB>
-                    <a:solidFill>
-                      <a:schemeClr val="lt1"/>
-                    </a:solidFill>
-                  </a:tcPr>
-                </a:tc>
-                <a:extLst>
-                  <a:ext uri="{0D108BD9-81ED-4DB2-BD59-A6C34878D82A}">
-                    <a16:rowId xmlns:a16="http://schemas.microsoft.com/office/drawing/2014/main" xmlns="" val="10000"/>
-                  </a:ext>
-                </a:extLst>
-              </a:tr>
-            </a:tbl>
-          </a:graphicData>
-        </a:graphic>
-      </p:graphicFrame>
-      <p:graphicFrame>
-        <p:nvGraphicFramePr>
-          <p:cNvPr id="33" name="Google Shape;107;p13"/>
-          <p:cNvGraphicFramePr/>
-          <p:nvPr>
-            <p:extLst>
-              <p:ext uri="{D42A27DB-BD31-4B8C-83A1-F6EECF244321}">
-                <p14:modId xmlns:p14="http://schemas.microsoft.com/office/powerpoint/2010/main" val="3820932361"/>
-              </p:ext>
-            </p:extLst>
-          </p:nvPr>
-        </p:nvGraphicFramePr>
-        <p:xfrm>
-          <a:off x="5153711" y="3245899"/>
-          <a:ext cx="1000125" cy="213370"/>
-        </p:xfrm>
-        <a:graphic>
-          <a:graphicData uri="http://schemas.openxmlformats.org/drawingml/2006/table">
-            <a:tbl>
-              <a:tblPr>
-                <a:noFill/>
-                <a:tableStyleId>{FFB717E0-6628-4542-B867-4B3110B6A951}</a:tableStyleId>
-              </a:tblPr>
-              <a:tblGrid>
-                <a:gridCol w="1000125">
-                  <a:extLst>
-                    <a:ext uri="{9D8B030D-6E8A-4147-A177-3AD203B41FA5}">
-                      <a16:colId xmlns:a16="http://schemas.microsoft.com/office/drawing/2014/main" xmlns="" val="20000"/>
-                    </a:ext>
-                  </a:extLst>
-                </a:gridCol>
-              </a:tblGrid>
-              <a:tr h="125550">
-                <a:tc>
-                  <a:txBody>
-                    <a:bodyPr/>
-                    <a:lstStyle/>
-                    <a:p>
-                      <a:pPr marL="0" marR="0" lvl="0" indent="0" algn="ctr" rtl="0">
-                        <a:spcBef>
-                          <a:spcPts val="0"/>
-                        </a:spcBef>
-                        <a:spcAft>
-                          <a:spcPts val="0"/>
-                        </a:spcAft>
-                        <a:buNone/>
-                      </a:pPr>
                       <a:r>
-                        <a:rPr lang="en-US" sz="800" dirty="0" smtClean="0">
-                          <a:solidFill>
-                            <a:srgbClr val="FF0000"/>
-                          </a:solidFill>
-                          <a:latin typeface="Arial"/>
-                          <a:ea typeface="Arial"/>
-                          <a:cs typeface="Arial"/>
-                          <a:sym typeface="Arial"/>
-                        </a:rPr>
-                        <a:t>4</a:t>
-                      </a:r>
-                      <a:r>
-                        <a:rPr lang="en-US" sz="800" b="0" u="none" strike="noStrike" cap="none" dirty="0" smtClean="0">
-                          <a:solidFill>
-                            <a:srgbClr val="FF0000"/>
-                          </a:solidFill>
-                          <a:latin typeface="Arial"/>
-                          <a:ea typeface="Arial"/>
-                          <a:cs typeface="Arial"/>
-                          <a:sym typeface="Arial"/>
-                        </a:rPr>
-                        <a:t>_3</a:t>
-                      </a:r>
-                      <a:r>
-                        <a:rPr lang="en-US" sz="800" b="0" u="none" strike="noStrike" cap="none" dirty="0" smtClean="0">
+                        <a:rPr lang="en-US" altLang="ko-KR" sz="800" b="0" u="none" strike="noStrike" cap="none" dirty="0" smtClean="0">
                           <a:solidFill>
                             <a:srgbClr val="7F7F7F"/>
                           </a:solidFill>
@@ -18987,7 +18625,7 @@
                           <a:cs typeface="Arial"/>
                           <a:sym typeface="Arial"/>
                         </a:rPr>
-                        <a:t>. </a:t>
+                        <a:t>(+</a:t>
                       </a:r>
                       <a:r>
                         <a:rPr lang="ko-KR" altLang="en-US" sz="800" b="0" u="none" strike="noStrike" cap="none" dirty="0" err="1" smtClean="0">
@@ -19000,6 +18638,18 @@
                           <a:sym typeface="Arial"/>
                         </a:rPr>
                         <a:t>오시는길</a:t>
+                      </a:r>
+                      <a:r>
+                        <a:rPr lang="en-US" altLang="ko-KR" sz="800" b="0" u="none" strike="noStrike" cap="none" dirty="0" smtClean="0">
+                          <a:solidFill>
+                            <a:srgbClr val="7F7F7F"/>
+                          </a:solidFill>
+                          <a:latin typeface="Arial"/>
+                          <a:ea typeface="Arial"/>
+                          <a:cs typeface="Arial"/>
+                          <a:sym typeface="Arial"/>
+                        </a:rPr>
+                        <a:t>)</a:t>
                       </a:r>
                       <a:endParaRPr sz="800" b="0" u="none" strike="noStrike" cap="none" dirty="0">
                         <a:solidFill>
@@ -19056,7 +18706,7 @@
                 </a:tc>
                 <a:extLst>
                   <a:ext uri="{0D108BD9-81ED-4DB2-BD59-A6C34878D82A}">
-                    <a16:rowId xmlns:a16="http://schemas.microsoft.com/office/drawing/2014/main" xmlns="" val="10000"/>
+                    <a16:rowId xmlns="" xmlns:a16="http://schemas.microsoft.com/office/drawing/2014/main" val="10000"/>
                   </a:ext>
                 </a:extLst>
               </a:tr>
@@ -19121,22 +18771,23 @@
           </a:bodyPr>
           <a:lstStyle/>
           <a:p>
-            <a:pPr marL="0" marR="0" lvl="0" indent="0" algn="l" rtl="0">
-              <a:spcBef>
-                <a:spcPts val="0"/>
-              </a:spcBef>
-              <a:spcAft>
-                <a:spcPts val="0"/>
-              </a:spcAft>
-              <a:buClr>
-                <a:srgbClr val="7F7F7F"/>
-              </a:buClr>
+            <a:pPr lvl="0">
               <a:buSzPts val="900"/>
-              <a:buFont typeface="Arial"/>
-              <a:buNone/>
             </a:pPr>
             <a:r>
-              <a:rPr lang="en-US" sz="900" b="0" i="0" u="none" strike="noStrike" cap="none" smtClean="0">
+              <a:rPr lang="en-US" altLang="ko-KR" sz="900" dirty="0" smtClean="0">
+                <a:solidFill>
+                  <a:srgbClr val="FF0000"/>
+                </a:solidFill>
+              </a:rPr>
+              <a:t>0</a:t>
+            </a:r>
+            <a:r>
+              <a:rPr lang="en-US" altLang="ko-KR" sz="900" dirty="0" smtClean="0"/>
+              <a:t>. </a:t>
+            </a:r>
+            <a:r>
+              <a:rPr lang="en-US" sz="900" b="0" i="0" u="none" strike="noStrike" cap="none" dirty="0" smtClean="0">
                 <a:solidFill>
                   <a:srgbClr val="7F7F7F"/>
                 </a:solidFill>
@@ -19147,7 +18798,7 @@
               </a:rPr>
               <a:t>Main</a:t>
             </a:r>
-            <a:endParaRPr sz="900" b="0" i="0" u="none" strike="noStrike" cap="none">
+            <a:endParaRPr sz="900" b="0" i="0" u="none" strike="noStrike" cap="none" dirty="0">
               <a:solidFill>
                 <a:srgbClr val="7F7F7F"/>
               </a:solidFill>
@@ -19224,108 +18875,6 @@
       </p:sp>
       <p:grpSp>
         <p:nvGrpSpPr>
-          <p:cNvPr id="37" name="그룹 36"/>
-          <p:cNvGrpSpPr/>
-          <p:nvPr/>
-        </p:nvGrpSpPr>
-        <p:grpSpPr>
-          <a:xfrm>
-            <a:off x="3333785" y="1922866"/>
-            <a:ext cx="491131" cy="467728"/>
-            <a:chOff x="2179463" y="1379220"/>
-            <a:chExt cx="4785073" cy="2710916"/>
-          </a:xfrm>
-        </p:grpSpPr>
-        <p:sp>
-          <p:nvSpPr>
-            <p:cNvPr id="38" name="Rectangle 1"/>
-            <p:cNvSpPr/>
-            <p:nvPr/>
-          </p:nvSpPr>
-          <p:spPr>
-            <a:xfrm>
-              <a:off x="2179463" y="1379220"/>
-              <a:ext cx="4785073" cy="2710916"/>
-            </a:xfrm>
-            <a:prstGeom prst="rect">
-              <a:avLst/>
-            </a:prstGeom>
-            <a:noFill/>
-            <a:ln w="12700">
-              <a:solidFill>
-                <a:schemeClr val="accent6">
-                  <a:lumMod val="40000"/>
-                  <a:lumOff val="60000"/>
-                </a:schemeClr>
-              </a:solidFill>
-            </a:ln>
-          </p:spPr>
-          <p:style>
-            <a:lnRef idx="2">
-              <a:schemeClr val="accent1">
-                <a:shade val="50000"/>
-              </a:schemeClr>
-            </a:lnRef>
-            <a:fillRef idx="1">
-              <a:schemeClr val="accent1"/>
-            </a:fillRef>
-            <a:effectRef idx="0">
-              <a:schemeClr val="accent1"/>
-            </a:effectRef>
-            <a:fontRef idx="minor">
-              <a:schemeClr val="lt1"/>
-            </a:fontRef>
-          </p:style>
-          <p:txBody>
-            <a:bodyPr rtlCol="0" anchor="ctr"/>
-            <a:lstStyle/>
-            <a:p>
-              <a:pPr algn="ctr"/>
-              <a:endParaRPr lang="ko-KR" altLang="en-US"/>
-            </a:p>
-          </p:txBody>
-        </p:sp>
-        <p:cxnSp>
-          <p:nvCxnSpPr>
-            <p:cNvPr id="39" name="직선 연결선 38"/>
-            <p:cNvCxnSpPr/>
-            <p:nvPr/>
-          </p:nvCxnSpPr>
-          <p:spPr>
-            <a:xfrm>
-              <a:off x="2179463" y="1379220"/>
-              <a:ext cx="4785073" cy="2710916"/>
-            </a:xfrm>
-            <a:prstGeom prst="line">
-              <a:avLst/>
-            </a:prstGeom>
-            <a:ln>
-              <a:solidFill>
-                <a:schemeClr val="accent6">
-                  <a:lumMod val="60000"/>
-                  <a:lumOff val="40000"/>
-                </a:schemeClr>
-              </a:solidFill>
-            </a:ln>
-          </p:spPr>
-          <p:style>
-            <a:lnRef idx="1">
-              <a:schemeClr val="accent1"/>
-            </a:lnRef>
-            <a:fillRef idx="0">
-              <a:schemeClr val="accent1"/>
-            </a:fillRef>
-            <a:effectRef idx="0">
-              <a:schemeClr val="accent1"/>
-            </a:effectRef>
-            <a:fontRef idx="minor">
-              <a:schemeClr val="tx1"/>
-            </a:fontRef>
-          </p:style>
-        </p:cxnSp>
-      </p:grpSp>
-      <p:grpSp>
-        <p:nvGrpSpPr>
           <p:cNvPr id="4" name="그룹 3"/>
           <p:cNvGrpSpPr/>
           <p:nvPr/>
@@ -19352,15 +18901,10 @@
             <a:prstGeom prst="rect">
               <a:avLst/>
             </a:prstGeom>
-            <a:solidFill>
-              <a:schemeClr val="bg1"/>
-            </a:solidFill>
+            <a:noFill/>
             <a:ln w="12700">
               <a:solidFill>
-                <a:schemeClr val="accent6">
-                  <a:lumMod val="40000"/>
-                  <a:lumOff val="60000"/>
-                </a:schemeClr>
+                <a:schemeClr val="tx1"/>
               </a:solidFill>
             </a:ln>
           </p:spPr>
@@ -19420,10 +18964,7 @@
               <a:noFill/>
               <a:ln w="12700">
                 <a:solidFill>
-                  <a:schemeClr val="accent6">
-                    <a:lumMod val="40000"/>
-                    <a:lumOff val="60000"/>
-                  </a:schemeClr>
+                  <a:schemeClr val="tx1"/>
                 </a:solidFill>
               </a:ln>
             </p:spPr>
@@ -19468,10 +19009,7 @@
               </a:prstGeom>
               <a:ln>
                 <a:solidFill>
-                  <a:schemeClr val="accent6">
-                    <a:lumMod val="60000"/>
-                    <a:lumOff val="40000"/>
-                  </a:schemeClr>
+                  <a:schemeClr val="tx1"/>
                 </a:solidFill>
               </a:ln>
             </p:spPr>
@@ -19509,7 +19047,9 @@
               <a:schemeClr val="bg2"/>
             </a:solidFill>
             <a:ln w="12700">
-              <a:noFill/>
+              <a:solidFill>
+                <a:schemeClr val="tx1"/>
+              </a:solidFill>
             </a:ln>
           </p:spPr>
           <p:style>
@@ -19569,7 +19109,9 @@
               </a:schemeClr>
             </a:solidFill>
             <a:ln w="12700">
-              <a:noFill/>
+              <a:solidFill>
+                <a:schemeClr val="tx1"/>
+              </a:solidFill>
             </a:ln>
           </p:spPr>
           <p:style>
@@ -19617,7 +19159,7 @@
           </p:nvSpPr>
           <p:spPr>
             <a:xfrm>
-              <a:off x="1708660" y="1645608"/>
+              <a:off x="1708660" y="1599016"/>
               <a:ext cx="499646" cy="98902"/>
             </a:xfrm>
             <a:prstGeom prst="rect">
@@ -19630,7 +19172,9 @@
               </a:schemeClr>
             </a:solidFill>
             <a:ln w="12700">
-              <a:noFill/>
+              <a:solidFill>
+                <a:schemeClr val="tx1"/>
+              </a:solidFill>
             </a:ln>
           </p:spPr>
           <p:style>
@@ -19678,9 +19222,9 @@
           </p:nvGrpSpPr>
           <p:grpSpPr>
             <a:xfrm>
-              <a:off x="1028986" y="1922866"/>
+              <a:off x="1028986" y="2012395"/>
               <a:ext cx="491131" cy="467728"/>
-              <a:chOff x="2179463" y="1379220"/>
+              <a:chOff x="2179463" y="1898123"/>
               <a:chExt cx="4785073" cy="2710916"/>
             </a:xfrm>
           </p:grpSpPr>
@@ -19692,7 +19236,7 @@
             </p:nvSpPr>
             <p:spPr>
               <a:xfrm>
-                <a:off x="2179463" y="1379220"/>
+                <a:off x="2179463" y="1898123"/>
                 <a:ext cx="4785073" cy="2710916"/>
               </a:xfrm>
               <a:prstGeom prst="rect">
@@ -19701,10 +19245,7 @@
               <a:noFill/>
               <a:ln w="12700">
                 <a:solidFill>
-                  <a:schemeClr val="accent6">
-                    <a:lumMod val="40000"/>
-                    <a:lumOff val="60000"/>
-                  </a:schemeClr>
+                  <a:schemeClr val="tx1"/>
                 </a:solidFill>
               </a:ln>
             </p:spPr>
@@ -19741,7 +19282,7 @@
             </p:nvCxnSpPr>
             <p:spPr>
               <a:xfrm>
-                <a:off x="2179463" y="1379220"/>
+                <a:off x="2179463" y="1898123"/>
                 <a:ext cx="4785073" cy="2710916"/>
               </a:xfrm>
               <a:prstGeom prst="line">
@@ -19749,10 +19290,7 @@
               </a:prstGeom>
               <a:ln>
                 <a:solidFill>
-                  <a:schemeClr val="accent6">
-                    <a:lumMod val="60000"/>
-                    <a:lumOff val="40000"/>
-                  </a:schemeClr>
+                  <a:schemeClr val="tx1"/>
                 </a:solidFill>
               </a:ln>
             </p:spPr>
@@ -19789,10 +19327,7 @@
             <a:noFill/>
             <a:ln w="12700">
               <a:solidFill>
-                <a:schemeClr val="accent6">
-                  <a:lumMod val="40000"/>
-                  <a:lumOff val="60000"/>
-                </a:schemeClr>
+                <a:schemeClr val="tx1"/>
               </a:solidFill>
             </a:ln>
           </p:spPr>
@@ -19817,7 +19352,19 @@
             <a:lstStyle/>
             <a:p>
               <a:pPr algn="ctr"/>
-              <a:endParaRPr lang="ko-KR" altLang="en-US"/>
+              <a:r>
+                <a:rPr lang="en-US" altLang="ko-KR" dirty="0" smtClean="0">
+                  <a:solidFill>
+                    <a:sysClr val="windowText" lastClr="000000"/>
+                  </a:solidFill>
+                </a:rPr>
+                <a:t>Line up</a:t>
+              </a:r>
+              <a:endParaRPr lang="ko-KR" altLang="en-US" dirty="0">
+                <a:solidFill>
+                  <a:sysClr val="windowText" lastClr="000000"/>
+                </a:solidFill>
+              </a:endParaRPr>
             </a:p>
           </p:txBody>
         </p:sp>
@@ -19829,9 +19376,9 @@
           </p:nvGrpSpPr>
           <p:grpSpPr>
             <a:xfrm>
-              <a:off x="1606553" y="1922866"/>
+              <a:off x="1606553" y="2012395"/>
               <a:ext cx="491131" cy="467728"/>
-              <a:chOff x="2179463" y="1379220"/>
+              <a:chOff x="2179463" y="1898123"/>
               <a:chExt cx="4785073" cy="2710916"/>
             </a:xfrm>
           </p:grpSpPr>
@@ -19843,7 +19390,7 @@
             </p:nvSpPr>
             <p:spPr>
               <a:xfrm>
-                <a:off x="2179463" y="1379220"/>
+                <a:off x="2179463" y="1898123"/>
                 <a:ext cx="4785073" cy="2710916"/>
               </a:xfrm>
               <a:prstGeom prst="rect">
@@ -19852,10 +19399,7 @@
               <a:noFill/>
               <a:ln w="12700">
                 <a:solidFill>
-                  <a:schemeClr val="accent6">
-                    <a:lumMod val="40000"/>
-                    <a:lumOff val="60000"/>
-                  </a:schemeClr>
+                  <a:schemeClr val="tx1"/>
                 </a:solidFill>
               </a:ln>
             </p:spPr>
@@ -19892,7 +19436,7 @@
             </p:nvCxnSpPr>
             <p:spPr>
               <a:xfrm>
-                <a:off x="2179463" y="1379220"/>
+                <a:off x="2179463" y="1898123"/>
                 <a:ext cx="4785073" cy="2710916"/>
               </a:xfrm>
               <a:prstGeom prst="line">
@@ -19900,10 +19444,7 @@
               </a:prstGeom>
               <a:ln>
                 <a:solidFill>
-                  <a:schemeClr val="accent6">
-                    <a:lumMod val="60000"/>
-                    <a:lumOff val="40000"/>
-                  </a:schemeClr>
+                  <a:schemeClr val="tx1"/>
                 </a:solidFill>
               </a:ln>
             </p:spPr>
@@ -19931,9 +19472,9 @@
           </p:nvGrpSpPr>
           <p:grpSpPr>
             <a:xfrm>
-              <a:off x="2182297" y="1922866"/>
+              <a:off x="2182297" y="2012395"/>
               <a:ext cx="491131" cy="467728"/>
-              <a:chOff x="2179463" y="1379220"/>
+              <a:chOff x="2179463" y="1898123"/>
               <a:chExt cx="4785073" cy="2710916"/>
             </a:xfrm>
           </p:grpSpPr>
@@ -19945,7 +19486,7 @@
             </p:nvSpPr>
             <p:spPr>
               <a:xfrm>
-                <a:off x="2179463" y="1379220"/>
+                <a:off x="2179463" y="1898123"/>
                 <a:ext cx="4785073" cy="2710916"/>
               </a:xfrm>
               <a:prstGeom prst="rect">
@@ -19954,10 +19495,7 @@
               <a:noFill/>
               <a:ln w="12700">
                 <a:solidFill>
-                  <a:schemeClr val="accent6">
-                    <a:lumMod val="40000"/>
-                    <a:lumOff val="60000"/>
-                  </a:schemeClr>
+                  <a:schemeClr val="tx1"/>
                 </a:solidFill>
               </a:ln>
             </p:spPr>
@@ -19994,7 +19532,7 @@
             </p:nvCxnSpPr>
             <p:spPr>
               <a:xfrm>
-                <a:off x="2179463" y="1379220"/>
+                <a:off x="2179463" y="1898123"/>
                 <a:ext cx="4785073" cy="2710916"/>
               </a:xfrm>
               <a:prstGeom prst="line">
@@ -20002,10 +19540,7 @@
               </a:prstGeom>
               <a:ln>
                 <a:solidFill>
-                  <a:schemeClr val="accent6">
-                    <a:lumMod val="60000"/>
-                    <a:lumOff val="40000"/>
-                  </a:schemeClr>
+                  <a:schemeClr val="tx1"/>
                 </a:solidFill>
               </a:ln>
             </p:spPr>
@@ -20033,9 +19568,9 @@
           </p:nvGrpSpPr>
           <p:grpSpPr>
             <a:xfrm>
-              <a:off x="2758041" y="1922866"/>
+              <a:off x="2758041" y="2012395"/>
               <a:ext cx="491131" cy="467728"/>
-              <a:chOff x="2179463" y="1379220"/>
+              <a:chOff x="2179463" y="1898123"/>
               <a:chExt cx="4785073" cy="2710916"/>
             </a:xfrm>
           </p:grpSpPr>
@@ -20047,7 +19582,7 @@
             </p:nvSpPr>
             <p:spPr>
               <a:xfrm>
-                <a:off x="2179463" y="1379220"/>
+                <a:off x="2179463" y="1898123"/>
                 <a:ext cx="4785073" cy="2710916"/>
               </a:xfrm>
               <a:prstGeom prst="rect">
@@ -20056,10 +19591,7 @@
               <a:noFill/>
               <a:ln w="12700">
                 <a:solidFill>
-                  <a:schemeClr val="accent6">
-                    <a:lumMod val="40000"/>
-                    <a:lumOff val="60000"/>
-                  </a:schemeClr>
+                  <a:schemeClr val="tx1"/>
                 </a:solidFill>
               </a:ln>
             </p:spPr>
@@ -20096,7 +19628,7 @@
             </p:nvCxnSpPr>
             <p:spPr>
               <a:xfrm>
-                <a:off x="2179463" y="1379220"/>
+                <a:off x="2179463" y="1898123"/>
                 <a:ext cx="4785073" cy="2710916"/>
               </a:xfrm>
               <a:prstGeom prst="line">
@@ -20104,10 +19636,7 @@
               </a:prstGeom>
               <a:ln>
                 <a:solidFill>
-                  <a:schemeClr val="accent6">
-                    <a:lumMod val="60000"/>
-                    <a:lumOff val="40000"/>
-                  </a:schemeClr>
+                  <a:schemeClr val="tx1"/>
                 </a:solidFill>
               </a:ln>
             </p:spPr>
@@ -20144,10 +19673,7 @@
             <a:noFill/>
             <a:ln w="12700">
               <a:solidFill>
-                <a:schemeClr val="accent6">
-                  <a:lumMod val="40000"/>
-                  <a:lumOff val="60000"/>
-                </a:schemeClr>
+                <a:schemeClr val="tx1"/>
               </a:solidFill>
             </a:ln>
           </p:spPr>
@@ -20207,10 +19733,7 @@
             </a:solidFill>
             <a:ln w="12700">
               <a:solidFill>
-                <a:schemeClr val="accent6">
-                  <a:lumMod val="40000"/>
-                  <a:lumOff val="60000"/>
-                </a:schemeClr>
+                <a:schemeClr val="tx1"/>
               </a:solidFill>
             </a:ln>
           </p:spPr>
@@ -20235,7 +19758,19 @@
             <a:lstStyle/>
             <a:p>
               <a:pPr algn="ctr"/>
-              <a:endParaRPr lang="ko-KR" altLang="en-US"/>
+              <a:r>
+                <a:rPr lang="en-US" altLang="ko-KR" sz="1050" dirty="0" smtClean="0">
+                  <a:solidFill>
+                    <a:sysClr val="windowText" lastClr="000000"/>
+                  </a:solidFill>
+                </a:rPr>
+                <a:t>footer</a:t>
+              </a:r>
+              <a:endParaRPr lang="ko-KR" altLang="en-US" sz="1050" dirty="0">
+                <a:solidFill>
+                  <a:sysClr val="windowText" lastClr="000000"/>
+                </a:solidFill>
+              </a:endParaRPr>
             </a:p>
           </p:txBody>
         </p:sp>
@@ -20256,10 +19791,7 @@
             <a:noFill/>
             <a:ln w="12700">
               <a:solidFill>
-                <a:schemeClr val="accent6">
-                  <a:lumMod val="40000"/>
-                  <a:lumOff val="60000"/>
-                </a:schemeClr>
+                <a:schemeClr val="tx1"/>
               </a:solidFill>
             </a:ln>
           </p:spPr>
@@ -20284,7 +19816,19 @@
             <a:lstStyle/>
             <a:p>
               <a:pPr algn="ctr"/>
-              <a:endParaRPr lang="ko-KR" altLang="en-US"/>
+              <a:r>
+                <a:rPr lang="en-US" altLang="ko-KR" sz="1050" dirty="0" smtClean="0">
+                  <a:solidFill>
+                    <a:sysClr val="windowText" lastClr="000000"/>
+                  </a:solidFill>
+                </a:rPr>
+                <a:t>gallery</a:t>
+              </a:r>
+              <a:endParaRPr lang="ko-KR" altLang="en-US" sz="1050" dirty="0">
+                <a:solidFill>
+                  <a:sysClr val="windowText" lastClr="000000"/>
+                </a:solidFill>
+              </a:endParaRPr>
             </a:p>
           </p:txBody>
         </p:sp>
@@ -20319,10 +19863,7 @@
               <a:noFill/>
               <a:ln w="12700">
                 <a:solidFill>
-                  <a:schemeClr val="accent6">
-                    <a:lumMod val="40000"/>
-                    <a:lumOff val="60000"/>
-                  </a:schemeClr>
+                  <a:schemeClr val="tx1"/>
                 </a:solidFill>
               </a:ln>
             </p:spPr>
@@ -20367,10 +19908,7 @@
               </a:prstGeom>
               <a:ln>
                 <a:solidFill>
-                  <a:schemeClr val="accent6">
-                    <a:lumMod val="60000"/>
-                    <a:lumOff val="40000"/>
-                  </a:schemeClr>
+                  <a:schemeClr val="tx1"/>
                 </a:solidFill>
               </a:ln>
             </p:spPr>
@@ -20421,10 +19959,7 @@
               <a:noFill/>
               <a:ln w="12700">
                 <a:solidFill>
-                  <a:schemeClr val="accent6">
-                    <a:lumMod val="40000"/>
-                    <a:lumOff val="60000"/>
-                  </a:schemeClr>
+                  <a:schemeClr val="tx1"/>
                 </a:solidFill>
               </a:ln>
             </p:spPr>
@@ -20469,10 +20004,7 @@
               </a:prstGeom>
               <a:ln>
                 <a:solidFill>
-                  <a:schemeClr val="accent6">
-                    <a:lumMod val="60000"/>
-                    <a:lumOff val="40000"/>
-                  </a:schemeClr>
+                  <a:schemeClr val="tx1"/>
                 </a:solidFill>
               </a:ln>
             </p:spPr>
@@ -20523,10 +20055,7 @@
               <a:noFill/>
               <a:ln w="12700">
                 <a:solidFill>
-                  <a:schemeClr val="accent6">
-                    <a:lumMod val="40000"/>
-                    <a:lumOff val="60000"/>
-                  </a:schemeClr>
+                  <a:schemeClr val="tx1"/>
                 </a:solidFill>
               </a:ln>
             </p:spPr>
@@ -20571,10 +20100,7 @@
               </a:prstGeom>
               <a:ln>
                 <a:solidFill>
-                  <a:schemeClr val="accent6">
-                    <a:lumMod val="60000"/>
-                    <a:lumOff val="40000"/>
-                  </a:schemeClr>
+                  <a:schemeClr val="tx1"/>
                 </a:solidFill>
               </a:ln>
             </p:spPr>
@@ -20625,10 +20151,7 @@
               <a:noFill/>
               <a:ln w="12700">
                 <a:solidFill>
-                  <a:schemeClr val="accent6">
-                    <a:lumMod val="40000"/>
-                    <a:lumOff val="60000"/>
-                  </a:schemeClr>
+                  <a:schemeClr val="tx1"/>
                 </a:solidFill>
               </a:ln>
             </p:spPr>
@@ -20673,10 +20196,7 @@
               </a:prstGeom>
               <a:ln>
                 <a:solidFill>
-                  <a:schemeClr val="accent6">
-                    <a:lumMod val="60000"/>
-                    <a:lumOff val="40000"/>
-                  </a:schemeClr>
+                  <a:schemeClr val="tx1"/>
                 </a:solidFill>
               </a:ln>
             </p:spPr>
@@ -20727,10 +20247,7 @@
               <a:noFill/>
               <a:ln w="12700">
                 <a:solidFill>
-                  <a:schemeClr val="accent6">
-                    <a:lumMod val="40000"/>
-                    <a:lumOff val="60000"/>
-                  </a:schemeClr>
+                  <a:schemeClr val="tx1"/>
                 </a:solidFill>
               </a:ln>
             </p:spPr>
@@ -20775,10 +20292,7 @@
               </a:prstGeom>
               <a:ln>
                 <a:solidFill>
-                  <a:schemeClr val="accent6">
-                    <a:lumMod val="60000"/>
-                    <a:lumOff val="40000"/>
-                  </a:schemeClr>
+                  <a:schemeClr val="tx1"/>
                 </a:solidFill>
               </a:ln>
             </p:spPr>
@@ -20829,10 +20343,7 @@
               <a:noFill/>
               <a:ln w="12700">
                 <a:solidFill>
-                  <a:schemeClr val="accent6">
-                    <a:lumMod val="40000"/>
-                    <a:lumOff val="60000"/>
-                  </a:schemeClr>
+                  <a:schemeClr val="tx1"/>
                 </a:solidFill>
               </a:ln>
             </p:spPr>
@@ -20877,10 +20388,7 @@
               </a:prstGeom>
               <a:ln>
                 <a:solidFill>
-                  <a:schemeClr val="accent6">
-                    <a:lumMod val="60000"/>
-                    <a:lumOff val="40000"/>
-                  </a:schemeClr>
+                  <a:schemeClr val="tx1"/>
                 </a:solidFill>
               </a:ln>
             </p:spPr>
@@ -20901,6 +20409,667 @@
           </p:cxnSp>
         </p:grpSp>
       </p:grpSp>
+      <p:sp>
+        <p:nvSpPr>
+          <p:cNvPr id="61" name="Google Shape;141;p15"/>
+          <p:cNvSpPr/>
+          <p:nvPr/>
+        </p:nvSpPr>
+        <p:spPr>
+          <a:xfrm>
+            <a:off x="4601249" y="421614"/>
+            <a:ext cx="216000" cy="216000"/>
+          </a:xfrm>
+          <a:prstGeom prst="roundRect">
+            <a:avLst>
+              <a:gd name="adj" fmla="val 16667"/>
+            </a:avLst>
+          </a:prstGeom>
+          <a:solidFill>
+            <a:srgbClr val="E36C09"/>
+          </a:solidFill>
+          <a:ln>
+            <a:noFill/>
+          </a:ln>
+        </p:spPr>
+        <p:txBody>
+          <a:bodyPr spcFirstLastPara="1" wrap="square" lIns="0" tIns="45700" rIns="0" bIns="45700" anchor="ctr" anchorCtr="0">
+            <a:noAutofit/>
+          </a:bodyPr>
+          <a:lstStyle/>
+          <a:p>
+            <a:pPr marL="0" marR="0" lvl="0" indent="0" algn="ctr" rtl="0">
+              <a:spcBef>
+                <a:spcPts val="0"/>
+              </a:spcBef>
+              <a:spcAft>
+                <a:spcPts val="0"/>
+              </a:spcAft>
+              <a:buNone/>
+            </a:pPr>
+            <a:r>
+              <a:rPr lang="en-US" sz="1050" b="1" dirty="0">
+                <a:solidFill>
+                  <a:schemeClr val="lt1"/>
+                </a:solidFill>
+              </a:rPr>
+              <a:t>1</a:t>
+            </a:r>
+            <a:endParaRPr sz="1050" b="1" dirty="0">
+              <a:solidFill>
+                <a:schemeClr val="lt1"/>
+              </a:solidFill>
+              <a:latin typeface="Arial"/>
+              <a:ea typeface="Arial"/>
+              <a:cs typeface="Arial"/>
+              <a:sym typeface="Arial"/>
+            </a:endParaRPr>
+          </a:p>
+        </p:txBody>
+      </p:sp>
+      <p:sp>
+        <p:nvSpPr>
+          <p:cNvPr id="62" name="Google Shape;141;p15"/>
+          <p:cNvSpPr/>
+          <p:nvPr/>
+        </p:nvSpPr>
+        <p:spPr>
+          <a:xfrm>
+            <a:off x="3190450" y="1441260"/>
+            <a:ext cx="216000" cy="216000"/>
+          </a:xfrm>
+          <a:prstGeom prst="roundRect">
+            <a:avLst>
+              <a:gd name="adj" fmla="val 16667"/>
+            </a:avLst>
+          </a:prstGeom>
+          <a:solidFill>
+            <a:srgbClr val="E36C09"/>
+          </a:solidFill>
+          <a:ln>
+            <a:noFill/>
+          </a:ln>
+        </p:spPr>
+        <p:txBody>
+          <a:bodyPr spcFirstLastPara="1" wrap="square" lIns="0" tIns="45700" rIns="0" bIns="45700" anchor="ctr" anchorCtr="0">
+            <a:noAutofit/>
+          </a:bodyPr>
+          <a:lstStyle/>
+          <a:p>
+            <a:pPr marL="0" marR="0" lvl="0" indent="0" algn="ctr" rtl="0">
+              <a:spcBef>
+                <a:spcPts val="0"/>
+              </a:spcBef>
+              <a:spcAft>
+                <a:spcPts val="0"/>
+              </a:spcAft>
+              <a:buNone/>
+            </a:pPr>
+            <a:r>
+              <a:rPr lang="en-US" sz="1050" b="1" dirty="0" smtClean="0">
+                <a:solidFill>
+                  <a:schemeClr val="lt1"/>
+                </a:solidFill>
+              </a:rPr>
+              <a:t>2</a:t>
+            </a:r>
+            <a:endParaRPr sz="1050" b="1" dirty="0">
+              <a:solidFill>
+                <a:schemeClr val="lt1"/>
+              </a:solidFill>
+              <a:latin typeface="Arial"/>
+              <a:ea typeface="Arial"/>
+              <a:cs typeface="Arial"/>
+              <a:sym typeface="Arial"/>
+            </a:endParaRPr>
+          </a:p>
+        </p:txBody>
+      </p:sp>
+      <p:sp>
+        <p:nvSpPr>
+          <p:cNvPr id="63" name="Google Shape;141;p15"/>
+          <p:cNvSpPr/>
+          <p:nvPr/>
+        </p:nvSpPr>
+        <p:spPr>
+          <a:xfrm>
+            <a:off x="2427067" y="2048730"/>
+            <a:ext cx="216000" cy="216000"/>
+          </a:xfrm>
+          <a:prstGeom prst="roundRect">
+            <a:avLst>
+              <a:gd name="adj" fmla="val 16667"/>
+            </a:avLst>
+          </a:prstGeom>
+          <a:solidFill>
+            <a:srgbClr val="E36C09"/>
+          </a:solidFill>
+          <a:ln>
+            <a:noFill/>
+          </a:ln>
+        </p:spPr>
+        <p:txBody>
+          <a:bodyPr spcFirstLastPara="1" wrap="square" lIns="0" tIns="45700" rIns="0" bIns="45700" anchor="ctr" anchorCtr="0">
+            <a:noAutofit/>
+          </a:bodyPr>
+          <a:lstStyle/>
+          <a:p>
+            <a:pPr marL="0" marR="0" lvl="0" indent="0" algn="ctr" rtl="0">
+              <a:spcBef>
+                <a:spcPts val="0"/>
+              </a:spcBef>
+              <a:spcAft>
+                <a:spcPts val="0"/>
+              </a:spcAft>
+              <a:buNone/>
+            </a:pPr>
+            <a:r>
+              <a:rPr lang="en-US" sz="1050" b="1" dirty="0" smtClean="0">
+                <a:solidFill>
+                  <a:schemeClr val="lt1"/>
+                </a:solidFill>
+              </a:rPr>
+              <a:t>3</a:t>
+            </a:r>
+            <a:endParaRPr sz="1050" b="1" dirty="0">
+              <a:solidFill>
+                <a:schemeClr val="lt1"/>
+              </a:solidFill>
+              <a:latin typeface="Arial"/>
+              <a:ea typeface="Arial"/>
+              <a:cs typeface="Arial"/>
+              <a:sym typeface="Arial"/>
+            </a:endParaRPr>
+          </a:p>
+        </p:txBody>
+      </p:sp>
+      <p:sp>
+        <p:nvSpPr>
+          <p:cNvPr id="64" name="Google Shape;141;p15"/>
+          <p:cNvSpPr/>
+          <p:nvPr/>
+        </p:nvSpPr>
+        <p:spPr>
+          <a:xfrm>
+            <a:off x="3080592" y="2913328"/>
+            <a:ext cx="216000" cy="216000"/>
+          </a:xfrm>
+          <a:prstGeom prst="roundRect">
+            <a:avLst>
+              <a:gd name="adj" fmla="val 16667"/>
+            </a:avLst>
+          </a:prstGeom>
+          <a:solidFill>
+            <a:srgbClr val="E36C09"/>
+          </a:solidFill>
+          <a:ln>
+            <a:noFill/>
+          </a:ln>
+        </p:spPr>
+        <p:txBody>
+          <a:bodyPr spcFirstLastPara="1" wrap="square" lIns="0" tIns="45700" rIns="0" bIns="45700" anchor="ctr" anchorCtr="0">
+            <a:noAutofit/>
+          </a:bodyPr>
+          <a:lstStyle/>
+          <a:p>
+            <a:pPr marL="0" marR="0" lvl="0" indent="0" algn="ctr" rtl="0">
+              <a:spcBef>
+                <a:spcPts val="0"/>
+              </a:spcBef>
+              <a:spcAft>
+                <a:spcPts val="0"/>
+              </a:spcAft>
+              <a:buNone/>
+            </a:pPr>
+            <a:r>
+              <a:rPr lang="en-US" sz="1050" b="1" dirty="0" smtClean="0">
+                <a:solidFill>
+                  <a:schemeClr val="lt1"/>
+                </a:solidFill>
+              </a:rPr>
+              <a:t>4</a:t>
+            </a:r>
+            <a:endParaRPr sz="1050" b="1" dirty="0">
+              <a:solidFill>
+                <a:schemeClr val="lt1"/>
+              </a:solidFill>
+              <a:latin typeface="Arial"/>
+              <a:ea typeface="Arial"/>
+              <a:cs typeface="Arial"/>
+              <a:sym typeface="Arial"/>
+            </a:endParaRPr>
+          </a:p>
+        </p:txBody>
+      </p:sp>
+      <p:sp>
+        <p:nvSpPr>
+          <p:cNvPr id="65" name="Google Shape;141;p15"/>
+          <p:cNvSpPr/>
+          <p:nvPr/>
+        </p:nvSpPr>
+        <p:spPr>
+          <a:xfrm>
+            <a:off x="2427067" y="3591042"/>
+            <a:ext cx="216000" cy="216000"/>
+          </a:xfrm>
+          <a:prstGeom prst="roundRect">
+            <a:avLst>
+              <a:gd name="adj" fmla="val 16667"/>
+            </a:avLst>
+          </a:prstGeom>
+          <a:solidFill>
+            <a:srgbClr val="E36C09"/>
+          </a:solidFill>
+          <a:ln>
+            <a:noFill/>
+          </a:ln>
+        </p:spPr>
+        <p:txBody>
+          <a:bodyPr spcFirstLastPara="1" wrap="square" lIns="0" tIns="45700" rIns="0" bIns="45700" anchor="ctr" anchorCtr="0">
+            <a:noAutofit/>
+          </a:bodyPr>
+          <a:lstStyle/>
+          <a:p>
+            <a:pPr marL="0" marR="0" lvl="0" indent="0" algn="ctr" rtl="0">
+              <a:spcBef>
+                <a:spcPts val="0"/>
+              </a:spcBef>
+              <a:spcAft>
+                <a:spcPts val="0"/>
+              </a:spcAft>
+              <a:buNone/>
+            </a:pPr>
+            <a:r>
+              <a:rPr lang="en-US" sz="1050" b="1" dirty="0" smtClean="0">
+                <a:solidFill>
+                  <a:schemeClr val="lt1"/>
+                </a:solidFill>
+              </a:rPr>
+              <a:t>5</a:t>
+            </a:r>
+            <a:endParaRPr sz="1050" b="1" dirty="0">
+              <a:solidFill>
+                <a:schemeClr val="lt1"/>
+              </a:solidFill>
+              <a:latin typeface="Arial"/>
+              <a:ea typeface="Arial"/>
+              <a:cs typeface="Arial"/>
+              <a:sym typeface="Arial"/>
+            </a:endParaRPr>
+          </a:p>
+        </p:txBody>
+      </p:sp>
+      <p:sp>
+        <p:nvSpPr>
+          <p:cNvPr id="3" name="TextBox 2"/>
+          <p:cNvSpPr txBox="1"/>
+          <p:nvPr/>
+        </p:nvSpPr>
+        <p:spPr>
+          <a:xfrm>
+            <a:off x="6884208" y="745498"/>
+            <a:ext cx="2032647" cy="3147015"/>
+          </a:xfrm>
+          <a:prstGeom prst="rect">
+            <a:avLst/>
+          </a:prstGeom>
+          <a:noFill/>
+        </p:spPr>
+        <p:txBody>
+          <a:bodyPr wrap="square" rtlCol="0">
+            <a:spAutoFit/>
+          </a:bodyPr>
+          <a:lstStyle/>
+          <a:p>
+            <a:pPr marL="457200" lvl="0" indent="-292100">
+              <a:lnSpc>
+                <a:spcPct val="150000"/>
+              </a:lnSpc>
+              <a:buClr>
+                <a:schemeClr val="dk1"/>
+              </a:buClr>
+              <a:buSzPts val="1000"/>
+              <a:buFont typeface="+mj-lt"/>
+              <a:buAutoNum type="arabicPeriod"/>
+            </a:pPr>
+            <a:r>
+              <a:rPr lang="ko-KR" altLang="en-US" sz="900" dirty="0" smtClean="0">
+                <a:solidFill>
+                  <a:schemeClr val="dk1"/>
+                </a:solidFill>
+              </a:rPr>
+              <a:t>상단메뉴 </a:t>
+            </a:r>
+            <a:r>
+              <a:rPr lang="en-US" altLang="ko-KR" sz="900" dirty="0">
+                <a:solidFill>
+                  <a:schemeClr val="dk1"/>
+                </a:solidFill>
+              </a:rPr>
+              <a:t>2depth</a:t>
+            </a:r>
+            <a:r>
+              <a:rPr lang="ko-KR" altLang="en-US" sz="900" dirty="0">
+                <a:solidFill>
+                  <a:schemeClr val="dk1"/>
+                </a:solidFill>
+              </a:rPr>
+              <a:t>설정</a:t>
+            </a:r>
+          </a:p>
+          <a:p>
+            <a:pPr marL="457200" lvl="0" indent="-292100">
+              <a:lnSpc>
+                <a:spcPct val="150000"/>
+              </a:lnSpc>
+              <a:spcBef>
+                <a:spcPts val="1000"/>
+              </a:spcBef>
+              <a:buClr>
+                <a:schemeClr val="dk1"/>
+              </a:buClr>
+              <a:buSzPts val="1000"/>
+              <a:buFont typeface="+mj-lt"/>
+              <a:buAutoNum type="arabicPeriod"/>
+            </a:pPr>
+            <a:r>
+              <a:rPr lang="ko-KR" altLang="en-US" sz="900" dirty="0" smtClean="0">
+                <a:solidFill>
+                  <a:schemeClr val="dk1"/>
+                </a:solidFill>
+              </a:rPr>
+              <a:t>예매하기 페이지로 이동</a:t>
+            </a:r>
+            <a:r>
+              <a:rPr lang="en-US" altLang="ko-KR" sz="900" dirty="0" smtClean="0">
+                <a:solidFill>
+                  <a:schemeClr val="dk1"/>
+                </a:solidFill>
+              </a:rPr>
+              <a:t/>
+            </a:r>
+            <a:br>
+              <a:rPr lang="en-US" altLang="ko-KR" sz="900" dirty="0" smtClean="0">
+                <a:solidFill>
+                  <a:schemeClr val="dk1"/>
+                </a:solidFill>
+              </a:rPr>
+            </a:br>
+            <a:r>
+              <a:rPr lang="en-US" altLang="ko-KR" sz="900" dirty="0" smtClean="0">
+                <a:solidFill>
+                  <a:schemeClr val="dk1"/>
+                </a:solidFill>
+              </a:rPr>
+              <a:t>(sub3_1)</a:t>
+            </a:r>
+            <a:endParaRPr lang="ko-KR" altLang="en-US" sz="900" dirty="0">
+              <a:solidFill>
+                <a:schemeClr val="dk1"/>
+              </a:solidFill>
+            </a:endParaRPr>
+          </a:p>
+          <a:p>
+            <a:pPr marL="457200" lvl="0" indent="-292100">
+              <a:lnSpc>
+                <a:spcPct val="150000"/>
+              </a:lnSpc>
+              <a:spcBef>
+                <a:spcPts val="1000"/>
+              </a:spcBef>
+              <a:spcAft>
+                <a:spcPts val="1000"/>
+              </a:spcAft>
+              <a:buClr>
+                <a:schemeClr val="dk1"/>
+              </a:buClr>
+              <a:buSzPts val="1000"/>
+              <a:buFont typeface="+mj-lt"/>
+              <a:buAutoNum type="arabicPeriod"/>
+            </a:pPr>
+            <a:r>
+              <a:rPr lang="ko-KR" altLang="en-US" sz="900" dirty="0" smtClean="0">
+                <a:solidFill>
+                  <a:schemeClr val="dk1"/>
+                </a:solidFill>
+              </a:rPr>
+              <a:t>이미지 자동 슬라이드</a:t>
+            </a:r>
+            <a:r>
+              <a:rPr lang="en-US" altLang="ko-KR" sz="900" dirty="0" smtClean="0">
+                <a:solidFill>
+                  <a:schemeClr val="dk1"/>
+                </a:solidFill>
+              </a:rPr>
+              <a:t/>
+            </a:r>
+            <a:br>
+              <a:rPr lang="en-US" altLang="ko-KR" sz="900" dirty="0" smtClean="0">
+                <a:solidFill>
+                  <a:schemeClr val="dk1"/>
+                </a:solidFill>
+              </a:rPr>
+            </a:br>
+            <a:r>
+              <a:rPr lang="ko-KR" altLang="en-US" sz="900" dirty="0" smtClean="0">
+                <a:solidFill>
+                  <a:schemeClr val="dk1"/>
+                </a:solidFill>
+              </a:rPr>
+              <a:t>라인업 전체보기 </a:t>
+            </a:r>
+            <a:r>
+              <a:rPr lang="ko-KR" altLang="en-US" sz="900" dirty="0" err="1" smtClean="0">
+                <a:solidFill>
+                  <a:schemeClr val="dk1"/>
+                </a:solidFill>
+              </a:rPr>
+              <a:t>클릭시</a:t>
+            </a:r>
+            <a:r>
+              <a:rPr lang="ko-KR" altLang="en-US" sz="900" dirty="0" smtClean="0">
+                <a:solidFill>
+                  <a:schemeClr val="dk1"/>
+                </a:solidFill>
+              </a:rPr>
+              <a:t> </a:t>
+            </a:r>
+            <a:r>
+              <a:rPr lang="en-US" altLang="ko-KR" sz="900" dirty="0" smtClean="0">
+                <a:solidFill>
+                  <a:schemeClr val="dk1"/>
+                </a:solidFill>
+              </a:rPr>
+              <a:t>artist </a:t>
+            </a:r>
+            <a:r>
+              <a:rPr lang="ko-KR" altLang="en-US" sz="900" dirty="0" smtClean="0">
+                <a:solidFill>
+                  <a:schemeClr val="dk1"/>
+                </a:solidFill>
+              </a:rPr>
+              <a:t>페이지로 이동</a:t>
+            </a:r>
+            <a:r>
+              <a:rPr lang="en-US" altLang="ko-KR" sz="900" dirty="0">
+                <a:solidFill>
+                  <a:schemeClr val="dk1"/>
+                </a:solidFill>
+              </a:rPr>
+              <a:t/>
+            </a:r>
+            <a:br>
+              <a:rPr lang="en-US" altLang="ko-KR" sz="900" dirty="0">
+                <a:solidFill>
+                  <a:schemeClr val="dk1"/>
+                </a:solidFill>
+              </a:rPr>
+            </a:br>
+            <a:r>
+              <a:rPr lang="en-US" altLang="ko-KR" sz="900" dirty="0" smtClean="0">
+                <a:solidFill>
+                  <a:schemeClr val="dk1"/>
+                </a:solidFill>
+              </a:rPr>
+              <a:t>(sub 2_1)</a:t>
+            </a:r>
+          </a:p>
+          <a:p>
+            <a:pPr marL="457200" lvl="0" indent="-292100">
+              <a:lnSpc>
+                <a:spcPct val="150000"/>
+              </a:lnSpc>
+              <a:spcBef>
+                <a:spcPts val="1000"/>
+              </a:spcBef>
+              <a:spcAft>
+                <a:spcPts val="1000"/>
+              </a:spcAft>
+              <a:buClr>
+                <a:schemeClr val="dk1"/>
+              </a:buClr>
+              <a:buSzPts val="1000"/>
+              <a:buFont typeface="+mj-lt"/>
+              <a:buAutoNum type="arabicPeriod"/>
+            </a:pPr>
+            <a:r>
+              <a:rPr lang="ko-KR" altLang="en-US" sz="900" dirty="0" smtClean="0"/>
+              <a:t>지도 </a:t>
+            </a:r>
+            <a:r>
+              <a:rPr lang="en-US" altLang="ko-KR" sz="900" dirty="0" err="1" smtClean="0"/>
+              <a:t>api</a:t>
+            </a:r>
+            <a:r>
+              <a:rPr lang="en-US" altLang="ko-KR" sz="900" dirty="0" smtClean="0"/>
+              <a:t> </a:t>
+            </a:r>
+            <a:r>
+              <a:rPr lang="ko-KR" altLang="en-US" sz="900" dirty="0" smtClean="0"/>
+              <a:t>추가</a:t>
+            </a:r>
+            <a:endParaRPr lang="en-US" altLang="ko-KR" sz="900" dirty="0" smtClean="0"/>
+          </a:p>
+          <a:p>
+            <a:pPr marL="457200" indent="-292100">
+              <a:lnSpc>
+                <a:spcPct val="150000"/>
+              </a:lnSpc>
+              <a:spcBef>
+                <a:spcPts val="1000"/>
+              </a:spcBef>
+              <a:spcAft>
+                <a:spcPts val="1000"/>
+              </a:spcAft>
+              <a:buClr>
+                <a:schemeClr val="dk1"/>
+              </a:buClr>
+              <a:buSzPts val="1000"/>
+              <a:buFont typeface="+mj-lt"/>
+              <a:buAutoNum type="arabicPeriod"/>
+            </a:pPr>
+            <a:r>
+              <a:rPr lang="ko-KR" altLang="en-US" sz="900" dirty="0" smtClean="0"/>
+              <a:t>갤러리 사진 </a:t>
+            </a:r>
+            <a:r>
+              <a:rPr lang="ko-KR" altLang="en-US" sz="900" dirty="0" err="1" smtClean="0"/>
+              <a:t>랜덤하게</a:t>
+            </a:r>
+            <a:r>
+              <a:rPr lang="ko-KR" altLang="en-US" sz="900" dirty="0" smtClean="0"/>
+              <a:t> 호출</a:t>
+            </a:r>
+            <a:r>
+              <a:rPr lang="en-US" altLang="ko-KR" sz="900" dirty="0" smtClean="0"/>
+              <a:t/>
+            </a:r>
+            <a:br>
+              <a:rPr lang="en-US" altLang="ko-KR" sz="900" dirty="0" smtClean="0"/>
+            </a:br>
+            <a:r>
+              <a:rPr lang="ko-KR" altLang="en-US" sz="900" dirty="0" err="1"/>
+              <a:t>클릭시</a:t>
+            </a:r>
+            <a:r>
+              <a:rPr lang="ko-KR" altLang="en-US" sz="900" dirty="0"/>
+              <a:t> </a:t>
+            </a:r>
+            <a:r>
+              <a:rPr lang="ko-KR" altLang="en-US" sz="900" dirty="0" smtClean="0"/>
+              <a:t> 갤러리페이지의 해당 게시물로 이동</a:t>
+            </a:r>
+            <a:r>
+              <a:rPr lang="en-US" altLang="ko-KR" sz="900" dirty="0" smtClean="0"/>
+              <a:t>(sub5_1)</a:t>
+            </a:r>
+            <a:endParaRPr lang="en-US" altLang="ko-KR" sz="900" dirty="0"/>
+          </a:p>
+        </p:txBody>
+      </p:sp>
+      <p:sp>
+        <p:nvSpPr>
+          <p:cNvPr id="66" name="Rectangle 4"/>
+          <p:cNvSpPr/>
+          <p:nvPr/>
+        </p:nvSpPr>
+        <p:spPr>
+          <a:xfrm>
+            <a:off x="2593753" y="1850318"/>
+            <a:ext cx="499646" cy="98902"/>
+          </a:xfrm>
+          <a:prstGeom prst="rect">
+            <a:avLst/>
+          </a:prstGeom>
+          <a:solidFill>
+            <a:schemeClr val="accent6">
+              <a:lumMod val="60000"/>
+              <a:lumOff val="40000"/>
+            </a:schemeClr>
+          </a:solidFill>
+          <a:ln w="12700">
+            <a:solidFill>
+              <a:schemeClr val="tx1"/>
+            </a:solidFill>
+          </a:ln>
+        </p:spPr>
+        <p:style>
+          <a:lnRef idx="2">
+            <a:schemeClr val="accent1">
+              <a:shade val="50000"/>
+            </a:schemeClr>
+          </a:lnRef>
+          <a:fillRef idx="1">
+            <a:schemeClr val="accent1"/>
+          </a:fillRef>
+          <a:effectRef idx="0">
+            <a:schemeClr val="accent1"/>
+          </a:effectRef>
+          <a:fontRef idx="minor">
+            <a:schemeClr val="lt1"/>
+          </a:fontRef>
+        </p:style>
+        <p:txBody>
+          <a:bodyPr rtlCol="0" anchor="ctr"/>
+          <a:lstStyle/>
+          <a:p>
+            <a:pPr algn="ctr"/>
+            <a:r>
+              <a:rPr lang="en-US" altLang="ko-KR" sz="500" dirty="0" err="1" smtClean="0">
+                <a:solidFill>
+                  <a:sysClr val="windowText" lastClr="000000"/>
+                </a:solidFill>
+              </a:rPr>
+              <a:t>btn</a:t>
+            </a:r>
+            <a:endParaRPr lang="ko-KR" altLang="en-US" sz="500" dirty="0">
+              <a:solidFill>
+                <a:sysClr val="windowText" lastClr="000000"/>
+              </a:solidFill>
+            </a:endParaRPr>
+          </a:p>
+        </p:txBody>
+      </p:sp>
     </p:spTree>
     <p:extLst>
       <p:ext uri="{BB962C8B-B14F-4D97-AF65-F5344CB8AC3E}">
@@ -20926,7 +21095,7 @@
   <p:cSld>
     <p:spTree>
       <p:nvGrpSpPr>
-        <p:cNvPr id="1" name="Shape 134"/>
+        <p:cNvPr id="1" name="Shape 127"/>
         <p:cNvGrpSpPr/>
         <p:nvPr/>
       </p:nvGrpSpPr>
@@ -20938,83 +21107,9 @@
           <a:chExt cx="0" cy="0"/>
         </a:xfrm>
       </p:grpSpPr>
-      <p:pic>
-        <p:nvPicPr>
-          <p:cNvPr id="135" name="Google Shape;135;p15"/>
-          <p:cNvPicPr preferRelativeResize="0"/>
-          <p:nvPr/>
-        </p:nvPicPr>
-        <p:blipFill>
-          <a:blip r:embed="rId3">
-            <a:alphaModFix/>
-          </a:blip>
-          <a:stretch>
-            <a:fillRect/>
-          </a:stretch>
-        </p:blipFill>
-        <p:spPr>
-          <a:xfrm>
-            <a:off x="3522469" y="460825"/>
-            <a:ext cx="3256502" cy="4460677"/>
-          </a:xfrm>
-          <a:prstGeom prst="rect">
-            <a:avLst/>
-          </a:prstGeom>
-          <a:noFill/>
-          <a:ln>
-            <a:noFill/>
-          </a:ln>
-        </p:spPr>
-      </p:pic>
       <p:sp>
         <p:nvSpPr>
-          <p:cNvPr id="136" name="Google Shape;136;p15"/>
-          <p:cNvSpPr txBox="1">
-            <a:spLocks noGrp="1"/>
-          </p:cNvSpPr>
-          <p:nvPr>
-            <p:ph type="sldNum" idx="12"/>
-          </p:nvPr>
-        </p:nvSpPr>
-        <p:spPr>
-          <a:xfrm>
-            <a:off x="8594576" y="0"/>
-            <a:ext cx="549300" cy="274500"/>
-          </a:xfrm>
-          <a:prstGeom prst="rect">
-            <a:avLst/>
-          </a:prstGeom>
-        </p:spPr>
-        <p:txBody>
-          <a:bodyPr spcFirstLastPara="1" wrap="square" lIns="91425" tIns="45700" rIns="91425" bIns="45700" anchor="ctr" anchorCtr="0">
-            <a:noAutofit/>
-          </a:bodyPr>
-          <a:lstStyle/>
-          <a:p>
-            <a:pPr marL="0" lvl="0" indent="0" algn="r" rtl="0">
-              <a:spcBef>
-                <a:spcPts val="0"/>
-              </a:spcBef>
-              <a:spcAft>
-                <a:spcPts val="0"/>
-              </a:spcAft>
-              <a:buClr>
-                <a:srgbClr val="000000"/>
-              </a:buClr>
-              <a:buFont typeface="Arial"/>
-              <a:buNone/>
-            </a:pPr>
-            <a:fld id="{00000000-1234-1234-1234-123412341234}" type="slidenum">
-              <a:rPr lang="en-US"/>
-              <a:t>7</a:t>
-            </a:fld>
-            <a:endParaRPr/>
-          </a:p>
-        </p:txBody>
-      </p:sp>
-      <p:sp>
-        <p:nvSpPr>
-          <p:cNvPr id="137" name="Google Shape;137;p15"/>
+          <p:cNvPr id="128" name="Google Shape;128;p14"/>
           <p:cNvSpPr txBox="1">
             <a:spLocks noGrp="1"/>
           </p:cNvSpPr>
@@ -21023,90 +21118,6 @@
           </p:nvPr>
         </p:nvSpPr>
         <p:spPr>
-          <a:xfrm>
-            <a:off x="1403650" y="16225"/>
-            <a:ext cx="5133300" cy="292200"/>
-          </a:xfrm>
-          <a:prstGeom prst="rect">
-            <a:avLst/>
-          </a:prstGeom>
-        </p:spPr>
-        <p:txBody>
-          <a:bodyPr spcFirstLastPara="1" wrap="square" lIns="91425" tIns="91425" rIns="91425" bIns="91425" anchor="t" anchorCtr="0">
-            <a:noAutofit/>
-          </a:bodyPr>
-          <a:lstStyle/>
-          <a:p>
-            <a:pPr marL="0" lvl="0" indent="0" algn="l" rtl="0">
-              <a:spcBef>
-                <a:spcPts val="0"/>
-              </a:spcBef>
-              <a:spcAft>
-                <a:spcPts val="0"/>
-              </a:spcAft>
-              <a:buNone/>
-            </a:pPr>
-            <a:r>
-              <a:rPr lang="en-US"/>
-              <a:t>페이지별 화면설계</a:t>
-            </a:r>
-            <a:endParaRPr/>
-          </a:p>
-        </p:txBody>
-      </p:sp>
-      <p:sp>
-        <p:nvSpPr>
-          <p:cNvPr id="138" name="Google Shape;138;p15"/>
-          <p:cNvSpPr txBox="1">
-            <a:spLocks noGrp="1"/>
-          </p:cNvSpPr>
-          <p:nvPr>
-            <p:ph type="body" idx="1"/>
-          </p:nvPr>
-        </p:nvSpPr>
-        <p:spPr>
-          <a:xfrm>
-            <a:off x="282250" y="0"/>
-            <a:ext cx="1007700" cy="274500"/>
-          </a:xfrm>
-          <a:prstGeom prst="rect">
-            <a:avLst/>
-          </a:prstGeom>
-        </p:spPr>
-        <p:txBody>
-          <a:bodyPr spcFirstLastPara="1" wrap="square" lIns="91425" tIns="91425" rIns="91425" bIns="91425" anchor="ctr" anchorCtr="0">
-            <a:noAutofit/>
-          </a:bodyPr>
-          <a:lstStyle/>
-          <a:p>
-            <a:pPr marL="0" lvl="0" indent="0" algn="l" rtl="0">
-              <a:spcBef>
-                <a:spcPts val="200"/>
-              </a:spcBef>
-              <a:spcAft>
-                <a:spcPts val="0"/>
-              </a:spcAft>
-              <a:buNone/>
-            </a:pPr>
-            <a:r>
-              <a:rPr lang="en-US"/>
-              <a:t>2.1</a:t>
-            </a:r>
-            <a:endParaRPr/>
-          </a:p>
-        </p:txBody>
-      </p:sp>
-      <p:sp>
-        <p:nvSpPr>
-          <p:cNvPr id="139" name="Google Shape;139;p15"/>
-          <p:cNvSpPr txBox="1"/>
-          <p:nvPr/>
-        </p:nvSpPr>
-        <p:spPr>
-          <a:xfrm>
-            <a:off x="7037050" y="655100"/>
-            <a:ext cx="1839900" cy="1799400"/>
-          </a:xfrm>
           <a:prstGeom prst="rect">
             <a:avLst/>
           </a:prstGeom>
@@ -21116,12 +21127,54 @@
           </a:ln>
         </p:spPr>
         <p:txBody>
-          <a:bodyPr spcFirstLastPara="1" wrap="square" lIns="91425" tIns="91425" rIns="91425" bIns="91425" anchor="t" anchorCtr="0">
+          <a:bodyPr spcFirstLastPara="1" wrap="square" lIns="91425" tIns="45700" rIns="91425" bIns="45700" anchor="t" anchorCtr="0">
             <a:noAutofit/>
           </a:bodyPr>
           <a:lstStyle/>
           <a:p>
-            <a:pPr marL="457200" lvl="0" indent="-292100" algn="l" rtl="0">
+            <a:pPr lvl="0"/>
+            <a:r>
+              <a:rPr lang="en-US" altLang="ko-KR" sz="900" dirty="0">
+                <a:solidFill>
+                  <a:srgbClr val="FF0000"/>
+                </a:solidFill>
+              </a:rPr>
+              <a:t>1_1</a:t>
+            </a:r>
+            <a:r>
+              <a:rPr lang="en-US" altLang="ko-KR" sz="900" dirty="0"/>
+              <a:t>. About(+history)</a:t>
+            </a:r>
+            <a:endParaRPr lang="en-US" altLang="ko-KR" sz="900" dirty="0"/>
+          </a:p>
+        </p:txBody>
+      </p:sp>
+      <p:sp>
+        <p:nvSpPr>
+          <p:cNvPr id="129" name="Google Shape;129;p14"/>
+          <p:cNvSpPr txBox="1">
+            <a:spLocks noGrp="1"/>
+          </p:cNvSpPr>
+          <p:nvPr>
+            <p:ph type="body" idx="1"/>
+          </p:nvPr>
+        </p:nvSpPr>
+        <p:spPr>
+          <a:prstGeom prst="rect">
+            <a:avLst/>
+          </a:prstGeom>
+          <a:noFill/>
+          <a:ln>
+            <a:noFill/>
+          </a:ln>
+        </p:spPr>
+        <p:txBody>
+          <a:bodyPr spcFirstLastPara="1" wrap="square" lIns="0" tIns="45700" rIns="0" bIns="45700" anchor="t" anchorCtr="0">
+            <a:noAutofit/>
+          </a:bodyPr>
+          <a:lstStyle/>
+          <a:p>
+            <a:pPr marL="342900" marR="0" lvl="0" indent="-342900" algn="l" rtl="0">
               <a:spcBef>
                 <a:spcPts val="0"/>
               </a:spcBef>
@@ -21129,454 +21182,553 @@
                 <a:spcPts val="0"/>
               </a:spcAft>
               <a:buClr>
-                <a:schemeClr val="dk1"/>
+                <a:schemeClr val="lt1"/>
               </a:buClr>
               <a:buSzPts val="1000"/>
-              <a:buChar char="●"/>
+              <a:buFont typeface="Arial"/>
+              <a:buNone/>
             </a:pPr>
             <a:r>
-              <a:rPr lang="en-US" sz="1000" dirty="0" err="1">
-                <a:solidFill>
-                  <a:schemeClr val="dk1"/>
-                </a:solidFill>
+              <a:rPr lang="en-US" sz="1000" b="1" i="0" u="none" strike="noStrike" cap="none" smtClean="0">
+                <a:solidFill>
+                  <a:schemeClr val="lt1"/>
+                </a:solidFill>
+                <a:latin typeface="Arial"/>
+                <a:ea typeface="Arial"/>
+                <a:cs typeface="Arial"/>
+                <a:sym typeface="Arial"/>
               </a:rPr>
-              <a:t>상단메뉴</a:t>
+              <a:t>2.1</a:t>
             </a:r>
-            <a:r>
-              <a:rPr lang="en-US" sz="1000" dirty="0">
-                <a:solidFill>
-                  <a:schemeClr val="dk1"/>
-                </a:solidFill>
-              </a:rPr>
-              <a:t> 2depth설정</a:t>
-            </a:r>
-            <a:endParaRPr sz="1000" dirty="0">
+            <a:endParaRPr sz="1000" b="1" i="0" u="none" strike="noStrike" cap="none">
               <a:solidFill>
-                <a:schemeClr val="dk1"/>
+                <a:schemeClr val="lt1"/>
               </a:solidFill>
-            </a:endParaRPr>
-          </a:p>
-          <a:p>
-            <a:pPr marL="457200" lvl="0" indent="-292100" algn="l" rtl="0">
-              <a:spcBef>
-                <a:spcPts val="1000"/>
-              </a:spcBef>
-              <a:spcAft>
-                <a:spcPts val="0"/>
-              </a:spcAft>
-              <a:buClr>
-                <a:schemeClr val="dk1"/>
-              </a:buClr>
-              <a:buSzPts val="1000"/>
-              <a:buChar char="●"/>
-            </a:pPr>
-            <a:r>
-              <a:rPr lang="en-US" sz="1000" dirty="0" err="1">
-                <a:solidFill>
-                  <a:schemeClr val="dk1"/>
-                </a:solidFill>
-              </a:rPr>
-              <a:t>주요</a:t>
-            </a:r>
-            <a:r>
-              <a:rPr lang="en-US" sz="1000" dirty="0">
-                <a:solidFill>
-                  <a:schemeClr val="dk1"/>
-                </a:solidFill>
-              </a:rPr>
-              <a:t> </a:t>
-            </a:r>
-            <a:r>
-              <a:rPr lang="en-US" sz="1000" dirty="0" err="1">
-                <a:solidFill>
-                  <a:schemeClr val="dk1"/>
-                </a:solidFill>
-              </a:rPr>
-              <a:t>이미지</a:t>
-            </a:r>
-            <a:r>
-              <a:rPr lang="en-US" sz="1000" dirty="0">
-                <a:solidFill>
-                  <a:schemeClr val="dk1"/>
-                </a:solidFill>
-              </a:rPr>
-              <a:t> </a:t>
-            </a:r>
-            <a:r>
-              <a:rPr lang="en-US" sz="1000" dirty="0" err="1">
-                <a:solidFill>
-                  <a:schemeClr val="dk1"/>
-                </a:solidFill>
-              </a:rPr>
-              <a:t>롤링</a:t>
-            </a:r>
-            <a:r>
-              <a:rPr lang="en-US" sz="1000" dirty="0">
-                <a:solidFill>
-                  <a:schemeClr val="dk1"/>
-                </a:solidFill>
-              </a:rPr>
-              <a:t> (Max. 3개)</a:t>
-            </a:r>
-            <a:endParaRPr sz="1000" dirty="0">
-              <a:solidFill>
-                <a:schemeClr val="dk1"/>
-              </a:solidFill>
-            </a:endParaRPr>
-          </a:p>
-          <a:p>
-            <a:pPr marL="457200" lvl="0" indent="-292100" algn="l" rtl="0">
-              <a:spcBef>
-                <a:spcPts val="1000"/>
-              </a:spcBef>
-              <a:spcAft>
-                <a:spcPts val="0"/>
-              </a:spcAft>
-              <a:buClr>
-                <a:schemeClr val="dk1"/>
-              </a:buClr>
-              <a:buSzPts val="1000"/>
-              <a:buChar char="●"/>
-            </a:pPr>
-            <a:r>
-              <a:rPr lang="en-US" sz="1000" dirty="0" err="1">
-                <a:solidFill>
-                  <a:schemeClr val="dk1"/>
-                </a:solidFill>
-              </a:rPr>
-              <a:t>공지사항</a:t>
-            </a:r>
-            <a:r>
-              <a:rPr lang="en-US" sz="1000" dirty="0">
-                <a:solidFill>
-                  <a:schemeClr val="dk1"/>
-                </a:solidFill>
-              </a:rPr>
-              <a:t>(</a:t>
-            </a:r>
-            <a:r>
-              <a:rPr lang="en-US" sz="1000" dirty="0" err="1">
-                <a:solidFill>
-                  <a:schemeClr val="dk1"/>
-                </a:solidFill>
-              </a:rPr>
-              <a:t>알림마당</a:t>
-            </a:r>
-            <a:r>
-              <a:rPr lang="en-US" sz="1000" dirty="0">
-                <a:solidFill>
-                  <a:schemeClr val="dk1"/>
-                </a:solidFill>
-              </a:rPr>
-              <a:t>)</a:t>
-            </a:r>
-            <a:br>
-              <a:rPr lang="en-US" sz="1000" dirty="0">
-                <a:solidFill>
-                  <a:schemeClr val="dk1"/>
-                </a:solidFill>
-              </a:rPr>
-            </a:br>
-            <a:r>
-              <a:rPr lang="en-US" sz="1000" dirty="0" err="1">
-                <a:solidFill>
-                  <a:schemeClr val="dk1"/>
-                </a:solidFill>
-              </a:rPr>
-              <a:t>가운데에</a:t>
-            </a:r>
-            <a:r>
-              <a:rPr lang="en-US" sz="1000" dirty="0">
-                <a:solidFill>
-                  <a:schemeClr val="dk1"/>
-                </a:solidFill>
-              </a:rPr>
-              <a:t> </a:t>
-            </a:r>
-            <a:r>
-              <a:rPr lang="en-US" sz="1000" dirty="0" err="1">
-                <a:solidFill>
-                  <a:schemeClr val="dk1"/>
-                </a:solidFill>
-              </a:rPr>
-              <a:t>게시판형식으로</a:t>
-            </a:r>
-            <a:r>
-              <a:rPr lang="en-US" sz="1000" dirty="0">
-                <a:solidFill>
-                  <a:schemeClr val="dk1"/>
-                </a:solidFill>
-              </a:rPr>
-              <a:t> </a:t>
-            </a:r>
-            <a:r>
-              <a:rPr lang="en-US" sz="1000" dirty="0" err="1">
-                <a:solidFill>
-                  <a:schemeClr val="dk1"/>
-                </a:solidFill>
-              </a:rPr>
-              <a:t>배치</a:t>
-            </a:r>
-            <a:endParaRPr sz="1000" dirty="0">
-              <a:solidFill>
-                <a:schemeClr val="dk1"/>
-              </a:solidFill>
-            </a:endParaRPr>
-          </a:p>
-          <a:p>
-            <a:pPr marL="457200" lvl="0" indent="-292100" algn="l" rtl="0">
-              <a:spcBef>
-                <a:spcPts val="1000"/>
-              </a:spcBef>
-              <a:spcAft>
-                <a:spcPts val="1000"/>
-              </a:spcAft>
-              <a:buClr>
-                <a:schemeClr val="dk1"/>
-              </a:buClr>
-              <a:buSzPts val="1000"/>
-              <a:buChar char="●"/>
-            </a:pPr>
-            <a:r>
-              <a:rPr lang="en-US" sz="1000" dirty="0" err="1">
-                <a:solidFill>
-                  <a:schemeClr val="dk1"/>
-                </a:solidFill>
-              </a:rPr>
-              <a:t>주요</a:t>
-            </a:r>
-            <a:r>
-              <a:rPr lang="en-US" sz="1000" dirty="0">
-                <a:solidFill>
-                  <a:schemeClr val="dk1"/>
-                </a:solidFill>
-              </a:rPr>
-              <a:t> </a:t>
-            </a:r>
-            <a:r>
-              <a:rPr lang="en-US" sz="1000" dirty="0" err="1">
-                <a:solidFill>
-                  <a:schemeClr val="dk1"/>
-                </a:solidFill>
-              </a:rPr>
-              <a:t>게시판</a:t>
-            </a:r>
-            <a:r>
-              <a:rPr lang="en-US" sz="1000" dirty="0">
-                <a:solidFill>
-                  <a:schemeClr val="dk1"/>
-                </a:solidFill>
-              </a:rPr>
-              <a:t> </a:t>
-            </a:r>
-            <a:r>
-              <a:rPr lang="en-US" sz="1000" dirty="0" err="1">
-                <a:solidFill>
-                  <a:schemeClr val="dk1"/>
-                </a:solidFill>
-              </a:rPr>
-              <a:t>바로가기</a:t>
-            </a:r>
-            <a:r>
-              <a:rPr lang="en-US" sz="1000" dirty="0">
-                <a:solidFill>
-                  <a:schemeClr val="dk1"/>
-                </a:solidFill>
-              </a:rPr>
-              <a:t> Icon</a:t>
-            </a:r>
-            <a:br>
-              <a:rPr lang="en-US" sz="1000" dirty="0">
-                <a:solidFill>
-                  <a:schemeClr val="dk1"/>
-                </a:solidFill>
-              </a:rPr>
-            </a:br>
-            <a:r>
-              <a:rPr lang="en-US" sz="1000" dirty="0" err="1">
-                <a:solidFill>
-                  <a:schemeClr val="dk1"/>
-                </a:solidFill>
-              </a:rPr>
-              <a:t>클릭시</a:t>
-            </a:r>
-            <a:r>
-              <a:rPr lang="en-US" sz="1000" dirty="0">
-                <a:solidFill>
-                  <a:schemeClr val="dk1"/>
-                </a:solidFill>
-              </a:rPr>
-              <a:t>, </a:t>
-            </a:r>
-            <a:r>
-              <a:rPr lang="en-US" sz="1000" dirty="0" err="1">
-                <a:solidFill>
-                  <a:schemeClr val="dk1"/>
-                </a:solidFill>
-              </a:rPr>
-              <a:t>해당</a:t>
-            </a:r>
-            <a:r>
-              <a:rPr lang="en-US" sz="1000" dirty="0">
-                <a:solidFill>
-                  <a:schemeClr val="dk1"/>
-                </a:solidFill>
-              </a:rPr>
-              <a:t> </a:t>
-            </a:r>
-            <a:r>
-              <a:rPr lang="en-US" sz="1000" dirty="0" err="1">
-                <a:solidFill>
-                  <a:schemeClr val="dk1"/>
-                </a:solidFill>
-              </a:rPr>
-              <a:t>게시판으로</a:t>
-            </a:r>
-            <a:r>
-              <a:rPr lang="en-US" sz="1000" dirty="0">
-                <a:solidFill>
-                  <a:schemeClr val="dk1"/>
-                </a:solidFill>
-              </a:rPr>
-              <a:t> </a:t>
-            </a:r>
-            <a:r>
-              <a:rPr lang="en-US" sz="1000" dirty="0" err="1">
-                <a:solidFill>
-                  <a:schemeClr val="dk1"/>
-                </a:solidFill>
-              </a:rPr>
-              <a:t>바로가기</a:t>
-            </a:r>
-            <a:r>
-              <a:rPr lang="en-US" sz="1000" dirty="0">
-                <a:solidFill>
-                  <a:schemeClr val="dk1"/>
-                </a:solidFill>
-              </a:rPr>
-              <a:t> link 및 </a:t>
-            </a:r>
-            <a:r>
-              <a:rPr lang="en-US" sz="1000" dirty="0" err="1">
-                <a:solidFill>
-                  <a:schemeClr val="dk1"/>
-                </a:solidFill>
-              </a:rPr>
-              <a:t>마우스</a:t>
-            </a:r>
-            <a:r>
-              <a:rPr lang="en-US" sz="1000" dirty="0">
-                <a:solidFill>
-                  <a:schemeClr val="dk1"/>
-                </a:solidFill>
-              </a:rPr>
-              <a:t> </a:t>
-            </a:r>
-            <a:r>
-              <a:rPr lang="en-US" sz="1000" dirty="0" err="1">
-                <a:solidFill>
-                  <a:schemeClr val="dk1"/>
-                </a:solidFill>
-              </a:rPr>
-              <a:t>hover시</a:t>
-            </a:r>
-            <a:r>
-              <a:rPr lang="en-US" sz="1000" dirty="0">
-                <a:solidFill>
-                  <a:schemeClr val="dk1"/>
-                </a:solidFill>
-              </a:rPr>
-              <a:t> </a:t>
-            </a:r>
-            <a:r>
-              <a:rPr lang="en-US" sz="1000" dirty="0" err="1">
-                <a:solidFill>
-                  <a:schemeClr val="dk1"/>
-                </a:solidFill>
-              </a:rPr>
-              <a:t>해당</a:t>
-            </a:r>
-            <a:r>
-              <a:rPr lang="en-US" sz="1000" dirty="0">
-                <a:solidFill>
-                  <a:schemeClr val="dk1"/>
-                </a:solidFill>
-              </a:rPr>
-              <a:t> </a:t>
-            </a:r>
-            <a:r>
-              <a:rPr lang="en-US" sz="1000" dirty="0" err="1">
-                <a:solidFill>
-                  <a:schemeClr val="dk1"/>
-                </a:solidFill>
-              </a:rPr>
-              <a:t>바로가기</a:t>
-            </a:r>
-            <a:r>
-              <a:rPr lang="en-US" sz="1000" dirty="0">
-                <a:solidFill>
-                  <a:schemeClr val="dk1"/>
-                </a:solidFill>
-              </a:rPr>
-              <a:t> </a:t>
-            </a:r>
-            <a:r>
-              <a:rPr lang="en-US" sz="1000" dirty="0" err="1">
-                <a:solidFill>
-                  <a:schemeClr val="dk1"/>
-                </a:solidFill>
-              </a:rPr>
-              <a:t>버튼</a:t>
-            </a:r>
-            <a:r>
-              <a:rPr lang="en-US" sz="1000" dirty="0">
-                <a:solidFill>
-                  <a:schemeClr val="dk1"/>
-                </a:solidFill>
-              </a:rPr>
-              <a:t> </a:t>
-            </a:r>
-            <a:r>
-              <a:rPr lang="en-US" sz="1000" dirty="0" err="1">
-                <a:solidFill>
-                  <a:schemeClr val="dk1"/>
-                </a:solidFill>
-              </a:rPr>
-              <a:t>색상</a:t>
-            </a:r>
-            <a:r>
-              <a:rPr lang="en-US" sz="1000" dirty="0">
-                <a:solidFill>
-                  <a:schemeClr val="dk1"/>
-                </a:solidFill>
-              </a:rPr>
-              <a:t> </a:t>
-            </a:r>
-            <a:r>
-              <a:rPr lang="en-US" sz="1000" dirty="0" err="1">
-                <a:solidFill>
-                  <a:schemeClr val="dk1"/>
-                </a:solidFill>
-              </a:rPr>
-              <a:t>변경</a:t>
-            </a:r>
-            <a:endParaRPr sz="1000" dirty="0">
-              <a:solidFill>
-                <a:schemeClr val="dk1"/>
-              </a:solidFill>
+              <a:latin typeface="Arial"/>
+              <a:ea typeface="Arial"/>
+              <a:cs typeface="Arial"/>
+              <a:sym typeface="Arial"/>
             </a:endParaRPr>
           </a:p>
         </p:txBody>
       </p:sp>
       <p:sp>
         <p:nvSpPr>
-          <p:cNvPr id="140" name="Google Shape;140;p15"/>
+          <p:cNvPr id="3" name="TextBox 2"/>
+          <p:cNvSpPr txBox="1"/>
+          <p:nvPr/>
+        </p:nvSpPr>
+        <p:spPr>
+          <a:xfrm>
+            <a:off x="6884208" y="745498"/>
+            <a:ext cx="2032647" cy="715581"/>
+          </a:xfrm>
+          <a:prstGeom prst="rect">
+            <a:avLst/>
+          </a:prstGeom>
+          <a:noFill/>
+        </p:spPr>
+        <p:txBody>
+          <a:bodyPr wrap="square" rtlCol="0">
+            <a:spAutoFit/>
+          </a:bodyPr>
+          <a:lstStyle/>
+          <a:p>
+            <a:pPr marL="457200" lvl="0" indent="-292100">
+              <a:lnSpc>
+                <a:spcPct val="150000"/>
+              </a:lnSpc>
+              <a:buClr>
+                <a:schemeClr val="dk1"/>
+              </a:buClr>
+              <a:buSzPts val="1000"/>
+              <a:buFont typeface="+mj-lt"/>
+              <a:buAutoNum type="arabicPeriod"/>
+            </a:pPr>
+            <a:r>
+              <a:rPr lang="ko-KR" altLang="en-US" sz="900" dirty="0" err="1" smtClean="0"/>
+              <a:t>스크롤시</a:t>
+            </a:r>
+            <a:r>
+              <a:rPr lang="ko-KR" altLang="en-US" sz="900" dirty="0" smtClean="0"/>
+              <a:t> </a:t>
+            </a:r>
+            <a:r>
+              <a:rPr lang="ko-KR" altLang="en-US" sz="900" dirty="0" err="1" smtClean="0"/>
+              <a:t>컨텐츠들이</a:t>
+            </a:r>
+            <a:r>
+              <a:rPr lang="ko-KR" altLang="en-US" sz="900" dirty="0" smtClean="0"/>
+              <a:t> 자연스럽게 내려오며 나오는 효과</a:t>
+            </a:r>
+            <a:endParaRPr lang="en-US" altLang="ko-KR" sz="900" dirty="0"/>
+          </a:p>
+        </p:txBody>
+      </p:sp>
+      <p:grpSp>
+        <p:nvGrpSpPr>
+          <p:cNvPr id="7" name="그룹 6"/>
+          <p:cNvGrpSpPr/>
+          <p:nvPr/>
+        </p:nvGrpSpPr>
+        <p:grpSpPr>
+          <a:xfrm>
+            <a:off x="2545456" y="993083"/>
+            <a:ext cx="2163793" cy="2743814"/>
+            <a:chOff x="2545456" y="993083"/>
+            <a:chExt cx="2163793" cy="2743814"/>
+          </a:xfrm>
+        </p:grpSpPr>
+        <p:sp>
+          <p:nvSpPr>
+            <p:cNvPr id="2" name="Rectangle 1"/>
+            <p:cNvSpPr/>
+            <p:nvPr/>
+          </p:nvSpPr>
+          <p:spPr>
+            <a:xfrm>
+              <a:off x="2545456" y="993085"/>
+              <a:ext cx="2163793" cy="2743812"/>
+            </a:xfrm>
+            <a:prstGeom prst="rect">
+              <a:avLst/>
+            </a:prstGeom>
+            <a:noFill/>
+            <a:ln w="12700">
+              <a:solidFill>
+                <a:schemeClr val="tx1"/>
+              </a:solidFill>
+            </a:ln>
+          </p:spPr>
+          <p:style>
+            <a:lnRef idx="2">
+              <a:schemeClr val="accent1">
+                <a:shade val="50000"/>
+              </a:schemeClr>
+            </a:lnRef>
+            <a:fillRef idx="1">
+              <a:schemeClr val="accent1"/>
+            </a:fillRef>
+            <a:effectRef idx="0">
+              <a:schemeClr val="accent1"/>
+            </a:effectRef>
+            <a:fontRef idx="minor">
+              <a:schemeClr val="lt1"/>
+            </a:fontRef>
+          </p:style>
+          <p:txBody>
+            <a:bodyPr rtlCol="0" anchor="ctr"/>
+            <a:lstStyle/>
+            <a:p>
+              <a:pPr algn="ctr"/>
+              <a:endParaRPr lang="ko-KR" altLang="en-US"/>
+            </a:p>
+          </p:txBody>
+        </p:sp>
+        <p:grpSp>
+          <p:nvGrpSpPr>
+            <p:cNvPr id="10" name="그룹 9"/>
+            <p:cNvGrpSpPr/>
+            <p:nvPr/>
+          </p:nvGrpSpPr>
+          <p:grpSpPr>
+            <a:xfrm>
+              <a:off x="2545456" y="993083"/>
+              <a:ext cx="2163793" cy="544506"/>
+              <a:chOff x="2179463" y="1379220"/>
+              <a:chExt cx="4785073" cy="2710916"/>
+            </a:xfrm>
+          </p:grpSpPr>
+          <p:sp>
+            <p:nvSpPr>
+              <p:cNvPr id="12" name="Rectangle 1"/>
+              <p:cNvSpPr/>
+              <p:nvPr/>
+            </p:nvSpPr>
+            <p:spPr>
+              <a:xfrm>
+                <a:off x="2179463" y="1379220"/>
+                <a:ext cx="4785073" cy="2710916"/>
+              </a:xfrm>
+              <a:prstGeom prst="rect">
+                <a:avLst/>
+              </a:prstGeom>
+              <a:noFill/>
+              <a:ln w="12700">
+                <a:solidFill>
+                  <a:schemeClr val="tx1"/>
+                </a:solidFill>
+              </a:ln>
+            </p:spPr>
+            <p:style>
+              <a:lnRef idx="2">
+                <a:schemeClr val="accent1">
+                  <a:shade val="50000"/>
+                </a:schemeClr>
+              </a:lnRef>
+              <a:fillRef idx="1">
+                <a:schemeClr val="accent1"/>
+              </a:fillRef>
+              <a:effectRef idx="0">
+                <a:schemeClr val="accent1"/>
+              </a:effectRef>
+              <a:fontRef idx="minor">
+                <a:schemeClr val="lt1"/>
+              </a:fontRef>
+            </p:style>
+            <p:txBody>
+              <a:bodyPr rtlCol="0" anchor="ctr"/>
+              <a:lstStyle/>
+              <a:p>
+                <a:pPr algn="ctr"/>
+                <a:endParaRPr lang="ko-KR" altLang="en-US"/>
+              </a:p>
+            </p:txBody>
+          </p:sp>
+          <p:cxnSp>
+            <p:nvCxnSpPr>
+              <p:cNvPr id="6" name="직선 연결선 5"/>
+              <p:cNvCxnSpPr/>
+              <p:nvPr/>
+            </p:nvCxnSpPr>
+            <p:spPr>
+              <a:xfrm>
+                <a:off x="2179463" y="1379220"/>
+                <a:ext cx="4785073" cy="2710916"/>
+              </a:xfrm>
+              <a:prstGeom prst="line">
+                <a:avLst/>
+              </a:prstGeom>
+              <a:ln>
+                <a:solidFill>
+                  <a:schemeClr val="tx1"/>
+                </a:solidFill>
+              </a:ln>
+            </p:spPr>
+            <p:style>
+              <a:lnRef idx="1">
+                <a:schemeClr val="accent1"/>
+              </a:lnRef>
+              <a:fillRef idx="0">
+                <a:schemeClr val="accent1"/>
+              </a:fillRef>
+              <a:effectRef idx="0">
+                <a:schemeClr val="accent1"/>
+              </a:effectRef>
+              <a:fontRef idx="minor">
+                <a:schemeClr val="tx1"/>
+              </a:fontRef>
+            </p:style>
+          </p:cxnSp>
+        </p:grpSp>
+        <p:sp>
+          <p:nvSpPr>
+            <p:cNvPr id="5" name="Rectangle 4"/>
+            <p:cNvSpPr/>
+            <p:nvPr/>
+          </p:nvSpPr>
+          <p:spPr>
+            <a:xfrm>
+              <a:off x="2648630" y="1030129"/>
+              <a:ext cx="355217" cy="98902"/>
+            </a:xfrm>
+            <a:prstGeom prst="rect">
+              <a:avLst/>
+            </a:prstGeom>
+            <a:solidFill>
+              <a:schemeClr val="bg2"/>
+            </a:solidFill>
+            <a:ln w="12700">
+              <a:solidFill>
+                <a:schemeClr val="tx1"/>
+              </a:solidFill>
+            </a:ln>
+          </p:spPr>
+          <p:style>
+            <a:lnRef idx="2">
+              <a:schemeClr val="accent1">
+                <a:shade val="50000"/>
+              </a:schemeClr>
+            </a:lnRef>
+            <a:fillRef idx="1">
+              <a:schemeClr val="accent1"/>
+            </a:fillRef>
+            <a:effectRef idx="0">
+              <a:schemeClr val="accent1"/>
+            </a:effectRef>
+            <a:fontRef idx="minor">
+              <a:schemeClr val="lt1"/>
+            </a:fontRef>
+          </p:style>
+          <p:txBody>
+            <a:bodyPr rtlCol="0" anchor="ctr"/>
+            <a:lstStyle/>
+            <a:p>
+              <a:pPr algn="ctr"/>
+              <a:r>
+                <a:rPr lang="en-US" altLang="ko-KR" sz="500" dirty="0" smtClean="0">
+                  <a:solidFill>
+                    <a:schemeClr val="bg1"/>
+                  </a:solidFill>
+                </a:rPr>
+                <a:t>Logo</a:t>
+              </a:r>
+              <a:endParaRPr lang="ko-KR" altLang="en-US" sz="500" dirty="0">
+                <a:solidFill>
+                  <a:schemeClr val="bg1"/>
+                </a:solidFill>
+              </a:endParaRPr>
+            </a:p>
+          </p:txBody>
+        </p:sp>
+        <p:sp>
+          <p:nvSpPr>
+            <p:cNvPr id="15" name="Rectangle 4"/>
+            <p:cNvSpPr/>
+            <p:nvPr/>
+          </p:nvSpPr>
+          <p:spPr>
+            <a:xfrm>
+              <a:off x="3080592" y="1030129"/>
+              <a:ext cx="1541148" cy="98902"/>
+            </a:xfrm>
+            <a:prstGeom prst="rect">
+              <a:avLst/>
+            </a:prstGeom>
+            <a:solidFill>
+              <a:schemeClr val="accent6">
+                <a:lumMod val="75000"/>
+              </a:schemeClr>
+            </a:solidFill>
+            <a:ln w="12700">
+              <a:solidFill>
+                <a:schemeClr val="tx1"/>
+              </a:solidFill>
+            </a:ln>
+          </p:spPr>
+          <p:style>
+            <a:lnRef idx="2">
+              <a:schemeClr val="accent1">
+                <a:shade val="50000"/>
+              </a:schemeClr>
+            </a:lnRef>
+            <a:fillRef idx="1">
+              <a:schemeClr val="accent1"/>
+            </a:fillRef>
+            <a:effectRef idx="0">
+              <a:schemeClr val="accent1"/>
+            </a:effectRef>
+            <a:fontRef idx="minor">
+              <a:schemeClr val="lt1"/>
+            </a:fontRef>
+          </p:style>
+          <p:txBody>
+            <a:bodyPr rtlCol="0" anchor="ctr"/>
+            <a:lstStyle/>
+            <a:p>
+              <a:pPr algn="ctr"/>
+              <a:r>
+                <a:rPr lang="en-US" altLang="ko-KR" sz="500" dirty="0" err="1" smtClean="0">
+                  <a:solidFill>
+                    <a:schemeClr val="bg1"/>
+                  </a:solidFill>
+                </a:rPr>
+                <a:t>nav</a:t>
+              </a:r>
+              <a:endParaRPr lang="ko-KR" altLang="en-US" sz="500" dirty="0">
+                <a:solidFill>
+                  <a:schemeClr val="bg1"/>
+                </a:solidFill>
+              </a:endParaRPr>
+            </a:p>
+          </p:txBody>
+        </p:sp>
+        <p:sp>
+          <p:nvSpPr>
+            <p:cNvPr id="41" name="Rectangle 1"/>
+            <p:cNvSpPr/>
+            <p:nvPr/>
+          </p:nvSpPr>
+          <p:spPr>
+            <a:xfrm>
+              <a:off x="2545456" y="3418807"/>
+              <a:ext cx="2163793" cy="318089"/>
+            </a:xfrm>
+            <a:prstGeom prst="rect">
+              <a:avLst/>
+            </a:prstGeom>
+            <a:solidFill>
+              <a:schemeClr val="bg1"/>
+            </a:solidFill>
+            <a:ln w="12700">
+              <a:solidFill>
+                <a:schemeClr val="tx1"/>
+              </a:solidFill>
+            </a:ln>
+          </p:spPr>
+          <p:style>
+            <a:lnRef idx="2">
+              <a:schemeClr val="accent1">
+                <a:shade val="50000"/>
+              </a:schemeClr>
+            </a:lnRef>
+            <a:fillRef idx="1">
+              <a:schemeClr val="accent1"/>
+            </a:fillRef>
+            <a:effectRef idx="0">
+              <a:schemeClr val="accent1"/>
+            </a:effectRef>
+            <a:fontRef idx="minor">
+              <a:schemeClr val="lt1"/>
+            </a:fontRef>
+          </p:style>
+          <p:txBody>
+            <a:bodyPr rtlCol="0" anchor="ctr"/>
+            <a:lstStyle/>
+            <a:p>
+              <a:pPr algn="ctr"/>
+              <a:r>
+                <a:rPr lang="en-US" altLang="ko-KR" sz="1050" dirty="0" smtClean="0">
+                  <a:solidFill>
+                    <a:sysClr val="windowText" lastClr="000000"/>
+                  </a:solidFill>
+                </a:rPr>
+                <a:t>footer</a:t>
+              </a:r>
+              <a:endParaRPr lang="ko-KR" altLang="en-US" sz="1050" dirty="0">
+                <a:solidFill>
+                  <a:sysClr val="windowText" lastClr="000000"/>
+                </a:solidFill>
+              </a:endParaRPr>
+            </a:p>
+          </p:txBody>
+        </p:sp>
+        <p:sp>
+          <p:nvSpPr>
+            <p:cNvPr id="42" name="Rectangle 1"/>
+            <p:cNvSpPr/>
+            <p:nvPr/>
+          </p:nvSpPr>
+          <p:spPr>
+            <a:xfrm>
+              <a:off x="2731552" y="1687731"/>
+              <a:ext cx="1817151" cy="757435"/>
+            </a:xfrm>
+            <a:prstGeom prst="rect">
+              <a:avLst/>
+            </a:prstGeom>
+            <a:noFill/>
+            <a:ln w="12700">
+              <a:solidFill>
+                <a:schemeClr val="tx1"/>
+              </a:solidFill>
+            </a:ln>
+          </p:spPr>
+          <p:style>
+            <a:lnRef idx="2">
+              <a:schemeClr val="accent1">
+                <a:shade val="50000"/>
+              </a:schemeClr>
+            </a:lnRef>
+            <a:fillRef idx="1">
+              <a:schemeClr val="accent1"/>
+            </a:fillRef>
+            <a:effectRef idx="0">
+              <a:schemeClr val="accent1"/>
+            </a:effectRef>
+            <a:fontRef idx="minor">
+              <a:schemeClr val="lt1"/>
+            </a:fontRef>
+          </p:style>
+          <p:txBody>
+            <a:bodyPr rtlCol="0" anchor="ctr"/>
+            <a:lstStyle/>
+            <a:p>
+              <a:pPr algn="ctr"/>
+              <a:r>
+                <a:rPr lang="en-US" altLang="ko-KR" sz="1050" dirty="0" smtClean="0">
+                  <a:solidFill>
+                    <a:sysClr val="windowText" lastClr="000000"/>
+                  </a:solidFill>
+                </a:rPr>
+                <a:t>about</a:t>
+              </a:r>
+              <a:endParaRPr lang="ko-KR" altLang="en-US" sz="1050" dirty="0">
+                <a:solidFill>
+                  <a:sysClr val="windowText" lastClr="000000"/>
+                </a:solidFill>
+              </a:endParaRPr>
+            </a:p>
+          </p:txBody>
+        </p:sp>
+        <p:sp>
+          <p:nvSpPr>
+            <p:cNvPr id="67" name="Rectangle 1"/>
+            <p:cNvSpPr/>
+            <p:nvPr/>
+          </p:nvSpPr>
+          <p:spPr>
+            <a:xfrm>
+              <a:off x="2731552" y="2509914"/>
+              <a:ext cx="1817151" cy="757435"/>
+            </a:xfrm>
+            <a:prstGeom prst="rect">
+              <a:avLst/>
+            </a:prstGeom>
+            <a:noFill/>
+            <a:ln w="12700">
+              <a:solidFill>
+                <a:schemeClr val="tx1"/>
+              </a:solidFill>
+            </a:ln>
+          </p:spPr>
+          <p:style>
+            <a:lnRef idx="2">
+              <a:schemeClr val="accent1">
+                <a:shade val="50000"/>
+              </a:schemeClr>
+            </a:lnRef>
+            <a:fillRef idx="1">
+              <a:schemeClr val="accent1"/>
+            </a:fillRef>
+            <a:effectRef idx="0">
+              <a:schemeClr val="accent1"/>
+            </a:effectRef>
+            <a:fontRef idx="minor">
+              <a:schemeClr val="lt1"/>
+            </a:fontRef>
+          </p:style>
+          <p:txBody>
+            <a:bodyPr rtlCol="0" anchor="ctr"/>
+            <a:lstStyle/>
+            <a:p>
+              <a:pPr algn="ctr"/>
+              <a:r>
+                <a:rPr lang="en-US" altLang="ko-KR" sz="1050" dirty="0" smtClean="0">
+                  <a:solidFill>
+                    <a:sysClr val="windowText" lastClr="000000"/>
+                  </a:solidFill>
+                </a:rPr>
+                <a:t>history</a:t>
+              </a:r>
+              <a:endParaRPr lang="ko-KR" altLang="en-US" sz="1050" dirty="0">
+                <a:solidFill>
+                  <a:sysClr val="windowText" lastClr="000000"/>
+                </a:solidFill>
+              </a:endParaRPr>
+            </a:p>
+          </p:txBody>
+        </p:sp>
+      </p:grpSp>
+      <p:sp>
+        <p:nvSpPr>
+          <p:cNvPr id="68" name="Google Shape;141;p15"/>
           <p:cNvSpPr/>
           <p:nvPr/>
         </p:nvSpPr>
         <p:spPr>
           <a:xfrm>
-            <a:off x="3723957" y="1838439"/>
+            <a:off x="4440703" y="1621400"/>
             <a:ext cx="216000" cy="216000"/>
           </a:xfrm>
           <a:prstGeom prst="roundRect">
@@ -21607,7 +21759,145 @@
               <a:buNone/>
             </a:pPr>
             <a:r>
-              <a:rPr lang="en-US" sz="1050" b="1">
+              <a:rPr lang="en-US" sz="1050" b="1" dirty="0">
+                <a:solidFill>
+                  <a:schemeClr val="lt1"/>
+                </a:solidFill>
+              </a:rPr>
+              <a:t>1</a:t>
+            </a:r>
+            <a:endParaRPr sz="1050" b="1" dirty="0">
+              <a:solidFill>
+                <a:schemeClr val="lt1"/>
+              </a:solidFill>
+              <a:latin typeface="Arial"/>
+              <a:ea typeface="Arial"/>
+              <a:cs typeface="Arial"/>
+              <a:sym typeface="Arial"/>
+            </a:endParaRPr>
+          </a:p>
+        </p:txBody>
+      </p:sp>
+    </p:spTree>
+    <p:extLst>
+      <p:ext uri="{BB962C8B-B14F-4D97-AF65-F5344CB8AC3E}">
+        <p14:creationId xmlns:p14="http://schemas.microsoft.com/office/powerpoint/2010/main" val="679470069"/>
+      </p:ext>
+    </p:extLst>
+  </p:cSld>
+  <p:clrMapOvr>
+    <a:masterClrMapping/>
+  </p:clrMapOvr>
+  <p:timing>
+    <p:tnLst>
+      <p:par>
+        <p:cTn id="1" dur="indefinite" restart="never" nodeType="tmRoot"/>
+      </p:par>
+    </p:tnLst>
+  </p:timing>
+</p:sld>
+</file>
+
+<file path=ppt/slides/slide8.xml><?xml version="1.0" encoding="utf-8"?>
+<p:sld xmlns:a="http://schemas.openxmlformats.org/drawingml/2006/main" xmlns:r="http://schemas.openxmlformats.org/officeDocument/2006/relationships" xmlns:p="http://schemas.openxmlformats.org/presentationml/2006/main">
+  <p:cSld>
+    <p:spTree>
+      <p:nvGrpSpPr>
+        <p:cNvPr id="1" name="Shape 127"/>
+        <p:cNvGrpSpPr/>
+        <p:nvPr/>
+      </p:nvGrpSpPr>
+      <p:grpSpPr>
+        <a:xfrm>
+          <a:off x="0" y="0"/>
+          <a:ext cx="0" cy="0"/>
+          <a:chOff x="0" y="0"/>
+          <a:chExt cx="0" cy="0"/>
+        </a:xfrm>
+      </p:grpSpPr>
+      <p:sp>
+        <p:nvSpPr>
+          <p:cNvPr id="128" name="Google Shape;128;p14"/>
+          <p:cNvSpPr txBox="1">
+            <a:spLocks noGrp="1"/>
+          </p:cNvSpPr>
+          <p:nvPr>
+            <p:ph type="title"/>
+          </p:nvPr>
+        </p:nvSpPr>
+        <p:spPr>
+          <a:prstGeom prst="rect">
+            <a:avLst/>
+          </a:prstGeom>
+          <a:noFill/>
+          <a:ln>
+            <a:noFill/>
+          </a:ln>
+        </p:spPr>
+        <p:txBody>
+          <a:bodyPr spcFirstLastPara="1" wrap="square" lIns="91425" tIns="45700" rIns="91425" bIns="45700" anchor="t" anchorCtr="0">
+            <a:noAutofit/>
+          </a:bodyPr>
+          <a:lstStyle/>
+          <a:p>
+            <a:pPr lvl="0"/>
+            <a:r>
+              <a:rPr lang="en-US" altLang="ko-KR" sz="900" dirty="0">
+                <a:solidFill>
+                  <a:srgbClr val="FF0000"/>
+                </a:solidFill>
+              </a:rPr>
+              <a:t>2_1</a:t>
+            </a:r>
+            <a:r>
+              <a:rPr lang="en-US" altLang="ko-KR" sz="900" dirty="0"/>
+              <a:t>. Artist</a:t>
+            </a:r>
+            <a:endParaRPr lang="en-US" altLang="ko-KR" sz="900" dirty="0"/>
+          </a:p>
+        </p:txBody>
+      </p:sp>
+      <p:sp>
+        <p:nvSpPr>
+          <p:cNvPr id="129" name="Google Shape;129;p14"/>
+          <p:cNvSpPr txBox="1">
+            <a:spLocks noGrp="1"/>
+          </p:cNvSpPr>
+          <p:nvPr>
+            <p:ph type="body" idx="1"/>
+          </p:nvPr>
+        </p:nvSpPr>
+        <p:spPr>
+          <a:prstGeom prst="rect">
+            <a:avLst/>
+          </a:prstGeom>
+          <a:noFill/>
+          <a:ln>
+            <a:noFill/>
+          </a:ln>
+        </p:spPr>
+        <p:txBody>
+          <a:bodyPr spcFirstLastPara="1" wrap="square" lIns="0" tIns="45700" rIns="0" bIns="45700" anchor="t" anchorCtr="0">
+            <a:noAutofit/>
+          </a:bodyPr>
+          <a:lstStyle/>
+          <a:p>
+            <a:pPr marL="342900" marR="0" lvl="0" indent="-342900" algn="l" rtl="0">
+              <a:spcBef>
+                <a:spcPts val="0"/>
+              </a:spcBef>
+              <a:spcAft>
+                <a:spcPts val="0"/>
+              </a:spcAft>
+              <a:buClr>
+                <a:schemeClr val="lt1"/>
+              </a:buClr>
+              <a:buSzPts val="1000"/>
+              <a:buFont typeface="Arial"/>
+              <a:buNone/>
+            </a:pPr>
+            <a:r>
+              <a:rPr lang="en-US" sz="1000" b="1" i="0" u="none" strike="noStrike" cap="none" smtClean="0">
                 <a:solidFill>
                   <a:schemeClr val="lt1"/>
                 </a:solidFill>
@@ -21616,9 +21906,9 @@
                 <a:cs typeface="Arial"/>
                 <a:sym typeface="Arial"/>
               </a:rPr>
-              <a:t>2</a:t>
+              <a:t>2.1</a:t>
             </a:r>
-            <a:endParaRPr sz="1050" b="1">
+            <a:endParaRPr sz="1000" b="1" i="0" u="none" strike="noStrike" cap="none">
               <a:solidFill>
                 <a:schemeClr val="lt1"/>
               </a:solidFill>
@@ -21632,13 +21922,521 @@
       </p:sp>
       <p:sp>
         <p:nvSpPr>
-          <p:cNvPr id="141" name="Google Shape;141;p15"/>
+          <p:cNvPr id="3" name="TextBox 2"/>
+          <p:cNvSpPr txBox="1"/>
+          <p:nvPr/>
+        </p:nvSpPr>
+        <p:spPr>
+          <a:xfrm>
+            <a:off x="6884208" y="745498"/>
+            <a:ext cx="2032647" cy="715581"/>
+          </a:xfrm>
+          <a:prstGeom prst="rect">
+            <a:avLst/>
+          </a:prstGeom>
+          <a:noFill/>
+        </p:spPr>
+        <p:txBody>
+          <a:bodyPr wrap="square" rtlCol="0">
+            <a:spAutoFit/>
+          </a:bodyPr>
+          <a:lstStyle/>
+          <a:p>
+            <a:pPr marL="457200" lvl="0" indent="-292100">
+              <a:lnSpc>
+                <a:spcPct val="150000"/>
+              </a:lnSpc>
+              <a:buClr>
+                <a:schemeClr val="dk1"/>
+              </a:buClr>
+              <a:buSzPts val="1000"/>
+              <a:buFont typeface="+mj-lt"/>
+              <a:buAutoNum type="arabicPeriod"/>
+            </a:pPr>
+            <a:r>
+              <a:rPr lang="ko-KR" altLang="en-US" sz="900" dirty="0" err="1" smtClean="0"/>
+              <a:t>스크롤시</a:t>
+            </a:r>
+            <a:r>
+              <a:rPr lang="ko-KR" altLang="en-US" sz="900" dirty="0" smtClean="0"/>
+              <a:t> </a:t>
+            </a:r>
+            <a:r>
+              <a:rPr lang="ko-KR" altLang="en-US" sz="900" dirty="0" err="1" smtClean="0"/>
+              <a:t>컨텐츠들이</a:t>
+            </a:r>
+            <a:r>
+              <a:rPr lang="ko-KR" altLang="en-US" sz="900" dirty="0" smtClean="0"/>
+              <a:t> 자연스럽게 내려오며 나오는 효과</a:t>
+            </a:r>
+            <a:endParaRPr lang="en-US" altLang="ko-KR" sz="900" dirty="0"/>
+          </a:p>
+        </p:txBody>
+      </p:sp>
+      <p:grpSp>
+        <p:nvGrpSpPr>
+          <p:cNvPr id="7" name="그룹 6"/>
+          <p:cNvGrpSpPr/>
+          <p:nvPr/>
+        </p:nvGrpSpPr>
+        <p:grpSpPr>
+          <a:xfrm>
+            <a:off x="2545456" y="993083"/>
+            <a:ext cx="2163793" cy="2743814"/>
+            <a:chOff x="2545456" y="993083"/>
+            <a:chExt cx="2163793" cy="2743814"/>
+          </a:xfrm>
+        </p:grpSpPr>
+        <p:sp>
+          <p:nvSpPr>
+            <p:cNvPr id="2" name="Rectangle 1"/>
+            <p:cNvSpPr/>
+            <p:nvPr/>
+          </p:nvSpPr>
+          <p:spPr>
+            <a:xfrm>
+              <a:off x="2545456" y="993085"/>
+              <a:ext cx="2163793" cy="2743812"/>
+            </a:xfrm>
+            <a:prstGeom prst="rect">
+              <a:avLst/>
+            </a:prstGeom>
+            <a:noFill/>
+            <a:ln w="12700">
+              <a:solidFill>
+                <a:schemeClr val="tx1"/>
+              </a:solidFill>
+            </a:ln>
+          </p:spPr>
+          <p:style>
+            <a:lnRef idx="2">
+              <a:schemeClr val="accent1">
+                <a:shade val="50000"/>
+              </a:schemeClr>
+            </a:lnRef>
+            <a:fillRef idx="1">
+              <a:schemeClr val="accent1"/>
+            </a:fillRef>
+            <a:effectRef idx="0">
+              <a:schemeClr val="accent1"/>
+            </a:effectRef>
+            <a:fontRef idx="minor">
+              <a:schemeClr val="lt1"/>
+            </a:fontRef>
+          </p:style>
+          <p:txBody>
+            <a:bodyPr rtlCol="0" anchor="ctr"/>
+            <a:lstStyle/>
+            <a:p>
+              <a:pPr algn="ctr"/>
+              <a:endParaRPr lang="ko-KR" altLang="en-US"/>
+            </a:p>
+          </p:txBody>
+        </p:sp>
+        <p:grpSp>
+          <p:nvGrpSpPr>
+            <p:cNvPr id="10" name="그룹 9"/>
+            <p:cNvGrpSpPr/>
+            <p:nvPr/>
+          </p:nvGrpSpPr>
+          <p:grpSpPr>
+            <a:xfrm>
+              <a:off x="2545456" y="993083"/>
+              <a:ext cx="2163793" cy="544506"/>
+              <a:chOff x="2179463" y="1379220"/>
+              <a:chExt cx="4785073" cy="2710916"/>
+            </a:xfrm>
+          </p:grpSpPr>
+          <p:sp>
+            <p:nvSpPr>
+              <p:cNvPr id="12" name="Rectangle 1"/>
+              <p:cNvSpPr/>
+              <p:nvPr/>
+            </p:nvSpPr>
+            <p:spPr>
+              <a:xfrm>
+                <a:off x="2179463" y="1379220"/>
+                <a:ext cx="4785073" cy="2710916"/>
+              </a:xfrm>
+              <a:prstGeom prst="rect">
+                <a:avLst/>
+              </a:prstGeom>
+              <a:noFill/>
+              <a:ln w="12700">
+                <a:solidFill>
+                  <a:schemeClr val="tx1"/>
+                </a:solidFill>
+              </a:ln>
+            </p:spPr>
+            <p:style>
+              <a:lnRef idx="2">
+                <a:schemeClr val="accent1">
+                  <a:shade val="50000"/>
+                </a:schemeClr>
+              </a:lnRef>
+              <a:fillRef idx="1">
+                <a:schemeClr val="accent1"/>
+              </a:fillRef>
+              <a:effectRef idx="0">
+                <a:schemeClr val="accent1"/>
+              </a:effectRef>
+              <a:fontRef idx="minor">
+                <a:schemeClr val="lt1"/>
+              </a:fontRef>
+            </p:style>
+            <p:txBody>
+              <a:bodyPr rtlCol="0" anchor="ctr"/>
+              <a:lstStyle/>
+              <a:p>
+                <a:pPr algn="ctr"/>
+                <a:endParaRPr lang="ko-KR" altLang="en-US"/>
+              </a:p>
+            </p:txBody>
+          </p:sp>
+          <p:cxnSp>
+            <p:nvCxnSpPr>
+              <p:cNvPr id="6" name="직선 연결선 5"/>
+              <p:cNvCxnSpPr/>
+              <p:nvPr/>
+            </p:nvCxnSpPr>
+            <p:spPr>
+              <a:xfrm>
+                <a:off x="2179463" y="1379220"/>
+                <a:ext cx="4785073" cy="2710916"/>
+              </a:xfrm>
+              <a:prstGeom prst="line">
+                <a:avLst/>
+              </a:prstGeom>
+              <a:ln>
+                <a:solidFill>
+                  <a:schemeClr val="tx1"/>
+                </a:solidFill>
+              </a:ln>
+            </p:spPr>
+            <p:style>
+              <a:lnRef idx="1">
+                <a:schemeClr val="accent1"/>
+              </a:lnRef>
+              <a:fillRef idx="0">
+                <a:schemeClr val="accent1"/>
+              </a:fillRef>
+              <a:effectRef idx="0">
+                <a:schemeClr val="accent1"/>
+              </a:effectRef>
+              <a:fontRef idx="minor">
+                <a:schemeClr val="tx1"/>
+              </a:fontRef>
+            </p:style>
+          </p:cxnSp>
+        </p:grpSp>
+        <p:sp>
+          <p:nvSpPr>
+            <p:cNvPr id="5" name="Rectangle 4"/>
+            <p:cNvSpPr/>
+            <p:nvPr/>
+          </p:nvSpPr>
+          <p:spPr>
+            <a:xfrm>
+              <a:off x="2648630" y="1030129"/>
+              <a:ext cx="355217" cy="98902"/>
+            </a:xfrm>
+            <a:prstGeom prst="rect">
+              <a:avLst/>
+            </a:prstGeom>
+            <a:solidFill>
+              <a:schemeClr val="bg2"/>
+            </a:solidFill>
+            <a:ln w="12700">
+              <a:solidFill>
+                <a:schemeClr val="tx1"/>
+              </a:solidFill>
+            </a:ln>
+          </p:spPr>
+          <p:style>
+            <a:lnRef idx="2">
+              <a:schemeClr val="accent1">
+                <a:shade val="50000"/>
+              </a:schemeClr>
+            </a:lnRef>
+            <a:fillRef idx="1">
+              <a:schemeClr val="accent1"/>
+            </a:fillRef>
+            <a:effectRef idx="0">
+              <a:schemeClr val="accent1"/>
+            </a:effectRef>
+            <a:fontRef idx="minor">
+              <a:schemeClr val="lt1"/>
+            </a:fontRef>
+          </p:style>
+          <p:txBody>
+            <a:bodyPr rtlCol="0" anchor="ctr"/>
+            <a:lstStyle/>
+            <a:p>
+              <a:pPr algn="ctr"/>
+              <a:r>
+                <a:rPr lang="en-US" altLang="ko-KR" sz="500" dirty="0" smtClean="0">
+                  <a:solidFill>
+                    <a:schemeClr val="bg1"/>
+                  </a:solidFill>
+                </a:rPr>
+                <a:t>Logo</a:t>
+              </a:r>
+              <a:endParaRPr lang="ko-KR" altLang="en-US" sz="500" dirty="0">
+                <a:solidFill>
+                  <a:schemeClr val="bg1"/>
+                </a:solidFill>
+              </a:endParaRPr>
+            </a:p>
+          </p:txBody>
+        </p:sp>
+        <p:sp>
+          <p:nvSpPr>
+            <p:cNvPr id="15" name="Rectangle 4"/>
+            <p:cNvSpPr/>
+            <p:nvPr/>
+          </p:nvSpPr>
+          <p:spPr>
+            <a:xfrm>
+              <a:off x="3080592" y="1030129"/>
+              <a:ext cx="1541148" cy="98902"/>
+            </a:xfrm>
+            <a:prstGeom prst="rect">
+              <a:avLst/>
+            </a:prstGeom>
+            <a:solidFill>
+              <a:schemeClr val="accent6">
+                <a:lumMod val="75000"/>
+              </a:schemeClr>
+            </a:solidFill>
+            <a:ln w="12700">
+              <a:solidFill>
+                <a:schemeClr val="tx1"/>
+              </a:solidFill>
+            </a:ln>
+          </p:spPr>
+          <p:style>
+            <a:lnRef idx="2">
+              <a:schemeClr val="accent1">
+                <a:shade val="50000"/>
+              </a:schemeClr>
+            </a:lnRef>
+            <a:fillRef idx="1">
+              <a:schemeClr val="accent1"/>
+            </a:fillRef>
+            <a:effectRef idx="0">
+              <a:schemeClr val="accent1"/>
+            </a:effectRef>
+            <a:fontRef idx="minor">
+              <a:schemeClr val="lt1"/>
+            </a:fontRef>
+          </p:style>
+          <p:txBody>
+            <a:bodyPr rtlCol="0" anchor="ctr"/>
+            <a:lstStyle/>
+            <a:p>
+              <a:pPr algn="ctr"/>
+              <a:r>
+                <a:rPr lang="en-US" altLang="ko-KR" sz="500" dirty="0" err="1" smtClean="0">
+                  <a:solidFill>
+                    <a:schemeClr val="bg1"/>
+                  </a:solidFill>
+                </a:rPr>
+                <a:t>nav</a:t>
+              </a:r>
+              <a:endParaRPr lang="ko-KR" altLang="en-US" sz="500" dirty="0">
+                <a:solidFill>
+                  <a:schemeClr val="bg1"/>
+                </a:solidFill>
+              </a:endParaRPr>
+            </a:p>
+          </p:txBody>
+        </p:sp>
+        <p:sp>
+          <p:nvSpPr>
+            <p:cNvPr id="41" name="Rectangle 1"/>
+            <p:cNvSpPr/>
+            <p:nvPr/>
+          </p:nvSpPr>
+          <p:spPr>
+            <a:xfrm>
+              <a:off x="2545456" y="3418807"/>
+              <a:ext cx="2163793" cy="318089"/>
+            </a:xfrm>
+            <a:prstGeom prst="rect">
+              <a:avLst/>
+            </a:prstGeom>
+            <a:solidFill>
+              <a:schemeClr val="bg1"/>
+            </a:solidFill>
+            <a:ln w="12700">
+              <a:solidFill>
+                <a:schemeClr val="tx1"/>
+              </a:solidFill>
+            </a:ln>
+          </p:spPr>
+          <p:style>
+            <a:lnRef idx="2">
+              <a:schemeClr val="accent1">
+                <a:shade val="50000"/>
+              </a:schemeClr>
+            </a:lnRef>
+            <a:fillRef idx="1">
+              <a:schemeClr val="accent1"/>
+            </a:fillRef>
+            <a:effectRef idx="0">
+              <a:schemeClr val="accent1"/>
+            </a:effectRef>
+            <a:fontRef idx="minor">
+              <a:schemeClr val="lt1"/>
+            </a:fontRef>
+          </p:style>
+          <p:txBody>
+            <a:bodyPr rtlCol="0" anchor="ctr"/>
+            <a:lstStyle/>
+            <a:p>
+              <a:pPr algn="ctr"/>
+              <a:r>
+                <a:rPr lang="en-US" altLang="ko-KR" sz="1050" dirty="0" smtClean="0">
+                  <a:solidFill>
+                    <a:sysClr val="windowText" lastClr="000000"/>
+                  </a:solidFill>
+                </a:rPr>
+                <a:t>footer</a:t>
+              </a:r>
+              <a:endParaRPr lang="ko-KR" altLang="en-US" sz="1050" dirty="0">
+                <a:solidFill>
+                  <a:sysClr val="windowText" lastClr="000000"/>
+                </a:solidFill>
+              </a:endParaRPr>
+            </a:p>
+          </p:txBody>
+        </p:sp>
+        <p:sp>
+          <p:nvSpPr>
+            <p:cNvPr id="42" name="Rectangle 1"/>
+            <p:cNvSpPr/>
+            <p:nvPr/>
+          </p:nvSpPr>
+          <p:spPr>
+            <a:xfrm>
+              <a:off x="2731553" y="1687731"/>
+              <a:ext cx="815388" cy="757435"/>
+            </a:xfrm>
+            <a:prstGeom prst="rect">
+              <a:avLst/>
+            </a:prstGeom>
+            <a:noFill/>
+            <a:ln w="12700">
+              <a:solidFill>
+                <a:schemeClr val="tx1"/>
+              </a:solidFill>
+            </a:ln>
+          </p:spPr>
+          <p:style>
+            <a:lnRef idx="2">
+              <a:schemeClr val="accent1">
+                <a:shade val="50000"/>
+              </a:schemeClr>
+            </a:lnRef>
+            <a:fillRef idx="1">
+              <a:schemeClr val="accent1"/>
+            </a:fillRef>
+            <a:effectRef idx="0">
+              <a:schemeClr val="accent1"/>
+            </a:effectRef>
+            <a:fontRef idx="minor">
+              <a:schemeClr val="lt1"/>
+            </a:fontRef>
+          </p:style>
+          <p:txBody>
+            <a:bodyPr rtlCol="0" anchor="ctr"/>
+            <a:lstStyle/>
+            <a:p>
+              <a:pPr algn="ctr"/>
+              <a:r>
+                <a:rPr lang="en-US" altLang="ko-KR" sz="1050" dirty="0" smtClean="0">
+                  <a:solidFill>
+                    <a:sysClr val="windowText" lastClr="000000"/>
+                  </a:solidFill>
+                </a:rPr>
+                <a:t>about</a:t>
+              </a:r>
+              <a:endParaRPr lang="ko-KR" altLang="en-US" sz="1050" dirty="0">
+                <a:solidFill>
+                  <a:sysClr val="windowText" lastClr="000000"/>
+                </a:solidFill>
+              </a:endParaRPr>
+            </a:p>
+          </p:txBody>
+        </p:sp>
+        <p:sp>
+          <p:nvSpPr>
+            <p:cNvPr id="67" name="Rectangle 1"/>
+            <p:cNvSpPr/>
+            <p:nvPr/>
+          </p:nvSpPr>
+          <p:spPr>
+            <a:xfrm>
+              <a:off x="2731552" y="2509914"/>
+              <a:ext cx="1817151" cy="757435"/>
+            </a:xfrm>
+            <a:prstGeom prst="rect">
+              <a:avLst/>
+            </a:prstGeom>
+            <a:noFill/>
+            <a:ln w="12700">
+              <a:solidFill>
+                <a:schemeClr val="tx1"/>
+              </a:solidFill>
+            </a:ln>
+          </p:spPr>
+          <p:style>
+            <a:lnRef idx="2">
+              <a:schemeClr val="accent1">
+                <a:shade val="50000"/>
+              </a:schemeClr>
+            </a:lnRef>
+            <a:fillRef idx="1">
+              <a:schemeClr val="accent1"/>
+            </a:fillRef>
+            <a:effectRef idx="0">
+              <a:schemeClr val="accent1"/>
+            </a:effectRef>
+            <a:fontRef idx="minor">
+              <a:schemeClr val="lt1"/>
+            </a:fontRef>
+          </p:style>
+          <p:txBody>
+            <a:bodyPr rtlCol="0" anchor="ctr"/>
+            <a:lstStyle/>
+            <a:p>
+              <a:pPr algn="ctr"/>
+              <a:r>
+                <a:rPr lang="en-US" altLang="ko-KR" sz="1050" dirty="0" smtClean="0">
+                  <a:solidFill>
+                    <a:sysClr val="windowText" lastClr="000000"/>
+                  </a:solidFill>
+                </a:rPr>
+                <a:t>history</a:t>
+              </a:r>
+              <a:endParaRPr lang="ko-KR" altLang="en-US" sz="1050" dirty="0">
+                <a:solidFill>
+                  <a:sysClr val="windowText" lastClr="000000"/>
+                </a:solidFill>
+              </a:endParaRPr>
+            </a:p>
+          </p:txBody>
+        </p:sp>
+      </p:grpSp>
+      <p:sp>
+        <p:nvSpPr>
+          <p:cNvPr id="68" name="Google Shape;141;p15"/>
           <p:cNvSpPr/>
           <p:nvPr/>
         </p:nvSpPr>
         <p:spPr>
           <a:xfrm>
-            <a:off x="4572007" y="1138064"/>
+            <a:off x="4440703" y="1621400"/>
             <a:ext cx="216000" cy="216000"/>
           </a:xfrm>
           <a:prstGeom prst="roundRect">
@@ -21669,130 +22467,14 @@
               <a:buNone/>
             </a:pPr>
             <a:r>
-              <a:rPr lang="en-US" sz="1050" b="1">
+              <a:rPr lang="en-US" sz="1050" b="1" dirty="0">
                 <a:solidFill>
                   <a:schemeClr val="lt1"/>
                 </a:solidFill>
               </a:rPr>
               <a:t>1</a:t>
             </a:r>
-            <a:endParaRPr sz="1050" b="1">
-              <a:solidFill>
-                <a:schemeClr val="lt1"/>
-              </a:solidFill>
-              <a:latin typeface="Arial"/>
-              <a:ea typeface="Arial"/>
-              <a:cs typeface="Arial"/>
-              <a:sym typeface="Arial"/>
-            </a:endParaRPr>
-          </a:p>
-        </p:txBody>
-      </p:sp>
-      <p:sp>
-        <p:nvSpPr>
-          <p:cNvPr id="142" name="Google Shape;142;p15"/>
-          <p:cNvSpPr/>
-          <p:nvPr/>
-        </p:nvSpPr>
-        <p:spPr>
-          <a:xfrm>
-            <a:off x="5047057" y="2617952"/>
-            <a:ext cx="216000" cy="216000"/>
-          </a:xfrm>
-          <a:prstGeom prst="roundRect">
-            <a:avLst>
-              <a:gd name="adj" fmla="val 16667"/>
-            </a:avLst>
-          </a:prstGeom>
-          <a:solidFill>
-            <a:srgbClr val="E36C09"/>
-          </a:solidFill>
-          <a:ln>
-            <a:noFill/>
-          </a:ln>
-        </p:spPr>
-        <p:txBody>
-          <a:bodyPr spcFirstLastPara="1" wrap="square" lIns="0" tIns="45700" rIns="0" bIns="45700" anchor="ctr" anchorCtr="0">
-            <a:noAutofit/>
-          </a:bodyPr>
-          <a:lstStyle/>
-          <a:p>
-            <a:pPr marL="0" marR="0" lvl="0" indent="0" algn="ctr" rtl="0">
-              <a:spcBef>
-                <a:spcPts val="0"/>
-              </a:spcBef>
-              <a:spcAft>
-                <a:spcPts val="0"/>
-              </a:spcAft>
-              <a:buNone/>
-            </a:pPr>
-            <a:r>
-              <a:rPr lang="en-US" sz="1050" b="1">
-                <a:solidFill>
-                  <a:schemeClr val="lt1"/>
-                </a:solidFill>
-              </a:rPr>
-              <a:t>3</a:t>
-            </a:r>
-            <a:endParaRPr sz="1050" b="1">
-              <a:solidFill>
-                <a:schemeClr val="lt1"/>
-              </a:solidFill>
-              <a:latin typeface="Arial"/>
-              <a:ea typeface="Arial"/>
-              <a:cs typeface="Arial"/>
-              <a:sym typeface="Arial"/>
-            </a:endParaRPr>
-          </a:p>
-        </p:txBody>
-      </p:sp>
-      <p:sp>
-        <p:nvSpPr>
-          <p:cNvPr id="143" name="Google Shape;143;p15"/>
-          <p:cNvSpPr/>
-          <p:nvPr/>
-        </p:nvSpPr>
-        <p:spPr>
-          <a:xfrm>
-            <a:off x="3723957" y="3972302"/>
-            <a:ext cx="216000" cy="216000"/>
-          </a:xfrm>
-          <a:prstGeom prst="roundRect">
-            <a:avLst>
-              <a:gd name="adj" fmla="val 16667"/>
-            </a:avLst>
-          </a:prstGeom>
-          <a:solidFill>
-            <a:srgbClr val="E36C09"/>
-          </a:solidFill>
-          <a:ln>
-            <a:noFill/>
-          </a:ln>
-        </p:spPr>
-        <p:txBody>
-          <a:bodyPr spcFirstLastPara="1" wrap="square" lIns="0" tIns="45700" rIns="0" bIns="45700" anchor="ctr" anchorCtr="0">
-            <a:noAutofit/>
-          </a:bodyPr>
-          <a:lstStyle/>
-          <a:p>
-            <a:pPr marL="0" marR="0" lvl="0" indent="0" algn="ctr" rtl="0">
-              <a:spcBef>
-                <a:spcPts val="0"/>
-              </a:spcBef>
-              <a:spcAft>
-                <a:spcPts val="0"/>
-              </a:spcAft>
-              <a:buNone/>
-            </a:pPr>
-            <a:r>
-              <a:rPr lang="en-US" sz="1050" b="1">
-                <a:solidFill>
-                  <a:schemeClr val="lt1"/>
-                </a:solidFill>
-              </a:rPr>
-              <a:t>4</a:t>
-            </a:r>
-            <a:endParaRPr sz="1050" b="1">
+            <a:endParaRPr sz="1050" b="1" dirty="0">
               <a:solidFill>
                 <a:schemeClr val="lt1"/>
               </a:solidFill>
@@ -21805,6 +22487,11 @@
         </p:txBody>
       </p:sp>
     </p:spTree>
+    <p:extLst>
+      <p:ext uri="{BB962C8B-B14F-4D97-AF65-F5344CB8AC3E}">
+        <p14:creationId xmlns:p14="http://schemas.microsoft.com/office/powerpoint/2010/main" val="1946269142"/>
+      </p:ext>
+    </p:extLst>
   </p:cSld>
   <p:clrMapOvr>
     <a:masterClrMapping/>
@@ -21816,593 +22503,6 @@
       </p:par>
     </p:tnLst>
   </p:timing>
-</p:sld>
-</file>
-
-<file path=ppt/slides/slide8.xml><?xml version="1.0" encoding="utf-8"?>
-<p:sld xmlns:a="http://schemas.openxmlformats.org/drawingml/2006/main" xmlns:r="http://schemas.openxmlformats.org/officeDocument/2006/relationships" xmlns:p="http://schemas.openxmlformats.org/presentationml/2006/main">
-  <p:cSld>
-    <p:spTree>
-      <p:nvGrpSpPr>
-        <p:cNvPr id="1" name="Shape 148"/>
-        <p:cNvGrpSpPr/>
-        <p:nvPr/>
-      </p:nvGrpSpPr>
-      <p:grpSpPr>
-        <a:xfrm>
-          <a:off x="0" y="0"/>
-          <a:ext cx="0" cy="0"/>
-          <a:chOff x="0" y="0"/>
-          <a:chExt cx="0" cy="0"/>
-        </a:xfrm>
-      </p:grpSpPr>
-      <p:pic>
-        <p:nvPicPr>
-          <p:cNvPr id="149" name="Google Shape;149;p16"/>
-          <p:cNvPicPr preferRelativeResize="0"/>
-          <p:nvPr/>
-        </p:nvPicPr>
-        <p:blipFill>
-          <a:blip r:embed="rId3">
-            <a:alphaModFix/>
-          </a:blip>
-          <a:stretch>
-            <a:fillRect/>
-          </a:stretch>
-        </p:blipFill>
-        <p:spPr>
-          <a:xfrm>
-            <a:off x="3522469" y="460825"/>
-            <a:ext cx="3256502" cy="4460677"/>
-          </a:xfrm>
-          <a:prstGeom prst="rect">
-            <a:avLst/>
-          </a:prstGeom>
-          <a:noFill/>
-          <a:ln>
-            <a:noFill/>
-          </a:ln>
-        </p:spPr>
-      </p:pic>
-      <p:sp>
-        <p:nvSpPr>
-          <p:cNvPr id="150" name="Google Shape;150;p16"/>
-          <p:cNvSpPr txBox="1">
-            <a:spLocks noGrp="1"/>
-          </p:cNvSpPr>
-          <p:nvPr>
-            <p:ph type="sldNum" idx="12"/>
-          </p:nvPr>
-        </p:nvSpPr>
-        <p:spPr>
-          <a:xfrm>
-            <a:off x="8594576" y="0"/>
-            <a:ext cx="549300" cy="274500"/>
-          </a:xfrm>
-          <a:prstGeom prst="rect">
-            <a:avLst/>
-          </a:prstGeom>
-        </p:spPr>
-        <p:txBody>
-          <a:bodyPr spcFirstLastPara="1" wrap="square" lIns="91425" tIns="45700" rIns="91425" bIns="45700" anchor="ctr" anchorCtr="0">
-            <a:noAutofit/>
-          </a:bodyPr>
-          <a:lstStyle/>
-          <a:p>
-            <a:pPr marL="0" lvl="0" indent="0" algn="r" rtl="0">
-              <a:spcBef>
-                <a:spcPts val="0"/>
-              </a:spcBef>
-              <a:spcAft>
-                <a:spcPts val="0"/>
-              </a:spcAft>
-              <a:buClr>
-                <a:srgbClr val="000000"/>
-              </a:buClr>
-              <a:buFont typeface="Arial"/>
-              <a:buNone/>
-            </a:pPr>
-            <a:fld id="{00000000-1234-1234-1234-123412341234}" type="slidenum">
-              <a:rPr lang="en-US"/>
-              <a:t>8</a:t>
-            </a:fld>
-            <a:endParaRPr/>
-          </a:p>
-        </p:txBody>
-      </p:sp>
-      <p:sp>
-        <p:nvSpPr>
-          <p:cNvPr id="151" name="Google Shape;151;p16"/>
-          <p:cNvSpPr txBox="1">
-            <a:spLocks noGrp="1"/>
-          </p:cNvSpPr>
-          <p:nvPr>
-            <p:ph type="title"/>
-          </p:nvPr>
-        </p:nvSpPr>
-        <p:spPr>
-          <a:xfrm>
-            <a:off x="1403650" y="16225"/>
-            <a:ext cx="5133300" cy="292200"/>
-          </a:xfrm>
-          <a:prstGeom prst="rect">
-            <a:avLst/>
-          </a:prstGeom>
-        </p:spPr>
-        <p:txBody>
-          <a:bodyPr spcFirstLastPara="1" wrap="square" lIns="91425" tIns="91425" rIns="91425" bIns="91425" anchor="t" anchorCtr="0">
-            <a:noAutofit/>
-          </a:bodyPr>
-          <a:lstStyle/>
-          <a:p>
-            <a:pPr marL="0" lvl="0" indent="0" algn="l" rtl="0">
-              <a:spcBef>
-                <a:spcPts val="0"/>
-              </a:spcBef>
-              <a:spcAft>
-                <a:spcPts val="0"/>
-              </a:spcAft>
-              <a:buNone/>
-            </a:pPr>
-            <a:r>
-              <a:rPr lang="en-US"/>
-              <a:t>Main_이승현</a:t>
-            </a:r>
-            <a:endParaRPr/>
-          </a:p>
-        </p:txBody>
-      </p:sp>
-      <p:sp>
-        <p:nvSpPr>
-          <p:cNvPr id="152" name="Google Shape;152;p16"/>
-          <p:cNvSpPr txBox="1">
-            <a:spLocks noGrp="1"/>
-          </p:cNvSpPr>
-          <p:nvPr>
-            <p:ph type="body" idx="1"/>
-          </p:nvPr>
-        </p:nvSpPr>
-        <p:spPr>
-          <a:xfrm>
-            <a:off x="282250" y="0"/>
-            <a:ext cx="1007700" cy="274500"/>
-          </a:xfrm>
-          <a:prstGeom prst="rect">
-            <a:avLst/>
-          </a:prstGeom>
-        </p:spPr>
-        <p:txBody>
-          <a:bodyPr spcFirstLastPara="1" wrap="square" lIns="91425" tIns="91425" rIns="91425" bIns="91425" anchor="ctr" anchorCtr="0">
-            <a:noAutofit/>
-          </a:bodyPr>
-          <a:lstStyle/>
-          <a:p>
-            <a:pPr marL="0" lvl="0" indent="0" algn="l" rtl="0">
-              <a:spcBef>
-                <a:spcPts val="200"/>
-              </a:spcBef>
-              <a:spcAft>
-                <a:spcPts val="0"/>
-              </a:spcAft>
-              <a:buNone/>
-            </a:pPr>
-            <a:r>
-              <a:rPr lang="en-US"/>
-              <a:t>2.1</a:t>
-            </a:r>
-            <a:endParaRPr/>
-          </a:p>
-        </p:txBody>
-      </p:sp>
-      <p:sp>
-        <p:nvSpPr>
-          <p:cNvPr id="153" name="Google Shape;153;p16"/>
-          <p:cNvSpPr txBox="1"/>
-          <p:nvPr/>
-        </p:nvSpPr>
-        <p:spPr>
-          <a:xfrm>
-            <a:off x="7037050" y="655100"/>
-            <a:ext cx="1839900" cy="1799400"/>
-          </a:xfrm>
-          <a:prstGeom prst="rect">
-            <a:avLst/>
-          </a:prstGeom>
-          <a:noFill/>
-          <a:ln>
-            <a:noFill/>
-          </a:ln>
-        </p:spPr>
-        <p:txBody>
-          <a:bodyPr spcFirstLastPara="1" wrap="square" lIns="91425" tIns="91425" rIns="91425" bIns="91425" anchor="t" anchorCtr="0">
-            <a:noAutofit/>
-          </a:bodyPr>
-          <a:lstStyle/>
-          <a:p>
-            <a:pPr marL="457200" lvl="0" indent="-292100" algn="l" rtl="0">
-              <a:spcBef>
-                <a:spcPts val="0"/>
-              </a:spcBef>
-              <a:spcAft>
-                <a:spcPts val="0"/>
-              </a:spcAft>
-              <a:buClr>
-                <a:schemeClr val="dk1"/>
-              </a:buClr>
-              <a:buSzPts val="1000"/>
-              <a:buChar char="●"/>
-            </a:pPr>
-            <a:r>
-              <a:rPr lang="en-US" sz="1000">
-                <a:solidFill>
-                  <a:schemeClr val="dk1"/>
-                </a:solidFill>
-              </a:rPr>
-              <a:t>상단메뉴 2depth설정</a:t>
-            </a:r>
-            <a:endParaRPr sz="1000">
-              <a:solidFill>
-                <a:schemeClr val="dk1"/>
-              </a:solidFill>
-            </a:endParaRPr>
-          </a:p>
-          <a:p>
-            <a:pPr marL="457200" lvl="0" indent="-292100" algn="l" rtl="0">
-              <a:spcBef>
-                <a:spcPts val="1000"/>
-              </a:spcBef>
-              <a:spcAft>
-                <a:spcPts val="0"/>
-              </a:spcAft>
-              <a:buClr>
-                <a:schemeClr val="dk1"/>
-              </a:buClr>
-              <a:buSzPts val="1000"/>
-              <a:buChar char="●"/>
-            </a:pPr>
-            <a:r>
-              <a:rPr lang="en-US" sz="1000">
-                <a:solidFill>
-                  <a:schemeClr val="dk1"/>
-                </a:solidFill>
-              </a:rPr>
-              <a:t>주요 이미지 롤링 (Max. 3개)</a:t>
-            </a:r>
-            <a:endParaRPr sz="1000">
-              <a:solidFill>
-                <a:schemeClr val="dk1"/>
-              </a:solidFill>
-            </a:endParaRPr>
-          </a:p>
-          <a:p>
-            <a:pPr marL="457200" lvl="0" indent="-292100" algn="l" rtl="0">
-              <a:spcBef>
-                <a:spcPts val="1000"/>
-              </a:spcBef>
-              <a:spcAft>
-                <a:spcPts val="0"/>
-              </a:spcAft>
-              <a:buClr>
-                <a:schemeClr val="dk1"/>
-              </a:buClr>
-              <a:buSzPts val="1000"/>
-              <a:buChar char="●"/>
-            </a:pPr>
-            <a:r>
-              <a:rPr lang="en-US" sz="1000">
-                <a:solidFill>
-                  <a:schemeClr val="dk1"/>
-                </a:solidFill>
-              </a:rPr>
-              <a:t>공지사항(알림마당)</a:t>
-            </a:r>
-            <a:br>
-              <a:rPr lang="en-US" sz="1000">
-                <a:solidFill>
-                  <a:schemeClr val="dk1"/>
-                </a:solidFill>
-              </a:rPr>
-            </a:br>
-            <a:r>
-              <a:rPr lang="en-US" sz="1000">
-                <a:solidFill>
-                  <a:schemeClr val="dk1"/>
-                </a:solidFill>
-              </a:rPr>
-              <a:t>가운데에 게시판형식으로 배치</a:t>
-            </a:r>
-            <a:endParaRPr sz="1000">
-              <a:solidFill>
-                <a:schemeClr val="dk1"/>
-              </a:solidFill>
-            </a:endParaRPr>
-          </a:p>
-          <a:p>
-            <a:pPr marL="457200" lvl="0" indent="-292100" algn="l" rtl="0">
-              <a:spcBef>
-                <a:spcPts val="1000"/>
-              </a:spcBef>
-              <a:spcAft>
-                <a:spcPts val="1000"/>
-              </a:spcAft>
-              <a:buClr>
-                <a:schemeClr val="dk1"/>
-              </a:buClr>
-              <a:buSzPts val="1000"/>
-              <a:buChar char="●"/>
-            </a:pPr>
-            <a:r>
-              <a:rPr lang="en-US" sz="1000">
-                <a:solidFill>
-                  <a:schemeClr val="dk1"/>
-                </a:solidFill>
-              </a:rPr>
-              <a:t>주요 게시판 바로가기 Icon</a:t>
-            </a:r>
-            <a:br>
-              <a:rPr lang="en-US" sz="1000">
-                <a:solidFill>
-                  <a:schemeClr val="dk1"/>
-                </a:solidFill>
-              </a:rPr>
-            </a:br>
-            <a:r>
-              <a:rPr lang="en-US" sz="1000">
-                <a:solidFill>
-                  <a:schemeClr val="dk1"/>
-                </a:solidFill>
-              </a:rPr>
-              <a:t>클릭시, 해당 게시판으로 바로가기 link 및 마우스 hover시 해당 바로가기 버튼 색상 변경</a:t>
-            </a:r>
-            <a:endParaRPr sz="1000">
-              <a:solidFill>
-                <a:schemeClr val="dk1"/>
-              </a:solidFill>
-            </a:endParaRPr>
-          </a:p>
-        </p:txBody>
-      </p:sp>
-      <p:sp>
-        <p:nvSpPr>
-          <p:cNvPr id="154" name="Google Shape;154;p16"/>
-          <p:cNvSpPr/>
-          <p:nvPr/>
-        </p:nvSpPr>
-        <p:spPr>
-          <a:xfrm>
-            <a:off x="3723957" y="1838439"/>
-            <a:ext cx="216000" cy="216000"/>
-          </a:xfrm>
-          <a:prstGeom prst="roundRect">
-            <a:avLst>
-              <a:gd name="adj" fmla="val 16667"/>
-            </a:avLst>
-          </a:prstGeom>
-          <a:solidFill>
-            <a:srgbClr val="E36C09"/>
-          </a:solidFill>
-          <a:ln>
-            <a:noFill/>
-          </a:ln>
-        </p:spPr>
-        <p:txBody>
-          <a:bodyPr spcFirstLastPara="1" wrap="square" lIns="0" tIns="45700" rIns="0" bIns="45700" anchor="ctr" anchorCtr="0">
-            <a:noAutofit/>
-          </a:bodyPr>
-          <a:lstStyle/>
-          <a:p>
-            <a:pPr marL="0" marR="0" lvl="0" indent="0" algn="ctr" rtl="0">
-              <a:spcBef>
-                <a:spcPts val="0"/>
-              </a:spcBef>
-              <a:spcAft>
-                <a:spcPts val="0"/>
-              </a:spcAft>
-              <a:buNone/>
-            </a:pPr>
-            <a:r>
-              <a:rPr lang="en-US" sz="1050" b="1">
-                <a:solidFill>
-                  <a:schemeClr val="lt1"/>
-                </a:solidFill>
-                <a:latin typeface="Arial"/>
-                <a:ea typeface="Arial"/>
-                <a:cs typeface="Arial"/>
-                <a:sym typeface="Arial"/>
-              </a:rPr>
-              <a:t>2</a:t>
-            </a:r>
-            <a:endParaRPr sz="1050" b="1">
-              <a:solidFill>
-                <a:schemeClr val="lt1"/>
-              </a:solidFill>
-              <a:latin typeface="Arial"/>
-              <a:ea typeface="Arial"/>
-              <a:cs typeface="Arial"/>
-              <a:sym typeface="Arial"/>
-            </a:endParaRPr>
-          </a:p>
-        </p:txBody>
-      </p:sp>
-      <p:sp>
-        <p:nvSpPr>
-          <p:cNvPr id="155" name="Google Shape;155;p16"/>
-          <p:cNvSpPr/>
-          <p:nvPr/>
-        </p:nvSpPr>
-        <p:spPr>
-          <a:xfrm>
-            <a:off x="4572007" y="1138064"/>
-            <a:ext cx="216000" cy="216000"/>
-          </a:xfrm>
-          <a:prstGeom prst="roundRect">
-            <a:avLst>
-              <a:gd name="adj" fmla="val 16667"/>
-            </a:avLst>
-          </a:prstGeom>
-          <a:solidFill>
-            <a:srgbClr val="E36C09"/>
-          </a:solidFill>
-          <a:ln>
-            <a:noFill/>
-          </a:ln>
-        </p:spPr>
-        <p:txBody>
-          <a:bodyPr spcFirstLastPara="1" wrap="square" lIns="0" tIns="45700" rIns="0" bIns="45700" anchor="ctr" anchorCtr="0">
-            <a:noAutofit/>
-          </a:bodyPr>
-          <a:lstStyle/>
-          <a:p>
-            <a:pPr marL="0" marR="0" lvl="0" indent="0" algn="ctr" rtl="0">
-              <a:spcBef>
-                <a:spcPts val="0"/>
-              </a:spcBef>
-              <a:spcAft>
-                <a:spcPts val="0"/>
-              </a:spcAft>
-              <a:buNone/>
-            </a:pPr>
-            <a:r>
-              <a:rPr lang="en-US" sz="1050" b="1">
-                <a:solidFill>
-                  <a:schemeClr val="lt1"/>
-                </a:solidFill>
-              </a:rPr>
-              <a:t>1</a:t>
-            </a:r>
-            <a:endParaRPr sz="1050" b="1">
-              <a:solidFill>
-                <a:schemeClr val="lt1"/>
-              </a:solidFill>
-              <a:latin typeface="Arial"/>
-              <a:ea typeface="Arial"/>
-              <a:cs typeface="Arial"/>
-              <a:sym typeface="Arial"/>
-            </a:endParaRPr>
-          </a:p>
-        </p:txBody>
-      </p:sp>
-      <p:sp>
-        <p:nvSpPr>
-          <p:cNvPr id="156" name="Google Shape;156;p16"/>
-          <p:cNvSpPr/>
-          <p:nvPr/>
-        </p:nvSpPr>
-        <p:spPr>
-          <a:xfrm>
-            <a:off x="5047057" y="2617952"/>
-            <a:ext cx="216000" cy="216000"/>
-          </a:xfrm>
-          <a:prstGeom prst="roundRect">
-            <a:avLst>
-              <a:gd name="adj" fmla="val 16667"/>
-            </a:avLst>
-          </a:prstGeom>
-          <a:solidFill>
-            <a:srgbClr val="E36C09"/>
-          </a:solidFill>
-          <a:ln>
-            <a:noFill/>
-          </a:ln>
-        </p:spPr>
-        <p:txBody>
-          <a:bodyPr spcFirstLastPara="1" wrap="square" lIns="0" tIns="45700" rIns="0" bIns="45700" anchor="ctr" anchorCtr="0">
-            <a:noAutofit/>
-          </a:bodyPr>
-          <a:lstStyle/>
-          <a:p>
-            <a:pPr marL="0" marR="0" lvl="0" indent="0" algn="ctr" rtl="0">
-              <a:spcBef>
-                <a:spcPts val="0"/>
-              </a:spcBef>
-              <a:spcAft>
-                <a:spcPts val="0"/>
-              </a:spcAft>
-              <a:buNone/>
-            </a:pPr>
-            <a:r>
-              <a:rPr lang="en-US" sz="1050" b="1">
-                <a:solidFill>
-                  <a:schemeClr val="lt1"/>
-                </a:solidFill>
-              </a:rPr>
-              <a:t>3</a:t>
-            </a:r>
-            <a:endParaRPr sz="1050" b="1">
-              <a:solidFill>
-                <a:schemeClr val="lt1"/>
-              </a:solidFill>
-              <a:latin typeface="Arial"/>
-              <a:ea typeface="Arial"/>
-              <a:cs typeface="Arial"/>
-              <a:sym typeface="Arial"/>
-            </a:endParaRPr>
-          </a:p>
-        </p:txBody>
-      </p:sp>
-      <p:sp>
-        <p:nvSpPr>
-          <p:cNvPr id="157" name="Google Shape;157;p16"/>
-          <p:cNvSpPr/>
-          <p:nvPr/>
-        </p:nvSpPr>
-        <p:spPr>
-          <a:xfrm>
-            <a:off x="3723957" y="3972302"/>
-            <a:ext cx="216000" cy="216000"/>
-          </a:xfrm>
-          <a:prstGeom prst="roundRect">
-            <a:avLst>
-              <a:gd name="adj" fmla="val 16667"/>
-            </a:avLst>
-          </a:prstGeom>
-          <a:solidFill>
-            <a:srgbClr val="E36C09"/>
-          </a:solidFill>
-          <a:ln>
-            <a:noFill/>
-          </a:ln>
-        </p:spPr>
-        <p:txBody>
-          <a:bodyPr spcFirstLastPara="1" wrap="square" lIns="0" tIns="45700" rIns="0" bIns="45700" anchor="ctr" anchorCtr="0">
-            <a:noAutofit/>
-          </a:bodyPr>
-          <a:lstStyle/>
-          <a:p>
-            <a:pPr marL="0" marR="0" lvl="0" indent="0" algn="ctr" rtl="0">
-              <a:spcBef>
-                <a:spcPts val="0"/>
-              </a:spcBef>
-              <a:spcAft>
-                <a:spcPts val="0"/>
-              </a:spcAft>
-              <a:buNone/>
-            </a:pPr>
-            <a:r>
-              <a:rPr lang="en-US" sz="1050" b="1">
-                <a:solidFill>
-                  <a:schemeClr val="lt1"/>
-                </a:solidFill>
-              </a:rPr>
-              <a:t>4</a:t>
-            </a:r>
-            <a:endParaRPr sz="1050" b="1">
-              <a:solidFill>
-                <a:schemeClr val="lt1"/>
-              </a:solidFill>
-              <a:latin typeface="Arial"/>
-              <a:ea typeface="Arial"/>
-              <a:cs typeface="Arial"/>
-              <a:sym typeface="Arial"/>
-            </a:endParaRPr>
-          </a:p>
-        </p:txBody>
-      </p:sp>
-    </p:spTree>
-  </p:cSld>
-  <p:clrMapOvr>
-    <a:masterClrMapping/>
-  </p:clrMapOvr>
 </p:sld>
 </file>
 

--- a/스토리보드수행과제/스토리보드수행과제.pptx
+++ b/스토리보드수행과제/스토리보드수행과제.pptx
@@ -260,7 +260,7 @@
   </p:defaultTextStyle>
   <p:extLst>
     <p:ext uri="{EFAFB233-063F-42B5-8137-9DF3F51BA10A}">
-      <p15:sldGuideLst xmlns:p15="http://schemas.microsoft.com/office/powerpoint/2012/main" xmlns="">
+      <p15:sldGuideLst xmlns="" xmlns:p15="http://schemas.microsoft.com/office/powerpoint/2012/main">
         <p15:guide id="1" orient="horz" pos="1620">
           <p15:clr>
             <a:srgbClr val="000000"/>
@@ -4405,28 +4405,28 @@
                 <a:gridCol w="2052625">
                   <a:extLst>
                     <a:ext uri="{9D8B030D-6E8A-4147-A177-3AD203B41FA5}">
-                      <a16:colId xmlns:a16="http://schemas.microsoft.com/office/drawing/2014/main" xmlns="" val="20000"/>
+                      <a16:colId xmlns="" xmlns:a16="http://schemas.microsoft.com/office/drawing/2014/main" val="20000"/>
                     </a:ext>
                   </a:extLst>
                 </a:gridCol>
                 <a:gridCol w="2052625">
                   <a:extLst>
                     <a:ext uri="{9D8B030D-6E8A-4147-A177-3AD203B41FA5}">
-                      <a16:colId xmlns:a16="http://schemas.microsoft.com/office/drawing/2014/main" xmlns="" val="20001"/>
+                      <a16:colId xmlns="" xmlns:a16="http://schemas.microsoft.com/office/drawing/2014/main" val="20001"/>
                     </a:ext>
                   </a:extLst>
                 </a:gridCol>
                 <a:gridCol w="2052625">
                   <a:extLst>
                     <a:ext uri="{9D8B030D-6E8A-4147-A177-3AD203B41FA5}">
-                      <a16:colId xmlns:a16="http://schemas.microsoft.com/office/drawing/2014/main" xmlns="" val="20002"/>
+                      <a16:colId xmlns="" xmlns:a16="http://schemas.microsoft.com/office/drawing/2014/main" val="20002"/>
                     </a:ext>
                   </a:extLst>
                 </a:gridCol>
                 <a:gridCol w="2052625">
                   <a:extLst>
                     <a:ext uri="{9D8B030D-6E8A-4147-A177-3AD203B41FA5}">
-                      <a16:colId xmlns:a16="http://schemas.microsoft.com/office/drawing/2014/main" xmlns="" val="20003"/>
+                      <a16:colId xmlns="" xmlns:a16="http://schemas.microsoft.com/office/drawing/2014/main" val="20003"/>
                     </a:ext>
                   </a:extLst>
                 </a:gridCol>
@@ -4720,7 +4720,7 @@
                 </a:tc>
                 <a:extLst>
                   <a:ext uri="{0D108BD9-81ED-4DB2-BD59-A6C34878D82A}">
-                    <a16:rowId xmlns:a16="http://schemas.microsoft.com/office/drawing/2014/main" xmlns="" val="10000"/>
+                    <a16:rowId xmlns="" xmlns:a16="http://schemas.microsoft.com/office/drawing/2014/main" val="10000"/>
                   </a:ext>
                 </a:extLst>
               </a:tr>
@@ -4997,7 +4997,7 @@
                 </a:tc>
                 <a:extLst>
                   <a:ext uri="{0D108BD9-81ED-4DB2-BD59-A6C34878D82A}">
-                    <a16:rowId xmlns:a16="http://schemas.microsoft.com/office/drawing/2014/main" xmlns="" val="10001"/>
+                    <a16:rowId xmlns="" xmlns:a16="http://schemas.microsoft.com/office/drawing/2014/main" val="10001"/>
                   </a:ext>
                 </a:extLst>
               </a:tr>
@@ -11554,76 +11554,30 @@
           </a:p>
         </p:txBody>
       </p:sp>
-      <p:sp>
-        <p:nvSpPr>
-          <p:cNvPr id="2" name="Rectangle 1"/>
-          <p:cNvSpPr/>
-          <p:nvPr/>
-        </p:nvSpPr>
-        <p:spPr>
-          <a:xfrm>
-            <a:off x="2545456" y="993085"/>
-            <a:ext cx="2163793" cy="2743812"/>
-          </a:xfrm>
-          <a:prstGeom prst="rect">
-            <a:avLst/>
-          </a:prstGeom>
-          <a:noFill/>
-          <a:ln w="12700">
-            <a:solidFill>
-              <a:schemeClr val="tx1"/>
-            </a:solidFill>
-          </a:ln>
-        </p:spPr>
-        <p:style>
-          <a:lnRef idx="2">
-            <a:schemeClr val="accent1">
-              <a:shade val="50000"/>
-            </a:schemeClr>
-          </a:lnRef>
-          <a:fillRef idx="1">
-            <a:schemeClr val="accent1"/>
-          </a:fillRef>
-          <a:effectRef idx="0">
-            <a:schemeClr val="accent1"/>
-          </a:effectRef>
-          <a:fontRef idx="minor">
-            <a:schemeClr val="lt1"/>
-          </a:fontRef>
-        </p:style>
-        <p:txBody>
-          <a:bodyPr rtlCol="0" anchor="ctr"/>
-          <a:lstStyle/>
-          <a:p>
-            <a:pPr algn="ctr"/>
-            <a:endParaRPr lang="ko-KR" altLang="en-US"/>
-          </a:p>
-        </p:txBody>
-      </p:sp>
       <p:grpSp>
         <p:nvGrpSpPr>
-          <p:cNvPr id="10" name="그룹 9"/>
+          <p:cNvPr id="7" name="그룹 6"/>
           <p:cNvGrpSpPr/>
           <p:nvPr/>
         </p:nvGrpSpPr>
         <p:grpSpPr>
           <a:xfrm>
-            <a:off x="2545456" y="993083"/>
-            <a:ext cx="2163793" cy="544506"/>
-            <a:chOff x="2179463" y="1379220"/>
-            <a:chExt cx="4785073" cy="2710916"/>
+            <a:off x="1687663" y="551975"/>
+            <a:ext cx="3394696" cy="4304670"/>
+            <a:chOff x="2545456" y="993083"/>
+            <a:chExt cx="2163793" cy="2743814"/>
           </a:xfrm>
         </p:grpSpPr>
         <p:sp>
           <p:nvSpPr>
-            <p:cNvPr id="12" name="Rectangle 1"/>
+            <p:cNvPr id="2" name="Rectangle 1"/>
             <p:cNvSpPr/>
             <p:nvPr/>
           </p:nvSpPr>
           <p:spPr>
             <a:xfrm>
-              <a:off x="2179463" y="1379220"/>
-              <a:ext cx="4785073" cy="2710916"/>
+              <a:off x="2545456" y="993085"/>
+              <a:ext cx="2163793" cy="2743812"/>
             </a:xfrm>
             <a:prstGeom prst="rect">
               <a:avLst/>
@@ -11660,16 +11614,410 @@
             </a:p>
           </p:txBody>
         </p:sp>
+        <p:grpSp>
+          <p:nvGrpSpPr>
+            <p:cNvPr id="10" name="그룹 9"/>
+            <p:cNvGrpSpPr/>
+            <p:nvPr/>
+          </p:nvGrpSpPr>
+          <p:grpSpPr>
+            <a:xfrm>
+              <a:off x="2545456" y="993083"/>
+              <a:ext cx="2163793" cy="544506"/>
+              <a:chOff x="2179463" y="1379220"/>
+              <a:chExt cx="4785073" cy="2710916"/>
+            </a:xfrm>
+          </p:grpSpPr>
+          <p:sp>
+            <p:nvSpPr>
+              <p:cNvPr id="12" name="Rectangle 1"/>
+              <p:cNvSpPr/>
+              <p:nvPr/>
+            </p:nvSpPr>
+            <p:spPr>
+              <a:xfrm>
+                <a:off x="2179463" y="1379220"/>
+                <a:ext cx="4785073" cy="2710916"/>
+              </a:xfrm>
+              <a:prstGeom prst="rect">
+                <a:avLst/>
+              </a:prstGeom>
+              <a:noFill/>
+              <a:ln w="12700">
+                <a:solidFill>
+                  <a:schemeClr val="tx1"/>
+                </a:solidFill>
+              </a:ln>
+            </p:spPr>
+            <p:style>
+              <a:lnRef idx="2">
+                <a:schemeClr val="accent1">
+                  <a:shade val="50000"/>
+                </a:schemeClr>
+              </a:lnRef>
+              <a:fillRef idx="1">
+                <a:schemeClr val="accent1"/>
+              </a:fillRef>
+              <a:effectRef idx="0">
+                <a:schemeClr val="accent1"/>
+              </a:effectRef>
+              <a:fontRef idx="minor">
+                <a:schemeClr val="lt1"/>
+              </a:fontRef>
+            </p:style>
+            <p:txBody>
+              <a:bodyPr rtlCol="0" anchor="ctr"/>
+              <a:lstStyle/>
+              <a:p>
+                <a:pPr algn="ctr"/>
+                <a:endParaRPr lang="ko-KR" altLang="en-US"/>
+              </a:p>
+            </p:txBody>
+          </p:sp>
+          <p:cxnSp>
+            <p:nvCxnSpPr>
+              <p:cNvPr id="6" name="직선 연결선 5"/>
+              <p:cNvCxnSpPr/>
+              <p:nvPr/>
+            </p:nvCxnSpPr>
+            <p:spPr>
+              <a:xfrm>
+                <a:off x="2179463" y="1379220"/>
+                <a:ext cx="4785073" cy="2710916"/>
+              </a:xfrm>
+              <a:prstGeom prst="line">
+                <a:avLst/>
+              </a:prstGeom>
+              <a:ln>
+                <a:solidFill>
+                  <a:schemeClr val="tx1"/>
+                </a:solidFill>
+              </a:ln>
+            </p:spPr>
+            <p:style>
+              <a:lnRef idx="1">
+                <a:schemeClr val="accent1"/>
+              </a:lnRef>
+              <a:fillRef idx="0">
+                <a:schemeClr val="accent1"/>
+              </a:fillRef>
+              <a:effectRef idx="0">
+                <a:schemeClr val="accent1"/>
+              </a:effectRef>
+              <a:fontRef idx="minor">
+                <a:schemeClr val="tx1"/>
+              </a:fontRef>
+            </p:style>
+          </p:cxnSp>
+        </p:grpSp>
+        <p:sp>
+          <p:nvSpPr>
+            <p:cNvPr id="5" name="Rectangle 4"/>
+            <p:cNvSpPr/>
+            <p:nvPr/>
+          </p:nvSpPr>
+          <p:spPr>
+            <a:xfrm>
+              <a:off x="2648630" y="1030129"/>
+              <a:ext cx="355217" cy="98902"/>
+            </a:xfrm>
+            <a:prstGeom prst="rect">
+              <a:avLst/>
+            </a:prstGeom>
+            <a:solidFill>
+              <a:schemeClr val="bg2"/>
+            </a:solidFill>
+            <a:ln w="12700">
+              <a:solidFill>
+                <a:schemeClr val="tx1"/>
+              </a:solidFill>
+            </a:ln>
+          </p:spPr>
+          <p:style>
+            <a:lnRef idx="2">
+              <a:schemeClr val="accent1">
+                <a:shade val="50000"/>
+              </a:schemeClr>
+            </a:lnRef>
+            <a:fillRef idx="1">
+              <a:schemeClr val="accent1"/>
+            </a:fillRef>
+            <a:effectRef idx="0">
+              <a:schemeClr val="accent1"/>
+            </a:effectRef>
+            <a:fontRef idx="minor">
+              <a:schemeClr val="lt1"/>
+            </a:fontRef>
+          </p:style>
+          <p:txBody>
+            <a:bodyPr rtlCol="0" anchor="ctr"/>
+            <a:lstStyle/>
+            <a:p>
+              <a:pPr algn="ctr"/>
+              <a:r>
+                <a:rPr lang="en-US" altLang="ko-KR" sz="500" dirty="0" smtClean="0">
+                  <a:solidFill>
+                    <a:schemeClr val="bg1"/>
+                  </a:solidFill>
+                </a:rPr>
+                <a:t>Logo</a:t>
+              </a:r>
+              <a:endParaRPr lang="ko-KR" altLang="en-US" sz="500" dirty="0">
+                <a:solidFill>
+                  <a:schemeClr val="bg1"/>
+                </a:solidFill>
+              </a:endParaRPr>
+            </a:p>
+          </p:txBody>
+        </p:sp>
+        <p:sp>
+          <p:nvSpPr>
+            <p:cNvPr id="15" name="Rectangle 4"/>
+            <p:cNvSpPr/>
+            <p:nvPr/>
+          </p:nvSpPr>
+          <p:spPr>
+            <a:xfrm>
+              <a:off x="3080592" y="1030129"/>
+              <a:ext cx="1541148" cy="98902"/>
+            </a:xfrm>
+            <a:prstGeom prst="rect">
+              <a:avLst/>
+            </a:prstGeom>
+            <a:solidFill>
+              <a:schemeClr val="accent6">
+                <a:lumMod val="75000"/>
+              </a:schemeClr>
+            </a:solidFill>
+            <a:ln w="12700">
+              <a:solidFill>
+                <a:schemeClr val="tx1"/>
+              </a:solidFill>
+            </a:ln>
+          </p:spPr>
+          <p:style>
+            <a:lnRef idx="2">
+              <a:schemeClr val="accent1">
+                <a:shade val="50000"/>
+              </a:schemeClr>
+            </a:lnRef>
+            <a:fillRef idx="1">
+              <a:schemeClr val="accent1"/>
+            </a:fillRef>
+            <a:effectRef idx="0">
+              <a:schemeClr val="accent1"/>
+            </a:effectRef>
+            <a:fontRef idx="minor">
+              <a:schemeClr val="lt1"/>
+            </a:fontRef>
+          </p:style>
+          <p:txBody>
+            <a:bodyPr rtlCol="0" anchor="ctr"/>
+            <a:lstStyle/>
+            <a:p>
+              <a:pPr algn="ctr"/>
+              <a:r>
+                <a:rPr lang="en-US" altLang="ko-KR" sz="500" dirty="0" err="1" smtClean="0">
+                  <a:solidFill>
+                    <a:schemeClr val="bg1"/>
+                  </a:solidFill>
+                </a:rPr>
+                <a:t>nav</a:t>
+              </a:r>
+              <a:endParaRPr lang="ko-KR" altLang="en-US" sz="500" dirty="0">
+                <a:solidFill>
+                  <a:schemeClr val="bg1"/>
+                </a:solidFill>
+              </a:endParaRPr>
+            </a:p>
+          </p:txBody>
+        </p:sp>
+        <p:sp>
+          <p:nvSpPr>
+            <p:cNvPr id="41" name="Rectangle 1"/>
+            <p:cNvSpPr/>
+            <p:nvPr/>
+          </p:nvSpPr>
+          <p:spPr>
+            <a:xfrm>
+              <a:off x="2545456" y="3534521"/>
+              <a:ext cx="2163793" cy="202375"/>
+            </a:xfrm>
+            <a:prstGeom prst="rect">
+              <a:avLst/>
+            </a:prstGeom>
+            <a:solidFill>
+              <a:schemeClr val="bg1"/>
+            </a:solidFill>
+            <a:ln w="12700">
+              <a:solidFill>
+                <a:schemeClr val="tx1"/>
+              </a:solidFill>
+            </a:ln>
+          </p:spPr>
+          <p:style>
+            <a:lnRef idx="2">
+              <a:schemeClr val="accent1">
+                <a:shade val="50000"/>
+              </a:schemeClr>
+            </a:lnRef>
+            <a:fillRef idx="1">
+              <a:schemeClr val="accent1"/>
+            </a:fillRef>
+            <a:effectRef idx="0">
+              <a:schemeClr val="accent1"/>
+            </a:effectRef>
+            <a:fontRef idx="minor">
+              <a:schemeClr val="lt1"/>
+            </a:fontRef>
+          </p:style>
+          <p:txBody>
+            <a:bodyPr rtlCol="0" anchor="ctr"/>
+            <a:lstStyle/>
+            <a:p>
+              <a:pPr algn="ctr"/>
+              <a:r>
+                <a:rPr lang="en-US" altLang="ko-KR" sz="1050" dirty="0" smtClean="0">
+                  <a:solidFill>
+                    <a:sysClr val="windowText" lastClr="000000"/>
+                  </a:solidFill>
+                </a:rPr>
+                <a:t>footer</a:t>
+              </a:r>
+              <a:endParaRPr lang="ko-KR" altLang="en-US" sz="1050" dirty="0">
+                <a:solidFill>
+                  <a:sysClr val="windowText" lastClr="000000"/>
+                </a:solidFill>
+              </a:endParaRPr>
+            </a:p>
+          </p:txBody>
+        </p:sp>
+        <p:sp>
+          <p:nvSpPr>
+            <p:cNvPr id="42" name="Rectangle 1"/>
+            <p:cNvSpPr/>
+            <p:nvPr/>
+          </p:nvSpPr>
+          <p:spPr>
+            <a:xfrm>
+              <a:off x="2826238" y="1687732"/>
+              <a:ext cx="761474" cy="677260"/>
+            </a:xfrm>
+            <a:prstGeom prst="rect">
+              <a:avLst/>
+            </a:prstGeom>
+            <a:noFill/>
+            <a:ln w="12700">
+              <a:solidFill>
+                <a:schemeClr val="tx1"/>
+              </a:solidFill>
+            </a:ln>
+          </p:spPr>
+          <p:style>
+            <a:lnRef idx="2">
+              <a:schemeClr val="accent1">
+                <a:shade val="50000"/>
+              </a:schemeClr>
+            </a:lnRef>
+            <a:fillRef idx="1">
+              <a:schemeClr val="accent1"/>
+            </a:fillRef>
+            <a:effectRef idx="0">
+              <a:schemeClr val="accent1"/>
+            </a:effectRef>
+            <a:fontRef idx="minor">
+              <a:schemeClr val="lt1"/>
+            </a:fontRef>
+          </p:style>
+          <p:txBody>
+            <a:bodyPr rtlCol="0" anchor="ctr"/>
+            <a:lstStyle/>
+            <a:p>
+              <a:pPr algn="ctr"/>
+              <a:r>
+                <a:rPr lang="en-US" altLang="ko-KR" sz="1050" dirty="0" err="1" smtClean="0">
+                  <a:solidFill>
+                    <a:sysClr val="windowText" lastClr="000000"/>
+                  </a:solidFill>
+                </a:rPr>
+                <a:t>calender</a:t>
+              </a:r>
+              <a:endParaRPr lang="ko-KR" altLang="en-US" sz="1050" dirty="0">
+                <a:solidFill>
+                  <a:sysClr val="windowText" lastClr="000000"/>
+                </a:solidFill>
+              </a:endParaRPr>
+            </a:p>
+          </p:txBody>
+        </p:sp>
+        <p:sp>
+          <p:nvSpPr>
+            <p:cNvPr id="68" name="Google Shape;141;p15"/>
+            <p:cNvSpPr/>
+            <p:nvPr/>
+          </p:nvSpPr>
+          <p:spPr>
+            <a:xfrm>
+              <a:off x="4332702" y="2052205"/>
+              <a:ext cx="216000" cy="216000"/>
+            </a:xfrm>
+            <a:prstGeom prst="roundRect">
+              <a:avLst>
+                <a:gd name="adj" fmla="val 16667"/>
+              </a:avLst>
+            </a:prstGeom>
+            <a:solidFill>
+              <a:srgbClr val="E36C09"/>
+            </a:solidFill>
+            <a:ln>
+              <a:noFill/>
+            </a:ln>
+          </p:spPr>
+          <p:txBody>
+            <a:bodyPr spcFirstLastPara="1" wrap="square" lIns="0" tIns="45700" rIns="0" bIns="45700" anchor="ctr" anchorCtr="0">
+              <a:noAutofit/>
+            </a:bodyPr>
+            <a:lstStyle/>
+            <a:p>
+              <a:pPr marL="0" marR="0" lvl="0" indent="0" algn="ctr" rtl="0">
+                <a:spcBef>
+                  <a:spcPts val="0"/>
+                </a:spcBef>
+                <a:spcAft>
+                  <a:spcPts val="0"/>
+                </a:spcAft>
+                <a:buNone/>
+              </a:pPr>
+              <a:r>
+                <a:rPr lang="en-US" sz="1050" b="1" dirty="0" smtClean="0">
+                  <a:solidFill>
+                    <a:schemeClr val="lt1"/>
+                  </a:solidFill>
+                </a:rPr>
+                <a:t>2</a:t>
+              </a:r>
+              <a:endParaRPr sz="1050" b="1" dirty="0">
+                <a:solidFill>
+                  <a:schemeClr val="lt1"/>
+                </a:solidFill>
+                <a:latin typeface="Arial"/>
+                <a:ea typeface="Arial"/>
+                <a:cs typeface="Arial"/>
+                <a:sym typeface="Arial"/>
+              </a:endParaRPr>
+            </a:p>
+          </p:txBody>
+        </p:sp>
         <p:cxnSp>
           <p:nvCxnSpPr>
-            <p:cNvPr id="6" name="직선 연결선 5"/>
+            <p:cNvPr id="8" name="직선 연결선 7"/>
             <p:cNvCxnSpPr/>
             <p:nvPr/>
           </p:nvCxnSpPr>
           <p:spPr>
             <a:xfrm>
-              <a:off x="2179463" y="1379220"/>
-              <a:ext cx="4785073" cy="2710916"/>
+              <a:off x="3676650" y="1757455"/>
+              <a:ext cx="565150" cy="0"/>
             </a:xfrm>
             <a:prstGeom prst="line">
               <a:avLst/>
@@ -11695,742 +12043,1876 @@
             </a:fontRef>
           </p:style>
         </p:cxnSp>
+        <p:cxnSp>
+          <p:nvCxnSpPr>
+            <p:cNvPr id="18" name="직선 연결선 17"/>
+            <p:cNvCxnSpPr/>
+            <p:nvPr/>
+          </p:nvCxnSpPr>
+          <p:spPr>
+            <a:xfrm>
+              <a:off x="3676650" y="1852705"/>
+              <a:ext cx="764053" cy="0"/>
+            </a:xfrm>
+            <a:prstGeom prst="line">
+              <a:avLst/>
+            </a:prstGeom>
+            <a:ln>
+              <a:solidFill>
+                <a:schemeClr val="tx1"/>
+              </a:solidFill>
+            </a:ln>
+          </p:spPr>
+          <p:style>
+            <a:lnRef idx="1">
+              <a:schemeClr val="accent1"/>
+            </a:lnRef>
+            <a:fillRef idx="0">
+              <a:schemeClr val="accent1"/>
+            </a:fillRef>
+            <a:effectRef idx="0">
+              <a:schemeClr val="accent1"/>
+            </a:effectRef>
+            <a:fontRef idx="minor">
+              <a:schemeClr val="tx1"/>
+            </a:fontRef>
+          </p:style>
+        </p:cxnSp>
+        <p:cxnSp>
+          <p:nvCxnSpPr>
+            <p:cNvPr id="21" name="직선 연결선 20"/>
+            <p:cNvCxnSpPr/>
+            <p:nvPr/>
+          </p:nvCxnSpPr>
+          <p:spPr>
+            <a:xfrm>
+              <a:off x="3676649" y="1946417"/>
+              <a:ext cx="764053" cy="0"/>
+            </a:xfrm>
+            <a:prstGeom prst="line">
+              <a:avLst/>
+            </a:prstGeom>
+            <a:ln>
+              <a:solidFill>
+                <a:schemeClr val="tx1"/>
+              </a:solidFill>
+            </a:ln>
+          </p:spPr>
+          <p:style>
+            <a:lnRef idx="1">
+              <a:schemeClr val="accent1"/>
+            </a:lnRef>
+            <a:fillRef idx="0">
+              <a:schemeClr val="accent1"/>
+            </a:fillRef>
+            <a:effectRef idx="0">
+              <a:schemeClr val="accent1"/>
+            </a:effectRef>
+            <a:fontRef idx="minor">
+              <a:schemeClr val="tx1"/>
+            </a:fontRef>
+          </p:style>
+        </p:cxnSp>
+        <p:cxnSp>
+          <p:nvCxnSpPr>
+            <p:cNvPr id="22" name="직선 연결선 21"/>
+            <p:cNvCxnSpPr/>
+            <p:nvPr/>
+          </p:nvCxnSpPr>
+          <p:spPr>
+            <a:xfrm>
+              <a:off x="3676650" y="2024155"/>
+              <a:ext cx="764053" cy="0"/>
+            </a:xfrm>
+            <a:prstGeom prst="line">
+              <a:avLst/>
+            </a:prstGeom>
+            <a:ln>
+              <a:solidFill>
+                <a:schemeClr val="tx1"/>
+              </a:solidFill>
+            </a:ln>
+          </p:spPr>
+          <p:style>
+            <a:lnRef idx="1">
+              <a:schemeClr val="accent1"/>
+            </a:lnRef>
+            <a:fillRef idx="0">
+              <a:schemeClr val="accent1"/>
+            </a:fillRef>
+            <a:effectRef idx="0">
+              <a:schemeClr val="accent1"/>
+            </a:effectRef>
+            <a:fontRef idx="minor">
+              <a:schemeClr val="tx1"/>
+            </a:fontRef>
+          </p:style>
+        </p:cxnSp>
+        <p:sp>
+          <p:nvSpPr>
+            <p:cNvPr id="23" name="Rectangle 4"/>
+            <p:cNvSpPr/>
+            <p:nvPr/>
+          </p:nvSpPr>
+          <p:spPr>
+            <a:xfrm>
+              <a:off x="3783320" y="2266090"/>
+              <a:ext cx="499646" cy="98902"/>
+            </a:xfrm>
+            <a:prstGeom prst="rect">
+              <a:avLst/>
+            </a:prstGeom>
+            <a:solidFill>
+              <a:schemeClr val="accent6">
+                <a:lumMod val="60000"/>
+                <a:lumOff val="40000"/>
+              </a:schemeClr>
+            </a:solidFill>
+            <a:ln w="12700">
+              <a:solidFill>
+                <a:schemeClr val="tx1"/>
+              </a:solidFill>
+            </a:ln>
+          </p:spPr>
+          <p:style>
+            <a:lnRef idx="2">
+              <a:schemeClr val="accent1">
+                <a:shade val="50000"/>
+              </a:schemeClr>
+            </a:lnRef>
+            <a:fillRef idx="1">
+              <a:schemeClr val="accent1"/>
+            </a:fillRef>
+            <a:effectRef idx="0">
+              <a:schemeClr val="accent1"/>
+            </a:effectRef>
+            <a:fontRef idx="minor">
+              <a:schemeClr val="lt1"/>
+            </a:fontRef>
+          </p:style>
+          <p:txBody>
+            <a:bodyPr rtlCol="0" anchor="ctr"/>
+            <a:lstStyle/>
+            <a:p>
+              <a:pPr algn="ctr"/>
+              <a:r>
+                <a:rPr lang="en-US" altLang="ko-KR" sz="500" dirty="0" err="1" smtClean="0">
+                  <a:solidFill>
+                    <a:sysClr val="windowText" lastClr="000000"/>
+                  </a:solidFill>
+                </a:rPr>
+                <a:t>btn</a:t>
+              </a:r>
+              <a:endParaRPr lang="ko-KR" altLang="en-US" sz="500" dirty="0">
+                <a:solidFill>
+                  <a:sysClr val="windowText" lastClr="000000"/>
+                </a:solidFill>
+              </a:endParaRPr>
+            </a:p>
+          </p:txBody>
+        </p:sp>
+        <p:sp>
+          <p:nvSpPr>
+            <p:cNvPr id="24" name="Rectangle 4"/>
+            <p:cNvSpPr/>
+            <p:nvPr/>
+          </p:nvSpPr>
+          <p:spPr>
+            <a:xfrm>
+              <a:off x="3783320" y="2139884"/>
+              <a:ext cx="499646" cy="98902"/>
+            </a:xfrm>
+            <a:prstGeom prst="rect">
+              <a:avLst/>
+            </a:prstGeom>
+            <a:solidFill>
+              <a:schemeClr val="accent6">
+                <a:lumMod val="60000"/>
+                <a:lumOff val="40000"/>
+              </a:schemeClr>
+            </a:solidFill>
+            <a:ln w="12700">
+              <a:solidFill>
+                <a:schemeClr val="tx1"/>
+              </a:solidFill>
+            </a:ln>
+          </p:spPr>
+          <p:style>
+            <a:lnRef idx="2">
+              <a:schemeClr val="accent1">
+                <a:shade val="50000"/>
+              </a:schemeClr>
+            </a:lnRef>
+            <a:fillRef idx="1">
+              <a:schemeClr val="accent1"/>
+            </a:fillRef>
+            <a:effectRef idx="0">
+              <a:schemeClr val="accent1"/>
+            </a:effectRef>
+            <a:fontRef idx="minor">
+              <a:schemeClr val="lt1"/>
+            </a:fontRef>
+          </p:style>
+          <p:txBody>
+            <a:bodyPr rtlCol="0" anchor="ctr"/>
+            <a:lstStyle/>
+            <a:p>
+              <a:pPr algn="ctr"/>
+              <a:r>
+                <a:rPr lang="en-US" altLang="ko-KR" sz="500" dirty="0" err="1" smtClean="0">
+                  <a:solidFill>
+                    <a:sysClr val="windowText" lastClr="000000"/>
+                  </a:solidFill>
+                </a:rPr>
+                <a:t>btn</a:t>
+              </a:r>
+              <a:endParaRPr lang="ko-KR" altLang="en-US" sz="500" dirty="0">
+                <a:solidFill>
+                  <a:sysClr val="windowText" lastClr="000000"/>
+                </a:solidFill>
+              </a:endParaRPr>
+            </a:p>
+          </p:txBody>
+        </p:sp>
+        <p:sp>
+          <p:nvSpPr>
+            <p:cNvPr id="25" name="Rectangle 1"/>
+            <p:cNvSpPr/>
+            <p:nvPr/>
+          </p:nvSpPr>
+          <p:spPr>
+            <a:xfrm>
+              <a:off x="2826237" y="2517392"/>
+              <a:ext cx="1614465" cy="977358"/>
+            </a:xfrm>
+            <a:prstGeom prst="rect">
+              <a:avLst/>
+            </a:prstGeom>
+            <a:noFill/>
+            <a:ln w="12700">
+              <a:solidFill>
+                <a:schemeClr val="tx1"/>
+              </a:solidFill>
+            </a:ln>
+          </p:spPr>
+          <p:style>
+            <a:lnRef idx="2">
+              <a:schemeClr val="accent1">
+                <a:shade val="50000"/>
+              </a:schemeClr>
+            </a:lnRef>
+            <a:fillRef idx="1">
+              <a:schemeClr val="accent1"/>
+            </a:fillRef>
+            <a:effectRef idx="0">
+              <a:schemeClr val="accent1"/>
+            </a:effectRef>
+            <a:fontRef idx="minor">
+              <a:schemeClr val="lt1"/>
+            </a:fontRef>
+          </p:style>
+          <p:txBody>
+            <a:bodyPr rtlCol="0" anchor="ctr"/>
+            <a:lstStyle/>
+            <a:p>
+              <a:pPr algn="ctr"/>
+              <a:r>
+                <a:rPr lang="en-US" altLang="ko-KR" sz="1050" dirty="0" smtClean="0">
+                  <a:solidFill>
+                    <a:sysClr val="windowText" lastClr="000000"/>
+                  </a:solidFill>
+                </a:rPr>
+                <a:t>notice</a:t>
+              </a:r>
+              <a:endParaRPr lang="ko-KR" altLang="en-US" sz="1050" dirty="0">
+                <a:solidFill>
+                  <a:sysClr val="windowText" lastClr="000000"/>
+                </a:solidFill>
+              </a:endParaRPr>
+            </a:p>
+          </p:txBody>
+        </p:sp>
+        <p:sp>
+          <p:nvSpPr>
+            <p:cNvPr id="27" name="Google Shape;141;p15"/>
+            <p:cNvSpPr/>
+            <p:nvPr/>
+          </p:nvSpPr>
+          <p:spPr>
+            <a:xfrm>
+              <a:off x="2678210" y="1579732"/>
+              <a:ext cx="216000" cy="216000"/>
+            </a:xfrm>
+            <a:prstGeom prst="roundRect">
+              <a:avLst>
+                <a:gd name="adj" fmla="val 16667"/>
+              </a:avLst>
+            </a:prstGeom>
+            <a:solidFill>
+              <a:srgbClr val="E36C09"/>
+            </a:solidFill>
+            <a:ln>
+              <a:noFill/>
+            </a:ln>
+          </p:spPr>
+          <p:txBody>
+            <a:bodyPr spcFirstLastPara="1" wrap="square" lIns="0" tIns="45700" rIns="0" bIns="45700" anchor="ctr" anchorCtr="0">
+              <a:noAutofit/>
+            </a:bodyPr>
+            <a:lstStyle/>
+            <a:p>
+              <a:pPr marL="0" marR="0" lvl="0" indent="0" algn="ctr" rtl="0">
+                <a:spcBef>
+                  <a:spcPts val="0"/>
+                </a:spcBef>
+                <a:spcAft>
+                  <a:spcPts val="0"/>
+                </a:spcAft>
+                <a:buNone/>
+              </a:pPr>
+              <a:r>
+                <a:rPr lang="en-US" sz="1050" b="1" dirty="0">
+                  <a:solidFill>
+                    <a:schemeClr val="lt1"/>
+                  </a:solidFill>
+                </a:rPr>
+                <a:t>1</a:t>
+              </a:r>
+              <a:endParaRPr sz="1050" b="1" dirty="0">
+                <a:solidFill>
+                  <a:schemeClr val="lt1"/>
+                </a:solidFill>
+                <a:latin typeface="Arial"/>
+                <a:ea typeface="Arial"/>
+                <a:cs typeface="Arial"/>
+                <a:sym typeface="Arial"/>
+              </a:endParaRPr>
+            </a:p>
+          </p:txBody>
+        </p:sp>
+        <p:sp>
+          <p:nvSpPr>
+            <p:cNvPr id="28" name="Google Shape;141;p15"/>
+            <p:cNvSpPr/>
+            <p:nvPr/>
+          </p:nvSpPr>
+          <p:spPr>
+            <a:xfrm>
+              <a:off x="2753281" y="2420605"/>
+              <a:ext cx="216000" cy="216000"/>
+            </a:xfrm>
+            <a:prstGeom prst="roundRect">
+              <a:avLst>
+                <a:gd name="adj" fmla="val 16667"/>
+              </a:avLst>
+            </a:prstGeom>
+            <a:solidFill>
+              <a:srgbClr val="E36C09"/>
+            </a:solidFill>
+            <a:ln>
+              <a:noFill/>
+            </a:ln>
+          </p:spPr>
+          <p:txBody>
+            <a:bodyPr spcFirstLastPara="1" wrap="square" lIns="0" tIns="45700" rIns="0" bIns="45700" anchor="ctr" anchorCtr="0">
+              <a:noAutofit/>
+            </a:bodyPr>
+            <a:lstStyle/>
+            <a:p>
+              <a:pPr marL="0" marR="0" lvl="0" indent="0" algn="ctr" rtl="0">
+                <a:spcBef>
+                  <a:spcPts val="0"/>
+                </a:spcBef>
+                <a:spcAft>
+                  <a:spcPts val="0"/>
+                </a:spcAft>
+                <a:buNone/>
+              </a:pPr>
+              <a:r>
+                <a:rPr lang="en-US" sz="1050" b="1" dirty="0" smtClean="0">
+                  <a:solidFill>
+                    <a:schemeClr val="lt1"/>
+                  </a:solidFill>
+                </a:rPr>
+                <a:t>3</a:t>
+              </a:r>
+              <a:endParaRPr sz="1050" b="1" dirty="0">
+                <a:solidFill>
+                  <a:schemeClr val="lt1"/>
+                </a:solidFill>
+                <a:latin typeface="Arial"/>
+                <a:ea typeface="Arial"/>
+                <a:cs typeface="Arial"/>
+                <a:sym typeface="Arial"/>
+              </a:endParaRPr>
+            </a:p>
+          </p:txBody>
+        </p:sp>
       </p:grpSp>
       <p:sp>
         <p:nvSpPr>
-          <p:cNvPr id="5" name="Rectangle 4"/>
-          <p:cNvSpPr/>
+          <p:cNvPr id="4" name="TextBox 3"/>
+          <p:cNvSpPr txBox="1"/>
           <p:nvPr/>
         </p:nvSpPr>
         <p:spPr>
           <a:xfrm>
-            <a:off x="2648630" y="1030129"/>
-            <a:ext cx="355217" cy="98902"/>
-          </a:xfrm>
-          <a:prstGeom prst="rect">
-            <a:avLst/>
-          </a:prstGeom>
-          <a:solidFill>
-            <a:schemeClr val="bg2"/>
-          </a:solidFill>
-          <a:ln w="12700">
-            <a:solidFill>
-              <a:schemeClr val="tx1"/>
-            </a:solidFill>
-          </a:ln>
-        </p:spPr>
-        <p:style>
-          <a:lnRef idx="2">
-            <a:schemeClr val="accent1">
-              <a:shade val="50000"/>
-            </a:schemeClr>
-          </a:lnRef>
-          <a:fillRef idx="1">
-            <a:schemeClr val="accent1"/>
-          </a:fillRef>
-          <a:effectRef idx="0">
-            <a:schemeClr val="accent1"/>
-          </a:effectRef>
-          <a:fontRef idx="minor">
-            <a:schemeClr val="lt1"/>
-          </a:fontRef>
-        </p:style>
-        <p:txBody>
-          <a:bodyPr rtlCol="0" anchor="ctr"/>
-          <a:lstStyle/>
-          <a:p>
-            <a:pPr algn="ctr"/>
-            <a:r>
-              <a:rPr lang="en-US" altLang="ko-KR" sz="500" dirty="0" smtClean="0">
-                <a:solidFill>
-                  <a:schemeClr val="bg1"/>
-                </a:solidFill>
-              </a:rPr>
-              <a:t>Logo</a:t>
-            </a:r>
-            <a:endParaRPr lang="ko-KR" altLang="en-US" sz="500" dirty="0">
-              <a:solidFill>
-                <a:schemeClr val="bg1"/>
-              </a:solidFill>
-            </a:endParaRPr>
-          </a:p>
-        </p:txBody>
-      </p:sp>
-      <p:sp>
-        <p:nvSpPr>
-          <p:cNvPr id="15" name="Rectangle 4"/>
-          <p:cNvSpPr/>
-          <p:nvPr/>
-        </p:nvSpPr>
-        <p:spPr>
-          <a:xfrm>
-            <a:off x="3080592" y="1030129"/>
-            <a:ext cx="1541148" cy="98902"/>
-          </a:xfrm>
-          <a:prstGeom prst="rect">
-            <a:avLst/>
-          </a:prstGeom>
-          <a:solidFill>
-            <a:schemeClr val="accent6">
-              <a:lumMod val="75000"/>
-            </a:schemeClr>
-          </a:solidFill>
-          <a:ln w="12700">
-            <a:solidFill>
-              <a:schemeClr val="tx1"/>
-            </a:solidFill>
-          </a:ln>
-        </p:spPr>
-        <p:style>
-          <a:lnRef idx="2">
-            <a:schemeClr val="accent1">
-              <a:shade val="50000"/>
-            </a:schemeClr>
-          </a:lnRef>
-          <a:fillRef idx="1">
-            <a:schemeClr val="accent1"/>
-          </a:fillRef>
-          <a:effectRef idx="0">
-            <a:schemeClr val="accent1"/>
-          </a:effectRef>
-          <a:fontRef idx="minor">
-            <a:schemeClr val="lt1"/>
-          </a:fontRef>
-        </p:style>
-        <p:txBody>
-          <a:bodyPr rtlCol="0" anchor="ctr"/>
-          <a:lstStyle/>
-          <a:p>
-            <a:pPr algn="ctr"/>
-            <a:r>
-              <a:rPr lang="en-US" altLang="ko-KR" sz="500" dirty="0" err="1" smtClean="0">
-                <a:solidFill>
-                  <a:schemeClr val="bg1"/>
-                </a:solidFill>
-              </a:rPr>
-              <a:t>nav</a:t>
-            </a:r>
-            <a:endParaRPr lang="ko-KR" altLang="en-US" sz="500" dirty="0">
-              <a:solidFill>
-                <a:schemeClr val="bg1"/>
-              </a:solidFill>
-            </a:endParaRPr>
-          </a:p>
-        </p:txBody>
-      </p:sp>
-      <p:sp>
-        <p:nvSpPr>
-          <p:cNvPr id="41" name="Rectangle 1"/>
-          <p:cNvSpPr/>
-          <p:nvPr/>
-        </p:nvSpPr>
-        <p:spPr>
-          <a:xfrm>
-            <a:off x="2545456" y="3418807"/>
-            <a:ext cx="2163793" cy="318089"/>
-          </a:xfrm>
-          <a:prstGeom prst="rect">
-            <a:avLst/>
-          </a:prstGeom>
-          <a:solidFill>
-            <a:schemeClr val="bg1"/>
-          </a:solidFill>
-          <a:ln w="12700">
-            <a:solidFill>
-              <a:schemeClr val="tx1"/>
-            </a:solidFill>
-          </a:ln>
-        </p:spPr>
-        <p:style>
-          <a:lnRef idx="2">
-            <a:schemeClr val="accent1">
-              <a:shade val="50000"/>
-            </a:schemeClr>
-          </a:lnRef>
-          <a:fillRef idx="1">
-            <a:schemeClr val="accent1"/>
-          </a:fillRef>
-          <a:effectRef idx="0">
-            <a:schemeClr val="accent1"/>
-          </a:effectRef>
-          <a:fontRef idx="minor">
-            <a:schemeClr val="lt1"/>
-          </a:fontRef>
-        </p:style>
-        <p:txBody>
-          <a:bodyPr rtlCol="0" anchor="ctr"/>
-          <a:lstStyle/>
-          <a:p>
-            <a:pPr algn="ctr"/>
-            <a:r>
-              <a:rPr lang="en-US" altLang="ko-KR" sz="1050" dirty="0" smtClean="0">
-                <a:solidFill>
-                  <a:sysClr val="windowText" lastClr="000000"/>
-                </a:solidFill>
-              </a:rPr>
-              <a:t>footer</a:t>
-            </a:r>
-            <a:endParaRPr lang="ko-KR" altLang="en-US" sz="1050" dirty="0">
-              <a:solidFill>
-                <a:sysClr val="windowText" lastClr="000000"/>
-              </a:solidFill>
-            </a:endParaRPr>
-          </a:p>
-        </p:txBody>
-      </p:sp>
-      <p:sp>
-        <p:nvSpPr>
-          <p:cNvPr id="42" name="Rectangle 1"/>
-          <p:cNvSpPr/>
-          <p:nvPr/>
-        </p:nvSpPr>
-        <p:spPr>
-          <a:xfrm>
-            <a:off x="2826238" y="1687732"/>
-            <a:ext cx="761474" cy="677260"/>
+            <a:off x="2234811" y="2877152"/>
+            <a:ext cx="2352119" cy="1661993"/>
           </a:xfrm>
           <a:prstGeom prst="rect">
             <a:avLst/>
           </a:prstGeom>
           <a:noFill/>
-          <a:ln w="12700">
-            <a:solidFill>
-              <a:schemeClr val="tx1"/>
-            </a:solidFill>
-          </a:ln>
-        </p:spPr>
-        <p:style>
-          <a:lnRef idx="2">
-            <a:schemeClr val="accent1">
-              <a:shade val="50000"/>
-            </a:schemeClr>
-          </a:lnRef>
-          <a:fillRef idx="1">
-            <a:schemeClr val="accent1"/>
-          </a:fillRef>
-          <a:effectRef idx="0">
-            <a:schemeClr val="accent1"/>
-          </a:effectRef>
-          <a:fontRef idx="minor">
-            <a:schemeClr val="lt1"/>
-          </a:fontRef>
-        </p:style>
-        <p:txBody>
-          <a:bodyPr rtlCol="0" anchor="ctr"/>
-          <a:lstStyle/>
-          <a:p>
-            <a:pPr algn="ctr"/>
-            <a:r>
-              <a:rPr lang="en-US" altLang="ko-KR" sz="1050" dirty="0" err="1" smtClean="0">
-                <a:solidFill>
-                  <a:sysClr val="windowText" lastClr="000000"/>
-                </a:solidFill>
-              </a:rPr>
-              <a:t>calender</a:t>
-            </a:r>
-            <a:endParaRPr lang="ko-KR" altLang="en-US" sz="1050" dirty="0">
-              <a:solidFill>
-                <a:sysClr val="windowText" lastClr="000000"/>
-              </a:solidFill>
-            </a:endParaRPr>
-          </a:p>
-        </p:txBody>
-      </p:sp>
-      <p:sp>
-        <p:nvSpPr>
-          <p:cNvPr id="68" name="Google Shape;141;p15"/>
-          <p:cNvSpPr/>
-          <p:nvPr/>
-        </p:nvSpPr>
-        <p:spPr>
-          <a:xfrm>
-            <a:off x="4332702" y="2052205"/>
-            <a:ext cx="216000" cy="216000"/>
-          </a:xfrm>
-          <a:prstGeom prst="roundRect">
-            <a:avLst>
-              <a:gd name="adj" fmla="val 16667"/>
-            </a:avLst>
-          </a:prstGeom>
-          <a:solidFill>
-            <a:srgbClr val="E36C09"/>
-          </a:solidFill>
-          <a:ln>
-            <a:noFill/>
-          </a:ln>
         </p:spPr>
         <p:txBody>
-          <a:bodyPr spcFirstLastPara="1" wrap="square" lIns="0" tIns="45700" rIns="0" bIns="45700" anchor="ctr" anchorCtr="0">
-            <a:noAutofit/>
+          <a:bodyPr wrap="square" rtlCol="0">
+            <a:spAutoFit/>
           </a:bodyPr>
           <a:lstStyle/>
           <a:p>
-            <a:pPr marL="0" marR="0" lvl="0" indent="0" algn="ctr" rtl="0">
-              <a:spcBef>
-                <a:spcPts val="0"/>
-              </a:spcBef>
-              <a:spcAft>
-                <a:spcPts val="0"/>
-              </a:spcAft>
-              <a:buNone/>
-            </a:pPr>
-            <a:r>
-              <a:rPr lang="en-US" sz="1050" b="1" dirty="0" smtClean="0">
-                <a:solidFill>
-                  <a:schemeClr val="lt1"/>
-                </a:solidFill>
-              </a:rPr>
+            <a:r>
+              <a:rPr lang="ko-KR" altLang="en-US" sz="200" b="1" dirty="0"/>
+              <a:t>티켓 일반 사항</a:t>
+            </a:r>
+            <a:endParaRPr lang="ko-KR" altLang="en-US" sz="200" dirty="0"/>
+          </a:p>
+          <a:p>
+            <a:r>
+              <a:rPr lang="ko-KR" altLang="en-US" sz="200" dirty="0"/>
+              <a:t/>
+            </a:r>
+            <a:br>
+              <a:rPr lang="ko-KR" altLang="en-US" sz="200" dirty="0"/>
+            </a:br>
+            <a:r>
+              <a:rPr lang="ko-KR" altLang="en-US" sz="200" dirty="0"/>
+              <a:t> </a:t>
+            </a:r>
+            <a:br>
+              <a:rPr lang="ko-KR" altLang="en-US" sz="200" dirty="0"/>
+            </a:br>
+            <a:r>
+              <a:rPr lang="ko-KR" altLang="en-US" sz="200" b="1" dirty="0"/>
+              <a:t>수용 인원 제한과 매진</a:t>
+            </a:r>
+            <a:r>
+              <a:rPr lang="ko-KR" altLang="en-US" sz="200" dirty="0"/>
+              <a:t/>
+            </a:r>
+            <a:br>
+              <a:rPr lang="ko-KR" altLang="en-US" sz="200" dirty="0"/>
+            </a:br>
+            <a:r>
+              <a:rPr lang="ko-KR" altLang="en-US" sz="200" dirty="0"/>
+              <a:t>전체 수용 인원을 제한하고 티켓 판매를 진행하기에 사전 공지 없이 매진될 수 있습니다</a:t>
+            </a:r>
+            <a:r>
+              <a:rPr lang="en-US" altLang="ko-KR" sz="200" dirty="0"/>
+              <a:t>.</a:t>
+            </a:r>
+          </a:p>
+          <a:p>
+            <a:r>
+              <a:rPr lang="en-US" altLang="ko-KR" sz="200" b="1" dirty="0"/>
+              <a:t>Mint Breeze Stage(88</a:t>
+            </a:r>
+            <a:r>
+              <a:rPr lang="ko-KR" altLang="en-US" sz="200" b="1" dirty="0"/>
+              <a:t>잔디마당</a:t>
+            </a:r>
+            <a:r>
+              <a:rPr lang="en-US" altLang="ko-KR" sz="200" b="1" dirty="0"/>
+              <a:t>)</a:t>
+            </a:r>
+            <a:r>
+              <a:rPr lang="ko-KR" altLang="en-US" sz="200" dirty="0"/>
+              <a:t> 동시 </a:t>
+            </a:r>
+            <a:r>
+              <a:rPr lang="en-US" altLang="ko-KR" sz="200" dirty="0"/>
+              <a:t>7,000</a:t>
+            </a:r>
+            <a:r>
+              <a:rPr lang="ko-KR" altLang="en-US" sz="200" dirty="0"/>
+              <a:t>명 이상 관람 가능</a:t>
+            </a:r>
+            <a:br>
+              <a:rPr lang="ko-KR" altLang="en-US" sz="200" dirty="0"/>
+            </a:br>
+            <a:r>
+              <a:rPr lang="en-US" altLang="ko-KR" sz="200" b="1" dirty="0"/>
+              <a:t>Loving Forest Garden(88</a:t>
+            </a:r>
+            <a:r>
+              <a:rPr lang="ko-KR" altLang="en-US" sz="200" b="1" dirty="0"/>
+              <a:t>호수 </a:t>
+            </a:r>
+            <a:r>
+              <a:rPr lang="ko-KR" altLang="en-US" sz="200" b="1" dirty="0" err="1"/>
+              <a:t>수변무대</a:t>
+            </a:r>
+            <a:r>
+              <a:rPr lang="en-US" altLang="ko-KR" sz="200" b="1" dirty="0"/>
+              <a:t>)</a:t>
+            </a:r>
+            <a:r>
+              <a:rPr lang="ko-KR" altLang="en-US" sz="200" dirty="0"/>
+              <a:t> 동시 </a:t>
+            </a:r>
+            <a:r>
+              <a:rPr lang="en-US" altLang="ko-KR" sz="200" dirty="0"/>
+              <a:t>2,000</a:t>
+            </a:r>
+            <a:r>
+              <a:rPr lang="ko-KR" altLang="en-US" sz="200" dirty="0"/>
+              <a:t>명 이상 관람 가능</a:t>
+            </a:r>
+            <a:br>
+              <a:rPr lang="ko-KR" altLang="en-US" sz="200" dirty="0"/>
+            </a:br>
+            <a:r>
+              <a:rPr lang="en-US" altLang="ko-KR" sz="200" b="1" dirty="0"/>
+              <a:t>Cafe Blossom House(KSPO DOME)</a:t>
+            </a:r>
+            <a:r>
+              <a:rPr lang="ko-KR" altLang="en-US" sz="200" dirty="0"/>
+              <a:t> 동시 </a:t>
+            </a:r>
+            <a:r>
+              <a:rPr lang="en-US" altLang="ko-KR" sz="200" dirty="0"/>
+              <a:t>5,000</a:t>
+            </a:r>
+            <a:r>
+              <a:rPr lang="ko-KR" altLang="en-US" sz="200" dirty="0"/>
+              <a:t>명 이상 관람 가능</a:t>
+            </a:r>
+            <a:br>
+              <a:rPr lang="ko-KR" altLang="en-US" sz="200" dirty="0"/>
+            </a:br>
+            <a:r>
+              <a:rPr lang="ko-KR" altLang="en-US" sz="200" dirty="0"/>
+              <a:t> </a:t>
+            </a:r>
+          </a:p>
+          <a:p>
+            <a:r>
+              <a:rPr lang="ko-KR" altLang="en-US" sz="200" b="1" dirty="0"/>
+              <a:t>티켓 재판매 및 양도 금지</a:t>
+            </a:r>
+            <a:r>
+              <a:rPr lang="ko-KR" altLang="en-US" sz="200" dirty="0"/>
+              <a:t/>
+            </a:r>
+            <a:br>
+              <a:rPr lang="ko-KR" altLang="en-US" sz="200" dirty="0"/>
+            </a:br>
+            <a:r>
+              <a:rPr lang="en-US" altLang="ko-KR" sz="200" dirty="0"/>
+              <a:t>– </a:t>
+            </a:r>
+            <a:r>
+              <a:rPr lang="ko-KR" altLang="en-US" sz="200" b="1" dirty="0"/>
+              <a:t>예매 완료 후 티켓 종류</a:t>
+            </a:r>
+            <a:r>
+              <a:rPr lang="en-US" altLang="ko-KR" sz="200" b="1" dirty="0"/>
+              <a:t>(1</a:t>
+            </a:r>
+            <a:r>
+              <a:rPr lang="ko-KR" altLang="en-US" sz="200" b="1" dirty="0"/>
+              <a:t>일권 날짜 포함</a:t>
+            </a:r>
+            <a:r>
+              <a:rPr lang="en-US" altLang="ko-KR" sz="200" b="1" dirty="0"/>
+              <a:t>), </a:t>
+            </a:r>
+            <a:r>
+              <a:rPr lang="ko-KR" altLang="en-US" sz="200" b="1" dirty="0"/>
+              <a:t>예매자 명의 변경은 불가</a:t>
+            </a:r>
+            <a:r>
+              <a:rPr lang="ko-KR" altLang="en-US" sz="200" dirty="0"/>
+              <a:t>합니다</a:t>
+            </a:r>
+            <a:r>
+              <a:rPr lang="en-US" altLang="ko-KR" sz="200" dirty="0"/>
+              <a:t>. </a:t>
+            </a:r>
+            <a:r>
+              <a:rPr lang="ko-KR" altLang="en-US" sz="200" dirty="0"/>
+              <a:t>변경을 원하는 경우 취소 후 다시 원하는 티켓을 예매하셔야 합니다</a:t>
+            </a:r>
+            <a:r>
+              <a:rPr lang="en-US" altLang="ko-KR" sz="200" dirty="0"/>
+              <a:t>.</a:t>
+            </a:r>
+            <a:br>
+              <a:rPr lang="en-US" altLang="ko-KR" sz="200" dirty="0"/>
+            </a:br>
+            <a:r>
+              <a:rPr lang="en-US" altLang="ko-KR" sz="200" dirty="0"/>
+              <a:t>– </a:t>
+            </a:r>
+            <a:r>
+              <a:rPr lang="ko-KR" altLang="en-US" sz="200" b="1" dirty="0"/>
+              <a:t>반드시 공식 예매처를 통해 정상적인 예매</a:t>
+            </a:r>
+            <a:r>
+              <a:rPr lang="ko-KR" altLang="en-US" sz="200" dirty="0"/>
+              <a:t>를 해주시기 바랍니다</a:t>
+            </a:r>
+            <a:r>
+              <a:rPr lang="en-US" altLang="ko-KR" sz="200" dirty="0"/>
+              <a:t>. </a:t>
+            </a:r>
+            <a:r>
+              <a:rPr lang="ko-KR" altLang="en-US" sz="200" dirty="0"/>
+              <a:t>티켓 임의 거래</a:t>
+            </a:r>
+            <a:r>
+              <a:rPr lang="en-US" altLang="ko-KR" sz="200" dirty="0"/>
+              <a:t>, </a:t>
+            </a:r>
+            <a:r>
+              <a:rPr lang="ko-KR" altLang="en-US" sz="200" dirty="0"/>
+              <a:t>구매대행</a:t>
+            </a:r>
+            <a:r>
+              <a:rPr lang="en-US" altLang="ko-KR" sz="200" dirty="0"/>
+              <a:t>, </a:t>
+            </a:r>
+            <a:r>
+              <a:rPr lang="ko-KR" altLang="en-US" sz="200" dirty="0"/>
+              <a:t>전매</a:t>
+            </a:r>
+            <a:r>
+              <a:rPr lang="en-US" altLang="ko-KR" sz="200" dirty="0"/>
+              <a:t>, </a:t>
+            </a:r>
+            <a:r>
+              <a:rPr lang="ko-KR" altLang="en-US" sz="200" dirty="0"/>
+              <a:t>양도 등은 불법 행위입니다</a:t>
+            </a:r>
+            <a:r>
+              <a:rPr lang="en-US" altLang="ko-KR" sz="200" dirty="0"/>
+              <a:t>. </a:t>
+            </a:r>
+            <a:r>
+              <a:rPr lang="ko-KR" altLang="en-US" sz="200" dirty="0"/>
+              <a:t>이로 인해 발생하는 피해는 전적으로 거래 당사자에게 책임이 있으며</a:t>
+            </a:r>
+            <a:r>
+              <a:rPr lang="en-US" altLang="ko-KR" sz="200" dirty="0"/>
+              <a:t>, </a:t>
+            </a:r>
+            <a:r>
+              <a:rPr lang="ko-KR" altLang="en-US" sz="200" dirty="0"/>
+              <a:t>주최</a:t>
+            </a:r>
+            <a:r>
+              <a:rPr lang="en-US" altLang="ko-KR" sz="200" dirty="0"/>
+              <a:t>, </a:t>
+            </a:r>
+            <a:r>
+              <a:rPr lang="ko-KR" altLang="en-US" sz="200" dirty="0"/>
+              <a:t>주관</a:t>
+            </a:r>
+            <a:r>
+              <a:rPr lang="en-US" altLang="ko-KR" sz="200" dirty="0"/>
+              <a:t>, </a:t>
+            </a:r>
+            <a:r>
+              <a:rPr lang="ko-KR" altLang="en-US" sz="200" dirty="0" err="1"/>
+              <a:t>협력사는</a:t>
+            </a:r>
+            <a:r>
+              <a:rPr lang="ko-KR" altLang="en-US" sz="200" dirty="0"/>
+              <a:t> 어떠한 도움도 드릴 수 없습니다</a:t>
+            </a:r>
+            <a:r>
+              <a:rPr lang="en-US" altLang="ko-KR" sz="200" dirty="0"/>
+              <a:t>.</a:t>
+            </a:r>
+            <a:br>
+              <a:rPr lang="en-US" altLang="ko-KR" sz="200" dirty="0"/>
+            </a:br>
+            <a:r>
+              <a:rPr lang="en-US" altLang="ko-KR" sz="200" dirty="0"/>
+              <a:t> </a:t>
+            </a:r>
+          </a:p>
+          <a:p>
+            <a:r>
+              <a:rPr lang="ko-KR" altLang="en-US" sz="200" b="1" dirty="0"/>
+              <a:t>예매 마감</a:t>
+            </a:r>
+            <a:r>
+              <a:rPr lang="ko-KR" altLang="en-US" sz="200" dirty="0"/>
+              <a:t/>
+            </a:r>
+            <a:br>
+              <a:rPr lang="ko-KR" altLang="en-US" sz="200" dirty="0"/>
+            </a:br>
+            <a:r>
+              <a:rPr lang="en-US" altLang="ko-KR" sz="200" b="1" dirty="0"/>
+              <a:t>I♥</a:t>
+            </a:r>
+            <a:r>
+              <a:rPr lang="ko-KR" altLang="en-US" sz="200" b="1" dirty="0" err="1"/>
+              <a:t>뷰민라</a:t>
+            </a:r>
+            <a:r>
+              <a:rPr lang="ko-KR" altLang="en-US" sz="200" b="1" dirty="0"/>
+              <a:t> 티켓</a:t>
+            </a:r>
+            <a:r>
+              <a:rPr lang="ko-KR" altLang="en-US" sz="200" dirty="0"/>
+              <a:t> </a:t>
+            </a:r>
+            <a:r>
+              <a:rPr lang="en-US" altLang="ko-KR" sz="200" dirty="0"/>
               <a:t>2</a:t>
             </a:r>
-            <a:endParaRPr sz="1050" b="1" dirty="0">
-              <a:solidFill>
-                <a:schemeClr val="lt1"/>
-              </a:solidFill>
-              <a:latin typeface="Arial"/>
-              <a:ea typeface="Arial"/>
-              <a:cs typeface="Arial"/>
-              <a:sym typeface="Arial"/>
-            </a:endParaRPr>
+            <a:r>
+              <a:rPr lang="ko-KR" altLang="en-US" sz="200" dirty="0"/>
+              <a:t>월 </a:t>
+            </a:r>
+            <a:r>
+              <a:rPr lang="en-US" altLang="ko-KR" sz="200" dirty="0"/>
+              <a:t>20</a:t>
+            </a:r>
+            <a:r>
+              <a:rPr lang="ko-KR" altLang="en-US" sz="200" dirty="0"/>
+              <a:t>일</a:t>
+            </a:r>
+            <a:r>
+              <a:rPr lang="en-US" altLang="ko-KR" sz="200" dirty="0"/>
+              <a:t>(</a:t>
+            </a:r>
+            <a:r>
+              <a:rPr lang="ko-KR" altLang="en-US" sz="200" dirty="0"/>
+              <a:t>목</a:t>
+            </a:r>
+            <a:r>
+              <a:rPr lang="en-US" altLang="ko-KR" sz="200" dirty="0"/>
+              <a:t>) </a:t>
+            </a:r>
+            <a:r>
+              <a:rPr lang="ko-KR" altLang="en-US" sz="200" dirty="0"/>
+              <a:t>자정 </a:t>
+            </a:r>
+            <a:r>
+              <a:rPr lang="en-US" altLang="ko-KR" sz="200" dirty="0"/>
+              <a:t>/ </a:t>
+            </a:r>
+            <a:r>
+              <a:rPr lang="ko-KR" altLang="en-US" sz="200" dirty="0"/>
+              <a:t>단</a:t>
+            </a:r>
+            <a:r>
+              <a:rPr lang="en-US" altLang="ko-KR" sz="200" dirty="0"/>
+              <a:t>, </a:t>
+            </a:r>
+            <a:r>
+              <a:rPr lang="ko-KR" altLang="en-US" sz="200" dirty="0"/>
+              <a:t>취소</a:t>
+            </a:r>
+            <a:r>
+              <a:rPr lang="en-US" altLang="ko-KR" sz="200" dirty="0"/>
+              <a:t>, </a:t>
+            </a:r>
+            <a:r>
+              <a:rPr lang="ko-KR" altLang="en-US" sz="200" dirty="0"/>
+              <a:t>환불 처리는 </a:t>
+            </a:r>
+            <a:r>
+              <a:rPr lang="en-US" altLang="ko-KR" sz="200" dirty="0"/>
+              <a:t>5</a:t>
+            </a:r>
+            <a:r>
+              <a:rPr lang="ko-KR" altLang="en-US" sz="200" dirty="0"/>
+              <a:t>월 </a:t>
+            </a:r>
+            <a:r>
+              <a:rPr lang="en-US" altLang="ko-KR" sz="200" dirty="0"/>
+              <a:t>15</a:t>
+            </a:r>
+            <a:r>
+              <a:rPr lang="ko-KR" altLang="en-US" sz="200" dirty="0"/>
+              <a:t>일</a:t>
+            </a:r>
+            <a:r>
+              <a:rPr lang="en-US" altLang="ko-KR" sz="200" dirty="0"/>
+              <a:t>(</a:t>
+            </a:r>
+            <a:r>
+              <a:rPr lang="ko-KR" altLang="en-US" sz="200" dirty="0"/>
+              <a:t>금</a:t>
+            </a:r>
+            <a:r>
+              <a:rPr lang="en-US" altLang="ko-KR" sz="200" dirty="0"/>
+              <a:t>) 5PM</a:t>
+            </a:r>
+            <a:r>
+              <a:rPr lang="ko-KR" altLang="en-US" sz="200" dirty="0"/>
+              <a:t>까지 가능</a:t>
+            </a:r>
+            <a:br>
+              <a:rPr lang="ko-KR" altLang="en-US" sz="200" dirty="0"/>
+            </a:br>
+            <a:r>
+              <a:rPr lang="en-US" altLang="ko-KR" sz="200" b="1" dirty="0"/>
+              <a:t>2</a:t>
+            </a:r>
+            <a:r>
+              <a:rPr lang="ko-KR" altLang="en-US" sz="200" b="1" dirty="0"/>
+              <a:t>일권</a:t>
+            </a:r>
+            <a:r>
+              <a:rPr lang="ko-KR" altLang="en-US" sz="200" dirty="0"/>
+              <a:t> </a:t>
+            </a:r>
+            <a:r>
+              <a:rPr lang="en-US" altLang="ko-KR" sz="200" dirty="0"/>
+              <a:t>5</a:t>
+            </a:r>
+            <a:r>
+              <a:rPr lang="ko-KR" altLang="en-US" sz="200" dirty="0"/>
+              <a:t>월 </a:t>
+            </a:r>
+            <a:r>
+              <a:rPr lang="en-US" altLang="ko-KR" sz="200" dirty="0"/>
+              <a:t>15</a:t>
+            </a:r>
+            <a:r>
+              <a:rPr lang="ko-KR" altLang="en-US" sz="200" dirty="0"/>
+              <a:t>일</a:t>
+            </a:r>
+            <a:r>
+              <a:rPr lang="en-US" altLang="ko-KR" sz="200" dirty="0"/>
+              <a:t>(</a:t>
+            </a:r>
+            <a:r>
+              <a:rPr lang="ko-KR" altLang="en-US" sz="200" dirty="0"/>
+              <a:t>금</a:t>
+            </a:r>
+            <a:r>
+              <a:rPr lang="en-US" altLang="ko-KR" sz="200" dirty="0"/>
+              <a:t>) 5PM</a:t>
+            </a:r>
+            <a:br>
+              <a:rPr lang="en-US" altLang="ko-KR" sz="200" dirty="0"/>
+            </a:br>
+            <a:r>
+              <a:rPr lang="ko-KR" altLang="en-US" sz="200" b="1" dirty="0"/>
+              <a:t>토요일 </a:t>
+            </a:r>
+            <a:r>
+              <a:rPr lang="en-US" altLang="ko-KR" sz="200" b="1" dirty="0"/>
+              <a:t>1</a:t>
+            </a:r>
+            <a:r>
+              <a:rPr lang="ko-KR" altLang="en-US" sz="200" b="1" dirty="0"/>
+              <a:t>일권</a:t>
+            </a:r>
+            <a:r>
+              <a:rPr lang="ko-KR" altLang="en-US" sz="200" dirty="0"/>
+              <a:t> </a:t>
+            </a:r>
+            <a:r>
+              <a:rPr lang="en-US" altLang="ko-KR" sz="200" dirty="0"/>
+              <a:t>5</a:t>
+            </a:r>
+            <a:r>
+              <a:rPr lang="ko-KR" altLang="en-US" sz="200" dirty="0"/>
+              <a:t>월 </a:t>
+            </a:r>
+            <a:r>
+              <a:rPr lang="en-US" altLang="ko-KR" sz="200" dirty="0"/>
+              <a:t>15</a:t>
+            </a:r>
+            <a:r>
+              <a:rPr lang="ko-KR" altLang="en-US" sz="200" dirty="0"/>
+              <a:t>일</a:t>
+            </a:r>
+            <a:r>
+              <a:rPr lang="en-US" altLang="ko-KR" sz="200" dirty="0"/>
+              <a:t>(</a:t>
+            </a:r>
+            <a:r>
+              <a:rPr lang="ko-KR" altLang="en-US" sz="200" dirty="0"/>
+              <a:t>금</a:t>
+            </a:r>
+            <a:r>
+              <a:rPr lang="en-US" altLang="ko-KR" sz="200" dirty="0"/>
+              <a:t>) 5PM</a:t>
+            </a:r>
+            <a:br>
+              <a:rPr lang="en-US" altLang="ko-KR" sz="200" dirty="0"/>
+            </a:br>
+            <a:r>
+              <a:rPr lang="ko-KR" altLang="en-US" sz="200" b="1" dirty="0"/>
+              <a:t>일요일 </a:t>
+            </a:r>
+            <a:r>
+              <a:rPr lang="en-US" altLang="ko-KR" sz="200" b="1" dirty="0"/>
+              <a:t>1</a:t>
+            </a:r>
+            <a:r>
+              <a:rPr lang="ko-KR" altLang="en-US" sz="200" b="1" dirty="0"/>
+              <a:t>일권</a:t>
+            </a:r>
+            <a:r>
+              <a:rPr lang="ko-KR" altLang="en-US" sz="200" dirty="0"/>
+              <a:t> </a:t>
+            </a:r>
+            <a:r>
+              <a:rPr lang="en-US" altLang="ko-KR" sz="200" dirty="0"/>
+              <a:t>5</a:t>
+            </a:r>
+            <a:r>
+              <a:rPr lang="ko-KR" altLang="en-US" sz="200" dirty="0"/>
+              <a:t>월 </a:t>
+            </a:r>
+            <a:r>
+              <a:rPr lang="en-US" altLang="ko-KR" sz="200" dirty="0"/>
+              <a:t>16</a:t>
+            </a:r>
+            <a:r>
+              <a:rPr lang="ko-KR" altLang="en-US" sz="200" dirty="0"/>
+              <a:t>일</a:t>
+            </a:r>
+            <a:r>
+              <a:rPr lang="en-US" altLang="ko-KR" sz="200" dirty="0"/>
+              <a:t>(</a:t>
+            </a:r>
+            <a:r>
+              <a:rPr lang="ko-KR" altLang="en-US" sz="200" dirty="0"/>
+              <a:t>토</a:t>
+            </a:r>
+            <a:r>
+              <a:rPr lang="en-US" altLang="ko-KR" sz="200" dirty="0"/>
+              <a:t>) 11AM</a:t>
+            </a:r>
           </a:p>
-        </p:txBody>
-      </p:sp>
-      <p:cxnSp>
-        <p:nvCxnSpPr>
-          <p:cNvPr id="8" name="직선 연결선 7"/>
-          <p:cNvCxnSpPr/>
-          <p:nvPr/>
-        </p:nvCxnSpPr>
-        <p:spPr>
-          <a:xfrm>
-            <a:off x="3676650" y="1757455"/>
-            <a:ext cx="565150" cy="0"/>
-          </a:xfrm>
-          <a:prstGeom prst="line">
-            <a:avLst/>
-          </a:prstGeom>
-          <a:ln>
-            <a:solidFill>
-              <a:schemeClr val="tx1"/>
-            </a:solidFill>
-          </a:ln>
-        </p:spPr>
-        <p:style>
-          <a:lnRef idx="1">
-            <a:schemeClr val="accent1"/>
-          </a:lnRef>
-          <a:fillRef idx="0">
-            <a:schemeClr val="accent1"/>
-          </a:fillRef>
-          <a:effectRef idx="0">
-            <a:schemeClr val="accent1"/>
-          </a:effectRef>
-          <a:fontRef idx="minor">
-            <a:schemeClr val="tx1"/>
-          </a:fontRef>
-        </p:style>
-      </p:cxnSp>
-      <p:cxnSp>
-        <p:nvCxnSpPr>
-          <p:cNvPr id="18" name="직선 연결선 17"/>
-          <p:cNvCxnSpPr/>
-          <p:nvPr/>
-        </p:nvCxnSpPr>
-        <p:spPr>
-          <a:xfrm>
-            <a:off x="3676650" y="1852705"/>
-            <a:ext cx="764053" cy="0"/>
-          </a:xfrm>
-          <a:prstGeom prst="line">
-            <a:avLst/>
-          </a:prstGeom>
-          <a:ln>
-            <a:solidFill>
-              <a:schemeClr val="tx1"/>
-            </a:solidFill>
-          </a:ln>
-        </p:spPr>
-        <p:style>
-          <a:lnRef idx="1">
-            <a:schemeClr val="accent1"/>
-          </a:lnRef>
-          <a:fillRef idx="0">
-            <a:schemeClr val="accent1"/>
-          </a:fillRef>
-          <a:effectRef idx="0">
-            <a:schemeClr val="accent1"/>
-          </a:effectRef>
-          <a:fontRef idx="minor">
-            <a:schemeClr val="tx1"/>
-          </a:fontRef>
-        </p:style>
-      </p:cxnSp>
-      <p:cxnSp>
-        <p:nvCxnSpPr>
-          <p:cNvPr id="21" name="직선 연결선 20"/>
-          <p:cNvCxnSpPr/>
-          <p:nvPr/>
-        </p:nvCxnSpPr>
-        <p:spPr>
-          <a:xfrm>
-            <a:off x="3676649" y="1946417"/>
-            <a:ext cx="764053" cy="0"/>
-          </a:xfrm>
-          <a:prstGeom prst="line">
-            <a:avLst/>
-          </a:prstGeom>
-          <a:ln>
-            <a:solidFill>
-              <a:schemeClr val="tx1"/>
-            </a:solidFill>
-          </a:ln>
-        </p:spPr>
-        <p:style>
-          <a:lnRef idx="1">
-            <a:schemeClr val="accent1"/>
-          </a:lnRef>
-          <a:fillRef idx="0">
-            <a:schemeClr val="accent1"/>
-          </a:fillRef>
-          <a:effectRef idx="0">
-            <a:schemeClr val="accent1"/>
-          </a:effectRef>
-          <a:fontRef idx="minor">
-            <a:schemeClr val="tx1"/>
-          </a:fontRef>
-        </p:style>
-      </p:cxnSp>
-      <p:cxnSp>
-        <p:nvCxnSpPr>
-          <p:cNvPr id="22" name="직선 연결선 21"/>
-          <p:cNvCxnSpPr/>
-          <p:nvPr/>
-        </p:nvCxnSpPr>
-        <p:spPr>
-          <a:xfrm>
-            <a:off x="3676650" y="2024155"/>
-            <a:ext cx="764053" cy="0"/>
-          </a:xfrm>
-          <a:prstGeom prst="line">
-            <a:avLst/>
-          </a:prstGeom>
-          <a:ln>
-            <a:solidFill>
-              <a:schemeClr val="tx1"/>
-            </a:solidFill>
-          </a:ln>
-        </p:spPr>
-        <p:style>
-          <a:lnRef idx="1">
-            <a:schemeClr val="accent1"/>
-          </a:lnRef>
-          <a:fillRef idx="0">
-            <a:schemeClr val="accent1"/>
-          </a:fillRef>
-          <a:effectRef idx="0">
-            <a:schemeClr val="accent1"/>
-          </a:effectRef>
-          <a:fontRef idx="minor">
-            <a:schemeClr val="tx1"/>
-          </a:fontRef>
-        </p:style>
-      </p:cxnSp>
-      <p:sp>
-        <p:nvSpPr>
-          <p:cNvPr id="23" name="Rectangle 4"/>
-          <p:cNvSpPr/>
-          <p:nvPr/>
-        </p:nvSpPr>
-        <p:spPr>
-          <a:xfrm>
-            <a:off x="3783320" y="2266090"/>
-            <a:ext cx="499646" cy="98902"/>
-          </a:xfrm>
-          <a:prstGeom prst="rect">
-            <a:avLst/>
-          </a:prstGeom>
-          <a:solidFill>
-            <a:schemeClr val="accent6">
-              <a:lumMod val="60000"/>
-              <a:lumOff val="40000"/>
-            </a:schemeClr>
-          </a:solidFill>
-          <a:ln w="12700">
-            <a:solidFill>
-              <a:schemeClr val="tx1"/>
-            </a:solidFill>
-          </a:ln>
-        </p:spPr>
-        <p:style>
-          <a:lnRef idx="2">
-            <a:schemeClr val="accent1">
-              <a:shade val="50000"/>
-            </a:schemeClr>
-          </a:lnRef>
-          <a:fillRef idx="1">
-            <a:schemeClr val="accent1"/>
-          </a:fillRef>
-          <a:effectRef idx="0">
-            <a:schemeClr val="accent1"/>
-          </a:effectRef>
-          <a:fontRef idx="minor">
-            <a:schemeClr val="lt1"/>
-          </a:fontRef>
-        </p:style>
-        <p:txBody>
-          <a:bodyPr rtlCol="0" anchor="ctr"/>
-          <a:lstStyle/>
           <a:p>
-            <a:pPr algn="ctr"/>
-            <a:r>
-              <a:rPr lang="en-US" altLang="ko-KR" sz="500" dirty="0" err="1" smtClean="0">
-                <a:solidFill>
-                  <a:sysClr val="windowText" lastClr="000000"/>
-                </a:solidFill>
-              </a:rPr>
-              <a:t>btn</a:t>
-            </a:r>
-            <a:endParaRPr lang="ko-KR" altLang="en-US" sz="500" dirty="0">
-              <a:solidFill>
-                <a:sysClr val="windowText" lastClr="000000"/>
-              </a:solidFill>
-            </a:endParaRPr>
+            <a:r>
+              <a:rPr lang="en-US" altLang="ko-KR" sz="200" dirty="0"/>
+              <a:t>– </a:t>
+            </a:r>
+            <a:r>
+              <a:rPr lang="ko-KR" altLang="en-US" sz="200" b="1" dirty="0"/>
+              <a:t>티켓 예매</a:t>
+            </a:r>
+            <a:r>
+              <a:rPr lang="en-US" altLang="ko-KR" sz="200" b="1" dirty="0"/>
+              <a:t>, </a:t>
+            </a:r>
+            <a:r>
+              <a:rPr lang="ko-KR" altLang="en-US" sz="200" b="1" dirty="0"/>
+              <a:t>배송</a:t>
+            </a:r>
+            <a:r>
+              <a:rPr lang="en-US" altLang="ko-KR" sz="200" b="1" dirty="0"/>
+              <a:t>, </a:t>
+            </a:r>
+            <a:r>
+              <a:rPr lang="ko-KR" altLang="en-US" sz="200" b="1" dirty="0"/>
+              <a:t>취소</a:t>
+            </a:r>
+            <a:r>
+              <a:rPr lang="en-US" altLang="ko-KR" sz="200" b="1" dirty="0"/>
+              <a:t>, </a:t>
+            </a:r>
+            <a:r>
+              <a:rPr lang="ko-KR" altLang="en-US" sz="200" b="1" dirty="0"/>
+              <a:t>환불 등의 처리는 해당 예매처에서만 해당 </a:t>
+            </a:r>
+            <a:r>
+              <a:rPr lang="ko-KR" altLang="en-US" sz="200" b="1" dirty="0" err="1"/>
+              <a:t>권종</a:t>
+            </a:r>
+            <a:r>
+              <a:rPr lang="ko-KR" altLang="en-US" sz="200" b="1" dirty="0"/>
+              <a:t> 예매 마감 전까지 가능</a:t>
+            </a:r>
+            <a:r>
+              <a:rPr lang="ko-KR" altLang="en-US" sz="200" dirty="0"/>
+              <a:t>합니다</a:t>
+            </a:r>
+            <a:r>
+              <a:rPr lang="en-US" altLang="ko-KR" sz="200" dirty="0"/>
+              <a:t>. </a:t>
+            </a:r>
+            <a:r>
+              <a:rPr lang="ko-KR" altLang="en-US" sz="200" dirty="0"/>
+              <a:t>취소</a:t>
+            </a:r>
+            <a:r>
+              <a:rPr lang="en-US" altLang="ko-KR" sz="200" dirty="0"/>
+              <a:t>, </a:t>
+            </a:r>
+            <a:r>
+              <a:rPr lang="ko-KR" altLang="en-US" sz="200" dirty="0"/>
+              <a:t>환불 관련 사항은 예매처 규정을 따르며</a:t>
+            </a:r>
+            <a:r>
+              <a:rPr lang="en-US" altLang="ko-KR" sz="200" dirty="0"/>
+              <a:t>, </a:t>
+            </a:r>
+            <a:r>
+              <a:rPr lang="ko-KR" altLang="en-US" sz="200" dirty="0"/>
+              <a:t>예매처에서 상세 내용을 확인할 수 있습니다</a:t>
+            </a:r>
+            <a:r>
+              <a:rPr lang="en-US" altLang="ko-KR" sz="200" dirty="0"/>
+              <a:t>.</a:t>
+            </a:r>
+            <a:br>
+              <a:rPr lang="en-US" altLang="ko-KR" sz="200" dirty="0"/>
+            </a:br>
+            <a:r>
+              <a:rPr lang="en-US" altLang="ko-KR" sz="200" dirty="0"/>
+              <a:t>– </a:t>
+            </a:r>
+            <a:r>
+              <a:rPr lang="ko-KR" altLang="en-US" sz="200" dirty="0"/>
+              <a:t>공식 티켓의 경우 예매처가 여러 곳이므로</a:t>
+            </a:r>
+            <a:r>
+              <a:rPr lang="en-US" altLang="ko-KR" sz="200" dirty="0"/>
+              <a:t>, </a:t>
+            </a:r>
+            <a:r>
+              <a:rPr lang="ko-KR" altLang="en-US" sz="200" dirty="0"/>
+              <a:t>본인이 예매한 예매처를 반드시 기억에 두시기 바랍니다</a:t>
+            </a:r>
+            <a:r>
+              <a:rPr lang="en-US" altLang="ko-KR" sz="200" dirty="0"/>
+              <a:t>.</a:t>
+            </a:r>
+            <a:br>
+              <a:rPr lang="en-US" altLang="ko-KR" sz="200" dirty="0"/>
+            </a:br>
+            <a:r>
+              <a:rPr lang="en-US" altLang="ko-KR" sz="200" dirty="0"/>
+              <a:t>– </a:t>
+            </a:r>
+            <a:r>
+              <a:rPr lang="ko-KR" altLang="en-US" sz="200" dirty="0"/>
+              <a:t>예매처 고객센터</a:t>
+            </a:r>
+            <a:r>
+              <a:rPr lang="en-US" altLang="ko-KR" sz="200" dirty="0"/>
+              <a:t>: </a:t>
+            </a:r>
+            <a:r>
+              <a:rPr lang="ko-KR" altLang="en-US" sz="200" dirty="0" err="1"/>
+              <a:t>인터파크</a:t>
+            </a:r>
+            <a:r>
+              <a:rPr lang="ko-KR" altLang="en-US" sz="200" dirty="0"/>
+              <a:t> 티켓 </a:t>
+            </a:r>
+            <a:r>
+              <a:rPr lang="en-US" altLang="ko-KR" sz="200" dirty="0"/>
+              <a:t>1544-1555 / </a:t>
+            </a:r>
+            <a:r>
+              <a:rPr lang="ko-KR" altLang="en-US" sz="200" dirty="0"/>
+              <a:t>멜론티켓 </a:t>
+            </a:r>
+            <a:r>
+              <a:rPr lang="en-US" altLang="ko-KR" sz="200" dirty="0"/>
+              <a:t>1899-0042 / </a:t>
+            </a:r>
+            <a:r>
+              <a:rPr lang="ko-KR" altLang="en-US" sz="200" dirty="0" err="1"/>
+              <a:t>위메프</a:t>
+            </a:r>
+            <a:r>
+              <a:rPr lang="ko-KR" altLang="en-US" sz="200" dirty="0"/>
+              <a:t> </a:t>
+            </a:r>
+            <a:r>
+              <a:rPr lang="en-US" altLang="ko-KR" sz="200" dirty="0"/>
+              <a:t>1588-4763</a:t>
+            </a:r>
+            <a:br>
+              <a:rPr lang="en-US" altLang="ko-KR" sz="200" dirty="0"/>
+            </a:br>
+            <a:r>
+              <a:rPr lang="en-US" altLang="ko-KR" sz="200" dirty="0"/>
+              <a:t> </a:t>
+            </a:r>
           </a:p>
-        </p:txBody>
-      </p:sp>
-      <p:sp>
-        <p:nvSpPr>
-          <p:cNvPr id="24" name="Rectangle 4"/>
-          <p:cNvSpPr/>
-          <p:nvPr/>
-        </p:nvSpPr>
-        <p:spPr>
-          <a:xfrm>
-            <a:off x="3783320" y="2139884"/>
-            <a:ext cx="499646" cy="98902"/>
-          </a:xfrm>
-          <a:prstGeom prst="rect">
-            <a:avLst/>
-          </a:prstGeom>
-          <a:solidFill>
-            <a:schemeClr val="accent6">
-              <a:lumMod val="60000"/>
-              <a:lumOff val="40000"/>
-            </a:schemeClr>
-          </a:solidFill>
-          <a:ln w="12700">
-            <a:solidFill>
-              <a:schemeClr val="tx1"/>
-            </a:solidFill>
-          </a:ln>
-        </p:spPr>
-        <p:style>
-          <a:lnRef idx="2">
-            <a:schemeClr val="accent1">
-              <a:shade val="50000"/>
-            </a:schemeClr>
-          </a:lnRef>
-          <a:fillRef idx="1">
-            <a:schemeClr val="accent1"/>
-          </a:fillRef>
-          <a:effectRef idx="0">
-            <a:schemeClr val="accent1"/>
-          </a:effectRef>
-          <a:fontRef idx="minor">
-            <a:schemeClr val="lt1"/>
-          </a:fontRef>
-        </p:style>
-        <p:txBody>
-          <a:bodyPr rtlCol="0" anchor="ctr"/>
-          <a:lstStyle/>
           <a:p>
-            <a:pPr algn="ctr"/>
-            <a:r>
-              <a:rPr lang="en-US" altLang="ko-KR" sz="500" dirty="0" err="1" smtClean="0">
-                <a:solidFill>
-                  <a:sysClr val="windowText" lastClr="000000"/>
-                </a:solidFill>
-              </a:rPr>
-              <a:t>btn</a:t>
-            </a:r>
-            <a:endParaRPr lang="ko-KR" altLang="en-US" sz="500" dirty="0">
-              <a:solidFill>
-                <a:sysClr val="windowText" lastClr="000000"/>
-              </a:solidFill>
-            </a:endParaRPr>
+            <a:r>
+              <a:rPr lang="ko-KR" altLang="en-US" sz="200" b="1" dirty="0"/>
+              <a:t>티켓 수령 안내</a:t>
+            </a:r>
+            <a:r>
+              <a:rPr lang="ko-KR" altLang="en-US" sz="200" dirty="0"/>
+              <a:t/>
+            </a:r>
+            <a:br>
+              <a:rPr lang="ko-KR" altLang="en-US" sz="200" dirty="0"/>
+            </a:br>
+            <a:r>
+              <a:rPr lang="en-US" altLang="ko-KR" sz="200" dirty="0"/>
+              <a:t>– </a:t>
+            </a:r>
+            <a:r>
+              <a:rPr lang="ko-KR" altLang="en-US" sz="200" b="1" dirty="0"/>
+              <a:t>티켓 현장 수령 시 예매자 정보 확인이 진행</a:t>
+            </a:r>
+            <a:r>
+              <a:rPr lang="ko-KR" altLang="en-US" sz="200" dirty="0"/>
+              <a:t>됩니다</a:t>
+            </a:r>
+            <a:r>
+              <a:rPr lang="en-US" altLang="ko-KR" sz="200" dirty="0"/>
+              <a:t>. </a:t>
+            </a:r>
+            <a:r>
+              <a:rPr lang="ko-KR" altLang="en-US" sz="200" b="1" dirty="0"/>
+              <a:t>예매자 신분증</a:t>
+            </a:r>
+            <a:r>
+              <a:rPr lang="en-US" altLang="ko-KR" sz="200" dirty="0"/>
+              <a:t>(</a:t>
+            </a:r>
+            <a:r>
+              <a:rPr lang="ko-KR" altLang="en-US" sz="200" dirty="0"/>
+              <a:t>부득이한 경우 예매자 사진</a:t>
+            </a:r>
+            <a:r>
+              <a:rPr lang="en-US" altLang="ko-KR" sz="200" dirty="0"/>
+              <a:t>, </a:t>
+            </a:r>
+            <a:r>
+              <a:rPr lang="ko-KR" altLang="en-US" sz="200" dirty="0"/>
+              <a:t>이름</a:t>
+            </a:r>
+            <a:r>
+              <a:rPr lang="en-US" altLang="ko-KR" sz="200" dirty="0"/>
+              <a:t>, </a:t>
+            </a:r>
+            <a:r>
+              <a:rPr lang="ko-KR" altLang="en-US" sz="200" dirty="0"/>
+              <a:t>생년월일을 확인할 수 있는 사본도 가능</a:t>
+            </a:r>
+            <a:r>
+              <a:rPr lang="en-US" altLang="ko-KR" sz="200" dirty="0"/>
+              <a:t>)</a:t>
+            </a:r>
+            <a:r>
+              <a:rPr lang="ko-KR" altLang="en-US" sz="200" b="1" dirty="0"/>
+              <a:t>과 예매 내역</a:t>
+            </a:r>
+            <a:r>
+              <a:rPr lang="en-US" altLang="ko-KR" sz="200" dirty="0"/>
+              <a:t>(</a:t>
+            </a:r>
+            <a:r>
+              <a:rPr lang="ko-KR" altLang="en-US" sz="200" dirty="0"/>
+              <a:t>예매자 이름과 예매 번호가 적힌 내역</a:t>
+            </a:r>
+            <a:r>
+              <a:rPr lang="en-US" altLang="ko-KR" sz="200" dirty="0"/>
+              <a:t>)</a:t>
+            </a:r>
+            <a:r>
+              <a:rPr lang="ko-KR" altLang="en-US" sz="200" b="1" dirty="0"/>
+              <a:t>을 모두 준비</a:t>
+            </a:r>
+            <a:r>
+              <a:rPr lang="ko-KR" altLang="en-US" sz="200" dirty="0"/>
+              <a:t>하셔야 합니다</a:t>
+            </a:r>
+            <a:r>
+              <a:rPr lang="en-US" altLang="ko-KR" sz="200" dirty="0"/>
+              <a:t>. </a:t>
+            </a:r>
+            <a:r>
+              <a:rPr lang="ko-KR" altLang="en-US" sz="200" dirty="0"/>
+              <a:t>자료 불충분으로 예매자 확인이 되지 않는 경우</a:t>
+            </a:r>
+            <a:r>
+              <a:rPr lang="en-US" altLang="ko-KR" sz="200" dirty="0"/>
+              <a:t>, </a:t>
+            </a:r>
+            <a:r>
+              <a:rPr lang="ko-KR" altLang="en-US" sz="200" dirty="0"/>
+              <a:t>티켓 수령이 불가합니다</a:t>
+            </a:r>
+            <a:r>
+              <a:rPr lang="en-US" altLang="ko-KR" sz="200" dirty="0"/>
+              <a:t>.</a:t>
+            </a:r>
           </a:p>
-        </p:txBody>
-      </p:sp>
-      <p:sp>
-        <p:nvSpPr>
-          <p:cNvPr id="25" name="Rectangle 1"/>
-          <p:cNvSpPr/>
-          <p:nvPr/>
-        </p:nvSpPr>
-        <p:spPr>
-          <a:xfrm>
-            <a:off x="2826237" y="2517392"/>
-            <a:ext cx="1614465" cy="677260"/>
-          </a:xfrm>
-          <a:prstGeom prst="rect">
-            <a:avLst/>
-          </a:prstGeom>
-          <a:noFill/>
-          <a:ln w="12700">
-            <a:solidFill>
-              <a:schemeClr val="tx1"/>
-            </a:solidFill>
-          </a:ln>
-        </p:spPr>
-        <p:style>
-          <a:lnRef idx="2">
-            <a:schemeClr val="accent1">
-              <a:shade val="50000"/>
-            </a:schemeClr>
-          </a:lnRef>
-          <a:fillRef idx="1">
-            <a:schemeClr val="accent1"/>
-          </a:fillRef>
-          <a:effectRef idx="0">
-            <a:schemeClr val="accent1"/>
-          </a:effectRef>
-          <a:fontRef idx="minor">
-            <a:schemeClr val="lt1"/>
-          </a:fontRef>
-        </p:style>
-        <p:txBody>
-          <a:bodyPr rtlCol="0" anchor="ctr"/>
-          <a:lstStyle/>
           <a:p>
-            <a:pPr algn="ctr"/>
-            <a:r>
-              <a:rPr lang="en-US" altLang="ko-KR" sz="1050" dirty="0" smtClean="0">
-                <a:solidFill>
-                  <a:sysClr val="windowText" lastClr="000000"/>
-                </a:solidFill>
-              </a:rPr>
-              <a:t>notice</a:t>
-            </a:r>
-            <a:endParaRPr lang="ko-KR" altLang="en-US" sz="1050" dirty="0">
-              <a:solidFill>
-                <a:sysClr val="windowText" lastClr="000000"/>
-              </a:solidFill>
-            </a:endParaRPr>
+            <a:r>
+              <a:rPr lang="ko-KR" altLang="en-US" sz="200" dirty="0"/>
+              <a:t>예매자 신분증</a:t>
+            </a:r>
+            <a:r>
+              <a:rPr lang="en-US" altLang="ko-KR" sz="200" dirty="0"/>
+              <a:t>: </a:t>
+            </a:r>
+            <a:r>
+              <a:rPr lang="ko-KR" altLang="en-US" sz="200" dirty="0"/>
+              <a:t>주민등록증</a:t>
+            </a:r>
+            <a:r>
+              <a:rPr lang="en-US" altLang="ko-KR" sz="200" dirty="0"/>
+              <a:t>, </a:t>
+            </a:r>
+            <a:r>
+              <a:rPr lang="ko-KR" altLang="en-US" sz="200" dirty="0"/>
+              <a:t>여권</a:t>
+            </a:r>
+            <a:r>
+              <a:rPr lang="en-US" altLang="ko-KR" sz="200" dirty="0"/>
+              <a:t>, </a:t>
+            </a:r>
+            <a:r>
+              <a:rPr lang="ko-KR" altLang="en-US" sz="200" dirty="0"/>
+              <a:t>운전면허증 등</a:t>
+            </a:r>
+            <a:r>
+              <a:rPr lang="en-US" altLang="ko-KR" sz="200" dirty="0"/>
+              <a:t>. </a:t>
+            </a:r>
+            <a:r>
+              <a:rPr lang="ko-KR" altLang="en-US" sz="200" dirty="0"/>
+              <a:t>부득이한 경우 사본</a:t>
+            </a:r>
+            <a:r>
+              <a:rPr lang="en-US" altLang="ko-KR" sz="200" dirty="0"/>
+              <a:t>(</a:t>
+            </a:r>
+            <a:r>
+              <a:rPr lang="ko-KR" altLang="en-US" sz="200" dirty="0"/>
+              <a:t>이름</a:t>
+            </a:r>
+            <a:r>
+              <a:rPr lang="en-US" altLang="ko-KR" sz="200" dirty="0"/>
+              <a:t>, </a:t>
+            </a:r>
+            <a:r>
+              <a:rPr lang="ko-KR" altLang="en-US" sz="200" dirty="0"/>
+              <a:t>생년월일 정보 필요</a:t>
+            </a:r>
+            <a:r>
+              <a:rPr lang="en-US" altLang="ko-KR" sz="200" dirty="0"/>
+              <a:t>)</a:t>
+            </a:r>
+            <a:br>
+              <a:rPr lang="en-US" altLang="ko-KR" sz="200" dirty="0"/>
+            </a:br>
+            <a:r>
+              <a:rPr lang="ko-KR" altLang="en-US" sz="200" dirty="0"/>
+              <a:t>예매 내역</a:t>
+            </a:r>
+            <a:r>
+              <a:rPr lang="en-US" altLang="ko-KR" sz="200" dirty="0"/>
+              <a:t>: </a:t>
+            </a:r>
+            <a:r>
+              <a:rPr lang="ko-KR" altLang="en-US" sz="200" dirty="0"/>
+              <a:t>예매자 성함과 예매 번호가 적힌 내역</a:t>
+            </a:r>
           </a:p>
-        </p:txBody>
-      </p:sp>
-      <p:sp>
-        <p:nvSpPr>
-          <p:cNvPr id="27" name="Google Shape;141;p15"/>
-          <p:cNvSpPr/>
-          <p:nvPr/>
-        </p:nvSpPr>
-        <p:spPr>
-          <a:xfrm>
-            <a:off x="2678210" y="1579732"/>
-            <a:ext cx="216000" cy="216000"/>
-          </a:xfrm>
-          <a:prstGeom prst="roundRect">
-            <a:avLst>
-              <a:gd name="adj" fmla="val 16667"/>
-            </a:avLst>
-          </a:prstGeom>
-          <a:solidFill>
-            <a:srgbClr val="E36C09"/>
-          </a:solidFill>
-          <a:ln>
-            <a:noFill/>
-          </a:ln>
-        </p:spPr>
-        <p:txBody>
-          <a:bodyPr spcFirstLastPara="1" wrap="square" lIns="0" tIns="45700" rIns="0" bIns="45700" anchor="ctr" anchorCtr="0">
-            <a:noAutofit/>
-          </a:bodyPr>
-          <a:lstStyle/>
           <a:p>
-            <a:pPr marL="0" marR="0" lvl="0" indent="0" algn="ctr" rtl="0">
-              <a:spcBef>
-                <a:spcPts val="0"/>
-              </a:spcBef>
-              <a:spcAft>
-                <a:spcPts val="0"/>
-              </a:spcAft>
-              <a:buNone/>
-            </a:pPr>
-            <a:r>
-              <a:rPr lang="en-US" sz="1050" b="1" dirty="0">
-                <a:solidFill>
-                  <a:schemeClr val="lt1"/>
-                </a:solidFill>
-              </a:rPr>
+            <a:r>
+              <a:rPr lang="en-US" altLang="ko-KR" sz="200" dirty="0"/>
+              <a:t>– </a:t>
+            </a:r>
+            <a:r>
+              <a:rPr lang="ko-KR" altLang="en-US" sz="200" b="1" dirty="0"/>
+              <a:t>티켓은 분실 또는 훼손 시 재발급이 불가</a:t>
+            </a:r>
+            <a:r>
+              <a:rPr lang="ko-KR" altLang="en-US" sz="200" dirty="0"/>
+              <a:t>하며</a:t>
+            </a:r>
+            <a:r>
+              <a:rPr lang="en-US" altLang="ko-KR" sz="200" dirty="0"/>
+              <a:t>, </a:t>
+            </a:r>
+            <a:r>
+              <a:rPr lang="ko-KR" altLang="en-US" sz="200" b="1" dirty="0"/>
+              <a:t>티켓 실물 없이는 입장 손목밴드 착용 및 입장이 불가하기에 입장 손목밴드를 착용하기 전까지 티켓 보관에 각별한 유의 </a:t>
+            </a:r>
+            <a:r>
+              <a:rPr lang="ko-KR" altLang="en-US" sz="200" b="1" dirty="0" err="1"/>
+              <a:t>부탁</a:t>
+            </a:r>
+            <a:r>
+              <a:rPr lang="ko-KR" altLang="en-US" sz="200" dirty="0" err="1"/>
+              <a:t>드립니다</a:t>
+            </a:r>
+            <a:r>
+              <a:rPr lang="en-US" altLang="ko-KR" sz="200" dirty="0"/>
+              <a:t>.</a:t>
+            </a:r>
+            <a:br>
+              <a:rPr lang="en-US" altLang="ko-KR" sz="200" dirty="0"/>
+            </a:br>
+            <a:r>
+              <a:rPr lang="en-US" altLang="ko-KR" sz="200" dirty="0"/>
+              <a:t>– </a:t>
+            </a:r>
+            <a:r>
+              <a:rPr lang="ko-KR" altLang="en-US" sz="200" b="1" dirty="0"/>
+              <a:t>공연 당일 변경</a:t>
+            </a:r>
+            <a:r>
+              <a:rPr lang="en-US" altLang="ko-KR" sz="200" b="1" dirty="0"/>
+              <a:t>, </a:t>
+            </a:r>
+            <a:r>
+              <a:rPr lang="ko-KR" altLang="en-US" sz="200" b="1" dirty="0"/>
+              <a:t>취소 및 환불은 불가</a:t>
+            </a:r>
+            <a:r>
+              <a:rPr lang="ko-KR" altLang="en-US" sz="200" dirty="0"/>
+              <a:t>합니다</a:t>
+            </a:r>
+            <a:r>
+              <a:rPr lang="en-US" altLang="ko-KR" sz="200" dirty="0"/>
+              <a:t>.</a:t>
+            </a:r>
+            <a:br>
+              <a:rPr lang="en-US" altLang="ko-KR" sz="200" dirty="0"/>
+            </a:br>
+            <a:r>
+              <a:rPr lang="en-US" altLang="ko-KR" sz="200" dirty="0"/>
+              <a:t> </a:t>
+            </a:r>
+          </a:p>
+          <a:p>
+            <a:r>
+              <a:rPr lang="ko-KR" altLang="en-US" sz="200" b="1" dirty="0"/>
+              <a:t>일반 사항</a:t>
+            </a:r>
+            <a:r>
+              <a:rPr lang="ko-KR" altLang="en-US" sz="200" dirty="0"/>
+              <a:t/>
+            </a:r>
+            <a:br>
+              <a:rPr lang="ko-KR" altLang="en-US" sz="200" dirty="0"/>
+            </a:br>
+            <a:r>
+              <a:rPr lang="en-US" altLang="ko-KR" sz="200" dirty="0"/>
+              <a:t>– </a:t>
+            </a:r>
+            <a:r>
+              <a:rPr lang="ko-KR" altLang="en-US" sz="200" b="1" dirty="0"/>
+              <a:t>티켓에 기재된 날짜에만 입장 가능</a:t>
+            </a:r>
+            <a:r>
+              <a:rPr lang="ko-KR" altLang="en-US" sz="200" dirty="0"/>
+              <a:t>합니다</a:t>
+            </a:r>
+            <a:r>
+              <a:rPr lang="en-US" altLang="ko-KR" sz="200" dirty="0"/>
+              <a:t>.</a:t>
+            </a:r>
+            <a:br>
+              <a:rPr lang="en-US" altLang="ko-KR" sz="200" dirty="0"/>
+            </a:br>
+            <a:r>
+              <a:rPr lang="en-US" altLang="ko-KR" sz="200" dirty="0"/>
+              <a:t>– </a:t>
+            </a:r>
+            <a:r>
+              <a:rPr lang="en-US" altLang="ko-KR" sz="200" b="1" dirty="0"/>
+              <a:t>2</a:t>
+            </a:r>
+            <a:r>
+              <a:rPr lang="ko-KR" altLang="en-US" sz="200" b="1" dirty="0"/>
+              <a:t>일권 구매 시 티켓을 구매한 </a:t>
+            </a:r>
+            <a:r>
+              <a:rPr lang="en-US" altLang="ko-KR" sz="200" b="1" dirty="0"/>
               <a:t>1</a:t>
             </a:r>
-            <a:endParaRPr sz="1050" b="1" dirty="0">
-              <a:solidFill>
-                <a:schemeClr val="lt1"/>
-              </a:solidFill>
-              <a:latin typeface="Arial"/>
-              <a:ea typeface="Arial"/>
-              <a:cs typeface="Arial"/>
-              <a:sym typeface="Arial"/>
-            </a:endParaRPr>
+            <a:r>
+              <a:rPr lang="ko-KR" altLang="en-US" sz="200" b="1" dirty="0"/>
+              <a:t>인에게 이틀 동안 관람할 권리가 제공되며 이 권리는 티켓을 구매한 </a:t>
+            </a:r>
+            <a:r>
+              <a:rPr lang="en-US" altLang="ko-KR" sz="200" b="1" dirty="0"/>
+              <a:t>1</a:t>
+            </a:r>
+            <a:r>
+              <a:rPr lang="ko-KR" altLang="en-US" sz="200" b="1" dirty="0"/>
+              <a:t>인에게만 한정됩니다</a:t>
+            </a:r>
+            <a:r>
+              <a:rPr lang="en-US" altLang="ko-KR" sz="200" b="1" dirty="0"/>
+              <a:t>. 2</a:t>
+            </a:r>
+            <a:r>
+              <a:rPr lang="ko-KR" altLang="en-US" sz="200" b="1" dirty="0"/>
+              <a:t>일권 손목밴드를 원 구매자가 증여 </a:t>
+            </a:r>
+            <a:r>
+              <a:rPr lang="en-US" altLang="ko-KR" sz="200" b="1" dirty="0"/>
+              <a:t>/ </a:t>
+            </a:r>
+            <a:r>
+              <a:rPr lang="ko-KR" altLang="en-US" sz="200" b="1" dirty="0"/>
+              <a:t>양도 및 재판매 등을 통해 타인에게 전달하여 사용할 수 없으며</a:t>
+            </a:r>
+            <a:r>
+              <a:rPr lang="en-US" altLang="ko-KR" sz="200" b="1" dirty="0"/>
+              <a:t>, </a:t>
+            </a:r>
+            <a:r>
+              <a:rPr lang="ko-KR" altLang="en-US" sz="200" b="1" dirty="0"/>
+              <a:t>적발 시 해당 손목밴드는 무효처리 됩니다</a:t>
+            </a:r>
+            <a:r>
+              <a:rPr lang="en-US" altLang="ko-KR" sz="200" b="1" dirty="0"/>
+              <a:t>.</a:t>
+            </a:r>
+            <a:r>
+              <a:rPr lang="ko-KR" altLang="en-US" sz="200" dirty="0"/>
+              <a:t/>
+            </a:r>
+            <a:br>
+              <a:rPr lang="ko-KR" altLang="en-US" sz="200" dirty="0"/>
+            </a:br>
+            <a:r>
+              <a:rPr lang="en-US" altLang="ko-KR" sz="200" dirty="0"/>
+              <a:t>– </a:t>
+            </a:r>
+            <a:r>
+              <a:rPr lang="ko-KR" altLang="en-US" sz="200" dirty="0"/>
+              <a:t>만 </a:t>
+            </a:r>
+            <a:r>
+              <a:rPr lang="en-US" altLang="ko-KR" sz="200" dirty="0"/>
+              <a:t>7</a:t>
+            </a:r>
+            <a:r>
+              <a:rPr lang="ko-KR" altLang="en-US" sz="200" dirty="0"/>
+              <a:t>세 이상은 티켓을 구매해야 입장 가능합니다</a:t>
+            </a:r>
+            <a:r>
+              <a:rPr lang="en-US" altLang="ko-KR" sz="200" dirty="0"/>
+              <a:t>.</a:t>
+            </a:r>
+            <a:br>
+              <a:rPr lang="en-US" altLang="ko-KR" sz="200" dirty="0"/>
+            </a:br>
+            <a:r>
+              <a:rPr lang="en-US" altLang="ko-KR" sz="200" dirty="0"/>
+              <a:t>– </a:t>
+            </a:r>
+            <a:r>
+              <a:rPr lang="ko-KR" altLang="en-US" sz="200" b="1" dirty="0"/>
+              <a:t>만 </a:t>
+            </a:r>
+            <a:r>
+              <a:rPr lang="en-US" altLang="ko-KR" sz="200" b="1" dirty="0"/>
+              <a:t>7</a:t>
+            </a:r>
+            <a:r>
+              <a:rPr lang="ko-KR" altLang="en-US" sz="200" b="1" dirty="0"/>
+              <a:t>세 미만의 아동은 티켓을 구매한 보호자 동반 시 무료 입장이 가능</a:t>
+            </a:r>
+            <a:r>
+              <a:rPr lang="ko-KR" altLang="en-US" sz="200" dirty="0"/>
+              <a:t>합니다</a:t>
+            </a:r>
+            <a:r>
+              <a:rPr lang="en-US" altLang="ko-KR" sz="200" dirty="0"/>
+              <a:t>. </a:t>
+            </a:r>
+            <a:r>
+              <a:rPr lang="ko-KR" altLang="en-US" sz="200" dirty="0"/>
+              <a:t>생년월일을 확인할 수 있는 자료</a:t>
+            </a:r>
+            <a:r>
+              <a:rPr lang="en-US" altLang="ko-KR" sz="200" dirty="0"/>
+              <a:t>(</a:t>
+            </a:r>
+            <a:r>
+              <a:rPr lang="ko-KR" altLang="en-US" sz="200" dirty="0"/>
+              <a:t>의료보험증</a:t>
+            </a:r>
+            <a:r>
+              <a:rPr lang="en-US" altLang="ko-KR" sz="200" dirty="0"/>
+              <a:t>, </a:t>
+            </a:r>
+            <a:r>
+              <a:rPr lang="ko-KR" altLang="en-US" sz="200" dirty="0"/>
+              <a:t>여권 등</a:t>
+            </a:r>
+            <a:r>
+              <a:rPr lang="en-US" altLang="ko-KR" sz="200" dirty="0"/>
+              <a:t>)</a:t>
+            </a:r>
+            <a:r>
+              <a:rPr lang="ko-KR" altLang="en-US" sz="200" dirty="0"/>
+              <a:t>을 지참하고 현장 인포메이션 부스를 방문해주세요</a:t>
+            </a:r>
+            <a:r>
+              <a:rPr lang="en-US" altLang="ko-KR" sz="200" dirty="0"/>
+              <a:t>.</a:t>
+            </a:r>
+            <a:br>
+              <a:rPr lang="en-US" altLang="ko-KR" sz="200" dirty="0"/>
+            </a:br>
+            <a:r>
+              <a:rPr lang="en-US" altLang="ko-KR" sz="200" dirty="0"/>
+              <a:t>– </a:t>
+            </a:r>
+            <a:r>
+              <a:rPr lang="ko-KR" altLang="en-US" sz="200" dirty="0"/>
+              <a:t>티켓 가격에는 부가세</a:t>
+            </a:r>
+            <a:r>
+              <a:rPr lang="en-US" altLang="ko-KR" sz="200" dirty="0"/>
+              <a:t>, </a:t>
+            </a:r>
+            <a:r>
+              <a:rPr lang="ko-KR" altLang="en-US" sz="200" dirty="0"/>
+              <a:t>저작권료 등이 포함되어 있습니다</a:t>
+            </a:r>
+            <a:r>
+              <a:rPr lang="en-US" altLang="ko-KR" sz="200" dirty="0"/>
+              <a:t>.</a:t>
+            </a:r>
+            <a:br>
+              <a:rPr lang="en-US" altLang="ko-KR" sz="200" dirty="0"/>
+            </a:br>
+            <a:r>
+              <a:rPr lang="en-US" altLang="ko-KR" sz="200" dirty="0"/>
+              <a:t>– </a:t>
+            </a:r>
+            <a:r>
+              <a:rPr lang="ko-KR" altLang="en-US" sz="200" b="1" dirty="0"/>
+              <a:t>예매에 앞서 취소</a:t>
+            </a:r>
+            <a:r>
+              <a:rPr lang="en-US" altLang="ko-KR" sz="200" b="1" dirty="0"/>
+              <a:t>, </a:t>
+            </a:r>
+            <a:r>
+              <a:rPr lang="ko-KR" altLang="en-US" sz="200" b="1" dirty="0"/>
+              <a:t>환불 조항과 관람 안내 등의 상세 내용을 반드시 확인</a:t>
+            </a:r>
+            <a:r>
+              <a:rPr lang="ko-KR" altLang="en-US" sz="200" dirty="0"/>
+              <a:t>해주시기 바랍니다</a:t>
+            </a:r>
+            <a:r>
+              <a:rPr lang="en-US" altLang="ko-KR" sz="200" dirty="0"/>
+              <a:t>.</a:t>
+            </a:r>
+            <a:br>
+              <a:rPr lang="en-US" altLang="ko-KR" sz="200" dirty="0"/>
+            </a:br>
+            <a:r>
+              <a:rPr lang="en-US" altLang="ko-KR" sz="200" dirty="0"/>
+              <a:t>– </a:t>
+            </a:r>
+            <a:r>
+              <a:rPr lang="ko-KR" altLang="en-US" sz="200" b="1" dirty="0"/>
+              <a:t>티켓 예매</a:t>
+            </a:r>
+            <a:r>
+              <a:rPr lang="en-US" altLang="ko-KR" sz="200" b="1" dirty="0"/>
+              <a:t>, </a:t>
+            </a:r>
+            <a:r>
+              <a:rPr lang="ko-KR" altLang="en-US" sz="200" b="1" dirty="0"/>
+              <a:t>결제</a:t>
+            </a:r>
+            <a:r>
+              <a:rPr lang="en-US" altLang="ko-KR" sz="200" b="1" dirty="0"/>
+              <a:t>, </a:t>
+            </a:r>
+            <a:r>
+              <a:rPr lang="ko-KR" altLang="en-US" sz="200" b="1" dirty="0"/>
+              <a:t>취소</a:t>
+            </a:r>
+            <a:r>
+              <a:rPr lang="en-US" altLang="ko-KR" sz="200" b="1" dirty="0"/>
+              <a:t>, </a:t>
+            </a:r>
+            <a:r>
+              <a:rPr lang="ko-KR" altLang="en-US" sz="200" b="1" dirty="0"/>
+              <a:t>환불 등과 관련 된 사항은 해당 예매처를 통해서만 처리 가능하며</a:t>
+            </a:r>
+            <a:r>
+              <a:rPr lang="en-US" altLang="ko-KR" sz="200" b="1" dirty="0"/>
+              <a:t>, </a:t>
+            </a:r>
+            <a:r>
+              <a:rPr lang="ko-KR" altLang="en-US" sz="200" b="1" dirty="0"/>
+              <a:t>예매처 규정을 따릅니다</a:t>
+            </a:r>
+            <a:r>
+              <a:rPr lang="en-US" altLang="ko-KR" sz="200" b="1" dirty="0"/>
+              <a:t>.</a:t>
+            </a:r>
+            <a:r>
+              <a:rPr lang="ko-KR" altLang="en-US" sz="200" dirty="0"/>
+              <a:t/>
+            </a:r>
+            <a:br>
+              <a:rPr lang="ko-KR" altLang="en-US" sz="200" dirty="0"/>
+            </a:br>
+            <a:r>
+              <a:rPr lang="en-US" altLang="ko-KR" sz="200" dirty="0"/>
+              <a:t>– </a:t>
+            </a:r>
+            <a:r>
+              <a:rPr lang="ko-KR" altLang="en-US" sz="200" dirty="0"/>
+              <a:t>티켓 예매를 하는 것은 예매처와 주최측의 안내를 충분히 확인했으며</a:t>
+            </a:r>
+            <a:r>
+              <a:rPr lang="en-US" altLang="ko-KR" sz="200" dirty="0"/>
+              <a:t>, </a:t>
+            </a:r>
+            <a:r>
+              <a:rPr lang="ko-KR" altLang="en-US" sz="200" dirty="0"/>
+              <a:t>예매처와 주최측의 규정에 동의함을 의미합니다</a:t>
+            </a:r>
+            <a:r>
+              <a:rPr lang="en-US" altLang="ko-KR" sz="200" dirty="0"/>
+              <a:t>.</a:t>
+            </a:r>
+            <a:br>
+              <a:rPr lang="en-US" altLang="ko-KR" sz="200" dirty="0"/>
+            </a:br>
+            <a:r>
+              <a:rPr lang="en-US" altLang="ko-KR" sz="200" dirty="0"/>
+              <a:t> </a:t>
+            </a:r>
           </a:p>
-        </p:txBody>
-      </p:sp>
-      <p:sp>
-        <p:nvSpPr>
-          <p:cNvPr id="28" name="Google Shape;141;p15"/>
-          <p:cNvSpPr/>
-          <p:nvPr/>
-        </p:nvSpPr>
-        <p:spPr>
-          <a:xfrm>
-            <a:off x="2753281" y="2420605"/>
-            <a:ext cx="216000" cy="216000"/>
-          </a:xfrm>
-          <a:prstGeom prst="roundRect">
-            <a:avLst>
-              <a:gd name="adj" fmla="val 16667"/>
-            </a:avLst>
-          </a:prstGeom>
-          <a:solidFill>
-            <a:srgbClr val="E36C09"/>
-          </a:solidFill>
-          <a:ln>
-            <a:noFill/>
-          </a:ln>
-        </p:spPr>
-        <p:txBody>
-          <a:bodyPr spcFirstLastPara="1" wrap="square" lIns="0" tIns="45700" rIns="0" bIns="45700" anchor="ctr" anchorCtr="0">
-            <a:noAutofit/>
-          </a:bodyPr>
-          <a:lstStyle/>
           <a:p>
-            <a:pPr marL="0" marR="0" lvl="0" indent="0" algn="ctr" rtl="0">
-              <a:spcBef>
-                <a:spcPts val="0"/>
-              </a:spcBef>
-              <a:spcAft>
-                <a:spcPts val="0"/>
-              </a:spcAft>
-              <a:buNone/>
-            </a:pPr>
-            <a:r>
-              <a:rPr lang="en-US" sz="1050" b="1" dirty="0" smtClean="0">
-                <a:solidFill>
-                  <a:schemeClr val="lt1"/>
-                </a:solidFill>
-              </a:rPr>
-              <a:t>3</a:t>
-            </a:r>
-            <a:endParaRPr sz="1050" b="1" dirty="0">
-              <a:solidFill>
-                <a:schemeClr val="lt1"/>
-              </a:solidFill>
-              <a:latin typeface="Arial"/>
-              <a:ea typeface="Arial"/>
-              <a:cs typeface="Arial"/>
-              <a:sym typeface="Arial"/>
-            </a:endParaRPr>
+            <a:r>
+              <a:rPr lang="ko-KR" altLang="en-US" sz="200" b="1" dirty="0"/>
+              <a:t>티켓 현장 판매</a:t>
+            </a:r>
+            <a:r>
+              <a:rPr lang="ko-KR" altLang="en-US" sz="200" dirty="0"/>
+              <a:t/>
+            </a:r>
+            <a:br>
+              <a:rPr lang="ko-KR" altLang="en-US" sz="200" dirty="0"/>
+            </a:br>
+            <a:r>
+              <a:rPr lang="ko-KR" altLang="en-US" sz="200" dirty="0"/>
+              <a:t>예매가 마감된 이후</a:t>
+            </a:r>
+            <a:r>
+              <a:rPr lang="en-US" altLang="ko-KR" sz="200" dirty="0"/>
+              <a:t>, </a:t>
+            </a:r>
+            <a:r>
+              <a:rPr lang="ko-KR" altLang="en-US" sz="200" dirty="0"/>
+              <a:t>잔여 티켓 수량에 따라 현장 판매를 진행합니다</a:t>
+            </a:r>
+            <a:r>
+              <a:rPr lang="en-US" altLang="ko-KR" sz="200" dirty="0"/>
+              <a:t>.</a:t>
+            </a:r>
+          </a:p>
+          <a:p>
+            <a:r>
+              <a:rPr lang="ko-KR" altLang="en-US" sz="200" dirty="0"/>
+              <a:t>현장 판매 티켓 가격</a:t>
+            </a:r>
+            <a:br>
+              <a:rPr lang="ko-KR" altLang="en-US" sz="200" dirty="0"/>
+            </a:br>
+            <a:r>
+              <a:rPr lang="en-US" altLang="ko-KR" sz="200" dirty="0"/>
+              <a:t>2</a:t>
+            </a:r>
+            <a:r>
+              <a:rPr lang="ko-KR" altLang="en-US" sz="200" dirty="0"/>
+              <a:t>일권</a:t>
+            </a:r>
+            <a:r>
+              <a:rPr lang="en-US" altLang="ko-KR" sz="200" dirty="0"/>
+              <a:t>: 150,000</a:t>
+            </a:r>
+            <a:r>
+              <a:rPr lang="ko-KR" altLang="en-US" sz="200" dirty="0"/>
+              <a:t>원</a:t>
+            </a:r>
+            <a:r>
+              <a:rPr lang="en-US" altLang="ko-KR" sz="200" dirty="0"/>
+              <a:t>(5/16(</a:t>
+            </a:r>
+            <a:r>
+              <a:rPr lang="ko-KR" altLang="en-US" sz="200" dirty="0"/>
+              <a:t>토</a:t>
+            </a:r>
+            <a:r>
+              <a:rPr lang="en-US" altLang="ko-KR" sz="200" dirty="0"/>
+              <a:t>) </a:t>
+            </a:r>
+            <a:r>
+              <a:rPr lang="ko-KR" altLang="en-US" sz="200" dirty="0"/>
+              <a:t>판매</a:t>
+            </a:r>
+            <a:r>
+              <a:rPr lang="en-US" altLang="ko-KR" sz="200" dirty="0"/>
+              <a:t>)</a:t>
+            </a:r>
+            <a:br>
+              <a:rPr lang="en-US" altLang="ko-KR" sz="200" dirty="0"/>
+            </a:br>
+            <a:r>
+              <a:rPr lang="ko-KR" altLang="en-US" sz="200" dirty="0"/>
+              <a:t>토요일 </a:t>
+            </a:r>
+            <a:r>
+              <a:rPr lang="en-US" altLang="ko-KR" sz="200" dirty="0"/>
+              <a:t>1</a:t>
+            </a:r>
+            <a:r>
+              <a:rPr lang="ko-KR" altLang="en-US" sz="200" dirty="0"/>
+              <a:t>일권</a:t>
+            </a:r>
+            <a:r>
+              <a:rPr lang="en-US" altLang="ko-KR" sz="200" dirty="0"/>
+              <a:t>: 95,000</a:t>
+            </a:r>
+            <a:r>
+              <a:rPr lang="ko-KR" altLang="en-US" sz="200" dirty="0"/>
+              <a:t>원</a:t>
+            </a:r>
+            <a:r>
+              <a:rPr lang="en-US" altLang="ko-KR" sz="200" dirty="0"/>
+              <a:t>(5/16(</a:t>
+            </a:r>
+            <a:r>
+              <a:rPr lang="ko-KR" altLang="en-US" sz="200" dirty="0"/>
+              <a:t>토</a:t>
+            </a:r>
+            <a:r>
+              <a:rPr lang="en-US" altLang="ko-KR" sz="200" dirty="0"/>
+              <a:t>) </a:t>
+            </a:r>
+            <a:r>
+              <a:rPr lang="ko-KR" altLang="en-US" sz="200" dirty="0"/>
+              <a:t>판매</a:t>
+            </a:r>
+            <a:r>
+              <a:rPr lang="en-US" altLang="ko-KR" sz="200" dirty="0"/>
+              <a:t>)</a:t>
+            </a:r>
+            <a:br>
+              <a:rPr lang="en-US" altLang="ko-KR" sz="200" dirty="0"/>
+            </a:br>
+            <a:r>
+              <a:rPr lang="ko-KR" altLang="en-US" sz="200" dirty="0"/>
+              <a:t>일요일 </a:t>
+            </a:r>
+            <a:r>
+              <a:rPr lang="en-US" altLang="ko-KR" sz="200" dirty="0"/>
+              <a:t>1</a:t>
+            </a:r>
+            <a:r>
+              <a:rPr lang="ko-KR" altLang="en-US" sz="200" dirty="0"/>
+              <a:t>일권</a:t>
+            </a:r>
+            <a:r>
+              <a:rPr lang="en-US" altLang="ko-KR" sz="200" dirty="0"/>
+              <a:t>: 95,000</a:t>
+            </a:r>
+            <a:r>
+              <a:rPr lang="ko-KR" altLang="en-US" sz="200" dirty="0"/>
+              <a:t>원</a:t>
+            </a:r>
+            <a:r>
+              <a:rPr lang="en-US" altLang="ko-KR" sz="200" dirty="0"/>
+              <a:t>(5/17(</a:t>
+            </a:r>
+            <a:r>
+              <a:rPr lang="ko-KR" altLang="en-US" sz="200" dirty="0"/>
+              <a:t>일</a:t>
+            </a:r>
+            <a:r>
+              <a:rPr lang="en-US" altLang="ko-KR" sz="200" dirty="0"/>
+              <a:t>) </a:t>
+            </a:r>
+            <a:r>
+              <a:rPr lang="ko-KR" altLang="en-US" sz="200" dirty="0"/>
+              <a:t>판매</a:t>
+            </a:r>
+            <a:r>
+              <a:rPr lang="en-US" altLang="ko-KR" sz="200" dirty="0"/>
+              <a:t>)</a:t>
+            </a:r>
+          </a:p>
+          <a:p>
+            <a:r>
+              <a:rPr lang="en-US" altLang="ko-KR" sz="200" dirty="0"/>
+              <a:t>– </a:t>
+            </a:r>
+            <a:r>
+              <a:rPr lang="ko-KR" altLang="en-US" sz="200" dirty="0"/>
+              <a:t>현장 판매 진행 여부</a:t>
+            </a:r>
+            <a:r>
+              <a:rPr lang="en-US" altLang="ko-KR" sz="200" dirty="0"/>
+              <a:t>, </a:t>
+            </a:r>
+            <a:r>
+              <a:rPr lang="ko-KR" altLang="en-US" sz="200" dirty="0"/>
+              <a:t>수량 등은 예매 마감에 임박해 주최측 </a:t>
+            </a:r>
+            <a:r>
+              <a:rPr lang="en-US" altLang="ko-KR" sz="200" dirty="0"/>
+              <a:t>SNS </a:t>
+            </a:r>
+            <a:r>
+              <a:rPr lang="ko-KR" altLang="en-US" sz="200" dirty="0"/>
+              <a:t>채널을 통해 별도 공지됩니다</a:t>
+            </a:r>
+            <a:r>
+              <a:rPr lang="en-US" altLang="ko-KR" sz="200" dirty="0"/>
+              <a:t>.</a:t>
+            </a:r>
+            <a:br>
+              <a:rPr lang="en-US" altLang="ko-KR" sz="200" dirty="0"/>
+            </a:br>
+            <a:r>
+              <a:rPr lang="en-US" altLang="ko-KR" sz="200" dirty="0"/>
+              <a:t>– </a:t>
+            </a:r>
+            <a:r>
+              <a:rPr lang="ko-KR" altLang="en-US" sz="200" dirty="0"/>
+              <a:t>현장 판매 티켓은 구매 후 취소</a:t>
+            </a:r>
+            <a:r>
+              <a:rPr lang="en-US" altLang="ko-KR" sz="200" dirty="0"/>
+              <a:t>, </a:t>
+            </a:r>
+            <a:r>
+              <a:rPr lang="ko-KR" altLang="en-US" sz="200" dirty="0"/>
+              <a:t>환불이 불가합니다</a:t>
+            </a:r>
+            <a:r>
+              <a:rPr lang="en-US" altLang="ko-KR" sz="200" dirty="0"/>
+              <a:t>.</a:t>
+            </a:r>
+          </a:p>
+          <a:p>
+            <a:endParaRPr lang="ko-KR" altLang="en-US" sz="200" dirty="0"/>
           </a:p>
         </p:txBody>
       </p:sp>
@@ -12691,76 +14173,30 @@
           </a:p>
         </p:txBody>
       </p:sp>
-      <p:sp>
-        <p:nvSpPr>
-          <p:cNvPr id="2" name="Rectangle 1"/>
-          <p:cNvSpPr/>
-          <p:nvPr/>
-        </p:nvSpPr>
-        <p:spPr>
-          <a:xfrm>
-            <a:off x="2545456" y="993085"/>
-            <a:ext cx="2163793" cy="3373924"/>
-          </a:xfrm>
-          <a:prstGeom prst="rect">
-            <a:avLst/>
-          </a:prstGeom>
-          <a:noFill/>
-          <a:ln w="12700">
-            <a:solidFill>
-              <a:schemeClr val="tx1"/>
-            </a:solidFill>
-          </a:ln>
-        </p:spPr>
-        <p:style>
-          <a:lnRef idx="2">
-            <a:schemeClr val="accent1">
-              <a:shade val="50000"/>
-            </a:schemeClr>
-          </a:lnRef>
-          <a:fillRef idx="1">
-            <a:schemeClr val="accent1"/>
-          </a:fillRef>
-          <a:effectRef idx="0">
-            <a:schemeClr val="accent1"/>
-          </a:effectRef>
-          <a:fontRef idx="minor">
-            <a:schemeClr val="lt1"/>
-          </a:fontRef>
-        </p:style>
-        <p:txBody>
-          <a:bodyPr rtlCol="0" anchor="ctr"/>
-          <a:lstStyle/>
-          <a:p>
-            <a:pPr algn="ctr"/>
-            <a:endParaRPr lang="ko-KR" altLang="en-US"/>
-          </a:p>
-        </p:txBody>
-      </p:sp>
       <p:grpSp>
         <p:nvGrpSpPr>
-          <p:cNvPr id="10" name="그룹 9"/>
+          <p:cNvPr id="7" name="그룹 6"/>
           <p:cNvGrpSpPr/>
           <p:nvPr/>
         </p:nvGrpSpPr>
         <p:grpSpPr>
           <a:xfrm>
-            <a:off x="2545456" y="993083"/>
-            <a:ext cx="2163793" cy="544506"/>
-            <a:chOff x="2179463" y="1379220"/>
-            <a:chExt cx="4785073" cy="2710916"/>
+            <a:off x="423911" y="422866"/>
+            <a:ext cx="2818632" cy="4394993"/>
+            <a:chOff x="2545456" y="993083"/>
+            <a:chExt cx="2163793" cy="3373926"/>
           </a:xfrm>
         </p:grpSpPr>
         <p:sp>
           <p:nvSpPr>
-            <p:cNvPr id="12" name="Rectangle 1"/>
+            <p:cNvPr id="2" name="Rectangle 1"/>
             <p:cNvSpPr/>
             <p:nvPr/>
           </p:nvSpPr>
           <p:spPr>
             <a:xfrm>
-              <a:off x="2179463" y="1379220"/>
-              <a:ext cx="4785073" cy="2710916"/>
+              <a:off x="2545456" y="993085"/>
+              <a:ext cx="2163793" cy="3373924"/>
             </a:xfrm>
             <a:prstGeom prst="rect">
               <a:avLst/>
@@ -12797,569 +14233,3841 @@
             </a:p>
           </p:txBody>
         </p:sp>
-        <p:cxnSp>
-          <p:nvCxnSpPr>
-            <p:cNvPr id="6" name="직선 연결선 5"/>
-            <p:cNvCxnSpPr/>
+        <p:grpSp>
+          <p:nvGrpSpPr>
+            <p:cNvPr id="10" name="그룹 9"/>
+            <p:cNvGrpSpPr/>
             <p:nvPr/>
-          </p:nvCxnSpPr>
+          </p:nvGrpSpPr>
+          <p:grpSpPr>
+            <a:xfrm>
+              <a:off x="2545456" y="993083"/>
+              <a:ext cx="2163793" cy="544506"/>
+              <a:chOff x="2179463" y="1379220"/>
+              <a:chExt cx="4785073" cy="2710916"/>
+            </a:xfrm>
+          </p:grpSpPr>
+          <p:sp>
+            <p:nvSpPr>
+              <p:cNvPr id="12" name="Rectangle 1"/>
+              <p:cNvSpPr/>
+              <p:nvPr/>
+            </p:nvSpPr>
+            <p:spPr>
+              <a:xfrm>
+                <a:off x="2179463" y="1379220"/>
+                <a:ext cx="4785073" cy="2710916"/>
+              </a:xfrm>
+              <a:prstGeom prst="rect">
+                <a:avLst/>
+              </a:prstGeom>
+              <a:noFill/>
+              <a:ln w="12700">
+                <a:solidFill>
+                  <a:schemeClr val="tx1"/>
+                </a:solidFill>
+              </a:ln>
+            </p:spPr>
+            <p:style>
+              <a:lnRef idx="2">
+                <a:schemeClr val="accent1">
+                  <a:shade val="50000"/>
+                </a:schemeClr>
+              </a:lnRef>
+              <a:fillRef idx="1">
+                <a:schemeClr val="accent1"/>
+              </a:fillRef>
+              <a:effectRef idx="0">
+                <a:schemeClr val="accent1"/>
+              </a:effectRef>
+              <a:fontRef idx="minor">
+                <a:schemeClr val="lt1"/>
+              </a:fontRef>
+            </p:style>
+            <p:txBody>
+              <a:bodyPr rtlCol="0" anchor="ctr"/>
+              <a:lstStyle/>
+              <a:p>
+                <a:pPr algn="ctr"/>
+                <a:endParaRPr lang="ko-KR" altLang="en-US"/>
+              </a:p>
+            </p:txBody>
+          </p:sp>
+          <p:cxnSp>
+            <p:nvCxnSpPr>
+              <p:cNvPr id="6" name="직선 연결선 5"/>
+              <p:cNvCxnSpPr/>
+              <p:nvPr/>
+            </p:nvCxnSpPr>
+            <p:spPr>
+              <a:xfrm>
+                <a:off x="2179463" y="1379220"/>
+                <a:ext cx="4785073" cy="2710916"/>
+              </a:xfrm>
+              <a:prstGeom prst="line">
+                <a:avLst/>
+              </a:prstGeom>
+              <a:ln>
+                <a:solidFill>
+                  <a:schemeClr val="tx1"/>
+                </a:solidFill>
+              </a:ln>
+            </p:spPr>
+            <p:style>
+              <a:lnRef idx="1">
+                <a:schemeClr val="accent1"/>
+              </a:lnRef>
+              <a:fillRef idx="0">
+                <a:schemeClr val="accent1"/>
+              </a:fillRef>
+              <a:effectRef idx="0">
+                <a:schemeClr val="accent1"/>
+              </a:effectRef>
+              <a:fontRef idx="minor">
+                <a:schemeClr val="tx1"/>
+              </a:fontRef>
+            </p:style>
+          </p:cxnSp>
+        </p:grpSp>
+        <p:sp>
+          <p:nvSpPr>
+            <p:cNvPr id="5" name="Rectangle 4"/>
+            <p:cNvSpPr/>
+            <p:nvPr/>
+          </p:nvSpPr>
           <p:spPr>
             <a:xfrm>
-              <a:off x="2179463" y="1379220"/>
-              <a:ext cx="4785073" cy="2710916"/>
+              <a:off x="2648630" y="1030129"/>
+              <a:ext cx="355217" cy="98902"/>
             </a:xfrm>
-            <a:prstGeom prst="line">
+            <a:prstGeom prst="rect">
               <a:avLst/>
             </a:prstGeom>
-            <a:ln>
+            <a:solidFill>
+              <a:schemeClr val="bg2"/>
+            </a:solidFill>
+            <a:ln w="12700">
               <a:solidFill>
                 <a:schemeClr val="tx1"/>
               </a:solidFill>
             </a:ln>
           </p:spPr>
           <p:style>
-            <a:lnRef idx="1">
-              <a:schemeClr val="accent1"/>
+            <a:lnRef idx="2">
+              <a:schemeClr val="accent1">
+                <a:shade val="50000"/>
+              </a:schemeClr>
             </a:lnRef>
-            <a:fillRef idx="0">
+            <a:fillRef idx="1">
               <a:schemeClr val="accent1"/>
             </a:fillRef>
             <a:effectRef idx="0">
               <a:schemeClr val="accent1"/>
             </a:effectRef>
             <a:fontRef idx="minor">
-              <a:schemeClr val="tx1"/>
+              <a:schemeClr val="lt1"/>
             </a:fontRef>
           </p:style>
-        </p:cxnSp>
+          <p:txBody>
+            <a:bodyPr rtlCol="0" anchor="ctr"/>
+            <a:lstStyle/>
+            <a:p>
+              <a:pPr algn="ctr"/>
+              <a:r>
+                <a:rPr lang="en-US" altLang="ko-KR" sz="500" dirty="0" smtClean="0">
+                  <a:solidFill>
+                    <a:schemeClr val="bg1"/>
+                  </a:solidFill>
+                </a:rPr>
+                <a:t>Logo</a:t>
+              </a:r>
+              <a:endParaRPr lang="ko-KR" altLang="en-US" sz="500" dirty="0">
+                <a:solidFill>
+                  <a:schemeClr val="bg1"/>
+                </a:solidFill>
+              </a:endParaRPr>
+            </a:p>
+          </p:txBody>
+        </p:sp>
+        <p:sp>
+          <p:nvSpPr>
+            <p:cNvPr id="15" name="Rectangle 4"/>
+            <p:cNvSpPr/>
+            <p:nvPr/>
+          </p:nvSpPr>
+          <p:spPr>
+            <a:xfrm>
+              <a:off x="3080592" y="1030129"/>
+              <a:ext cx="1541148" cy="98902"/>
+            </a:xfrm>
+            <a:prstGeom prst="rect">
+              <a:avLst/>
+            </a:prstGeom>
+            <a:solidFill>
+              <a:schemeClr val="accent6">
+                <a:lumMod val="75000"/>
+              </a:schemeClr>
+            </a:solidFill>
+            <a:ln w="12700">
+              <a:solidFill>
+                <a:schemeClr val="tx1"/>
+              </a:solidFill>
+            </a:ln>
+          </p:spPr>
+          <p:style>
+            <a:lnRef idx="2">
+              <a:schemeClr val="accent1">
+                <a:shade val="50000"/>
+              </a:schemeClr>
+            </a:lnRef>
+            <a:fillRef idx="1">
+              <a:schemeClr val="accent1"/>
+            </a:fillRef>
+            <a:effectRef idx="0">
+              <a:schemeClr val="accent1"/>
+            </a:effectRef>
+            <a:fontRef idx="minor">
+              <a:schemeClr val="lt1"/>
+            </a:fontRef>
+          </p:style>
+          <p:txBody>
+            <a:bodyPr rtlCol="0" anchor="ctr"/>
+            <a:lstStyle/>
+            <a:p>
+              <a:pPr algn="ctr"/>
+              <a:r>
+                <a:rPr lang="en-US" altLang="ko-KR" sz="500" dirty="0" err="1" smtClean="0">
+                  <a:solidFill>
+                    <a:schemeClr val="bg1"/>
+                  </a:solidFill>
+                </a:rPr>
+                <a:t>nav</a:t>
+              </a:r>
+              <a:endParaRPr lang="ko-KR" altLang="en-US" sz="500" dirty="0">
+                <a:solidFill>
+                  <a:schemeClr val="bg1"/>
+                </a:solidFill>
+              </a:endParaRPr>
+            </a:p>
+          </p:txBody>
+        </p:sp>
+        <p:sp>
+          <p:nvSpPr>
+            <p:cNvPr id="41" name="Rectangle 1"/>
+            <p:cNvSpPr/>
+            <p:nvPr/>
+          </p:nvSpPr>
+          <p:spPr>
+            <a:xfrm>
+              <a:off x="2545456" y="4048919"/>
+              <a:ext cx="2163793" cy="318089"/>
+            </a:xfrm>
+            <a:prstGeom prst="rect">
+              <a:avLst/>
+            </a:prstGeom>
+            <a:solidFill>
+              <a:schemeClr val="bg1"/>
+            </a:solidFill>
+            <a:ln w="12700">
+              <a:solidFill>
+                <a:schemeClr val="tx1"/>
+              </a:solidFill>
+            </a:ln>
+          </p:spPr>
+          <p:style>
+            <a:lnRef idx="2">
+              <a:schemeClr val="accent1">
+                <a:shade val="50000"/>
+              </a:schemeClr>
+            </a:lnRef>
+            <a:fillRef idx="1">
+              <a:schemeClr val="accent1"/>
+            </a:fillRef>
+            <a:effectRef idx="0">
+              <a:schemeClr val="accent1"/>
+            </a:effectRef>
+            <a:fontRef idx="minor">
+              <a:schemeClr val="lt1"/>
+            </a:fontRef>
+          </p:style>
+          <p:txBody>
+            <a:bodyPr rtlCol="0" anchor="ctr"/>
+            <a:lstStyle/>
+            <a:p>
+              <a:pPr algn="ctr"/>
+              <a:r>
+                <a:rPr lang="en-US" altLang="ko-KR" sz="1050" dirty="0" smtClean="0">
+                  <a:solidFill>
+                    <a:sysClr val="windowText" lastClr="000000"/>
+                  </a:solidFill>
+                </a:rPr>
+                <a:t>footer</a:t>
+              </a:r>
+              <a:endParaRPr lang="ko-KR" altLang="en-US" sz="1050" dirty="0">
+                <a:solidFill>
+                  <a:sysClr val="windowText" lastClr="000000"/>
+                </a:solidFill>
+              </a:endParaRPr>
+            </a:p>
+          </p:txBody>
+        </p:sp>
+        <p:sp>
+          <p:nvSpPr>
+            <p:cNvPr id="42" name="Rectangle 1"/>
+            <p:cNvSpPr/>
+            <p:nvPr/>
+          </p:nvSpPr>
+          <p:spPr>
+            <a:xfrm>
+              <a:off x="2826238" y="1687732"/>
+              <a:ext cx="1675912" cy="677260"/>
+            </a:xfrm>
+            <a:prstGeom prst="rect">
+              <a:avLst/>
+            </a:prstGeom>
+            <a:noFill/>
+            <a:ln w="12700">
+              <a:solidFill>
+                <a:schemeClr val="tx1"/>
+              </a:solidFill>
+            </a:ln>
+          </p:spPr>
+          <p:style>
+            <a:lnRef idx="2">
+              <a:schemeClr val="accent1">
+                <a:shade val="50000"/>
+              </a:schemeClr>
+            </a:lnRef>
+            <a:fillRef idx="1">
+              <a:schemeClr val="accent1"/>
+            </a:fillRef>
+            <a:effectRef idx="0">
+              <a:schemeClr val="accent1"/>
+            </a:effectRef>
+            <a:fontRef idx="minor">
+              <a:schemeClr val="lt1"/>
+            </a:fontRef>
+          </p:style>
+          <p:txBody>
+            <a:bodyPr rtlCol="0" anchor="ctr"/>
+            <a:lstStyle/>
+            <a:p>
+              <a:pPr algn="ctr"/>
+              <a:r>
+                <a:rPr lang="en-US" altLang="ko-KR" sz="1050" dirty="0" smtClean="0">
+                  <a:solidFill>
+                    <a:sysClr val="windowText" lastClr="000000"/>
+                  </a:solidFill>
+                </a:rPr>
+                <a:t>notice</a:t>
+              </a:r>
+              <a:endParaRPr lang="ko-KR" altLang="en-US" sz="1050" dirty="0">
+                <a:solidFill>
+                  <a:sysClr val="windowText" lastClr="000000"/>
+                </a:solidFill>
+              </a:endParaRPr>
+            </a:p>
+          </p:txBody>
+        </p:sp>
+        <p:sp>
+          <p:nvSpPr>
+            <p:cNvPr id="27" name="Google Shape;141;p15"/>
+            <p:cNvSpPr/>
+            <p:nvPr/>
+          </p:nvSpPr>
+          <p:spPr>
+            <a:xfrm>
+              <a:off x="2678210" y="1579732"/>
+              <a:ext cx="216000" cy="216000"/>
+            </a:xfrm>
+            <a:prstGeom prst="roundRect">
+              <a:avLst>
+                <a:gd name="adj" fmla="val 16667"/>
+              </a:avLst>
+            </a:prstGeom>
+            <a:solidFill>
+              <a:srgbClr val="E36C09"/>
+            </a:solidFill>
+            <a:ln>
+              <a:noFill/>
+            </a:ln>
+          </p:spPr>
+          <p:txBody>
+            <a:bodyPr spcFirstLastPara="1" wrap="square" lIns="0" tIns="45700" rIns="0" bIns="45700" anchor="ctr" anchorCtr="0">
+              <a:noAutofit/>
+            </a:bodyPr>
+            <a:lstStyle/>
+            <a:p>
+              <a:pPr marL="0" marR="0" lvl="0" indent="0" algn="ctr" rtl="0">
+                <a:spcBef>
+                  <a:spcPts val="0"/>
+                </a:spcBef>
+                <a:spcAft>
+                  <a:spcPts val="0"/>
+                </a:spcAft>
+                <a:buNone/>
+              </a:pPr>
+              <a:r>
+                <a:rPr lang="en-US" sz="1050" b="1" dirty="0">
+                  <a:solidFill>
+                    <a:schemeClr val="lt1"/>
+                  </a:solidFill>
+                </a:rPr>
+                <a:t>1</a:t>
+              </a:r>
+              <a:endParaRPr sz="1050" b="1" dirty="0">
+                <a:solidFill>
+                  <a:schemeClr val="lt1"/>
+                </a:solidFill>
+                <a:latin typeface="Arial"/>
+                <a:ea typeface="Arial"/>
+                <a:cs typeface="Arial"/>
+                <a:sym typeface="Arial"/>
+              </a:endParaRPr>
+            </a:p>
+          </p:txBody>
+        </p:sp>
+        <p:sp>
+          <p:nvSpPr>
+            <p:cNvPr id="26" name="Rectangle 1"/>
+            <p:cNvSpPr/>
+            <p:nvPr/>
+          </p:nvSpPr>
+          <p:spPr>
+            <a:xfrm>
+              <a:off x="2826238" y="2424332"/>
+              <a:ext cx="1675912" cy="677260"/>
+            </a:xfrm>
+            <a:prstGeom prst="rect">
+              <a:avLst/>
+            </a:prstGeom>
+            <a:noFill/>
+            <a:ln w="12700">
+              <a:solidFill>
+                <a:schemeClr val="tx1"/>
+              </a:solidFill>
+            </a:ln>
+          </p:spPr>
+          <p:style>
+            <a:lnRef idx="2">
+              <a:schemeClr val="accent1">
+                <a:shade val="50000"/>
+              </a:schemeClr>
+            </a:lnRef>
+            <a:fillRef idx="1">
+              <a:schemeClr val="accent1"/>
+            </a:fillRef>
+            <a:effectRef idx="0">
+              <a:schemeClr val="accent1"/>
+            </a:effectRef>
+            <a:fontRef idx="minor">
+              <a:schemeClr val="lt1"/>
+            </a:fontRef>
+          </p:style>
+          <p:txBody>
+            <a:bodyPr rtlCol="0" anchor="ctr"/>
+            <a:lstStyle/>
+            <a:p>
+              <a:pPr algn="ctr"/>
+              <a:r>
+                <a:rPr lang="en-US" altLang="ko-KR" sz="1050" dirty="0" smtClean="0">
+                  <a:solidFill>
+                    <a:sysClr val="windowText" lastClr="000000"/>
+                  </a:solidFill>
+                </a:rPr>
+                <a:t>information</a:t>
+              </a:r>
+              <a:endParaRPr lang="ko-KR" altLang="en-US" sz="1050" dirty="0">
+                <a:solidFill>
+                  <a:sysClr val="windowText" lastClr="000000"/>
+                </a:solidFill>
+              </a:endParaRPr>
+            </a:p>
+          </p:txBody>
+        </p:sp>
+        <p:sp>
+          <p:nvSpPr>
+            <p:cNvPr id="29" name="Rectangle 1"/>
+            <p:cNvSpPr/>
+            <p:nvPr/>
+          </p:nvSpPr>
+          <p:spPr>
+            <a:xfrm>
+              <a:off x="2826238" y="3165092"/>
+              <a:ext cx="1675912" cy="677260"/>
+            </a:xfrm>
+            <a:prstGeom prst="rect">
+              <a:avLst/>
+            </a:prstGeom>
+            <a:noFill/>
+            <a:ln w="12700">
+              <a:solidFill>
+                <a:schemeClr val="tx1"/>
+              </a:solidFill>
+            </a:ln>
+          </p:spPr>
+          <p:style>
+            <a:lnRef idx="2">
+              <a:schemeClr val="accent1">
+                <a:shade val="50000"/>
+              </a:schemeClr>
+            </a:lnRef>
+            <a:fillRef idx="1">
+              <a:schemeClr val="accent1"/>
+            </a:fillRef>
+            <a:effectRef idx="0">
+              <a:schemeClr val="accent1"/>
+            </a:effectRef>
+            <a:fontRef idx="minor">
+              <a:schemeClr val="lt1"/>
+            </a:fontRef>
+          </p:style>
+          <p:txBody>
+            <a:bodyPr rtlCol="0" anchor="ctr"/>
+            <a:lstStyle/>
+            <a:p>
+              <a:pPr algn="ctr"/>
+              <a:r>
+                <a:rPr lang="en-US" altLang="ko-KR" sz="1050" dirty="0" smtClean="0">
+                  <a:solidFill>
+                    <a:sysClr val="windowText" lastClr="000000"/>
+                  </a:solidFill>
+                </a:rPr>
+                <a:t>map</a:t>
+              </a:r>
+              <a:endParaRPr lang="ko-KR" altLang="en-US" sz="1050" dirty="0">
+                <a:solidFill>
+                  <a:sysClr val="windowText" lastClr="000000"/>
+                </a:solidFill>
+              </a:endParaRPr>
+            </a:p>
+          </p:txBody>
+        </p:sp>
+        <p:sp>
+          <p:nvSpPr>
+            <p:cNvPr id="30" name="Google Shape;141;p15"/>
+            <p:cNvSpPr/>
+            <p:nvPr/>
+          </p:nvSpPr>
+          <p:spPr>
+            <a:xfrm>
+              <a:off x="2678507" y="3101592"/>
+              <a:ext cx="216000" cy="216000"/>
+            </a:xfrm>
+            <a:prstGeom prst="roundRect">
+              <a:avLst>
+                <a:gd name="adj" fmla="val 16667"/>
+              </a:avLst>
+            </a:prstGeom>
+            <a:solidFill>
+              <a:srgbClr val="E36C09"/>
+            </a:solidFill>
+            <a:ln>
+              <a:noFill/>
+            </a:ln>
+          </p:spPr>
+          <p:txBody>
+            <a:bodyPr spcFirstLastPara="1" wrap="square" lIns="0" tIns="45700" rIns="0" bIns="45700" anchor="ctr" anchorCtr="0">
+              <a:noAutofit/>
+            </a:bodyPr>
+            <a:lstStyle/>
+            <a:p>
+              <a:pPr marL="0" marR="0" lvl="0" indent="0" algn="ctr" rtl="0">
+                <a:spcBef>
+                  <a:spcPts val="0"/>
+                </a:spcBef>
+                <a:spcAft>
+                  <a:spcPts val="0"/>
+                </a:spcAft>
+                <a:buNone/>
+              </a:pPr>
+              <a:r>
+                <a:rPr lang="en-US" sz="1050" b="1" dirty="0" smtClean="0">
+                  <a:solidFill>
+                    <a:schemeClr val="lt1"/>
+                  </a:solidFill>
+                </a:rPr>
+                <a:t>3</a:t>
+              </a:r>
+              <a:endParaRPr sz="1050" b="1" dirty="0">
+                <a:solidFill>
+                  <a:schemeClr val="lt1"/>
+                </a:solidFill>
+                <a:latin typeface="Arial"/>
+                <a:ea typeface="Arial"/>
+                <a:cs typeface="Arial"/>
+                <a:sym typeface="Arial"/>
+              </a:endParaRPr>
+            </a:p>
+          </p:txBody>
+        </p:sp>
+        <p:sp>
+          <p:nvSpPr>
+            <p:cNvPr id="31" name="Google Shape;141;p15"/>
+            <p:cNvSpPr/>
+            <p:nvPr/>
+          </p:nvSpPr>
+          <p:spPr>
+            <a:xfrm>
+              <a:off x="2661627" y="2376374"/>
+              <a:ext cx="216000" cy="216000"/>
+            </a:xfrm>
+            <a:prstGeom prst="roundRect">
+              <a:avLst>
+                <a:gd name="adj" fmla="val 16667"/>
+              </a:avLst>
+            </a:prstGeom>
+            <a:solidFill>
+              <a:srgbClr val="E36C09"/>
+            </a:solidFill>
+            <a:ln>
+              <a:noFill/>
+            </a:ln>
+          </p:spPr>
+          <p:txBody>
+            <a:bodyPr spcFirstLastPara="1" wrap="square" lIns="0" tIns="45700" rIns="0" bIns="45700" anchor="ctr" anchorCtr="0">
+              <a:noAutofit/>
+            </a:bodyPr>
+            <a:lstStyle/>
+            <a:p>
+              <a:pPr marL="0" marR="0" lvl="0" indent="0" algn="ctr" rtl="0">
+                <a:spcBef>
+                  <a:spcPts val="0"/>
+                </a:spcBef>
+                <a:spcAft>
+                  <a:spcPts val="0"/>
+                </a:spcAft>
+                <a:buNone/>
+              </a:pPr>
+              <a:r>
+                <a:rPr lang="en-US" sz="1050" b="1" dirty="0" smtClean="0">
+                  <a:solidFill>
+                    <a:schemeClr val="lt1"/>
+                  </a:solidFill>
+                </a:rPr>
+                <a:t>2</a:t>
+              </a:r>
+              <a:endParaRPr sz="1050" b="1" dirty="0">
+                <a:solidFill>
+                  <a:schemeClr val="lt1"/>
+                </a:solidFill>
+                <a:latin typeface="Arial"/>
+                <a:ea typeface="Arial"/>
+                <a:cs typeface="Arial"/>
+                <a:sym typeface="Arial"/>
+              </a:endParaRPr>
+            </a:p>
+          </p:txBody>
+        </p:sp>
       </p:grpSp>
       <p:sp>
         <p:nvSpPr>
-          <p:cNvPr id="5" name="Rectangle 4"/>
-          <p:cNvSpPr/>
+          <p:cNvPr id="4" name="TextBox 3"/>
+          <p:cNvSpPr txBox="1"/>
           <p:nvPr/>
         </p:nvSpPr>
         <p:spPr>
           <a:xfrm>
-            <a:off x="2648630" y="1030129"/>
-            <a:ext cx="355217" cy="98902"/>
+            <a:off x="715923" y="2461380"/>
+            <a:ext cx="3392093" cy="2462213"/>
           </a:xfrm>
           <a:prstGeom prst="rect">
             <a:avLst/>
           </a:prstGeom>
-          <a:solidFill>
-            <a:schemeClr val="bg2"/>
-          </a:solidFill>
-          <a:ln w="12700">
-            <a:solidFill>
-              <a:schemeClr val="tx1"/>
-            </a:solidFill>
-          </a:ln>
+          <a:noFill/>
         </p:spPr>
-        <p:style>
-          <a:lnRef idx="2">
-            <a:schemeClr val="accent1">
-              <a:shade val="50000"/>
-            </a:schemeClr>
-          </a:lnRef>
-          <a:fillRef idx="1">
-            <a:schemeClr val="accent1"/>
-          </a:fillRef>
-          <a:effectRef idx="0">
-            <a:schemeClr val="accent1"/>
-          </a:effectRef>
-          <a:fontRef idx="minor">
-            <a:schemeClr val="lt1"/>
-          </a:fontRef>
-        </p:style>
         <p:txBody>
-          <a:bodyPr rtlCol="0" anchor="ctr"/>
+          <a:bodyPr wrap="square" rtlCol="0">
+            <a:spAutoFit/>
+          </a:bodyPr>
           <a:lstStyle/>
           <a:p>
-            <a:pPr algn="ctr"/>
-            <a:r>
-              <a:rPr lang="en-US" altLang="ko-KR" sz="500" dirty="0" smtClean="0">
-                <a:solidFill>
-                  <a:schemeClr val="bg1"/>
-                </a:solidFill>
+            <a:r>
+              <a:rPr lang="ko-KR" altLang="en-US" sz="200" b="1" dirty="0"/>
+              <a:t>관람 안내</a:t>
+            </a:r>
+            <a:endParaRPr lang="ko-KR" altLang="en-US" sz="200" dirty="0"/>
+          </a:p>
+          <a:p>
+            <a:r>
+              <a:rPr lang="ko-KR" altLang="en-US" sz="200" dirty="0"/>
+              <a:t/>
+            </a:r>
+            <a:br>
+              <a:rPr lang="ko-KR" altLang="en-US" sz="200" dirty="0"/>
+            </a:br>
+            <a:r>
+              <a:rPr lang="ko-KR" altLang="en-US" sz="200" dirty="0"/>
+              <a:t> </a:t>
+            </a:r>
+            <a:br>
+              <a:rPr lang="ko-KR" altLang="en-US" sz="200" dirty="0"/>
+            </a:br>
+            <a:r>
+              <a:rPr lang="ko-KR" altLang="en-US" sz="200" b="1" dirty="0"/>
+              <a:t>일반 사항</a:t>
+            </a:r>
+            <a:r>
+              <a:rPr lang="ko-KR" altLang="en-US" sz="200" dirty="0"/>
+              <a:t/>
+            </a:r>
+            <a:br>
+              <a:rPr lang="ko-KR" altLang="en-US" sz="200" dirty="0"/>
+            </a:br>
+            <a:r>
+              <a:rPr lang="en-US" altLang="ko-KR" sz="200" dirty="0"/>
+              <a:t>– </a:t>
+            </a:r>
+            <a:r>
+              <a:rPr lang="ko-KR" altLang="en-US" sz="200" dirty="0" err="1"/>
+              <a:t>일자별</a:t>
+            </a:r>
+            <a:r>
+              <a:rPr lang="ko-KR" altLang="en-US" sz="200" dirty="0"/>
+              <a:t> 출연 아티스트가 다르며 상세한 타임테이블은 추후 </a:t>
+            </a:r>
+            <a:r>
+              <a:rPr lang="ko-KR" altLang="en-US" sz="200" dirty="0" err="1"/>
+              <a:t>민트페이퍼에</a:t>
+            </a:r>
+            <a:r>
+              <a:rPr lang="ko-KR" altLang="en-US" sz="200" dirty="0"/>
+              <a:t> 공개</a:t>
+            </a:r>
+            <a:r>
+              <a:rPr lang="en-US" altLang="ko-KR" sz="200" dirty="0"/>
+              <a:t>(4/15 </a:t>
+            </a:r>
+            <a:r>
+              <a:rPr lang="ko-KR" altLang="en-US" sz="200" dirty="0"/>
+              <a:t>예정</a:t>
+            </a:r>
+            <a:r>
+              <a:rPr lang="en-US" altLang="ko-KR" sz="200" dirty="0"/>
+              <a:t>)</a:t>
+            </a:r>
+            <a:r>
+              <a:rPr lang="ko-KR" altLang="en-US" sz="200" dirty="0"/>
+              <a:t>됩니다</a:t>
+            </a:r>
+            <a:r>
+              <a:rPr lang="en-US" altLang="ko-KR" sz="200" dirty="0"/>
+              <a:t>.</a:t>
+            </a:r>
+          </a:p>
+          <a:p>
+            <a:r>
+              <a:rPr lang="en-US" altLang="ko-KR" sz="200" dirty="0"/>
+              <a:t>– </a:t>
+            </a:r>
+            <a:r>
+              <a:rPr lang="ko-KR" altLang="en-US" sz="200" dirty="0"/>
+              <a:t>공식 스테이지 공연 외에도 다양한 이벤트</a:t>
+            </a:r>
+            <a:r>
+              <a:rPr lang="en-US" altLang="ko-KR" sz="200" dirty="0"/>
+              <a:t>, </a:t>
+            </a:r>
+            <a:r>
+              <a:rPr lang="ko-KR" altLang="en-US" sz="200" dirty="0"/>
+              <a:t>부스와 함께 합니다</a:t>
+            </a:r>
+            <a:r>
+              <a:rPr lang="en-US" altLang="ko-KR" sz="200" dirty="0"/>
+              <a:t>. </a:t>
+            </a:r>
+            <a:r>
+              <a:rPr lang="ko-KR" altLang="en-US" sz="200" dirty="0"/>
+              <a:t>자세한 내용은 수시로 </a:t>
+            </a:r>
+            <a:r>
+              <a:rPr lang="ko-KR" altLang="en-US" sz="200" dirty="0" err="1"/>
+              <a:t>민트페이퍼에</a:t>
+            </a:r>
+            <a:r>
+              <a:rPr lang="ko-KR" altLang="en-US" sz="200" dirty="0"/>
+              <a:t> 업데이트됩니다</a:t>
+            </a:r>
+            <a:r>
+              <a:rPr lang="en-US" altLang="ko-KR" sz="200" dirty="0"/>
+              <a:t>.</a:t>
+            </a:r>
+          </a:p>
+          <a:p>
+            <a:r>
+              <a:rPr lang="en-US" altLang="ko-KR" sz="200" dirty="0"/>
+              <a:t>– </a:t>
+            </a:r>
+            <a:r>
+              <a:rPr lang="ko-KR" altLang="en-US" sz="200" b="1" dirty="0"/>
+              <a:t>일부 출연자</a:t>
+            </a:r>
+            <a:r>
+              <a:rPr lang="en-US" altLang="ko-KR" sz="200" b="1" dirty="0"/>
+              <a:t>, </a:t>
+            </a:r>
+            <a:r>
+              <a:rPr lang="ko-KR" altLang="en-US" sz="200" b="1" dirty="0"/>
+              <a:t>일정</a:t>
+            </a:r>
+            <a:r>
+              <a:rPr lang="en-US" altLang="ko-KR" sz="200" b="1" dirty="0"/>
+              <a:t>, </a:t>
+            </a:r>
+            <a:r>
+              <a:rPr lang="ko-KR" altLang="en-US" sz="200" b="1" dirty="0"/>
+              <a:t>출연 시간이 상황에 따라 부득이하게 다소 변경될 수 있으며</a:t>
+            </a:r>
+            <a:r>
+              <a:rPr lang="en-US" altLang="ko-KR" sz="200" b="1" dirty="0"/>
+              <a:t>, </a:t>
+            </a:r>
+            <a:r>
+              <a:rPr lang="ko-KR" altLang="en-US" sz="200" b="1" dirty="0"/>
+              <a:t>이로 인한 환불 및 부분 환불은 불가</a:t>
+            </a:r>
+            <a:r>
+              <a:rPr lang="ko-KR" altLang="en-US" sz="200" dirty="0"/>
+              <a:t>합니다</a:t>
+            </a:r>
+            <a:r>
+              <a:rPr lang="en-US" altLang="ko-KR" sz="200" dirty="0"/>
+              <a:t>.</a:t>
+            </a:r>
+          </a:p>
+          <a:p>
+            <a:r>
+              <a:rPr lang="en-US" altLang="ko-KR" sz="200" dirty="0"/>
+              <a:t>– </a:t>
+            </a:r>
+            <a:r>
+              <a:rPr lang="ko-KR" altLang="en-US" sz="200" dirty="0"/>
+              <a:t>분실물 접수는 현장 인포메이션 부스에 해주시기 바랍니다</a:t>
+            </a:r>
+            <a:r>
+              <a:rPr lang="en-US" altLang="ko-KR" sz="200" dirty="0"/>
+              <a:t>.</a:t>
+            </a:r>
+          </a:p>
+          <a:p>
+            <a:r>
+              <a:rPr lang="en-US" altLang="ko-KR" sz="200" dirty="0"/>
+              <a:t>– </a:t>
+            </a:r>
+            <a:r>
+              <a:rPr lang="ko-KR" altLang="en-US" sz="200" dirty="0"/>
+              <a:t>관객 스스로가 안전에 유의하시기 바라며</a:t>
+            </a:r>
+            <a:r>
+              <a:rPr lang="en-US" altLang="ko-KR" sz="200" dirty="0"/>
+              <a:t>, </a:t>
+            </a:r>
+            <a:r>
+              <a:rPr lang="ko-KR" altLang="en-US" sz="200" dirty="0"/>
+              <a:t>뜻하지 않은 사고 및 건강 상의 문제가 생긴 관객을 발견하시는 경우</a:t>
+            </a:r>
+            <a:r>
+              <a:rPr lang="en-US" altLang="ko-KR" sz="200" dirty="0"/>
+              <a:t>, </a:t>
+            </a:r>
+            <a:r>
+              <a:rPr lang="ko-KR" altLang="en-US" sz="200" dirty="0"/>
+              <a:t>가까운 스태프 혹은 인포메이션 부스에 도움을 요청하시기 바랍니다</a:t>
+            </a:r>
+            <a:r>
+              <a:rPr lang="en-US" altLang="ko-KR" sz="200" dirty="0"/>
+              <a:t>.</a:t>
+            </a:r>
+            <a:br>
+              <a:rPr lang="en-US" altLang="ko-KR" sz="200" dirty="0"/>
+            </a:br>
+            <a:r>
+              <a:rPr lang="en-US" altLang="ko-KR" sz="200" dirty="0"/>
+              <a:t> </a:t>
+            </a:r>
+          </a:p>
+          <a:p>
+            <a:r>
+              <a:rPr lang="en-US" altLang="ko-KR" sz="200" dirty="0"/>
+              <a:t>– </a:t>
+            </a:r>
+            <a:r>
+              <a:rPr lang="ko-KR" altLang="en-US" sz="200" b="1" dirty="0"/>
+              <a:t>통상적인 수준의 기념 촬영</a:t>
+            </a:r>
+            <a:r>
+              <a:rPr lang="ko-KR" altLang="en-US" sz="200" dirty="0"/>
+              <a:t>은 가능합니다만</a:t>
+            </a:r>
+            <a:r>
+              <a:rPr lang="en-US" altLang="ko-KR" sz="200" dirty="0"/>
+              <a:t>, </a:t>
+            </a:r>
+            <a:r>
+              <a:rPr lang="ko-KR" altLang="en-US" sz="200" b="1" dirty="0"/>
+              <a:t>공연과 관련된 사진과 영상 촬영</a:t>
+            </a:r>
+            <a:r>
+              <a:rPr lang="en-US" altLang="ko-KR" sz="200" b="1" dirty="0"/>
+              <a:t>, SNS </a:t>
+            </a:r>
+            <a:r>
+              <a:rPr lang="ko-KR" altLang="en-US" sz="200" b="1" dirty="0"/>
+              <a:t>채널 등을 통한 생중계</a:t>
+            </a:r>
+            <a:r>
+              <a:rPr lang="en-US" altLang="ko-KR" sz="200" b="1" dirty="0"/>
+              <a:t>, </a:t>
+            </a:r>
+            <a:r>
+              <a:rPr lang="ko-KR" altLang="en-US" sz="200" b="1" dirty="0"/>
+              <a:t>녹음</a:t>
+            </a:r>
+            <a:r>
+              <a:rPr lang="en-US" altLang="ko-KR" sz="200" b="1" dirty="0"/>
+              <a:t>, </a:t>
+            </a:r>
+            <a:r>
+              <a:rPr lang="ko-KR" altLang="en-US" sz="200" b="1" dirty="0"/>
+              <a:t>공연 관련 사진 및 영상 촬영을 이용하여 수익 창출을 목적으로 하는 업로드 행위 등은 공연 저작권과 아티스트 초상권 보호를 위해 엄격하게 금지</a:t>
+            </a:r>
+            <a:r>
+              <a:rPr lang="ko-KR" altLang="en-US" sz="200" dirty="0"/>
+              <a:t>합니다</a:t>
+            </a:r>
+            <a:r>
+              <a:rPr lang="en-US" altLang="ko-KR" sz="200" dirty="0"/>
+              <a:t>.</a:t>
+            </a:r>
+          </a:p>
+          <a:p>
+            <a:r>
+              <a:rPr lang="en-US" altLang="ko-KR" sz="200" dirty="0"/>
+              <a:t>– </a:t>
+            </a:r>
+            <a:r>
+              <a:rPr lang="ko-KR" altLang="en-US" sz="200" dirty="0"/>
+              <a:t>페스티벌 기간 동안 </a:t>
+            </a:r>
+            <a:r>
+              <a:rPr lang="ko-KR" altLang="en-US" sz="200" b="1" dirty="0"/>
+              <a:t>공식 사진 및 영상 촬영이 진행됩니다</a:t>
+            </a:r>
+            <a:r>
+              <a:rPr lang="en-US" altLang="ko-KR" sz="200" b="1" dirty="0"/>
+              <a:t>.</a:t>
+            </a:r>
+            <a:r>
+              <a:rPr lang="ko-KR" altLang="en-US" sz="200" dirty="0"/>
+              <a:t> 추후 </a:t>
+            </a:r>
+            <a:r>
+              <a:rPr lang="ko-KR" altLang="en-US" sz="200" dirty="0" err="1"/>
+              <a:t>민트페이퍼</a:t>
+            </a:r>
+            <a:r>
+              <a:rPr lang="ko-KR" altLang="en-US" sz="200" dirty="0"/>
+              <a:t> 웹사이트 및 공식채널 업데이트</a:t>
+            </a:r>
+            <a:r>
+              <a:rPr lang="en-US" altLang="ko-KR" sz="200" dirty="0"/>
+              <a:t>, </a:t>
+            </a:r>
+            <a:r>
+              <a:rPr lang="ko-KR" altLang="en-US" sz="200" dirty="0"/>
+              <a:t>자료집 제작 등에 사용되며</a:t>
+            </a:r>
+            <a:r>
+              <a:rPr lang="en-US" altLang="ko-KR" sz="200" dirty="0"/>
+              <a:t>, </a:t>
+            </a:r>
+            <a:r>
+              <a:rPr lang="ko-KR" altLang="en-US" sz="200" dirty="0" err="1"/>
+              <a:t>관객분들의</a:t>
+            </a:r>
+            <a:r>
+              <a:rPr lang="ko-KR" altLang="en-US" sz="200" dirty="0"/>
+              <a:t> 모습이 노출될 수 있는 점 미리 양해 </a:t>
+            </a:r>
+            <a:r>
+              <a:rPr lang="ko-KR" altLang="en-US" sz="200" dirty="0" err="1"/>
+              <a:t>부탁드립니다</a:t>
+            </a:r>
+            <a:r>
+              <a:rPr lang="en-US" altLang="ko-KR" sz="200" dirty="0"/>
+              <a:t>.</a:t>
+            </a:r>
+          </a:p>
+          <a:p>
+            <a:r>
+              <a:rPr lang="en-US" altLang="ko-KR" sz="200" dirty="0"/>
+              <a:t> </a:t>
+            </a:r>
+            <a:br>
+              <a:rPr lang="en-US" altLang="ko-KR" sz="200" dirty="0"/>
+            </a:br>
+            <a:r>
+              <a:rPr lang="en-US" altLang="ko-KR" sz="200" dirty="0"/>
+              <a:t>– </a:t>
+            </a:r>
+            <a:r>
+              <a:rPr lang="ko-KR" altLang="en-US" sz="200" dirty="0"/>
+              <a:t>지나친 음주</a:t>
+            </a:r>
+            <a:r>
+              <a:rPr lang="en-US" altLang="ko-KR" sz="200" dirty="0"/>
+              <a:t>, </a:t>
+            </a:r>
+            <a:r>
+              <a:rPr lang="ko-KR" altLang="en-US" sz="200" dirty="0"/>
+              <a:t>폭죽 사용</a:t>
+            </a:r>
+            <a:r>
+              <a:rPr lang="en-US" altLang="ko-KR" sz="200" dirty="0"/>
+              <a:t>, </a:t>
+            </a:r>
+            <a:r>
+              <a:rPr lang="ko-KR" altLang="en-US" sz="200" dirty="0"/>
+              <a:t>화기 사용</a:t>
+            </a:r>
+            <a:r>
+              <a:rPr lang="en-US" altLang="ko-KR" sz="200" dirty="0"/>
+              <a:t>, </a:t>
+            </a:r>
+            <a:r>
+              <a:rPr lang="ko-KR" altLang="en-US" sz="200" dirty="0"/>
+              <a:t>위험 물품 소지 시</a:t>
+            </a:r>
+            <a:r>
+              <a:rPr lang="en-US" altLang="ko-KR" sz="200" dirty="0"/>
+              <a:t>, </a:t>
+            </a:r>
+            <a:r>
+              <a:rPr lang="ko-KR" altLang="en-US" sz="200" dirty="0"/>
+              <a:t>마약 소지 및 복용을 비롯하여</a:t>
+            </a:r>
+            <a:r>
+              <a:rPr lang="ko-KR" altLang="en-US" sz="200" b="1" dirty="0"/>
+              <a:t> 타 관객에게 피해를 주거나 사회적으로 용인되지 않는 치명적인 행동이 발견될 경우 인포메이션 부스로 신고해주시기 바라며</a:t>
+            </a:r>
+            <a:r>
+              <a:rPr lang="en-US" altLang="ko-KR" sz="200" b="1" dirty="0"/>
+              <a:t>, </a:t>
+            </a:r>
+            <a:r>
+              <a:rPr lang="ko-KR" altLang="en-US" sz="200" b="1" dirty="0"/>
+              <a:t>경고 없이 바로 퇴장 조치 및 법적 제재</a:t>
+            </a:r>
+            <a:r>
+              <a:rPr lang="ko-KR" altLang="en-US" sz="200" dirty="0"/>
+              <a:t>를 가할 수 있습니다</a:t>
+            </a:r>
+            <a:r>
+              <a:rPr lang="en-US" altLang="ko-KR" sz="200" dirty="0"/>
+              <a:t>. </a:t>
+            </a:r>
+            <a:r>
+              <a:rPr lang="ko-KR" altLang="en-US" sz="200" dirty="0"/>
+              <a:t>이 모든 경우 환불은 불가합니다</a:t>
+            </a:r>
+            <a:r>
+              <a:rPr lang="en-US" altLang="ko-KR" sz="200" dirty="0"/>
+              <a:t>.</a:t>
+            </a:r>
+          </a:p>
+          <a:p>
+            <a:r>
+              <a:rPr lang="en-US" altLang="ko-KR" sz="200" dirty="0"/>
+              <a:t>– </a:t>
+            </a:r>
+            <a:r>
+              <a:rPr lang="ko-KR" altLang="en-US" sz="200" dirty="0"/>
+              <a:t>페스티벌 사이트 내외에서 관람객 본인 부주의로 발생하는 사고</a:t>
+            </a:r>
+            <a:r>
+              <a:rPr lang="en-US" altLang="ko-KR" sz="200" dirty="0"/>
+              <a:t>, </a:t>
+            </a:r>
+            <a:r>
+              <a:rPr lang="ko-KR" altLang="en-US" sz="200" dirty="0"/>
+              <a:t>도난</a:t>
+            </a:r>
+            <a:r>
+              <a:rPr lang="en-US" altLang="ko-KR" sz="200" dirty="0"/>
+              <a:t>, </a:t>
+            </a:r>
+            <a:r>
+              <a:rPr lang="ko-KR" altLang="en-US" sz="200" dirty="0"/>
+              <a:t>분실 등에 대해 주최</a:t>
+            </a:r>
+            <a:r>
+              <a:rPr lang="en-US" altLang="ko-KR" sz="200" dirty="0"/>
+              <a:t>, </a:t>
+            </a:r>
+            <a:r>
+              <a:rPr lang="ko-KR" altLang="en-US" sz="200" dirty="0"/>
+              <a:t>주관</a:t>
+            </a:r>
+            <a:r>
+              <a:rPr lang="en-US" altLang="ko-KR" sz="200" dirty="0"/>
+              <a:t>, </a:t>
+            </a:r>
+            <a:r>
+              <a:rPr lang="ko-KR" altLang="en-US" sz="200" dirty="0"/>
+              <a:t>공연장</a:t>
+            </a:r>
+            <a:r>
+              <a:rPr lang="en-US" altLang="ko-KR" sz="200" dirty="0"/>
+              <a:t>, </a:t>
+            </a:r>
+            <a:r>
+              <a:rPr lang="ko-KR" altLang="en-US" sz="200" dirty="0" err="1"/>
+              <a:t>협력사</a:t>
+            </a:r>
+            <a:r>
+              <a:rPr lang="en-US" altLang="ko-KR" sz="200" dirty="0"/>
+              <a:t>, </a:t>
+            </a:r>
+            <a:r>
+              <a:rPr lang="ko-KR" altLang="en-US" sz="200" dirty="0"/>
+              <a:t>아티스트 측은 책임지지 않습니다</a:t>
+            </a:r>
+            <a:r>
+              <a:rPr lang="en-US" altLang="ko-KR" sz="200" dirty="0"/>
+              <a:t>. </a:t>
+            </a:r>
+            <a:r>
+              <a:rPr lang="ko-KR" altLang="en-US" sz="200" dirty="0"/>
+              <a:t>안전 및 귀중품 보관에 유의하시기 바랍니다</a:t>
+            </a:r>
+            <a:r>
+              <a:rPr lang="en-US" altLang="ko-KR" sz="200" dirty="0"/>
+              <a:t>. </a:t>
+            </a:r>
+            <a:r>
+              <a:rPr lang="ko-KR" altLang="en-US" sz="200" dirty="0"/>
+              <a:t>특히</a:t>
+            </a:r>
+            <a:r>
+              <a:rPr lang="en-US" altLang="ko-KR" sz="200" dirty="0"/>
+              <a:t>, </a:t>
+            </a:r>
+            <a:r>
+              <a:rPr lang="ko-KR" altLang="en-US" sz="200" dirty="0"/>
+              <a:t>개인 물품을 소지하지 않은 채 자리를 비워 분실</a:t>
+            </a:r>
+            <a:r>
+              <a:rPr lang="en-US" altLang="ko-KR" sz="200" dirty="0"/>
+              <a:t>, </a:t>
+            </a:r>
+            <a:r>
+              <a:rPr lang="ko-KR" altLang="en-US" sz="200" dirty="0"/>
+              <a:t>도난 등의 상황이 발생하는 경우 어떠한 도움도 드릴 수 없음을 인지하시기 바랍니다</a:t>
+            </a:r>
+            <a:r>
+              <a:rPr lang="en-US" altLang="ko-KR" sz="200" dirty="0"/>
+              <a:t>.</a:t>
+            </a:r>
+          </a:p>
+          <a:p>
+            <a:r>
+              <a:rPr lang="en-US" altLang="ko-KR" sz="200" dirty="0"/>
+              <a:t>– </a:t>
+            </a:r>
+            <a:r>
+              <a:rPr lang="ko-KR" altLang="en-US" sz="200" b="1" dirty="0"/>
+              <a:t>쓰레기 줄이기와 분리 배출</a:t>
+            </a:r>
+            <a:r>
+              <a:rPr lang="ko-KR" altLang="en-US" sz="200" dirty="0"/>
+              <a:t>에 적극적으로 동참해주시기를 </a:t>
+            </a:r>
+            <a:r>
+              <a:rPr lang="ko-KR" altLang="en-US" sz="200" dirty="0" err="1"/>
+              <a:t>부탁드립니다</a:t>
+            </a:r>
+            <a:r>
+              <a:rPr lang="en-US" altLang="ko-KR" sz="200" dirty="0"/>
+              <a:t>. </a:t>
+            </a:r>
+            <a:r>
+              <a:rPr lang="ko-KR" altLang="en-US" sz="200" dirty="0"/>
+              <a:t>부득이하게 발생한 쓰레기는 현장에 마련된 쓰레기통에 분리배출해주시기 바랍니다</a:t>
+            </a:r>
+            <a:r>
+              <a:rPr lang="en-US" altLang="ko-KR" sz="200" dirty="0"/>
+              <a:t>.</a:t>
+            </a:r>
+          </a:p>
+          <a:p>
+            <a:r>
+              <a:rPr lang="en-US" altLang="ko-KR" sz="200" dirty="0"/>
+              <a:t>– </a:t>
+            </a:r>
+            <a:r>
+              <a:rPr lang="ko-KR" altLang="en-US" sz="200" dirty="0"/>
+              <a:t>현장에 비치된 </a:t>
+            </a:r>
+            <a:r>
+              <a:rPr lang="ko-KR" altLang="en-US" sz="200" dirty="0" err="1"/>
+              <a:t>포토월</a:t>
+            </a:r>
+            <a:r>
+              <a:rPr lang="ko-KR" altLang="en-US" sz="200" dirty="0"/>
+              <a:t> 및 이벤트 소품 등은 모든 관객을 위해 마련된 것 입니다</a:t>
+            </a:r>
+            <a:r>
+              <a:rPr lang="en-US" altLang="ko-KR" sz="200" dirty="0"/>
+              <a:t>. </a:t>
+            </a:r>
+            <a:r>
+              <a:rPr lang="ko-KR" altLang="en-US" sz="200" dirty="0"/>
+              <a:t>임의로 이동하거나</a:t>
+            </a:r>
+            <a:r>
+              <a:rPr lang="en-US" altLang="ko-KR" sz="200" dirty="0"/>
+              <a:t>, </a:t>
+            </a:r>
+            <a:r>
+              <a:rPr lang="ko-KR" altLang="en-US" sz="200" dirty="0"/>
+              <a:t>가져가지 말아주세요</a:t>
+            </a:r>
+            <a:r>
+              <a:rPr lang="en-US" altLang="ko-KR" sz="200" dirty="0"/>
+              <a:t>.</a:t>
+            </a:r>
+          </a:p>
+          <a:p>
+            <a:r>
+              <a:rPr lang="en-US" altLang="ko-KR" sz="200" dirty="0"/>
+              <a:t>– </a:t>
+            </a:r>
+            <a:r>
+              <a:rPr lang="ko-KR" altLang="en-US" sz="200" dirty="0"/>
+              <a:t>모두가 즐거운 페스티벌이 될 수 있도록 </a:t>
+            </a:r>
+            <a:r>
+              <a:rPr lang="ko-KR" altLang="en-US" sz="200" b="1" dirty="0"/>
+              <a:t>타인에 대한 배려와 규칙 준수</a:t>
+            </a:r>
+            <a:r>
+              <a:rPr lang="ko-KR" altLang="en-US" sz="200" dirty="0"/>
+              <a:t>를 </a:t>
+            </a:r>
+            <a:r>
+              <a:rPr lang="ko-KR" altLang="en-US" sz="200" dirty="0" err="1"/>
+              <a:t>부탁드립니다</a:t>
+            </a:r>
+            <a:r>
+              <a:rPr lang="en-US" altLang="ko-KR" sz="200" dirty="0"/>
+              <a:t>.</a:t>
+            </a:r>
+            <a:br>
+              <a:rPr lang="en-US" altLang="ko-KR" sz="200" dirty="0"/>
+            </a:br>
+            <a:r>
+              <a:rPr lang="en-US" altLang="ko-KR" sz="200" dirty="0"/>
+              <a:t> </a:t>
+            </a:r>
+          </a:p>
+          <a:p>
+            <a:r>
+              <a:rPr lang="ko-KR" altLang="en-US" sz="200" b="1" dirty="0"/>
+              <a:t>반입 불가 물품 </a:t>
+            </a:r>
+            <a:r>
+              <a:rPr lang="en-US" altLang="ko-KR" sz="200" b="1" dirty="0"/>
+              <a:t>&amp; </a:t>
+            </a:r>
+            <a:r>
+              <a:rPr lang="ko-KR" altLang="en-US" sz="200" b="1" dirty="0"/>
+              <a:t>음식물</a:t>
+            </a:r>
+            <a:r>
+              <a:rPr lang="ko-KR" altLang="en-US" sz="200" dirty="0"/>
+              <a:t/>
+            </a:r>
+            <a:br>
+              <a:rPr lang="ko-KR" altLang="en-US" sz="200" dirty="0"/>
+            </a:br>
+            <a:r>
+              <a:rPr lang="ko-KR" altLang="en-US" sz="200" dirty="0"/>
+              <a:t>타인의 관람에 방해가 될 수 있는 물품</a:t>
+            </a:r>
+            <a:r>
+              <a:rPr lang="en-US" altLang="ko-KR" sz="200" dirty="0"/>
+              <a:t>, </a:t>
+            </a:r>
+            <a:r>
+              <a:rPr lang="ko-KR" altLang="en-US" sz="200" dirty="0"/>
+              <a:t>쓰레기가 많이 나오는 음식물</a:t>
+            </a:r>
+            <a:r>
+              <a:rPr lang="en-US" altLang="ko-KR" sz="200" dirty="0"/>
+              <a:t>, </a:t>
+            </a:r>
+            <a:r>
+              <a:rPr lang="ko-KR" altLang="en-US" sz="200" dirty="0"/>
+              <a:t>안전을 위협할 수 있는 물품 등은 페스티벌 사이트 내 반입이 금지됩니다</a:t>
+            </a:r>
+            <a:r>
+              <a:rPr lang="en-US" altLang="ko-KR" sz="200" dirty="0"/>
+              <a:t>.</a:t>
+            </a:r>
+          </a:p>
+          <a:p>
+            <a:r>
+              <a:rPr lang="en-US" altLang="ko-KR" sz="200" b="1" dirty="0"/>
+              <a:t>1. </a:t>
+            </a:r>
+            <a:r>
+              <a:rPr lang="ko-KR" altLang="en-US" sz="200" b="1" dirty="0"/>
+              <a:t>반입 불가 물품</a:t>
+            </a:r>
+            <a:r>
+              <a:rPr lang="ko-KR" altLang="en-US" sz="200" dirty="0"/>
+              <a:t/>
+            </a:r>
+            <a:br>
+              <a:rPr lang="ko-KR" altLang="en-US" sz="200" dirty="0"/>
+            </a:br>
+            <a:r>
+              <a:rPr lang="ko-KR" altLang="en-US" sz="200" dirty="0"/>
+              <a:t>텐트</a:t>
+            </a:r>
+            <a:r>
+              <a:rPr lang="en-US" altLang="ko-KR" sz="200" dirty="0"/>
+              <a:t>(</a:t>
+            </a:r>
+            <a:r>
+              <a:rPr lang="ko-KR" altLang="en-US" sz="200" dirty="0"/>
+              <a:t>일반 텐트 및 </a:t>
+            </a:r>
+            <a:r>
+              <a:rPr lang="ko-KR" altLang="en-US" sz="200" dirty="0" err="1"/>
+              <a:t>그늘막</a:t>
+            </a:r>
+            <a:r>
+              <a:rPr lang="ko-KR" altLang="en-US" sz="200" dirty="0"/>
+              <a:t> 텐트</a:t>
+            </a:r>
+            <a:r>
+              <a:rPr lang="en-US" altLang="ko-KR" sz="200" dirty="0"/>
+              <a:t>) / </a:t>
+            </a:r>
+            <a:r>
+              <a:rPr lang="ko-KR" altLang="en-US" sz="200" dirty="0"/>
+              <a:t>다리가 있는 의자</a:t>
+            </a:r>
+            <a:r>
+              <a:rPr lang="en-US" altLang="ko-KR" sz="200" dirty="0"/>
+              <a:t>(</a:t>
+            </a:r>
+            <a:r>
+              <a:rPr lang="ko-KR" altLang="en-US" sz="200" dirty="0" err="1"/>
+              <a:t>접이식</a:t>
+            </a:r>
+            <a:r>
+              <a:rPr lang="ko-KR" altLang="en-US" sz="200" dirty="0"/>
+              <a:t> 포함</a:t>
+            </a:r>
+            <a:r>
+              <a:rPr lang="en-US" altLang="ko-KR" sz="200" dirty="0"/>
+              <a:t>)* / </a:t>
+            </a:r>
+            <a:r>
+              <a:rPr lang="ko-KR" altLang="en-US" sz="200" dirty="0"/>
+              <a:t>에어베드</a:t>
+            </a:r>
+            <a:r>
+              <a:rPr lang="en-US" altLang="ko-KR" sz="200" dirty="0"/>
+              <a:t>, </a:t>
+            </a:r>
+            <a:r>
+              <a:rPr lang="ko-KR" altLang="en-US" sz="200" dirty="0"/>
+              <a:t>에어소파 </a:t>
+            </a:r>
+            <a:r>
+              <a:rPr lang="en-US" altLang="ko-KR" sz="200" dirty="0"/>
+              <a:t>/ </a:t>
+            </a:r>
+            <a:r>
+              <a:rPr lang="ko-KR" altLang="en-US" sz="200" dirty="0"/>
+              <a:t>아이스박스</a:t>
+            </a:r>
+            <a:r>
+              <a:rPr lang="en-US" altLang="ko-KR" sz="200" dirty="0"/>
+              <a:t>, </a:t>
+            </a:r>
+            <a:r>
+              <a:rPr lang="ko-KR" altLang="en-US" sz="200" dirty="0"/>
+              <a:t>조리기구</a:t>
+            </a:r>
+            <a:r>
+              <a:rPr lang="en-US" altLang="ko-KR" sz="200" dirty="0"/>
+              <a:t>, </a:t>
+            </a:r>
+            <a:r>
+              <a:rPr lang="ko-KR" altLang="en-US" sz="200" dirty="0"/>
+              <a:t>유리</a:t>
+            </a:r>
+            <a:r>
+              <a:rPr lang="en-US" altLang="ko-KR" sz="200" dirty="0"/>
+              <a:t>, </a:t>
+            </a:r>
+            <a:r>
+              <a:rPr lang="ko-KR" altLang="en-US" sz="200" dirty="0"/>
+              <a:t>알루미늄 잔 </a:t>
+            </a:r>
+            <a:r>
+              <a:rPr lang="en-US" altLang="ko-KR" sz="200" dirty="0"/>
+              <a:t>/ </a:t>
+            </a:r>
+            <a:r>
+              <a:rPr lang="ko-KR" altLang="en-US" sz="200" dirty="0" err="1"/>
+              <a:t>캐리어</a:t>
+            </a:r>
+            <a:r>
+              <a:rPr lang="en-US" altLang="ko-KR" sz="200" dirty="0"/>
+              <a:t>, </a:t>
+            </a:r>
+            <a:r>
+              <a:rPr lang="ko-KR" altLang="en-US" sz="200" dirty="0"/>
+              <a:t>자전거</a:t>
+            </a:r>
+            <a:r>
+              <a:rPr lang="en-US" altLang="ko-KR" sz="200" dirty="0"/>
+              <a:t>, </a:t>
+            </a:r>
+            <a:r>
+              <a:rPr lang="ko-KR" altLang="en-US" sz="200" dirty="0" err="1"/>
+              <a:t>퀵보드</a:t>
+            </a:r>
+            <a:r>
+              <a:rPr lang="en-US" altLang="ko-KR" sz="200" dirty="0"/>
+              <a:t>, </a:t>
+            </a:r>
+            <a:r>
+              <a:rPr lang="ko-KR" altLang="en-US" sz="200" dirty="0"/>
+              <a:t>캠핑용 </a:t>
+            </a:r>
+            <a:r>
+              <a:rPr lang="ko-KR" altLang="en-US" sz="200" dirty="0" err="1"/>
+              <a:t>카트</a:t>
+            </a:r>
+            <a:r>
+              <a:rPr lang="ko-KR" altLang="en-US" sz="200" dirty="0"/>
+              <a:t> 등 바퀴가 달린 물품* </a:t>
+            </a:r>
+            <a:r>
+              <a:rPr lang="en-US" altLang="ko-KR" sz="200" dirty="0"/>
+              <a:t>/ </a:t>
+            </a:r>
+            <a:r>
+              <a:rPr lang="ko-KR" altLang="en-US" sz="200" dirty="0"/>
+              <a:t>피크닉 테이블</a:t>
+            </a:r>
+            <a:r>
+              <a:rPr lang="en-US" altLang="ko-KR" sz="200" dirty="0"/>
+              <a:t>(</a:t>
+            </a:r>
+            <a:r>
+              <a:rPr lang="ko-KR" altLang="en-US" sz="200" dirty="0"/>
+              <a:t>높이 </a:t>
+            </a:r>
+            <a:r>
+              <a:rPr lang="en-US" altLang="ko-KR" sz="200" dirty="0"/>
+              <a:t>40cm </a:t>
+            </a:r>
+            <a:r>
+              <a:rPr lang="ko-KR" altLang="en-US" sz="200" dirty="0"/>
+              <a:t>이상</a:t>
+            </a:r>
+            <a:r>
+              <a:rPr lang="en-US" altLang="ko-KR" sz="200" dirty="0"/>
+              <a:t>) / </a:t>
+            </a:r>
+            <a:r>
+              <a:rPr lang="ko-KR" altLang="en-US" sz="200" dirty="0"/>
+              <a:t>깃대 </a:t>
+            </a:r>
+            <a:r>
+              <a:rPr lang="en-US" altLang="ko-KR" sz="200" dirty="0"/>
+              <a:t>/ </a:t>
+            </a:r>
+            <a:r>
+              <a:rPr lang="ko-KR" altLang="en-US" sz="200" dirty="0"/>
+              <a:t>전문적인 촬영</a:t>
+            </a:r>
+            <a:r>
+              <a:rPr lang="en-US" altLang="ko-KR" sz="200" dirty="0"/>
+              <a:t>, </a:t>
+            </a:r>
+            <a:r>
+              <a:rPr lang="ko-KR" altLang="en-US" sz="200" dirty="0"/>
+              <a:t>녹음 장비 </a:t>
+            </a:r>
+            <a:r>
+              <a:rPr lang="en-US" altLang="ko-KR" sz="200" dirty="0"/>
+              <a:t>/ </a:t>
+            </a:r>
+            <a:r>
+              <a:rPr lang="ko-KR" altLang="en-US" sz="200" dirty="0" err="1"/>
+              <a:t>모노</a:t>
+            </a:r>
+            <a:r>
+              <a:rPr lang="en-US" altLang="ko-KR" sz="200" dirty="0"/>
+              <a:t>(</a:t>
+            </a:r>
+            <a:r>
+              <a:rPr lang="ko-KR" altLang="en-US" sz="200" dirty="0"/>
+              <a:t>트라이</a:t>
+            </a:r>
+            <a:r>
+              <a:rPr lang="en-US" altLang="ko-KR" sz="200" dirty="0"/>
+              <a:t>)</a:t>
+            </a:r>
+            <a:r>
+              <a:rPr lang="ko-KR" altLang="en-US" sz="200" dirty="0"/>
+              <a:t>포드 </a:t>
+            </a:r>
+            <a:r>
+              <a:rPr lang="en-US" altLang="ko-KR" sz="200" dirty="0"/>
+              <a:t>/ </a:t>
+            </a:r>
+            <a:r>
+              <a:rPr lang="ko-KR" altLang="en-US" sz="200" dirty="0" err="1"/>
+              <a:t>고배율</a:t>
+            </a:r>
+            <a:r>
+              <a:rPr lang="ko-KR" altLang="en-US" sz="200" dirty="0"/>
+              <a:t> 망원렌즈</a:t>
+            </a:r>
+          </a:p>
+          <a:p>
+            <a:r>
+              <a:rPr lang="ko-KR" altLang="en-US" sz="200" dirty="0"/>
+              <a:t>*다리가 없는 그라운드 </a:t>
+            </a:r>
+            <a:r>
+              <a:rPr lang="ko-KR" altLang="en-US" sz="200" dirty="0" err="1"/>
+              <a:t>체어나</a:t>
+            </a:r>
+            <a:r>
+              <a:rPr lang="ko-KR" altLang="en-US" sz="200" dirty="0"/>
+              <a:t> 좌식용 쿠션은 반입 가능</a:t>
+            </a:r>
+            <a:r>
+              <a:rPr lang="en-US" altLang="ko-KR" sz="200" dirty="0"/>
+              <a:t>, </a:t>
+            </a:r>
+            <a:r>
+              <a:rPr lang="ko-KR" altLang="en-US" sz="200" dirty="0"/>
+              <a:t>소형 </a:t>
+            </a:r>
+            <a:r>
+              <a:rPr lang="ko-KR" altLang="en-US" sz="200" dirty="0" err="1"/>
+              <a:t>보냉백</a:t>
+            </a:r>
+            <a:r>
+              <a:rPr lang="ko-KR" altLang="en-US" sz="200" dirty="0"/>
+              <a:t> 반입 가능</a:t>
+            </a:r>
+            <a:r>
+              <a:rPr lang="en-US" altLang="ko-KR" sz="200" dirty="0"/>
+              <a:t>, </a:t>
+            </a:r>
+            <a:r>
+              <a:rPr lang="ko-KR" altLang="en-US" sz="200" dirty="0"/>
+              <a:t>다리 높이가 </a:t>
+            </a:r>
+            <a:r>
+              <a:rPr lang="en-US" altLang="ko-KR" sz="200" dirty="0"/>
+              <a:t>40cm </a:t>
+            </a:r>
+            <a:r>
+              <a:rPr lang="ko-KR" altLang="en-US" sz="200" dirty="0"/>
+              <a:t>미만인 휴대용 </a:t>
+            </a:r>
+            <a:r>
+              <a:rPr lang="ko-KR" altLang="en-US" sz="200" dirty="0" err="1"/>
+              <a:t>접이식</a:t>
+            </a:r>
+            <a:r>
+              <a:rPr lang="ko-KR" altLang="en-US" sz="200" dirty="0"/>
+              <a:t> 테이블 반입 가능</a:t>
+            </a:r>
+            <a:br>
+              <a:rPr lang="ko-KR" altLang="en-US" sz="200" dirty="0"/>
+            </a:br>
+            <a:r>
+              <a:rPr lang="ko-KR" altLang="en-US" sz="200" dirty="0"/>
+              <a:t>*관객 편의를 위해 휠체어</a:t>
+            </a:r>
+            <a:r>
+              <a:rPr lang="en-US" altLang="ko-KR" sz="200" dirty="0"/>
+              <a:t>, </a:t>
+            </a:r>
+            <a:r>
+              <a:rPr lang="ko-KR" altLang="en-US" sz="200" dirty="0"/>
+              <a:t>유모차 반입 가능</a:t>
+            </a:r>
+            <a:r>
+              <a:rPr lang="en-US" altLang="ko-KR" sz="200" dirty="0"/>
+              <a:t>(</a:t>
+            </a:r>
+            <a:r>
+              <a:rPr lang="ko-KR" altLang="en-US" sz="200" dirty="0"/>
+              <a:t>단</a:t>
+            </a:r>
+            <a:r>
+              <a:rPr lang="en-US" altLang="ko-KR" sz="200" dirty="0"/>
+              <a:t>, </a:t>
+            </a:r>
+            <a:r>
+              <a:rPr lang="ko-KR" altLang="en-US" sz="200" dirty="0"/>
+              <a:t>현장 상황에 따라 사용이 제한될 수 있습니다</a:t>
+            </a:r>
+            <a:r>
+              <a:rPr lang="en-US" altLang="ko-KR" sz="200" dirty="0"/>
+              <a:t>)</a:t>
+            </a:r>
+            <a:br>
+              <a:rPr lang="en-US" altLang="ko-KR" sz="200" dirty="0"/>
+            </a:br>
+            <a:r>
+              <a:rPr lang="en-US" altLang="ko-KR" sz="200" dirty="0"/>
+              <a:t> </a:t>
+            </a:r>
+            <a:br>
+              <a:rPr lang="en-US" altLang="ko-KR" sz="200" dirty="0"/>
+            </a:br>
+            <a:r>
+              <a:rPr lang="en-US" altLang="ko-KR" sz="200" b="1" dirty="0"/>
+              <a:t>2. </a:t>
+            </a:r>
+            <a:r>
+              <a:rPr lang="ko-KR" altLang="en-US" sz="200" b="1" dirty="0"/>
+              <a:t>반입 가능하나 페스티벌 사이트 내 사용 제한 물품</a:t>
+            </a:r>
+            <a:r>
+              <a:rPr lang="ko-KR" altLang="en-US" sz="200" dirty="0"/>
+              <a:t/>
+            </a:r>
+            <a:br>
+              <a:rPr lang="ko-KR" altLang="en-US" sz="200" dirty="0"/>
+            </a:br>
+            <a:r>
+              <a:rPr lang="ko-KR" altLang="en-US" sz="200" dirty="0"/>
+              <a:t>우산 </a:t>
+            </a:r>
+            <a:r>
+              <a:rPr lang="en-US" altLang="ko-KR" sz="200" dirty="0"/>
+              <a:t>/ </a:t>
+            </a:r>
+            <a:r>
+              <a:rPr lang="ko-KR" altLang="en-US" sz="200" dirty="0"/>
+              <a:t>양산 </a:t>
+            </a:r>
+            <a:r>
+              <a:rPr lang="en-US" altLang="ko-KR" sz="200" dirty="0"/>
+              <a:t>/ </a:t>
+            </a:r>
+            <a:r>
+              <a:rPr lang="ko-KR" altLang="en-US" sz="200" dirty="0"/>
+              <a:t>풍선 </a:t>
+            </a:r>
+            <a:r>
+              <a:rPr lang="en-US" altLang="ko-KR" sz="200" dirty="0"/>
+              <a:t>/ </a:t>
+            </a:r>
+            <a:r>
+              <a:rPr lang="ko-KR" altLang="en-US" sz="200" dirty="0" err="1"/>
+              <a:t>셀카봉</a:t>
+            </a:r>
+            <a:r>
+              <a:rPr lang="ko-KR" altLang="en-US" sz="200" dirty="0"/>
+              <a:t> </a:t>
+            </a:r>
+            <a:r>
+              <a:rPr lang="en-US" altLang="ko-KR" sz="200" dirty="0"/>
+              <a:t>/ </a:t>
+            </a:r>
+            <a:r>
+              <a:rPr lang="ko-KR" altLang="en-US" sz="200" dirty="0"/>
+              <a:t>불이 들어오는 머리띠 등 타인의 시야방해를 유발할 수 있는 물품</a:t>
+            </a:r>
+          </a:p>
+          <a:p>
+            <a:r>
+              <a:rPr lang="ko-KR" altLang="en-US" sz="200" dirty="0"/>
+              <a:t>예시 물품 외에도 타 관객 공연 관람에 방해가 되거나 안전상 이슈가 있을 것으로 판단되는 물품은 담당자의 재량에 의해 반입이 </a:t>
+            </a:r>
+            <a:r>
+              <a:rPr lang="ko-KR" altLang="en-US" sz="200" dirty="0" err="1"/>
+              <a:t>불가됩니다</a:t>
+            </a:r>
+            <a:r>
+              <a:rPr lang="en-US" altLang="ko-KR" sz="200" dirty="0"/>
+              <a:t>.</a:t>
+            </a:r>
+            <a:br>
+              <a:rPr lang="en-US" altLang="ko-KR" sz="200" dirty="0"/>
+            </a:br>
+            <a:r>
+              <a:rPr lang="en-US" altLang="ko-KR" sz="200" dirty="0"/>
+              <a:t> </a:t>
+            </a:r>
+            <a:br>
+              <a:rPr lang="en-US" altLang="ko-KR" sz="200" dirty="0"/>
+            </a:br>
+            <a:r>
+              <a:rPr lang="en-US" altLang="ko-KR" sz="200" b="1" dirty="0"/>
+              <a:t>3. </a:t>
+            </a:r>
+            <a:r>
+              <a:rPr lang="ko-KR" altLang="en-US" sz="200" b="1" dirty="0"/>
+              <a:t>반입 가능 음식물</a:t>
+            </a:r>
+            <a:r>
+              <a:rPr lang="ko-KR" altLang="en-US" sz="200" dirty="0"/>
+              <a:t/>
+            </a:r>
+            <a:br>
+              <a:rPr lang="ko-KR" altLang="en-US" sz="200" dirty="0"/>
+            </a:br>
+            <a:r>
+              <a:rPr lang="ko-KR" altLang="en-US" sz="200" dirty="0"/>
+              <a:t>재사용 용기</a:t>
+            </a:r>
+            <a:r>
+              <a:rPr lang="en-US" altLang="ko-KR" sz="200" dirty="0"/>
+              <a:t>(</a:t>
+            </a:r>
+            <a:r>
+              <a:rPr lang="ko-KR" altLang="en-US" sz="200" dirty="0"/>
+              <a:t>밀폐용기</a:t>
+            </a:r>
+            <a:r>
+              <a:rPr lang="en-US" altLang="ko-KR" sz="200" dirty="0"/>
+              <a:t>, </a:t>
+            </a:r>
+            <a:r>
+              <a:rPr lang="ko-KR" altLang="en-US" sz="200" dirty="0"/>
+              <a:t>도시락</a:t>
+            </a:r>
+            <a:r>
+              <a:rPr lang="en-US" altLang="ko-KR" sz="200" dirty="0"/>
+              <a:t>, </a:t>
+            </a:r>
+            <a:r>
+              <a:rPr lang="ko-KR" altLang="en-US" sz="200" dirty="0"/>
+              <a:t>플라스틱 재질의 텀블러</a:t>
+            </a:r>
+            <a:r>
+              <a:rPr lang="en-US" altLang="ko-KR" sz="200" dirty="0"/>
+              <a:t>)</a:t>
+            </a:r>
+            <a:r>
+              <a:rPr lang="ko-KR" altLang="en-US" sz="200" dirty="0"/>
+              <a:t>에 담은 음식물 </a:t>
+            </a:r>
+            <a:r>
+              <a:rPr lang="en-US" altLang="ko-KR" sz="200" dirty="0"/>
+              <a:t>/ 500ml </a:t>
+            </a:r>
+            <a:r>
+              <a:rPr lang="ko-KR" altLang="en-US" sz="200" dirty="0"/>
+              <a:t>이하 </a:t>
+            </a:r>
+            <a:r>
+              <a:rPr lang="en-US" altLang="ko-KR" sz="200" dirty="0"/>
+              <a:t>PET</a:t>
+            </a:r>
+            <a:r>
+              <a:rPr lang="ko-KR" altLang="en-US" sz="200" dirty="0"/>
+              <a:t>에 담긴 물과 음료</a:t>
+            </a:r>
+            <a:br>
+              <a:rPr lang="ko-KR" altLang="en-US" sz="200" dirty="0"/>
+            </a:br>
+            <a:r>
+              <a:rPr lang="ko-KR" altLang="en-US" sz="200" dirty="0"/>
+              <a:t> </a:t>
+            </a:r>
+            <a:br>
+              <a:rPr lang="ko-KR" altLang="en-US" sz="200" dirty="0"/>
+            </a:br>
+            <a:r>
+              <a:rPr lang="en-US" altLang="ko-KR" sz="200" b="1" dirty="0"/>
+              <a:t>4. </a:t>
+            </a:r>
+            <a:r>
+              <a:rPr lang="ko-KR" altLang="en-US" sz="200" b="1" dirty="0"/>
+              <a:t>반입 불가 음식물</a:t>
+            </a:r>
+            <a:r>
+              <a:rPr lang="ko-KR" altLang="en-US" sz="200" dirty="0"/>
+              <a:t/>
+            </a:r>
+            <a:br>
+              <a:rPr lang="ko-KR" altLang="en-US" sz="200" dirty="0"/>
+            </a:br>
+            <a:r>
+              <a:rPr lang="ko-KR" altLang="en-US" sz="200" dirty="0"/>
+              <a:t>병 </a:t>
+            </a:r>
+            <a:r>
+              <a:rPr lang="en-US" altLang="ko-KR" sz="200" dirty="0"/>
+              <a:t>/ </a:t>
+            </a:r>
+            <a:r>
+              <a:rPr lang="ko-KR" altLang="en-US" sz="200" dirty="0"/>
+              <a:t>캔 </a:t>
+            </a:r>
+            <a:r>
+              <a:rPr lang="en-US" altLang="ko-KR" sz="200" dirty="0"/>
+              <a:t>/ </a:t>
+            </a:r>
+            <a:r>
+              <a:rPr lang="ko-KR" altLang="en-US" sz="200" dirty="0"/>
+              <a:t>일반 종이나 플라스틱 케이스에 담긴 음식물 </a:t>
+            </a:r>
+            <a:r>
+              <a:rPr lang="en-US" altLang="ko-KR" sz="200" dirty="0"/>
+              <a:t>/ </a:t>
+            </a:r>
+            <a:r>
+              <a:rPr lang="ko-KR" altLang="en-US" sz="200" dirty="0"/>
+              <a:t>쓰레기가 다량 배출되는 음식물</a:t>
+            </a:r>
+            <a:r>
+              <a:rPr lang="en-US" altLang="ko-KR" sz="200" dirty="0"/>
+              <a:t>(</a:t>
+            </a:r>
+            <a:r>
+              <a:rPr lang="ko-KR" altLang="en-US" sz="200" dirty="0"/>
+              <a:t>패스트푸드</a:t>
+            </a:r>
+            <a:r>
+              <a:rPr lang="en-US" altLang="ko-KR" sz="200" dirty="0"/>
+              <a:t>, </a:t>
+            </a:r>
+            <a:r>
+              <a:rPr lang="ko-KR" altLang="en-US" sz="200" dirty="0"/>
+              <a:t>배달음식</a:t>
+            </a:r>
+            <a:r>
+              <a:rPr lang="en-US" altLang="ko-KR" sz="200" dirty="0"/>
+              <a:t>, </a:t>
+            </a:r>
+            <a:r>
+              <a:rPr lang="ko-KR" altLang="en-US" sz="200" dirty="0"/>
+              <a:t>포장음식 등</a:t>
+            </a:r>
+            <a:r>
+              <a:rPr lang="en-US" altLang="ko-KR" sz="200" dirty="0"/>
+              <a:t>) / </a:t>
+            </a:r>
+            <a:r>
+              <a:rPr lang="ko-KR" altLang="en-US" sz="200" dirty="0"/>
+              <a:t>위생사고의 우려나 불쾌감을 줄 수 있는 음식물</a:t>
+            </a:r>
+          </a:p>
+          <a:p>
+            <a:r>
+              <a:rPr lang="en-US" altLang="ko-KR" sz="200" dirty="0"/>
+              <a:t>– </a:t>
+            </a:r>
+            <a:r>
+              <a:rPr lang="ko-KR" altLang="en-US" sz="200" dirty="0"/>
+              <a:t>각 스테이지 입구에서 반입 금지 물품과 음식물 확인이 진행되는 점 미리 양해 </a:t>
+            </a:r>
+            <a:r>
+              <a:rPr lang="ko-KR" altLang="en-US" sz="200" dirty="0" err="1"/>
+              <a:t>부탁드립니다</a:t>
+            </a:r>
+            <a:r>
+              <a:rPr lang="en-US" altLang="ko-KR" sz="200" dirty="0"/>
+              <a:t>.</a:t>
+            </a:r>
+            <a:br>
+              <a:rPr lang="en-US" altLang="ko-KR" sz="200" dirty="0"/>
+            </a:br>
+            <a:r>
+              <a:rPr lang="en-US" altLang="ko-KR" sz="200" dirty="0"/>
+              <a:t>– </a:t>
+            </a:r>
+            <a:r>
+              <a:rPr lang="ko-KR" altLang="en-US" sz="200" dirty="0"/>
+              <a:t>반입 금지 물품과 음식물은 입장 지연의 가장 큰 원인으로 모두에게 불편함을 끼치게 됩니다</a:t>
+            </a:r>
+            <a:r>
+              <a:rPr lang="en-US" altLang="ko-KR" sz="200" dirty="0"/>
+              <a:t>. </a:t>
+            </a:r>
+            <a:r>
+              <a:rPr lang="ko-KR" altLang="en-US" sz="200" dirty="0"/>
+              <a:t>입장 전 처리해주시거나 가져오지 말아주세요</a:t>
+            </a:r>
+            <a:r>
+              <a:rPr lang="en-US" altLang="ko-KR" sz="200" dirty="0"/>
+              <a:t>. </a:t>
+            </a:r>
+            <a:r>
+              <a:rPr lang="ko-KR" altLang="en-US" sz="200" dirty="0"/>
+              <a:t>협조 </a:t>
+            </a:r>
+            <a:r>
+              <a:rPr lang="ko-KR" altLang="en-US" sz="200" dirty="0" err="1"/>
+              <a:t>부탁드립니다</a:t>
+            </a:r>
+            <a:r>
+              <a:rPr lang="en-US" altLang="ko-KR" sz="200" dirty="0"/>
+              <a:t>.</a:t>
+            </a:r>
+            <a:br>
+              <a:rPr lang="en-US" altLang="ko-KR" sz="200" dirty="0"/>
+            </a:br>
+            <a:r>
+              <a:rPr lang="en-US" altLang="ko-KR" sz="200" dirty="0"/>
+              <a:t> </a:t>
+            </a:r>
+            <a:br>
+              <a:rPr lang="en-US" altLang="ko-KR" sz="200" dirty="0"/>
+            </a:br>
+            <a:r>
+              <a:rPr lang="en-US" altLang="ko-KR" sz="200" b="1" dirty="0"/>
+              <a:t>5. </a:t>
+            </a:r>
+            <a:r>
+              <a:rPr lang="ko-KR" altLang="en-US" sz="200" b="1" dirty="0" err="1"/>
+              <a:t>스테이지별</a:t>
+            </a:r>
+            <a:r>
+              <a:rPr lang="ko-KR" altLang="en-US" sz="200" b="1" dirty="0"/>
+              <a:t> 확인 사항</a:t>
+            </a:r>
+            <a:r>
+              <a:rPr lang="ko-KR" altLang="en-US" sz="200" dirty="0"/>
+              <a:t/>
+            </a:r>
+            <a:br>
+              <a:rPr lang="ko-KR" altLang="en-US" sz="200" dirty="0"/>
+            </a:br>
+            <a:r>
+              <a:rPr lang="en-US" altLang="ko-KR" sz="200" dirty="0"/>
+              <a:t>– </a:t>
+            </a:r>
+            <a:r>
+              <a:rPr lang="ko-KR" altLang="en-US" sz="200" dirty="0" err="1"/>
+              <a:t>스탠딩존과</a:t>
+            </a:r>
+            <a:r>
+              <a:rPr lang="ko-KR" altLang="en-US" sz="200" dirty="0"/>
+              <a:t> 실내 스테이지</a:t>
+            </a:r>
+            <a:r>
+              <a:rPr lang="en-US" altLang="ko-KR" sz="200" dirty="0"/>
+              <a:t>(Café Blossom House)</a:t>
+            </a:r>
+            <a:r>
+              <a:rPr lang="ko-KR" altLang="en-US" sz="200" dirty="0"/>
+              <a:t>에는 </a:t>
+            </a:r>
+            <a:r>
+              <a:rPr lang="en-US" altLang="ko-KR" sz="200" dirty="0"/>
+              <a:t>500ml </a:t>
+            </a:r>
+            <a:r>
+              <a:rPr lang="ko-KR" altLang="en-US" sz="200" dirty="0"/>
+              <a:t>이하 </a:t>
+            </a:r>
+            <a:r>
+              <a:rPr lang="en-US" altLang="ko-KR" sz="200" dirty="0"/>
+              <a:t>PET</a:t>
+            </a:r>
+            <a:r>
+              <a:rPr lang="ko-KR" altLang="en-US" sz="200" dirty="0"/>
+              <a:t>에 담긴 생수만 반입 가능합니다</a:t>
+            </a:r>
+            <a:r>
+              <a:rPr lang="en-US" altLang="ko-KR" sz="200" dirty="0"/>
+              <a:t>.</a:t>
+            </a:r>
+            <a:br>
+              <a:rPr lang="en-US" altLang="ko-KR" sz="200" dirty="0"/>
+            </a:br>
+            <a:r>
+              <a:rPr lang="en-US" altLang="ko-KR" sz="200" dirty="0"/>
+              <a:t>– </a:t>
+            </a:r>
+            <a:r>
+              <a:rPr lang="ko-KR" altLang="en-US" sz="200" b="1" dirty="0"/>
+              <a:t>재사용 용기에 담은 음식물은 모든 스테이지 반입은 가능하나</a:t>
+            </a:r>
+            <a:r>
+              <a:rPr lang="en-US" altLang="ko-KR" sz="200" b="1" dirty="0"/>
+              <a:t>, </a:t>
+            </a:r>
+            <a:r>
+              <a:rPr lang="ko-KR" altLang="en-US" sz="200" b="1" dirty="0" err="1"/>
+              <a:t>스탠딩존과</a:t>
+            </a:r>
+            <a:r>
+              <a:rPr lang="ko-KR" altLang="en-US" sz="200" b="1" dirty="0"/>
+              <a:t> 실내 스테이지에서는 드실 수 없습니다</a:t>
+            </a:r>
+            <a:r>
+              <a:rPr lang="en-US" altLang="ko-KR" sz="200" b="1" dirty="0"/>
+              <a:t>.</a:t>
+            </a:r>
+            <a:r>
+              <a:rPr lang="ko-KR" altLang="en-US" sz="200" dirty="0"/>
+              <a:t> 식사는 </a:t>
+            </a:r>
+            <a:r>
+              <a:rPr lang="ko-KR" altLang="en-US" sz="200" dirty="0" err="1"/>
+              <a:t>푸드존</a:t>
+            </a:r>
+            <a:r>
+              <a:rPr lang="ko-KR" altLang="en-US" sz="200" dirty="0"/>
+              <a:t> 인근 편의 시설 등을 이용해주세요</a:t>
+            </a:r>
+            <a:r>
+              <a:rPr lang="en-US" altLang="ko-KR" sz="200" dirty="0"/>
+              <a:t>.</a:t>
+            </a:r>
+            <a:br>
+              <a:rPr lang="en-US" altLang="ko-KR" sz="200" dirty="0"/>
+            </a:br>
+            <a:r>
+              <a:rPr lang="en-US" altLang="ko-KR" sz="200" dirty="0"/>
+              <a:t>– </a:t>
+            </a:r>
+            <a:r>
+              <a:rPr lang="ko-KR" altLang="en-US" sz="200" dirty="0"/>
+              <a:t>공식 </a:t>
+            </a:r>
+            <a:r>
+              <a:rPr lang="en-US" altLang="ko-KR" sz="200" dirty="0"/>
+              <a:t>F&amp;B </a:t>
+            </a:r>
+            <a:r>
+              <a:rPr lang="ko-KR" altLang="en-US" sz="200" dirty="0"/>
+              <a:t>부스</a:t>
+            </a:r>
+            <a:r>
+              <a:rPr lang="en-US" altLang="ko-KR" sz="200" dirty="0"/>
+              <a:t>(</a:t>
+            </a:r>
+            <a:r>
+              <a:rPr lang="ko-KR" altLang="en-US" sz="200" dirty="0"/>
+              <a:t>올림픽공원 편의점 등은 해당 없음</a:t>
+            </a:r>
+            <a:r>
+              <a:rPr lang="en-US" altLang="ko-KR" sz="200" dirty="0"/>
+              <a:t>)</a:t>
+            </a:r>
+            <a:r>
+              <a:rPr lang="ko-KR" altLang="en-US" sz="200" dirty="0"/>
+              <a:t>에서 구입한 음식물은 </a:t>
+            </a:r>
+            <a:r>
+              <a:rPr lang="ko-KR" altLang="en-US" sz="200" dirty="0" err="1"/>
+              <a:t>스탠딩존</a:t>
+            </a:r>
+            <a:r>
+              <a:rPr lang="en-US" altLang="ko-KR" sz="200" dirty="0"/>
+              <a:t>, </a:t>
+            </a:r>
+            <a:r>
+              <a:rPr lang="ko-KR" altLang="en-US" sz="200" dirty="0"/>
+              <a:t>실내 스테이지를 제외하고 반입 가능하나</a:t>
+            </a:r>
+            <a:r>
+              <a:rPr lang="en-US" altLang="ko-KR" sz="200" dirty="0"/>
+              <a:t>, </a:t>
+            </a:r>
+            <a:r>
+              <a:rPr lang="ko-KR" altLang="en-US" sz="200" dirty="0"/>
+              <a:t>아티스트와 다른 관객을 배려하는 마음으로 공연이 진행되지 않는 전환 시간에만 드시기를 </a:t>
+            </a:r>
+            <a:r>
+              <a:rPr lang="ko-KR" altLang="en-US" sz="200" dirty="0" err="1"/>
+              <a:t>부탁드립니다</a:t>
+            </a:r>
+            <a:r>
+              <a:rPr lang="en-US" altLang="ko-KR" sz="200" dirty="0"/>
+              <a:t>.</a:t>
+            </a:r>
+            <a:br>
+              <a:rPr lang="en-US" altLang="ko-KR" sz="200" dirty="0"/>
+            </a:br>
+            <a:r>
+              <a:rPr lang="en-US" altLang="ko-KR" sz="200" dirty="0"/>
+              <a:t>– </a:t>
+            </a:r>
+            <a:r>
+              <a:rPr lang="ko-KR" altLang="en-US" sz="200" dirty="0"/>
+              <a:t>다른 관객을 배려하는 마음으로 식사 후 주변을 깨끗하게 정리해주시기 바랍니다</a:t>
+            </a:r>
+            <a:r>
+              <a:rPr lang="en-US" altLang="ko-KR" sz="200" dirty="0"/>
+              <a:t>.</a:t>
+            </a:r>
+            <a:br>
+              <a:rPr lang="en-US" altLang="ko-KR" sz="200" dirty="0"/>
+            </a:br>
+            <a:r>
+              <a:rPr lang="en-US" altLang="ko-KR" sz="200" dirty="0"/>
+              <a:t> </a:t>
+            </a:r>
+          </a:p>
+          <a:p>
+            <a:r>
+              <a:rPr lang="ko-KR" altLang="en-US" sz="200" b="1" dirty="0"/>
+              <a:t>자리 맡기 금지</a:t>
+            </a:r>
+            <a:r>
+              <a:rPr lang="ko-KR" altLang="en-US" sz="200" dirty="0"/>
+              <a:t/>
+            </a:r>
+            <a:br>
+              <a:rPr lang="ko-KR" altLang="en-US" sz="200" dirty="0"/>
+            </a:br>
+            <a:r>
+              <a:rPr lang="en-US" altLang="ko-KR" sz="200" dirty="0"/>
+              <a:t>– </a:t>
+            </a:r>
+            <a:r>
+              <a:rPr lang="ko-KR" altLang="en-US" sz="200" b="1" dirty="0"/>
+              <a:t>돗자리는 </a:t>
+            </a:r>
+            <a:r>
+              <a:rPr lang="en-US" altLang="ko-KR" sz="200" b="1" dirty="0"/>
+              <a:t>Mint Breeze Stage(88</a:t>
+            </a:r>
+            <a:r>
+              <a:rPr lang="ko-KR" altLang="en-US" sz="200" b="1" dirty="0"/>
+              <a:t>잔디마당</a:t>
+            </a:r>
+            <a:r>
+              <a:rPr lang="en-US" altLang="ko-KR" sz="200" b="1" dirty="0"/>
+              <a:t>) </a:t>
+            </a:r>
+            <a:r>
+              <a:rPr lang="ko-KR" altLang="en-US" sz="200" b="1" dirty="0"/>
+              <a:t>내 지정된 </a:t>
+            </a:r>
+            <a:r>
+              <a:rPr lang="ko-KR" altLang="en-US" sz="200" b="1" dirty="0" err="1"/>
+              <a:t>피크닉존에서만</a:t>
+            </a:r>
+            <a:r>
+              <a:rPr lang="ko-KR" altLang="en-US" sz="200" b="1" dirty="0"/>
+              <a:t> 이용 가능</a:t>
+            </a:r>
+            <a:r>
+              <a:rPr lang="ko-KR" altLang="en-US" sz="200" dirty="0"/>
+              <a:t>합니다</a:t>
+            </a:r>
+            <a:r>
+              <a:rPr lang="en-US" altLang="ko-KR" sz="200" dirty="0"/>
+              <a:t>.</a:t>
+            </a:r>
+            <a:br>
+              <a:rPr lang="en-US" altLang="ko-KR" sz="200" dirty="0"/>
+            </a:br>
+            <a:r>
+              <a:rPr lang="en-US" altLang="ko-KR" sz="200" dirty="0"/>
+              <a:t>– </a:t>
+            </a:r>
+            <a:r>
+              <a:rPr lang="ko-KR" altLang="en-US" sz="200" b="1" dirty="0"/>
+              <a:t>자리 맡아두기는 다른 관객에게 피해를 주고</a:t>
+            </a:r>
+            <a:r>
+              <a:rPr lang="en-US" altLang="ko-KR" sz="200" b="1" dirty="0"/>
+              <a:t>, </a:t>
+            </a:r>
+            <a:r>
+              <a:rPr lang="ko-KR" altLang="en-US" sz="200" b="1" dirty="0"/>
+              <a:t>소지품 분실의 위험이 있어 금지</a:t>
+            </a:r>
+            <a:r>
+              <a:rPr lang="ko-KR" altLang="en-US" sz="200" dirty="0"/>
+              <a:t>됩니다</a:t>
+            </a:r>
+            <a:r>
+              <a:rPr lang="en-US" altLang="ko-KR" sz="200" dirty="0"/>
+              <a:t>. </a:t>
+            </a:r>
+            <a:r>
+              <a:rPr lang="ko-KR" altLang="en-US" sz="200" dirty="0"/>
+              <a:t>스테이지를 이동하거나 장시간 자리를 비울 경우 </a:t>
+            </a:r>
+            <a:r>
+              <a:rPr lang="ko-KR" altLang="en-US" sz="200" b="1" dirty="0"/>
+              <a:t>돗자리 및 개인 짐도 함께 이동</a:t>
+            </a:r>
+            <a:r>
+              <a:rPr lang="ko-KR" altLang="en-US" sz="200" dirty="0"/>
+              <a:t>하시기 바랍니다</a:t>
+            </a:r>
+            <a:r>
+              <a:rPr lang="en-US" altLang="ko-KR" sz="200" dirty="0"/>
+              <a:t>.</a:t>
+            </a:r>
+            <a:br>
+              <a:rPr lang="en-US" altLang="ko-KR" sz="200" dirty="0"/>
+            </a:br>
+            <a:r>
+              <a:rPr lang="en-US" altLang="ko-KR" sz="200" dirty="0"/>
+              <a:t>– </a:t>
+            </a:r>
+            <a:r>
+              <a:rPr lang="ko-KR" altLang="en-US" sz="200" dirty="0" err="1"/>
+              <a:t>스탠딩존</a:t>
+            </a:r>
+            <a:r>
+              <a:rPr lang="en-US" altLang="ko-KR" sz="200" dirty="0"/>
+              <a:t>, </a:t>
+            </a:r>
+            <a:r>
+              <a:rPr lang="ko-KR" altLang="en-US" sz="200" dirty="0"/>
+              <a:t>좌석</a:t>
+            </a:r>
+            <a:r>
+              <a:rPr lang="en-US" altLang="ko-KR" sz="200" dirty="0"/>
+              <a:t>, </a:t>
+            </a:r>
+            <a:r>
+              <a:rPr lang="ko-KR" altLang="en-US" sz="200" dirty="0"/>
+              <a:t>통로 등에 돗자리나 개인 물품을 이용해 자리를 차지하는 것은 동선 방해 등 안전을 위협하므로 이동 조치됩니다</a:t>
+            </a:r>
+            <a:r>
+              <a:rPr lang="en-US" altLang="ko-KR" sz="200" dirty="0"/>
+              <a:t>.</a:t>
+            </a:r>
+            <a:br>
+              <a:rPr lang="en-US" altLang="ko-KR" sz="200" dirty="0"/>
+            </a:br>
+            <a:r>
+              <a:rPr lang="en-US" altLang="ko-KR" sz="200" dirty="0"/>
+              <a:t>– </a:t>
+            </a:r>
+            <a:r>
+              <a:rPr lang="ko-KR" altLang="en-US" sz="200" b="1" dirty="0"/>
+              <a:t>짐만 있고 사람이 없는 경우에는 현장에서의 동선 관리 등의 이유로 임의로 물품을 이동</a:t>
+            </a:r>
+            <a:r>
+              <a:rPr lang="ko-KR" altLang="en-US" sz="200" dirty="0"/>
+              <a:t>할 수 있으며</a:t>
+            </a:r>
+            <a:r>
+              <a:rPr lang="en-US" altLang="ko-KR" sz="200" dirty="0"/>
+              <a:t>, </a:t>
+            </a:r>
+            <a:r>
+              <a:rPr lang="ko-KR" altLang="en-US" sz="200" dirty="0"/>
+              <a:t>해당 과정에서 발생하는 분실이나 훼손에 대해서는 주최</a:t>
+            </a:r>
+            <a:r>
+              <a:rPr lang="en-US" altLang="ko-KR" sz="200" dirty="0"/>
+              <a:t>, </a:t>
+            </a:r>
+            <a:r>
+              <a:rPr lang="ko-KR" altLang="en-US" sz="200" dirty="0"/>
+              <a:t>주관</a:t>
+            </a:r>
+            <a:r>
+              <a:rPr lang="en-US" altLang="ko-KR" sz="200" dirty="0"/>
+              <a:t>, </a:t>
+            </a:r>
+            <a:r>
+              <a:rPr lang="ko-KR" altLang="en-US" sz="200" dirty="0" err="1"/>
+              <a:t>협력사</a:t>
+            </a:r>
+            <a:r>
+              <a:rPr lang="ko-KR" altLang="en-US" sz="200" dirty="0"/>
+              <a:t> 측에서 책임지지 않습니다</a:t>
+            </a:r>
+            <a:r>
+              <a:rPr lang="en-US" altLang="ko-KR" sz="200" dirty="0"/>
+              <a:t>.</a:t>
+            </a:r>
+          </a:p>
+          <a:p>
+            <a:r>
+              <a:rPr lang="en-US" altLang="ko-KR" sz="200" dirty="0"/>
+              <a:t> </a:t>
+            </a:r>
+          </a:p>
+          <a:p>
+            <a:r>
+              <a:rPr lang="ko-KR" altLang="en-US" sz="200" b="1" dirty="0"/>
+              <a:t>편의 시설</a:t>
+            </a:r>
+            <a:endParaRPr lang="ko-KR" altLang="en-US" sz="200" dirty="0"/>
+          </a:p>
+          <a:p>
+            <a:r>
+              <a:rPr lang="en-US" altLang="ko-KR" sz="200" dirty="0"/>
+              <a:t>– </a:t>
+            </a:r>
+            <a:r>
+              <a:rPr lang="ko-KR" altLang="en-US" sz="200" b="1" dirty="0"/>
+              <a:t>물품보관소</a:t>
+            </a:r>
+            <a:r>
+              <a:rPr lang="ko-KR" altLang="en-US" sz="200" dirty="0"/>
+              <a:t>가 운영됩니다</a:t>
+            </a:r>
+            <a:r>
+              <a:rPr lang="en-US" altLang="ko-KR" sz="200" dirty="0"/>
+              <a:t>.</a:t>
+            </a:r>
+            <a:br>
+              <a:rPr lang="en-US" altLang="ko-KR" sz="200" dirty="0"/>
+            </a:br>
+            <a:r>
+              <a:rPr lang="ko-KR" altLang="en-US" sz="200" dirty="0"/>
+              <a:t>운영 시간</a:t>
+            </a:r>
+            <a:r>
+              <a:rPr lang="en-US" altLang="ko-KR" sz="200" dirty="0"/>
+              <a:t>: </a:t>
+            </a:r>
+            <a:r>
+              <a:rPr lang="ko-KR" altLang="en-US" sz="200" dirty="0"/>
+              <a:t>오전 </a:t>
+            </a:r>
+            <a:r>
+              <a:rPr lang="en-US" altLang="ko-KR" sz="200" dirty="0"/>
+              <a:t>10</a:t>
+            </a:r>
+            <a:r>
+              <a:rPr lang="ko-KR" altLang="en-US" sz="200" dirty="0"/>
+              <a:t>시 </a:t>
+            </a:r>
+            <a:r>
+              <a:rPr lang="en-US" altLang="ko-KR" sz="200" dirty="0"/>
+              <a:t>30</a:t>
+            </a:r>
+            <a:r>
+              <a:rPr lang="ko-KR" altLang="en-US" sz="200" dirty="0"/>
+              <a:t>분</a:t>
+            </a:r>
+            <a:r>
+              <a:rPr lang="en-US" altLang="ko-KR" sz="200" dirty="0"/>
+              <a:t>~</a:t>
+            </a:r>
+            <a:r>
+              <a:rPr lang="ko-KR" altLang="en-US" sz="200" dirty="0"/>
+              <a:t>해당일 최종 공연 마감 </a:t>
+            </a:r>
+            <a:r>
+              <a:rPr lang="en-US" altLang="ko-KR" sz="200" dirty="0"/>
+              <a:t>30</a:t>
+            </a:r>
+            <a:r>
+              <a:rPr lang="ko-KR" altLang="en-US" sz="200" dirty="0"/>
+              <a:t>분 후</a:t>
+            </a:r>
+            <a:br>
+              <a:rPr lang="ko-KR" altLang="en-US" sz="200" dirty="0"/>
+            </a:br>
+            <a:r>
+              <a:rPr lang="ko-KR" altLang="en-US" sz="200" dirty="0"/>
+              <a:t>이용료</a:t>
+            </a:r>
+            <a:r>
+              <a:rPr lang="en-US" altLang="ko-KR" sz="200" dirty="0"/>
+              <a:t>: 5,000</a:t>
+            </a:r>
+            <a:r>
+              <a:rPr lang="ko-KR" altLang="en-US" sz="200" dirty="0"/>
+              <a:t>원</a:t>
+            </a:r>
+            <a:r>
+              <a:rPr lang="en-US" altLang="ko-KR" sz="200" dirty="0"/>
+              <a:t>/</a:t>
+            </a:r>
+            <a:r>
+              <a:rPr lang="ko-KR" altLang="en-US" sz="200" dirty="0" err="1"/>
+              <a:t>재보관</a:t>
+            </a:r>
+            <a:r>
+              <a:rPr lang="ko-KR" altLang="en-US" sz="200" dirty="0"/>
+              <a:t> 시 </a:t>
+            </a:r>
+            <a:r>
+              <a:rPr lang="en-US" altLang="ko-KR" sz="200" dirty="0"/>
+              <a:t>1,000</a:t>
+            </a:r>
+            <a:r>
+              <a:rPr lang="ko-KR" altLang="en-US" sz="200" dirty="0"/>
+              <a:t>원</a:t>
+            </a:r>
+            <a:r>
+              <a:rPr lang="en-US" altLang="ko-KR" sz="200" dirty="0"/>
+              <a:t>(</a:t>
+            </a:r>
+            <a:r>
+              <a:rPr lang="ko-KR" altLang="en-US" sz="200" dirty="0"/>
+              <a:t>현금만 가능</a:t>
+            </a:r>
+            <a:r>
+              <a:rPr lang="en-US" altLang="ko-KR" sz="200" dirty="0"/>
+              <a:t>)</a:t>
+            </a:r>
+          </a:p>
+          <a:p>
+            <a:r>
+              <a:rPr lang="ko-KR" altLang="en-US" sz="200" dirty="0"/>
+              <a:t>보관 방법</a:t>
+            </a:r>
+            <a:r>
+              <a:rPr lang="en-US" altLang="ko-KR" sz="200" dirty="0"/>
+              <a:t>: </a:t>
+            </a:r>
+            <a:r>
+              <a:rPr lang="ko-KR" altLang="en-US" sz="200" dirty="0" err="1"/>
+              <a:t>민트페이퍼</a:t>
+            </a:r>
+            <a:r>
+              <a:rPr lang="ko-KR" altLang="en-US" sz="200" dirty="0"/>
+              <a:t> 전용 </a:t>
+            </a:r>
+            <a:r>
+              <a:rPr lang="ko-KR" altLang="en-US" sz="200" dirty="0" err="1"/>
+              <a:t>비닐백</a:t>
+            </a:r>
+            <a:r>
+              <a:rPr lang="en-US" altLang="ko-KR" sz="200" dirty="0"/>
+              <a:t>(</a:t>
+            </a:r>
+            <a:r>
+              <a:rPr lang="ko-KR" altLang="en-US" sz="200" dirty="0"/>
+              <a:t>가로 </a:t>
+            </a:r>
+            <a:r>
+              <a:rPr lang="en-US" altLang="ko-KR" sz="200" dirty="0"/>
+              <a:t>45cmX</a:t>
+            </a:r>
+            <a:r>
+              <a:rPr lang="ko-KR" altLang="en-US" sz="200" dirty="0"/>
+              <a:t>세로 </a:t>
+            </a:r>
+            <a:r>
+              <a:rPr lang="en-US" altLang="ko-KR" sz="200" dirty="0"/>
+              <a:t>55cmX</a:t>
+            </a:r>
+            <a:r>
+              <a:rPr lang="ko-KR" altLang="en-US" sz="200" dirty="0"/>
+              <a:t>바닥 </a:t>
+            </a:r>
+            <a:r>
+              <a:rPr lang="en-US" altLang="ko-KR" sz="200" dirty="0"/>
+              <a:t>16cm)</a:t>
+            </a:r>
+            <a:r>
+              <a:rPr lang="ko-KR" altLang="en-US" sz="200" dirty="0"/>
+              <a:t>에 보관</a:t>
+            </a:r>
+            <a:br>
+              <a:rPr lang="ko-KR" altLang="en-US" sz="200" dirty="0"/>
+            </a:br>
+            <a:r>
+              <a:rPr lang="en-US" altLang="ko-KR" sz="200" dirty="0"/>
+              <a:t>– </a:t>
+            </a:r>
+            <a:r>
+              <a:rPr lang="ko-KR" altLang="en-US" sz="200" dirty="0"/>
+              <a:t>물품보관 시 제공되는 번호표 분실</a:t>
+            </a:r>
+            <a:r>
+              <a:rPr lang="en-US" altLang="ko-KR" sz="200" dirty="0"/>
+              <a:t>, </a:t>
+            </a:r>
+            <a:r>
+              <a:rPr lang="ko-KR" altLang="en-US" sz="200" dirty="0"/>
+              <a:t>마감 시간까지 찾아가지 않아 발생하는 물품의 분실</a:t>
+            </a:r>
+            <a:r>
+              <a:rPr lang="en-US" altLang="ko-KR" sz="200" dirty="0"/>
+              <a:t>, </a:t>
+            </a:r>
+            <a:r>
+              <a:rPr lang="ko-KR" altLang="en-US" sz="200" dirty="0"/>
+              <a:t>훼손 등에 대해서 주최</a:t>
+            </a:r>
+            <a:r>
+              <a:rPr lang="en-US" altLang="ko-KR" sz="200" dirty="0"/>
+              <a:t>, </a:t>
+            </a:r>
+            <a:r>
+              <a:rPr lang="ko-KR" altLang="en-US" sz="200" dirty="0"/>
+              <a:t>주관 측은 책임지지 않습니다</a:t>
+            </a:r>
+            <a:r>
+              <a:rPr lang="en-US" altLang="ko-KR" sz="200" dirty="0"/>
+              <a:t>. </a:t>
+            </a:r>
+            <a:r>
+              <a:rPr lang="ko-KR" altLang="en-US" sz="200" dirty="0"/>
+              <a:t>번호표 보관에 유의 바랍니다</a:t>
+            </a:r>
+            <a:r>
+              <a:rPr lang="en-US" altLang="ko-KR" sz="200" dirty="0"/>
+              <a:t>.</a:t>
+            </a:r>
+            <a:br>
+              <a:rPr lang="en-US" altLang="ko-KR" sz="200" dirty="0"/>
+            </a:br>
+            <a:r>
+              <a:rPr lang="en-US" altLang="ko-KR" sz="200" dirty="0"/>
+              <a:t>– </a:t>
+            </a:r>
+            <a:r>
+              <a:rPr lang="ko-KR" altLang="en-US" sz="200" dirty="0"/>
+              <a:t>파손의 위험이 있거나 전용 </a:t>
+            </a:r>
+            <a:r>
+              <a:rPr lang="ko-KR" altLang="en-US" sz="200" dirty="0" err="1"/>
+              <a:t>비닐백에</a:t>
+            </a:r>
+            <a:r>
+              <a:rPr lang="ko-KR" altLang="en-US" sz="200" dirty="0"/>
+              <a:t> 들어가지 않는 부피가 큰 물품</a:t>
+            </a:r>
+            <a:r>
+              <a:rPr lang="en-US" altLang="ko-KR" sz="200" dirty="0"/>
+              <a:t>, </a:t>
+            </a:r>
+            <a:r>
+              <a:rPr lang="ko-KR" altLang="en-US" sz="200" dirty="0"/>
+              <a:t>귀중품은 보관이 불가합니다</a:t>
+            </a:r>
+            <a:r>
+              <a:rPr lang="en-US" altLang="ko-KR" sz="200" dirty="0"/>
+              <a:t>.</a:t>
+            </a:r>
+            <a:br>
+              <a:rPr lang="en-US" altLang="ko-KR" sz="200" dirty="0"/>
+            </a:br>
+            <a:r>
+              <a:rPr lang="en-US" altLang="ko-KR" sz="200" dirty="0"/>
+              <a:t>– </a:t>
+            </a:r>
+            <a:r>
+              <a:rPr lang="ko-KR" altLang="en-US" sz="200" dirty="0"/>
+              <a:t>단</a:t>
+            </a:r>
+            <a:r>
+              <a:rPr lang="en-US" altLang="ko-KR" sz="200" dirty="0"/>
+              <a:t>, </a:t>
+            </a:r>
+            <a:r>
+              <a:rPr lang="ko-KR" altLang="en-US" sz="200" dirty="0" err="1"/>
+              <a:t>캐리어와</a:t>
+            </a:r>
+            <a:r>
+              <a:rPr lang="ko-KR" altLang="en-US" sz="200" dirty="0"/>
+              <a:t> 아이스박스에 한해 별도 보관이 가능합니다</a:t>
+            </a:r>
+            <a:r>
+              <a:rPr lang="en-US" altLang="ko-KR" sz="200" dirty="0"/>
+              <a:t>.</a:t>
+            </a:r>
+          </a:p>
+          <a:p>
+            <a:r>
+              <a:rPr lang="en-US" altLang="ko-KR" sz="200" dirty="0"/>
+              <a:t> </a:t>
+            </a:r>
+          </a:p>
+          <a:p>
+            <a:r>
+              <a:rPr lang="en-US" altLang="ko-KR" sz="200" dirty="0"/>
+              <a:t>– </a:t>
+            </a:r>
+            <a:r>
+              <a:rPr lang="ko-KR" altLang="en-US" sz="200" b="1" dirty="0"/>
+              <a:t>흡연은 지정된 </a:t>
+            </a:r>
+            <a:r>
+              <a:rPr lang="ko-KR" altLang="en-US" sz="200" b="1" dirty="0" err="1"/>
+              <a:t>스모킹존에서만</a:t>
+            </a:r>
+            <a:r>
+              <a:rPr lang="ko-KR" altLang="en-US" sz="200" b="1" dirty="0"/>
+              <a:t> 가능</a:t>
+            </a:r>
+            <a:r>
+              <a:rPr lang="ko-KR" altLang="en-US" sz="200" dirty="0"/>
+              <a:t>합니다</a:t>
+            </a:r>
+            <a:r>
+              <a:rPr lang="en-US" altLang="ko-KR" sz="200" dirty="0"/>
+              <a:t>.</a:t>
+            </a:r>
+          </a:p>
+          <a:p>
+            <a:r>
+              <a:rPr lang="en-US" altLang="ko-KR" sz="200" dirty="0"/>
+              <a:t>– </a:t>
+            </a:r>
+            <a:r>
+              <a:rPr lang="ko-KR" altLang="en-US" sz="200" dirty="0"/>
+              <a:t>주류 구입 시 신분증을 준비해주세요</a:t>
+            </a:r>
+            <a:r>
+              <a:rPr lang="en-US" altLang="ko-KR" sz="200" dirty="0"/>
+              <a:t>.</a:t>
+            </a:r>
+          </a:p>
+          <a:p>
+            <a:r>
+              <a:rPr lang="en-US" altLang="ko-KR" sz="200" dirty="0"/>
+              <a:t>– </a:t>
+            </a:r>
+            <a:r>
+              <a:rPr lang="ko-KR" altLang="en-US" sz="200" dirty="0"/>
+              <a:t>주차 관련 사항은 올림픽공원 규정을 따릅니다</a:t>
+            </a:r>
+            <a:r>
+              <a:rPr lang="en-US" altLang="ko-KR" sz="200" dirty="0"/>
+              <a:t>. </a:t>
+            </a:r>
+            <a:r>
+              <a:rPr lang="ko-KR" altLang="en-US" sz="200" dirty="0"/>
+              <a:t>올림픽공원</a:t>
+            </a:r>
+            <a:r>
+              <a:rPr lang="en-US" altLang="ko-KR" sz="200" dirty="0"/>
+              <a:t>(</a:t>
+            </a:r>
+            <a:r>
+              <a:rPr lang="en-US" altLang="ko-KR" sz="200" dirty="0">
+                <a:hlinkClick r:id="rId3"/>
               </a:rPr>
-              <a:t>Logo</a:t>
-            </a:r>
-            <a:endParaRPr lang="ko-KR" altLang="en-US" sz="500" dirty="0">
-              <a:solidFill>
-                <a:schemeClr val="bg1"/>
-              </a:solidFill>
-            </a:endParaRPr>
+              <a:t>www.olympicpark.co.kr</a:t>
+            </a:r>
+            <a:r>
+              <a:rPr lang="en-US" altLang="ko-KR" sz="200" dirty="0"/>
+              <a:t>) </a:t>
+            </a:r>
+            <a:r>
+              <a:rPr lang="ko-KR" altLang="en-US" sz="200" dirty="0"/>
+              <a:t>주차 안내와 공지사항을 반드시 확인해주시기 바랍니다</a:t>
+            </a:r>
+            <a:r>
+              <a:rPr lang="en-US" altLang="ko-KR" sz="200" dirty="0"/>
+              <a:t>. </a:t>
+            </a:r>
+            <a:r>
+              <a:rPr lang="ko-KR" altLang="en-US" sz="200" dirty="0"/>
+              <a:t>주차 공간이 한정되어 있고</a:t>
+            </a:r>
+            <a:r>
+              <a:rPr lang="en-US" altLang="ko-KR" sz="200" dirty="0"/>
+              <a:t>, </a:t>
+            </a:r>
+            <a:r>
+              <a:rPr lang="ko-KR" altLang="en-US" sz="200" dirty="0"/>
+              <a:t>주말 공원 이용객 증가로 입차 자체가 불가할 수 있으니 가급적 대중교통을 이용하시기 바랍니다</a:t>
+            </a:r>
+            <a:r>
+              <a:rPr lang="en-US" altLang="ko-KR" sz="200" dirty="0"/>
+              <a:t>.</a:t>
+            </a:r>
+            <a:br>
+              <a:rPr lang="en-US" altLang="ko-KR" sz="200" dirty="0"/>
+            </a:br>
+            <a:r>
+              <a:rPr lang="en-US" altLang="ko-KR" sz="200" dirty="0"/>
+              <a:t> </a:t>
+            </a:r>
+          </a:p>
+          <a:p>
+            <a:r>
+              <a:rPr lang="ko-KR" altLang="en-US" sz="200" b="1" dirty="0"/>
+              <a:t>우천 조항</a:t>
+            </a:r>
+            <a:r>
+              <a:rPr lang="ko-KR" altLang="en-US" sz="200" dirty="0"/>
+              <a:t/>
+            </a:r>
+            <a:br>
+              <a:rPr lang="ko-KR" altLang="en-US" sz="200" dirty="0"/>
+            </a:br>
+            <a:r>
+              <a:rPr lang="ko-KR" altLang="en-US" sz="200" dirty="0"/>
+              <a:t>천재지변과 사회적인 중대한 이슈를 제외한 </a:t>
+            </a:r>
+            <a:r>
+              <a:rPr lang="ko-KR" altLang="en-US" sz="200" b="1" dirty="0"/>
+              <a:t>일반적인 우천 시 예정대로 진행</a:t>
+            </a:r>
+            <a:r>
+              <a:rPr lang="ko-KR" altLang="en-US" sz="200" dirty="0"/>
+              <a:t>되며</a:t>
+            </a:r>
+            <a:r>
+              <a:rPr lang="en-US" altLang="ko-KR" sz="200" dirty="0"/>
+              <a:t>, </a:t>
+            </a:r>
+            <a:r>
+              <a:rPr lang="ko-KR" altLang="en-US" sz="200" dirty="0"/>
+              <a:t>우천 조항은 다음과 같습니다</a:t>
+            </a:r>
+            <a:r>
+              <a:rPr lang="en-US" altLang="ko-KR" sz="200" dirty="0"/>
+              <a:t>. </a:t>
+            </a:r>
+            <a:r>
+              <a:rPr lang="ko-KR" altLang="en-US" sz="200" dirty="0"/>
+              <a:t>야외에서 진행되니 기후 변화에 대처 가능한 의류를 준비하시기를 권해드립니다</a:t>
+            </a:r>
+            <a:r>
+              <a:rPr lang="en-US" altLang="ko-KR" sz="200" dirty="0"/>
+              <a:t>.</a:t>
+            </a:r>
+          </a:p>
+          <a:p>
+            <a:r>
+              <a:rPr lang="ko-KR" altLang="en-US" sz="200" dirty="0"/>
+              <a:t>시간당 </a:t>
+            </a:r>
+            <a:r>
+              <a:rPr lang="en-US" altLang="ko-KR" sz="200" dirty="0"/>
+              <a:t>3mm </a:t>
+            </a:r>
+            <a:r>
+              <a:rPr lang="ko-KR" altLang="en-US" sz="200" dirty="0"/>
+              <a:t>미만의 강수량 </a:t>
+            </a:r>
+            <a:r>
+              <a:rPr lang="en-US" altLang="ko-KR" sz="200" dirty="0"/>
+              <a:t>/ 1</a:t>
+            </a:r>
+            <a:r>
+              <a:rPr lang="ko-KR" altLang="en-US" sz="200" dirty="0"/>
+              <a:t>일 </a:t>
+            </a:r>
+            <a:r>
+              <a:rPr lang="en-US" altLang="ko-KR" sz="200" dirty="0"/>
+              <a:t>20mm </a:t>
+            </a:r>
+            <a:r>
+              <a:rPr lang="ko-KR" altLang="en-US" sz="200" dirty="0"/>
+              <a:t>미만의 강수량 ‘정상 진행’</a:t>
+            </a:r>
+            <a:br>
+              <a:rPr lang="ko-KR" altLang="en-US" sz="200" dirty="0"/>
+            </a:br>
+            <a:r>
+              <a:rPr lang="ko-KR" altLang="en-US" sz="200" dirty="0"/>
+              <a:t>시간당 </a:t>
+            </a:r>
+            <a:r>
+              <a:rPr lang="en-US" altLang="ko-KR" sz="200" dirty="0"/>
+              <a:t>3~6mm</a:t>
+            </a:r>
+            <a:r>
+              <a:rPr lang="ko-KR" altLang="en-US" sz="200" dirty="0"/>
+              <a:t>의 강수량 </a:t>
+            </a:r>
+            <a:r>
+              <a:rPr lang="en-US" altLang="ko-KR" sz="200" dirty="0"/>
+              <a:t>/ 1</a:t>
+            </a:r>
+            <a:r>
+              <a:rPr lang="ko-KR" altLang="en-US" sz="200" dirty="0"/>
+              <a:t>일 </a:t>
+            </a:r>
+            <a:r>
+              <a:rPr lang="en-US" altLang="ko-KR" sz="200" dirty="0"/>
+              <a:t>20~50mm</a:t>
+            </a:r>
+            <a:r>
+              <a:rPr lang="ko-KR" altLang="en-US" sz="200" dirty="0"/>
+              <a:t>의 강수량 ‘상황에 따라 일시 정지’</a:t>
+            </a:r>
+            <a:br>
+              <a:rPr lang="ko-KR" altLang="en-US" sz="200" dirty="0"/>
+            </a:br>
+            <a:r>
+              <a:rPr lang="ko-KR" altLang="en-US" sz="200" dirty="0"/>
+              <a:t>시간당 </a:t>
+            </a:r>
+            <a:r>
+              <a:rPr lang="en-US" altLang="ko-KR" sz="200" dirty="0"/>
+              <a:t>6mm </a:t>
+            </a:r>
+            <a:r>
+              <a:rPr lang="ko-KR" altLang="en-US" sz="200" dirty="0"/>
+              <a:t>이상의 강수량 </a:t>
+            </a:r>
+            <a:r>
+              <a:rPr lang="en-US" altLang="ko-KR" sz="200" dirty="0"/>
+              <a:t>/ 1</a:t>
+            </a:r>
+            <a:r>
+              <a:rPr lang="ko-KR" altLang="en-US" sz="200" dirty="0"/>
+              <a:t>일 </a:t>
+            </a:r>
+            <a:r>
+              <a:rPr lang="en-US" altLang="ko-KR" sz="200" dirty="0"/>
+              <a:t>50mm </a:t>
+            </a:r>
+            <a:r>
+              <a:rPr lang="ko-KR" altLang="en-US" sz="200" dirty="0"/>
+              <a:t>이상의 강수량 ‘주최 측의 판단에 의해 일정 중지 가능’</a:t>
+            </a:r>
+          </a:p>
+          <a:p>
+            <a:r>
+              <a:rPr lang="en-US" altLang="ko-KR" sz="200" dirty="0"/>
+              <a:t>– </a:t>
+            </a:r>
+            <a:r>
+              <a:rPr lang="ko-KR" altLang="en-US" sz="200" dirty="0"/>
+              <a:t>상기 조항의 </a:t>
+            </a:r>
+            <a:r>
+              <a:rPr lang="en-US" altLang="ko-KR" sz="200" dirty="0"/>
+              <a:t>1</a:t>
+            </a:r>
+            <a:r>
+              <a:rPr lang="ko-KR" altLang="en-US" sz="200" dirty="0"/>
+              <a:t>일과 시간당의 기준은 일정에 영향을 줄 수 있는 </a:t>
+            </a:r>
+            <a:r>
+              <a:rPr lang="en-US" altLang="ko-KR" sz="200" dirty="0"/>
+              <a:t>12</a:t>
+            </a:r>
+            <a:r>
+              <a:rPr lang="ko-KR" altLang="en-US" sz="200" dirty="0"/>
+              <a:t>시</a:t>
+            </a:r>
+            <a:r>
+              <a:rPr lang="en-US" altLang="ko-KR" sz="200" dirty="0"/>
+              <a:t>~22</a:t>
+            </a:r>
+            <a:r>
+              <a:rPr lang="ko-KR" altLang="en-US" sz="200" dirty="0"/>
+              <a:t>시까지로 한정합니다</a:t>
+            </a:r>
+            <a:r>
+              <a:rPr lang="en-US" altLang="ko-KR" sz="200" dirty="0"/>
+              <a:t>.</a:t>
+            </a:r>
+            <a:br>
+              <a:rPr lang="en-US" altLang="ko-KR" sz="200" dirty="0"/>
+            </a:br>
+            <a:r>
+              <a:rPr lang="en-US" altLang="ko-KR" sz="200" dirty="0"/>
+              <a:t>– </a:t>
+            </a:r>
+            <a:r>
+              <a:rPr lang="ko-KR" altLang="en-US" sz="200" dirty="0"/>
+              <a:t>우천을 포함한 특별 발표는 특별한 사유가 없는 한 공연일 오전 </a:t>
+            </a:r>
+            <a:r>
+              <a:rPr lang="en-US" altLang="ko-KR" sz="200" dirty="0"/>
+              <a:t>8</a:t>
+            </a:r>
+            <a:r>
+              <a:rPr lang="ko-KR" altLang="en-US" sz="200" dirty="0"/>
+              <a:t>시 </a:t>
+            </a:r>
+            <a:r>
+              <a:rPr lang="en-US" altLang="ko-KR" sz="200" dirty="0"/>
+              <a:t>1</a:t>
+            </a:r>
+            <a:r>
+              <a:rPr lang="ko-KR" altLang="en-US" sz="200" dirty="0"/>
+              <a:t>차 발표</a:t>
+            </a:r>
+            <a:r>
+              <a:rPr lang="en-US" altLang="ko-KR" sz="200" dirty="0"/>
+              <a:t>, </a:t>
+            </a:r>
+            <a:r>
+              <a:rPr lang="ko-KR" altLang="en-US" sz="200" dirty="0"/>
+              <a:t>오전 </a:t>
+            </a:r>
+            <a:r>
+              <a:rPr lang="en-US" altLang="ko-KR" sz="200" dirty="0"/>
+              <a:t>11</a:t>
+            </a:r>
+            <a:r>
+              <a:rPr lang="ko-KR" altLang="en-US" sz="200" dirty="0"/>
+              <a:t>시 </a:t>
+            </a:r>
+            <a:r>
+              <a:rPr lang="en-US" altLang="ko-KR" sz="200" dirty="0"/>
+              <a:t>2</a:t>
+            </a:r>
+            <a:r>
+              <a:rPr lang="ko-KR" altLang="en-US" sz="200" dirty="0"/>
+              <a:t>차 발표를 기준으로 합니다</a:t>
+            </a:r>
+            <a:r>
+              <a:rPr lang="en-US" altLang="ko-KR" sz="200" dirty="0"/>
+              <a:t>. 1</a:t>
+            </a:r>
+            <a:r>
+              <a:rPr lang="ko-KR" altLang="en-US" sz="200" dirty="0"/>
+              <a:t>차 발표 후 내용 변동이 없는 경우 </a:t>
+            </a:r>
+            <a:r>
+              <a:rPr lang="en-US" altLang="ko-KR" sz="200" dirty="0"/>
+              <a:t>2</a:t>
+            </a:r>
+            <a:r>
+              <a:rPr lang="ko-KR" altLang="en-US" sz="200" dirty="0"/>
+              <a:t>차 발표는 생략될 수 있습니다</a:t>
+            </a:r>
+            <a:r>
+              <a:rPr lang="en-US" altLang="ko-KR" sz="200" dirty="0"/>
+              <a:t>.</a:t>
+            </a:r>
+            <a:br>
+              <a:rPr lang="en-US" altLang="ko-KR" sz="200" dirty="0"/>
+            </a:br>
+            <a:r>
+              <a:rPr lang="en-US" altLang="ko-KR" sz="200" dirty="0"/>
+              <a:t>– </a:t>
+            </a:r>
+            <a:r>
+              <a:rPr lang="ko-KR" altLang="en-US" sz="200" dirty="0"/>
+              <a:t>우산은 타인의 관람에 방해가 되고</a:t>
+            </a:r>
+            <a:r>
+              <a:rPr lang="en-US" altLang="ko-KR" sz="200" dirty="0"/>
+              <a:t>, </a:t>
+            </a:r>
+            <a:r>
+              <a:rPr lang="ko-KR" altLang="en-US" sz="200" dirty="0"/>
+              <a:t>안전 문제 발생의 소지가 있어 페스티벌 사이트 내에서 사용이 제한됩니다</a:t>
+            </a:r>
+            <a:r>
+              <a:rPr lang="en-US" altLang="ko-KR" sz="200" dirty="0"/>
+              <a:t>.</a:t>
+            </a:r>
+            <a:br>
+              <a:rPr lang="en-US" altLang="ko-KR" sz="200" dirty="0"/>
+            </a:br>
+            <a:r>
+              <a:rPr lang="en-US" altLang="ko-KR" sz="200" dirty="0"/>
+              <a:t>– </a:t>
+            </a:r>
+            <a:r>
+              <a:rPr lang="ko-KR" altLang="en-US" sz="200" dirty="0"/>
+              <a:t>황사</a:t>
+            </a:r>
+            <a:r>
+              <a:rPr lang="en-US" altLang="ko-KR" sz="200" dirty="0"/>
+              <a:t>, </a:t>
+            </a:r>
+            <a:r>
+              <a:rPr lang="ko-KR" altLang="en-US" sz="200" dirty="0"/>
+              <a:t>미세먼지</a:t>
+            </a:r>
+            <a:r>
+              <a:rPr lang="en-US" altLang="ko-KR" sz="200" dirty="0"/>
+              <a:t>, </a:t>
+            </a:r>
+            <a:r>
+              <a:rPr lang="ko-KR" altLang="en-US" sz="200" dirty="0"/>
+              <a:t>돌풍과 관련된 특별 조항은 없으며</a:t>
+            </a:r>
+            <a:r>
+              <a:rPr lang="en-US" altLang="ko-KR" sz="200" dirty="0"/>
+              <a:t>, </a:t>
+            </a:r>
+            <a:r>
+              <a:rPr lang="ko-KR" altLang="en-US" sz="200" dirty="0"/>
+              <a:t>사전에 주의 발표는 있습니다</a:t>
+            </a:r>
+            <a:r>
+              <a:rPr lang="en-US" altLang="ko-KR" sz="200" dirty="0"/>
+              <a:t>.</a:t>
+            </a:r>
+            <a:br>
+              <a:rPr lang="en-US" altLang="ko-KR" sz="200" dirty="0"/>
+            </a:br>
+            <a:r>
+              <a:rPr lang="en-US" altLang="ko-KR" sz="200" dirty="0"/>
+              <a:t>– </a:t>
+            </a:r>
+            <a:r>
+              <a:rPr lang="ko-KR" altLang="en-US" sz="200" dirty="0"/>
+              <a:t>그 외 상황</a:t>
+            </a:r>
+            <a:r>
+              <a:rPr lang="en-US" altLang="ko-KR" sz="200" dirty="0"/>
+              <a:t>(</a:t>
+            </a:r>
+            <a:r>
+              <a:rPr lang="ko-KR" altLang="en-US" sz="200" dirty="0"/>
+              <a:t>태풍</a:t>
+            </a:r>
+            <a:r>
+              <a:rPr lang="en-US" altLang="ko-KR" sz="200" dirty="0"/>
+              <a:t>, </a:t>
+            </a:r>
+            <a:r>
+              <a:rPr lang="ko-KR" altLang="en-US" sz="200" dirty="0"/>
+              <a:t>폭설</a:t>
+            </a:r>
+            <a:r>
+              <a:rPr lang="en-US" altLang="ko-KR" sz="200" dirty="0"/>
+              <a:t>, </a:t>
+            </a:r>
+            <a:r>
+              <a:rPr lang="ko-KR" altLang="en-US" sz="200" dirty="0"/>
+              <a:t>한파</a:t>
+            </a:r>
+            <a:r>
+              <a:rPr lang="en-US" altLang="ko-KR" sz="200" dirty="0"/>
+              <a:t>, </a:t>
+            </a:r>
+            <a:r>
+              <a:rPr lang="ko-KR" altLang="en-US" sz="200" dirty="0"/>
+              <a:t>사회적 문제</a:t>
+            </a:r>
+            <a:r>
+              <a:rPr lang="en-US" altLang="ko-KR" sz="200" dirty="0"/>
+              <a:t>) </a:t>
+            </a:r>
+            <a:r>
+              <a:rPr lang="ko-KR" altLang="en-US" sz="200" dirty="0"/>
+              <a:t>발생 시 일반적인 공연 관례에 따릅니다</a:t>
+            </a:r>
+            <a:r>
+              <a:rPr lang="en-US" altLang="ko-KR" sz="200" dirty="0"/>
+              <a:t>.</a:t>
+            </a:r>
+          </a:p>
+          <a:p>
+            <a:endParaRPr lang="ko-KR" altLang="en-US" sz="200" dirty="0"/>
           </a:p>
         </p:txBody>
       </p:sp>
       <p:sp>
         <p:nvSpPr>
-          <p:cNvPr id="15" name="Rectangle 4"/>
-          <p:cNvSpPr/>
+          <p:cNvPr id="20" name="TextBox 19"/>
+          <p:cNvSpPr txBox="1"/>
           <p:nvPr/>
         </p:nvSpPr>
         <p:spPr>
           <a:xfrm>
-            <a:off x="3080592" y="1030129"/>
-            <a:ext cx="1541148" cy="98902"/>
+            <a:off x="707574" y="1261052"/>
+            <a:ext cx="3392093" cy="1200329"/>
           </a:xfrm>
           <a:prstGeom prst="rect">
             <a:avLst/>
           </a:prstGeom>
-          <a:solidFill>
-            <a:schemeClr val="accent6">
-              <a:lumMod val="75000"/>
-            </a:schemeClr>
-          </a:solidFill>
-          <a:ln w="12700">
-            <a:solidFill>
-              <a:schemeClr val="tx1"/>
-            </a:solidFill>
-          </a:ln>
+          <a:noFill/>
         </p:spPr>
-        <p:style>
-          <a:lnRef idx="2">
-            <a:schemeClr val="accent1">
-              <a:shade val="50000"/>
-            </a:schemeClr>
-          </a:lnRef>
-          <a:fillRef idx="1">
-            <a:schemeClr val="accent1"/>
-          </a:fillRef>
-          <a:effectRef idx="0">
-            <a:schemeClr val="accent1"/>
-          </a:effectRef>
-          <a:fontRef idx="minor">
-            <a:schemeClr val="lt1"/>
-          </a:fontRef>
-        </p:style>
         <p:txBody>
-          <a:bodyPr rtlCol="0" anchor="ctr"/>
+          <a:bodyPr wrap="square" rtlCol="0">
+            <a:spAutoFit/>
+          </a:bodyPr>
           <a:lstStyle/>
           <a:p>
-            <a:pPr algn="ctr"/>
-            <a:r>
-              <a:rPr lang="en-US" altLang="ko-KR" sz="500" dirty="0" err="1" smtClean="0">
-                <a:solidFill>
-                  <a:schemeClr val="bg1"/>
-                </a:solidFill>
-              </a:rPr>
-              <a:t>nav</a:t>
-            </a:r>
-            <a:endParaRPr lang="ko-KR" altLang="en-US" sz="500" dirty="0">
-              <a:solidFill>
-                <a:schemeClr val="bg1"/>
-              </a:solidFill>
-            </a:endParaRPr>
+            <a:r>
+              <a:rPr lang="ko-KR" altLang="en-US" sz="200" b="1" dirty="0"/>
+              <a:t>입장 안내</a:t>
+            </a:r>
+            <a:endParaRPr lang="ko-KR" altLang="en-US" sz="200" dirty="0"/>
+          </a:p>
+          <a:p>
+            <a:r>
+              <a:rPr lang="ko-KR" altLang="en-US" sz="200" dirty="0"/>
+              <a:t/>
+            </a:r>
+            <a:br>
+              <a:rPr lang="ko-KR" altLang="en-US" sz="200" dirty="0"/>
+            </a:br>
+            <a:r>
+              <a:rPr lang="ko-KR" altLang="en-US" sz="200" dirty="0"/>
+              <a:t> </a:t>
+            </a:r>
+            <a:br>
+              <a:rPr lang="ko-KR" altLang="en-US" sz="200" dirty="0"/>
+            </a:br>
+            <a:r>
+              <a:rPr lang="ko-KR" altLang="en-US" sz="200" b="1" dirty="0"/>
+              <a:t>티켓</a:t>
+            </a:r>
+            <a:r>
+              <a:rPr lang="en-US" altLang="ko-KR" sz="200" b="1" dirty="0"/>
+              <a:t>/</a:t>
+            </a:r>
+            <a:r>
+              <a:rPr lang="ko-KR" altLang="en-US" sz="200" b="1" dirty="0"/>
+              <a:t>손목밴드 부스 운영 시간</a:t>
+            </a:r>
+            <a:r>
+              <a:rPr lang="ko-KR" altLang="en-US" sz="200" dirty="0"/>
+              <a:t/>
+            </a:r>
+            <a:br>
+              <a:rPr lang="ko-KR" altLang="en-US" sz="200" dirty="0"/>
+            </a:br>
+            <a:r>
+              <a:rPr lang="ko-KR" altLang="en-US" sz="200" dirty="0"/>
+              <a:t>오전 </a:t>
+            </a:r>
+            <a:r>
+              <a:rPr lang="en-US" altLang="ko-KR" sz="200" dirty="0"/>
+              <a:t>11</a:t>
+            </a:r>
+            <a:r>
+              <a:rPr lang="ko-KR" altLang="en-US" sz="200" dirty="0"/>
+              <a:t>시 </a:t>
+            </a:r>
+            <a:r>
+              <a:rPr lang="en-US" altLang="ko-KR" sz="200" dirty="0"/>
+              <a:t>~ </a:t>
+            </a:r>
+            <a:r>
+              <a:rPr lang="ko-KR" altLang="en-US" sz="200" dirty="0"/>
+              <a:t>해당일 마지막 공연 종료 시간</a:t>
+            </a:r>
+            <a:br>
+              <a:rPr lang="ko-KR" altLang="en-US" sz="200" dirty="0"/>
+            </a:br>
+            <a:r>
+              <a:rPr lang="ko-KR" altLang="en-US" sz="200" dirty="0"/>
+              <a:t> </a:t>
+            </a:r>
+          </a:p>
+          <a:p>
+            <a:r>
+              <a:rPr lang="ko-KR" altLang="en-US" sz="200" b="1" dirty="0"/>
+              <a:t>도어 오픈</a:t>
+            </a:r>
+            <a:r>
+              <a:rPr lang="en-US" altLang="ko-KR" sz="200" b="1" dirty="0"/>
+              <a:t>(</a:t>
+            </a:r>
+            <a:r>
+              <a:rPr lang="ko-KR" altLang="en-US" sz="200" b="1" dirty="0"/>
+              <a:t>입장 시작</a:t>
+            </a:r>
+            <a:r>
+              <a:rPr lang="en-US" altLang="ko-KR" sz="200" b="1" dirty="0"/>
+              <a:t>)</a:t>
+            </a:r>
+            <a:r>
+              <a:rPr lang="ko-KR" altLang="en-US" sz="200" dirty="0"/>
+              <a:t/>
+            </a:r>
+            <a:br>
+              <a:rPr lang="ko-KR" altLang="en-US" sz="200" dirty="0"/>
+            </a:br>
+            <a:r>
+              <a:rPr lang="ko-KR" altLang="en-US" sz="200" dirty="0" err="1"/>
+              <a:t>스테이지별로</a:t>
+            </a:r>
+            <a:r>
+              <a:rPr lang="ko-KR" altLang="en-US" sz="200" dirty="0"/>
+              <a:t> </a:t>
+            </a:r>
+            <a:r>
+              <a:rPr lang="en-US" altLang="ko-KR" sz="200" dirty="0"/>
+              <a:t>12</a:t>
+            </a:r>
+            <a:r>
+              <a:rPr lang="ko-KR" altLang="en-US" sz="200" dirty="0"/>
+              <a:t>시 </a:t>
+            </a:r>
+            <a:r>
+              <a:rPr lang="en-US" altLang="ko-KR" sz="200" dirty="0"/>
+              <a:t>~ 13</a:t>
+            </a:r>
+            <a:r>
+              <a:rPr lang="ko-KR" altLang="en-US" sz="200" dirty="0"/>
+              <a:t>시 예정</a:t>
+            </a:r>
+            <a:r>
+              <a:rPr lang="en-US" altLang="ko-KR" sz="200" dirty="0"/>
+              <a:t>, </a:t>
+            </a:r>
+            <a:r>
+              <a:rPr lang="ko-KR" altLang="en-US" sz="200" dirty="0"/>
+              <a:t>추후 공개되는 타임테이블에 상세 표기</a:t>
+            </a:r>
+            <a:br>
+              <a:rPr lang="ko-KR" altLang="en-US" sz="200" dirty="0"/>
+            </a:br>
+            <a:r>
+              <a:rPr lang="ko-KR" altLang="en-US" sz="200" dirty="0"/>
+              <a:t> </a:t>
+            </a:r>
+          </a:p>
+          <a:p>
+            <a:r>
+              <a:rPr lang="ko-KR" altLang="en-US" sz="200" b="1" dirty="0"/>
+              <a:t>티켓 교환부터 입장까지</a:t>
+            </a:r>
+            <a:endParaRPr lang="ko-KR" altLang="en-US" sz="200" dirty="0"/>
+          </a:p>
+          <a:p>
+            <a:r>
+              <a:rPr lang="en-US" altLang="ko-KR" sz="200" b="1" dirty="0"/>
+              <a:t>1. </a:t>
+            </a:r>
+            <a:r>
+              <a:rPr lang="ko-KR" altLang="en-US" sz="200" b="1" dirty="0"/>
+              <a:t>티켓을 사전 배송 받은 예매자</a:t>
+            </a:r>
+            <a:r>
+              <a:rPr lang="ko-KR" altLang="en-US" sz="200" dirty="0"/>
+              <a:t/>
+            </a:r>
+            <a:br>
+              <a:rPr lang="ko-KR" altLang="en-US" sz="200" dirty="0"/>
+            </a:br>
+            <a:r>
+              <a:rPr lang="en-US" altLang="ko-KR" sz="200" dirty="0"/>
+              <a:t>1</a:t>
+            </a:r>
+            <a:r>
+              <a:rPr lang="ko-KR" altLang="en-US" sz="200" dirty="0"/>
+              <a:t>일권</a:t>
+            </a:r>
+            <a:r>
+              <a:rPr lang="en-US" altLang="ko-KR" sz="200" dirty="0"/>
+              <a:t>/2</a:t>
+            </a:r>
+            <a:r>
+              <a:rPr lang="ko-KR" altLang="en-US" sz="200" dirty="0"/>
+              <a:t>일권 해당 손목밴드 부스</a:t>
+            </a:r>
+            <a:r>
+              <a:rPr lang="en-US" altLang="ko-KR" sz="200" dirty="0"/>
+              <a:t>(</a:t>
+            </a:r>
+            <a:r>
+              <a:rPr lang="ko-KR" altLang="en-US" sz="200" dirty="0"/>
+              <a:t>티켓 실물 지참 필수</a:t>
+            </a:r>
+            <a:r>
+              <a:rPr lang="en-US" altLang="ko-KR" sz="200" dirty="0"/>
+              <a:t>)  </a:t>
+            </a:r>
+            <a:r>
+              <a:rPr lang="ko-KR" altLang="en-US" sz="200" dirty="0"/>
+              <a:t>손목밴드 착용  입장</a:t>
+            </a:r>
+            <a:br>
+              <a:rPr lang="ko-KR" altLang="en-US" sz="200" dirty="0"/>
+            </a:br>
+            <a:r>
+              <a:rPr lang="ko-KR" altLang="en-US" sz="200" dirty="0"/>
+              <a:t> </a:t>
+            </a:r>
+            <a:br>
+              <a:rPr lang="ko-KR" altLang="en-US" sz="200" dirty="0"/>
+            </a:br>
+            <a:r>
+              <a:rPr lang="en-US" altLang="ko-KR" sz="200" b="1" dirty="0"/>
+              <a:t>2. </a:t>
+            </a:r>
+            <a:r>
+              <a:rPr lang="ko-KR" altLang="en-US" sz="200" b="1" dirty="0"/>
+              <a:t>티켓 현장 수령을 선택한 예매자</a:t>
+            </a:r>
+            <a:r>
+              <a:rPr lang="ko-KR" altLang="en-US" sz="200" dirty="0"/>
+              <a:t/>
+            </a:r>
+            <a:br>
+              <a:rPr lang="ko-KR" altLang="en-US" sz="200" dirty="0"/>
+            </a:br>
+            <a:r>
+              <a:rPr lang="ko-KR" altLang="en-US" sz="200" dirty="0"/>
+              <a:t>예매처 확인 후 해당 티켓 부스</a:t>
+            </a:r>
+            <a:r>
+              <a:rPr lang="en-US" altLang="ko-KR" sz="200" dirty="0"/>
+              <a:t>(</a:t>
+            </a:r>
+            <a:r>
+              <a:rPr lang="ko-KR" altLang="en-US" sz="200" dirty="0"/>
+              <a:t>예매자 신분증</a:t>
+            </a:r>
+            <a:r>
+              <a:rPr lang="en-US" altLang="ko-KR" sz="200" dirty="0"/>
+              <a:t>, </a:t>
+            </a:r>
+            <a:r>
+              <a:rPr lang="ko-KR" altLang="en-US" sz="200" dirty="0"/>
+              <a:t>예매 내역 지참 필수</a:t>
+            </a:r>
+            <a:r>
+              <a:rPr lang="en-US" altLang="ko-KR" sz="200" dirty="0"/>
+              <a:t>)  </a:t>
+            </a:r>
+            <a:r>
+              <a:rPr lang="ko-KR" altLang="en-US" sz="200" dirty="0"/>
+              <a:t>해당 손목밴드 부스</a:t>
+            </a:r>
+            <a:r>
+              <a:rPr lang="en-US" altLang="ko-KR" sz="200" dirty="0"/>
+              <a:t>(</a:t>
+            </a:r>
+            <a:r>
+              <a:rPr lang="ko-KR" altLang="en-US" sz="200" dirty="0"/>
+              <a:t>티켓 실물 지참 필수</a:t>
+            </a:r>
+            <a:r>
+              <a:rPr lang="en-US" altLang="ko-KR" sz="200" dirty="0"/>
+              <a:t>)  </a:t>
+            </a:r>
+            <a:r>
+              <a:rPr lang="ko-KR" altLang="en-US" sz="200" dirty="0"/>
+              <a:t>손목밴드 착용  입장</a:t>
+            </a:r>
+            <a:br>
+              <a:rPr lang="ko-KR" altLang="en-US" sz="200" dirty="0"/>
+            </a:br>
+            <a:r>
+              <a:rPr lang="ko-KR" altLang="en-US" sz="200" dirty="0"/>
+              <a:t> </a:t>
+            </a:r>
+            <a:br>
+              <a:rPr lang="ko-KR" altLang="en-US" sz="200" dirty="0"/>
+            </a:br>
+            <a:r>
+              <a:rPr lang="en-US" altLang="ko-KR" sz="200" b="1" dirty="0"/>
+              <a:t>3. </a:t>
+            </a:r>
+            <a:r>
+              <a:rPr lang="ko-KR" altLang="en-US" sz="200" b="1" dirty="0"/>
+              <a:t>현장 티켓 구매자</a:t>
+            </a:r>
+            <a:r>
+              <a:rPr lang="ko-KR" altLang="en-US" sz="200" dirty="0"/>
+              <a:t/>
+            </a:r>
+            <a:br>
+              <a:rPr lang="ko-KR" altLang="en-US" sz="200" dirty="0"/>
+            </a:br>
+            <a:r>
+              <a:rPr lang="ko-KR" altLang="en-US" sz="200" dirty="0"/>
+              <a:t>현장 티켓 판매 부스  해당 손목밴드 부스</a:t>
+            </a:r>
+            <a:r>
+              <a:rPr lang="en-US" altLang="ko-KR" sz="200" dirty="0"/>
+              <a:t>(</a:t>
+            </a:r>
+            <a:r>
+              <a:rPr lang="ko-KR" altLang="en-US" sz="200" dirty="0"/>
+              <a:t>티켓 실물 지참 필수</a:t>
+            </a:r>
+            <a:r>
+              <a:rPr lang="en-US" altLang="ko-KR" sz="200" dirty="0"/>
+              <a:t>)  </a:t>
+            </a:r>
+            <a:r>
+              <a:rPr lang="ko-KR" altLang="en-US" sz="200" dirty="0"/>
+              <a:t>손목밴드 착용  입장</a:t>
+            </a:r>
+            <a:br>
+              <a:rPr lang="ko-KR" altLang="en-US" sz="200" dirty="0"/>
+            </a:br>
+            <a:r>
+              <a:rPr lang="ko-KR" altLang="en-US" sz="200" dirty="0"/>
+              <a:t> </a:t>
+            </a:r>
+            <a:br>
+              <a:rPr lang="ko-KR" altLang="en-US" sz="200" dirty="0"/>
+            </a:br>
+            <a:r>
+              <a:rPr lang="en-US" altLang="ko-KR" sz="200" dirty="0"/>
+              <a:t>– </a:t>
+            </a:r>
+            <a:r>
+              <a:rPr lang="ko-KR" altLang="en-US" sz="200" b="1" dirty="0"/>
+              <a:t>손목밴드를 착용해야만 입장 줄서기 및 입장이 가능</a:t>
+            </a:r>
+            <a:r>
+              <a:rPr lang="ko-KR" altLang="en-US" sz="200" dirty="0"/>
+              <a:t>합니다</a:t>
+            </a:r>
+            <a:r>
+              <a:rPr lang="en-US" altLang="ko-KR" sz="200" dirty="0"/>
+              <a:t>. </a:t>
+            </a:r>
+            <a:r>
+              <a:rPr lang="ko-KR" altLang="en-US" sz="200" dirty="0"/>
+              <a:t>손목밴드를 착용하지 않고 입장 줄을 선 경우</a:t>
+            </a:r>
+            <a:r>
+              <a:rPr lang="en-US" altLang="ko-KR" sz="200" dirty="0"/>
+              <a:t>, </a:t>
+            </a:r>
+            <a:r>
+              <a:rPr lang="ko-KR" altLang="en-US" sz="200" dirty="0"/>
+              <a:t>무효 처리됩니다</a:t>
+            </a:r>
+            <a:r>
+              <a:rPr lang="en-US" altLang="ko-KR" sz="200" dirty="0"/>
+              <a:t>.</a:t>
+            </a:r>
+            <a:br>
+              <a:rPr lang="en-US" altLang="ko-KR" sz="200" dirty="0"/>
+            </a:br>
+            <a:r>
+              <a:rPr lang="en-US" altLang="ko-KR" sz="200" dirty="0"/>
+              <a:t>– </a:t>
+            </a:r>
+            <a:r>
+              <a:rPr lang="ko-KR" altLang="en-US" sz="200" dirty="0"/>
+              <a:t>페스티벌 사이트 내에서 </a:t>
+            </a:r>
+            <a:r>
+              <a:rPr lang="ko-KR" altLang="en-US" sz="200" b="1" dirty="0"/>
+              <a:t>유효한 손목밴드를 착용하고 있지 않은 경우 퇴장 조치</a:t>
+            </a:r>
+            <a:r>
+              <a:rPr lang="ko-KR" altLang="en-US" sz="200" dirty="0"/>
+              <a:t>됩니다</a:t>
+            </a:r>
+            <a:r>
+              <a:rPr lang="en-US" altLang="ko-KR" sz="200" dirty="0"/>
+              <a:t>.</a:t>
+            </a:r>
+            <a:br>
+              <a:rPr lang="en-US" altLang="ko-KR" sz="200" dirty="0"/>
+            </a:br>
+            <a:r>
+              <a:rPr lang="en-US" altLang="ko-KR" sz="200" dirty="0"/>
+              <a:t>– </a:t>
+            </a:r>
+            <a:r>
+              <a:rPr lang="ko-KR" altLang="en-US" sz="200" b="1" dirty="0"/>
+              <a:t>손목밴드는 분실</a:t>
+            </a:r>
+            <a:r>
+              <a:rPr lang="en-US" altLang="ko-KR" sz="200" b="1" dirty="0"/>
+              <a:t>, </a:t>
+            </a:r>
+            <a:r>
+              <a:rPr lang="ko-KR" altLang="en-US" sz="200" b="1" dirty="0"/>
+              <a:t>훼손 시 재발급 및 입장이 불가하므로</a:t>
+            </a:r>
+            <a:r>
+              <a:rPr lang="en-US" altLang="ko-KR" sz="200" b="1" dirty="0"/>
+              <a:t>, </a:t>
+            </a:r>
+            <a:r>
+              <a:rPr lang="ko-KR" altLang="en-US" sz="200" b="1" dirty="0"/>
+              <a:t>일정이 마감될 때까지 계속 착용</a:t>
+            </a:r>
+            <a:r>
+              <a:rPr lang="ko-KR" altLang="en-US" sz="200" dirty="0"/>
+              <a:t>하고 계셔야 합니다</a:t>
+            </a:r>
+            <a:r>
+              <a:rPr lang="en-US" altLang="ko-KR" sz="200" dirty="0"/>
+              <a:t>.</a:t>
+            </a:r>
+            <a:br>
+              <a:rPr lang="en-US" altLang="ko-KR" sz="200" dirty="0"/>
+            </a:br>
+            <a:r>
+              <a:rPr lang="en-US" altLang="ko-KR" sz="200" dirty="0"/>
+              <a:t>– </a:t>
+            </a:r>
+            <a:r>
+              <a:rPr lang="en-US" altLang="ko-KR" sz="200" b="1" dirty="0"/>
+              <a:t>2</a:t>
+            </a:r>
+            <a:r>
+              <a:rPr lang="ko-KR" altLang="en-US" sz="200" b="1" dirty="0"/>
+              <a:t>일권은 동일한 손목밴드를 분실</a:t>
+            </a:r>
+            <a:r>
+              <a:rPr lang="en-US" altLang="ko-KR" sz="200" b="1" dirty="0"/>
+              <a:t>, </a:t>
+            </a:r>
+            <a:r>
+              <a:rPr lang="ko-KR" altLang="en-US" sz="200" b="1" dirty="0"/>
+              <a:t>훼손</a:t>
+            </a:r>
+            <a:r>
+              <a:rPr lang="en-US" altLang="ko-KR" sz="200" b="1" dirty="0"/>
+              <a:t>, </a:t>
+            </a:r>
+            <a:r>
+              <a:rPr lang="ko-KR" altLang="en-US" sz="200" b="1" dirty="0" err="1"/>
+              <a:t>탈부착</a:t>
+            </a:r>
+            <a:r>
+              <a:rPr lang="ko-KR" altLang="en-US" sz="200" b="1" dirty="0"/>
+              <a:t> 없이 </a:t>
+            </a:r>
+            <a:r>
+              <a:rPr lang="ko-KR" altLang="en-US" sz="200" b="1" dirty="0" err="1"/>
+              <a:t>둘째날</a:t>
+            </a:r>
+            <a:r>
+              <a:rPr lang="ko-KR" altLang="en-US" sz="200" b="1" dirty="0"/>
+              <a:t> 일정이 마감될 때까지 착용</a:t>
+            </a:r>
+            <a:r>
+              <a:rPr lang="ko-KR" altLang="en-US" sz="200" dirty="0"/>
+              <a:t>하고 계셔야 합니다</a:t>
+            </a:r>
+            <a:r>
+              <a:rPr lang="en-US" altLang="ko-KR" sz="200" dirty="0"/>
+              <a:t>.</a:t>
+            </a:r>
+            <a:br>
+              <a:rPr lang="en-US" altLang="ko-KR" sz="200" dirty="0"/>
+            </a:br>
+            <a:r>
+              <a:rPr lang="en-US" altLang="ko-KR" sz="200" dirty="0"/>
+              <a:t>– </a:t>
+            </a:r>
+            <a:r>
+              <a:rPr lang="ko-KR" altLang="en-US" sz="200" dirty="0"/>
+              <a:t>부정 입장 발각 시 즉시 퇴장 조치되며</a:t>
+            </a:r>
+            <a:r>
+              <a:rPr lang="en-US" altLang="ko-KR" sz="200" dirty="0"/>
+              <a:t>, </a:t>
+            </a:r>
+            <a:r>
+              <a:rPr lang="ko-KR" altLang="en-US" sz="200" dirty="0"/>
+              <a:t>이에 따른 법적 제재를 가할 수 있습니다</a:t>
+            </a:r>
+            <a:r>
+              <a:rPr lang="en-US" altLang="ko-KR" sz="200" dirty="0"/>
+              <a:t>.</a:t>
+            </a:r>
+            <a:br>
+              <a:rPr lang="en-US" altLang="ko-KR" sz="200" dirty="0"/>
+            </a:br>
+            <a:r>
+              <a:rPr lang="en-US" altLang="ko-KR" sz="200" dirty="0"/>
+              <a:t> </a:t>
+            </a:r>
+          </a:p>
+          <a:p>
+            <a:r>
+              <a:rPr lang="ko-KR" altLang="en-US" sz="200" b="1" dirty="0"/>
+              <a:t>스테이지 구성</a:t>
+            </a:r>
+            <a:r>
+              <a:rPr lang="ko-KR" altLang="en-US" sz="200" dirty="0"/>
+              <a:t/>
+            </a:r>
+            <a:br>
+              <a:rPr lang="ko-KR" altLang="en-US" sz="200" dirty="0"/>
+            </a:br>
+            <a:r>
+              <a:rPr lang="en-US" altLang="ko-KR" sz="200" dirty="0"/>
+              <a:t>Mint Breeze Stage(88</a:t>
+            </a:r>
+            <a:r>
+              <a:rPr lang="ko-KR" altLang="en-US" sz="200" dirty="0"/>
+              <a:t>잔디마당</a:t>
+            </a:r>
+            <a:r>
+              <a:rPr lang="en-US" altLang="ko-KR" sz="200" dirty="0"/>
+              <a:t>): </a:t>
+            </a:r>
+            <a:r>
+              <a:rPr lang="ko-KR" altLang="en-US" sz="200" dirty="0" err="1"/>
+              <a:t>스탠딩존</a:t>
+            </a:r>
+            <a:r>
+              <a:rPr lang="ko-KR" altLang="en-US" sz="200" dirty="0"/>
+              <a:t> </a:t>
+            </a:r>
+            <a:r>
+              <a:rPr lang="en-US" altLang="ko-KR" sz="200" dirty="0"/>
+              <a:t>+ </a:t>
+            </a:r>
+            <a:r>
+              <a:rPr lang="ko-KR" altLang="en-US" sz="200" dirty="0" err="1"/>
+              <a:t>피크닉존</a:t>
+            </a:r>
+            <a:r>
+              <a:rPr lang="ko-KR" altLang="en-US" sz="200" dirty="0"/>
+              <a:t/>
+            </a:r>
+            <a:br>
+              <a:rPr lang="ko-KR" altLang="en-US" sz="200" dirty="0"/>
+            </a:br>
+            <a:r>
+              <a:rPr lang="en-US" altLang="ko-KR" sz="200" dirty="0"/>
+              <a:t>Loving Forest Garden(88</a:t>
+            </a:r>
+            <a:r>
+              <a:rPr lang="ko-KR" altLang="en-US" sz="200" dirty="0"/>
+              <a:t>호수 </a:t>
+            </a:r>
+            <a:r>
+              <a:rPr lang="ko-KR" altLang="en-US" sz="200" dirty="0" err="1"/>
+              <a:t>수변무대</a:t>
+            </a:r>
+            <a:r>
+              <a:rPr lang="en-US" altLang="ko-KR" sz="200" dirty="0"/>
+              <a:t>): </a:t>
+            </a:r>
+            <a:r>
+              <a:rPr lang="ko-KR" altLang="en-US" sz="200" dirty="0"/>
+              <a:t>계단식 스탠드 좌석</a:t>
+            </a:r>
+            <a:br>
+              <a:rPr lang="ko-KR" altLang="en-US" sz="200" dirty="0"/>
+            </a:br>
+            <a:r>
+              <a:rPr lang="en-US" altLang="ko-KR" sz="200" dirty="0"/>
+              <a:t>Café Blossom House(KSPO DOME): </a:t>
+            </a:r>
+            <a:r>
+              <a:rPr lang="ko-KR" altLang="en-US" sz="200" dirty="0" err="1"/>
+              <a:t>플로어</a:t>
+            </a:r>
+            <a:r>
+              <a:rPr lang="ko-KR" altLang="en-US" sz="200" dirty="0"/>
+              <a:t> </a:t>
+            </a:r>
+            <a:r>
+              <a:rPr lang="ko-KR" altLang="en-US" sz="200" dirty="0" err="1"/>
+              <a:t>스탠딩존</a:t>
+            </a:r>
+            <a:r>
+              <a:rPr lang="ko-KR" altLang="en-US" sz="200" dirty="0"/>
+              <a:t> </a:t>
+            </a:r>
+            <a:r>
+              <a:rPr lang="en-US" altLang="ko-KR" sz="200" dirty="0"/>
+              <a:t>+ </a:t>
+            </a:r>
+            <a:r>
+              <a:rPr lang="ko-KR" altLang="en-US" sz="200" dirty="0"/>
+              <a:t>스탠드 좌석</a:t>
+            </a:r>
+          </a:p>
+          <a:p>
+            <a:r>
+              <a:rPr lang="ko-KR" altLang="en-US" sz="200" dirty="0"/>
+              <a:t> </a:t>
+            </a:r>
+            <a:br>
+              <a:rPr lang="ko-KR" altLang="en-US" sz="200" dirty="0"/>
+            </a:br>
+            <a:r>
+              <a:rPr lang="en-US" altLang="ko-KR" sz="200" dirty="0"/>
+              <a:t>– </a:t>
+            </a:r>
+            <a:r>
+              <a:rPr lang="ko-KR" altLang="en-US" sz="200" b="1" dirty="0"/>
+              <a:t>각 스테이지는 동시 수용 가능 인원이 몰리는 경우 안전을 위해 입장이 제한</a:t>
+            </a:r>
+            <a:r>
+              <a:rPr lang="ko-KR" altLang="en-US" sz="200" dirty="0"/>
+              <a:t>될 수 있습니다</a:t>
+            </a:r>
+            <a:r>
+              <a:rPr lang="en-US" altLang="ko-KR" sz="200" dirty="0"/>
+              <a:t>.</a:t>
+            </a:r>
+            <a:br>
+              <a:rPr lang="en-US" altLang="ko-KR" sz="200" dirty="0"/>
+            </a:br>
+            <a:r>
+              <a:rPr lang="en-US" altLang="ko-KR" sz="200" dirty="0"/>
+              <a:t>– </a:t>
+            </a:r>
+            <a:r>
+              <a:rPr lang="ko-KR" altLang="en-US" sz="200" b="1" dirty="0"/>
+              <a:t>입장 제한 시에는 해당 스테이지 인원 변동에 따라서 입장이 진행</a:t>
+            </a:r>
+            <a:r>
+              <a:rPr lang="ko-KR" altLang="en-US" sz="200" dirty="0"/>
+              <a:t>됩니다</a:t>
+            </a:r>
+            <a:r>
+              <a:rPr lang="en-US" altLang="ko-KR" sz="200" dirty="0"/>
+              <a:t>.</a:t>
+            </a:r>
+            <a:br>
+              <a:rPr lang="en-US" altLang="ko-KR" sz="200" dirty="0"/>
+            </a:br>
+            <a:r>
+              <a:rPr lang="en-US" altLang="ko-KR" sz="200" dirty="0"/>
+              <a:t>– </a:t>
+            </a:r>
+            <a:r>
+              <a:rPr lang="ko-KR" altLang="en-US" sz="200" dirty="0"/>
+              <a:t>입장 이후에는 지정 좌석 없이 자유롭게 각 스테이지와 </a:t>
+            </a:r>
+            <a:r>
+              <a:rPr lang="ko-KR" altLang="en-US" sz="200" dirty="0" err="1"/>
+              <a:t>이벤트존을</a:t>
+            </a:r>
+            <a:r>
+              <a:rPr lang="ko-KR" altLang="en-US" sz="200" dirty="0"/>
+              <a:t> 이용할 수 있습니다</a:t>
+            </a:r>
+            <a:r>
+              <a:rPr lang="en-US" altLang="ko-KR" sz="200" dirty="0"/>
+              <a:t>.</a:t>
+            </a:r>
+            <a:br>
+              <a:rPr lang="en-US" altLang="ko-KR" sz="200" dirty="0"/>
+            </a:br>
+            <a:r>
+              <a:rPr lang="en-US" altLang="ko-KR" sz="200" dirty="0"/>
+              <a:t>– </a:t>
+            </a:r>
+            <a:r>
+              <a:rPr lang="ko-KR" altLang="en-US" sz="200" b="1" dirty="0"/>
+              <a:t>각 스테이지 입장 시 손목밴드 착용 여부 및 반입금지 물품</a:t>
+            </a:r>
+            <a:r>
+              <a:rPr lang="en-US" altLang="ko-KR" sz="200" b="1" dirty="0"/>
+              <a:t>, </a:t>
+            </a:r>
+            <a:r>
+              <a:rPr lang="ko-KR" altLang="en-US" sz="200" b="1" dirty="0"/>
+              <a:t>음식물 등 확인 작업이 진행</a:t>
+            </a:r>
+            <a:r>
+              <a:rPr lang="ko-KR" altLang="en-US" sz="200" dirty="0"/>
+              <a:t>되는 점 미리 양해 </a:t>
+            </a:r>
+            <a:r>
+              <a:rPr lang="ko-KR" altLang="en-US" sz="200" dirty="0" err="1"/>
+              <a:t>부탁드립니다</a:t>
+            </a:r>
+            <a:r>
+              <a:rPr lang="en-US" altLang="ko-KR" sz="200" dirty="0"/>
+              <a:t>.</a:t>
+            </a:r>
+            <a:br>
+              <a:rPr lang="en-US" altLang="ko-KR" sz="200" dirty="0"/>
+            </a:br>
+            <a:r>
+              <a:rPr lang="en-US" altLang="ko-KR" sz="200" dirty="0"/>
+              <a:t>–</a:t>
+            </a:r>
+            <a:r>
+              <a:rPr lang="ko-KR" altLang="en-US" sz="200" b="1" dirty="0"/>
+              <a:t> 각 스테이지 별 마지막 공연 종료 </a:t>
+            </a:r>
+            <a:r>
+              <a:rPr lang="en-US" altLang="ko-KR" sz="200" b="1" dirty="0"/>
+              <a:t>20</a:t>
+            </a:r>
+            <a:r>
+              <a:rPr lang="ko-KR" altLang="en-US" sz="200" b="1" dirty="0"/>
+              <a:t>분 후부터는 내부 정리 및 운영상의 조치로 스테이지 내 출입이 불가</a:t>
+            </a:r>
+            <a:r>
+              <a:rPr lang="ko-KR" altLang="en-US" sz="200" dirty="0"/>
+              <a:t>합니다</a:t>
+            </a:r>
+            <a:r>
+              <a:rPr lang="en-US" altLang="ko-KR" sz="200" dirty="0"/>
+              <a:t>. </a:t>
+            </a:r>
+            <a:r>
+              <a:rPr lang="ko-KR" altLang="en-US" sz="200" dirty="0"/>
+              <a:t>또한</a:t>
+            </a:r>
+            <a:r>
+              <a:rPr lang="en-US" altLang="ko-KR" sz="200" dirty="0"/>
+              <a:t>, </a:t>
+            </a:r>
+            <a:r>
+              <a:rPr lang="ko-KR" altLang="en-US" sz="200" dirty="0"/>
+              <a:t>공연 종료 </a:t>
+            </a:r>
+            <a:r>
+              <a:rPr lang="en-US" altLang="ko-KR" sz="200" dirty="0"/>
+              <a:t>20</a:t>
+            </a:r>
+            <a:r>
+              <a:rPr lang="ko-KR" altLang="en-US" sz="200" dirty="0"/>
+              <a:t>분 후 </a:t>
+            </a:r>
+            <a:r>
+              <a:rPr lang="ko-KR" altLang="en-US" sz="200" b="1" dirty="0"/>
+              <a:t>현장에 남아있는 개인 물품은 전량 폐기</a:t>
+            </a:r>
+            <a:r>
+              <a:rPr lang="ko-KR" altLang="en-US" sz="200" dirty="0"/>
+              <a:t> 처리되오니 개인 물품을 소지하시고 이동해주시기를 </a:t>
+            </a:r>
+            <a:r>
+              <a:rPr lang="ko-KR" altLang="en-US" sz="200" dirty="0" err="1"/>
+              <a:t>부탁드립니다</a:t>
+            </a:r>
+            <a:r>
+              <a:rPr lang="en-US" altLang="ko-KR" sz="200" dirty="0"/>
+              <a:t>.</a:t>
+            </a:r>
+            <a:br>
+              <a:rPr lang="en-US" altLang="ko-KR" sz="200" dirty="0"/>
+            </a:br>
+            <a:r>
+              <a:rPr lang="en-US" altLang="ko-KR" sz="200" dirty="0"/>
+              <a:t>– </a:t>
+            </a:r>
+            <a:r>
+              <a:rPr lang="ko-KR" altLang="en-US" sz="200" dirty="0"/>
+              <a:t>올림픽공원 규정에 따라 페스티벌 사이트 내 반려동물 동반 입장은 불가합니다</a:t>
+            </a:r>
+            <a:r>
+              <a:rPr lang="en-US" altLang="ko-KR" sz="200" dirty="0"/>
+              <a:t>.</a:t>
+            </a:r>
           </a:p>
         </p:txBody>
       </p:sp>
       <p:sp>
         <p:nvSpPr>
-          <p:cNvPr id="41" name="Rectangle 1"/>
-          <p:cNvSpPr/>
+          <p:cNvPr id="21" name="TextBox 20"/>
+          <p:cNvSpPr txBox="1"/>
           <p:nvPr/>
         </p:nvSpPr>
         <p:spPr>
           <a:xfrm>
-            <a:off x="2545456" y="4048919"/>
-            <a:ext cx="2163793" cy="318089"/>
-          </a:xfrm>
-          <a:prstGeom prst="rect">
-            <a:avLst/>
-          </a:prstGeom>
-          <a:solidFill>
-            <a:schemeClr val="bg1"/>
-          </a:solidFill>
-          <a:ln w="12700">
-            <a:solidFill>
-              <a:schemeClr val="tx1"/>
-            </a:solidFill>
-          </a:ln>
-        </p:spPr>
-        <p:style>
-          <a:lnRef idx="2">
-            <a:schemeClr val="accent1">
-              <a:shade val="50000"/>
-            </a:schemeClr>
-          </a:lnRef>
-          <a:fillRef idx="1">
-            <a:schemeClr val="accent1"/>
-          </a:fillRef>
-          <a:effectRef idx="0">
-            <a:schemeClr val="accent1"/>
-          </a:effectRef>
-          <a:fontRef idx="minor">
-            <a:schemeClr val="lt1"/>
-          </a:fontRef>
-        </p:style>
-        <p:txBody>
-          <a:bodyPr rtlCol="0" anchor="ctr"/>
-          <a:lstStyle/>
-          <a:p>
-            <a:pPr algn="ctr"/>
-            <a:r>
-              <a:rPr lang="en-US" altLang="ko-KR" sz="1050" dirty="0" smtClean="0">
-                <a:solidFill>
-                  <a:sysClr val="windowText" lastClr="000000"/>
-                </a:solidFill>
-              </a:rPr>
-              <a:t>footer</a:t>
-            </a:r>
-            <a:endParaRPr lang="ko-KR" altLang="en-US" sz="1050" dirty="0">
-              <a:solidFill>
-                <a:sysClr val="windowText" lastClr="000000"/>
-              </a:solidFill>
-            </a:endParaRPr>
-          </a:p>
-        </p:txBody>
-      </p:sp>
-      <p:sp>
-        <p:nvSpPr>
-          <p:cNvPr id="42" name="Rectangle 1"/>
-          <p:cNvSpPr/>
-          <p:nvPr/>
-        </p:nvSpPr>
-        <p:spPr>
-          <a:xfrm>
-            <a:off x="2826238" y="1687732"/>
-            <a:ext cx="1675912" cy="677260"/>
+            <a:off x="3585703" y="1228630"/>
+            <a:ext cx="1283332" cy="246221"/>
           </a:xfrm>
           <a:prstGeom prst="rect">
             <a:avLst/>
           </a:prstGeom>
           <a:noFill/>
-          <a:ln w="12700">
-            <a:solidFill>
-              <a:schemeClr val="tx1"/>
-            </a:solidFill>
-          </a:ln>
-        </p:spPr>
-        <p:style>
-          <a:lnRef idx="2">
-            <a:schemeClr val="accent1">
-              <a:shade val="50000"/>
-            </a:schemeClr>
-          </a:lnRef>
-          <a:fillRef idx="1">
-            <a:schemeClr val="accent1"/>
-          </a:fillRef>
-          <a:effectRef idx="0">
-            <a:schemeClr val="accent1"/>
-          </a:effectRef>
-          <a:fontRef idx="minor">
-            <a:schemeClr val="lt1"/>
-          </a:fontRef>
-        </p:style>
-        <p:txBody>
-          <a:bodyPr rtlCol="0" anchor="ctr"/>
-          <a:lstStyle/>
-          <a:p>
-            <a:pPr algn="ctr"/>
-            <a:r>
-              <a:rPr lang="en-US" altLang="ko-KR" sz="1050" dirty="0" smtClean="0">
-                <a:solidFill>
-                  <a:sysClr val="windowText" lastClr="000000"/>
-                </a:solidFill>
-              </a:rPr>
-              <a:t>notice</a:t>
-            </a:r>
-            <a:endParaRPr lang="ko-KR" altLang="en-US" sz="1050" dirty="0">
-              <a:solidFill>
-                <a:sysClr val="windowText" lastClr="000000"/>
-              </a:solidFill>
-            </a:endParaRPr>
-          </a:p>
-        </p:txBody>
-      </p:sp>
-      <p:sp>
-        <p:nvSpPr>
-          <p:cNvPr id="27" name="Google Shape;141;p15"/>
-          <p:cNvSpPr/>
-          <p:nvPr/>
-        </p:nvSpPr>
-        <p:spPr>
-          <a:xfrm>
-            <a:off x="2678210" y="1579732"/>
-            <a:ext cx="216000" cy="216000"/>
-          </a:xfrm>
-          <a:prstGeom prst="roundRect">
-            <a:avLst>
-              <a:gd name="adj" fmla="val 16667"/>
-            </a:avLst>
-          </a:prstGeom>
-          <a:solidFill>
-            <a:srgbClr val="E36C09"/>
-          </a:solidFill>
-          <a:ln>
-            <a:noFill/>
-          </a:ln>
         </p:spPr>
         <p:txBody>
-          <a:bodyPr spcFirstLastPara="1" wrap="square" lIns="0" tIns="45700" rIns="0" bIns="45700" anchor="ctr" anchorCtr="0">
-            <a:noAutofit/>
+          <a:bodyPr wrap="square" rtlCol="0">
+            <a:spAutoFit/>
           </a:bodyPr>
           <a:lstStyle/>
           <a:p>
-            <a:pPr marL="0" marR="0" lvl="0" indent="0" algn="ctr" rtl="0">
-              <a:spcBef>
-                <a:spcPts val="0"/>
-              </a:spcBef>
-              <a:spcAft>
-                <a:spcPts val="0"/>
-              </a:spcAft>
-              <a:buNone/>
-            </a:pPr>
-            <a:r>
-              <a:rPr lang="en-US" sz="1050" b="1" dirty="0">
-                <a:solidFill>
-                  <a:schemeClr val="lt1"/>
-                </a:solidFill>
-              </a:rPr>
-              <a:t>1</a:t>
-            </a:r>
-            <a:endParaRPr sz="1050" b="1" dirty="0">
-              <a:solidFill>
-                <a:schemeClr val="lt1"/>
-              </a:solidFill>
-              <a:latin typeface="Arial"/>
-              <a:ea typeface="Arial"/>
-              <a:cs typeface="Arial"/>
-              <a:sym typeface="Arial"/>
-            </a:endParaRPr>
-          </a:p>
-        </p:txBody>
-      </p:sp>
-      <p:sp>
-        <p:nvSpPr>
-          <p:cNvPr id="26" name="Rectangle 1"/>
-          <p:cNvSpPr/>
-          <p:nvPr/>
-        </p:nvSpPr>
-        <p:spPr>
-          <a:xfrm>
-            <a:off x="2826238" y="2424332"/>
-            <a:ext cx="1675912" cy="677260"/>
-          </a:xfrm>
-          <a:prstGeom prst="rect">
-            <a:avLst/>
-          </a:prstGeom>
-          <a:noFill/>
-          <a:ln w="12700">
-            <a:solidFill>
-              <a:schemeClr val="tx1"/>
-            </a:solidFill>
-          </a:ln>
-        </p:spPr>
-        <p:style>
-          <a:lnRef idx="2">
-            <a:schemeClr val="accent1">
-              <a:shade val="50000"/>
-            </a:schemeClr>
-          </a:lnRef>
-          <a:fillRef idx="1">
-            <a:schemeClr val="accent1"/>
-          </a:fillRef>
-          <a:effectRef idx="0">
-            <a:schemeClr val="accent1"/>
-          </a:effectRef>
-          <a:fontRef idx="minor">
-            <a:schemeClr val="lt1"/>
-          </a:fontRef>
-        </p:style>
-        <p:txBody>
-          <a:bodyPr rtlCol="0" anchor="ctr"/>
-          <a:lstStyle/>
-          <a:p>
-            <a:pPr algn="ctr"/>
-            <a:r>
-              <a:rPr lang="en-US" altLang="ko-KR" sz="1050" dirty="0" smtClean="0">
-                <a:solidFill>
-                  <a:sysClr val="windowText" lastClr="000000"/>
-                </a:solidFill>
-              </a:rPr>
-              <a:t>information</a:t>
-            </a:r>
-            <a:endParaRPr lang="ko-KR" altLang="en-US" sz="1050" dirty="0">
-              <a:solidFill>
-                <a:sysClr val="windowText" lastClr="000000"/>
-              </a:solidFill>
-            </a:endParaRPr>
-          </a:p>
-        </p:txBody>
-      </p:sp>
-      <p:sp>
-        <p:nvSpPr>
-          <p:cNvPr id="29" name="Rectangle 1"/>
-          <p:cNvSpPr/>
-          <p:nvPr/>
-        </p:nvSpPr>
-        <p:spPr>
-          <a:xfrm>
-            <a:off x="2826238" y="3165092"/>
-            <a:ext cx="1675912" cy="677260"/>
-          </a:xfrm>
-          <a:prstGeom prst="rect">
-            <a:avLst/>
-          </a:prstGeom>
-          <a:noFill/>
-          <a:ln w="12700">
-            <a:solidFill>
-              <a:schemeClr val="tx1"/>
-            </a:solidFill>
-          </a:ln>
-        </p:spPr>
-        <p:style>
-          <a:lnRef idx="2">
-            <a:schemeClr val="accent1">
-              <a:shade val="50000"/>
-            </a:schemeClr>
-          </a:lnRef>
-          <a:fillRef idx="1">
-            <a:schemeClr val="accent1"/>
-          </a:fillRef>
-          <a:effectRef idx="0">
-            <a:schemeClr val="accent1"/>
-          </a:effectRef>
-          <a:fontRef idx="minor">
-            <a:schemeClr val="lt1"/>
-          </a:fontRef>
-        </p:style>
-        <p:txBody>
-          <a:bodyPr rtlCol="0" anchor="ctr"/>
-          <a:lstStyle/>
-          <a:p>
-            <a:pPr algn="ctr"/>
-            <a:r>
-              <a:rPr lang="en-US" altLang="ko-KR" sz="1050" dirty="0" smtClean="0">
-                <a:solidFill>
-                  <a:sysClr val="windowText" lastClr="000000"/>
-                </a:solidFill>
-              </a:rPr>
-              <a:t>map</a:t>
-            </a:r>
-            <a:endParaRPr lang="ko-KR" altLang="en-US" sz="1050" dirty="0">
-              <a:solidFill>
-                <a:sysClr val="windowText" lastClr="000000"/>
-              </a:solidFill>
-            </a:endParaRPr>
-          </a:p>
-        </p:txBody>
-      </p:sp>
-      <p:sp>
-        <p:nvSpPr>
-          <p:cNvPr id="30" name="Google Shape;141;p15"/>
-          <p:cNvSpPr/>
-          <p:nvPr/>
-        </p:nvSpPr>
-        <p:spPr>
-          <a:xfrm>
-            <a:off x="2678507" y="3101592"/>
-            <a:ext cx="216000" cy="216000"/>
-          </a:xfrm>
-          <a:prstGeom prst="roundRect">
-            <a:avLst>
-              <a:gd name="adj" fmla="val 16667"/>
-            </a:avLst>
-          </a:prstGeom>
-          <a:solidFill>
-            <a:srgbClr val="E36C09"/>
-          </a:solidFill>
-          <a:ln>
-            <a:noFill/>
-          </a:ln>
-        </p:spPr>
-        <p:txBody>
-          <a:bodyPr spcFirstLastPara="1" wrap="square" lIns="0" tIns="45700" rIns="0" bIns="45700" anchor="ctr" anchorCtr="0">
-            <a:noAutofit/>
-          </a:bodyPr>
-          <a:lstStyle/>
-          <a:p>
-            <a:pPr marL="0" marR="0" lvl="0" indent="0" algn="ctr" rtl="0">
-              <a:spcBef>
-                <a:spcPts val="0"/>
-              </a:spcBef>
-              <a:spcAft>
-                <a:spcPts val="0"/>
-              </a:spcAft>
-              <a:buNone/>
-            </a:pPr>
-            <a:r>
-              <a:rPr lang="en-US" sz="1050" b="1" dirty="0" smtClean="0">
-                <a:solidFill>
-                  <a:schemeClr val="lt1"/>
-                </a:solidFill>
-              </a:rPr>
-              <a:t>3</a:t>
-            </a:r>
-            <a:endParaRPr sz="1050" b="1" dirty="0">
-              <a:solidFill>
-                <a:schemeClr val="lt1"/>
-              </a:solidFill>
-              <a:latin typeface="Arial"/>
-              <a:ea typeface="Arial"/>
-              <a:cs typeface="Arial"/>
-              <a:sym typeface="Arial"/>
-            </a:endParaRPr>
-          </a:p>
-        </p:txBody>
-      </p:sp>
-      <p:sp>
-        <p:nvSpPr>
-          <p:cNvPr id="31" name="Google Shape;141;p15"/>
-          <p:cNvSpPr/>
-          <p:nvPr/>
-        </p:nvSpPr>
-        <p:spPr>
-          <a:xfrm>
-            <a:off x="2661627" y="2376374"/>
-            <a:ext cx="216000" cy="216000"/>
-          </a:xfrm>
-          <a:prstGeom prst="roundRect">
-            <a:avLst>
-              <a:gd name="adj" fmla="val 16667"/>
-            </a:avLst>
-          </a:prstGeom>
-          <a:solidFill>
-            <a:srgbClr val="E36C09"/>
-          </a:solidFill>
-          <a:ln>
-            <a:noFill/>
-          </a:ln>
-        </p:spPr>
-        <p:txBody>
-          <a:bodyPr spcFirstLastPara="1" wrap="square" lIns="0" tIns="45700" rIns="0" bIns="45700" anchor="ctr" anchorCtr="0">
-            <a:noAutofit/>
-          </a:bodyPr>
-          <a:lstStyle/>
-          <a:p>
-            <a:pPr marL="0" marR="0" lvl="0" indent="0" algn="ctr" rtl="0">
-              <a:spcBef>
-                <a:spcPts val="0"/>
-              </a:spcBef>
-              <a:spcAft>
-                <a:spcPts val="0"/>
-              </a:spcAft>
-              <a:buNone/>
-            </a:pPr>
-            <a:r>
-              <a:rPr lang="en-US" sz="1050" b="1" dirty="0" smtClean="0">
-                <a:solidFill>
-                  <a:schemeClr val="lt1"/>
-                </a:solidFill>
-              </a:rPr>
-              <a:t>2</a:t>
-            </a:r>
-            <a:endParaRPr sz="1050" b="1" dirty="0">
-              <a:solidFill>
-                <a:schemeClr val="lt1"/>
-              </a:solidFill>
-              <a:latin typeface="Arial"/>
-              <a:ea typeface="Arial"/>
-              <a:cs typeface="Arial"/>
-              <a:sym typeface="Arial"/>
-            </a:endParaRPr>
+            <a:r>
+              <a:rPr lang="ko-KR" altLang="en-US" sz="1000" b="1" dirty="0" smtClean="0"/>
+              <a:t>텍스트 수정예정</a:t>
+            </a:r>
+            <a:endParaRPr lang="en-US" altLang="ko-KR" sz="1000" dirty="0"/>
           </a:p>
         </p:txBody>
       </p:sp>
@@ -13438,7 +18146,6 @@
               <a:rPr lang="en-US" altLang="ko-KR" sz="900" dirty="0"/>
               <a:t>.Photo</a:t>
             </a:r>
-            <a:endParaRPr lang="en-US" altLang="ko-KR" sz="900" dirty="0"/>
           </a:p>
         </p:txBody>
       </p:sp>
@@ -13582,11 +18289,7 @@
             </a:pPr>
             <a:r>
               <a:rPr lang="ko-KR" altLang="en-US" sz="900" dirty="0" smtClean="0"/>
-              <a:t>슬라이드로 좌우로 이동 </a:t>
-            </a:r>
-            <a:r>
-              <a:rPr lang="ko-KR" altLang="en-US" sz="900" dirty="0" smtClean="0"/>
-              <a:t>구</a:t>
+              <a:t>슬라이드로 좌우로 이동 구</a:t>
             </a:r>
             <a:r>
               <a:rPr lang="ko-KR" altLang="en-US" sz="900" dirty="0"/>
@@ -20447,28 +25150,28 @@
                 <a:gridCol w="663725">
                   <a:extLst>
                     <a:ext uri="{9D8B030D-6E8A-4147-A177-3AD203B41FA5}">
-                      <a16:colId xmlns:a16="http://schemas.microsoft.com/office/drawing/2014/main" xmlns="" val="20000"/>
+                      <a16:colId xmlns="" xmlns:a16="http://schemas.microsoft.com/office/drawing/2014/main" val="20000"/>
                     </a:ext>
                   </a:extLst>
                 </a:gridCol>
                 <a:gridCol w="995575">
                   <a:extLst>
                     <a:ext uri="{9D8B030D-6E8A-4147-A177-3AD203B41FA5}">
-                      <a16:colId xmlns:a16="http://schemas.microsoft.com/office/drawing/2014/main" xmlns="" val="20001"/>
+                      <a16:colId xmlns="" xmlns:a16="http://schemas.microsoft.com/office/drawing/2014/main" val="20001"/>
                     </a:ext>
                   </a:extLst>
                 </a:gridCol>
                 <a:gridCol w="1626700">
                   <a:extLst>
                     <a:ext uri="{9D8B030D-6E8A-4147-A177-3AD203B41FA5}">
-                      <a16:colId xmlns:a16="http://schemas.microsoft.com/office/drawing/2014/main" xmlns="" val="20002"/>
+                      <a16:colId xmlns="" xmlns:a16="http://schemas.microsoft.com/office/drawing/2014/main" val="20002"/>
                     </a:ext>
                   </a:extLst>
                 </a:gridCol>
                 <a:gridCol w="5426100">
                   <a:extLst>
                     <a:ext uri="{9D8B030D-6E8A-4147-A177-3AD203B41FA5}">
-                      <a16:colId xmlns:a16="http://schemas.microsoft.com/office/drawing/2014/main" xmlns="" val="20003"/>
+                      <a16:colId xmlns="" xmlns:a16="http://schemas.microsoft.com/office/drawing/2014/main" val="20003"/>
                     </a:ext>
                   </a:extLst>
                 </a:gridCol>
@@ -20794,7 +25497,7 @@
                 </a:tc>
                 <a:extLst>
                   <a:ext uri="{0D108BD9-81ED-4DB2-BD59-A6C34878D82A}">
-                    <a16:rowId xmlns:a16="http://schemas.microsoft.com/office/drawing/2014/main" xmlns="" val="10000"/>
+                    <a16:rowId xmlns="" xmlns:a16="http://schemas.microsoft.com/office/drawing/2014/main" val="10000"/>
                   </a:ext>
                 </a:extLst>
               </a:tr>
@@ -21194,7 +25897,7 @@
                 </a:tc>
                 <a:extLst>
                   <a:ext uri="{0D108BD9-81ED-4DB2-BD59-A6C34878D82A}">
-                    <a16:rowId xmlns:a16="http://schemas.microsoft.com/office/drawing/2014/main" xmlns="" val="10001"/>
+                    <a16:rowId xmlns="" xmlns:a16="http://schemas.microsoft.com/office/drawing/2014/main" val="10001"/>
                   </a:ext>
                 </a:extLst>
               </a:tr>
@@ -21495,7 +26198,7 @@
                 </a:tc>
                 <a:extLst>
                   <a:ext uri="{0D108BD9-81ED-4DB2-BD59-A6C34878D82A}">
-                    <a16:rowId xmlns:a16="http://schemas.microsoft.com/office/drawing/2014/main" xmlns="" val="10002"/>
+                    <a16:rowId xmlns="" xmlns:a16="http://schemas.microsoft.com/office/drawing/2014/main" val="10002"/>
                   </a:ext>
                 </a:extLst>
               </a:tr>
@@ -21796,7 +26499,7 @@
                 </a:tc>
                 <a:extLst>
                   <a:ext uri="{0D108BD9-81ED-4DB2-BD59-A6C34878D82A}">
-                    <a16:rowId xmlns:a16="http://schemas.microsoft.com/office/drawing/2014/main" xmlns="" val="10003"/>
+                    <a16:rowId xmlns="" xmlns:a16="http://schemas.microsoft.com/office/drawing/2014/main" val="10003"/>
                   </a:ext>
                 </a:extLst>
               </a:tr>
@@ -22097,7 +26800,7 @@
                 </a:tc>
                 <a:extLst>
                   <a:ext uri="{0D108BD9-81ED-4DB2-BD59-A6C34878D82A}">
-                    <a16:rowId xmlns:a16="http://schemas.microsoft.com/office/drawing/2014/main" xmlns="" val="10004"/>
+                    <a16:rowId xmlns="" xmlns:a16="http://schemas.microsoft.com/office/drawing/2014/main" val="10004"/>
                   </a:ext>
                 </a:extLst>
               </a:tr>
@@ -22398,7 +27101,7 @@
                 </a:tc>
                 <a:extLst>
                   <a:ext uri="{0D108BD9-81ED-4DB2-BD59-A6C34878D82A}">
-                    <a16:rowId xmlns:a16="http://schemas.microsoft.com/office/drawing/2014/main" xmlns="" val="10005"/>
+                    <a16:rowId xmlns="" xmlns:a16="http://schemas.microsoft.com/office/drawing/2014/main" val="10005"/>
                   </a:ext>
                 </a:extLst>
               </a:tr>
@@ -22699,7 +27402,7 @@
                 </a:tc>
                 <a:extLst>
                   <a:ext uri="{0D108BD9-81ED-4DB2-BD59-A6C34878D82A}">
-                    <a16:rowId xmlns:a16="http://schemas.microsoft.com/office/drawing/2014/main" xmlns="" val="10006"/>
+                    <a16:rowId xmlns="" xmlns:a16="http://schemas.microsoft.com/office/drawing/2014/main" val="10006"/>
                   </a:ext>
                 </a:extLst>
               </a:tr>
@@ -23000,7 +27703,7 @@
                 </a:tc>
                 <a:extLst>
                   <a:ext uri="{0D108BD9-81ED-4DB2-BD59-A6C34878D82A}">
-                    <a16:rowId xmlns:a16="http://schemas.microsoft.com/office/drawing/2014/main" xmlns="" val="10007"/>
+                    <a16:rowId xmlns="" xmlns:a16="http://schemas.microsoft.com/office/drawing/2014/main" val="10007"/>
                   </a:ext>
                 </a:extLst>
               </a:tr>
@@ -23301,7 +28004,7 @@
                 </a:tc>
                 <a:extLst>
                   <a:ext uri="{0D108BD9-81ED-4DB2-BD59-A6C34878D82A}">
-                    <a16:rowId xmlns:a16="http://schemas.microsoft.com/office/drawing/2014/main" xmlns="" val="10008"/>
+                    <a16:rowId xmlns="" xmlns:a16="http://schemas.microsoft.com/office/drawing/2014/main" val="10008"/>
                   </a:ext>
                 </a:extLst>
               </a:tr>
@@ -23602,7 +28305,7 @@
                 </a:tc>
                 <a:extLst>
                   <a:ext uri="{0D108BD9-81ED-4DB2-BD59-A6C34878D82A}">
-                    <a16:rowId xmlns:a16="http://schemas.microsoft.com/office/drawing/2014/main" xmlns="" val="10009"/>
+                    <a16:rowId xmlns="" xmlns:a16="http://schemas.microsoft.com/office/drawing/2014/main" val="10009"/>
                   </a:ext>
                 </a:extLst>
               </a:tr>
@@ -23903,7 +28606,7 @@
                 </a:tc>
                 <a:extLst>
                   <a:ext uri="{0D108BD9-81ED-4DB2-BD59-A6C34878D82A}">
-                    <a16:rowId xmlns:a16="http://schemas.microsoft.com/office/drawing/2014/main" xmlns="" val="10010"/>
+                    <a16:rowId xmlns="" xmlns:a16="http://schemas.microsoft.com/office/drawing/2014/main" val="10010"/>
                   </a:ext>
                 </a:extLst>
               </a:tr>
@@ -24204,7 +28907,7 @@
                 </a:tc>
                 <a:extLst>
                   <a:ext uri="{0D108BD9-81ED-4DB2-BD59-A6C34878D82A}">
-                    <a16:rowId xmlns:a16="http://schemas.microsoft.com/office/drawing/2014/main" xmlns="" val="10011"/>
+                    <a16:rowId xmlns="" xmlns:a16="http://schemas.microsoft.com/office/drawing/2014/main" val="10011"/>
                   </a:ext>
                 </a:extLst>
               </a:tr>
@@ -24505,7 +29208,7 @@
                 </a:tc>
                 <a:extLst>
                   <a:ext uri="{0D108BD9-81ED-4DB2-BD59-A6C34878D82A}">
-                    <a16:rowId xmlns:a16="http://schemas.microsoft.com/office/drawing/2014/main" xmlns="" val="10012"/>
+                    <a16:rowId xmlns="" xmlns:a16="http://schemas.microsoft.com/office/drawing/2014/main" val="10012"/>
                   </a:ext>
                 </a:extLst>
               </a:tr>
@@ -24784,16 +29487,7 @@
                 </a:solidFill>
                 <a:sym typeface="Arial"/>
               </a:rPr>
-              <a:t>2.1 Wire </a:t>
-            </a:r>
-            <a:r>
-              <a:rPr lang="en-US" sz="800" dirty="0" smtClean="0">
-                <a:solidFill>
-                  <a:srgbClr val="3F3F3F"/>
-                </a:solidFill>
-                <a:sym typeface="Arial"/>
-              </a:rPr>
-              <a:t>Frame</a:t>
+              <a:t>2.1 Wire Frame</a:t>
             </a:r>
             <a:br>
               <a:rPr lang="en-US" sz="800" dirty="0" smtClean="0">
@@ -25995,7 +30689,7 @@
             <a:lstStyle/>
             <a:p>
               <a:r>
-                <a:rPr lang="en-US" altLang="ko-KR" sz="800" smtClean="0">
+                <a:rPr lang="en-US" altLang="ko-KR" sz="800" dirty="0" smtClean="0">
                   <a:solidFill>
                     <a:schemeClr val="tx1">
                       <a:lumMod val="75000"/>
@@ -26005,7 +30699,7 @@
                 </a:rPr>
                 <a:t>#FFD8D9</a:t>
               </a:r>
-              <a:endParaRPr lang="ko-KR" altLang="en-US" sz="800">
+              <a:endParaRPr lang="ko-KR" altLang="en-US" sz="800" dirty="0">
                 <a:solidFill>
                   <a:schemeClr val="tx1">
                     <a:lumMod val="75000"/>
@@ -26358,7 +31052,7 @@
                 <a:gridCol w="1357325">
                   <a:extLst>
                     <a:ext uri="{9D8B030D-6E8A-4147-A177-3AD203B41FA5}">
-                      <a16:colId xmlns:a16="http://schemas.microsoft.com/office/drawing/2014/main" xmlns="" val="20000"/>
+                      <a16:colId xmlns="" xmlns:a16="http://schemas.microsoft.com/office/drawing/2014/main" val="20000"/>
                     </a:ext>
                   </a:extLst>
                 </a:gridCol>
@@ -26451,7 +31145,7 @@
                 </a:tc>
                 <a:extLst>
                   <a:ext uri="{0D108BD9-81ED-4DB2-BD59-A6C34878D82A}">
-                    <a16:rowId xmlns:a16="http://schemas.microsoft.com/office/drawing/2014/main" xmlns="" val="10000"/>
+                    <a16:rowId xmlns="" xmlns:a16="http://schemas.microsoft.com/office/drawing/2014/main" val="10000"/>
                   </a:ext>
                 </a:extLst>
               </a:tr>
@@ -26466,14 +31160,14 @@
           <p:nvPr>
             <p:extLst>
               <p:ext uri="{D42A27DB-BD31-4B8C-83A1-F6EECF244321}">
-                <p14:modId xmlns:p14="http://schemas.microsoft.com/office/powerpoint/2010/main" val="4238116573"/>
+                <p14:modId xmlns:p14="http://schemas.microsoft.com/office/powerpoint/2010/main" val="2619491421"/>
               </p:ext>
             </p:extLst>
           </p:nvPr>
         </p:nvGraphicFramePr>
         <p:xfrm>
           <a:off x="1893077" y="2122135"/>
-          <a:ext cx="1000125" cy="274330"/>
+          <a:ext cx="1000125" cy="213370"/>
         </p:xfrm>
         <a:graphic>
           <a:graphicData uri="http://schemas.openxmlformats.org/drawingml/2006/table">
@@ -26486,7 +31180,7 @@
                 <a:gridCol w="1000125">
                   <a:extLst>
                     <a:ext uri="{9D8B030D-6E8A-4147-A177-3AD203B41FA5}">
-                      <a16:colId xmlns:a16="http://schemas.microsoft.com/office/drawing/2014/main" xmlns="" val="20000"/>
+                      <a16:colId xmlns="" xmlns:a16="http://schemas.microsoft.com/office/drawing/2014/main" val="20000"/>
                     </a:ext>
                   </a:extLst>
                 </a:gridCol>
@@ -26507,7 +31201,7 @@
                         <a:buNone/>
                       </a:pPr>
                       <a:r>
-                        <a:rPr lang="en-US" sz="600" b="1" dirty="0" smtClean="0">
+                        <a:rPr lang="en-US" sz="800" b="1" dirty="0" smtClean="0">
                           <a:solidFill>
                             <a:srgbClr val="FF0000"/>
                           </a:solidFill>
@@ -26519,7 +31213,7 @@
                         <a:t>1</a:t>
                       </a:r>
                       <a:r>
-                        <a:rPr lang="en-US" sz="600" b="1" u="none" strike="noStrike" cap="none" dirty="0" smtClean="0">
+                        <a:rPr lang="en-US" sz="800" b="1" u="none" strike="noStrike" cap="none" dirty="0" smtClean="0">
                           <a:solidFill>
                             <a:schemeClr val="dk1"/>
                           </a:solidFill>
@@ -26528,44 +31222,9 @@
                           <a:cs typeface="Arial"/>
                           <a:sym typeface="Arial"/>
                         </a:rPr>
-                        <a:t>.Beautiful</a:t>
+                        <a:t>.About</a:t>
                       </a:r>
-                      <a:r>
-                        <a:rPr lang="en-US" sz="600" b="1" u="none" strike="noStrike" cap="none" baseline="0" dirty="0" smtClean="0">
-                          <a:solidFill>
-                            <a:schemeClr val="dk1"/>
-                          </a:solidFill>
-                          <a:latin typeface="Arial"/>
-                          <a:ea typeface="Arial"/>
-                          <a:cs typeface="Arial"/>
-                          <a:sym typeface="Arial"/>
-                        </a:rPr>
-                        <a:t> Mint Life</a:t>
-                      </a:r>
-                      <a:br>
-                        <a:rPr lang="en-US" sz="600" b="1" u="none" strike="noStrike" cap="none" baseline="0" dirty="0" smtClean="0">
-                          <a:solidFill>
-                            <a:schemeClr val="dk1"/>
-                          </a:solidFill>
-                          <a:latin typeface="Arial"/>
-                          <a:ea typeface="Arial"/>
-                          <a:cs typeface="Arial"/>
-                          <a:sym typeface="Arial"/>
-                        </a:rPr>
-                      </a:br>
-                      <a:r>
-                        <a:rPr lang="en-US" sz="600" b="1" u="none" strike="noStrike" cap="none" baseline="0" dirty="0" smtClean="0">
-                          <a:solidFill>
-                            <a:schemeClr val="dk1"/>
-                          </a:solidFill>
-                          <a:latin typeface="Arial"/>
-                          <a:ea typeface="Arial"/>
-                          <a:cs typeface="Arial"/>
-                          <a:sym typeface="Arial"/>
-                        </a:rPr>
-                        <a:t>2020</a:t>
-                      </a:r>
-                      <a:endParaRPr sz="600" b="1" u="none" strike="noStrike" cap="none" dirty="0">
+                      <a:endParaRPr sz="800" b="1" u="none" strike="noStrike" cap="none" dirty="0">
                         <a:solidFill>
                           <a:schemeClr val="dk1"/>
                         </a:solidFill>
@@ -26620,7 +31279,7 @@
                 </a:tc>
                 <a:extLst>
                   <a:ext uri="{0D108BD9-81ED-4DB2-BD59-A6C34878D82A}">
-                    <a16:rowId xmlns:a16="http://schemas.microsoft.com/office/drawing/2014/main" xmlns="" val="10000"/>
+                    <a16:rowId xmlns="" xmlns:a16="http://schemas.microsoft.com/office/drawing/2014/main" val="10000"/>
                   </a:ext>
                 </a:extLst>
               </a:tr>
@@ -26635,7 +31294,7 @@
           <p:nvPr>
             <p:extLst>
               <p:ext uri="{D42A27DB-BD31-4B8C-83A1-F6EECF244321}">
-                <p14:modId xmlns:p14="http://schemas.microsoft.com/office/powerpoint/2010/main" val="1595644047"/>
+                <p14:modId xmlns:p14="http://schemas.microsoft.com/office/powerpoint/2010/main" val="1783064579"/>
               </p:ext>
             </p:extLst>
           </p:nvPr>
@@ -26655,7 +31314,7 @@
                 <a:gridCol w="1000125">
                   <a:extLst>
                     <a:ext uri="{9D8B030D-6E8A-4147-A177-3AD203B41FA5}">
-                      <a16:colId xmlns:a16="http://schemas.microsoft.com/office/drawing/2014/main" xmlns="" val="20000"/>
+                      <a16:colId xmlns="" xmlns:a16="http://schemas.microsoft.com/office/drawing/2014/main" val="20000"/>
                     </a:ext>
                   </a:extLst>
                 </a:gridCol>
@@ -26676,7 +31335,7 @@
                         <a:buNone/>
                       </a:pPr>
                       <a:r>
-                        <a:rPr lang="en-US" sz="800" b="1" smtClean="0">
+                        <a:rPr lang="en-US" sz="800" b="1" dirty="0" smtClean="0">
                           <a:solidFill>
                             <a:srgbClr val="FF0000"/>
                           </a:solidFill>
@@ -26688,7 +31347,7 @@
                         <a:t>4</a:t>
                       </a:r>
                       <a:r>
-                        <a:rPr lang="en-US" sz="800" b="1" u="none" strike="noStrike" cap="none" smtClean="0">
+                        <a:rPr lang="en-US" sz="800" b="1" u="none" strike="noStrike" cap="none" dirty="0" smtClean="0">
                           <a:solidFill>
                             <a:schemeClr val="dk1"/>
                           </a:solidFill>
@@ -26697,14 +31356,8 @@
                           <a:cs typeface="Arial"/>
                           <a:sym typeface="Arial"/>
                         </a:rPr>
-                        <a:t>.Information</a:t>
+                        <a:t>.Notice</a:t>
                       </a:r>
-                      <a:endParaRPr sz="800" b="1">
-                        <a:latin typeface="Arial"/>
-                        <a:ea typeface="Arial"/>
-                        <a:cs typeface="Arial"/>
-                        <a:sym typeface="Arial"/>
-                      </a:endParaRPr>
                     </a:p>
                   </a:txBody>
                   <a:tcPr marL="91450" marR="91450" marT="45725" marB="45725">
@@ -26751,7 +31404,7 @@
                 </a:tc>
                 <a:extLst>
                   <a:ext uri="{0D108BD9-81ED-4DB2-BD59-A6C34878D82A}">
-                    <a16:rowId xmlns:a16="http://schemas.microsoft.com/office/drawing/2014/main" xmlns="" val="10000"/>
+                    <a16:rowId xmlns="" xmlns:a16="http://schemas.microsoft.com/office/drawing/2014/main" val="10000"/>
                   </a:ext>
                 </a:extLst>
               </a:tr>
@@ -26786,7 +31439,7 @@
                 <a:gridCol w="1000125">
                   <a:extLst>
                     <a:ext uri="{9D8B030D-6E8A-4147-A177-3AD203B41FA5}">
-                      <a16:colId xmlns:a16="http://schemas.microsoft.com/office/drawing/2014/main" xmlns="" val="20000"/>
+                      <a16:colId xmlns="" xmlns:a16="http://schemas.microsoft.com/office/drawing/2014/main" val="20000"/>
                     </a:ext>
                   </a:extLst>
                 </a:gridCol>
@@ -26807,7 +31460,7 @@
                         <a:buNone/>
                       </a:pPr>
                       <a:r>
-                        <a:rPr lang="en-US" sz="800" b="1" smtClean="0">
+                        <a:rPr lang="en-US" sz="800" b="1" dirty="0" smtClean="0">
                           <a:solidFill>
                             <a:srgbClr val="FF0000"/>
                           </a:solidFill>
@@ -26819,7 +31472,7 @@
                         <a:t>2</a:t>
                       </a:r>
                       <a:r>
-                        <a:rPr lang="en-US" sz="800" b="1" u="none" strike="noStrike" cap="none" smtClean="0">
+                        <a:rPr lang="en-US" sz="800" b="1" u="none" strike="noStrike" cap="none" dirty="0" smtClean="0">
                           <a:solidFill>
                             <a:schemeClr val="dk1"/>
                           </a:solidFill>
@@ -26830,7 +31483,7 @@
                         </a:rPr>
                         <a:t>.Program</a:t>
                       </a:r>
-                      <a:endParaRPr sz="800" b="1" u="none" strike="noStrike" cap="none">
+                      <a:endParaRPr sz="800" b="1" u="none" strike="noStrike" cap="none" dirty="0">
                         <a:solidFill>
                           <a:schemeClr val="dk1"/>
                         </a:solidFill>
@@ -26885,7 +31538,7 @@
                 </a:tc>
                 <a:extLst>
                   <a:ext uri="{0D108BD9-81ED-4DB2-BD59-A6C34878D82A}">
-                    <a16:rowId xmlns:a16="http://schemas.microsoft.com/office/drawing/2014/main" xmlns="" val="10000"/>
+                    <a16:rowId xmlns="" xmlns:a16="http://schemas.microsoft.com/office/drawing/2014/main" val="10000"/>
                   </a:ext>
                 </a:extLst>
               </a:tr>
@@ -26920,7 +31573,7 @@
                 <a:gridCol w="1000125">
                   <a:extLst>
                     <a:ext uri="{9D8B030D-6E8A-4147-A177-3AD203B41FA5}">
-                      <a16:colId xmlns:a16="http://schemas.microsoft.com/office/drawing/2014/main" xmlns="" val="20000"/>
+                      <a16:colId xmlns="" xmlns:a16="http://schemas.microsoft.com/office/drawing/2014/main" val="20000"/>
                     </a:ext>
                   </a:extLst>
                 </a:gridCol>
@@ -27028,7 +31681,7 @@
                 </a:tc>
                 <a:extLst>
                   <a:ext uri="{0D108BD9-81ED-4DB2-BD59-A6C34878D82A}">
-                    <a16:rowId xmlns:a16="http://schemas.microsoft.com/office/drawing/2014/main" xmlns="" val="10000"/>
+                    <a16:rowId xmlns="" xmlns:a16="http://schemas.microsoft.com/office/drawing/2014/main" val="10000"/>
                   </a:ext>
                 </a:extLst>
               </a:tr>
@@ -27205,8 +31858,8 @@
         </p:nvCxnSpPr>
         <p:spPr>
           <a:xfrm>
-            <a:off x="2393139" y="2396465"/>
-            <a:ext cx="0" cy="297174"/>
+            <a:off x="2393139" y="2335505"/>
+            <a:ext cx="0" cy="358134"/>
           </a:xfrm>
           <a:prstGeom prst="straightConnector1">
             <a:avLst/>
@@ -27328,7 +31981,7 @@
                 <a:gridCol w="1000125">
                   <a:extLst>
                     <a:ext uri="{9D8B030D-6E8A-4147-A177-3AD203B41FA5}">
-                      <a16:colId xmlns:a16="http://schemas.microsoft.com/office/drawing/2014/main" xmlns="" val="20000"/>
+                      <a16:colId xmlns="" xmlns:a16="http://schemas.microsoft.com/office/drawing/2014/main" val="20000"/>
                     </a:ext>
                   </a:extLst>
                 </a:gridCol>
@@ -27439,7 +32092,7 @@
                 </a:tc>
                 <a:extLst>
                   <a:ext uri="{0D108BD9-81ED-4DB2-BD59-A6C34878D82A}">
-                    <a16:rowId xmlns:a16="http://schemas.microsoft.com/office/drawing/2014/main" xmlns="" val="10000"/>
+                    <a16:rowId xmlns="" xmlns:a16="http://schemas.microsoft.com/office/drawing/2014/main" val="10000"/>
                   </a:ext>
                 </a:extLst>
               </a:tr>
@@ -27474,7 +32127,7 @@
                 <a:gridCol w="1000125">
                   <a:extLst>
                     <a:ext uri="{9D8B030D-6E8A-4147-A177-3AD203B41FA5}">
-                      <a16:colId xmlns:a16="http://schemas.microsoft.com/office/drawing/2014/main" xmlns="" val="20000"/>
+                      <a16:colId xmlns="" xmlns:a16="http://schemas.microsoft.com/office/drawing/2014/main" val="20000"/>
                     </a:ext>
                   </a:extLst>
                 </a:gridCol>
@@ -27585,7 +32238,7 @@
                 </a:tc>
                 <a:extLst>
                   <a:ext uri="{0D108BD9-81ED-4DB2-BD59-A6C34878D82A}">
-                    <a16:rowId xmlns:a16="http://schemas.microsoft.com/office/drawing/2014/main" xmlns="" val="10000"/>
+                    <a16:rowId xmlns="" xmlns:a16="http://schemas.microsoft.com/office/drawing/2014/main" val="10000"/>
                   </a:ext>
                 </a:extLst>
               </a:tr>
@@ -27620,7 +32273,7 @@
                 <a:gridCol w="1000125">
                   <a:extLst>
                     <a:ext uri="{9D8B030D-6E8A-4147-A177-3AD203B41FA5}">
-                      <a16:colId xmlns:a16="http://schemas.microsoft.com/office/drawing/2014/main" xmlns="" val="20000"/>
+                      <a16:colId xmlns="" xmlns:a16="http://schemas.microsoft.com/office/drawing/2014/main" val="20000"/>
                     </a:ext>
                   </a:extLst>
                 </a:gridCol>
@@ -27743,7 +32396,7 @@
                 </a:tc>
                 <a:extLst>
                   <a:ext uri="{0D108BD9-81ED-4DB2-BD59-A6C34878D82A}">
-                    <a16:rowId xmlns:a16="http://schemas.microsoft.com/office/drawing/2014/main" xmlns="" val="10000"/>
+                    <a16:rowId xmlns="" xmlns:a16="http://schemas.microsoft.com/office/drawing/2014/main" val="10000"/>
                   </a:ext>
                 </a:extLst>
               </a:tr>
@@ -27778,7 +32431,7 @@
                 <a:gridCol w="1000125">
                   <a:extLst>
                     <a:ext uri="{9D8B030D-6E8A-4147-A177-3AD203B41FA5}">
-                      <a16:colId xmlns:a16="http://schemas.microsoft.com/office/drawing/2014/main" xmlns="" val="20000"/>
+                      <a16:colId xmlns="" xmlns:a16="http://schemas.microsoft.com/office/drawing/2014/main" val="20000"/>
                     </a:ext>
                   </a:extLst>
                 </a:gridCol>
@@ -27886,7 +32539,7 @@
                 </a:tc>
                 <a:extLst>
                   <a:ext uri="{0D108BD9-81ED-4DB2-BD59-A6C34878D82A}">
-                    <a16:rowId xmlns:a16="http://schemas.microsoft.com/office/drawing/2014/main" xmlns="" val="10000"/>
+                    <a16:rowId xmlns="" xmlns:a16="http://schemas.microsoft.com/office/drawing/2014/main" val="10000"/>
                   </a:ext>
                 </a:extLst>
               </a:tr>
@@ -27921,7 +32574,7 @@
                 <a:gridCol w="1000125">
                   <a:extLst>
                     <a:ext uri="{9D8B030D-6E8A-4147-A177-3AD203B41FA5}">
-                      <a16:colId xmlns:a16="http://schemas.microsoft.com/office/drawing/2014/main" xmlns="" val="20000"/>
+                      <a16:colId xmlns="" xmlns:a16="http://schemas.microsoft.com/office/drawing/2014/main" val="20000"/>
                     </a:ext>
                   </a:extLst>
                 </a:gridCol>
@@ -28054,7 +32707,7 @@
                 </a:tc>
                 <a:extLst>
                   <a:ext uri="{0D108BD9-81ED-4DB2-BD59-A6C34878D82A}">
-                    <a16:rowId xmlns:a16="http://schemas.microsoft.com/office/drawing/2014/main" xmlns="" val="10000"/>
+                    <a16:rowId xmlns="" xmlns:a16="http://schemas.microsoft.com/office/drawing/2014/main" val="10000"/>
                   </a:ext>
                 </a:extLst>
               </a:tr>
@@ -28115,7 +32768,7 @@
                 <a:gridCol w="1000125">
                   <a:extLst>
                     <a:ext uri="{9D8B030D-6E8A-4147-A177-3AD203B41FA5}">
-                      <a16:colId xmlns:a16="http://schemas.microsoft.com/office/drawing/2014/main" xmlns="" val="20000"/>
+                      <a16:colId xmlns="" xmlns:a16="http://schemas.microsoft.com/office/drawing/2014/main" val="20000"/>
                     </a:ext>
                   </a:extLst>
                 </a:gridCol>
@@ -28238,7 +32891,7 @@
                 </a:tc>
                 <a:extLst>
                   <a:ext uri="{0D108BD9-81ED-4DB2-BD59-A6C34878D82A}">
-                    <a16:rowId xmlns:a16="http://schemas.microsoft.com/office/drawing/2014/main" xmlns="" val="10000"/>
+                    <a16:rowId xmlns="" xmlns:a16="http://schemas.microsoft.com/office/drawing/2014/main" val="10000"/>
                   </a:ext>
                 </a:extLst>
               </a:tr>
@@ -28273,7 +32926,7 @@
                 <a:gridCol w="1000125">
                   <a:extLst>
                     <a:ext uri="{9D8B030D-6E8A-4147-A177-3AD203B41FA5}">
-                      <a16:colId xmlns:a16="http://schemas.microsoft.com/office/drawing/2014/main" xmlns="" val="20000"/>
+                      <a16:colId xmlns="" xmlns:a16="http://schemas.microsoft.com/office/drawing/2014/main" val="20000"/>
                     </a:ext>
                   </a:extLst>
                 </a:gridCol>
@@ -28396,7 +33049,7 @@
                 </a:tc>
                 <a:extLst>
                   <a:ext uri="{0D108BD9-81ED-4DB2-BD59-A6C34878D82A}">
-                    <a16:rowId xmlns:a16="http://schemas.microsoft.com/office/drawing/2014/main" xmlns="" val="10000"/>
+                    <a16:rowId xmlns="" xmlns:a16="http://schemas.microsoft.com/office/drawing/2014/main" val="10000"/>
                   </a:ext>
                 </a:extLst>
               </a:tr>
@@ -28835,7 +33488,7 @@
         </p:nvSpPr>
         <p:spPr>
           <a:xfrm>
-            <a:off x="3377529" y="1599016"/>
+            <a:off x="3377529" y="1648467"/>
             <a:ext cx="499646" cy="98902"/>
           </a:xfrm>
           <a:prstGeom prst="rect">
@@ -28875,12 +33528,12 @@
           <a:p>
             <a:pPr algn="ctr"/>
             <a:r>
-              <a:rPr lang="en-US" altLang="ko-KR" sz="500" dirty="0" err="1" smtClean="0">
+              <a:rPr lang="en-US" altLang="ko-KR" sz="500" dirty="0" smtClean="0">
                 <a:solidFill>
                   <a:sysClr val="windowText" lastClr="000000"/>
                 </a:solidFill>
               </a:rPr>
-              <a:t>btn</a:t>
+              <a:t>But ticket</a:t>
             </a:r>
             <a:endParaRPr lang="ko-KR" altLang="en-US" sz="500" dirty="0">
               <a:solidFill>
@@ -30092,7 +34745,7 @@
         </p:nvSpPr>
         <p:spPr>
           <a:xfrm>
-            <a:off x="3190450" y="1441260"/>
+            <a:off x="3103074" y="1445011"/>
             <a:ext cx="216000" cy="216000"/>
           </a:xfrm>
           <a:prstGeom prst="roundRect">
@@ -30208,7 +34861,7 @@
         </p:nvSpPr>
         <p:spPr>
           <a:xfrm>
-            <a:off x="3080592" y="2913328"/>
+            <a:off x="4564475" y="2697328"/>
             <a:ext cx="216000" cy="216000"/>
           </a:xfrm>
           <a:prstGeom prst="roundRect">
@@ -30358,15 +35011,7 @@
                   <a:schemeClr val="dk1"/>
                 </a:solidFill>
               </a:rPr>
-              <a:t>예매하기 </a:t>
-            </a:r>
-            <a:r>
-              <a:rPr lang="ko-KR" altLang="en-US" sz="900" dirty="0" smtClean="0">
-                <a:solidFill>
-                  <a:schemeClr val="dk1"/>
-                </a:solidFill>
-              </a:rPr>
-              <a:t>페이지로 이동</a:t>
+              <a:t>예매하기 페이지로 이동</a:t>
             </a:r>
             <a:r>
               <a:rPr lang="en-US" altLang="ko-KR" sz="900" dirty="0" smtClean="0">
@@ -30643,18 +35288,271 @@
           <a:p>
             <a:pPr algn="ctr"/>
             <a:r>
-              <a:rPr lang="en-US" altLang="ko-KR" sz="500" dirty="0" err="1" smtClean="0">
+              <a:rPr lang="en-US" altLang="ko-KR" sz="500" dirty="0" smtClean="0">
                 <a:solidFill>
                   <a:sysClr val="windowText" lastClr="000000"/>
                 </a:solidFill>
               </a:rPr>
-              <a:t>btn</a:t>
+              <a:t>See all</a:t>
             </a:r>
             <a:endParaRPr lang="ko-KR" altLang="en-US" sz="500" dirty="0">
               <a:solidFill>
                 <a:sysClr val="windowText" lastClr="000000"/>
               </a:solidFill>
             </a:endParaRPr>
+          </a:p>
+        </p:txBody>
+      </p:sp>
+      <p:sp>
+        <p:nvSpPr>
+          <p:cNvPr id="4" name="TextBox 3"/>
+          <p:cNvSpPr txBox="1"/>
+          <p:nvPr/>
+        </p:nvSpPr>
+        <p:spPr>
+          <a:xfrm>
+            <a:off x="3308310" y="1434607"/>
+            <a:ext cx="681427" cy="184666"/>
+          </a:xfrm>
+          <a:prstGeom prst="rect">
+            <a:avLst/>
+          </a:prstGeom>
+          <a:noFill/>
+        </p:spPr>
+        <p:txBody>
+          <a:bodyPr wrap="square" rtlCol="0">
+            <a:spAutoFit/>
+          </a:bodyPr>
+          <a:lstStyle/>
+          <a:p>
+            <a:r>
+              <a:rPr lang="en-US" altLang="ko-KR" sz="600" dirty="0"/>
+              <a:t>Olympic Park</a:t>
+            </a:r>
+            <a:endParaRPr lang="ko-KR" altLang="en-US" sz="600" dirty="0"/>
+          </a:p>
+        </p:txBody>
+      </p:sp>
+      <p:sp>
+        <p:nvSpPr>
+          <p:cNvPr id="61" name="TextBox 60"/>
+          <p:cNvSpPr txBox="1"/>
+          <p:nvPr/>
+        </p:nvSpPr>
+        <p:spPr>
+          <a:xfrm>
+            <a:off x="3272463" y="1514099"/>
+            <a:ext cx="857639" cy="169277"/>
+          </a:xfrm>
+          <a:prstGeom prst="rect">
+            <a:avLst/>
+          </a:prstGeom>
+          <a:noFill/>
+        </p:spPr>
+        <p:txBody>
+          <a:bodyPr wrap="square" rtlCol="0">
+            <a:spAutoFit/>
+          </a:bodyPr>
+          <a:lstStyle/>
+          <a:p>
+            <a:r>
+              <a:rPr lang="en-US" altLang="ko-KR" sz="500" dirty="0"/>
+              <a:t>5.16SAT - 5.17SUN</a:t>
+            </a:r>
+            <a:endParaRPr lang="ko-KR" altLang="en-US" sz="500" dirty="0"/>
+          </a:p>
+        </p:txBody>
+      </p:sp>
+      <p:sp>
+        <p:nvSpPr>
+          <p:cNvPr id="7" name="TextBox 6"/>
+          <p:cNvSpPr txBox="1"/>
+          <p:nvPr/>
+        </p:nvSpPr>
+        <p:spPr>
+          <a:xfrm>
+            <a:off x="2632913" y="2739566"/>
+            <a:ext cx="1016110" cy="276999"/>
+          </a:xfrm>
+          <a:prstGeom prst="rect">
+            <a:avLst/>
+          </a:prstGeom>
+          <a:noFill/>
+        </p:spPr>
+        <p:txBody>
+          <a:bodyPr wrap="square" rtlCol="0">
+            <a:spAutoFit/>
+          </a:bodyPr>
+          <a:lstStyle/>
+          <a:p>
+            <a:r>
+              <a:rPr lang="ko-KR" altLang="en-US" sz="600" dirty="0"/>
+              <a:t>서울 송파구 </a:t>
+            </a:r>
+            <a:r>
+              <a:rPr lang="ko-KR" altLang="en-US" sz="600" dirty="0" err="1"/>
+              <a:t>올림픽로</a:t>
+            </a:r>
+            <a:endParaRPr lang="ko-KR" altLang="en-US" sz="600" dirty="0"/>
+          </a:p>
+          <a:p>
+            <a:r>
+              <a:rPr lang="en-US" altLang="ko-KR" sz="600" dirty="0"/>
+              <a:t>424 </a:t>
+            </a:r>
+            <a:r>
+              <a:rPr lang="ko-KR" altLang="en-US" sz="600" dirty="0"/>
+              <a:t>올림픽공원 </a:t>
+            </a:r>
+          </a:p>
+        </p:txBody>
+      </p:sp>
+      <p:sp>
+        <p:nvSpPr>
+          <p:cNvPr id="67" name="TextBox 66"/>
+          <p:cNvSpPr txBox="1"/>
+          <p:nvPr/>
+        </p:nvSpPr>
+        <p:spPr>
+          <a:xfrm>
+            <a:off x="2689278" y="2970038"/>
+            <a:ext cx="1091862" cy="153888"/>
+          </a:xfrm>
+          <a:prstGeom prst="rect">
+            <a:avLst/>
+          </a:prstGeom>
+          <a:noFill/>
+        </p:spPr>
+        <p:txBody>
+          <a:bodyPr wrap="square" rtlCol="0">
+            <a:spAutoFit/>
+          </a:bodyPr>
+          <a:lstStyle/>
+          <a:p>
+            <a:r>
+              <a:rPr lang="ko-KR" altLang="en-US" sz="400" dirty="0"/>
+              <a:t>지하철 </a:t>
+            </a:r>
+            <a:r>
+              <a:rPr lang="en-US" altLang="ko-KR" sz="400" dirty="0"/>
+              <a:t>: 5</a:t>
+            </a:r>
+            <a:r>
+              <a:rPr lang="ko-KR" altLang="en-US" sz="400" dirty="0"/>
+              <a:t>호선 </a:t>
+            </a:r>
+            <a:r>
+              <a:rPr lang="ko-KR" altLang="en-US" sz="400" dirty="0" err="1"/>
+              <a:t>올림픽공원역</a:t>
+            </a:r>
+            <a:r>
+              <a:rPr lang="ko-KR" altLang="en-US" sz="400" dirty="0"/>
+              <a:t> </a:t>
+            </a:r>
+            <a:r>
+              <a:rPr lang="en-US" altLang="ko-KR" sz="400" dirty="0"/>
+              <a:t>3</a:t>
+            </a:r>
+            <a:r>
+              <a:rPr lang="ko-KR" altLang="en-US" sz="400" dirty="0" err="1"/>
+              <a:t>번출구</a:t>
+            </a:r>
+            <a:endParaRPr lang="ko-KR" altLang="en-US" sz="400" dirty="0"/>
+          </a:p>
+        </p:txBody>
+      </p:sp>
+      <p:sp>
+        <p:nvSpPr>
+          <p:cNvPr id="68" name="TextBox 67"/>
+          <p:cNvSpPr txBox="1"/>
+          <p:nvPr/>
+        </p:nvSpPr>
+        <p:spPr>
+          <a:xfrm>
+            <a:off x="2670427" y="3050726"/>
+            <a:ext cx="1096126" cy="276999"/>
+          </a:xfrm>
+          <a:prstGeom prst="rect">
+            <a:avLst/>
+          </a:prstGeom>
+          <a:noFill/>
+        </p:spPr>
+        <p:txBody>
+          <a:bodyPr wrap="square" rtlCol="0">
+            <a:spAutoFit/>
+          </a:bodyPr>
+          <a:lstStyle/>
+          <a:p>
+            <a:r>
+              <a:rPr lang="ko-KR" altLang="en-US" sz="400" dirty="0"/>
+              <a:t>승용차 </a:t>
+            </a:r>
+            <a:r>
+              <a:rPr lang="en-US" altLang="ko-KR" sz="400" dirty="0"/>
+              <a:t>: </a:t>
+            </a:r>
+            <a:r>
+              <a:rPr lang="ko-KR" altLang="en-US" sz="400" dirty="0"/>
+              <a:t>올림픽 공원 내 </a:t>
+            </a:r>
+            <a:r>
+              <a:rPr lang="ko-KR" altLang="en-US" sz="400" dirty="0" smtClean="0"/>
+              <a:t>주차장이용</a:t>
+            </a:r>
+          </a:p>
+          <a:p>
+            <a:r>
+              <a:rPr lang="ko-KR" altLang="en-US" sz="400" dirty="0" smtClean="0"/>
+              <a:t>대형 </a:t>
+            </a:r>
+            <a:r>
+              <a:rPr lang="en-US" altLang="ko-KR" sz="400" dirty="0" smtClean="0"/>
+              <a:t>12,000</a:t>
+            </a:r>
+            <a:r>
+              <a:rPr lang="ko-KR" altLang="en-US" sz="400" dirty="0" smtClean="0"/>
+              <a:t>원</a:t>
+            </a:r>
+            <a:endParaRPr lang="en-US" altLang="ko-KR" sz="400" dirty="0" smtClean="0"/>
+          </a:p>
+          <a:p>
+            <a:r>
+              <a:rPr lang="ko-KR" altLang="en-US" sz="400" dirty="0" smtClean="0"/>
+              <a:t>소형 </a:t>
+            </a:r>
+            <a:r>
+              <a:rPr lang="en-US" altLang="ko-KR" sz="400" dirty="0" smtClean="0"/>
+              <a:t>1</a:t>
+            </a:r>
+            <a:r>
+              <a:rPr lang="ko-KR" altLang="en-US" sz="400" dirty="0" smtClean="0"/>
+              <a:t>시간 </a:t>
+            </a:r>
+            <a:r>
+              <a:rPr lang="en-US" altLang="ko-KR" sz="400" dirty="0" smtClean="0"/>
+              <a:t>1000</a:t>
+            </a:r>
+            <a:r>
+              <a:rPr lang="ko-KR" altLang="en-US" sz="400" dirty="0" smtClean="0"/>
+              <a:t>원 이후 </a:t>
+            </a:r>
+            <a:r>
+              <a:rPr lang="en-US" altLang="ko-KR" sz="400" dirty="0" smtClean="0"/>
+              <a:t>15</a:t>
+            </a:r>
+            <a:r>
+              <a:rPr lang="ko-KR" altLang="en-US" sz="400" dirty="0" smtClean="0"/>
+              <a:t>분당 </a:t>
+            </a:r>
+            <a:r>
+              <a:rPr lang="en-US" altLang="ko-KR" sz="400" dirty="0" smtClean="0"/>
+              <a:t>500</a:t>
+            </a:r>
+            <a:r>
+              <a:rPr lang="ko-KR" altLang="en-US" sz="400" dirty="0" smtClean="0"/>
+              <a:t>원</a:t>
+            </a:r>
+            <a:endParaRPr lang="ko-KR" altLang="en-US" sz="400" dirty="0"/>
           </a:p>
         </p:txBody>
       </p:sp>
@@ -30860,8 +35758,8 @@
         </p:nvGrpSpPr>
         <p:grpSpPr>
           <a:xfrm>
-            <a:off x="2545456" y="993083"/>
-            <a:ext cx="2163793" cy="2743814"/>
+            <a:off x="2247864" y="697055"/>
+            <a:ext cx="2962648" cy="3756808"/>
             <a:chOff x="2545456" y="993083"/>
             <a:chExt cx="2163793" cy="2743814"/>
           </a:xfrm>
@@ -31198,8 +36096,8 @@
           </p:nvSpPr>
           <p:spPr>
             <a:xfrm>
-              <a:off x="2731552" y="1687731"/>
-              <a:ext cx="1817151" cy="757435"/>
+              <a:off x="2731552" y="1687730"/>
+              <a:ext cx="1817151" cy="876670"/>
             </a:xfrm>
             <a:prstGeom prst="rect">
               <a:avLst/>
@@ -31256,7 +36154,7 @@
           </p:nvSpPr>
           <p:spPr>
             <a:xfrm>
-              <a:off x="2731552" y="2509914"/>
+              <a:off x="2731552" y="2611945"/>
               <a:ext cx="1817151" cy="757435"/>
             </a:xfrm>
             <a:prstGeom prst="rect">
@@ -31315,8 +36213,8 @@
         </p:nvSpPr>
         <p:spPr>
           <a:xfrm>
-            <a:off x="4440703" y="1621400"/>
-            <a:ext cx="216000" cy="216000"/>
+            <a:off x="4143110" y="2258621"/>
+            <a:ext cx="295745" cy="295745"/>
           </a:xfrm>
           <a:prstGeom prst="roundRect">
             <a:avLst>
@@ -31362,6 +36260,593 @@
               <a:cs typeface="Arial"/>
               <a:sym typeface="Arial"/>
             </a:endParaRPr>
+          </a:p>
+        </p:txBody>
+      </p:sp>
+      <p:sp>
+        <p:nvSpPr>
+          <p:cNvPr id="4" name="TextBox 3"/>
+          <p:cNvSpPr txBox="1"/>
+          <p:nvPr/>
+        </p:nvSpPr>
+        <p:spPr>
+          <a:xfrm>
+            <a:off x="2499992" y="1648161"/>
+            <a:ext cx="2458387" cy="1323439"/>
+          </a:xfrm>
+          <a:prstGeom prst="rect">
+            <a:avLst/>
+          </a:prstGeom>
+          <a:noFill/>
+        </p:spPr>
+        <p:txBody>
+          <a:bodyPr wrap="square" rtlCol="0">
+            <a:spAutoFit/>
+          </a:bodyPr>
+          <a:lstStyle/>
+          <a:p>
+            <a:r>
+              <a:rPr lang="ko-KR" altLang="en-US" sz="300" b="1" dirty="0"/>
+              <a:t>눈부신 계절을 보다 선명하게 투영할 사람과 일상</a:t>
+            </a:r>
+            <a:br>
+              <a:rPr lang="ko-KR" altLang="en-US" sz="300" b="1" dirty="0"/>
+            </a:br>
+            <a:r>
+              <a:rPr lang="ko-KR" altLang="en-US" sz="300" b="1" dirty="0"/>
+              <a:t>봄의 정점에서 꽃피울 단 한 번의 주말</a:t>
+            </a:r>
+            <a:r>
+              <a:rPr lang="en-US" altLang="ko-KR" sz="300" b="1" dirty="0"/>
+              <a:t>, </a:t>
+            </a:r>
+            <a:r>
+              <a:rPr lang="ko-KR" altLang="en-US" sz="300" b="1" dirty="0"/>
+              <a:t>아름다운 음악 페스티벌</a:t>
+            </a:r>
+            <a:endParaRPr lang="ko-KR" altLang="en-US" sz="300" dirty="0"/>
+          </a:p>
+          <a:p>
+            <a:r>
+              <a:rPr lang="en-US" altLang="ko-KR" sz="300" b="1" dirty="0"/>
+              <a:t>BEAUTIFUL MINT LIFE </a:t>
+            </a:r>
+            <a:r>
+              <a:rPr lang="en-US" altLang="ko-KR" sz="300" b="1" dirty="0" smtClean="0"/>
+              <a:t>2020</a:t>
+            </a:r>
+            <a:r>
+              <a:rPr lang="en-US" altLang="ko-KR" sz="300" b="1" dirty="0"/>
+              <a:t/>
+            </a:r>
+            <a:br>
+              <a:rPr lang="en-US" altLang="ko-KR" sz="300" b="1" dirty="0"/>
+            </a:br>
+            <a:r>
+              <a:rPr lang="en-US" altLang="ko-KR" sz="300" b="1" dirty="0" smtClean="0"/>
+              <a:t>11th </a:t>
+            </a:r>
+            <a:r>
+              <a:rPr lang="en-US" altLang="ko-KR" sz="300" b="1" dirty="0"/>
+              <a:t>anniversary</a:t>
+            </a:r>
+            <a:br>
+              <a:rPr lang="en-US" altLang="ko-KR" sz="300" b="1" dirty="0"/>
+            </a:br>
+            <a:r>
+              <a:rPr lang="en-US" altLang="ko-KR" sz="300" b="1" dirty="0"/>
+              <a:t>5</a:t>
+            </a:r>
+            <a:r>
+              <a:rPr lang="ko-KR" altLang="en-US" sz="300" b="1" dirty="0"/>
+              <a:t>월 </a:t>
+            </a:r>
+            <a:r>
+              <a:rPr lang="en-US" altLang="ko-KR" sz="300" b="1" dirty="0" smtClean="0"/>
+              <a:t>16</a:t>
+            </a:r>
+            <a:r>
+              <a:rPr lang="ko-KR" altLang="en-US" sz="300" b="1" dirty="0" smtClean="0"/>
+              <a:t>일</a:t>
+            </a:r>
+            <a:r>
+              <a:rPr lang="en-US" altLang="ko-KR" sz="300" b="1" dirty="0"/>
+              <a:t>(</a:t>
+            </a:r>
+            <a:r>
+              <a:rPr lang="ko-KR" altLang="en-US" sz="300" b="1" dirty="0"/>
+              <a:t>토</a:t>
+            </a:r>
+            <a:r>
+              <a:rPr lang="en-US" altLang="ko-KR" sz="300" b="1" dirty="0"/>
+              <a:t>) – 5</a:t>
+            </a:r>
+            <a:r>
+              <a:rPr lang="ko-KR" altLang="en-US" sz="300" b="1" dirty="0"/>
+              <a:t>월 </a:t>
+            </a:r>
+            <a:r>
+              <a:rPr lang="en-US" altLang="ko-KR" sz="300" b="1" dirty="0" smtClean="0"/>
+              <a:t>17</a:t>
+            </a:r>
+            <a:r>
+              <a:rPr lang="ko-KR" altLang="en-US" sz="300" b="1" dirty="0" smtClean="0"/>
+              <a:t>일</a:t>
+            </a:r>
+            <a:r>
+              <a:rPr lang="en-US" altLang="ko-KR" sz="300" b="1" dirty="0"/>
+              <a:t>(</a:t>
+            </a:r>
+            <a:r>
+              <a:rPr lang="ko-KR" altLang="en-US" sz="300" b="1" dirty="0"/>
+              <a:t>일</a:t>
+            </a:r>
+            <a:r>
+              <a:rPr lang="en-US" altLang="ko-KR" sz="300" b="1" dirty="0"/>
+              <a:t>) </a:t>
+            </a:r>
+            <a:r>
+              <a:rPr lang="ko-KR" altLang="en-US" sz="300" b="1" dirty="0"/>
+              <a:t>올림픽공원</a:t>
+            </a:r>
+            <a:r>
+              <a:rPr lang="ko-KR" altLang="en-US" sz="300" dirty="0"/>
+              <a:t/>
+            </a:r>
+            <a:br>
+              <a:rPr lang="ko-KR" altLang="en-US" sz="300" dirty="0"/>
+            </a:br>
+            <a:r>
+              <a:rPr lang="ko-KR" altLang="en-US" sz="300" dirty="0"/>
+              <a:t> </a:t>
+            </a:r>
+            <a:br>
+              <a:rPr lang="ko-KR" altLang="en-US" sz="300" dirty="0"/>
+            </a:br>
+            <a:r>
+              <a:rPr lang="ko-KR" altLang="en-US" sz="300" b="1" dirty="0"/>
+              <a:t>스테이지 구성</a:t>
+            </a:r>
+            <a:r>
+              <a:rPr lang="ko-KR" altLang="en-US" sz="300" dirty="0"/>
+              <a:t/>
+            </a:r>
+            <a:br>
+              <a:rPr lang="ko-KR" altLang="en-US" sz="300" dirty="0"/>
+            </a:br>
+            <a:r>
+              <a:rPr lang="en-US" altLang="ko-KR" sz="300" dirty="0"/>
+              <a:t>Mint Breeze Stage : 88</a:t>
+            </a:r>
+            <a:r>
+              <a:rPr lang="ko-KR" altLang="en-US" sz="300" dirty="0"/>
+              <a:t>잔디마당</a:t>
+            </a:r>
+            <a:br>
+              <a:rPr lang="ko-KR" altLang="en-US" sz="300" dirty="0"/>
+            </a:br>
+            <a:r>
+              <a:rPr lang="en-US" altLang="ko-KR" sz="300" dirty="0"/>
+              <a:t>cafe Blossom House : KSPO DOME</a:t>
+            </a:r>
+            <a:br>
+              <a:rPr lang="en-US" altLang="ko-KR" sz="300" dirty="0"/>
+            </a:br>
+            <a:r>
+              <a:rPr lang="en-US" altLang="ko-KR" sz="300" dirty="0"/>
+              <a:t>Loving Forest Garden : 88</a:t>
+            </a:r>
+            <a:r>
+              <a:rPr lang="ko-KR" altLang="en-US" sz="300" dirty="0"/>
+              <a:t>호수 </a:t>
+            </a:r>
+            <a:r>
+              <a:rPr lang="ko-KR" altLang="en-US" sz="300" dirty="0" err="1"/>
+              <a:t>수변무대</a:t>
+            </a:r>
+            <a:endParaRPr lang="ko-KR" altLang="en-US" sz="300" dirty="0"/>
+          </a:p>
+          <a:p>
+            <a:r>
+              <a:rPr lang="ko-KR" altLang="en-US" sz="300" dirty="0"/>
+              <a:t> </a:t>
+            </a:r>
+            <a:br>
+              <a:rPr lang="ko-KR" altLang="en-US" sz="300" dirty="0"/>
+            </a:br>
+            <a:r>
+              <a:rPr lang="ko-KR" altLang="en-US" sz="300" b="1" dirty="0"/>
+              <a:t>주요 일정</a:t>
+            </a:r>
+            <a:r>
+              <a:rPr lang="ko-KR" altLang="en-US" sz="300" dirty="0"/>
+              <a:t/>
+            </a:r>
+            <a:br>
+              <a:rPr lang="ko-KR" altLang="en-US" sz="300" dirty="0"/>
+            </a:br>
+            <a:r>
+              <a:rPr lang="en-US" altLang="ko-KR" sz="300" dirty="0"/>
+              <a:t>1</a:t>
+            </a:r>
+            <a:r>
+              <a:rPr lang="ko-KR" altLang="en-US" sz="300" dirty="0"/>
+              <a:t>월 </a:t>
+            </a:r>
+            <a:r>
+              <a:rPr lang="en-US" altLang="ko-KR" sz="300" dirty="0"/>
+              <a:t>10</a:t>
+            </a:r>
+            <a:r>
+              <a:rPr lang="ko-KR" altLang="en-US" sz="300" dirty="0"/>
+              <a:t>일 </a:t>
+            </a:r>
+            <a:r>
+              <a:rPr lang="ko-KR" altLang="en-US" sz="300" dirty="0" err="1"/>
+              <a:t>민트플레이어</a:t>
+            </a:r>
+            <a:r>
+              <a:rPr lang="ko-KR" altLang="en-US" sz="300" dirty="0"/>
+              <a:t> 모집</a:t>
+            </a:r>
+            <a:br>
+              <a:rPr lang="ko-KR" altLang="en-US" sz="300" dirty="0"/>
+            </a:br>
+            <a:r>
+              <a:rPr lang="en-US" altLang="ko-KR" sz="300" dirty="0"/>
+              <a:t>1</a:t>
+            </a:r>
+            <a:r>
+              <a:rPr lang="ko-KR" altLang="en-US" sz="300" dirty="0"/>
+              <a:t>월 </a:t>
+            </a:r>
+            <a:r>
+              <a:rPr lang="en-US" altLang="ko-KR" sz="300" dirty="0"/>
+              <a:t>13</a:t>
+            </a:r>
+            <a:r>
+              <a:rPr lang="ko-KR" altLang="en-US" sz="300" dirty="0"/>
+              <a:t>일 출연 아티스트 추천 이벤트</a:t>
+            </a:r>
+            <a:br>
+              <a:rPr lang="ko-KR" altLang="en-US" sz="300" dirty="0"/>
+            </a:br>
+            <a:r>
+              <a:rPr lang="en-US" altLang="ko-KR" sz="300" dirty="0"/>
+              <a:t>2</a:t>
+            </a:r>
+            <a:r>
+              <a:rPr lang="ko-KR" altLang="en-US" sz="300" dirty="0"/>
+              <a:t>월 </a:t>
+            </a:r>
+            <a:r>
+              <a:rPr lang="en-US" altLang="ko-KR" sz="300" dirty="0"/>
+              <a:t>18</a:t>
+            </a:r>
+            <a:r>
+              <a:rPr lang="ko-KR" altLang="en-US" sz="300" dirty="0"/>
+              <a:t>일 </a:t>
+            </a:r>
+            <a:r>
+              <a:rPr lang="en-US" altLang="ko-KR" sz="300" dirty="0"/>
+              <a:t>I♡</a:t>
+            </a:r>
+            <a:r>
+              <a:rPr lang="ko-KR" altLang="en-US" sz="300" dirty="0" err="1"/>
+              <a:t>뷰민라</a:t>
+            </a:r>
+            <a:r>
+              <a:rPr lang="en-US" altLang="ko-KR" sz="300" dirty="0"/>
+              <a:t>(</a:t>
+            </a:r>
+            <a:r>
+              <a:rPr lang="ko-KR" altLang="en-US" sz="300" dirty="0"/>
+              <a:t>사전할인</a:t>
+            </a:r>
+            <a:r>
+              <a:rPr lang="en-US" altLang="ko-KR" sz="300" dirty="0"/>
+              <a:t>) </a:t>
+            </a:r>
+            <a:r>
+              <a:rPr lang="ko-KR" altLang="en-US" sz="300" dirty="0"/>
+              <a:t>티켓 오픈</a:t>
+            </a:r>
+            <a:br>
+              <a:rPr lang="ko-KR" altLang="en-US" sz="300" dirty="0"/>
+            </a:br>
+            <a:r>
+              <a:rPr lang="en-US" altLang="ko-KR" sz="300" dirty="0"/>
+              <a:t>2</a:t>
+            </a:r>
+            <a:r>
+              <a:rPr lang="ko-KR" altLang="en-US" sz="300" dirty="0"/>
+              <a:t>월 </a:t>
+            </a:r>
+            <a:r>
+              <a:rPr lang="en-US" altLang="ko-KR" sz="300" dirty="0"/>
+              <a:t>25</a:t>
+            </a:r>
+            <a:r>
+              <a:rPr lang="ko-KR" altLang="en-US" sz="300" dirty="0"/>
+              <a:t>일 </a:t>
+            </a:r>
+            <a:r>
+              <a:rPr lang="en-US" altLang="ko-KR" sz="300" dirty="0"/>
+              <a:t>1</a:t>
+            </a:r>
+            <a:r>
+              <a:rPr lang="ko-KR" altLang="en-US" sz="300" dirty="0"/>
+              <a:t>차 라인업 발표</a:t>
+            </a:r>
+            <a:br>
+              <a:rPr lang="ko-KR" altLang="en-US" sz="300" dirty="0"/>
+            </a:br>
+            <a:r>
+              <a:rPr lang="en-US" altLang="ko-KR" sz="300" dirty="0"/>
+              <a:t>2</a:t>
+            </a:r>
+            <a:r>
+              <a:rPr lang="ko-KR" altLang="en-US" sz="300" dirty="0"/>
+              <a:t>월 </a:t>
+            </a:r>
+            <a:r>
+              <a:rPr lang="en-US" altLang="ko-KR" sz="300" dirty="0"/>
+              <a:t>26</a:t>
+            </a:r>
+            <a:r>
+              <a:rPr lang="ko-KR" altLang="en-US" sz="300" dirty="0"/>
+              <a:t>일 공식 티켓 오픈</a:t>
+            </a:r>
+          </a:p>
+          <a:p>
+            <a:r>
+              <a:rPr lang="en-US" altLang="ko-KR" sz="300" dirty="0"/>
+              <a:t>and more…</a:t>
+            </a:r>
+          </a:p>
+          <a:p>
+            <a:r>
+              <a:rPr lang="en-US" altLang="ko-KR" sz="300" dirty="0"/>
+              <a:t> </a:t>
+            </a:r>
+            <a:br>
+              <a:rPr lang="en-US" altLang="ko-KR" sz="300" dirty="0"/>
+            </a:br>
+            <a:r>
+              <a:rPr lang="en-US" altLang="ko-KR" sz="300" dirty="0"/>
+              <a:t>#</a:t>
+            </a:r>
+            <a:r>
+              <a:rPr lang="ko-KR" altLang="en-US" sz="300" dirty="0" err="1"/>
+              <a:t>뷰티풀민트라이프</a:t>
+            </a:r>
+            <a:r>
+              <a:rPr lang="ko-KR" altLang="en-US" sz="300" dirty="0"/>
+              <a:t> </a:t>
+            </a:r>
+            <a:r>
+              <a:rPr lang="en-US" altLang="ko-KR" sz="300" dirty="0"/>
+              <a:t>#</a:t>
+            </a:r>
+            <a:r>
+              <a:rPr lang="ko-KR" altLang="en-US" sz="300" dirty="0" err="1"/>
+              <a:t>뷰민라</a:t>
+            </a:r>
+            <a:r>
+              <a:rPr lang="ko-KR" altLang="en-US" sz="300" dirty="0"/>
+              <a:t> </a:t>
+            </a:r>
+            <a:r>
+              <a:rPr lang="en-US" altLang="ko-KR" sz="300" dirty="0"/>
+              <a:t>#</a:t>
+            </a:r>
+            <a:r>
+              <a:rPr lang="ko-KR" altLang="en-US" sz="300" dirty="0"/>
+              <a:t>인생봄날 </a:t>
+            </a:r>
+            <a:r>
+              <a:rPr lang="en-US" altLang="ko-KR" sz="300" dirty="0"/>
+              <a:t>#BML2020 #</a:t>
+            </a:r>
+            <a:r>
+              <a:rPr lang="ko-KR" altLang="en-US" sz="300" dirty="0" err="1"/>
+              <a:t>민트페이퍼</a:t>
+            </a:r>
+            <a:r>
+              <a:rPr lang="ko-KR" altLang="en-US" sz="300" dirty="0"/>
+              <a:t/>
+            </a:r>
+            <a:br>
+              <a:rPr lang="ko-KR" altLang="en-US" sz="300" dirty="0"/>
+            </a:br>
+            <a:r>
+              <a:rPr lang="ko-KR" altLang="en-US" sz="300" dirty="0"/>
+              <a:t> </a:t>
+            </a:r>
+          </a:p>
+          <a:p>
+            <a:r>
+              <a:rPr lang="en-US" altLang="ko-KR" sz="300" dirty="0">
+                <a:hlinkClick r:id="rId3"/>
+              </a:rPr>
+              <a:t>www.mintpaper.com</a:t>
+            </a:r>
+            <a:r>
+              <a:rPr lang="ko-KR" altLang="en-US" sz="300" dirty="0"/>
+              <a:t/>
+            </a:r>
+            <a:br>
+              <a:rPr lang="ko-KR" altLang="en-US" sz="300" dirty="0"/>
+            </a:br>
+            <a:r>
+              <a:rPr lang="en-US" altLang="ko-KR" sz="300" dirty="0" err="1">
+                <a:hlinkClick r:id="rId4"/>
+              </a:rPr>
+              <a:t>facebook</a:t>
+            </a:r>
+            <a:r>
+              <a:rPr lang="en-US" altLang="ko-KR" sz="300" dirty="0">
+                <a:hlinkClick r:id="rId4"/>
+              </a:rPr>
+              <a:t> @</a:t>
+            </a:r>
+            <a:r>
+              <a:rPr lang="en-US" altLang="ko-KR" sz="300" dirty="0" err="1">
+                <a:hlinkClick r:id="rId4"/>
+              </a:rPr>
+              <a:t>beautifulmintlife</a:t>
+            </a:r>
+            <a:r>
+              <a:rPr lang="ko-KR" altLang="en-US" sz="300" dirty="0"/>
+              <a:t/>
+            </a:r>
+            <a:br>
+              <a:rPr lang="ko-KR" altLang="en-US" sz="300" dirty="0"/>
+            </a:br>
+            <a:r>
+              <a:rPr lang="en-US" altLang="ko-KR" sz="300" dirty="0" err="1">
+                <a:hlinkClick r:id="rId5"/>
+              </a:rPr>
+              <a:t>instagram</a:t>
+            </a:r>
+            <a:r>
+              <a:rPr lang="en-US" altLang="ko-KR" sz="300" dirty="0">
+                <a:hlinkClick r:id="rId5"/>
+              </a:rPr>
+              <a:t> @</a:t>
+            </a:r>
+            <a:r>
+              <a:rPr lang="en-US" altLang="ko-KR" sz="300" dirty="0" err="1">
+                <a:hlinkClick r:id="rId5"/>
+              </a:rPr>
+              <a:t>beautifulmintlife</a:t>
+            </a:r>
+            <a:r>
+              <a:rPr lang="en-US" altLang="ko-KR" sz="300" dirty="0">
+                <a:hlinkClick r:id="rId5"/>
+              </a:rPr>
+              <a:t>_</a:t>
+            </a:r>
+            <a:r>
+              <a:rPr lang="ko-KR" altLang="en-US" sz="800" dirty="0"/>
+              <a:t/>
+            </a:r>
+            <a:br>
+              <a:rPr lang="ko-KR" altLang="en-US" sz="800" dirty="0"/>
+            </a:br>
+            <a:endParaRPr lang="ko-KR" altLang="en-US" sz="800" dirty="0"/>
+          </a:p>
+        </p:txBody>
+      </p:sp>
+      <p:sp>
+        <p:nvSpPr>
+          <p:cNvPr id="8" name="TextBox 7"/>
+          <p:cNvSpPr txBox="1"/>
+          <p:nvPr/>
+        </p:nvSpPr>
+        <p:spPr>
+          <a:xfrm>
+            <a:off x="2499992" y="2913588"/>
+            <a:ext cx="2038472" cy="461665"/>
+          </a:xfrm>
+          <a:prstGeom prst="rect">
+            <a:avLst/>
+          </a:prstGeom>
+          <a:noFill/>
+        </p:spPr>
+        <p:txBody>
+          <a:bodyPr wrap="square" rtlCol="0">
+            <a:spAutoFit/>
+          </a:bodyPr>
+          <a:lstStyle/>
+          <a:p>
+            <a:r>
+              <a:rPr lang="en-US" altLang="ko-KR" sz="600" u="sng" dirty="0">
+                <a:hlinkClick r:id="rId6"/>
+              </a:rPr>
+              <a:t/>
+            </a:r>
+            <a:br>
+              <a:rPr lang="en-US" altLang="ko-KR" sz="600" u="sng" dirty="0">
+                <a:hlinkClick r:id="rId6"/>
+              </a:rPr>
+            </a:br>
+            <a:r>
+              <a:rPr lang="en-US" altLang="ko-KR" sz="600" b="1" u="sng" dirty="0">
+                <a:hlinkClick r:id="rId6"/>
+              </a:rPr>
+              <a:t>Beautiful Mint Life </a:t>
+            </a:r>
+            <a:r>
+              <a:rPr lang="en-US" altLang="ko-KR" sz="600" b="1" u="sng" dirty="0" smtClean="0">
+                <a:hlinkClick r:id="rId6"/>
+              </a:rPr>
+              <a:t>2020</a:t>
+            </a:r>
+            <a:endParaRPr lang="en-US" altLang="ko-KR" sz="600" dirty="0"/>
+          </a:p>
+          <a:p>
+            <a:r>
+              <a:rPr lang="en-US" altLang="ko-KR" sz="600" dirty="0"/>
+              <a:t/>
+            </a:r>
+            <a:br>
+              <a:rPr lang="en-US" altLang="ko-KR" sz="600" dirty="0"/>
+            </a:br>
+            <a:endParaRPr lang="ko-KR" altLang="en-US" sz="600" dirty="0"/>
+          </a:p>
+        </p:txBody>
+      </p:sp>
+      <p:sp>
+        <p:nvSpPr>
+          <p:cNvPr id="18" name="TextBox 17"/>
+          <p:cNvSpPr txBox="1"/>
+          <p:nvPr/>
+        </p:nvSpPr>
+        <p:spPr>
+          <a:xfrm>
+            <a:off x="2496494" y="3494285"/>
+            <a:ext cx="2038472" cy="461665"/>
+          </a:xfrm>
+          <a:prstGeom prst="rect">
+            <a:avLst/>
+          </a:prstGeom>
+          <a:noFill/>
+        </p:spPr>
+        <p:txBody>
+          <a:bodyPr wrap="square" rtlCol="0">
+            <a:spAutoFit/>
+          </a:bodyPr>
+          <a:lstStyle/>
+          <a:p>
+            <a:r>
+              <a:rPr lang="en-US" altLang="ko-KR" sz="600" u="sng" dirty="0">
+                <a:hlinkClick r:id="rId6"/>
+              </a:rPr>
+              <a:t/>
+            </a:r>
+            <a:br>
+              <a:rPr lang="en-US" altLang="ko-KR" sz="600" u="sng" dirty="0">
+                <a:hlinkClick r:id="rId6"/>
+              </a:rPr>
+            </a:br>
+            <a:r>
+              <a:rPr lang="en-US" altLang="ko-KR" sz="600" b="1" u="sng" dirty="0">
+                <a:hlinkClick r:id="rId6"/>
+              </a:rPr>
+              <a:t>Beautiful Mint Life 2010</a:t>
+            </a:r>
+            <a:endParaRPr lang="en-US" altLang="ko-KR" sz="600" dirty="0"/>
+          </a:p>
+          <a:p>
+            <a:r>
+              <a:rPr lang="en-US" altLang="ko-KR" sz="600" dirty="0"/>
+              <a:t/>
+            </a:r>
+            <a:br>
+              <a:rPr lang="en-US" altLang="ko-KR" sz="600" dirty="0"/>
+            </a:br>
+            <a:endParaRPr lang="ko-KR" altLang="en-US" sz="600" dirty="0"/>
           </a:p>
         </p:txBody>
       </p:sp>
@@ -34416,7 +39901,6 @@
               <a:rPr lang="en-US" altLang="ko-KR" sz="900" dirty="0"/>
               <a:t>.Time table</a:t>
             </a:r>
-            <a:endParaRPr lang="en-US" altLang="ko-KR" sz="900" dirty="0"/>
           </a:p>
         </p:txBody>
       </p:sp>

--- a/스토리보드수행과제/스토리보드수행과제.pptx
+++ b/스토리보드수행과제/스토리보드수행과제.pptx
@@ -260,7 +260,7 @@
   </p:defaultTextStyle>
   <p:extLst>
     <p:ext uri="{EFAFB233-063F-42B5-8137-9DF3F51BA10A}">
-      <p15:sldGuideLst xmlns="" xmlns:p15="http://schemas.microsoft.com/office/powerpoint/2012/main">
+      <p15:sldGuideLst xmlns:p15="http://schemas.microsoft.com/office/powerpoint/2012/main">
         <p15:guide id="1" orient="horz" pos="1620">
           <p15:clr>
             <a:srgbClr val="000000"/>
@@ -4405,28 +4405,28 @@
                 <a:gridCol w="2052625">
                   <a:extLst>
                     <a:ext uri="{9D8B030D-6E8A-4147-A177-3AD203B41FA5}">
-                      <a16:colId xmlns="" xmlns:a16="http://schemas.microsoft.com/office/drawing/2014/main" val="20000"/>
+                      <a16:colId xmlns:a16="http://schemas.microsoft.com/office/drawing/2014/main" val="20000"/>
                     </a:ext>
                   </a:extLst>
                 </a:gridCol>
                 <a:gridCol w="2052625">
                   <a:extLst>
                     <a:ext uri="{9D8B030D-6E8A-4147-A177-3AD203B41FA5}">
-                      <a16:colId xmlns="" xmlns:a16="http://schemas.microsoft.com/office/drawing/2014/main" val="20001"/>
+                      <a16:colId xmlns:a16="http://schemas.microsoft.com/office/drawing/2014/main" val="20001"/>
                     </a:ext>
                   </a:extLst>
                 </a:gridCol>
                 <a:gridCol w="2052625">
                   <a:extLst>
                     <a:ext uri="{9D8B030D-6E8A-4147-A177-3AD203B41FA5}">
-                      <a16:colId xmlns="" xmlns:a16="http://schemas.microsoft.com/office/drawing/2014/main" val="20002"/>
+                      <a16:colId xmlns:a16="http://schemas.microsoft.com/office/drawing/2014/main" val="20002"/>
                     </a:ext>
                   </a:extLst>
                 </a:gridCol>
                 <a:gridCol w="2052625">
                   <a:extLst>
                     <a:ext uri="{9D8B030D-6E8A-4147-A177-3AD203B41FA5}">
-                      <a16:colId xmlns="" xmlns:a16="http://schemas.microsoft.com/office/drawing/2014/main" val="20003"/>
+                      <a16:colId xmlns:a16="http://schemas.microsoft.com/office/drawing/2014/main" val="20003"/>
                     </a:ext>
                   </a:extLst>
                 </a:gridCol>
@@ -4720,7 +4720,7 @@
                 </a:tc>
                 <a:extLst>
                   <a:ext uri="{0D108BD9-81ED-4DB2-BD59-A6C34878D82A}">
-                    <a16:rowId xmlns="" xmlns:a16="http://schemas.microsoft.com/office/drawing/2014/main" val="10000"/>
+                    <a16:rowId xmlns:a16="http://schemas.microsoft.com/office/drawing/2014/main" val="10000"/>
                   </a:ext>
                 </a:extLst>
               </a:tr>
@@ -4997,7 +4997,7 @@
                 </a:tc>
                 <a:extLst>
                   <a:ext uri="{0D108BD9-81ED-4DB2-BD59-A6C34878D82A}">
-                    <a16:rowId xmlns="" xmlns:a16="http://schemas.microsoft.com/office/drawing/2014/main" val="10001"/>
+                    <a16:rowId xmlns:a16="http://schemas.microsoft.com/office/drawing/2014/main" val="10001"/>
                   </a:ext>
                 </a:extLst>
               </a:tr>
@@ -25150,28 +25150,28 @@
                 <a:gridCol w="663725">
                   <a:extLst>
                     <a:ext uri="{9D8B030D-6E8A-4147-A177-3AD203B41FA5}">
-                      <a16:colId xmlns="" xmlns:a16="http://schemas.microsoft.com/office/drawing/2014/main" val="20000"/>
+                      <a16:colId xmlns:a16="http://schemas.microsoft.com/office/drawing/2014/main" val="20000"/>
                     </a:ext>
                   </a:extLst>
                 </a:gridCol>
                 <a:gridCol w="995575">
                   <a:extLst>
                     <a:ext uri="{9D8B030D-6E8A-4147-A177-3AD203B41FA5}">
-                      <a16:colId xmlns="" xmlns:a16="http://schemas.microsoft.com/office/drawing/2014/main" val="20001"/>
+                      <a16:colId xmlns:a16="http://schemas.microsoft.com/office/drawing/2014/main" val="20001"/>
                     </a:ext>
                   </a:extLst>
                 </a:gridCol>
                 <a:gridCol w="1626700">
                   <a:extLst>
                     <a:ext uri="{9D8B030D-6E8A-4147-A177-3AD203B41FA5}">
-                      <a16:colId xmlns="" xmlns:a16="http://schemas.microsoft.com/office/drawing/2014/main" val="20002"/>
+                      <a16:colId xmlns:a16="http://schemas.microsoft.com/office/drawing/2014/main" val="20002"/>
                     </a:ext>
                   </a:extLst>
                 </a:gridCol>
                 <a:gridCol w="5426100">
                   <a:extLst>
                     <a:ext uri="{9D8B030D-6E8A-4147-A177-3AD203B41FA5}">
-                      <a16:colId xmlns="" xmlns:a16="http://schemas.microsoft.com/office/drawing/2014/main" val="20003"/>
+                      <a16:colId xmlns:a16="http://schemas.microsoft.com/office/drawing/2014/main" val="20003"/>
                     </a:ext>
                   </a:extLst>
                 </a:gridCol>
@@ -25497,7 +25497,7 @@
                 </a:tc>
                 <a:extLst>
                   <a:ext uri="{0D108BD9-81ED-4DB2-BD59-A6C34878D82A}">
-                    <a16:rowId xmlns="" xmlns:a16="http://schemas.microsoft.com/office/drawing/2014/main" val="10000"/>
+                    <a16:rowId xmlns:a16="http://schemas.microsoft.com/office/drawing/2014/main" val="10000"/>
                   </a:ext>
                 </a:extLst>
               </a:tr>
@@ -25897,7 +25897,7 @@
                 </a:tc>
                 <a:extLst>
                   <a:ext uri="{0D108BD9-81ED-4DB2-BD59-A6C34878D82A}">
-                    <a16:rowId xmlns="" xmlns:a16="http://schemas.microsoft.com/office/drawing/2014/main" val="10001"/>
+                    <a16:rowId xmlns:a16="http://schemas.microsoft.com/office/drawing/2014/main" val="10001"/>
                   </a:ext>
                 </a:extLst>
               </a:tr>
@@ -26198,7 +26198,7 @@
                 </a:tc>
                 <a:extLst>
                   <a:ext uri="{0D108BD9-81ED-4DB2-BD59-A6C34878D82A}">
-                    <a16:rowId xmlns="" xmlns:a16="http://schemas.microsoft.com/office/drawing/2014/main" val="10002"/>
+                    <a16:rowId xmlns:a16="http://schemas.microsoft.com/office/drawing/2014/main" val="10002"/>
                   </a:ext>
                 </a:extLst>
               </a:tr>
@@ -26499,7 +26499,7 @@
                 </a:tc>
                 <a:extLst>
                   <a:ext uri="{0D108BD9-81ED-4DB2-BD59-A6C34878D82A}">
-                    <a16:rowId xmlns="" xmlns:a16="http://schemas.microsoft.com/office/drawing/2014/main" val="10003"/>
+                    <a16:rowId xmlns:a16="http://schemas.microsoft.com/office/drawing/2014/main" val="10003"/>
                   </a:ext>
                 </a:extLst>
               </a:tr>
@@ -26800,7 +26800,7 @@
                 </a:tc>
                 <a:extLst>
                   <a:ext uri="{0D108BD9-81ED-4DB2-BD59-A6C34878D82A}">
-                    <a16:rowId xmlns="" xmlns:a16="http://schemas.microsoft.com/office/drawing/2014/main" val="10004"/>
+                    <a16:rowId xmlns:a16="http://schemas.microsoft.com/office/drawing/2014/main" val="10004"/>
                   </a:ext>
                 </a:extLst>
               </a:tr>
@@ -27101,7 +27101,7 @@
                 </a:tc>
                 <a:extLst>
                   <a:ext uri="{0D108BD9-81ED-4DB2-BD59-A6C34878D82A}">
-                    <a16:rowId xmlns="" xmlns:a16="http://schemas.microsoft.com/office/drawing/2014/main" val="10005"/>
+                    <a16:rowId xmlns:a16="http://schemas.microsoft.com/office/drawing/2014/main" val="10005"/>
                   </a:ext>
                 </a:extLst>
               </a:tr>
@@ -27402,7 +27402,7 @@
                 </a:tc>
                 <a:extLst>
                   <a:ext uri="{0D108BD9-81ED-4DB2-BD59-A6C34878D82A}">
-                    <a16:rowId xmlns="" xmlns:a16="http://schemas.microsoft.com/office/drawing/2014/main" val="10006"/>
+                    <a16:rowId xmlns:a16="http://schemas.microsoft.com/office/drawing/2014/main" val="10006"/>
                   </a:ext>
                 </a:extLst>
               </a:tr>
@@ -27703,7 +27703,7 @@
                 </a:tc>
                 <a:extLst>
                   <a:ext uri="{0D108BD9-81ED-4DB2-BD59-A6C34878D82A}">
-                    <a16:rowId xmlns="" xmlns:a16="http://schemas.microsoft.com/office/drawing/2014/main" val="10007"/>
+                    <a16:rowId xmlns:a16="http://schemas.microsoft.com/office/drawing/2014/main" val="10007"/>
                   </a:ext>
                 </a:extLst>
               </a:tr>
@@ -28004,7 +28004,7 @@
                 </a:tc>
                 <a:extLst>
                   <a:ext uri="{0D108BD9-81ED-4DB2-BD59-A6C34878D82A}">
-                    <a16:rowId xmlns="" xmlns:a16="http://schemas.microsoft.com/office/drawing/2014/main" val="10008"/>
+                    <a16:rowId xmlns:a16="http://schemas.microsoft.com/office/drawing/2014/main" val="10008"/>
                   </a:ext>
                 </a:extLst>
               </a:tr>
@@ -28305,7 +28305,7 @@
                 </a:tc>
                 <a:extLst>
                   <a:ext uri="{0D108BD9-81ED-4DB2-BD59-A6C34878D82A}">
-                    <a16:rowId xmlns="" xmlns:a16="http://schemas.microsoft.com/office/drawing/2014/main" val="10009"/>
+                    <a16:rowId xmlns:a16="http://schemas.microsoft.com/office/drawing/2014/main" val="10009"/>
                   </a:ext>
                 </a:extLst>
               </a:tr>
@@ -28606,7 +28606,7 @@
                 </a:tc>
                 <a:extLst>
                   <a:ext uri="{0D108BD9-81ED-4DB2-BD59-A6C34878D82A}">
-                    <a16:rowId xmlns="" xmlns:a16="http://schemas.microsoft.com/office/drawing/2014/main" val="10010"/>
+                    <a16:rowId xmlns:a16="http://schemas.microsoft.com/office/drawing/2014/main" val="10010"/>
                   </a:ext>
                 </a:extLst>
               </a:tr>
@@ -28907,7 +28907,7 @@
                 </a:tc>
                 <a:extLst>
                   <a:ext uri="{0D108BD9-81ED-4DB2-BD59-A6C34878D82A}">
-                    <a16:rowId xmlns="" xmlns:a16="http://schemas.microsoft.com/office/drawing/2014/main" val="10011"/>
+                    <a16:rowId xmlns:a16="http://schemas.microsoft.com/office/drawing/2014/main" val="10011"/>
                   </a:ext>
                 </a:extLst>
               </a:tr>
@@ -29208,7 +29208,7 @@
                 </a:tc>
                 <a:extLst>
                   <a:ext uri="{0D108BD9-81ED-4DB2-BD59-A6C34878D82A}">
-                    <a16:rowId xmlns="" xmlns:a16="http://schemas.microsoft.com/office/drawing/2014/main" val="10012"/>
+                    <a16:rowId xmlns:a16="http://schemas.microsoft.com/office/drawing/2014/main" val="10012"/>
                   </a:ext>
                 </a:extLst>
               </a:tr>
@@ -31052,7 +31052,7 @@
                 <a:gridCol w="1357325">
                   <a:extLst>
                     <a:ext uri="{9D8B030D-6E8A-4147-A177-3AD203B41FA5}">
-                      <a16:colId xmlns="" xmlns:a16="http://schemas.microsoft.com/office/drawing/2014/main" val="20000"/>
+                      <a16:colId xmlns:a16="http://schemas.microsoft.com/office/drawing/2014/main" val="20000"/>
                     </a:ext>
                   </a:extLst>
                 </a:gridCol>
@@ -31145,7 +31145,7 @@
                 </a:tc>
                 <a:extLst>
                   <a:ext uri="{0D108BD9-81ED-4DB2-BD59-A6C34878D82A}">
-                    <a16:rowId xmlns="" xmlns:a16="http://schemas.microsoft.com/office/drawing/2014/main" val="10000"/>
+                    <a16:rowId xmlns:a16="http://schemas.microsoft.com/office/drawing/2014/main" val="10000"/>
                   </a:ext>
                 </a:extLst>
               </a:tr>
@@ -31180,7 +31180,7 @@
                 <a:gridCol w="1000125">
                   <a:extLst>
                     <a:ext uri="{9D8B030D-6E8A-4147-A177-3AD203B41FA5}">
-                      <a16:colId xmlns="" xmlns:a16="http://schemas.microsoft.com/office/drawing/2014/main" val="20000"/>
+                      <a16:colId xmlns:a16="http://schemas.microsoft.com/office/drawing/2014/main" val="20000"/>
                     </a:ext>
                   </a:extLst>
                 </a:gridCol>
@@ -31279,7 +31279,7 @@
                 </a:tc>
                 <a:extLst>
                   <a:ext uri="{0D108BD9-81ED-4DB2-BD59-A6C34878D82A}">
-                    <a16:rowId xmlns="" xmlns:a16="http://schemas.microsoft.com/office/drawing/2014/main" val="10000"/>
+                    <a16:rowId xmlns:a16="http://schemas.microsoft.com/office/drawing/2014/main" val="10000"/>
                   </a:ext>
                 </a:extLst>
               </a:tr>
@@ -31314,7 +31314,7 @@
                 <a:gridCol w="1000125">
                   <a:extLst>
                     <a:ext uri="{9D8B030D-6E8A-4147-A177-3AD203B41FA5}">
-                      <a16:colId xmlns="" xmlns:a16="http://schemas.microsoft.com/office/drawing/2014/main" val="20000"/>
+                      <a16:colId xmlns:a16="http://schemas.microsoft.com/office/drawing/2014/main" val="20000"/>
                     </a:ext>
                   </a:extLst>
                 </a:gridCol>
@@ -31404,7 +31404,7 @@
                 </a:tc>
                 <a:extLst>
                   <a:ext uri="{0D108BD9-81ED-4DB2-BD59-A6C34878D82A}">
-                    <a16:rowId xmlns="" xmlns:a16="http://schemas.microsoft.com/office/drawing/2014/main" val="10000"/>
+                    <a16:rowId xmlns:a16="http://schemas.microsoft.com/office/drawing/2014/main" val="10000"/>
                   </a:ext>
                 </a:extLst>
               </a:tr>
@@ -31439,7 +31439,7 @@
                 <a:gridCol w="1000125">
                   <a:extLst>
                     <a:ext uri="{9D8B030D-6E8A-4147-A177-3AD203B41FA5}">
-                      <a16:colId xmlns="" xmlns:a16="http://schemas.microsoft.com/office/drawing/2014/main" val="20000"/>
+                      <a16:colId xmlns:a16="http://schemas.microsoft.com/office/drawing/2014/main" val="20000"/>
                     </a:ext>
                   </a:extLst>
                 </a:gridCol>
@@ -31538,7 +31538,7 @@
                 </a:tc>
                 <a:extLst>
                   <a:ext uri="{0D108BD9-81ED-4DB2-BD59-A6C34878D82A}">
-                    <a16:rowId xmlns="" xmlns:a16="http://schemas.microsoft.com/office/drawing/2014/main" val="10000"/>
+                    <a16:rowId xmlns:a16="http://schemas.microsoft.com/office/drawing/2014/main" val="10000"/>
                   </a:ext>
                 </a:extLst>
               </a:tr>
@@ -31573,7 +31573,7 @@
                 <a:gridCol w="1000125">
                   <a:extLst>
                     <a:ext uri="{9D8B030D-6E8A-4147-A177-3AD203B41FA5}">
-                      <a16:colId xmlns="" xmlns:a16="http://schemas.microsoft.com/office/drawing/2014/main" val="20000"/>
+                      <a16:colId xmlns:a16="http://schemas.microsoft.com/office/drawing/2014/main" val="20000"/>
                     </a:ext>
                   </a:extLst>
                 </a:gridCol>
@@ -31681,7 +31681,7 @@
                 </a:tc>
                 <a:extLst>
                   <a:ext uri="{0D108BD9-81ED-4DB2-BD59-A6C34878D82A}">
-                    <a16:rowId xmlns="" xmlns:a16="http://schemas.microsoft.com/office/drawing/2014/main" val="10000"/>
+                    <a16:rowId xmlns:a16="http://schemas.microsoft.com/office/drawing/2014/main" val="10000"/>
                   </a:ext>
                 </a:extLst>
               </a:tr>
@@ -31981,7 +31981,7 @@
                 <a:gridCol w="1000125">
                   <a:extLst>
                     <a:ext uri="{9D8B030D-6E8A-4147-A177-3AD203B41FA5}">
-                      <a16:colId xmlns="" xmlns:a16="http://schemas.microsoft.com/office/drawing/2014/main" val="20000"/>
+                      <a16:colId xmlns:a16="http://schemas.microsoft.com/office/drawing/2014/main" val="20000"/>
                     </a:ext>
                   </a:extLst>
                 </a:gridCol>
@@ -32092,7 +32092,7 @@
                 </a:tc>
                 <a:extLst>
                   <a:ext uri="{0D108BD9-81ED-4DB2-BD59-A6C34878D82A}">
-                    <a16:rowId xmlns="" xmlns:a16="http://schemas.microsoft.com/office/drawing/2014/main" val="10000"/>
+                    <a16:rowId xmlns:a16="http://schemas.microsoft.com/office/drawing/2014/main" val="10000"/>
                   </a:ext>
                 </a:extLst>
               </a:tr>
@@ -32127,7 +32127,7 @@
                 <a:gridCol w="1000125">
                   <a:extLst>
                     <a:ext uri="{9D8B030D-6E8A-4147-A177-3AD203B41FA5}">
-                      <a16:colId xmlns="" xmlns:a16="http://schemas.microsoft.com/office/drawing/2014/main" val="20000"/>
+                      <a16:colId xmlns:a16="http://schemas.microsoft.com/office/drawing/2014/main" val="20000"/>
                     </a:ext>
                   </a:extLst>
                 </a:gridCol>
@@ -32238,7 +32238,7 @@
                 </a:tc>
                 <a:extLst>
                   <a:ext uri="{0D108BD9-81ED-4DB2-BD59-A6C34878D82A}">
-                    <a16:rowId xmlns="" xmlns:a16="http://schemas.microsoft.com/office/drawing/2014/main" val="10000"/>
+                    <a16:rowId xmlns:a16="http://schemas.microsoft.com/office/drawing/2014/main" val="10000"/>
                   </a:ext>
                 </a:extLst>
               </a:tr>
@@ -32273,7 +32273,7 @@
                 <a:gridCol w="1000125">
                   <a:extLst>
                     <a:ext uri="{9D8B030D-6E8A-4147-A177-3AD203B41FA5}">
-                      <a16:colId xmlns="" xmlns:a16="http://schemas.microsoft.com/office/drawing/2014/main" val="20000"/>
+                      <a16:colId xmlns:a16="http://schemas.microsoft.com/office/drawing/2014/main" val="20000"/>
                     </a:ext>
                   </a:extLst>
                 </a:gridCol>
@@ -32396,7 +32396,7 @@
                 </a:tc>
                 <a:extLst>
                   <a:ext uri="{0D108BD9-81ED-4DB2-BD59-A6C34878D82A}">
-                    <a16:rowId xmlns="" xmlns:a16="http://schemas.microsoft.com/office/drawing/2014/main" val="10000"/>
+                    <a16:rowId xmlns:a16="http://schemas.microsoft.com/office/drawing/2014/main" val="10000"/>
                   </a:ext>
                 </a:extLst>
               </a:tr>
@@ -32431,7 +32431,7 @@
                 <a:gridCol w="1000125">
                   <a:extLst>
                     <a:ext uri="{9D8B030D-6E8A-4147-A177-3AD203B41FA5}">
-                      <a16:colId xmlns="" xmlns:a16="http://schemas.microsoft.com/office/drawing/2014/main" val="20000"/>
+                      <a16:colId xmlns:a16="http://schemas.microsoft.com/office/drawing/2014/main" val="20000"/>
                     </a:ext>
                   </a:extLst>
                 </a:gridCol>
@@ -32539,7 +32539,7 @@
                 </a:tc>
                 <a:extLst>
                   <a:ext uri="{0D108BD9-81ED-4DB2-BD59-A6C34878D82A}">
-                    <a16:rowId xmlns="" xmlns:a16="http://schemas.microsoft.com/office/drawing/2014/main" val="10000"/>
+                    <a16:rowId xmlns:a16="http://schemas.microsoft.com/office/drawing/2014/main" val="10000"/>
                   </a:ext>
                 </a:extLst>
               </a:tr>
@@ -32574,7 +32574,7 @@
                 <a:gridCol w="1000125">
                   <a:extLst>
                     <a:ext uri="{9D8B030D-6E8A-4147-A177-3AD203B41FA5}">
-                      <a16:colId xmlns="" xmlns:a16="http://schemas.microsoft.com/office/drawing/2014/main" val="20000"/>
+                      <a16:colId xmlns:a16="http://schemas.microsoft.com/office/drawing/2014/main" val="20000"/>
                     </a:ext>
                   </a:extLst>
                 </a:gridCol>
@@ -32707,7 +32707,7 @@
                 </a:tc>
                 <a:extLst>
                   <a:ext uri="{0D108BD9-81ED-4DB2-BD59-A6C34878D82A}">
-                    <a16:rowId xmlns="" xmlns:a16="http://schemas.microsoft.com/office/drawing/2014/main" val="10000"/>
+                    <a16:rowId xmlns:a16="http://schemas.microsoft.com/office/drawing/2014/main" val="10000"/>
                   </a:ext>
                 </a:extLst>
               </a:tr>
@@ -32768,7 +32768,7 @@
                 <a:gridCol w="1000125">
                   <a:extLst>
                     <a:ext uri="{9D8B030D-6E8A-4147-A177-3AD203B41FA5}">
-                      <a16:colId xmlns="" xmlns:a16="http://schemas.microsoft.com/office/drawing/2014/main" val="20000"/>
+                      <a16:colId xmlns:a16="http://schemas.microsoft.com/office/drawing/2014/main" val="20000"/>
                     </a:ext>
                   </a:extLst>
                 </a:gridCol>
@@ -32891,7 +32891,7 @@
                 </a:tc>
                 <a:extLst>
                   <a:ext uri="{0D108BD9-81ED-4DB2-BD59-A6C34878D82A}">
-                    <a16:rowId xmlns="" xmlns:a16="http://schemas.microsoft.com/office/drawing/2014/main" val="10000"/>
+                    <a16:rowId xmlns:a16="http://schemas.microsoft.com/office/drawing/2014/main" val="10000"/>
                   </a:ext>
                 </a:extLst>
               </a:tr>
@@ -32926,7 +32926,7 @@
                 <a:gridCol w="1000125">
                   <a:extLst>
                     <a:ext uri="{9D8B030D-6E8A-4147-A177-3AD203B41FA5}">
-                      <a16:colId xmlns="" xmlns:a16="http://schemas.microsoft.com/office/drawing/2014/main" val="20000"/>
+                      <a16:colId xmlns:a16="http://schemas.microsoft.com/office/drawing/2014/main" val="20000"/>
                     </a:ext>
                   </a:extLst>
                 </a:gridCol>
@@ -33049,7 +33049,7 @@
                 </a:tc>
                 <a:extLst>
                   <a:ext uri="{0D108BD9-81ED-4DB2-BD59-A6C34878D82A}">
-                    <a16:rowId xmlns="" xmlns:a16="http://schemas.microsoft.com/office/drawing/2014/main" val="10000"/>
+                    <a16:rowId xmlns:a16="http://schemas.microsoft.com/office/drawing/2014/main" val="10000"/>
                   </a:ext>
                 </a:extLst>
               </a:tr>
@@ -38628,1203 +38628,1218 @@
       </p:grpSp>
       <p:grpSp>
         <p:nvGrpSpPr>
-          <p:cNvPr id="69" name="그룹 68"/>
+          <p:cNvPr id="4" name="Group 3"/>
           <p:cNvGrpSpPr/>
           <p:nvPr/>
         </p:nvGrpSpPr>
         <p:grpSpPr>
           <a:xfrm>
-            <a:off x="2667104" y="2813793"/>
-            <a:ext cx="420906" cy="390990"/>
-            <a:chOff x="2731553" y="1687731"/>
-            <a:chExt cx="815388" cy="757435"/>
+            <a:off x="2667104" y="2973300"/>
+            <a:ext cx="1775043" cy="1260940"/>
+            <a:chOff x="2667104" y="2813793"/>
+            <a:chExt cx="1775043" cy="1260940"/>
           </a:xfrm>
         </p:grpSpPr>
-        <p:sp>
-          <p:nvSpPr>
-            <p:cNvPr id="70" name="Rectangle 1"/>
-            <p:cNvSpPr/>
+        <p:grpSp>
+          <p:nvGrpSpPr>
+            <p:cNvPr id="69" name="그룹 68"/>
+            <p:cNvGrpSpPr/>
             <p:nvPr/>
-          </p:nvSpPr>
-          <p:spPr>
+          </p:nvGrpSpPr>
+          <p:grpSpPr>
             <a:xfrm>
-              <a:off x="2731553" y="1687731"/>
-              <a:ext cx="815388" cy="757435"/>
+              <a:off x="2667104" y="2813793"/>
+              <a:ext cx="420906" cy="390990"/>
+              <a:chOff x="2731553" y="1687731"/>
+              <a:chExt cx="815388" cy="757435"/>
             </a:xfrm>
-            <a:prstGeom prst="rect">
-              <a:avLst/>
-            </a:prstGeom>
-            <a:noFill/>
-            <a:ln w="12700">
-              <a:solidFill>
+          </p:grpSpPr>
+          <p:sp>
+            <p:nvSpPr>
+              <p:cNvPr id="70" name="Rectangle 1"/>
+              <p:cNvSpPr/>
+              <p:nvPr/>
+            </p:nvSpPr>
+            <p:spPr>
+              <a:xfrm>
+                <a:off x="2731553" y="1687731"/>
+                <a:ext cx="815388" cy="757435"/>
+              </a:xfrm>
+              <a:prstGeom prst="rect">
+                <a:avLst/>
+              </a:prstGeom>
+              <a:noFill/>
+              <a:ln w="12700">
+                <a:solidFill>
+                  <a:schemeClr val="tx1"/>
+                </a:solidFill>
+              </a:ln>
+            </p:spPr>
+            <p:style>
+              <a:lnRef idx="2">
+                <a:schemeClr val="accent1">
+                  <a:shade val="50000"/>
+                </a:schemeClr>
+              </a:lnRef>
+              <a:fillRef idx="1">
+                <a:schemeClr val="accent1"/>
+              </a:fillRef>
+              <a:effectRef idx="0">
+                <a:schemeClr val="accent1"/>
+              </a:effectRef>
+              <a:fontRef idx="minor">
+                <a:schemeClr val="lt1"/>
+              </a:fontRef>
+            </p:style>
+            <p:txBody>
+              <a:bodyPr rtlCol="0" anchor="ctr"/>
+              <a:lstStyle/>
+              <a:p>
+                <a:pPr algn="ctr"/>
+                <a:endParaRPr lang="ko-KR" altLang="en-US" sz="1050" dirty="0">
+                  <a:solidFill>
+                    <a:sysClr val="windowText" lastClr="000000"/>
+                  </a:solidFill>
+                </a:endParaRPr>
+              </a:p>
+            </p:txBody>
+          </p:sp>
+          <p:cxnSp>
+            <p:nvCxnSpPr>
+              <p:cNvPr id="71" name="직선 연결선 70"/>
+              <p:cNvCxnSpPr/>
+              <p:nvPr/>
+            </p:nvCxnSpPr>
+            <p:spPr>
+              <a:xfrm>
+                <a:off x="2731553" y="1687731"/>
+                <a:ext cx="815388" cy="757435"/>
+              </a:xfrm>
+              <a:prstGeom prst="line">
+                <a:avLst/>
+              </a:prstGeom>
+              <a:ln>
+                <a:solidFill>
+                  <a:schemeClr val="tx1"/>
+                </a:solidFill>
+              </a:ln>
+            </p:spPr>
+            <p:style>
+              <a:lnRef idx="1">
+                <a:schemeClr val="accent1"/>
+              </a:lnRef>
+              <a:fillRef idx="0">
+                <a:schemeClr val="accent1"/>
+              </a:fillRef>
+              <a:effectRef idx="0">
+                <a:schemeClr val="accent1"/>
+              </a:effectRef>
+              <a:fontRef idx="minor">
                 <a:schemeClr val="tx1"/>
-              </a:solidFill>
-            </a:ln>
-          </p:spPr>
-          <p:style>
-            <a:lnRef idx="2">
-              <a:schemeClr val="accent1">
-                <a:shade val="50000"/>
-              </a:schemeClr>
-            </a:lnRef>
-            <a:fillRef idx="1">
-              <a:schemeClr val="accent1"/>
-            </a:fillRef>
-            <a:effectRef idx="0">
-              <a:schemeClr val="accent1"/>
-            </a:effectRef>
-            <a:fontRef idx="minor">
-              <a:schemeClr val="lt1"/>
-            </a:fontRef>
-          </p:style>
-          <p:txBody>
-            <a:bodyPr rtlCol="0" anchor="ctr"/>
-            <a:lstStyle/>
-            <a:p>
-              <a:pPr algn="ctr"/>
-              <a:endParaRPr lang="ko-KR" altLang="en-US" sz="1050" dirty="0">
+              </a:fontRef>
+            </p:style>
+          </p:cxnSp>
+        </p:grpSp>
+        <p:grpSp>
+          <p:nvGrpSpPr>
+            <p:cNvPr id="72" name="그룹 71"/>
+            <p:cNvGrpSpPr/>
+            <p:nvPr/>
+          </p:nvGrpSpPr>
+          <p:grpSpPr>
+            <a:xfrm>
+              <a:off x="3114779" y="2813793"/>
+              <a:ext cx="420906" cy="390990"/>
+              <a:chOff x="2731553" y="1687731"/>
+              <a:chExt cx="815388" cy="757435"/>
+            </a:xfrm>
+          </p:grpSpPr>
+          <p:sp>
+            <p:nvSpPr>
+              <p:cNvPr id="73" name="Rectangle 1"/>
+              <p:cNvSpPr/>
+              <p:nvPr/>
+            </p:nvSpPr>
+            <p:spPr>
+              <a:xfrm>
+                <a:off x="2731553" y="1687731"/>
+                <a:ext cx="815388" cy="757435"/>
+              </a:xfrm>
+              <a:prstGeom prst="rect">
+                <a:avLst/>
+              </a:prstGeom>
+              <a:noFill/>
+              <a:ln w="12700">
                 <a:solidFill>
-                  <a:sysClr val="windowText" lastClr="000000"/>
+                  <a:schemeClr val="tx1"/>
                 </a:solidFill>
-              </a:endParaRPr>
-            </a:p>
-          </p:txBody>
-        </p:sp>
-        <p:cxnSp>
-          <p:nvCxnSpPr>
-            <p:cNvPr id="71" name="직선 연결선 70"/>
-            <p:cNvCxnSpPr/>
+              </a:ln>
+            </p:spPr>
+            <p:style>
+              <a:lnRef idx="2">
+                <a:schemeClr val="accent1">
+                  <a:shade val="50000"/>
+                </a:schemeClr>
+              </a:lnRef>
+              <a:fillRef idx="1">
+                <a:schemeClr val="accent1"/>
+              </a:fillRef>
+              <a:effectRef idx="0">
+                <a:schemeClr val="accent1"/>
+              </a:effectRef>
+              <a:fontRef idx="minor">
+                <a:schemeClr val="lt1"/>
+              </a:fontRef>
+            </p:style>
+            <p:txBody>
+              <a:bodyPr rtlCol="0" anchor="ctr"/>
+              <a:lstStyle/>
+              <a:p>
+                <a:pPr algn="ctr"/>
+                <a:endParaRPr lang="ko-KR" altLang="en-US" sz="1050" dirty="0">
+                  <a:solidFill>
+                    <a:sysClr val="windowText" lastClr="000000"/>
+                  </a:solidFill>
+                </a:endParaRPr>
+              </a:p>
+            </p:txBody>
+          </p:sp>
+          <p:cxnSp>
+            <p:nvCxnSpPr>
+              <p:cNvPr id="74" name="직선 연결선 73"/>
+              <p:cNvCxnSpPr/>
+              <p:nvPr/>
+            </p:nvCxnSpPr>
+            <p:spPr>
+              <a:xfrm>
+                <a:off x="2731553" y="1687731"/>
+                <a:ext cx="815388" cy="757435"/>
+              </a:xfrm>
+              <a:prstGeom prst="line">
+                <a:avLst/>
+              </a:prstGeom>
+              <a:ln>
+                <a:solidFill>
+                  <a:schemeClr val="tx1"/>
+                </a:solidFill>
+              </a:ln>
+            </p:spPr>
+            <p:style>
+              <a:lnRef idx="1">
+                <a:schemeClr val="accent1"/>
+              </a:lnRef>
+              <a:fillRef idx="0">
+                <a:schemeClr val="accent1"/>
+              </a:fillRef>
+              <a:effectRef idx="0">
+                <a:schemeClr val="accent1"/>
+              </a:effectRef>
+              <a:fontRef idx="minor">
+                <a:schemeClr val="tx1"/>
+              </a:fontRef>
+            </p:style>
+          </p:cxnSp>
+        </p:grpSp>
+        <p:grpSp>
+          <p:nvGrpSpPr>
+            <p:cNvPr id="75" name="그룹 74"/>
+            <p:cNvGrpSpPr/>
             <p:nvPr/>
-          </p:nvCxnSpPr>
-          <p:spPr>
+          </p:nvGrpSpPr>
+          <p:grpSpPr>
             <a:xfrm>
-              <a:off x="2731553" y="1687731"/>
-              <a:ext cx="815388" cy="757435"/>
+              <a:off x="3562454" y="2813793"/>
+              <a:ext cx="420906" cy="390990"/>
+              <a:chOff x="2731553" y="1687731"/>
+              <a:chExt cx="815388" cy="757435"/>
             </a:xfrm>
-            <a:prstGeom prst="line">
-              <a:avLst/>
-            </a:prstGeom>
-            <a:ln>
-              <a:solidFill>
+          </p:grpSpPr>
+          <p:sp>
+            <p:nvSpPr>
+              <p:cNvPr id="76" name="Rectangle 1"/>
+              <p:cNvSpPr/>
+              <p:nvPr/>
+            </p:nvSpPr>
+            <p:spPr>
+              <a:xfrm>
+                <a:off x="2731553" y="1687731"/>
+                <a:ext cx="815388" cy="757435"/>
+              </a:xfrm>
+              <a:prstGeom prst="rect">
+                <a:avLst/>
+              </a:prstGeom>
+              <a:noFill/>
+              <a:ln w="12700">
+                <a:solidFill>
+                  <a:schemeClr val="tx1"/>
+                </a:solidFill>
+              </a:ln>
+            </p:spPr>
+            <p:style>
+              <a:lnRef idx="2">
+                <a:schemeClr val="accent1">
+                  <a:shade val="50000"/>
+                </a:schemeClr>
+              </a:lnRef>
+              <a:fillRef idx="1">
+                <a:schemeClr val="accent1"/>
+              </a:fillRef>
+              <a:effectRef idx="0">
+                <a:schemeClr val="accent1"/>
+              </a:effectRef>
+              <a:fontRef idx="minor">
+                <a:schemeClr val="lt1"/>
+              </a:fontRef>
+            </p:style>
+            <p:txBody>
+              <a:bodyPr rtlCol="0" anchor="ctr"/>
+              <a:lstStyle/>
+              <a:p>
+                <a:pPr algn="ctr"/>
+                <a:endParaRPr lang="ko-KR" altLang="en-US" sz="1050" dirty="0">
+                  <a:solidFill>
+                    <a:sysClr val="windowText" lastClr="000000"/>
+                  </a:solidFill>
+                </a:endParaRPr>
+              </a:p>
+            </p:txBody>
+          </p:sp>
+          <p:cxnSp>
+            <p:nvCxnSpPr>
+              <p:cNvPr id="77" name="직선 연결선 76"/>
+              <p:cNvCxnSpPr/>
+              <p:nvPr/>
+            </p:nvCxnSpPr>
+            <p:spPr>
+              <a:xfrm>
+                <a:off x="2731553" y="1687731"/>
+                <a:ext cx="815388" cy="757435"/>
+              </a:xfrm>
+              <a:prstGeom prst="line">
+                <a:avLst/>
+              </a:prstGeom>
+              <a:ln>
+                <a:solidFill>
+                  <a:schemeClr val="tx1"/>
+                </a:solidFill>
+              </a:ln>
+            </p:spPr>
+            <p:style>
+              <a:lnRef idx="1">
+                <a:schemeClr val="accent1"/>
+              </a:lnRef>
+              <a:fillRef idx="0">
+                <a:schemeClr val="accent1"/>
+              </a:fillRef>
+              <a:effectRef idx="0">
+                <a:schemeClr val="accent1"/>
+              </a:effectRef>
+              <a:fontRef idx="minor">
                 <a:schemeClr val="tx1"/>
-              </a:solidFill>
-            </a:ln>
-          </p:spPr>
-          <p:style>
-            <a:lnRef idx="1">
-              <a:schemeClr val="accent1"/>
-            </a:lnRef>
-            <a:fillRef idx="0">
-              <a:schemeClr val="accent1"/>
-            </a:fillRef>
-            <a:effectRef idx="0">
-              <a:schemeClr val="accent1"/>
-            </a:effectRef>
-            <a:fontRef idx="minor">
-              <a:schemeClr val="tx1"/>
-            </a:fontRef>
-          </p:style>
-        </p:cxnSp>
-      </p:grpSp>
-      <p:grpSp>
-        <p:nvGrpSpPr>
-          <p:cNvPr id="72" name="그룹 71"/>
-          <p:cNvGrpSpPr/>
-          <p:nvPr/>
-        </p:nvGrpSpPr>
-        <p:grpSpPr>
-          <a:xfrm>
-            <a:off x="3114779" y="2813793"/>
-            <a:ext cx="420906" cy="390990"/>
-            <a:chOff x="2731553" y="1687731"/>
-            <a:chExt cx="815388" cy="757435"/>
-          </a:xfrm>
-        </p:grpSpPr>
-        <p:sp>
-          <p:nvSpPr>
-            <p:cNvPr id="73" name="Rectangle 1"/>
-            <p:cNvSpPr/>
+              </a:fontRef>
+            </p:style>
+          </p:cxnSp>
+        </p:grpSp>
+        <p:grpSp>
+          <p:nvGrpSpPr>
+            <p:cNvPr id="78" name="그룹 77"/>
+            <p:cNvGrpSpPr/>
             <p:nvPr/>
-          </p:nvSpPr>
-          <p:spPr>
+          </p:nvGrpSpPr>
+          <p:grpSpPr>
             <a:xfrm>
-              <a:off x="2731553" y="1687731"/>
-              <a:ext cx="815388" cy="757435"/>
+              <a:off x="4010129" y="2813793"/>
+              <a:ext cx="420906" cy="390990"/>
+              <a:chOff x="2731553" y="1687731"/>
+              <a:chExt cx="815388" cy="757435"/>
             </a:xfrm>
-            <a:prstGeom prst="rect">
-              <a:avLst/>
-            </a:prstGeom>
-            <a:noFill/>
-            <a:ln w="12700">
-              <a:solidFill>
+          </p:grpSpPr>
+          <p:sp>
+            <p:nvSpPr>
+              <p:cNvPr id="79" name="Rectangle 1"/>
+              <p:cNvSpPr/>
+              <p:nvPr/>
+            </p:nvSpPr>
+            <p:spPr>
+              <a:xfrm>
+                <a:off x="2731553" y="1687731"/>
+                <a:ext cx="815388" cy="757435"/>
+              </a:xfrm>
+              <a:prstGeom prst="rect">
+                <a:avLst/>
+              </a:prstGeom>
+              <a:noFill/>
+              <a:ln w="12700">
+                <a:solidFill>
+                  <a:schemeClr val="tx1"/>
+                </a:solidFill>
+              </a:ln>
+            </p:spPr>
+            <p:style>
+              <a:lnRef idx="2">
+                <a:schemeClr val="accent1">
+                  <a:shade val="50000"/>
+                </a:schemeClr>
+              </a:lnRef>
+              <a:fillRef idx="1">
+                <a:schemeClr val="accent1"/>
+              </a:fillRef>
+              <a:effectRef idx="0">
+                <a:schemeClr val="accent1"/>
+              </a:effectRef>
+              <a:fontRef idx="minor">
+                <a:schemeClr val="lt1"/>
+              </a:fontRef>
+            </p:style>
+            <p:txBody>
+              <a:bodyPr rtlCol="0" anchor="ctr"/>
+              <a:lstStyle/>
+              <a:p>
+                <a:pPr algn="ctr"/>
+                <a:endParaRPr lang="ko-KR" altLang="en-US" sz="1050" dirty="0">
+                  <a:solidFill>
+                    <a:sysClr val="windowText" lastClr="000000"/>
+                  </a:solidFill>
+                </a:endParaRPr>
+              </a:p>
+            </p:txBody>
+          </p:sp>
+          <p:cxnSp>
+            <p:nvCxnSpPr>
+              <p:cNvPr id="80" name="직선 연결선 79"/>
+              <p:cNvCxnSpPr/>
+              <p:nvPr/>
+            </p:nvCxnSpPr>
+            <p:spPr>
+              <a:xfrm>
+                <a:off x="2731553" y="1687731"/>
+                <a:ext cx="815388" cy="757435"/>
+              </a:xfrm>
+              <a:prstGeom prst="line">
+                <a:avLst/>
+              </a:prstGeom>
+              <a:ln>
+                <a:solidFill>
+                  <a:schemeClr val="tx1"/>
+                </a:solidFill>
+              </a:ln>
+            </p:spPr>
+            <p:style>
+              <a:lnRef idx="1">
+                <a:schemeClr val="accent1"/>
+              </a:lnRef>
+              <a:fillRef idx="0">
+                <a:schemeClr val="accent1"/>
+              </a:fillRef>
+              <a:effectRef idx="0">
+                <a:schemeClr val="accent1"/>
+              </a:effectRef>
+              <a:fontRef idx="minor">
                 <a:schemeClr val="tx1"/>
-              </a:solidFill>
-            </a:ln>
-          </p:spPr>
-          <p:style>
-            <a:lnRef idx="2">
-              <a:schemeClr val="accent1">
-                <a:shade val="50000"/>
-              </a:schemeClr>
-            </a:lnRef>
-            <a:fillRef idx="1">
-              <a:schemeClr val="accent1"/>
-            </a:fillRef>
-            <a:effectRef idx="0">
-              <a:schemeClr val="accent1"/>
-            </a:effectRef>
-            <a:fontRef idx="minor">
-              <a:schemeClr val="lt1"/>
-            </a:fontRef>
-          </p:style>
-          <p:txBody>
-            <a:bodyPr rtlCol="0" anchor="ctr"/>
-            <a:lstStyle/>
-            <a:p>
-              <a:pPr algn="ctr"/>
-              <a:endParaRPr lang="ko-KR" altLang="en-US" sz="1050" dirty="0">
+              </a:fontRef>
+            </p:style>
+          </p:cxnSp>
+        </p:grpSp>
+        <p:grpSp>
+          <p:nvGrpSpPr>
+            <p:cNvPr id="131" name="그룹 130"/>
+            <p:cNvGrpSpPr/>
+            <p:nvPr/>
+          </p:nvGrpSpPr>
+          <p:grpSpPr>
+            <a:xfrm>
+              <a:off x="2673454" y="3242756"/>
+              <a:ext cx="420906" cy="390990"/>
+              <a:chOff x="2731553" y="1687731"/>
+              <a:chExt cx="815388" cy="757435"/>
+            </a:xfrm>
+          </p:grpSpPr>
+          <p:sp>
+            <p:nvSpPr>
+              <p:cNvPr id="132" name="Rectangle 1"/>
+              <p:cNvSpPr/>
+              <p:nvPr/>
+            </p:nvSpPr>
+            <p:spPr>
+              <a:xfrm>
+                <a:off x="2731553" y="1687731"/>
+                <a:ext cx="815388" cy="757435"/>
+              </a:xfrm>
+              <a:prstGeom prst="rect">
+                <a:avLst/>
+              </a:prstGeom>
+              <a:noFill/>
+              <a:ln w="12700">
                 <a:solidFill>
-                  <a:sysClr val="windowText" lastClr="000000"/>
+                  <a:schemeClr val="tx1"/>
                 </a:solidFill>
-              </a:endParaRPr>
-            </a:p>
-          </p:txBody>
-        </p:sp>
-        <p:cxnSp>
-          <p:nvCxnSpPr>
-            <p:cNvPr id="74" name="직선 연결선 73"/>
-            <p:cNvCxnSpPr/>
+              </a:ln>
+            </p:spPr>
+            <p:style>
+              <a:lnRef idx="2">
+                <a:schemeClr val="accent1">
+                  <a:shade val="50000"/>
+                </a:schemeClr>
+              </a:lnRef>
+              <a:fillRef idx="1">
+                <a:schemeClr val="accent1"/>
+              </a:fillRef>
+              <a:effectRef idx="0">
+                <a:schemeClr val="accent1"/>
+              </a:effectRef>
+              <a:fontRef idx="minor">
+                <a:schemeClr val="lt1"/>
+              </a:fontRef>
+            </p:style>
+            <p:txBody>
+              <a:bodyPr rtlCol="0" anchor="ctr"/>
+              <a:lstStyle/>
+              <a:p>
+                <a:pPr algn="ctr"/>
+                <a:endParaRPr lang="ko-KR" altLang="en-US" sz="1050" dirty="0">
+                  <a:solidFill>
+                    <a:sysClr val="windowText" lastClr="000000"/>
+                  </a:solidFill>
+                </a:endParaRPr>
+              </a:p>
+            </p:txBody>
+          </p:sp>
+          <p:cxnSp>
+            <p:nvCxnSpPr>
+              <p:cNvPr id="133" name="직선 연결선 132"/>
+              <p:cNvCxnSpPr/>
+              <p:nvPr/>
+            </p:nvCxnSpPr>
+            <p:spPr>
+              <a:xfrm>
+                <a:off x="2731553" y="1687731"/>
+                <a:ext cx="815388" cy="757435"/>
+              </a:xfrm>
+              <a:prstGeom prst="line">
+                <a:avLst/>
+              </a:prstGeom>
+              <a:ln>
+                <a:solidFill>
+                  <a:schemeClr val="tx1"/>
+                </a:solidFill>
+              </a:ln>
+            </p:spPr>
+            <p:style>
+              <a:lnRef idx="1">
+                <a:schemeClr val="accent1"/>
+              </a:lnRef>
+              <a:fillRef idx="0">
+                <a:schemeClr val="accent1"/>
+              </a:fillRef>
+              <a:effectRef idx="0">
+                <a:schemeClr val="accent1"/>
+              </a:effectRef>
+              <a:fontRef idx="minor">
+                <a:schemeClr val="tx1"/>
+              </a:fontRef>
+            </p:style>
+          </p:cxnSp>
+        </p:grpSp>
+        <p:grpSp>
+          <p:nvGrpSpPr>
+            <p:cNvPr id="134" name="그룹 133"/>
+            <p:cNvGrpSpPr/>
             <p:nvPr/>
-          </p:nvCxnSpPr>
-          <p:spPr>
+          </p:nvGrpSpPr>
+          <p:grpSpPr>
             <a:xfrm>
-              <a:off x="2731553" y="1687731"/>
-              <a:ext cx="815388" cy="757435"/>
+              <a:off x="3121129" y="3242756"/>
+              <a:ext cx="420906" cy="390990"/>
+              <a:chOff x="2731553" y="1687731"/>
+              <a:chExt cx="815388" cy="757435"/>
             </a:xfrm>
-            <a:prstGeom prst="line">
-              <a:avLst/>
-            </a:prstGeom>
-            <a:ln>
-              <a:solidFill>
+          </p:grpSpPr>
+          <p:sp>
+            <p:nvSpPr>
+              <p:cNvPr id="135" name="Rectangle 1"/>
+              <p:cNvSpPr/>
+              <p:nvPr/>
+            </p:nvSpPr>
+            <p:spPr>
+              <a:xfrm>
+                <a:off x="2731553" y="1687731"/>
+                <a:ext cx="815388" cy="757435"/>
+              </a:xfrm>
+              <a:prstGeom prst="rect">
+                <a:avLst/>
+              </a:prstGeom>
+              <a:noFill/>
+              <a:ln w="12700">
+                <a:solidFill>
+                  <a:schemeClr val="tx1"/>
+                </a:solidFill>
+              </a:ln>
+            </p:spPr>
+            <p:style>
+              <a:lnRef idx="2">
+                <a:schemeClr val="accent1">
+                  <a:shade val="50000"/>
+                </a:schemeClr>
+              </a:lnRef>
+              <a:fillRef idx="1">
+                <a:schemeClr val="accent1"/>
+              </a:fillRef>
+              <a:effectRef idx="0">
+                <a:schemeClr val="accent1"/>
+              </a:effectRef>
+              <a:fontRef idx="minor">
+                <a:schemeClr val="lt1"/>
+              </a:fontRef>
+            </p:style>
+            <p:txBody>
+              <a:bodyPr rtlCol="0" anchor="ctr"/>
+              <a:lstStyle/>
+              <a:p>
+                <a:pPr algn="ctr"/>
+                <a:endParaRPr lang="ko-KR" altLang="en-US" sz="1050" dirty="0">
+                  <a:solidFill>
+                    <a:sysClr val="windowText" lastClr="000000"/>
+                  </a:solidFill>
+                </a:endParaRPr>
+              </a:p>
+            </p:txBody>
+          </p:sp>
+          <p:cxnSp>
+            <p:nvCxnSpPr>
+              <p:cNvPr id="136" name="직선 연결선 135"/>
+              <p:cNvCxnSpPr/>
+              <p:nvPr/>
+            </p:nvCxnSpPr>
+            <p:spPr>
+              <a:xfrm>
+                <a:off x="2731553" y="1687731"/>
+                <a:ext cx="815388" cy="757435"/>
+              </a:xfrm>
+              <a:prstGeom prst="line">
+                <a:avLst/>
+              </a:prstGeom>
+              <a:ln>
+                <a:solidFill>
+                  <a:schemeClr val="tx1"/>
+                </a:solidFill>
+              </a:ln>
+            </p:spPr>
+            <p:style>
+              <a:lnRef idx="1">
+                <a:schemeClr val="accent1"/>
+              </a:lnRef>
+              <a:fillRef idx="0">
+                <a:schemeClr val="accent1"/>
+              </a:fillRef>
+              <a:effectRef idx="0">
+                <a:schemeClr val="accent1"/>
+              </a:effectRef>
+              <a:fontRef idx="minor">
                 <a:schemeClr val="tx1"/>
-              </a:solidFill>
-            </a:ln>
-          </p:spPr>
-          <p:style>
-            <a:lnRef idx="1">
-              <a:schemeClr val="accent1"/>
-            </a:lnRef>
-            <a:fillRef idx="0">
-              <a:schemeClr val="accent1"/>
-            </a:fillRef>
-            <a:effectRef idx="0">
-              <a:schemeClr val="accent1"/>
-            </a:effectRef>
-            <a:fontRef idx="minor">
-              <a:schemeClr val="tx1"/>
-            </a:fontRef>
-          </p:style>
-        </p:cxnSp>
-      </p:grpSp>
-      <p:grpSp>
-        <p:nvGrpSpPr>
-          <p:cNvPr id="75" name="그룹 74"/>
-          <p:cNvGrpSpPr/>
-          <p:nvPr/>
-        </p:nvGrpSpPr>
-        <p:grpSpPr>
-          <a:xfrm>
-            <a:off x="3562454" y="2813793"/>
-            <a:ext cx="420906" cy="390990"/>
-            <a:chOff x="2731553" y="1687731"/>
-            <a:chExt cx="815388" cy="757435"/>
-          </a:xfrm>
-        </p:grpSpPr>
-        <p:sp>
-          <p:nvSpPr>
-            <p:cNvPr id="76" name="Rectangle 1"/>
-            <p:cNvSpPr/>
+              </a:fontRef>
+            </p:style>
+          </p:cxnSp>
+        </p:grpSp>
+        <p:grpSp>
+          <p:nvGrpSpPr>
+            <p:cNvPr id="137" name="그룹 136"/>
+            <p:cNvGrpSpPr/>
             <p:nvPr/>
-          </p:nvSpPr>
-          <p:spPr>
+          </p:nvGrpSpPr>
+          <p:grpSpPr>
             <a:xfrm>
-              <a:off x="2731553" y="1687731"/>
-              <a:ext cx="815388" cy="757435"/>
+              <a:off x="3571185" y="3242756"/>
+              <a:ext cx="420906" cy="390990"/>
+              <a:chOff x="2731553" y="1687731"/>
+              <a:chExt cx="815388" cy="757435"/>
             </a:xfrm>
-            <a:prstGeom prst="rect">
-              <a:avLst/>
-            </a:prstGeom>
-            <a:noFill/>
-            <a:ln w="12700">
-              <a:solidFill>
+          </p:grpSpPr>
+          <p:sp>
+            <p:nvSpPr>
+              <p:cNvPr id="138" name="Rectangle 1"/>
+              <p:cNvSpPr/>
+              <p:nvPr/>
+            </p:nvSpPr>
+            <p:spPr>
+              <a:xfrm>
+                <a:off x="2731553" y="1687731"/>
+                <a:ext cx="815388" cy="757435"/>
+              </a:xfrm>
+              <a:prstGeom prst="rect">
+                <a:avLst/>
+              </a:prstGeom>
+              <a:noFill/>
+              <a:ln w="12700">
+                <a:solidFill>
+                  <a:schemeClr val="tx1"/>
+                </a:solidFill>
+              </a:ln>
+            </p:spPr>
+            <p:style>
+              <a:lnRef idx="2">
+                <a:schemeClr val="accent1">
+                  <a:shade val="50000"/>
+                </a:schemeClr>
+              </a:lnRef>
+              <a:fillRef idx="1">
+                <a:schemeClr val="accent1"/>
+              </a:fillRef>
+              <a:effectRef idx="0">
+                <a:schemeClr val="accent1"/>
+              </a:effectRef>
+              <a:fontRef idx="minor">
+                <a:schemeClr val="lt1"/>
+              </a:fontRef>
+            </p:style>
+            <p:txBody>
+              <a:bodyPr rtlCol="0" anchor="ctr"/>
+              <a:lstStyle/>
+              <a:p>
+                <a:pPr algn="ctr"/>
+                <a:endParaRPr lang="ko-KR" altLang="en-US" sz="1050" dirty="0">
+                  <a:solidFill>
+                    <a:sysClr val="windowText" lastClr="000000"/>
+                  </a:solidFill>
+                </a:endParaRPr>
+              </a:p>
+            </p:txBody>
+          </p:sp>
+          <p:cxnSp>
+            <p:nvCxnSpPr>
+              <p:cNvPr id="139" name="직선 연결선 138"/>
+              <p:cNvCxnSpPr/>
+              <p:nvPr/>
+            </p:nvCxnSpPr>
+            <p:spPr>
+              <a:xfrm>
+                <a:off x="2731553" y="1687731"/>
+                <a:ext cx="815388" cy="757435"/>
+              </a:xfrm>
+              <a:prstGeom prst="line">
+                <a:avLst/>
+              </a:prstGeom>
+              <a:ln>
+                <a:solidFill>
+                  <a:schemeClr val="tx1"/>
+                </a:solidFill>
+              </a:ln>
+            </p:spPr>
+            <p:style>
+              <a:lnRef idx="1">
+                <a:schemeClr val="accent1"/>
+              </a:lnRef>
+              <a:fillRef idx="0">
+                <a:schemeClr val="accent1"/>
+              </a:fillRef>
+              <a:effectRef idx="0">
+                <a:schemeClr val="accent1"/>
+              </a:effectRef>
+              <a:fontRef idx="minor">
                 <a:schemeClr val="tx1"/>
-              </a:solidFill>
-            </a:ln>
-          </p:spPr>
-          <p:style>
-            <a:lnRef idx="2">
-              <a:schemeClr val="accent1">
-                <a:shade val="50000"/>
-              </a:schemeClr>
-            </a:lnRef>
-            <a:fillRef idx="1">
-              <a:schemeClr val="accent1"/>
-            </a:fillRef>
-            <a:effectRef idx="0">
-              <a:schemeClr val="accent1"/>
-            </a:effectRef>
-            <a:fontRef idx="minor">
-              <a:schemeClr val="lt1"/>
-            </a:fontRef>
-          </p:style>
-          <p:txBody>
-            <a:bodyPr rtlCol="0" anchor="ctr"/>
-            <a:lstStyle/>
-            <a:p>
-              <a:pPr algn="ctr"/>
-              <a:endParaRPr lang="ko-KR" altLang="en-US" sz="1050" dirty="0">
+              </a:fontRef>
+            </p:style>
+          </p:cxnSp>
+        </p:grpSp>
+        <p:grpSp>
+          <p:nvGrpSpPr>
+            <p:cNvPr id="140" name="그룹 139"/>
+            <p:cNvGrpSpPr/>
+            <p:nvPr/>
+          </p:nvGrpSpPr>
+          <p:grpSpPr>
+            <a:xfrm>
+              <a:off x="4021241" y="3242756"/>
+              <a:ext cx="420906" cy="390990"/>
+              <a:chOff x="2731553" y="1687731"/>
+              <a:chExt cx="815388" cy="757435"/>
+            </a:xfrm>
+          </p:grpSpPr>
+          <p:sp>
+            <p:nvSpPr>
+              <p:cNvPr id="141" name="Rectangle 1"/>
+              <p:cNvSpPr/>
+              <p:nvPr/>
+            </p:nvSpPr>
+            <p:spPr>
+              <a:xfrm>
+                <a:off x="2731553" y="1687731"/>
+                <a:ext cx="815388" cy="757435"/>
+              </a:xfrm>
+              <a:prstGeom prst="rect">
+                <a:avLst/>
+              </a:prstGeom>
+              <a:noFill/>
+              <a:ln w="12700">
                 <a:solidFill>
-                  <a:sysClr val="windowText" lastClr="000000"/>
+                  <a:schemeClr val="tx1"/>
                 </a:solidFill>
-              </a:endParaRPr>
-            </a:p>
-          </p:txBody>
-        </p:sp>
-        <p:cxnSp>
-          <p:nvCxnSpPr>
-            <p:cNvPr id="77" name="직선 연결선 76"/>
-            <p:cNvCxnSpPr/>
+              </a:ln>
+            </p:spPr>
+            <p:style>
+              <a:lnRef idx="2">
+                <a:schemeClr val="accent1">
+                  <a:shade val="50000"/>
+                </a:schemeClr>
+              </a:lnRef>
+              <a:fillRef idx="1">
+                <a:schemeClr val="accent1"/>
+              </a:fillRef>
+              <a:effectRef idx="0">
+                <a:schemeClr val="accent1"/>
+              </a:effectRef>
+              <a:fontRef idx="minor">
+                <a:schemeClr val="lt1"/>
+              </a:fontRef>
+            </p:style>
+            <p:txBody>
+              <a:bodyPr rtlCol="0" anchor="ctr"/>
+              <a:lstStyle/>
+              <a:p>
+                <a:pPr algn="ctr"/>
+                <a:endParaRPr lang="ko-KR" altLang="en-US" sz="1050" dirty="0">
+                  <a:solidFill>
+                    <a:sysClr val="windowText" lastClr="000000"/>
+                  </a:solidFill>
+                </a:endParaRPr>
+              </a:p>
+            </p:txBody>
+          </p:sp>
+          <p:cxnSp>
+            <p:nvCxnSpPr>
+              <p:cNvPr id="142" name="직선 연결선 141"/>
+              <p:cNvCxnSpPr/>
+              <p:nvPr/>
+            </p:nvCxnSpPr>
+            <p:spPr>
+              <a:xfrm>
+                <a:off x="2731553" y="1687731"/>
+                <a:ext cx="815388" cy="757435"/>
+              </a:xfrm>
+              <a:prstGeom prst="line">
+                <a:avLst/>
+              </a:prstGeom>
+              <a:ln>
+                <a:solidFill>
+                  <a:schemeClr val="tx1"/>
+                </a:solidFill>
+              </a:ln>
+            </p:spPr>
+            <p:style>
+              <a:lnRef idx="1">
+                <a:schemeClr val="accent1"/>
+              </a:lnRef>
+              <a:fillRef idx="0">
+                <a:schemeClr val="accent1"/>
+              </a:fillRef>
+              <a:effectRef idx="0">
+                <a:schemeClr val="accent1"/>
+              </a:effectRef>
+              <a:fontRef idx="minor">
+                <a:schemeClr val="tx1"/>
+              </a:fontRef>
+            </p:style>
+          </p:cxnSp>
+        </p:grpSp>
+        <p:grpSp>
+          <p:nvGrpSpPr>
+            <p:cNvPr id="143" name="그룹 142"/>
+            <p:cNvGrpSpPr/>
             <p:nvPr/>
-          </p:nvCxnSpPr>
-          <p:spPr>
+          </p:nvGrpSpPr>
+          <p:grpSpPr>
             <a:xfrm>
-              <a:off x="2731553" y="1687731"/>
-              <a:ext cx="815388" cy="757435"/>
+              <a:off x="2673454" y="3683743"/>
+              <a:ext cx="420906" cy="390990"/>
+              <a:chOff x="2731553" y="1687731"/>
+              <a:chExt cx="815388" cy="757435"/>
             </a:xfrm>
-            <a:prstGeom prst="line">
-              <a:avLst/>
-            </a:prstGeom>
-            <a:ln>
-              <a:solidFill>
+          </p:grpSpPr>
+          <p:sp>
+            <p:nvSpPr>
+              <p:cNvPr id="144" name="Rectangle 1"/>
+              <p:cNvSpPr/>
+              <p:nvPr/>
+            </p:nvSpPr>
+            <p:spPr>
+              <a:xfrm>
+                <a:off x="2731553" y="1687731"/>
+                <a:ext cx="815388" cy="757435"/>
+              </a:xfrm>
+              <a:prstGeom prst="rect">
+                <a:avLst/>
+              </a:prstGeom>
+              <a:noFill/>
+              <a:ln w="12700">
+                <a:solidFill>
+                  <a:schemeClr val="tx1"/>
+                </a:solidFill>
+              </a:ln>
+            </p:spPr>
+            <p:style>
+              <a:lnRef idx="2">
+                <a:schemeClr val="accent1">
+                  <a:shade val="50000"/>
+                </a:schemeClr>
+              </a:lnRef>
+              <a:fillRef idx="1">
+                <a:schemeClr val="accent1"/>
+              </a:fillRef>
+              <a:effectRef idx="0">
+                <a:schemeClr val="accent1"/>
+              </a:effectRef>
+              <a:fontRef idx="minor">
+                <a:schemeClr val="lt1"/>
+              </a:fontRef>
+            </p:style>
+            <p:txBody>
+              <a:bodyPr rtlCol="0" anchor="ctr"/>
+              <a:lstStyle/>
+              <a:p>
+                <a:pPr algn="ctr"/>
+                <a:endParaRPr lang="ko-KR" altLang="en-US" sz="1050" dirty="0">
+                  <a:solidFill>
+                    <a:sysClr val="windowText" lastClr="000000"/>
+                  </a:solidFill>
+                </a:endParaRPr>
+              </a:p>
+            </p:txBody>
+          </p:sp>
+          <p:cxnSp>
+            <p:nvCxnSpPr>
+              <p:cNvPr id="145" name="직선 연결선 144"/>
+              <p:cNvCxnSpPr/>
+              <p:nvPr/>
+            </p:nvCxnSpPr>
+            <p:spPr>
+              <a:xfrm>
+                <a:off x="2731553" y="1687731"/>
+                <a:ext cx="815388" cy="757435"/>
+              </a:xfrm>
+              <a:prstGeom prst="line">
+                <a:avLst/>
+              </a:prstGeom>
+              <a:ln>
+                <a:solidFill>
+                  <a:schemeClr val="tx1"/>
+                </a:solidFill>
+              </a:ln>
+            </p:spPr>
+            <p:style>
+              <a:lnRef idx="1">
+                <a:schemeClr val="accent1"/>
+              </a:lnRef>
+              <a:fillRef idx="0">
+                <a:schemeClr val="accent1"/>
+              </a:fillRef>
+              <a:effectRef idx="0">
+                <a:schemeClr val="accent1"/>
+              </a:effectRef>
+              <a:fontRef idx="minor">
                 <a:schemeClr val="tx1"/>
-              </a:solidFill>
-            </a:ln>
-          </p:spPr>
-          <p:style>
-            <a:lnRef idx="1">
-              <a:schemeClr val="accent1"/>
-            </a:lnRef>
-            <a:fillRef idx="0">
-              <a:schemeClr val="accent1"/>
-            </a:fillRef>
-            <a:effectRef idx="0">
-              <a:schemeClr val="accent1"/>
-            </a:effectRef>
-            <a:fontRef idx="minor">
-              <a:schemeClr val="tx1"/>
-            </a:fontRef>
-          </p:style>
-        </p:cxnSp>
-      </p:grpSp>
-      <p:grpSp>
-        <p:nvGrpSpPr>
-          <p:cNvPr id="78" name="그룹 77"/>
-          <p:cNvGrpSpPr/>
-          <p:nvPr/>
-        </p:nvGrpSpPr>
-        <p:grpSpPr>
-          <a:xfrm>
-            <a:off x="4010129" y="2813793"/>
-            <a:ext cx="420906" cy="390990"/>
-            <a:chOff x="2731553" y="1687731"/>
-            <a:chExt cx="815388" cy="757435"/>
-          </a:xfrm>
-        </p:grpSpPr>
-        <p:sp>
-          <p:nvSpPr>
-            <p:cNvPr id="79" name="Rectangle 1"/>
-            <p:cNvSpPr/>
+              </a:fontRef>
+            </p:style>
+          </p:cxnSp>
+        </p:grpSp>
+        <p:grpSp>
+          <p:nvGrpSpPr>
+            <p:cNvPr id="146" name="그룹 145"/>
+            <p:cNvGrpSpPr/>
             <p:nvPr/>
-          </p:nvSpPr>
-          <p:spPr>
+          </p:nvGrpSpPr>
+          <p:grpSpPr>
             <a:xfrm>
-              <a:off x="2731553" y="1687731"/>
-              <a:ext cx="815388" cy="757435"/>
+              <a:off x="3121129" y="3683743"/>
+              <a:ext cx="420906" cy="390990"/>
+              <a:chOff x="2731553" y="1687731"/>
+              <a:chExt cx="815388" cy="757435"/>
             </a:xfrm>
-            <a:prstGeom prst="rect">
-              <a:avLst/>
-            </a:prstGeom>
-            <a:noFill/>
-            <a:ln w="12700">
-              <a:solidFill>
+          </p:grpSpPr>
+          <p:sp>
+            <p:nvSpPr>
+              <p:cNvPr id="147" name="Rectangle 1"/>
+              <p:cNvSpPr/>
+              <p:nvPr/>
+            </p:nvSpPr>
+            <p:spPr>
+              <a:xfrm>
+                <a:off x="2731553" y="1687731"/>
+                <a:ext cx="815388" cy="757435"/>
+              </a:xfrm>
+              <a:prstGeom prst="rect">
+                <a:avLst/>
+              </a:prstGeom>
+              <a:noFill/>
+              <a:ln w="12700">
+                <a:solidFill>
+                  <a:schemeClr val="tx1"/>
+                </a:solidFill>
+              </a:ln>
+            </p:spPr>
+            <p:style>
+              <a:lnRef idx="2">
+                <a:schemeClr val="accent1">
+                  <a:shade val="50000"/>
+                </a:schemeClr>
+              </a:lnRef>
+              <a:fillRef idx="1">
+                <a:schemeClr val="accent1"/>
+              </a:fillRef>
+              <a:effectRef idx="0">
+                <a:schemeClr val="accent1"/>
+              </a:effectRef>
+              <a:fontRef idx="minor">
+                <a:schemeClr val="lt1"/>
+              </a:fontRef>
+            </p:style>
+            <p:txBody>
+              <a:bodyPr rtlCol="0" anchor="ctr"/>
+              <a:lstStyle/>
+              <a:p>
+                <a:pPr algn="ctr"/>
+                <a:endParaRPr lang="ko-KR" altLang="en-US" sz="1050" dirty="0">
+                  <a:solidFill>
+                    <a:sysClr val="windowText" lastClr="000000"/>
+                  </a:solidFill>
+                </a:endParaRPr>
+              </a:p>
+            </p:txBody>
+          </p:sp>
+          <p:cxnSp>
+            <p:nvCxnSpPr>
+              <p:cNvPr id="148" name="직선 연결선 147"/>
+              <p:cNvCxnSpPr/>
+              <p:nvPr/>
+            </p:nvCxnSpPr>
+            <p:spPr>
+              <a:xfrm>
+                <a:off x="2731553" y="1687731"/>
+                <a:ext cx="815388" cy="757435"/>
+              </a:xfrm>
+              <a:prstGeom prst="line">
+                <a:avLst/>
+              </a:prstGeom>
+              <a:ln>
+                <a:solidFill>
+                  <a:schemeClr val="tx1"/>
+                </a:solidFill>
+              </a:ln>
+            </p:spPr>
+            <p:style>
+              <a:lnRef idx="1">
+                <a:schemeClr val="accent1"/>
+              </a:lnRef>
+              <a:fillRef idx="0">
+                <a:schemeClr val="accent1"/>
+              </a:fillRef>
+              <a:effectRef idx="0">
+                <a:schemeClr val="accent1"/>
+              </a:effectRef>
+              <a:fontRef idx="minor">
                 <a:schemeClr val="tx1"/>
-              </a:solidFill>
-            </a:ln>
-          </p:spPr>
-          <p:style>
-            <a:lnRef idx="2">
-              <a:schemeClr val="accent1">
-                <a:shade val="50000"/>
-              </a:schemeClr>
-            </a:lnRef>
-            <a:fillRef idx="1">
-              <a:schemeClr val="accent1"/>
-            </a:fillRef>
-            <a:effectRef idx="0">
-              <a:schemeClr val="accent1"/>
-            </a:effectRef>
-            <a:fontRef idx="minor">
-              <a:schemeClr val="lt1"/>
-            </a:fontRef>
-          </p:style>
-          <p:txBody>
-            <a:bodyPr rtlCol="0" anchor="ctr"/>
-            <a:lstStyle/>
-            <a:p>
-              <a:pPr algn="ctr"/>
-              <a:endParaRPr lang="ko-KR" altLang="en-US" sz="1050" dirty="0">
+              </a:fontRef>
+            </p:style>
+          </p:cxnSp>
+        </p:grpSp>
+        <p:grpSp>
+          <p:nvGrpSpPr>
+            <p:cNvPr id="149" name="그룹 148"/>
+            <p:cNvGrpSpPr/>
+            <p:nvPr/>
+          </p:nvGrpSpPr>
+          <p:grpSpPr>
+            <a:xfrm>
+              <a:off x="3568804" y="3683743"/>
+              <a:ext cx="420906" cy="390990"/>
+              <a:chOff x="2731553" y="1687731"/>
+              <a:chExt cx="815388" cy="757435"/>
+            </a:xfrm>
+          </p:grpSpPr>
+          <p:sp>
+            <p:nvSpPr>
+              <p:cNvPr id="150" name="Rectangle 1"/>
+              <p:cNvSpPr/>
+              <p:nvPr/>
+            </p:nvSpPr>
+            <p:spPr>
+              <a:xfrm>
+                <a:off x="2731553" y="1687731"/>
+                <a:ext cx="815388" cy="757435"/>
+              </a:xfrm>
+              <a:prstGeom prst="rect">
+                <a:avLst/>
+              </a:prstGeom>
+              <a:noFill/>
+              <a:ln w="12700">
                 <a:solidFill>
-                  <a:sysClr val="windowText" lastClr="000000"/>
+                  <a:schemeClr val="tx1"/>
                 </a:solidFill>
-              </a:endParaRPr>
-            </a:p>
-          </p:txBody>
-        </p:sp>
-        <p:cxnSp>
-          <p:nvCxnSpPr>
-            <p:cNvPr id="80" name="직선 연결선 79"/>
-            <p:cNvCxnSpPr/>
+              </a:ln>
+            </p:spPr>
+            <p:style>
+              <a:lnRef idx="2">
+                <a:schemeClr val="accent1">
+                  <a:shade val="50000"/>
+                </a:schemeClr>
+              </a:lnRef>
+              <a:fillRef idx="1">
+                <a:schemeClr val="accent1"/>
+              </a:fillRef>
+              <a:effectRef idx="0">
+                <a:schemeClr val="accent1"/>
+              </a:effectRef>
+              <a:fontRef idx="minor">
+                <a:schemeClr val="lt1"/>
+              </a:fontRef>
+            </p:style>
+            <p:txBody>
+              <a:bodyPr rtlCol="0" anchor="ctr"/>
+              <a:lstStyle/>
+              <a:p>
+                <a:pPr algn="ctr"/>
+                <a:endParaRPr lang="ko-KR" altLang="en-US" sz="1050" dirty="0">
+                  <a:solidFill>
+                    <a:sysClr val="windowText" lastClr="000000"/>
+                  </a:solidFill>
+                </a:endParaRPr>
+              </a:p>
+            </p:txBody>
+          </p:sp>
+          <p:cxnSp>
+            <p:nvCxnSpPr>
+              <p:cNvPr id="151" name="직선 연결선 150"/>
+              <p:cNvCxnSpPr/>
+              <p:nvPr/>
+            </p:nvCxnSpPr>
+            <p:spPr>
+              <a:xfrm>
+                <a:off x="2731553" y="1687731"/>
+                <a:ext cx="815388" cy="757435"/>
+              </a:xfrm>
+              <a:prstGeom prst="line">
+                <a:avLst/>
+              </a:prstGeom>
+              <a:ln>
+                <a:solidFill>
+                  <a:schemeClr val="tx1"/>
+                </a:solidFill>
+              </a:ln>
+            </p:spPr>
+            <p:style>
+              <a:lnRef idx="1">
+                <a:schemeClr val="accent1"/>
+              </a:lnRef>
+              <a:fillRef idx="0">
+                <a:schemeClr val="accent1"/>
+              </a:fillRef>
+              <a:effectRef idx="0">
+                <a:schemeClr val="accent1"/>
+              </a:effectRef>
+              <a:fontRef idx="minor">
+                <a:schemeClr val="tx1"/>
+              </a:fontRef>
+            </p:style>
+          </p:cxnSp>
+        </p:grpSp>
+        <p:grpSp>
+          <p:nvGrpSpPr>
+            <p:cNvPr id="152" name="그룹 151"/>
+            <p:cNvGrpSpPr/>
             <p:nvPr/>
-          </p:nvCxnSpPr>
-          <p:spPr>
+          </p:nvGrpSpPr>
+          <p:grpSpPr>
             <a:xfrm>
-              <a:off x="2731553" y="1687731"/>
-              <a:ext cx="815388" cy="757435"/>
+              <a:off x="4016479" y="3683743"/>
+              <a:ext cx="420906" cy="390990"/>
+              <a:chOff x="2731553" y="1687731"/>
+              <a:chExt cx="815388" cy="757435"/>
             </a:xfrm>
-            <a:prstGeom prst="line">
-              <a:avLst/>
-            </a:prstGeom>
-            <a:ln>
-              <a:solidFill>
+          </p:grpSpPr>
+          <p:sp>
+            <p:nvSpPr>
+              <p:cNvPr id="153" name="Rectangle 1"/>
+              <p:cNvSpPr/>
+              <p:nvPr/>
+            </p:nvSpPr>
+            <p:spPr>
+              <a:xfrm>
+                <a:off x="2731553" y="1687731"/>
+                <a:ext cx="815388" cy="757435"/>
+              </a:xfrm>
+              <a:prstGeom prst="rect">
+                <a:avLst/>
+              </a:prstGeom>
+              <a:noFill/>
+              <a:ln w="12700">
+                <a:solidFill>
+                  <a:schemeClr val="tx1"/>
+                </a:solidFill>
+              </a:ln>
+            </p:spPr>
+            <p:style>
+              <a:lnRef idx="2">
+                <a:schemeClr val="accent1">
+                  <a:shade val="50000"/>
+                </a:schemeClr>
+              </a:lnRef>
+              <a:fillRef idx="1">
+                <a:schemeClr val="accent1"/>
+              </a:fillRef>
+              <a:effectRef idx="0">
+                <a:schemeClr val="accent1"/>
+              </a:effectRef>
+              <a:fontRef idx="minor">
+                <a:schemeClr val="lt1"/>
+              </a:fontRef>
+            </p:style>
+            <p:txBody>
+              <a:bodyPr rtlCol="0" anchor="ctr"/>
+              <a:lstStyle/>
+              <a:p>
+                <a:pPr algn="ctr"/>
+                <a:endParaRPr lang="ko-KR" altLang="en-US" sz="1050" dirty="0">
+                  <a:solidFill>
+                    <a:sysClr val="windowText" lastClr="000000"/>
+                  </a:solidFill>
+                </a:endParaRPr>
+              </a:p>
+            </p:txBody>
+          </p:sp>
+          <p:cxnSp>
+            <p:nvCxnSpPr>
+              <p:cNvPr id="154" name="직선 연결선 153"/>
+              <p:cNvCxnSpPr/>
+              <p:nvPr/>
+            </p:nvCxnSpPr>
+            <p:spPr>
+              <a:xfrm>
+                <a:off x="2731553" y="1687731"/>
+                <a:ext cx="815388" cy="757435"/>
+              </a:xfrm>
+              <a:prstGeom prst="line">
+                <a:avLst/>
+              </a:prstGeom>
+              <a:ln>
+                <a:solidFill>
+                  <a:schemeClr val="tx1"/>
+                </a:solidFill>
+              </a:ln>
+            </p:spPr>
+            <p:style>
+              <a:lnRef idx="1">
+                <a:schemeClr val="accent1"/>
+              </a:lnRef>
+              <a:fillRef idx="0">
+                <a:schemeClr val="accent1"/>
+              </a:fillRef>
+              <a:effectRef idx="0">
+                <a:schemeClr val="accent1"/>
+              </a:effectRef>
+              <a:fontRef idx="minor">
                 <a:schemeClr val="tx1"/>
-              </a:solidFill>
-            </a:ln>
-          </p:spPr>
-          <p:style>
-            <a:lnRef idx="1">
-              <a:schemeClr val="accent1"/>
-            </a:lnRef>
-            <a:fillRef idx="0">
-              <a:schemeClr val="accent1"/>
-            </a:fillRef>
-            <a:effectRef idx="0">
-              <a:schemeClr val="accent1"/>
-            </a:effectRef>
-            <a:fontRef idx="minor">
-              <a:schemeClr val="tx1"/>
-            </a:fontRef>
-          </p:style>
-        </p:cxnSp>
-      </p:grpSp>
-      <p:grpSp>
-        <p:nvGrpSpPr>
-          <p:cNvPr id="131" name="그룹 130"/>
-          <p:cNvGrpSpPr/>
-          <p:nvPr/>
-        </p:nvGrpSpPr>
-        <p:grpSpPr>
-          <a:xfrm>
-            <a:off x="2673454" y="3242756"/>
-            <a:ext cx="420906" cy="390990"/>
-            <a:chOff x="2731553" y="1687731"/>
-            <a:chExt cx="815388" cy="757435"/>
-          </a:xfrm>
-        </p:grpSpPr>
-        <p:sp>
-          <p:nvSpPr>
-            <p:cNvPr id="132" name="Rectangle 1"/>
-            <p:cNvSpPr/>
-            <p:nvPr/>
-          </p:nvSpPr>
-          <p:spPr>
-            <a:xfrm>
-              <a:off x="2731553" y="1687731"/>
-              <a:ext cx="815388" cy="757435"/>
-            </a:xfrm>
-            <a:prstGeom prst="rect">
-              <a:avLst/>
-            </a:prstGeom>
-            <a:noFill/>
-            <a:ln w="12700">
-              <a:solidFill>
-                <a:schemeClr val="tx1"/>
-              </a:solidFill>
-            </a:ln>
-          </p:spPr>
-          <p:style>
-            <a:lnRef idx="2">
-              <a:schemeClr val="accent1">
-                <a:shade val="50000"/>
-              </a:schemeClr>
-            </a:lnRef>
-            <a:fillRef idx="1">
-              <a:schemeClr val="accent1"/>
-            </a:fillRef>
-            <a:effectRef idx="0">
-              <a:schemeClr val="accent1"/>
-            </a:effectRef>
-            <a:fontRef idx="minor">
-              <a:schemeClr val="lt1"/>
-            </a:fontRef>
-          </p:style>
-          <p:txBody>
-            <a:bodyPr rtlCol="0" anchor="ctr"/>
-            <a:lstStyle/>
-            <a:p>
-              <a:pPr algn="ctr"/>
-              <a:endParaRPr lang="ko-KR" altLang="en-US" sz="1050" dirty="0">
-                <a:solidFill>
-                  <a:sysClr val="windowText" lastClr="000000"/>
-                </a:solidFill>
-              </a:endParaRPr>
-            </a:p>
-          </p:txBody>
-        </p:sp>
-        <p:cxnSp>
-          <p:nvCxnSpPr>
-            <p:cNvPr id="133" name="직선 연결선 132"/>
-            <p:cNvCxnSpPr/>
-            <p:nvPr/>
-          </p:nvCxnSpPr>
-          <p:spPr>
-            <a:xfrm>
-              <a:off x="2731553" y="1687731"/>
-              <a:ext cx="815388" cy="757435"/>
-            </a:xfrm>
-            <a:prstGeom prst="line">
-              <a:avLst/>
-            </a:prstGeom>
-            <a:ln>
-              <a:solidFill>
-                <a:schemeClr val="tx1"/>
-              </a:solidFill>
-            </a:ln>
-          </p:spPr>
-          <p:style>
-            <a:lnRef idx="1">
-              <a:schemeClr val="accent1"/>
-            </a:lnRef>
-            <a:fillRef idx="0">
-              <a:schemeClr val="accent1"/>
-            </a:fillRef>
-            <a:effectRef idx="0">
-              <a:schemeClr val="accent1"/>
-            </a:effectRef>
-            <a:fontRef idx="minor">
-              <a:schemeClr val="tx1"/>
-            </a:fontRef>
-          </p:style>
-        </p:cxnSp>
-      </p:grpSp>
-      <p:grpSp>
-        <p:nvGrpSpPr>
-          <p:cNvPr id="134" name="그룹 133"/>
-          <p:cNvGrpSpPr/>
-          <p:nvPr/>
-        </p:nvGrpSpPr>
-        <p:grpSpPr>
-          <a:xfrm>
-            <a:off x="3121129" y="3242756"/>
-            <a:ext cx="420906" cy="390990"/>
-            <a:chOff x="2731553" y="1687731"/>
-            <a:chExt cx="815388" cy="757435"/>
-          </a:xfrm>
-        </p:grpSpPr>
-        <p:sp>
-          <p:nvSpPr>
-            <p:cNvPr id="135" name="Rectangle 1"/>
-            <p:cNvSpPr/>
-            <p:nvPr/>
-          </p:nvSpPr>
-          <p:spPr>
-            <a:xfrm>
-              <a:off x="2731553" y="1687731"/>
-              <a:ext cx="815388" cy="757435"/>
-            </a:xfrm>
-            <a:prstGeom prst="rect">
-              <a:avLst/>
-            </a:prstGeom>
-            <a:noFill/>
-            <a:ln w="12700">
-              <a:solidFill>
-                <a:schemeClr val="tx1"/>
-              </a:solidFill>
-            </a:ln>
-          </p:spPr>
-          <p:style>
-            <a:lnRef idx="2">
-              <a:schemeClr val="accent1">
-                <a:shade val="50000"/>
-              </a:schemeClr>
-            </a:lnRef>
-            <a:fillRef idx="1">
-              <a:schemeClr val="accent1"/>
-            </a:fillRef>
-            <a:effectRef idx="0">
-              <a:schemeClr val="accent1"/>
-            </a:effectRef>
-            <a:fontRef idx="minor">
-              <a:schemeClr val="lt1"/>
-            </a:fontRef>
-          </p:style>
-          <p:txBody>
-            <a:bodyPr rtlCol="0" anchor="ctr"/>
-            <a:lstStyle/>
-            <a:p>
-              <a:pPr algn="ctr"/>
-              <a:endParaRPr lang="ko-KR" altLang="en-US" sz="1050" dirty="0">
-                <a:solidFill>
-                  <a:sysClr val="windowText" lastClr="000000"/>
-                </a:solidFill>
-              </a:endParaRPr>
-            </a:p>
-          </p:txBody>
-        </p:sp>
-        <p:cxnSp>
-          <p:nvCxnSpPr>
-            <p:cNvPr id="136" name="직선 연결선 135"/>
-            <p:cNvCxnSpPr/>
-            <p:nvPr/>
-          </p:nvCxnSpPr>
-          <p:spPr>
-            <a:xfrm>
-              <a:off x="2731553" y="1687731"/>
-              <a:ext cx="815388" cy="757435"/>
-            </a:xfrm>
-            <a:prstGeom prst="line">
-              <a:avLst/>
-            </a:prstGeom>
-            <a:ln>
-              <a:solidFill>
-                <a:schemeClr val="tx1"/>
-              </a:solidFill>
-            </a:ln>
-          </p:spPr>
-          <p:style>
-            <a:lnRef idx="1">
-              <a:schemeClr val="accent1"/>
-            </a:lnRef>
-            <a:fillRef idx="0">
-              <a:schemeClr val="accent1"/>
-            </a:fillRef>
-            <a:effectRef idx="0">
-              <a:schemeClr val="accent1"/>
-            </a:effectRef>
-            <a:fontRef idx="minor">
-              <a:schemeClr val="tx1"/>
-            </a:fontRef>
-          </p:style>
-        </p:cxnSp>
-      </p:grpSp>
-      <p:grpSp>
-        <p:nvGrpSpPr>
-          <p:cNvPr id="137" name="그룹 136"/>
-          <p:cNvGrpSpPr/>
-          <p:nvPr/>
-        </p:nvGrpSpPr>
-        <p:grpSpPr>
-          <a:xfrm>
-            <a:off x="3571185" y="3242756"/>
-            <a:ext cx="420906" cy="390990"/>
-            <a:chOff x="2731553" y="1687731"/>
-            <a:chExt cx="815388" cy="757435"/>
-          </a:xfrm>
-        </p:grpSpPr>
-        <p:sp>
-          <p:nvSpPr>
-            <p:cNvPr id="138" name="Rectangle 1"/>
-            <p:cNvSpPr/>
-            <p:nvPr/>
-          </p:nvSpPr>
-          <p:spPr>
-            <a:xfrm>
-              <a:off x="2731553" y="1687731"/>
-              <a:ext cx="815388" cy="757435"/>
-            </a:xfrm>
-            <a:prstGeom prst="rect">
-              <a:avLst/>
-            </a:prstGeom>
-            <a:noFill/>
-            <a:ln w="12700">
-              <a:solidFill>
-                <a:schemeClr val="tx1"/>
-              </a:solidFill>
-            </a:ln>
-          </p:spPr>
-          <p:style>
-            <a:lnRef idx="2">
-              <a:schemeClr val="accent1">
-                <a:shade val="50000"/>
-              </a:schemeClr>
-            </a:lnRef>
-            <a:fillRef idx="1">
-              <a:schemeClr val="accent1"/>
-            </a:fillRef>
-            <a:effectRef idx="0">
-              <a:schemeClr val="accent1"/>
-            </a:effectRef>
-            <a:fontRef idx="minor">
-              <a:schemeClr val="lt1"/>
-            </a:fontRef>
-          </p:style>
-          <p:txBody>
-            <a:bodyPr rtlCol="0" anchor="ctr"/>
-            <a:lstStyle/>
-            <a:p>
-              <a:pPr algn="ctr"/>
-              <a:endParaRPr lang="ko-KR" altLang="en-US" sz="1050" dirty="0">
-                <a:solidFill>
-                  <a:sysClr val="windowText" lastClr="000000"/>
-                </a:solidFill>
-              </a:endParaRPr>
-            </a:p>
-          </p:txBody>
-        </p:sp>
-        <p:cxnSp>
-          <p:nvCxnSpPr>
-            <p:cNvPr id="139" name="직선 연결선 138"/>
-            <p:cNvCxnSpPr/>
-            <p:nvPr/>
-          </p:nvCxnSpPr>
-          <p:spPr>
-            <a:xfrm>
-              <a:off x="2731553" y="1687731"/>
-              <a:ext cx="815388" cy="757435"/>
-            </a:xfrm>
-            <a:prstGeom prst="line">
-              <a:avLst/>
-            </a:prstGeom>
-            <a:ln>
-              <a:solidFill>
-                <a:schemeClr val="tx1"/>
-              </a:solidFill>
-            </a:ln>
-          </p:spPr>
-          <p:style>
-            <a:lnRef idx="1">
-              <a:schemeClr val="accent1"/>
-            </a:lnRef>
-            <a:fillRef idx="0">
-              <a:schemeClr val="accent1"/>
-            </a:fillRef>
-            <a:effectRef idx="0">
-              <a:schemeClr val="accent1"/>
-            </a:effectRef>
-            <a:fontRef idx="minor">
-              <a:schemeClr val="tx1"/>
-            </a:fontRef>
-          </p:style>
-        </p:cxnSp>
-      </p:grpSp>
-      <p:grpSp>
-        <p:nvGrpSpPr>
-          <p:cNvPr id="140" name="그룹 139"/>
-          <p:cNvGrpSpPr/>
-          <p:nvPr/>
-        </p:nvGrpSpPr>
-        <p:grpSpPr>
-          <a:xfrm>
-            <a:off x="4021241" y="3242756"/>
-            <a:ext cx="420906" cy="390990"/>
-            <a:chOff x="2731553" y="1687731"/>
-            <a:chExt cx="815388" cy="757435"/>
-          </a:xfrm>
-        </p:grpSpPr>
-        <p:sp>
-          <p:nvSpPr>
-            <p:cNvPr id="141" name="Rectangle 1"/>
-            <p:cNvSpPr/>
-            <p:nvPr/>
-          </p:nvSpPr>
-          <p:spPr>
-            <a:xfrm>
-              <a:off x="2731553" y="1687731"/>
-              <a:ext cx="815388" cy="757435"/>
-            </a:xfrm>
-            <a:prstGeom prst="rect">
-              <a:avLst/>
-            </a:prstGeom>
-            <a:noFill/>
-            <a:ln w="12700">
-              <a:solidFill>
-                <a:schemeClr val="tx1"/>
-              </a:solidFill>
-            </a:ln>
-          </p:spPr>
-          <p:style>
-            <a:lnRef idx="2">
-              <a:schemeClr val="accent1">
-                <a:shade val="50000"/>
-              </a:schemeClr>
-            </a:lnRef>
-            <a:fillRef idx="1">
-              <a:schemeClr val="accent1"/>
-            </a:fillRef>
-            <a:effectRef idx="0">
-              <a:schemeClr val="accent1"/>
-            </a:effectRef>
-            <a:fontRef idx="minor">
-              <a:schemeClr val="lt1"/>
-            </a:fontRef>
-          </p:style>
-          <p:txBody>
-            <a:bodyPr rtlCol="0" anchor="ctr"/>
-            <a:lstStyle/>
-            <a:p>
-              <a:pPr algn="ctr"/>
-              <a:endParaRPr lang="ko-KR" altLang="en-US" sz="1050" dirty="0">
-                <a:solidFill>
-                  <a:sysClr val="windowText" lastClr="000000"/>
-                </a:solidFill>
-              </a:endParaRPr>
-            </a:p>
-          </p:txBody>
-        </p:sp>
-        <p:cxnSp>
-          <p:nvCxnSpPr>
-            <p:cNvPr id="142" name="직선 연결선 141"/>
-            <p:cNvCxnSpPr/>
-            <p:nvPr/>
-          </p:nvCxnSpPr>
-          <p:spPr>
-            <a:xfrm>
-              <a:off x="2731553" y="1687731"/>
-              <a:ext cx="815388" cy="757435"/>
-            </a:xfrm>
-            <a:prstGeom prst="line">
-              <a:avLst/>
-            </a:prstGeom>
-            <a:ln>
-              <a:solidFill>
-                <a:schemeClr val="tx1"/>
-              </a:solidFill>
-            </a:ln>
-          </p:spPr>
-          <p:style>
-            <a:lnRef idx="1">
-              <a:schemeClr val="accent1"/>
-            </a:lnRef>
-            <a:fillRef idx="0">
-              <a:schemeClr val="accent1"/>
-            </a:fillRef>
-            <a:effectRef idx="0">
-              <a:schemeClr val="accent1"/>
-            </a:effectRef>
-            <a:fontRef idx="minor">
-              <a:schemeClr val="tx1"/>
-            </a:fontRef>
-          </p:style>
-        </p:cxnSp>
-      </p:grpSp>
-      <p:grpSp>
-        <p:nvGrpSpPr>
-          <p:cNvPr id="143" name="그룹 142"/>
-          <p:cNvGrpSpPr/>
-          <p:nvPr/>
-        </p:nvGrpSpPr>
-        <p:grpSpPr>
-          <a:xfrm>
-            <a:off x="2673454" y="3683743"/>
-            <a:ext cx="420906" cy="390990"/>
-            <a:chOff x="2731553" y="1687731"/>
-            <a:chExt cx="815388" cy="757435"/>
-          </a:xfrm>
-        </p:grpSpPr>
-        <p:sp>
-          <p:nvSpPr>
-            <p:cNvPr id="144" name="Rectangle 1"/>
-            <p:cNvSpPr/>
-            <p:nvPr/>
-          </p:nvSpPr>
-          <p:spPr>
-            <a:xfrm>
-              <a:off x="2731553" y="1687731"/>
-              <a:ext cx="815388" cy="757435"/>
-            </a:xfrm>
-            <a:prstGeom prst="rect">
-              <a:avLst/>
-            </a:prstGeom>
-            <a:noFill/>
-            <a:ln w="12700">
-              <a:solidFill>
-                <a:schemeClr val="tx1"/>
-              </a:solidFill>
-            </a:ln>
-          </p:spPr>
-          <p:style>
-            <a:lnRef idx="2">
-              <a:schemeClr val="accent1">
-                <a:shade val="50000"/>
-              </a:schemeClr>
-            </a:lnRef>
-            <a:fillRef idx="1">
-              <a:schemeClr val="accent1"/>
-            </a:fillRef>
-            <a:effectRef idx="0">
-              <a:schemeClr val="accent1"/>
-            </a:effectRef>
-            <a:fontRef idx="minor">
-              <a:schemeClr val="lt1"/>
-            </a:fontRef>
-          </p:style>
-          <p:txBody>
-            <a:bodyPr rtlCol="0" anchor="ctr"/>
-            <a:lstStyle/>
-            <a:p>
-              <a:pPr algn="ctr"/>
-              <a:endParaRPr lang="ko-KR" altLang="en-US" sz="1050" dirty="0">
-                <a:solidFill>
-                  <a:sysClr val="windowText" lastClr="000000"/>
-                </a:solidFill>
-              </a:endParaRPr>
-            </a:p>
-          </p:txBody>
-        </p:sp>
-        <p:cxnSp>
-          <p:nvCxnSpPr>
-            <p:cNvPr id="145" name="직선 연결선 144"/>
-            <p:cNvCxnSpPr/>
-            <p:nvPr/>
-          </p:nvCxnSpPr>
-          <p:spPr>
-            <a:xfrm>
-              <a:off x="2731553" y="1687731"/>
-              <a:ext cx="815388" cy="757435"/>
-            </a:xfrm>
-            <a:prstGeom prst="line">
-              <a:avLst/>
-            </a:prstGeom>
-            <a:ln>
-              <a:solidFill>
-                <a:schemeClr val="tx1"/>
-              </a:solidFill>
-            </a:ln>
-          </p:spPr>
-          <p:style>
-            <a:lnRef idx="1">
-              <a:schemeClr val="accent1"/>
-            </a:lnRef>
-            <a:fillRef idx="0">
-              <a:schemeClr val="accent1"/>
-            </a:fillRef>
-            <a:effectRef idx="0">
-              <a:schemeClr val="accent1"/>
-            </a:effectRef>
-            <a:fontRef idx="minor">
-              <a:schemeClr val="tx1"/>
-            </a:fontRef>
-          </p:style>
-        </p:cxnSp>
-      </p:grpSp>
-      <p:grpSp>
-        <p:nvGrpSpPr>
-          <p:cNvPr id="146" name="그룹 145"/>
-          <p:cNvGrpSpPr/>
-          <p:nvPr/>
-        </p:nvGrpSpPr>
-        <p:grpSpPr>
-          <a:xfrm>
-            <a:off x="3121129" y="3683743"/>
-            <a:ext cx="420906" cy="390990"/>
-            <a:chOff x="2731553" y="1687731"/>
-            <a:chExt cx="815388" cy="757435"/>
-          </a:xfrm>
-        </p:grpSpPr>
-        <p:sp>
-          <p:nvSpPr>
-            <p:cNvPr id="147" name="Rectangle 1"/>
-            <p:cNvSpPr/>
-            <p:nvPr/>
-          </p:nvSpPr>
-          <p:spPr>
-            <a:xfrm>
-              <a:off x="2731553" y="1687731"/>
-              <a:ext cx="815388" cy="757435"/>
-            </a:xfrm>
-            <a:prstGeom prst="rect">
-              <a:avLst/>
-            </a:prstGeom>
-            <a:noFill/>
-            <a:ln w="12700">
-              <a:solidFill>
-                <a:schemeClr val="tx1"/>
-              </a:solidFill>
-            </a:ln>
-          </p:spPr>
-          <p:style>
-            <a:lnRef idx="2">
-              <a:schemeClr val="accent1">
-                <a:shade val="50000"/>
-              </a:schemeClr>
-            </a:lnRef>
-            <a:fillRef idx="1">
-              <a:schemeClr val="accent1"/>
-            </a:fillRef>
-            <a:effectRef idx="0">
-              <a:schemeClr val="accent1"/>
-            </a:effectRef>
-            <a:fontRef idx="minor">
-              <a:schemeClr val="lt1"/>
-            </a:fontRef>
-          </p:style>
-          <p:txBody>
-            <a:bodyPr rtlCol="0" anchor="ctr"/>
-            <a:lstStyle/>
-            <a:p>
-              <a:pPr algn="ctr"/>
-              <a:endParaRPr lang="ko-KR" altLang="en-US" sz="1050" dirty="0">
-                <a:solidFill>
-                  <a:sysClr val="windowText" lastClr="000000"/>
-                </a:solidFill>
-              </a:endParaRPr>
-            </a:p>
-          </p:txBody>
-        </p:sp>
-        <p:cxnSp>
-          <p:nvCxnSpPr>
-            <p:cNvPr id="148" name="직선 연결선 147"/>
-            <p:cNvCxnSpPr/>
-            <p:nvPr/>
-          </p:nvCxnSpPr>
-          <p:spPr>
-            <a:xfrm>
-              <a:off x="2731553" y="1687731"/>
-              <a:ext cx="815388" cy="757435"/>
-            </a:xfrm>
-            <a:prstGeom prst="line">
-              <a:avLst/>
-            </a:prstGeom>
-            <a:ln>
-              <a:solidFill>
-                <a:schemeClr val="tx1"/>
-              </a:solidFill>
-            </a:ln>
-          </p:spPr>
-          <p:style>
-            <a:lnRef idx="1">
-              <a:schemeClr val="accent1"/>
-            </a:lnRef>
-            <a:fillRef idx="0">
-              <a:schemeClr val="accent1"/>
-            </a:fillRef>
-            <a:effectRef idx="0">
-              <a:schemeClr val="accent1"/>
-            </a:effectRef>
-            <a:fontRef idx="minor">
-              <a:schemeClr val="tx1"/>
-            </a:fontRef>
-          </p:style>
-        </p:cxnSp>
-      </p:grpSp>
-      <p:grpSp>
-        <p:nvGrpSpPr>
-          <p:cNvPr id="149" name="그룹 148"/>
-          <p:cNvGrpSpPr/>
-          <p:nvPr/>
-        </p:nvGrpSpPr>
-        <p:grpSpPr>
-          <a:xfrm>
-            <a:off x="3568804" y="3683743"/>
-            <a:ext cx="420906" cy="390990"/>
-            <a:chOff x="2731553" y="1687731"/>
-            <a:chExt cx="815388" cy="757435"/>
-          </a:xfrm>
-        </p:grpSpPr>
-        <p:sp>
-          <p:nvSpPr>
-            <p:cNvPr id="150" name="Rectangle 1"/>
-            <p:cNvSpPr/>
-            <p:nvPr/>
-          </p:nvSpPr>
-          <p:spPr>
-            <a:xfrm>
-              <a:off x="2731553" y="1687731"/>
-              <a:ext cx="815388" cy="757435"/>
-            </a:xfrm>
-            <a:prstGeom prst="rect">
-              <a:avLst/>
-            </a:prstGeom>
-            <a:noFill/>
-            <a:ln w="12700">
-              <a:solidFill>
-                <a:schemeClr val="tx1"/>
-              </a:solidFill>
-            </a:ln>
-          </p:spPr>
-          <p:style>
-            <a:lnRef idx="2">
-              <a:schemeClr val="accent1">
-                <a:shade val="50000"/>
-              </a:schemeClr>
-            </a:lnRef>
-            <a:fillRef idx="1">
-              <a:schemeClr val="accent1"/>
-            </a:fillRef>
-            <a:effectRef idx="0">
-              <a:schemeClr val="accent1"/>
-            </a:effectRef>
-            <a:fontRef idx="minor">
-              <a:schemeClr val="lt1"/>
-            </a:fontRef>
-          </p:style>
-          <p:txBody>
-            <a:bodyPr rtlCol="0" anchor="ctr"/>
-            <a:lstStyle/>
-            <a:p>
-              <a:pPr algn="ctr"/>
-              <a:endParaRPr lang="ko-KR" altLang="en-US" sz="1050" dirty="0">
-                <a:solidFill>
-                  <a:sysClr val="windowText" lastClr="000000"/>
-                </a:solidFill>
-              </a:endParaRPr>
-            </a:p>
-          </p:txBody>
-        </p:sp>
-        <p:cxnSp>
-          <p:nvCxnSpPr>
-            <p:cNvPr id="151" name="직선 연결선 150"/>
-            <p:cNvCxnSpPr/>
-            <p:nvPr/>
-          </p:nvCxnSpPr>
-          <p:spPr>
-            <a:xfrm>
-              <a:off x="2731553" y="1687731"/>
-              <a:ext cx="815388" cy="757435"/>
-            </a:xfrm>
-            <a:prstGeom prst="line">
-              <a:avLst/>
-            </a:prstGeom>
-            <a:ln>
-              <a:solidFill>
-                <a:schemeClr val="tx1"/>
-              </a:solidFill>
-            </a:ln>
-          </p:spPr>
-          <p:style>
-            <a:lnRef idx="1">
-              <a:schemeClr val="accent1"/>
-            </a:lnRef>
-            <a:fillRef idx="0">
-              <a:schemeClr val="accent1"/>
-            </a:fillRef>
-            <a:effectRef idx="0">
-              <a:schemeClr val="accent1"/>
-            </a:effectRef>
-            <a:fontRef idx="minor">
-              <a:schemeClr val="tx1"/>
-            </a:fontRef>
-          </p:style>
-        </p:cxnSp>
-      </p:grpSp>
-      <p:grpSp>
-        <p:nvGrpSpPr>
-          <p:cNvPr id="152" name="그룹 151"/>
-          <p:cNvGrpSpPr/>
-          <p:nvPr/>
-        </p:nvGrpSpPr>
-        <p:grpSpPr>
-          <a:xfrm>
-            <a:off x="4016479" y="3683743"/>
-            <a:ext cx="420906" cy="390990"/>
-            <a:chOff x="2731553" y="1687731"/>
-            <a:chExt cx="815388" cy="757435"/>
-          </a:xfrm>
-        </p:grpSpPr>
-        <p:sp>
-          <p:nvSpPr>
-            <p:cNvPr id="153" name="Rectangle 1"/>
-            <p:cNvSpPr/>
-            <p:nvPr/>
-          </p:nvSpPr>
-          <p:spPr>
-            <a:xfrm>
-              <a:off x="2731553" y="1687731"/>
-              <a:ext cx="815388" cy="757435"/>
-            </a:xfrm>
-            <a:prstGeom prst="rect">
-              <a:avLst/>
-            </a:prstGeom>
-            <a:noFill/>
-            <a:ln w="12700">
-              <a:solidFill>
-                <a:schemeClr val="tx1"/>
-              </a:solidFill>
-            </a:ln>
-          </p:spPr>
-          <p:style>
-            <a:lnRef idx="2">
-              <a:schemeClr val="accent1">
-                <a:shade val="50000"/>
-              </a:schemeClr>
-            </a:lnRef>
-            <a:fillRef idx="1">
-              <a:schemeClr val="accent1"/>
-            </a:fillRef>
-            <a:effectRef idx="0">
-              <a:schemeClr val="accent1"/>
-            </a:effectRef>
-            <a:fontRef idx="minor">
-              <a:schemeClr val="lt1"/>
-            </a:fontRef>
-          </p:style>
-          <p:txBody>
-            <a:bodyPr rtlCol="0" anchor="ctr"/>
-            <a:lstStyle/>
-            <a:p>
-              <a:pPr algn="ctr"/>
-              <a:endParaRPr lang="ko-KR" altLang="en-US" sz="1050" dirty="0">
-                <a:solidFill>
-                  <a:sysClr val="windowText" lastClr="000000"/>
-                </a:solidFill>
-              </a:endParaRPr>
-            </a:p>
-          </p:txBody>
-        </p:sp>
-        <p:cxnSp>
-          <p:nvCxnSpPr>
-            <p:cNvPr id="154" name="직선 연결선 153"/>
-            <p:cNvCxnSpPr/>
-            <p:nvPr/>
-          </p:nvCxnSpPr>
-          <p:spPr>
-            <a:xfrm>
-              <a:off x="2731553" y="1687731"/>
-              <a:ext cx="815388" cy="757435"/>
-            </a:xfrm>
-            <a:prstGeom prst="line">
-              <a:avLst/>
-            </a:prstGeom>
-            <a:ln>
-              <a:solidFill>
-                <a:schemeClr val="tx1"/>
-              </a:solidFill>
-            </a:ln>
-          </p:spPr>
-          <p:style>
-            <a:lnRef idx="1">
-              <a:schemeClr val="accent1"/>
-            </a:lnRef>
-            <a:fillRef idx="0">
-              <a:schemeClr val="accent1"/>
-            </a:fillRef>
-            <a:effectRef idx="0">
-              <a:schemeClr val="accent1"/>
-            </a:effectRef>
-            <a:fontRef idx="minor">
-              <a:schemeClr val="tx1"/>
-            </a:fontRef>
-          </p:style>
-        </p:cxnSp>
+              </a:fontRef>
+            </p:style>
+          </p:cxnSp>
+        </p:grpSp>
       </p:grpSp>
     </p:spTree>
     <p:extLst>
